--- a/docs/treinamento-estagiarios-five.pptx
+++ b/docs/treinamento-estagiarios-five.pptx
@@ -5,25 +5,29 @@
     <p:sldMasterId id="2147483648" r:id="rId1"/>
   </p:sldMasterIdLst>
   <p:notesMasterIdLst>
-    <p:notesMasterId r:id="rId18"/>
+    <p:notesMasterId r:id="rId22"/>
   </p:notesMasterIdLst>
   <p:sldIdLst>
-    <p:sldId id="263" r:id="rId2"/>
+    <p:sldId id="288" r:id="rId2"/>
     <p:sldId id="267" r:id="rId3"/>
     <p:sldId id="270" r:id="rId4"/>
     <p:sldId id="271" r:id="rId5"/>
     <p:sldId id="272" r:id="rId6"/>
     <p:sldId id="273" r:id="rId7"/>
-    <p:sldId id="274" r:id="rId8"/>
-    <p:sldId id="283" r:id="rId9"/>
-    <p:sldId id="275" r:id="rId10"/>
-    <p:sldId id="276" r:id="rId11"/>
-    <p:sldId id="278" r:id="rId12"/>
-    <p:sldId id="279" r:id="rId13"/>
-    <p:sldId id="284" r:id="rId14"/>
-    <p:sldId id="280" r:id="rId15"/>
-    <p:sldId id="281" r:id="rId16"/>
-    <p:sldId id="261" r:id="rId17"/>
+    <p:sldId id="289" r:id="rId8"/>
+    <p:sldId id="274" r:id="rId9"/>
+    <p:sldId id="283" r:id="rId10"/>
+    <p:sldId id="275" r:id="rId11"/>
+    <p:sldId id="276" r:id="rId12"/>
+    <p:sldId id="286" r:id="rId13"/>
+    <p:sldId id="287" r:id="rId14"/>
+    <p:sldId id="285" r:id="rId15"/>
+    <p:sldId id="278" r:id="rId16"/>
+    <p:sldId id="279" r:id="rId17"/>
+    <p:sldId id="284" r:id="rId18"/>
+    <p:sldId id="280" r:id="rId19"/>
+    <p:sldId id="281" r:id="rId20"/>
+    <p:sldId id="261" r:id="rId21"/>
   </p:sldIdLst>
   <p:sldSz cx="12192000" cy="6858000"/>
   <p:notesSz cx="6858000" cy="9144000"/>
@@ -212,7 +216,7 @@
           <a:p>
             <a:fld id="{39E3024A-3F02-4E8B-A4DC-2C44AEBF195E}" type="datetimeFigureOut">
               <a:rPr lang="pt-BR" smtClean="0"/>
-              <a:t>24/10/2022</a:t>
+              <a:t>31/10/2022</a:t>
             </a:fld>
             <a:endParaRPr lang="pt-BR"/>
           </a:p>
@@ -626,7 +630,7 @@
           <a:p>
             <a:fld id="{0BE5CF0B-143F-4330-BE11-9FB055A4399D}" type="datetimeFigureOut">
               <a:rPr lang="pt-BR" smtClean="0"/>
-              <a:t>24/10/2022</a:t>
+              <a:t>31/10/2022</a:t>
             </a:fld>
             <a:endParaRPr lang="pt-BR"/>
           </a:p>
@@ -824,7 +828,7 @@
           <a:p>
             <a:fld id="{0BE5CF0B-143F-4330-BE11-9FB055A4399D}" type="datetimeFigureOut">
               <a:rPr lang="pt-BR" smtClean="0"/>
-              <a:t>24/10/2022</a:t>
+              <a:t>31/10/2022</a:t>
             </a:fld>
             <a:endParaRPr lang="pt-BR"/>
           </a:p>
@@ -1032,7 +1036,7 @@
           <a:p>
             <a:fld id="{0BE5CF0B-143F-4330-BE11-9FB055A4399D}" type="datetimeFigureOut">
               <a:rPr lang="pt-BR" smtClean="0"/>
-              <a:t>24/10/2022</a:t>
+              <a:t>31/10/2022</a:t>
             </a:fld>
             <a:endParaRPr lang="pt-BR"/>
           </a:p>
@@ -1230,7 +1234,7 @@
           <a:p>
             <a:fld id="{0BE5CF0B-143F-4330-BE11-9FB055A4399D}" type="datetimeFigureOut">
               <a:rPr lang="pt-BR" smtClean="0"/>
-              <a:t>24/10/2022</a:t>
+              <a:t>31/10/2022</a:t>
             </a:fld>
             <a:endParaRPr lang="pt-BR"/>
           </a:p>
@@ -1505,7 +1509,7 @@
           <a:p>
             <a:fld id="{0BE5CF0B-143F-4330-BE11-9FB055A4399D}" type="datetimeFigureOut">
               <a:rPr lang="pt-BR" smtClean="0"/>
-              <a:t>24/10/2022</a:t>
+              <a:t>31/10/2022</a:t>
             </a:fld>
             <a:endParaRPr lang="pt-BR"/>
           </a:p>
@@ -1770,7 +1774,7 @@
           <a:p>
             <a:fld id="{0BE5CF0B-143F-4330-BE11-9FB055A4399D}" type="datetimeFigureOut">
               <a:rPr lang="pt-BR" smtClean="0"/>
-              <a:t>24/10/2022</a:t>
+              <a:t>31/10/2022</a:t>
             </a:fld>
             <a:endParaRPr lang="pt-BR"/>
           </a:p>
@@ -2182,7 +2186,7 @@
           <a:p>
             <a:fld id="{0BE5CF0B-143F-4330-BE11-9FB055A4399D}" type="datetimeFigureOut">
               <a:rPr lang="pt-BR" smtClean="0"/>
-              <a:t>24/10/2022</a:t>
+              <a:t>31/10/2022</a:t>
             </a:fld>
             <a:endParaRPr lang="pt-BR"/>
           </a:p>
@@ -2323,7 +2327,7 @@
           <a:p>
             <a:fld id="{0BE5CF0B-143F-4330-BE11-9FB055A4399D}" type="datetimeFigureOut">
               <a:rPr lang="pt-BR" smtClean="0"/>
-              <a:t>24/10/2022</a:t>
+              <a:t>31/10/2022</a:t>
             </a:fld>
             <a:endParaRPr lang="pt-BR"/>
           </a:p>
@@ -2436,7 +2440,7 @@
           <a:p>
             <a:fld id="{0BE5CF0B-143F-4330-BE11-9FB055A4399D}" type="datetimeFigureOut">
               <a:rPr lang="pt-BR" smtClean="0"/>
-              <a:t>24/10/2022</a:t>
+              <a:t>31/10/2022</a:t>
             </a:fld>
             <a:endParaRPr lang="pt-BR"/>
           </a:p>
@@ -2747,7 +2751,7 @@
           <a:p>
             <a:fld id="{0BE5CF0B-143F-4330-BE11-9FB055A4399D}" type="datetimeFigureOut">
               <a:rPr lang="pt-BR" smtClean="0"/>
-              <a:t>24/10/2022</a:t>
+              <a:t>31/10/2022</a:t>
             </a:fld>
             <a:endParaRPr lang="pt-BR"/>
           </a:p>
@@ -3035,7 +3039,7 @@
           <a:p>
             <a:fld id="{0BE5CF0B-143F-4330-BE11-9FB055A4399D}" type="datetimeFigureOut">
               <a:rPr lang="pt-BR" smtClean="0"/>
-              <a:t>24/10/2022</a:t>
+              <a:t>31/10/2022</a:t>
             </a:fld>
             <a:endParaRPr lang="pt-BR"/>
           </a:p>
@@ -3276,7 +3280,7 @@
           <a:p>
             <a:fld id="{0BE5CF0B-143F-4330-BE11-9FB055A4399D}" type="datetimeFigureOut">
               <a:rPr lang="pt-BR" smtClean="0"/>
-              <a:t>24/10/2022</a:t>
+              <a:t>31/10/2022</a:t>
             </a:fld>
             <a:endParaRPr lang="pt-BR"/>
           </a:p>
@@ -3728,129 +3732,359 @@
           <a:chExt cx="0" cy="0"/>
         </a:xfrm>
       </p:grpSpPr>
-      <p:pic>
-        <p:nvPicPr>
-          <p:cNvPr id="9" name="Imagem 8">
+      <p:sp>
+        <p:nvSpPr>
+          <p:cNvPr id="6" name="Título 1">
             <a:extLst>
               <a:ext uri="{FF2B5EF4-FFF2-40B4-BE49-F238E27FC236}">
-                <a16:creationId xmlns:a16="http://schemas.microsoft.com/office/drawing/2014/main" id="{E42EDCAF-8F1A-4CC5-B6D1-DF2959158ED0}"/>
+                <a16:creationId xmlns:a16="http://schemas.microsoft.com/office/drawing/2014/main" id="{29506E41-E78A-4624-9442-2C05FCDFFDD1}"/>
               </a:ext>
             </a:extLst>
           </p:cNvPr>
-          <p:cNvPicPr>
-            <a:picLocks noChangeAspect="1"/>
-          </p:cNvPicPr>
+          <p:cNvSpPr txBox="1">
+            <a:spLocks/>
+          </p:cNvSpPr>
           <p:nvPr/>
-        </p:nvPicPr>
-        <p:blipFill>
-          <a:blip r:embed="rId2">
-            <a:extLst>
-              <a:ext uri="{28A0092B-C50C-407E-A947-70E740481C1C}">
-                <a14:useLocalDpi xmlns:a14="http://schemas.microsoft.com/office/drawing/2010/main" val="0"/>
-              </a:ext>
-            </a:extLst>
-          </a:blip>
-          <a:stretch>
-            <a:fillRect/>
-          </a:stretch>
-        </p:blipFill>
+        </p:nvSpPr>
         <p:spPr>
           <a:xfrm>
-            <a:off x="0" y="0"/>
-            <a:ext cx="12192000" cy="6857143"/>
+            <a:off x="815196" y="1886574"/>
+            <a:ext cx="10256807" cy="2780051"/>
           </a:xfrm>
           <a:prstGeom prst="rect">
             <a:avLst/>
           </a:prstGeom>
         </p:spPr>
-      </p:pic>
-      <p:pic>
-        <p:nvPicPr>
-          <p:cNvPr id="6" name="Imagem 5">
+        <p:txBody>
+          <a:bodyPr vert="horz" lIns="91440" tIns="45720" rIns="91440" bIns="45720" rtlCol="0" anchor="ctr">
+            <a:normAutofit fontScale="97500"/>
+          </a:bodyPr>
+          <a:lstStyle>
+            <a:lvl1pPr algn="l" defTabSz="914400" rtl="0" eaLnBrk="1" latinLnBrk="0" hangingPunct="1">
+              <a:lnSpc>
+                <a:spcPct val="90000"/>
+              </a:lnSpc>
+              <a:spcBef>
+                <a:spcPct val="0"/>
+              </a:spcBef>
+              <a:buNone/>
+              <a:defRPr sz="4400" kern="1200">
+                <a:solidFill>
+                  <a:schemeClr val="tx1"/>
+                </a:solidFill>
+                <a:latin typeface="+mj-lt"/>
+                <a:ea typeface="+mj-ea"/>
+                <a:cs typeface="+mj-cs"/>
+              </a:defRPr>
+            </a:lvl1pPr>
+          </a:lstStyle>
+          <a:p>
+            <a:pPr algn="r"/>
+            <a:r>
+              <a:rPr lang="pt-BR" sz="4800" b="1" i="0" dirty="0">
+                <a:solidFill>
+                  <a:srgbClr val="22438A"/>
+                </a:solidFill>
+                <a:effectLst/>
+                <a:latin typeface="Asap" panose="00000500000000000000"/>
+              </a:rPr>
+              <a:t>Desmistificando a construção </a:t>
+            </a:r>
+          </a:p>
+          <a:p>
+            <a:pPr algn="r"/>
+            <a:r>
+              <a:rPr lang="pt-BR" sz="4800" b="1" i="0" dirty="0">
+                <a:solidFill>
+                  <a:srgbClr val="22438A"/>
+                </a:solidFill>
+                <a:effectLst/>
+                <a:latin typeface="Asap" panose="00000500000000000000"/>
+              </a:rPr>
+              <a:t>de </a:t>
+            </a:r>
+          </a:p>
+          <a:p>
+            <a:pPr algn="r"/>
+            <a:r>
+              <a:rPr lang="pt-BR" sz="4800" b="1" i="0" dirty="0">
+                <a:solidFill>
+                  <a:srgbClr val="22438A"/>
+                </a:solidFill>
+                <a:effectLst/>
+                <a:latin typeface="Asap" panose="00000500000000000000"/>
+              </a:rPr>
+              <a:t>aplicações modernas</a:t>
+            </a:r>
+            <a:endParaRPr lang="pt-BR" sz="4800" b="1" dirty="0">
+              <a:solidFill>
+                <a:srgbClr val="22438A"/>
+              </a:solidFill>
+              <a:latin typeface="Asap" panose="00000500000000000000"/>
+            </a:endParaRPr>
+          </a:p>
+        </p:txBody>
+      </p:sp>
+      <p:sp>
+        <p:nvSpPr>
+          <p:cNvPr id="5" name="Espaço Reservado para Conteúdo 2">
             <a:extLst>
               <a:ext uri="{FF2B5EF4-FFF2-40B4-BE49-F238E27FC236}">
-                <a16:creationId xmlns:a16="http://schemas.microsoft.com/office/drawing/2014/main" id="{1CA5B87B-61A6-4177-BD98-4AB69BA6991C}"/>
+                <a16:creationId xmlns:a16="http://schemas.microsoft.com/office/drawing/2014/main" id="{298CF56C-531D-456B-926E-E1934EBBFA79}"/>
               </a:ext>
             </a:extLst>
           </p:cNvPr>
-          <p:cNvPicPr>
-            <a:picLocks noChangeAspect="1"/>
-          </p:cNvPicPr>
+          <p:cNvSpPr txBox="1">
+            <a:spLocks/>
+          </p:cNvSpPr>
           <p:nvPr/>
-        </p:nvPicPr>
-        <p:blipFill>
-          <a:blip r:embed="rId3">
-            <a:extLst>
-              <a:ext uri="{28A0092B-C50C-407E-A947-70E740481C1C}">
-                <a14:useLocalDpi xmlns:a14="http://schemas.microsoft.com/office/drawing/2010/main" val="0"/>
-              </a:ext>
-            </a:extLst>
-          </a:blip>
-          <a:srcRect/>
-          <a:stretch/>
-        </p:blipFill>
+        </p:nvSpPr>
         <p:spPr>
           <a:xfrm>
-            <a:off x="10561351" y="372862"/>
-            <a:ext cx="1223556" cy="249645"/>
+            <a:off x="3885176" y="1430000"/>
+            <a:ext cx="7350904" cy="4403272"/>
           </a:xfrm>
           <a:prstGeom prst="rect">
             <a:avLst/>
           </a:prstGeom>
         </p:spPr>
-      </p:pic>
+        <p:txBody>
+          <a:bodyPr vert="horz" lIns="91440" tIns="45720" rIns="91440" bIns="45720" rtlCol="0">
+            <a:normAutofit/>
+          </a:bodyPr>
+          <a:lstStyle>
+            <a:lvl1pPr marL="228600" indent="-228600" algn="l" defTabSz="914400" rtl="0" eaLnBrk="1" latinLnBrk="0" hangingPunct="1">
+              <a:lnSpc>
+                <a:spcPct val="90000"/>
+              </a:lnSpc>
+              <a:spcBef>
+                <a:spcPts val="1000"/>
+              </a:spcBef>
+              <a:buFont typeface="Arial" panose="020B0604020202020204" pitchFamily="34" charset="0"/>
+              <a:buChar char="•"/>
+              <a:defRPr sz="2800" kern="1200">
+                <a:solidFill>
+                  <a:schemeClr val="tx1"/>
+                </a:solidFill>
+                <a:latin typeface="+mn-lt"/>
+                <a:ea typeface="+mn-ea"/>
+                <a:cs typeface="+mn-cs"/>
+              </a:defRPr>
+            </a:lvl1pPr>
+            <a:lvl2pPr marL="685800" indent="-228600" algn="l" defTabSz="914400" rtl="0" eaLnBrk="1" latinLnBrk="0" hangingPunct="1">
+              <a:lnSpc>
+                <a:spcPct val="90000"/>
+              </a:lnSpc>
+              <a:spcBef>
+                <a:spcPts val="500"/>
+              </a:spcBef>
+              <a:buFont typeface="Arial" panose="020B0604020202020204" pitchFamily="34" charset="0"/>
+              <a:buChar char="•"/>
+              <a:defRPr sz="2400" kern="1200">
+                <a:solidFill>
+                  <a:schemeClr val="tx1"/>
+                </a:solidFill>
+                <a:latin typeface="+mn-lt"/>
+                <a:ea typeface="+mn-ea"/>
+                <a:cs typeface="+mn-cs"/>
+              </a:defRPr>
+            </a:lvl2pPr>
+            <a:lvl3pPr marL="1143000" indent="-228600" algn="l" defTabSz="914400" rtl="0" eaLnBrk="1" latinLnBrk="0" hangingPunct="1">
+              <a:lnSpc>
+                <a:spcPct val="90000"/>
+              </a:lnSpc>
+              <a:spcBef>
+                <a:spcPts val="500"/>
+              </a:spcBef>
+              <a:buFont typeface="Arial" panose="020B0604020202020204" pitchFamily="34" charset="0"/>
+              <a:buChar char="•"/>
+              <a:defRPr sz="2000" kern="1200">
+                <a:solidFill>
+                  <a:schemeClr val="tx1"/>
+                </a:solidFill>
+                <a:latin typeface="+mn-lt"/>
+                <a:ea typeface="+mn-ea"/>
+                <a:cs typeface="+mn-cs"/>
+              </a:defRPr>
+            </a:lvl3pPr>
+            <a:lvl4pPr marL="1600200" indent="-228600" algn="l" defTabSz="914400" rtl="0" eaLnBrk="1" latinLnBrk="0" hangingPunct="1">
+              <a:lnSpc>
+                <a:spcPct val="90000"/>
+              </a:lnSpc>
+              <a:spcBef>
+                <a:spcPts val="500"/>
+              </a:spcBef>
+              <a:buFont typeface="Arial" panose="020B0604020202020204" pitchFamily="34" charset="0"/>
+              <a:buChar char="•"/>
+              <a:defRPr sz="1800" kern="1200">
+                <a:solidFill>
+                  <a:schemeClr val="tx1"/>
+                </a:solidFill>
+                <a:latin typeface="+mn-lt"/>
+                <a:ea typeface="+mn-ea"/>
+                <a:cs typeface="+mn-cs"/>
+              </a:defRPr>
+            </a:lvl4pPr>
+            <a:lvl5pPr marL="2057400" indent="-228600" algn="l" defTabSz="914400" rtl="0" eaLnBrk="1" latinLnBrk="0" hangingPunct="1">
+              <a:lnSpc>
+                <a:spcPct val="90000"/>
+              </a:lnSpc>
+              <a:spcBef>
+                <a:spcPts val="500"/>
+              </a:spcBef>
+              <a:buFont typeface="Arial" panose="020B0604020202020204" pitchFamily="34" charset="0"/>
+              <a:buChar char="•"/>
+              <a:defRPr sz="1800" kern="1200">
+                <a:solidFill>
+                  <a:schemeClr val="tx1"/>
+                </a:solidFill>
+                <a:latin typeface="+mn-lt"/>
+                <a:ea typeface="+mn-ea"/>
+                <a:cs typeface="+mn-cs"/>
+              </a:defRPr>
+            </a:lvl5pPr>
+            <a:lvl6pPr marL="2514600" indent="-228600" algn="l" defTabSz="914400" rtl="0" eaLnBrk="1" latinLnBrk="0" hangingPunct="1">
+              <a:lnSpc>
+                <a:spcPct val="90000"/>
+              </a:lnSpc>
+              <a:spcBef>
+                <a:spcPts val="500"/>
+              </a:spcBef>
+              <a:buFont typeface="Arial" panose="020B0604020202020204" pitchFamily="34" charset="0"/>
+              <a:buChar char="•"/>
+              <a:defRPr sz="1800" kern="1200">
+                <a:solidFill>
+                  <a:schemeClr val="tx1"/>
+                </a:solidFill>
+                <a:latin typeface="+mn-lt"/>
+                <a:ea typeface="+mn-ea"/>
+                <a:cs typeface="+mn-cs"/>
+              </a:defRPr>
+            </a:lvl6pPr>
+            <a:lvl7pPr marL="2971800" indent="-228600" algn="l" defTabSz="914400" rtl="0" eaLnBrk="1" latinLnBrk="0" hangingPunct="1">
+              <a:lnSpc>
+                <a:spcPct val="90000"/>
+              </a:lnSpc>
+              <a:spcBef>
+                <a:spcPts val="500"/>
+              </a:spcBef>
+              <a:buFont typeface="Arial" panose="020B0604020202020204" pitchFamily="34" charset="0"/>
+              <a:buChar char="•"/>
+              <a:defRPr sz="1800" kern="1200">
+                <a:solidFill>
+                  <a:schemeClr val="tx1"/>
+                </a:solidFill>
+                <a:latin typeface="+mn-lt"/>
+                <a:ea typeface="+mn-ea"/>
+                <a:cs typeface="+mn-cs"/>
+              </a:defRPr>
+            </a:lvl7pPr>
+            <a:lvl8pPr marL="3429000" indent="-228600" algn="l" defTabSz="914400" rtl="0" eaLnBrk="1" latinLnBrk="0" hangingPunct="1">
+              <a:lnSpc>
+                <a:spcPct val="90000"/>
+              </a:lnSpc>
+              <a:spcBef>
+                <a:spcPts val="500"/>
+              </a:spcBef>
+              <a:buFont typeface="Arial" panose="020B0604020202020204" pitchFamily="34" charset="0"/>
+              <a:buChar char="•"/>
+              <a:defRPr sz="1800" kern="1200">
+                <a:solidFill>
+                  <a:schemeClr val="tx1"/>
+                </a:solidFill>
+                <a:latin typeface="+mn-lt"/>
+                <a:ea typeface="+mn-ea"/>
+                <a:cs typeface="+mn-cs"/>
+              </a:defRPr>
+            </a:lvl8pPr>
+            <a:lvl9pPr marL="3886200" indent="-228600" algn="l" defTabSz="914400" rtl="0" eaLnBrk="1" latinLnBrk="0" hangingPunct="1">
+              <a:lnSpc>
+                <a:spcPct val="90000"/>
+              </a:lnSpc>
+              <a:spcBef>
+                <a:spcPts val="500"/>
+              </a:spcBef>
+              <a:buFont typeface="Arial" panose="020B0604020202020204" pitchFamily="34" charset="0"/>
+              <a:buChar char="•"/>
+              <a:defRPr sz="1800" kern="1200">
+                <a:solidFill>
+                  <a:schemeClr val="tx1"/>
+                </a:solidFill>
+                <a:latin typeface="+mn-lt"/>
+                <a:ea typeface="+mn-ea"/>
+                <a:cs typeface="+mn-cs"/>
+              </a:defRPr>
+            </a:lvl9pPr>
+          </a:lstStyle>
+          <a:p>
+            <a:pPr marL="0" indent="0">
+              <a:lnSpc>
+                <a:spcPct val="100000"/>
+              </a:lnSpc>
+              <a:buFont typeface="Arial" panose="020B0604020202020204" pitchFamily="34" charset="0"/>
+              <a:buNone/>
+            </a:pPr>
+            <a:r>
+              <a:rPr lang="pt-BR" sz="2600" dirty="0">
+                <a:solidFill>
+                  <a:srgbClr val="575756"/>
+                </a:solidFill>
+                <a:latin typeface="Asap" panose="00000500000000000000" pitchFamily="2" charset="0"/>
+              </a:rPr>
+              <a:t> </a:t>
+            </a:r>
+          </a:p>
+        </p:txBody>
+      </p:sp>
       <p:sp>
         <p:nvSpPr>
-          <p:cNvPr id="8" name="CaixaDeTexto 7">
+          <p:cNvPr id="2" name="AutoShape 2" descr="Diagram of bounded contexts">
             <a:extLst>
               <a:ext uri="{FF2B5EF4-FFF2-40B4-BE49-F238E27FC236}">
-                <a16:creationId xmlns:a16="http://schemas.microsoft.com/office/drawing/2014/main" id="{5A9CDF98-D078-42C8-9E27-EFAAA5208648}"/>
+                <a16:creationId xmlns:a16="http://schemas.microsoft.com/office/drawing/2014/main" id="{F19AE2D8-9601-3870-93B4-3B01BF93D535}"/>
               </a:ext>
             </a:extLst>
           </p:cNvPr>
-          <p:cNvSpPr txBox="1"/>
+          <p:cNvSpPr>
+            <a:spLocks noChangeAspect="1" noChangeArrowheads="1"/>
+          </p:cNvSpPr>
           <p:nvPr/>
         </p:nvSpPr>
-        <p:spPr>
+        <p:spPr bwMode="auto">
           <a:xfrm>
-            <a:off x="6289629" y="2445902"/>
-            <a:ext cx="5495278" cy="3416320"/>
+            <a:off x="5943600" y="3276600"/>
+            <a:ext cx="304800" cy="304800"/>
           </a:xfrm>
           <a:prstGeom prst="rect">
             <a:avLst/>
           </a:prstGeom>
           <a:noFill/>
+          <a:extLst>
+            <a:ext uri="{909E8E84-426E-40DD-AFC4-6F175D3DCCD1}">
+              <a14:hiddenFill xmlns:a14="http://schemas.microsoft.com/office/drawing/2010/main">
+                <a:solidFill>
+                  <a:srgbClr val="FFFFFF"/>
+                </a:solidFill>
+              </a14:hiddenFill>
+            </a:ext>
+          </a:extLst>
         </p:spPr>
         <p:txBody>
-          <a:bodyPr wrap="square" rtlCol="0">
-            <a:spAutoFit/>
+          <a:bodyPr vert="horz" wrap="square" lIns="91440" tIns="45720" rIns="91440" bIns="45720" numCol="1" anchor="t" anchorCtr="0" compatLnSpc="1">
+            <a:prstTxWarp prst="textNoShape">
+              <a:avLst/>
+            </a:prstTxWarp>
           </a:bodyPr>
           <a:lstStyle/>
           <a:p>
-            <a:pPr algn="r"/>
-            <a:r>
-              <a:rPr lang="pt-BR" sz="5400" b="0" i="0">
-                <a:solidFill>
-                  <a:schemeClr val="bg1"/>
-                </a:solidFill>
-                <a:effectLst/>
-                <a:latin typeface="Slack-Lato"/>
-              </a:rPr>
-              <a:t>Desmistificando a construção de aplicações modernas.</a:t>
-            </a:r>
-            <a:endParaRPr lang="pt-BR" sz="5200" b="1" dirty="0">
-              <a:solidFill>
-                <a:schemeClr val="bg1"/>
-              </a:solidFill>
-              <a:latin typeface="Asap" panose="00000500000000000000" pitchFamily="2" charset="0"/>
-            </a:endParaRPr>
+            <a:endParaRPr lang="pt-BR"/>
           </a:p>
         </p:txBody>
       </p:sp>
     </p:spTree>
     <p:extLst>
       <p:ext uri="{BB962C8B-B14F-4D97-AF65-F5344CB8AC3E}">
-        <p14:creationId xmlns:p14="http://schemas.microsoft.com/office/powerpoint/2010/main" val="2636618909"/>
+        <p14:creationId xmlns:p14="http://schemas.microsoft.com/office/powerpoint/2010/main" val="2938153408"/>
       </p:ext>
     </p:extLst>
   </p:cSld>
@@ -3925,15 +4159,12 @@
                 <a:spcPct val="100000"/>
               </a:lnSpc>
             </a:pPr>
-            <a:r>
-              <a:rPr lang="pt-BR" sz="1600" dirty="0">
-                <a:solidFill>
-                  <a:srgbClr val="575756"/>
-                </a:solidFill>
-                <a:latin typeface="Abadi" panose="020B0604020104020204" pitchFamily="34" charset="0"/>
-              </a:rPr>
-              <a:t> </a:t>
-            </a:r>
+            <a:endParaRPr lang="pt-BR" sz="1600" dirty="0">
+              <a:solidFill>
+                <a:srgbClr val="575756"/>
+              </a:solidFill>
+              <a:latin typeface="Abadi" panose="020B0604020104020204" pitchFamily="34" charset="0"/>
+            </a:endParaRPr>
           </a:p>
         </p:txBody>
       </p:sp>
@@ -3991,7 +4222,7 @@
                 </a:solidFill>
                 <a:latin typeface="Asap" panose="00000500000000000000" pitchFamily="2" charset="0"/>
               </a:rPr>
-              <a:t>Princípios</a:t>
+              <a:t>O que é</a:t>
             </a:r>
           </a:p>
           <a:p>
@@ -4218,10 +4449,644 @@
           </a:p>
         </p:txBody>
       </p:sp>
+      <p:sp>
+        <p:nvSpPr>
+          <p:cNvPr id="4" name="Espaço Reservado para Conteúdo 2">
+            <a:extLst>
+              <a:ext uri="{FF2B5EF4-FFF2-40B4-BE49-F238E27FC236}">
+                <a16:creationId xmlns:a16="http://schemas.microsoft.com/office/drawing/2014/main" id="{3F4CFD3E-432F-B27A-422E-1C1A67BCFA32}"/>
+              </a:ext>
+            </a:extLst>
+          </p:cNvPr>
+          <p:cNvSpPr txBox="1">
+            <a:spLocks/>
+          </p:cNvSpPr>
+          <p:nvPr/>
+        </p:nvSpPr>
+        <p:spPr>
+          <a:xfrm>
+            <a:off x="4288172" y="1379764"/>
+            <a:ext cx="6715489" cy="4403272"/>
+          </a:xfrm>
+          <a:prstGeom prst="rect">
+            <a:avLst/>
+          </a:prstGeom>
+        </p:spPr>
+        <p:txBody>
+          <a:bodyPr vert="horz" lIns="91440" tIns="45720" rIns="91440" bIns="45720" rtlCol="0">
+            <a:normAutofit/>
+          </a:bodyPr>
+          <a:lstStyle>
+            <a:lvl1pPr marL="228600" indent="-228600" algn="l" defTabSz="914400" rtl="0" eaLnBrk="1" latinLnBrk="0" hangingPunct="1">
+              <a:lnSpc>
+                <a:spcPct val="90000"/>
+              </a:lnSpc>
+              <a:spcBef>
+                <a:spcPts val="1000"/>
+              </a:spcBef>
+              <a:buFont typeface="Arial" panose="020B0604020202020204" pitchFamily="34" charset="0"/>
+              <a:buChar char="•"/>
+              <a:defRPr sz="2800" kern="1200">
+                <a:solidFill>
+                  <a:schemeClr val="tx1"/>
+                </a:solidFill>
+                <a:latin typeface="+mn-lt"/>
+                <a:ea typeface="+mn-ea"/>
+                <a:cs typeface="+mn-cs"/>
+              </a:defRPr>
+            </a:lvl1pPr>
+            <a:lvl2pPr marL="685800" indent="-228600" algn="l" defTabSz="914400" rtl="0" eaLnBrk="1" latinLnBrk="0" hangingPunct="1">
+              <a:lnSpc>
+                <a:spcPct val="90000"/>
+              </a:lnSpc>
+              <a:spcBef>
+                <a:spcPts val="500"/>
+              </a:spcBef>
+              <a:buFont typeface="Arial" panose="020B0604020202020204" pitchFamily="34" charset="0"/>
+              <a:buChar char="•"/>
+              <a:defRPr sz="2400" kern="1200">
+                <a:solidFill>
+                  <a:schemeClr val="tx1"/>
+                </a:solidFill>
+                <a:latin typeface="+mn-lt"/>
+                <a:ea typeface="+mn-ea"/>
+                <a:cs typeface="+mn-cs"/>
+              </a:defRPr>
+            </a:lvl2pPr>
+            <a:lvl3pPr marL="1143000" indent="-228600" algn="l" defTabSz="914400" rtl="0" eaLnBrk="1" latinLnBrk="0" hangingPunct="1">
+              <a:lnSpc>
+                <a:spcPct val="90000"/>
+              </a:lnSpc>
+              <a:spcBef>
+                <a:spcPts val="500"/>
+              </a:spcBef>
+              <a:buFont typeface="Arial" panose="020B0604020202020204" pitchFamily="34" charset="0"/>
+              <a:buChar char="•"/>
+              <a:defRPr sz="2000" kern="1200">
+                <a:solidFill>
+                  <a:schemeClr val="tx1"/>
+                </a:solidFill>
+                <a:latin typeface="+mn-lt"/>
+                <a:ea typeface="+mn-ea"/>
+                <a:cs typeface="+mn-cs"/>
+              </a:defRPr>
+            </a:lvl3pPr>
+            <a:lvl4pPr marL="1600200" indent="-228600" algn="l" defTabSz="914400" rtl="0" eaLnBrk="1" latinLnBrk="0" hangingPunct="1">
+              <a:lnSpc>
+                <a:spcPct val="90000"/>
+              </a:lnSpc>
+              <a:spcBef>
+                <a:spcPts val="500"/>
+              </a:spcBef>
+              <a:buFont typeface="Arial" panose="020B0604020202020204" pitchFamily="34" charset="0"/>
+              <a:buChar char="•"/>
+              <a:defRPr sz="1800" kern="1200">
+                <a:solidFill>
+                  <a:schemeClr val="tx1"/>
+                </a:solidFill>
+                <a:latin typeface="+mn-lt"/>
+                <a:ea typeface="+mn-ea"/>
+                <a:cs typeface="+mn-cs"/>
+              </a:defRPr>
+            </a:lvl4pPr>
+            <a:lvl5pPr marL="2057400" indent="-228600" algn="l" defTabSz="914400" rtl="0" eaLnBrk="1" latinLnBrk="0" hangingPunct="1">
+              <a:lnSpc>
+                <a:spcPct val="90000"/>
+              </a:lnSpc>
+              <a:spcBef>
+                <a:spcPts val="500"/>
+              </a:spcBef>
+              <a:buFont typeface="Arial" panose="020B0604020202020204" pitchFamily="34" charset="0"/>
+              <a:buChar char="•"/>
+              <a:defRPr sz="1800" kern="1200">
+                <a:solidFill>
+                  <a:schemeClr val="tx1"/>
+                </a:solidFill>
+                <a:latin typeface="+mn-lt"/>
+                <a:ea typeface="+mn-ea"/>
+                <a:cs typeface="+mn-cs"/>
+              </a:defRPr>
+            </a:lvl5pPr>
+            <a:lvl6pPr marL="2514600" indent="-228600" algn="l" defTabSz="914400" rtl="0" eaLnBrk="1" latinLnBrk="0" hangingPunct="1">
+              <a:lnSpc>
+                <a:spcPct val="90000"/>
+              </a:lnSpc>
+              <a:spcBef>
+                <a:spcPts val="500"/>
+              </a:spcBef>
+              <a:buFont typeface="Arial" panose="020B0604020202020204" pitchFamily="34" charset="0"/>
+              <a:buChar char="•"/>
+              <a:defRPr sz="1800" kern="1200">
+                <a:solidFill>
+                  <a:schemeClr val="tx1"/>
+                </a:solidFill>
+                <a:latin typeface="+mn-lt"/>
+                <a:ea typeface="+mn-ea"/>
+                <a:cs typeface="+mn-cs"/>
+              </a:defRPr>
+            </a:lvl6pPr>
+            <a:lvl7pPr marL="2971800" indent="-228600" algn="l" defTabSz="914400" rtl="0" eaLnBrk="1" latinLnBrk="0" hangingPunct="1">
+              <a:lnSpc>
+                <a:spcPct val="90000"/>
+              </a:lnSpc>
+              <a:spcBef>
+                <a:spcPts val="500"/>
+              </a:spcBef>
+              <a:buFont typeface="Arial" panose="020B0604020202020204" pitchFamily="34" charset="0"/>
+              <a:buChar char="•"/>
+              <a:defRPr sz="1800" kern="1200">
+                <a:solidFill>
+                  <a:schemeClr val="tx1"/>
+                </a:solidFill>
+                <a:latin typeface="+mn-lt"/>
+                <a:ea typeface="+mn-ea"/>
+                <a:cs typeface="+mn-cs"/>
+              </a:defRPr>
+            </a:lvl7pPr>
+            <a:lvl8pPr marL="3429000" indent="-228600" algn="l" defTabSz="914400" rtl="0" eaLnBrk="1" latinLnBrk="0" hangingPunct="1">
+              <a:lnSpc>
+                <a:spcPct val="90000"/>
+              </a:lnSpc>
+              <a:spcBef>
+                <a:spcPts val="500"/>
+              </a:spcBef>
+              <a:buFont typeface="Arial" panose="020B0604020202020204" pitchFamily="34" charset="0"/>
+              <a:buChar char="•"/>
+              <a:defRPr sz="1800" kern="1200">
+                <a:solidFill>
+                  <a:schemeClr val="tx1"/>
+                </a:solidFill>
+                <a:latin typeface="+mn-lt"/>
+                <a:ea typeface="+mn-ea"/>
+                <a:cs typeface="+mn-cs"/>
+              </a:defRPr>
+            </a:lvl8pPr>
+            <a:lvl9pPr marL="3886200" indent="-228600" algn="l" defTabSz="914400" rtl="0" eaLnBrk="1" latinLnBrk="0" hangingPunct="1">
+              <a:lnSpc>
+                <a:spcPct val="90000"/>
+              </a:lnSpc>
+              <a:spcBef>
+                <a:spcPts val="500"/>
+              </a:spcBef>
+              <a:buFont typeface="Arial" panose="020B0604020202020204" pitchFamily="34" charset="0"/>
+              <a:buChar char="•"/>
+              <a:defRPr sz="1800" kern="1200">
+                <a:solidFill>
+                  <a:schemeClr val="tx1"/>
+                </a:solidFill>
+                <a:latin typeface="+mn-lt"/>
+                <a:ea typeface="+mn-ea"/>
+                <a:cs typeface="+mn-cs"/>
+              </a:defRPr>
+            </a:lvl9pPr>
+          </a:lstStyle>
+          <a:p>
+            <a:pPr algn="just">
+              <a:lnSpc>
+                <a:spcPct val="100000"/>
+              </a:lnSpc>
+            </a:pPr>
+            <a:r>
+              <a:rPr lang="en-US" sz="1600" dirty="0">
+                <a:solidFill>
+                  <a:srgbClr val="575756"/>
+                </a:solidFill>
+                <a:latin typeface="Abadi" panose="020B0604020104020204" pitchFamily="34" charset="0"/>
+              </a:rPr>
+              <a:t> A Domain-Driven Design, </a:t>
+            </a:r>
+            <a:r>
+              <a:rPr lang="en-US" sz="1600" dirty="0" err="1">
+                <a:solidFill>
+                  <a:srgbClr val="575756"/>
+                </a:solidFill>
+                <a:latin typeface="Abadi" panose="020B0604020104020204" pitchFamily="34" charset="0"/>
+              </a:rPr>
+              <a:t>surgiu</a:t>
+            </a:r>
+            <a:r>
+              <a:rPr lang="en-US" sz="1600" dirty="0">
+                <a:solidFill>
+                  <a:srgbClr val="575756"/>
+                </a:solidFill>
+                <a:latin typeface="Abadi" panose="020B0604020104020204" pitchFamily="34" charset="0"/>
+              </a:rPr>
+              <a:t> </a:t>
+            </a:r>
+            <a:r>
+              <a:rPr lang="en-US" sz="1600" dirty="0" err="1">
+                <a:solidFill>
+                  <a:srgbClr val="575756"/>
+                </a:solidFill>
+                <a:latin typeface="Abadi" panose="020B0604020104020204" pitchFamily="34" charset="0"/>
+              </a:rPr>
+              <a:t>em</a:t>
+            </a:r>
+            <a:r>
+              <a:rPr lang="en-US" sz="1600" dirty="0">
+                <a:solidFill>
+                  <a:srgbClr val="575756"/>
+                </a:solidFill>
+                <a:latin typeface="Abadi" panose="020B0604020104020204" pitchFamily="34" charset="0"/>
+              </a:rPr>
+              <a:t> </a:t>
+            </a:r>
+            <a:r>
+              <a:rPr lang="en-US" sz="1600" dirty="0" err="1">
+                <a:solidFill>
+                  <a:srgbClr val="575756"/>
+                </a:solidFill>
+                <a:latin typeface="Abadi" panose="020B0604020104020204" pitchFamily="34" charset="0"/>
+              </a:rPr>
+              <a:t>meados</a:t>
+            </a:r>
+            <a:r>
+              <a:rPr lang="en-US" sz="1600" dirty="0">
+                <a:solidFill>
+                  <a:srgbClr val="575756"/>
+                </a:solidFill>
+                <a:latin typeface="Abadi" panose="020B0604020104020204" pitchFamily="34" charset="0"/>
+              </a:rPr>
+              <a:t> de 2003 </a:t>
+            </a:r>
+            <a:r>
+              <a:rPr lang="en-US" sz="1600" dirty="0" err="1">
+                <a:solidFill>
+                  <a:srgbClr val="575756"/>
+                </a:solidFill>
+                <a:latin typeface="Abadi" panose="020B0604020104020204" pitchFamily="34" charset="0"/>
+              </a:rPr>
+              <a:t>por</a:t>
+            </a:r>
+            <a:r>
+              <a:rPr lang="en-US" sz="1600" dirty="0">
+                <a:solidFill>
+                  <a:srgbClr val="575756"/>
+                </a:solidFill>
+                <a:latin typeface="Abadi" panose="020B0604020104020204" pitchFamily="34" charset="0"/>
+              </a:rPr>
+              <a:t> Eric Evans, com principal </a:t>
+            </a:r>
+            <a:r>
+              <a:rPr lang="en-US" sz="1600" dirty="0" err="1">
+                <a:solidFill>
+                  <a:srgbClr val="575756"/>
+                </a:solidFill>
+                <a:latin typeface="Abadi" panose="020B0604020104020204" pitchFamily="34" charset="0"/>
+              </a:rPr>
+              <a:t>ideia</a:t>
+            </a:r>
+            <a:r>
+              <a:rPr lang="en-US" sz="1600" dirty="0">
+                <a:solidFill>
+                  <a:srgbClr val="575756"/>
+                </a:solidFill>
+                <a:latin typeface="Abadi" panose="020B0604020104020204" pitchFamily="34" charset="0"/>
+              </a:rPr>
+              <a:t> de </a:t>
+            </a:r>
+            <a:r>
+              <a:rPr lang="en-US" sz="1600" dirty="0" err="1">
+                <a:solidFill>
+                  <a:srgbClr val="575756"/>
+                </a:solidFill>
+                <a:latin typeface="Abadi" panose="020B0604020104020204" pitchFamily="34" charset="0"/>
+              </a:rPr>
+              <a:t>atacar</a:t>
+            </a:r>
+            <a:r>
+              <a:rPr lang="en-US" sz="1600" dirty="0">
+                <a:solidFill>
+                  <a:srgbClr val="575756"/>
+                </a:solidFill>
+                <a:latin typeface="Abadi" panose="020B0604020104020204" pitchFamily="34" charset="0"/>
+              </a:rPr>
+              <a:t> a </a:t>
+            </a:r>
+            <a:r>
+              <a:rPr lang="en-US" sz="1600" dirty="0" err="1">
+                <a:solidFill>
+                  <a:srgbClr val="575756"/>
+                </a:solidFill>
+                <a:latin typeface="Abadi" panose="020B0604020104020204" pitchFamily="34" charset="0"/>
+              </a:rPr>
+              <a:t>complexidade</a:t>
+            </a:r>
+            <a:r>
+              <a:rPr lang="en-US" sz="1600" dirty="0">
+                <a:solidFill>
+                  <a:srgbClr val="575756"/>
+                </a:solidFill>
+                <a:latin typeface="Abadi" panose="020B0604020104020204" pitchFamily="34" charset="0"/>
+              </a:rPr>
+              <a:t> no </a:t>
+            </a:r>
+            <a:r>
+              <a:rPr lang="en-US" sz="1600" dirty="0" err="1">
+                <a:solidFill>
+                  <a:srgbClr val="575756"/>
+                </a:solidFill>
+                <a:latin typeface="Abadi" panose="020B0604020104020204" pitchFamily="34" charset="0"/>
+              </a:rPr>
+              <a:t>coração</a:t>
+            </a:r>
+            <a:r>
+              <a:rPr lang="en-US" sz="1600" dirty="0">
+                <a:solidFill>
+                  <a:srgbClr val="575756"/>
+                </a:solidFill>
+                <a:latin typeface="Abadi" panose="020B0604020104020204" pitchFamily="34" charset="0"/>
+              </a:rPr>
+              <a:t> do software.</a:t>
+            </a:r>
+          </a:p>
+          <a:p>
+            <a:pPr algn="just">
+              <a:lnSpc>
+                <a:spcPct val="100000"/>
+              </a:lnSpc>
+            </a:pPr>
+            <a:r>
+              <a:rPr lang="en-US" sz="1600" dirty="0" err="1">
+                <a:solidFill>
+                  <a:srgbClr val="575756"/>
+                </a:solidFill>
+                <a:latin typeface="Abadi" panose="020B0604020104020204" pitchFamily="34" charset="0"/>
+              </a:rPr>
+              <a:t>Primeiro</a:t>
+            </a:r>
+            <a:r>
+              <a:rPr lang="en-US" sz="1600" dirty="0">
+                <a:solidFill>
+                  <a:srgbClr val="575756"/>
+                </a:solidFill>
+                <a:latin typeface="Abadi" panose="020B0604020104020204" pitchFamily="34" charset="0"/>
+              </a:rPr>
+              <a:t> para </a:t>
+            </a:r>
+            <a:r>
+              <a:rPr lang="en-US" sz="1600" dirty="0" err="1">
+                <a:solidFill>
+                  <a:srgbClr val="575756"/>
+                </a:solidFill>
+                <a:latin typeface="Abadi" panose="020B0604020104020204" pitchFamily="34" charset="0"/>
+              </a:rPr>
+              <a:t>entendemos</a:t>
+            </a:r>
+            <a:r>
+              <a:rPr lang="en-US" sz="1600" dirty="0">
+                <a:solidFill>
+                  <a:srgbClr val="575756"/>
+                </a:solidFill>
+                <a:latin typeface="Abadi" panose="020B0604020104020204" pitchFamily="34" charset="0"/>
+              </a:rPr>
+              <a:t> o que </a:t>
+            </a:r>
+            <a:r>
+              <a:rPr lang="en-US" sz="1600" dirty="0" err="1">
+                <a:solidFill>
+                  <a:srgbClr val="575756"/>
+                </a:solidFill>
+                <a:latin typeface="Abadi" panose="020B0604020104020204" pitchFamily="34" charset="0"/>
+              </a:rPr>
+              <a:t>significa</a:t>
+            </a:r>
+            <a:r>
+              <a:rPr lang="en-US" sz="1600" dirty="0">
+                <a:solidFill>
+                  <a:srgbClr val="575756"/>
+                </a:solidFill>
+                <a:latin typeface="Abadi" panose="020B0604020104020204" pitchFamily="34" charset="0"/>
+              </a:rPr>
+              <a:t> </a:t>
+            </a:r>
+            <a:r>
+              <a:rPr lang="en-US" sz="1600" dirty="0" err="1">
+                <a:solidFill>
+                  <a:srgbClr val="575756"/>
+                </a:solidFill>
+                <a:latin typeface="Abadi" panose="020B0604020104020204" pitchFamily="34" charset="0"/>
+              </a:rPr>
+              <a:t>complexidade</a:t>
+            </a:r>
+            <a:r>
+              <a:rPr lang="en-US" sz="1600" dirty="0">
+                <a:solidFill>
+                  <a:srgbClr val="575756"/>
+                </a:solidFill>
+                <a:latin typeface="Abadi" panose="020B0604020104020204" pitchFamily="34" charset="0"/>
+              </a:rPr>
+              <a:t> no software, </a:t>
+            </a:r>
+            <a:r>
+              <a:rPr lang="en-US" sz="1600" dirty="0" err="1">
+                <a:solidFill>
+                  <a:srgbClr val="575756"/>
+                </a:solidFill>
+                <a:latin typeface="Abadi" panose="020B0604020104020204" pitchFamily="34" charset="0"/>
+              </a:rPr>
+              <a:t>precisamos</a:t>
+            </a:r>
+            <a:r>
+              <a:rPr lang="en-US" sz="1600" dirty="0">
+                <a:solidFill>
+                  <a:srgbClr val="575756"/>
+                </a:solidFill>
+                <a:latin typeface="Abadi" panose="020B0604020104020204" pitchFamily="34" charset="0"/>
+              </a:rPr>
+              <a:t> </a:t>
+            </a:r>
+            <a:r>
+              <a:rPr lang="en-US" sz="1600" dirty="0" err="1">
+                <a:solidFill>
+                  <a:srgbClr val="575756"/>
+                </a:solidFill>
+                <a:latin typeface="Abadi" panose="020B0604020104020204" pitchFamily="34" charset="0"/>
+              </a:rPr>
+              <a:t>fazer</a:t>
+            </a:r>
+            <a:r>
+              <a:rPr lang="en-US" sz="1600" dirty="0">
+                <a:solidFill>
+                  <a:srgbClr val="575756"/>
+                </a:solidFill>
+                <a:latin typeface="Abadi" panose="020B0604020104020204" pitchFamily="34" charset="0"/>
+              </a:rPr>
+              <a:t> </a:t>
+            </a:r>
+            <a:r>
+              <a:rPr lang="en-US" sz="1600" dirty="0" err="1">
+                <a:solidFill>
+                  <a:srgbClr val="575756"/>
+                </a:solidFill>
+                <a:latin typeface="Abadi" panose="020B0604020104020204" pitchFamily="34" charset="0"/>
+              </a:rPr>
+              <a:t>uma</a:t>
+            </a:r>
+            <a:r>
+              <a:rPr lang="en-US" sz="1600" dirty="0">
+                <a:solidFill>
+                  <a:srgbClr val="575756"/>
+                </a:solidFill>
+                <a:latin typeface="Abadi" panose="020B0604020104020204" pitchFamily="34" charset="0"/>
+              </a:rPr>
+              <a:t> </a:t>
+            </a:r>
+            <a:r>
+              <a:rPr lang="en-US" sz="1600" dirty="0" err="1">
+                <a:solidFill>
+                  <a:srgbClr val="575756"/>
+                </a:solidFill>
+                <a:latin typeface="Abadi" panose="020B0604020104020204" pitchFamily="34" charset="0"/>
+              </a:rPr>
+              <a:t>formulazinha</a:t>
+            </a:r>
+            <a:r>
+              <a:rPr lang="en-US" sz="1600" dirty="0">
+                <a:solidFill>
+                  <a:srgbClr val="575756"/>
+                </a:solidFill>
+                <a:latin typeface="Abadi" panose="020B0604020104020204" pitchFamily="34" charset="0"/>
+              </a:rPr>
+              <a:t> </a:t>
+            </a:r>
+            <a:r>
+              <a:rPr lang="en-US" sz="1600" dirty="0" err="1">
+                <a:solidFill>
+                  <a:srgbClr val="575756"/>
+                </a:solidFill>
+                <a:latin typeface="Abadi" panose="020B0604020104020204" pitchFamily="34" charset="0"/>
+              </a:rPr>
+              <a:t>mátematica</a:t>
+            </a:r>
+            <a:r>
+              <a:rPr lang="en-US" sz="1600" dirty="0">
+                <a:solidFill>
+                  <a:srgbClr val="575756"/>
+                </a:solidFill>
+                <a:latin typeface="Abadi" panose="020B0604020104020204" pitchFamily="34" charset="0"/>
+              </a:rPr>
+              <a:t>:</a:t>
+            </a:r>
+          </a:p>
+          <a:p>
+            <a:pPr algn="just">
+              <a:lnSpc>
+                <a:spcPct val="100000"/>
+              </a:lnSpc>
+            </a:pPr>
+            <a:endParaRPr lang="pt-BR" sz="1600" dirty="0">
+              <a:solidFill>
+                <a:srgbClr val="575756"/>
+              </a:solidFill>
+              <a:latin typeface="Abadi" panose="020B0604020104020204" pitchFamily="34" charset="0"/>
+            </a:endParaRPr>
+          </a:p>
+          <a:p>
+            <a:pPr algn="just">
+              <a:lnSpc>
+                <a:spcPct val="100000"/>
+              </a:lnSpc>
+            </a:pPr>
+            <a:r>
+              <a:rPr lang="pt-BR" sz="1600" b="1" dirty="0">
+                <a:solidFill>
+                  <a:srgbClr val="575756"/>
+                </a:solidFill>
+                <a:latin typeface="Abadi" panose="020B0604020104020204" pitchFamily="34" charset="0"/>
+              </a:rPr>
+              <a:t>Complexidade do Domínio + Complexidade do Legado + Complexidade da Solução técnica = Complexidade do Software;</a:t>
+            </a:r>
+          </a:p>
+          <a:p>
+            <a:pPr algn="just">
+              <a:lnSpc>
+                <a:spcPct val="100000"/>
+              </a:lnSpc>
+            </a:pPr>
+            <a:endParaRPr lang="pt-BR" sz="1600" dirty="0">
+              <a:solidFill>
+                <a:srgbClr val="575756"/>
+              </a:solidFill>
+              <a:latin typeface="Abadi" panose="020B0604020104020204" pitchFamily="34" charset="0"/>
+            </a:endParaRPr>
+          </a:p>
+          <a:p>
+            <a:pPr algn="just">
+              <a:lnSpc>
+                <a:spcPct val="100000"/>
+              </a:lnSpc>
+            </a:pPr>
+            <a:r>
+              <a:rPr lang="pt-BR" sz="1600" dirty="0">
+                <a:solidFill>
+                  <a:srgbClr val="575756"/>
+                </a:solidFill>
+                <a:latin typeface="Abadi" panose="020B0604020104020204" pitchFamily="34" charset="0"/>
+              </a:rPr>
+              <a:t>E o que isso significa ??</a:t>
+            </a:r>
+          </a:p>
+        </p:txBody>
+      </p:sp>
+      <p:sp>
+        <p:nvSpPr>
+          <p:cNvPr id="2" name="Retângulo 1">
+            <a:extLst>
+              <a:ext uri="{FF2B5EF4-FFF2-40B4-BE49-F238E27FC236}">
+                <a16:creationId xmlns:a16="http://schemas.microsoft.com/office/drawing/2014/main" id="{45139F0F-FDDE-901B-9F9D-CD9FF75DC6B9}"/>
+              </a:ext>
+            </a:extLst>
+          </p:cNvPr>
+          <p:cNvSpPr/>
+          <p:nvPr/>
+        </p:nvSpPr>
+        <p:spPr>
+          <a:xfrm>
+            <a:off x="4135772" y="2717321"/>
+            <a:ext cx="7414998" cy="1095554"/>
+          </a:xfrm>
+          <a:prstGeom prst="rect">
+            <a:avLst/>
+          </a:prstGeom>
+          <a:noFill/>
+          <a:ln w="9525" cap="flat" cmpd="sng" algn="ctr">
+            <a:solidFill>
+              <a:schemeClr val="accent1"/>
+            </a:solidFill>
+            <a:prstDash val="solid"/>
+            <a:round/>
+            <a:headEnd type="none" w="med" len="med"/>
+            <a:tailEnd type="none" w="med" len="med"/>
+          </a:ln>
+        </p:spPr>
+        <p:style>
+          <a:lnRef idx="0">
+            <a:scrgbClr r="0" g="0" b="0"/>
+          </a:lnRef>
+          <a:fillRef idx="0">
+            <a:scrgbClr r="0" g="0" b="0"/>
+          </a:fillRef>
+          <a:effectRef idx="0">
+            <a:scrgbClr r="0" g="0" b="0"/>
+          </a:effectRef>
+          <a:fontRef idx="minor">
+            <a:schemeClr val="accent1"/>
+          </a:fontRef>
+        </p:style>
+        <p:txBody>
+          <a:bodyPr rtlCol="0" anchor="ctr"/>
+          <a:lstStyle/>
+          <a:p>
+            <a:pPr algn="ctr"/>
+            <a:endParaRPr lang="pt-BR"/>
+          </a:p>
+        </p:txBody>
+      </p:sp>
     </p:spTree>
     <p:extLst>
       <p:ext uri="{BB962C8B-B14F-4D97-AF65-F5344CB8AC3E}">
-        <p14:creationId xmlns:p14="http://schemas.microsoft.com/office/powerpoint/2010/main" val="812546671"/>
+        <p14:creationId xmlns:p14="http://schemas.microsoft.com/office/powerpoint/2010/main" val="4138087181"/>
       </p:ext>
     </p:extLst>
   </p:cSld>
@@ -4276,26 +5141,96 @@
           </a:bodyPr>
           <a:lstStyle/>
           <a:p>
-            <a:pPr algn="just">
+            <a:pPr marL="342900" indent="-342900" algn="just">
               <a:lnSpc>
                 <a:spcPct val="100000"/>
               </a:lnSpc>
+              <a:buFont typeface="+mj-lt"/>
+              <a:buAutoNum type="arabicPeriod"/>
             </a:pPr>
-            <a:r>
-              <a:rPr lang="en-US" sz="1600" dirty="0">
-                <a:solidFill>
-                  <a:srgbClr val="575756"/>
-                </a:solidFill>
-                <a:latin typeface="Abadi" panose="020B0604020104020204" pitchFamily="34" charset="0"/>
-              </a:rPr>
-              <a:t> </a:t>
-            </a:r>
             <a:endParaRPr lang="pt-BR" sz="1600" dirty="0">
               <a:solidFill>
                 <a:srgbClr val="575756"/>
               </a:solidFill>
               <a:latin typeface="Abadi" panose="020B0604020104020204" pitchFamily="34" charset="0"/>
             </a:endParaRPr>
+          </a:p>
+          <a:p>
+            <a:pPr algn="just">
+              <a:lnSpc>
+                <a:spcPct val="100000"/>
+              </a:lnSpc>
+            </a:pPr>
+            <a:r>
+              <a:rPr lang="pt-BR" sz="1600" dirty="0">
+                <a:solidFill>
+                  <a:srgbClr val="575756"/>
+                </a:solidFill>
+                <a:latin typeface="Abadi" panose="020B0604020104020204" pitchFamily="34" charset="0"/>
+              </a:rPr>
+              <a:t>Complexidade da Solução técnica se refere as tecnologias que optamos em utilizar para resolver um determinado problema.</a:t>
+            </a:r>
+          </a:p>
+          <a:p>
+            <a:pPr algn="just">
+              <a:lnSpc>
+                <a:spcPct val="100000"/>
+              </a:lnSpc>
+            </a:pPr>
+            <a:r>
+              <a:rPr lang="pt-BR" sz="1600" dirty="0">
+                <a:solidFill>
+                  <a:srgbClr val="575756"/>
+                </a:solidFill>
+                <a:latin typeface="Abadi" panose="020B0604020104020204" pitchFamily="34" charset="0"/>
+              </a:rPr>
+              <a:t>Complexidade do Legado se refere ao software já existente que precisamos de alguma maneira sustentar e/ou evoluir. Esse fator geralmente carrega com sigo dívidas técnicas que afetam diretamente como desenvolvemos e pensamos na resolução final do problema.</a:t>
+            </a:r>
+          </a:p>
+          <a:p>
+            <a:pPr algn="just">
+              <a:lnSpc>
+                <a:spcPct val="100000"/>
+              </a:lnSpc>
+            </a:pPr>
+            <a:r>
+              <a:rPr lang="pt-BR" sz="1600" dirty="0">
+                <a:solidFill>
+                  <a:srgbClr val="575756"/>
+                </a:solidFill>
+                <a:latin typeface="Abadi" panose="020B0604020104020204" pitchFamily="34" charset="0"/>
+              </a:rPr>
+              <a:t>Complexidade do Domínio se refere a complexidade do negocio, o problema que estamos tentando resolver.</a:t>
+            </a:r>
+          </a:p>
+          <a:p>
+            <a:pPr algn="just">
+              <a:lnSpc>
+                <a:spcPct val="100000"/>
+              </a:lnSpc>
+            </a:pPr>
+            <a:endParaRPr lang="pt-BR" sz="1600" dirty="0">
+              <a:solidFill>
+                <a:srgbClr val="575756"/>
+              </a:solidFill>
+              <a:latin typeface="Abadi" panose="020B0604020104020204" pitchFamily="34" charset="0"/>
+            </a:endParaRPr>
+          </a:p>
+          <a:p>
+            <a:pPr algn="just">
+              <a:lnSpc>
+                <a:spcPct val="100000"/>
+              </a:lnSpc>
+            </a:pPr>
+            <a:r>
+              <a:rPr lang="pt-BR" sz="1600" b="1" dirty="0">
+                <a:solidFill>
+                  <a:srgbClr val="575756"/>
+                </a:solidFill>
+                <a:latin typeface="Abadi" panose="020B0604020104020204" pitchFamily="34" charset="0"/>
+              </a:rPr>
+              <a:t>É importante ressaltar que a única complexidade essencial é a de Domínio, as demais são acidentais.</a:t>
+            </a:r>
           </a:p>
         </p:txBody>
       </p:sp>
@@ -4364,18 +5299,8 @@
                 </a:solidFill>
                 <a:latin typeface="Asap" panose="00000500000000000000" pitchFamily="2" charset="0"/>
               </a:rPr>
-              <a:t>Clean </a:t>
-            </a:r>
-            <a:r>
-              <a:rPr lang="pt-BR" b="1" dirty="0" err="1">
-                <a:solidFill>
-                  <a:srgbClr val="22438A"/>
-                </a:solidFill>
-                <a:latin typeface="Asap" panose="00000500000000000000" pitchFamily="2" charset="0"/>
-              </a:rPr>
-              <a:t>Architecture</a:t>
-            </a:r>
-            <a:endParaRPr lang="pt-BR" b="1" dirty="0"/>
+              <a:t>DDD</a:t>
+            </a:r>
           </a:p>
         </p:txBody>
       </p:sp>
@@ -4590,10 +5515,64 @@
           </a:p>
         </p:txBody>
       </p:sp>
+      <p:sp>
+        <p:nvSpPr>
+          <p:cNvPr id="2" name="Retângulo 1">
+            <a:extLst>
+              <a:ext uri="{FF2B5EF4-FFF2-40B4-BE49-F238E27FC236}">
+                <a16:creationId xmlns:a16="http://schemas.microsoft.com/office/drawing/2014/main" id="{48368252-F7EC-7FE0-B162-45E5AD84F82C}"/>
+              </a:ext>
+            </a:extLst>
+          </p:cNvPr>
+          <p:cNvSpPr/>
+          <p:nvPr/>
+        </p:nvSpPr>
+        <p:spPr>
+          <a:xfrm>
+            <a:off x="4037162" y="4210051"/>
+            <a:ext cx="7198918" cy="879534"/>
+          </a:xfrm>
+          <a:prstGeom prst="rect">
+            <a:avLst/>
+          </a:prstGeom>
+          <a:noFill/>
+          <a:ln w="9525" cap="flat" cmpd="sng" algn="ctr">
+            <a:solidFill>
+              <a:schemeClr val="accent1"/>
+            </a:solidFill>
+            <a:prstDash val="solid"/>
+            <a:round/>
+            <a:headEnd type="none" w="med" len="med"/>
+            <a:tailEnd type="none" w="med" len="med"/>
+          </a:ln>
+        </p:spPr>
+        <p:style>
+          <a:lnRef idx="0">
+            <a:scrgbClr r="0" g="0" b="0"/>
+          </a:lnRef>
+          <a:fillRef idx="0">
+            <a:scrgbClr r="0" g="0" b="0"/>
+          </a:fillRef>
+          <a:effectRef idx="0">
+            <a:scrgbClr r="0" g="0" b="0"/>
+          </a:effectRef>
+          <a:fontRef idx="minor">
+            <a:schemeClr val="accent1"/>
+          </a:fontRef>
+        </p:style>
+        <p:txBody>
+          <a:bodyPr rtlCol="0" anchor="ctr"/>
+          <a:lstStyle/>
+          <a:p>
+            <a:pPr algn="ctr"/>
+            <a:endParaRPr lang="pt-BR"/>
+          </a:p>
+        </p:txBody>
+      </p:sp>
     </p:spTree>
     <p:extLst>
       <p:ext uri="{BB962C8B-B14F-4D97-AF65-F5344CB8AC3E}">
-        <p14:creationId xmlns:p14="http://schemas.microsoft.com/office/powerpoint/2010/main" val="3903156023"/>
+        <p14:creationId xmlns:p14="http://schemas.microsoft.com/office/powerpoint/2010/main" val="812546671"/>
       </p:ext>
     </p:extLst>
   </p:cSld>
@@ -4654,7 +5633,91 @@
               </a:lnSpc>
             </a:pPr>
             <a:r>
-              <a:rPr lang="en-US" sz="1600" dirty="0">
+              <a:rPr lang="pt-BR" sz="1600" dirty="0">
+                <a:solidFill>
+                  <a:srgbClr val="575756"/>
+                </a:solidFill>
+                <a:latin typeface="Abadi" panose="020B0604020104020204" pitchFamily="34" charset="0"/>
+              </a:rPr>
+              <a:t>Podemos concluir que na perspectiva de Domain-</a:t>
+            </a:r>
+            <a:r>
+              <a:rPr lang="pt-BR" sz="1600" dirty="0" err="1">
+                <a:solidFill>
+                  <a:srgbClr val="575756"/>
+                </a:solidFill>
+                <a:latin typeface="Abadi" panose="020B0604020104020204" pitchFamily="34" charset="0"/>
+              </a:rPr>
+              <a:t>Driven</a:t>
+            </a:r>
+            <a:r>
+              <a:rPr lang="pt-BR" sz="1600" dirty="0">
+                <a:solidFill>
+                  <a:srgbClr val="575756"/>
+                </a:solidFill>
+                <a:latin typeface="Abadi" panose="020B0604020104020204" pitchFamily="34" charset="0"/>
+              </a:rPr>
+              <a:t> Design, quando olhamos sobre a ótica a complexidade de domínio (a qual de fato importa e é essencial) podemos chegar em dois grandes espaços:</a:t>
+            </a:r>
+          </a:p>
+          <a:p>
+            <a:pPr algn="just">
+              <a:lnSpc>
+                <a:spcPct val="100000"/>
+              </a:lnSpc>
+            </a:pPr>
+            <a:r>
+              <a:rPr lang="pt-BR" sz="1600" b="1" dirty="0">
+                <a:solidFill>
+                  <a:srgbClr val="575756"/>
+                </a:solidFill>
+                <a:latin typeface="Abadi" panose="020B0604020104020204" pitchFamily="34" charset="0"/>
+              </a:rPr>
+              <a:t> Espaço do Problema composto pelo próprio domínio (uma organização por exemplo) e subdomínio (seus diferentes setores)</a:t>
+            </a:r>
+          </a:p>
+          <a:p>
+            <a:pPr algn="just">
+              <a:lnSpc>
+                <a:spcPct val="100000"/>
+              </a:lnSpc>
+            </a:pPr>
+            <a:r>
+              <a:rPr lang="pt-BR" sz="1600" b="1" dirty="0">
+                <a:solidFill>
+                  <a:srgbClr val="575756"/>
+                </a:solidFill>
+                <a:latin typeface="Abadi" panose="020B0604020104020204" pitchFamily="34" charset="0"/>
+              </a:rPr>
+              <a:t>Espaço da Solução, composto pela modelagem de domínio (representação das abstrações na aplicação) e seus contextos delimitados (as fronteiras de interação e responsabilidade de cada subdomínio)</a:t>
+            </a:r>
+          </a:p>
+          <a:p>
+            <a:pPr algn="just">
+              <a:lnSpc>
+                <a:spcPct val="100000"/>
+              </a:lnSpc>
+            </a:pPr>
+            <a:r>
+              <a:rPr lang="pt-BR" sz="1600" dirty="0">
+                <a:solidFill>
+                  <a:srgbClr val="575756"/>
+                </a:solidFill>
+                <a:latin typeface="Abadi" panose="020B0604020104020204" pitchFamily="34" charset="0"/>
+              </a:rPr>
+              <a:t>É importante entender que em determinado momento assim como subdomínios interagem no espaço de problema, os contextos delimitados (</a:t>
+            </a:r>
+            <a:r>
+              <a:rPr lang="pt-BR" sz="1600" dirty="0" err="1">
+                <a:solidFill>
+                  <a:srgbClr val="575756"/>
+                </a:solidFill>
+                <a:latin typeface="Abadi" panose="020B0604020104020204" pitchFamily="34" charset="0"/>
+              </a:rPr>
+              <a:t>bounded</a:t>
+            </a:r>
+            <a:r>
+              <a:rPr lang="pt-BR" sz="1600" dirty="0">
                 <a:solidFill>
                   <a:srgbClr val="575756"/>
                 </a:solidFill>
@@ -4662,7 +5725,32 @@
               </a:rPr>
               <a:t> </a:t>
             </a:r>
-            <a:endParaRPr lang="pt-BR" sz="1600" dirty="0">
+            <a:r>
+              <a:rPr lang="pt-BR" sz="1600" dirty="0" err="1">
+                <a:solidFill>
+                  <a:srgbClr val="575756"/>
+                </a:solidFill>
+                <a:latin typeface="Abadi" panose="020B0604020104020204" pitchFamily="34" charset="0"/>
+              </a:rPr>
+              <a:t>context</a:t>
+            </a:r>
+            <a:r>
+              <a:rPr lang="pt-BR" sz="1600" dirty="0">
+                <a:solidFill>
+                  <a:srgbClr val="575756"/>
+                </a:solidFill>
+                <a:latin typeface="Abadi" panose="020B0604020104020204" pitchFamily="34" charset="0"/>
+              </a:rPr>
+              <a:t>) também interagem no espaço da solução e mapear e entender isso é crucial para de fato aplicar da maneira certa DDD. </a:t>
+            </a:r>
+          </a:p>
+          <a:p>
+            <a:pPr algn="just">
+              <a:lnSpc>
+                <a:spcPct val="100000"/>
+              </a:lnSpc>
+            </a:pPr>
+            <a:endParaRPr lang="pt-BR" sz="1600" b="1" dirty="0">
               <a:solidFill>
                 <a:srgbClr val="575756"/>
               </a:solidFill>
@@ -4725,7 +5813,7 @@
                 </a:solidFill>
                 <a:latin typeface="Asap" panose="00000500000000000000" pitchFamily="2" charset="0"/>
               </a:rPr>
-              <a:t>Princípios</a:t>
+              <a:t>O que é</a:t>
             </a:r>
           </a:p>
           <a:p>
@@ -4736,18 +5824,8 @@
                 </a:solidFill>
                 <a:latin typeface="Asap" panose="00000500000000000000" pitchFamily="2" charset="0"/>
               </a:rPr>
-              <a:t>Clean </a:t>
-            </a:r>
-            <a:r>
-              <a:rPr lang="pt-BR" b="1" dirty="0" err="1">
-                <a:solidFill>
-                  <a:srgbClr val="22438A"/>
-                </a:solidFill>
-                <a:latin typeface="Asap" panose="00000500000000000000" pitchFamily="2" charset="0"/>
-              </a:rPr>
-              <a:t>Architecture</a:t>
-            </a:r>
-            <a:endParaRPr lang="pt-BR" b="1" dirty="0"/>
+              <a:t>DDD</a:t>
+            </a:r>
           </a:p>
         </p:txBody>
       </p:sp>
@@ -4962,10 +6040,64 @@
           </a:p>
         </p:txBody>
       </p:sp>
+      <p:sp>
+        <p:nvSpPr>
+          <p:cNvPr id="4" name="Retângulo 3">
+            <a:extLst>
+              <a:ext uri="{FF2B5EF4-FFF2-40B4-BE49-F238E27FC236}">
+                <a16:creationId xmlns:a16="http://schemas.microsoft.com/office/drawing/2014/main" id="{63656B2A-F04A-EC15-56AE-4F6737EDA98D}"/>
+              </a:ext>
+            </a:extLst>
+          </p:cNvPr>
+          <p:cNvSpPr/>
+          <p:nvPr/>
+        </p:nvSpPr>
+        <p:spPr>
+          <a:xfrm>
+            <a:off x="4135772" y="2096219"/>
+            <a:ext cx="7000930" cy="1440611"/>
+          </a:xfrm>
+          <a:prstGeom prst="rect">
+            <a:avLst/>
+          </a:prstGeom>
+          <a:noFill/>
+          <a:ln w="9525" cap="flat" cmpd="sng" algn="ctr">
+            <a:solidFill>
+              <a:schemeClr val="accent1"/>
+            </a:solidFill>
+            <a:prstDash val="solid"/>
+            <a:round/>
+            <a:headEnd type="none" w="med" len="med"/>
+            <a:tailEnd type="none" w="med" len="med"/>
+          </a:ln>
+        </p:spPr>
+        <p:style>
+          <a:lnRef idx="0">
+            <a:scrgbClr r="0" g="0" b="0"/>
+          </a:lnRef>
+          <a:fillRef idx="0">
+            <a:scrgbClr r="0" g="0" b="0"/>
+          </a:fillRef>
+          <a:effectRef idx="0">
+            <a:scrgbClr r="0" g="0" b="0"/>
+          </a:effectRef>
+          <a:fontRef idx="minor">
+            <a:schemeClr val="accent1"/>
+          </a:fontRef>
+        </p:style>
+        <p:txBody>
+          <a:bodyPr rtlCol="0" anchor="ctr"/>
+          <a:lstStyle/>
+          <a:p>
+            <a:pPr algn="ctr"/>
+            <a:endParaRPr lang="pt-BR"/>
+          </a:p>
+        </p:txBody>
+      </p:sp>
     </p:spTree>
     <p:extLst>
       <p:ext uri="{BB962C8B-B14F-4D97-AF65-F5344CB8AC3E}">
-        <p14:creationId xmlns:p14="http://schemas.microsoft.com/office/powerpoint/2010/main" val="2552376244"/>
+        <p14:creationId xmlns:p14="http://schemas.microsoft.com/office/powerpoint/2010/main" val="993817744"/>
       </p:ext>
     </p:extLst>
   </p:cSld>
@@ -4992,45 +6124,359 @@
           <a:chExt cx="0" cy="0"/>
         </a:xfrm>
       </p:grpSpPr>
-      <p:pic>
-        <p:nvPicPr>
-          <p:cNvPr id="5" name="Imagem 4">
+      <p:sp>
+        <p:nvSpPr>
+          <p:cNvPr id="6" name="Título 1">
             <a:extLst>
               <a:ext uri="{FF2B5EF4-FFF2-40B4-BE49-F238E27FC236}">
-                <a16:creationId xmlns:a16="http://schemas.microsoft.com/office/drawing/2014/main" id="{84D71492-638A-487D-8EE9-9C007E9C50DC}"/>
+                <a16:creationId xmlns:a16="http://schemas.microsoft.com/office/drawing/2014/main" id="{29506E41-E78A-4624-9442-2C05FCDFFDD1}"/>
               </a:ext>
             </a:extLst>
           </p:cNvPr>
-          <p:cNvPicPr>
-            <a:picLocks noChangeAspect="1"/>
-          </p:cNvPicPr>
+          <p:cNvSpPr txBox="1">
+            <a:spLocks/>
+          </p:cNvSpPr>
           <p:nvPr/>
-        </p:nvPicPr>
-        <p:blipFill>
-          <a:blip r:embed="rId2">
-            <a:extLst>
-              <a:ext uri="{28A0092B-C50C-407E-A947-70E740481C1C}">
-                <a14:useLocalDpi xmlns:a14="http://schemas.microsoft.com/office/drawing/2010/main" val="0"/>
-              </a:ext>
-            </a:extLst>
-          </a:blip>
-          <a:srcRect/>
-          <a:stretch/>
-        </p:blipFill>
+        </p:nvSpPr>
         <p:spPr>
           <a:xfrm>
-            <a:off x="593" y="0"/>
-            <a:ext cx="12190814" cy="6858000"/>
+            <a:off x="838201" y="446314"/>
+            <a:ext cx="3423406" cy="2780051"/>
           </a:xfrm>
           <a:prstGeom prst="rect">
             <a:avLst/>
           </a:prstGeom>
         </p:spPr>
+        <p:txBody>
+          <a:bodyPr vert="horz" lIns="91440" tIns="45720" rIns="91440" bIns="45720" rtlCol="0" anchor="ctr">
+            <a:normAutofit fontScale="97500"/>
+          </a:bodyPr>
+          <a:lstStyle>
+            <a:lvl1pPr algn="l" defTabSz="914400" rtl="0" eaLnBrk="1" latinLnBrk="0" hangingPunct="1">
+              <a:lnSpc>
+                <a:spcPct val="90000"/>
+              </a:lnSpc>
+              <a:spcBef>
+                <a:spcPct val="0"/>
+              </a:spcBef>
+              <a:buNone/>
+              <a:defRPr sz="4400" kern="1200">
+                <a:solidFill>
+                  <a:schemeClr val="tx1"/>
+                </a:solidFill>
+                <a:latin typeface="+mj-lt"/>
+                <a:ea typeface="+mj-ea"/>
+                <a:cs typeface="+mj-cs"/>
+              </a:defRPr>
+            </a:lvl1pPr>
+          </a:lstStyle>
+          <a:p>
+            <a:r>
+              <a:rPr lang="pt-BR" b="1" dirty="0">
+                <a:solidFill>
+                  <a:srgbClr val="22438A"/>
+                </a:solidFill>
+                <a:latin typeface="Asap" panose="00000500000000000000" pitchFamily="2" charset="0"/>
+              </a:rPr>
+              <a:t>DDD: </a:t>
+            </a:r>
+          </a:p>
+          <a:p>
+            <a:r>
+              <a:rPr lang="pt-BR" b="1" dirty="0" err="1">
+                <a:solidFill>
+                  <a:srgbClr val="22438A"/>
+                </a:solidFill>
+                <a:latin typeface="Asap" panose="00000500000000000000" pitchFamily="2" charset="0"/>
+              </a:rPr>
+              <a:t>Context</a:t>
+            </a:r>
+            <a:endParaRPr lang="pt-BR" b="1" dirty="0">
+              <a:solidFill>
+                <a:srgbClr val="22438A"/>
+              </a:solidFill>
+              <a:latin typeface="Asap" panose="00000500000000000000" pitchFamily="2" charset="0"/>
+            </a:endParaRPr>
+          </a:p>
+          <a:p>
+            <a:r>
+              <a:rPr lang="pt-BR" b="1" dirty="0">
+                <a:solidFill>
+                  <a:srgbClr val="22438A"/>
+                </a:solidFill>
+                <a:latin typeface="Asap" panose="00000500000000000000" pitchFamily="2" charset="0"/>
+              </a:rPr>
+              <a:t>Mapping</a:t>
+            </a:r>
+          </a:p>
+        </p:txBody>
+      </p:sp>
+      <p:sp>
+        <p:nvSpPr>
+          <p:cNvPr id="5" name="Espaço Reservado para Conteúdo 2">
+            <a:extLst>
+              <a:ext uri="{FF2B5EF4-FFF2-40B4-BE49-F238E27FC236}">
+                <a16:creationId xmlns:a16="http://schemas.microsoft.com/office/drawing/2014/main" id="{298CF56C-531D-456B-926E-E1934EBBFA79}"/>
+              </a:ext>
+            </a:extLst>
+          </p:cNvPr>
+          <p:cNvSpPr txBox="1">
+            <a:spLocks/>
+          </p:cNvSpPr>
+          <p:nvPr/>
+        </p:nvSpPr>
+        <p:spPr>
+          <a:xfrm>
+            <a:off x="3885176" y="1430000"/>
+            <a:ext cx="7350904" cy="4403272"/>
+          </a:xfrm>
+          <a:prstGeom prst="rect">
+            <a:avLst/>
+          </a:prstGeom>
+        </p:spPr>
+        <p:txBody>
+          <a:bodyPr vert="horz" lIns="91440" tIns="45720" rIns="91440" bIns="45720" rtlCol="0">
+            <a:normAutofit/>
+          </a:bodyPr>
+          <a:lstStyle>
+            <a:lvl1pPr marL="228600" indent="-228600" algn="l" defTabSz="914400" rtl="0" eaLnBrk="1" latinLnBrk="0" hangingPunct="1">
+              <a:lnSpc>
+                <a:spcPct val="90000"/>
+              </a:lnSpc>
+              <a:spcBef>
+                <a:spcPts val="1000"/>
+              </a:spcBef>
+              <a:buFont typeface="Arial" panose="020B0604020202020204" pitchFamily="34" charset="0"/>
+              <a:buChar char="•"/>
+              <a:defRPr sz="2800" kern="1200">
+                <a:solidFill>
+                  <a:schemeClr val="tx1"/>
+                </a:solidFill>
+                <a:latin typeface="+mn-lt"/>
+                <a:ea typeface="+mn-ea"/>
+                <a:cs typeface="+mn-cs"/>
+              </a:defRPr>
+            </a:lvl1pPr>
+            <a:lvl2pPr marL="685800" indent="-228600" algn="l" defTabSz="914400" rtl="0" eaLnBrk="1" latinLnBrk="0" hangingPunct="1">
+              <a:lnSpc>
+                <a:spcPct val="90000"/>
+              </a:lnSpc>
+              <a:spcBef>
+                <a:spcPts val="500"/>
+              </a:spcBef>
+              <a:buFont typeface="Arial" panose="020B0604020202020204" pitchFamily="34" charset="0"/>
+              <a:buChar char="•"/>
+              <a:defRPr sz="2400" kern="1200">
+                <a:solidFill>
+                  <a:schemeClr val="tx1"/>
+                </a:solidFill>
+                <a:latin typeface="+mn-lt"/>
+                <a:ea typeface="+mn-ea"/>
+                <a:cs typeface="+mn-cs"/>
+              </a:defRPr>
+            </a:lvl2pPr>
+            <a:lvl3pPr marL="1143000" indent="-228600" algn="l" defTabSz="914400" rtl="0" eaLnBrk="1" latinLnBrk="0" hangingPunct="1">
+              <a:lnSpc>
+                <a:spcPct val="90000"/>
+              </a:lnSpc>
+              <a:spcBef>
+                <a:spcPts val="500"/>
+              </a:spcBef>
+              <a:buFont typeface="Arial" panose="020B0604020202020204" pitchFamily="34" charset="0"/>
+              <a:buChar char="•"/>
+              <a:defRPr sz="2000" kern="1200">
+                <a:solidFill>
+                  <a:schemeClr val="tx1"/>
+                </a:solidFill>
+                <a:latin typeface="+mn-lt"/>
+                <a:ea typeface="+mn-ea"/>
+                <a:cs typeface="+mn-cs"/>
+              </a:defRPr>
+            </a:lvl3pPr>
+            <a:lvl4pPr marL="1600200" indent="-228600" algn="l" defTabSz="914400" rtl="0" eaLnBrk="1" latinLnBrk="0" hangingPunct="1">
+              <a:lnSpc>
+                <a:spcPct val="90000"/>
+              </a:lnSpc>
+              <a:spcBef>
+                <a:spcPts val="500"/>
+              </a:spcBef>
+              <a:buFont typeface="Arial" panose="020B0604020202020204" pitchFamily="34" charset="0"/>
+              <a:buChar char="•"/>
+              <a:defRPr sz="1800" kern="1200">
+                <a:solidFill>
+                  <a:schemeClr val="tx1"/>
+                </a:solidFill>
+                <a:latin typeface="+mn-lt"/>
+                <a:ea typeface="+mn-ea"/>
+                <a:cs typeface="+mn-cs"/>
+              </a:defRPr>
+            </a:lvl4pPr>
+            <a:lvl5pPr marL="2057400" indent="-228600" algn="l" defTabSz="914400" rtl="0" eaLnBrk="1" latinLnBrk="0" hangingPunct="1">
+              <a:lnSpc>
+                <a:spcPct val="90000"/>
+              </a:lnSpc>
+              <a:spcBef>
+                <a:spcPts val="500"/>
+              </a:spcBef>
+              <a:buFont typeface="Arial" panose="020B0604020202020204" pitchFamily="34" charset="0"/>
+              <a:buChar char="•"/>
+              <a:defRPr sz="1800" kern="1200">
+                <a:solidFill>
+                  <a:schemeClr val="tx1"/>
+                </a:solidFill>
+                <a:latin typeface="+mn-lt"/>
+                <a:ea typeface="+mn-ea"/>
+                <a:cs typeface="+mn-cs"/>
+              </a:defRPr>
+            </a:lvl5pPr>
+            <a:lvl6pPr marL="2514600" indent="-228600" algn="l" defTabSz="914400" rtl="0" eaLnBrk="1" latinLnBrk="0" hangingPunct="1">
+              <a:lnSpc>
+                <a:spcPct val="90000"/>
+              </a:lnSpc>
+              <a:spcBef>
+                <a:spcPts val="500"/>
+              </a:spcBef>
+              <a:buFont typeface="Arial" panose="020B0604020202020204" pitchFamily="34" charset="0"/>
+              <a:buChar char="•"/>
+              <a:defRPr sz="1800" kern="1200">
+                <a:solidFill>
+                  <a:schemeClr val="tx1"/>
+                </a:solidFill>
+                <a:latin typeface="+mn-lt"/>
+                <a:ea typeface="+mn-ea"/>
+                <a:cs typeface="+mn-cs"/>
+              </a:defRPr>
+            </a:lvl6pPr>
+            <a:lvl7pPr marL="2971800" indent="-228600" algn="l" defTabSz="914400" rtl="0" eaLnBrk="1" latinLnBrk="0" hangingPunct="1">
+              <a:lnSpc>
+                <a:spcPct val="90000"/>
+              </a:lnSpc>
+              <a:spcBef>
+                <a:spcPts val="500"/>
+              </a:spcBef>
+              <a:buFont typeface="Arial" panose="020B0604020202020204" pitchFamily="34" charset="0"/>
+              <a:buChar char="•"/>
+              <a:defRPr sz="1800" kern="1200">
+                <a:solidFill>
+                  <a:schemeClr val="tx1"/>
+                </a:solidFill>
+                <a:latin typeface="+mn-lt"/>
+                <a:ea typeface="+mn-ea"/>
+                <a:cs typeface="+mn-cs"/>
+              </a:defRPr>
+            </a:lvl7pPr>
+            <a:lvl8pPr marL="3429000" indent="-228600" algn="l" defTabSz="914400" rtl="0" eaLnBrk="1" latinLnBrk="0" hangingPunct="1">
+              <a:lnSpc>
+                <a:spcPct val="90000"/>
+              </a:lnSpc>
+              <a:spcBef>
+                <a:spcPts val="500"/>
+              </a:spcBef>
+              <a:buFont typeface="Arial" panose="020B0604020202020204" pitchFamily="34" charset="0"/>
+              <a:buChar char="•"/>
+              <a:defRPr sz="1800" kern="1200">
+                <a:solidFill>
+                  <a:schemeClr val="tx1"/>
+                </a:solidFill>
+                <a:latin typeface="+mn-lt"/>
+                <a:ea typeface="+mn-ea"/>
+                <a:cs typeface="+mn-cs"/>
+              </a:defRPr>
+            </a:lvl8pPr>
+            <a:lvl9pPr marL="3886200" indent="-228600" algn="l" defTabSz="914400" rtl="0" eaLnBrk="1" latinLnBrk="0" hangingPunct="1">
+              <a:lnSpc>
+                <a:spcPct val="90000"/>
+              </a:lnSpc>
+              <a:spcBef>
+                <a:spcPts val="500"/>
+              </a:spcBef>
+              <a:buFont typeface="Arial" panose="020B0604020202020204" pitchFamily="34" charset="0"/>
+              <a:buChar char="•"/>
+              <a:defRPr sz="1800" kern="1200">
+                <a:solidFill>
+                  <a:schemeClr val="tx1"/>
+                </a:solidFill>
+                <a:latin typeface="+mn-lt"/>
+                <a:ea typeface="+mn-ea"/>
+                <a:cs typeface="+mn-cs"/>
+              </a:defRPr>
+            </a:lvl9pPr>
+          </a:lstStyle>
+          <a:p>
+            <a:pPr marL="0" indent="0">
+              <a:lnSpc>
+                <a:spcPct val="100000"/>
+              </a:lnSpc>
+              <a:buFont typeface="Arial" panose="020B0604020202020204" pitchFamily="34" charset="0"/>
+              <a:buNone/>
+            </a:pPr>
+            <a:r>
+              <a:rPr lang="pt-BR" sz="2600" dirty="0">
+                <a:solidFill>
+                  <a:srgbClr val="575756"/>
+                </a:solidFill>
+                <a:latin typeface="Asap" panose="00000500000000000000" pitchFamily="2" charset="0"/>
+              </a:rPr>
+              <a:t> </a:t>
+            </a:r>
+          </a:p>
+        </p:txBody>
+      </p:sp>
+      <p:pic>
+        <p:nvPicPr>
+          <p:cNvPr id="8" name="Espaço Reservado para Conteúdo 7">
+            <a:extLst>
+              <a:ext uri="{FF2B5EF4-FFF2-40B4-BE49-F238E27FC236}">
+                <a16:creationId xmlns:a16="http://schemas.microsoft.com/office/drawing/2014/main" id="{B30DE923-34E3-689C-873F-0507628A8F54}"/>
+              </a:ext>
+            </a:extLst>
+          </p:cNvPr>
+          <p:cNvPicPr>
+            <a:picLocks noGrp="1" noChangeAspect="1"/>
+          </p:cNvPicPr>
+          <p:nvPr>
+            <p:ph idx="1"/>
+          </p:nvPr>
+        </p:nvPicPr>
+        <p:blipFill>
+          <a:blip r:embed="rId2">
+            <a:extLst>
+              <a:ext uri="{28A0092B-C50C-407E-A947-70E740481C1C}">
+                <a14:useLocalDpi xmlns:a14="http://schemas.microsoft.com/office/drawing/2010/main" val="0"/>
+              </a:ext>
+              <a:ext uri="{96DAC541-7B7A-43D3-8B79-37D633B846F1}">
+                <asvg:svgBlip xmlns:asvg="http://schemas.microsoft.com/office/drawing/2016/SVG/main" r:embed="rId3"/>
+              </a:ext>
+            </a:extLst>
+          </a:blip>
+          <a:stretch>
+            <a:fillRect/>
+          </a:stretch>
+        </p:blipFill>
+        <p:spPr bwMode="auto">
+          <a:xfrm>
+            <a:off x="3585920" y="1024728"/>
+            <a:ext cx="7949416" cy="4410956"/>
+          </a:xfrm>
+          <a:prstGeom prst="rect">
+            <a:avLst/>
+          </a:prstGeom>
+          <a:noFill/>
+          <a:extLst>
+            <a:ext uri="{909E8E84-426E-40DD-AFC4-6F175D3DCCD1}">
+              <a14:hiddenFill xmlns:a14="http://schemas.microsoft.com/office/drawing/2010/main">
+                <a:solidFill>
+                  <a:srgbClr val="FFFFFF"/>
+                </a:solidFill>
+              </a14:hiddenFill>
+            </a:ext>
+          </a:extLst>
+        </p:spPr>
       </p:pic>
     </p:spTree>
     <p:extLst>
       <p:ext uri="{BB962C8B-B14F-4D97-AF65-F5344CB8AC3E}">
-        <p14:creationId xmlns:p14="http://schemas.microsoft.com/office/powerpoint/2010/main" val="81690933"/>
+        <p14:creationId xmlns:p14="http://schemas.microsoft.com/office/powerpoint/2010/main" val="590104834"/>
       </p:ext>
     </p:extLst>
   </p:cSld>
@@ -5085,26 +6531,130 @@
           </a:bodyPr>
           <a:lstStyle/>
           <a:p>
-            <a:pPr algn="just">
+            <a:pPr marL="342900" indent="-342900" algn="just">
               <a:lnSpc>
                 <a:spcPct val="100000"/>
               </a:lnSpc>
+              <a:buFont typeface="+mj-lt"/>
+              <a:buAutoNum type="arabicPeriod"/>
             </a:pPr>
             <a:r>
-              <a:rPr lang="en-US" sz="1600" dirty="0">
-                <a:solidFill>
-                  <a:srgbClr val="575756"/>
-                </a:solidFill>
-                <a:latin typeface="Abadi" panose="020B0604020104020204" pitchFamily="34" charset="0"/>
-              </a:rPr>
-              <a:t> </a:t>
-            </a:r>
-            <a:endParaRPr lang="pt-BR" sz="1600" dirty="0">
-              <a:solidFill>
-                <a:srgbClr val="575756"/>
-              </a:solidFill>
-              <a:latin typeface="Abadi" panose="020B0604020104020204" pitchFamily="34" charset="0"/>
-            </a:endParaRPr>
+              <a:rPr lang="pt-BR" sz="1600" dirty="0">
+                <a:solidFill>
+                  <a:srgbClr val="575756"/>
+                </a:solidFill>
+                <a:latin typeface="Abadi" panose="020B0604020104020204" pitchFamily="34" charset="0"/>
+              </a:rPr>
+              <a:t>Entidades</a:t>
+            </a:r>
+          </a:p>
+          <a:p>
+            <a:pPr marL="342900" indent="-342900" algn="just">
+              <a:lnSpc>
+                <a:spcPct val="100000"/>
+              </a:lnSpc>
+              <a:buFont typeface="+mj-lt"/>
+              <a:buAutoNum type="arabicPeriod"/>
+            </a:pPr>
+            <a:r>
+              <a:rPr lang="pt-BR" sz="1600" dirty="0">
+                <a:solidFill>
+                  <a:srgbClr val="575756"/>
+                </a:solidFill>
+                <a:latin typeface="Abadi" panose="020B0604020104020204" pitchFamily="34" charset="0"/>
+              </a:rPr>
+              <a:t>Objetos de Valor</a:t>
+            </a:r>
+          </a:p>
+          <a:p>
+            <a:pPr marL="342900" indent="-342900" algn="just">
+              <a:lnSpc>
+                <a:spcPct val="100000"/>
+              </a:lnSpc>
+              <a:buFont typeface="+mj-lt"/>
+              <a:buAutoNum type="arabicPeriod"/>
+            </a:pPr>
+            <a:r>
+              <a:rPr lang="pt-BR" sz="1600" dirty="0">
+                <a:solidFill>
+                  <a:srgbClr val="575756"/>
+                </a:solidFill>
+                <a:latin typeface="Abadi" panose="020B0604020104020204" pitchFamily="34" charset="0"/>
+              </a:rPr>
+              <a:t>Agregações</a:t>
+            </a:r>
+          </a:p>
+          <a:p>
+            <a:pPr marL="342900" indent="-342900" algn="just">
+              <a:lnSpc>
+                <a:spcPct val="100000"/>
+              </a:lnSpc>
+              <a:buFont typeface="+mj-lt"/>
+              <a:buAutoNum type="arabicPeriod"/>
+            </a:pPr>
+            <a:r>
+              <a:rPr lang="pt-BR" sz="1600" dirty="0">
+                <a:solidFill>
+                  <a:srgbClr val="575756"/>
+                </a:solidFill>
+                <a:latin typeface="Abadi" panose="020B0604020104020204" pitchFamily="34" charset="0"/>
+              </a:rPr>
+              <a:t>Serviços de Domínio</a:t>
+            </a:r>
+          </a:p>
+          <a:p>
+            <a:pPr marL="342900" indent="-342900" algn="just">
+              <a:lnSpc>
+                <a:spcPct val="100000"/>
+              </a:lnSpc>
+              <a:buFont typeface="+mj-lt"/>
+              <a:buAutoNum type="arabicPeriod"/>
+            </a:pPr>
+            <a:r>
+              <a:rPr lang="pt-BR" sz="1600" dirty="0">
+                <a:solidFill>
+                  <a:srgbClr val="575756"/>
+                </a:solidFill>
+                <a:latin typeface="Abadi" panose="020B0604020104020204" pitchFamily="34" charset="0"/>
+              </a:rPr>
+              <a:t>Especificações</a:t>
+            </a:r>
+          </a:p>
+          <a:p>
+            <a:pPr marL="342900" indent="-342900" algn="just">
+              <a:lnSpc>
+                <a:spcPct val="100000"/>
+              </a:lnSpc>
+              <a:buFont typeface="+mj-lt"/>
+              <a:buAutoNum type="arabicPeriod"/>
+            </a:pPr>
+            <a:r>
+              <a:rPr lang="pt-BR" sz="1600" dirty="0">
+                <a:solidFill>
+                  <a:srgbClr val="575756"/>
+                </a:solidFill>
+                <a:latin typeface="Abadi" panose="020B0604020104020204" pitchFamily="34" charset="0"/>
+              </a:rPr>
+              <a:t>Repositórios</a:t>
+            </a:r>
+          </a:p>
+          <a:p>
+            <a:pPr marL="342900" indent="-342900" algn="just">
+              <a:lnSpc>
+                <a:spcPct val="100000"/>
+              </a:lnSpc>
+              <a:buFont typeface="+mj-lt"/>
+              <a:buAutoNum type="arabicPeriod"/>
+            </a:pPr>
+            <a:r>
+              <a:rPr lang="pt-BR" sz="1600" dirty="0">
+                <a:solidFill>
+                  <a:srgbClr val="575756"/>
+                </a:solidFill>
+                <a:latin typeface="Abadi" panose="020B0604020104020204" pitchFamily="34" charset="0"/>
+              </a:rPr>
+              <a:t>Fabricas </a:t>
+            </a:r>
           </a:p>
         </p:txBody>
       </p:sp>
@@ -5124,7 +6674,7 @@
         </p:nvSpPr>
         <p:spPr>
           <a:xfrm>
-            <a:off x="838201" y="446314"/>
+            <a:off x="786442" y="1024728"/>
             <a:ext cx="3423406" cy="2780051"/>
           </a:xfrm>
           <a:prstGeom prst="rect">
@@ -5133,7 +6683,7 @@
         </p:spPr>
         <p:txBody>
           <a:bodyPr vert="horz" lIns="91440" tIns="45720" rIns="91440" bIns="45720" rtlCol="0" anchor="ctr">
-            <a:normAutofit fontScale="97500"/>
+            <a:normAutofit fontScale="97500" lnSpcReduction="10000"/>
           </a:bodyPr>
           <a:lstStyle>
             <a:lvl1pPr algn="l" defTabSz="914400" rtl="0" eaLnBrk="1" latinLnBrk="0" hangingPunct="1">
@@ -5162,7 +6712,7 @@
                 </a:solidFill>
                 <a:latin typeface="Asap" panose="00000500000000000000" pitchFamily="2" charset="0"/>
               </a:rPr>
-              <a:t>O que é</a:t>
+              <a:t>DDD:</a:t>
             </a:r>
           </a:p>
           <a:p>
@@ -5173,9 +6723,8 @@
                 </a:solidFill>
                 <a:latin typeface="Asap" panose="00000500000000000000" pitchFamily="2" charset="0"/>
               </a:rPr>
-              <a:t>CQRS</a:t>
-            </a:r>
-            <a:endParaRPr lang="pt-BR" b="1" dirty="0"/>
+              <a:t>Padrões aplicáveis ao espaço da solução</a:t>
+            </a:r>
           </a:p>
         </p:txBody>
       </p:sp>
@@ -5393,7 +6942,7 @@
     </p:spTree>
     <p:extLst>
       <p:ext uri="{BB962C8B-B14F-4D97-AF65-F5344CB8AC3E}">
-        <p14:creationId xmlns:p14="http://schemas.microsoft.com/office/powerpoint/2010/main" val="1961591634"/>
+        <p14:creationId xmlns:p14="http://schemas.microsoft.com/office/powerpoint/2010/main" val="1545447131"/>
       </p:ext>
     </p:extLst>
   </p:cSld>
@@ -5525,7 +7074,7 @@
                 </a:solidFill>
                 <a:latin typeface="Asap" panose="00000500000000000000" pitchFamily="2" charset="0"/>
               </a:rPr>
-              <a:t>Princípios</a:t>
+              <a:t>O que é</a:t>
             </a:r>
           </a:p>
           <a:p>
@@ -5536,7 +7085,16 @@
                 </a:solidFill>
                 <a:latin typeface="Asap" panose="00000500000000000000" pitchFamily="2" charset="0"/>
               </a:rPr>
-              <a:t>CQRS</a:t>
+              <a:t>Clean </a:t>
+            </a:r>
+            <a:r>
+              <a:rPr lang="pt-BR" b="1" dirty="0" err="1">
+                <a:solidFill>
+                  <a:srgbClr val="22438A"/>
+                </a:solidFill>
+                <a:latin typeface="Asap" panose="00000500000000000000" pitchFamily="2" charset="0"/>
+              </a:rPr>
+              <a:t>Architecture</a:t>
             </a:r>
             <a:endParaRPr lang="pt-BR" b="1" dirty="0"/>
           </a:p>
@@ -5756,7 +7314,7 @@
     </p:spTree>
     <p:extLst>
       <p:ext uri="{BB962C8B-B14F-4D97-AF65-F5344CB8AC3E}">
-        <p14:creationId xmlns:p14="http://schemas.microsoft.com/office/powerpoint/2010/main" val="2257570828"/>
+        <p14:creationId xmlns:p14="http://schemas.microsoft.com/office/powerpoint/2010/main" val="3903156023"/>
       </p:ext>
     </p:extLst>
   </p:cSld>
@@ -5783,6 +7341,378 @@
           <a:chExt cx="0" cy="0"/>
         </a:xfrm>
       </p:grpSpPr>
+      <p:sp>
+        <p:nvSpPr>
+          <p:cNvPr id="3" name="Espaço Reservado para Conteúdo 2">
+            <a:extLst>
+              <a:ext uri="{FF2B5EF4-FFF2-40B4-BE49-F238E27FC236}">
+                <a16:creationId xmlns:a16="http://schemas.microsoft.com/office/drawing/2014/main" id="{40381986-94CF-4578-8578-5FEC2FA85378}"/>
+              </a:ext>
+            </a:extLst>
+          </p:cNvPr>
+          <p:cNvSpPr>
+            <a:spLocks noGrp="1"/>
+          </p:cNvSpPr>
+          <p:nvPr>
+            <p:ph idx="1"/>
+          </p:nvPr>
+        </p:nvSpPr>
+        <p:spPr>
+          <a:xfrm>
+            <a:off x="4135772" y="1227364"/>
+            <a:ext cx="6715489" cy="4403272"/>
+          </a:xfrm>
+        </p:spPr>
+        <p:txBody>
+          <a:bodyPr>
+            <a:normAutofit/>
+          </a:bodyPr>
+          <a:lstStyle/>
+          <a:p>
+            <a:pPr algn="just">
+              <a:lnSpc>
+                <a:spcPct val="100000"/>
+              </a:lnSpc>
+            </a:pPr>
+            <a:r>
+              <a:rPr lang="en-US" sz="1600" dirty="0">
+                <a:solidFill>
+                  <a:srgbClr val="575756"/>
+                </a:solidFill>
+                <a:latin typeface="Abadi" panose="020B0604020104020204" pitchFamily="34" charset="0"/>
+              </a:rPr>
+              <a:t> </a:t>
+            </a:r>
+            <a:endParaRPr lang="pt-BR" sz="1600" dirty="0">
+              <a:solidFill>
+                <a:srgbClr val="575756"/>
+              </a:solidFill>
+              <a:latin typeface="Abadi" panose="020B0604020104020204" pitchFamily="34" charset="0"/>
+            </a:endParaRPr>
+          </a:p>
+        </p:txBody>
+      </p:sp>
+      <p:sp>
+        <p:nvSpPr>
+          <p:cNvPr id="6" name="Título 1">
+            <a:extLst>
+              <a:ext uri="{FF2B5EF4-FFF2-40B4-BE49-F238E27FC236}">
+                <a16:creationId xmlns:a16="http://schemas.microsoft.com/office/drawing/2014/main" id="{29506E41-E78A-4624-9442-2C05FCDFFDD1}"/>
+              </a:ext>
+            </a:extLst>
+          </p:cNvPr>
+          <p:cNvSpPr txBox="1">
+            <a:spLocks/>
+          </p:cNvSpPr>
+          <p:nvPr/>
+        </p:nvSpPr>
+        <p:spPr>
+          <a:xfrm>
+            <a:off x="838201" y="446314"/>
+            <a:ext cx="3423406" cy="2780051"/>
+          </a:xfrm>
+          <a:prstGeom prst="rect">
+            <a:avLst/>
+          </a:prstGeom>
+        </p:spPr>
+        <p:txBody>
+          <a:bodyPr vert="horz" lIns="91440" tIns="45720" rIns="91440" bIns="45720" rtlCol="0" anchor="ctr">
+            <a:normAutofit fontScale="97500"/>
+          </a:bodyPr>
+          <a:lstStyle>
+            <a:lvl1pPr algn="l" defTabSz="914400" rtl="0" eaLnBrk="1" latinLnBrk="0" hangingPunct="1">
+              <a:lnSpc>
+                <a:spcPct val="90000"/>
+              </a:lnSpc>
+              <a:spcBef>
+                <a:spcPct val="0"/>
+              </a:spcBef>
+              <a:buNone/>
+              <a:defRPr sz="4400" kern="1200">
+                <a:solidFill>
+                  <a:schemeClr val="tx1"/>
+                </a:solidFill>
+                <a:latin typeface="+mj-lt"/>
+                <a:ea typeface="+mj-ea"/>
+                <a:cs typeface="+mj-cs"/>
+              </a:defRPr>
+            </a:lvl1pPr>
+          </a:lstStyle>
+          <a:p>
+            <a:r>
+              <a:rPr lang="pt-BR" b="1" dirty="0">
+                <a:solidFill>
+                  <a:srgbClr val="22438A"/>
+                </a:solidFill>
+                <a:latin typeface="Asap" panose="00000500000000000000" pitchFamily="2" charset="0"/>
+              </a:rPr>
+              <a:t>Princípios</a:t>
+            </a:r>
+          </a:p>
+          <a:p>
+            <a:r>
+              <a:rPr lang="pt-BR" b="1" dirty="0">
+                <a:solidFill>
+                  <a:srgbClr val="22438A"/>
+                </a:solidFill>
+                <a:latin typeface="Asap" panose="00000500000000000000" pitchFamily="2" charset="0"/>
+              </a:rPr>
+              <a:t>Clean </a:t>
+            </a:r>
+            <a:r>
+              <a:rPr lang="pt-BR" b="1" dirty="0" err="1">
+                <a:solidFill>
+                  <a:srgbClr val="22438A"/>
+                </a:solidFill>
+                <a:latin typeface="Asap" panose="00000500000000000000" pitchFamily="2" charset="0"/>
+              </a:rPr>
+              <a:t>Architecture</a:t>
+            </a:r>
+            <a:endParaRPr lang="pt-BR" b="1" dirty="0"/>
+          </a:p>
+        </p:txBody>
+      </p:sp>
+      <p:sp>
+        <p:nvSpPr>
+          <p:cNvPr id="5" name="Espaço Reservado para Conteúdo 2">
+            <a:extLst>
+              <a:ext uri="{FF2B5EF4-FFF2-40B4-BE49-F238E27FC236}">
+                <a16:creationId xmlns:a16="http://schemas.microsoft.com/office/drawing/2014/main" id="{298CF56C-531D-456B-926E-E1934EBBFA79}"/>
+              </a:ext>
+            </a:extLst>
+          </p:cNvPr>
+          <p:cNvSpPr txBox="1">
+            <a:spLocks/>
+          </p:cNvSpPr>
+          <p:nvPr/>
+        </p:nvSpPr>
+        <p:spPr>
+          <a:xfrm>
+            <a:off x="3885176" y="1430000"/>
+            <a:ext cx="7350904" cy="4403272"/>
+          </a:xfrm>
+          <a:prstGeom prst="rect">
+            <a:avLst/>
+          </a:prstGeom>
+        </p:spPr>
+        <p:txBody>
+          <a:bodyPr vert="horz" lIns="91440" tIns="45720" rIns="91440" bIns="45720" rtlCol="0">
+            <a:normAutofit/>
+          </a:bodyPr>
+          <a:lstStyle>
+            <a:lvl1pPr marL="228600" indent="-228600" algn="l" defTabSz="914400" rtl="0" eaLnBrk="1" latinLnBrk="0" hangingPunct="1">
+              <a:lnSpc>
+                <a:spcPct val="90000"/>
+              </a:lnSpc>
+              <a:spcBef>
+                <a:spcPts val="1000"/>
+              </a:spcBef>
+              <a:buFont typeface="Arial" panose="020B0604020202020204" pitchFamily="34" charset="0"/>
+              <a:buChar char="•"/>
+              <a:defRPr sz="2800" kern="1200">
+                <a:solidFill>
+                  <a:schemeClr val="tx1"/>
+                </a:solidFill>
+                <a:latin typeface="+mn-lt"/>
+                <a:ea typeface="+mn-ea"/>
+                <a:cs typeface="+mn-cs"/>
+              </a:defRPr>
+            </a:lvl1pPr>
+            <a:lvl2pPr marL="685800" indent="-228600" algn="l" defTabSz="914400" rtl="0" eaLnBrk="1" latinLnBrk="0" hangingPunct="1">
+              <a:lnSpc>
+                <a:spcPct val="90000"/>
+              </a:lnSpc>
+              <a:spcBef>
+                <a:spcPts val="500"/>
+              </a:spcBef>
+              <a:buFont typeface="Arial" panose="020B0604020202020204" pitchFamily="34" charset="0"/>
+              <a:buChar char="•"/>
+              <a:defRPr sz="2400" kern="1200">
+                <a:solidFill>
+                  <a:schemeClr val="tx1"/>
+                </a:solidFill>
+                <a:latin typeface="+mn-lt"/>
+                <a:ea typeface="+mn-ea"/>
+                <a:cs typeface="+mn-cs"/>
+              </a:defRPr>
+            </a:lvl2pPr>
+            <a:lvl3pPr marL="1143000" indent="-228600" algn="l" defTabSz="914400" rtl="0" eaLnBrk="1" latinLnBrk="0" hangingPunct="1">
+              <a:lnSpc>
+                <a:spcPct val="90000"/>
+              </a:lnSpc>
+              <a:spcBef>
+                <a:spcPts val="500"/>
+              </a:spcBef>
+              <a:buFont typeface="Arial" panose="020B0604020202020204" pitchFamily="34" charset="0"/>
+              <a:buChar char="•"/>
+              <a:defRPr sz="2000" kern="1200">
+                <a:solidFill>
+                  <a:schemeClr val="tx1"/>
+                </a:solidFill>
+                <a:latin typeface="+mn-lt"/>
+                <a:ea typeface="+mn-ea"/>
+                <a:cs typeface="+mn-cs"/>
+              </a:defRPr>
+            </a:lvl3pPr>
+            <a:lvl4pPr marL="1600200" indent="-228600" algn="l" defTabSz="914400" rtl="0" eaLnBrk="1" latinLnBrk="0" hangingPunct="1">
+              <a:lnSpc>
+                <a:spcPct val="90000"/>
+              </a:lnSpc>
+              <a:spcBef>
+                <a:spcPts val="500"/>
+              </a:spcBef>
+              <a:buFont typeface="Arial" panose="020B0604020202020204" pitchFamily="34" charset="0"/>
+              <a:buChar char="•"/>
+              <a:defRPr sz="1800" kern="1200">
+                <a:solidFill>
+                  <a:schemeClr val="tx1"/>
+                </a:solidFill>
+                <a:latin typeface="+mn-lt"/>
+                <a:ea typeface="+mn-ea"/>
+                <a:cs typeface="+mn-cs"/>
+              </a:defRPr>
+            </a:lvl4pPr>
+            <a:lvl5pPr marL="2057400" indent="-228600" algn="l" defTabSz="914400" rtl="0" eaLnBrk="1" latinLnBrk="0" hangingPunct="1">
+              <a:lnSpc>
+                <a:spcPct val="90000"/>
+              </a:lnSpc>
+              <a:spcBef>
+                <a:spcPts val="500"/>
+              </a:spcBef>
+              <a:buFont typeface="Arial" panose="020B0604020202020204" pitchFamily="34" charset="0"/>
+              <a:buChar char="•"/>
+              <a:defRPr sz="1800" kern="1200">
+                <a:solidFill>
+                  <a:schemeClr val="tx1"/>
+                </a:solidFill>
+                <a:latin typeface="+mn-lt"/>
+                <a:ea typeface="+mn-ea"/>
+                <a:cs typeface="+mn-cs"/>
+              </a:defRPr>
+            </a:lvl5pPr>
+            <a:lvl6pPr marL="2514600" indent="-228600" algn="l" defTabSz="914400" rtl="0" eaLnBrk="1" latinLnBrk="0" hangingPunct="1">
+              <a:lnSpc>
+                <a:spcPct val="90000"/>
+              </a:lnSpc>
+              <a:spcBef>
+                <a:spcPts val="500"/>
+              </a:spcBef>
+              <a:buFont typeface="Arial" panose="020B0604020202020204" pitchFamily="34" charset="0"/>
+              <a:buChar char="•"/>
+              <a:defRPr sz="1800" kern="1200">
+                <a:solidFill>
+                  <a:schemeClr val="tx1"/>
+                </a:solidFill>
+                <a:latin typeface="+mn-lt"/>
+                <a:ea typeface="+mn-ea"/>
+                <a:cs typeface="+mn-cs"/>
+              </a:defRPr>
+            </a:lvl6pPr>
+            <a:lvl7pPr marL="2971800" indent="-228600" algn="l" defTabSz="914400" rtl="0" eaLnBrk="1" latinLnBrk="0" hangingPunct="1">
+              <a:lnSpc>
+                <a:spcPct val="90000"/>
+              </a:lnSpc>
+              <a:spcBef>
+                <a:spcPts val="500"/>
+              </a:spcBef>
+              <a:buFont typeface="Arial" panose="020B0604020202020204" pitchFamily="34" charset="0"/>
+              <a:buChar char="•"/>
+              <a:defRPr sz="1800" kern="1200">
+                <a:solidFill>
+                  <a:schemeClr val="tx1"/>
+                </a:solidFill>
+                <a:latin typeface="+mn-lt"/>
+                <a:ea typeface="+mn-ea"/>
+                <a:cs typeface="+mn-cs"/>
+              </a:defRPr>
+            </a:lvl7pPr>
+            <a:lvl8pPr marL="3429000" indent="-228600" algn="l" defTabSz="914400" rtl="0" eaLnBrk="1" latinLnBrk="0" hangingPunct="1">
+              <a:lnSpc>
+                <a:spcPct val="90000"/>
+              </a:lnSpc>
+              <a:spcBef>
+                <a:spcPts val="500"/>
+              </a:spcBef>
+              <a:buFont typeface="Arial" panose="020B0604020202020204" pitchFamily="34" charset="0"/>
+              <a:buChar char="•"/>
+              <a:defRPr sz="1800" kern="1200">
+                <a:solidFill>
+                  <a:schemeClr val="tx1"/>
+                </a:solidFill>
+                <a:latin typeface="+mn-lt"/>
+                <a:ea typeface="+mn-ea"/>
+                <a:cs typeface="+mn-cs"/>
+              </a:defRPr>
+            </a:lvl8pPr>
+            <a:lvl9pPr marL="3886200" indent="-228600" algn="l" defTabSz="914400" rtl="0" eaLnBrk="1" latinLnBrk="0" hangingPunct="1">
+              <a:lnSpc>
+                <a:spcPct val="90000"/>
+              </a:lnSpc>
+              <a:spcBef>
+                <a:spcPts val="500"/>
+              </a:spcBef>
+              <a:buFont typeface="Arial" panose="020B0604020202020204" pitchFamily="34" charset="0"/>
+              <a:buChar char="•"/>
+              <a:defRPr sz="1800" kern="1200">
+                <a:solidFill>
+                  <a:schemeClr val="tx1"/>
+                </a:solidFill>
+                <a:latin typeface="+mn-lt"/>
+                <a:ea typeface="+mn-ea"/>
+                <a:cs typeface="+mn-cs"/>
+              </a:defRPr>
+            </a:lvl9pPr>
+          </a:lstStyle>
+          <a:p>
+            <a:pPr marL="0" indent="0">
+              <a:lnSpc>
+                <a:spcPct val="100000"/>
+              </a:lnSpc>
+              <a:buFont typeface="Arial" panose="020B0604020202020204" pitchFamily="34" charset="0"/>
+              <a:buNone/>
+            </a:pPr>
+            <a:r>
+              <a:rPr lang="pt-BR" sz="2600" dirty="0">
+                <a:solidFill>
+                  <a:srgbClr val="575756"/>
+                </a:solidFill>
+                <a:latin typeface="Asap" panose="00000500000000000000" pitchFamily="2" charset="0"/>
+              </a:rPr>
+              <a:t> </a:t>
+            </a:r>
+          </a:p>
+        </p:txBody>
+      </p:sp>
+    </p:spTree>
+    <p:extLst>
+      <p:ext uri="{BB962C8B-B14F-4D97-AF65-F5344CB8AC3E}">
+        <p14:creationId xmlns:p14="http://schemas.microsoft.com/office/powerpoint/2010/main" val="2552376244"/>
+      </p:ext>
+    </p:extLst>
+  </p:cSld>
+  <p:clrMapOvr>
+    <a:masterClrMapping/>
+  </p:clrMapOvr>
+</p:sld>
+</file>
+
+<file path=ppt/slides/slide17.xml><?xml version="1.0" encoding="utf-8"?>
+<p:sld xmlns:a="http://schemas.openxmlformats.org/drawingml/2006/main" xmlns:r="http://schemas.openxmlformats.org/officeDocument/2006/relationships" xmlns:p="http://schemas.openxmlformats.org/presentationml/2006/main">
+  <p:cSld>
+    <p:spTree>
+      <p:nvGrpSpPr>
+        <p:cNvPr id="1" name=""/>
+        <p:cNvGrpSpPr/>
+        <p:nvPr/>
+      </p:nvGrpSpPr>
+      <p:grpSpPr>
+        <a:xfrm>
+          <a:off x="0" y="0"/>
+          <a:ext cx="0" cy="0"/>
+          <a:chOff x="0" y="0"/>
+          <a:chExt cx="0" cy="0"/>
+        </a:xfrm>
+      </p:grpSpPr>
       <p:pic>
         <p:nvPicPr>
           <p:cNvPr id="5" name="Imagem 4">
@@ -5821,7 +7751,733 @@
     </p:spTree>
     <p:extLst>
       <p:ext uri="{BB962C8B-B14F-4D97-AF65-F5344CB8AC3E}">
-        <p14:creationId xmlns:p14="http://schemas.microsoft.com/office/powerpoint/2010/main" val="3768672592"/>
+        <p14:creationId xmlns:p14="http://schemas.microsoft.com/office/powerpoint/2010/main" val="81690933"/>
+      </p:ext>
+    </p:extLst>
+  </p:cSld>
+  <p:clrMapOvr>
+    <a:masterClrMapping/>
+  </p:clrMapOvr>
+</p:sld>
+</file>
+
+<file path=ppt/slides/slide18.xml><?xml version="1.0" encoding="utf-8"?>
+<p:sld xmlns:a="http://schemas.openxmlformats.org/drawingml/2006/main" xmlns:r="http://schemas.openxmlformats.org/officeDocument/2006/relationships" xmlns:p="http://schemas.openxmlformats.org/presentationml/2006/main">
+  <p:cSld>
+    <p:spTree>
+      <p:nvGrpSpPr>
+        <p:cNvPr id="1" name=""/>
+        <p:cNvGrpSpPr/>
+        <p:nvPr/>
+      </p:nvGrpSpPr>
+      <p:grpSpPr>
+        <a:xfrm>
+          <a:off x="0" y="0"/>
+          <a:ext cx="0" cy="0"/>
+          <a:chOff x="0" y="0"/>
+          <a:chExt cx="0" cy="0"/>
+        </a:xfrm>
+      </p:grpSpPr>
+      <p:sp>
+        <p:nvSpPr>
+          <p:cNvPr id="3" name="Espaço Reservado para Conteúdo 2">
+            <a:extLst>
+              <a:ext uri="{FF2B5EF4-FFF2-40B4-BE49-F238E27FC236}">
+                <a16:creationId xmlns:a16="http://schemas.microsoft.com/office/drawing/2014/main" id="{40381986-94CF-4578-8578-5FEC2FA85378}"/>
+              </a:ext>
+            </a:extLst>
+          </p:cNvPr>
+          <p:cNvSpPr>
+            <a:spLocks noGrp="1"/>
+          </p:cNvSpPr>
+          <p:nvPr>
+            <p:ph idx="1"/>
+          </p:nvPr>
+        </p:nvSpPr>
+        <p:spPr>
+          <a:xfrm>
+            <a:off x="4135772" y="1227364"/>
+            <a:ext cx="6715489" cy="4403272"/>
+          </a:xfrm>
+        </p:spPr>
+        <p:txBody>
+          <a:bodyPr>
+            <a:normAutofit/>
+          </a:bodyPr>
+          <a:lstStyle/>
+          <a:p>
+            <a:pPr algn="just">
+              <a:lnSpc>
+                <a:spcPct val="100000"/>
+              </a:lnSpc>
+            </a:pPr>
+            <a:r>
+              <a:rPr lang="en-US" sz="1600" dirty="0">
+                <a:solidFill>
+                  <a:srgbClr val="575756"/>
+                </a:solidFill>
+                <a:latin typeface="Abadi" panose="020B0604020104020204" pitchFamily="34" charset="0"/>
+              </a:rPr>
+              <a:t> </a:t>
+            </a:r>
+            <a:endParaRPr lang="pt-BR" sz="1600" dirty="0">
+              <a:solidFill>
+                <a:srgbClr val="575756"/>
+              </a:solidFill>
+              <a:latin typeface="Abadi" panose="020B0604020104020204" pitchFamily="34" charset="0"/>
+            </a:endParaRPr>
+          </a:p>
+        </p:txBody>
+      </p:sp>
+      <p:sp>
+        <p:nvSpPr>
+          <p:cNvPr id="6" name="Título 1">
+            <a:extLst>
+              <a:ext uri="{FF2B5EF4-FFF2-40B4-BE49-F238E27FC236}">
+                <a16:creationId xmlns:a16="http://schemas.microsoft.com/office/drawing/2014/main" id="{29506E41-E78A-4624-9442-2C05FCDFFDD1}"/>
+              </a:ext>
+            </a:extLst>
+          </p:cNvPr>
+          <p:cNvSpPr txBox="1">
+            <a:spLocks/>
+          </p:cNvSpPr>
+          <p:nvPr/>
+        </p:nvSpPr>
+        <p:spPr>
+          <a:xfrm>
+            <a:off x="838201" y="446314"/>
+            <a:ext cx="3423406" cy="2780051"/>
+          </a:xfrm>
+          <a:prstGeom prst="rect">
+            <a:avLst/>
+          </a:prstGeom>
+        </p:spPr>
+        <p:txBody>
+          <a:bodyPr vert="horz" lIns="91440" tIns="45720" rIns="91440" bIns="45720" rtlCol="0" anchor="ctr">
+            <a:normAutofit fontScale="97500"/>
+          </a:bodyPr>
+          <a:lstStyle>
+            <a:lvl1pPr algn="l" defTabSz="914400" rtl="0" eaLnBrk="1" latinLnBrk="0" hangingPunct="1">
+              <a:lnSpc>
+                <a:spcPct val="90000"/>
+              </a:lnSpc>
+              <a:spcBef>
+                <a:spcPct val="0"/>
+              </a:spcBef>
+              <a:buNone/>
+              <a:defRPr sz="4400" kern="1200">
+                <a:solidFill>
+                  <a:schemeClr val="tx1"/>
+                </a:solidFill>
+                <a:latin typeface="+mj-lt"/>
+                <a:ea typeface="+mj-ea"/>
+                <a:cs typeface="+mj-cs"/>
+              </a:defRPr>
+            </a:lvl1pPr>
+          </a:lstStyle>
+          <a:p>
+            <a:r>
+              <a:rPr lang="pt-BR" b="1" dirty="0">
+                <a:solidFill>
+                  <a:srgbClr val="22438A"/>
+                </a:solidFill>
+                <a:latin typeface="Asap" panose="00000500000000000000" pitchFamily="2" charset="0"/>
+              </a:rPr>
+              <a:t>O que é</a:t>
+            </a:r>
+          </a:p>
+          <a:p>
+            <a:r>
+              <a:rPr lang="pt-BR" b="1" dirty="0">
+                <a:solidFill>
+                  <a:srgbClr val="22438A"/>
+                </a:solidFill>
+                <a:latin typeface="Asap" panose="00000500000000000000" pitchFamily="2" charset="0"/>
+              </a:rPr>
+              <a:t>CQRS</a:t>
+            </a:r>
+            <a:endParaRPr lang="pt-BR" b="1" dirty="0"/>
+          </a:p>
+        </p:txBody>
+      </p:sp>
+      <p:sp>
+        <p:nvSpPr>
+          <p:cNvPr id="5" name="Espaço Reservado para Conteúdo 2">
+            <a:extLst>
+              <a:ext uri="{FF2B5EF4-FFF2-40B4-BE49-F238E27FC236}">
+                <a16:creationId xmlns:a16="http://schemas.microsoft.com/office/drawing/2014/main" id="{298CF56C-531D-456B-926E-E1934EBBFA79}"/>
+              </a:ext>
+            </a:extLst>
+          </p:cNvPr>
+          <p:cNvSpPr txBox="1">
+            <a:spLocks/>
+          </p:cNvSpPr>
+          <p:nvPr/>
+        </p:nvSpPr>
+        <p:spPr>
+          <a:xfrm>
+            <a:off x="3885176" y="1430000"/>
+            <a:ext cx="7350904" cy="4403272"/>
+          </a:xfrm>
+          <a:prstGeom prst="rect">
+            <a:avLst/>
+          </a:prstGeom>
+        </p:spPr>
+        <p:txBody>
+          <a:bodyPr vert="horz" lIns="91440" tIns="45720" rIns="91440" bIns="45720" rtlCol="0">
+            <a:normAutofit/>
+          </a:bodyPr>
+          <a:lstStyle>
+            <a:lvl1pPr marL="228600" indent="-228600" algn="l" defTabSz="914400" rtl="0" eaLnBrk="1" latinLnBrk="0" hangingPunct="1">
+              <a:lnSpc>
+                <a:spcPct val="90000"/>
+              </a:lnSpc>
+              <a:spcBef>
+                <a:spcPts val="1000"/>
+              </a:spcBef>
+              <a:buFont typeface="Arial" panose="020B0604020202020204" pitchFamily="34" charset="0"/>
+              <a:buChar char="•"/>
+              <a:defRPr sz="2800" kern="1200">
+                <a:solidFill>
+                  <a:schemeClr val="tx1"/>
+                </a:solidFill>
+                <a:latin typeface="+mn-lt"/>
+                <a:ea typeface="+mn-ea"/>
+                <a:cs typeface="+mn-cs"/>
+              </a:defRPr>
+            </a:lvl1pPr>
+            <a:lvl2pPr marL="685800" indent="-228600" algn="l" defTabSz="914400" rtl="0" eaLnBrk="1" latinLnBrk="0" hangingPunct="1">
+              <a:lnSpc>
+                <a:spcPct val="90000"/>
+              </a:lnSpc>
+              <a:spcBef>
+                <a:spcPts val="500"/>
+              </a:spcBef>
+              <a:buFont typeface="Arial" panose="020B0604020202020204" pitchFamily="34" charset="0"/>
+              <a:buChar char="•"/>
+              <a:defRPr sz="2400" kern="1200">
+                <a:solidFill>
+                  <a:schemeClr val="tx1"/>
+                </a:solidFill>
+                <a:latin typeface="+mn-lt"/>
+                <a:ea typeface="+mn-ea"/>
+                <a:cs typeface="+mn-cs"/>
+              </a:defRPr>
+            </a:lvl2pPr>
+            <a:lvl3pPr marL="1143000" indent="-228600" algn="l" defTabSz="914400" rtl="0" eaLnBrk="1" latinLnBrk="0" hangingPunct="1">
+              <a:lnSpc>
+                <a:spcPct val="90000"/>
+              </a:lnSpc>
+              <a:spcBef>
+                <a:spcPts val="500"/>
+              </a:spcBef>
+              <a:buFont typeface="Arial" panose="020B0604020202020204" pitchFamily="34" charset="0"/>
+              <a:buChar char="•"/>
+              <a:defRPr sz="2000" kern="1200">
+                <a:solidFill>
+                  <a:schemeClr val="tx1"/>
+                </a:solidFill>
+                <a:latin typeface="+mn-lt"/>
+                <a:ea typeface="+mn-ea"/>
+                <a:cs typeface="+mn-cs"/>
+              </a:defRPr>
+            </a:lvl3pPr>
+            <a:lvl4pPr marL="1600200" indent="-228600" algn="l" defTabSz="914400" rtl="0" eaLnBrk="1" latinLnBrk="0" hangingPunct="1">
+              <a:lnSpc>
+                <a:spcPct val="90000"/>
+              </a:lnSpc>
+              <a:spcBef>
+                <a:spcPts val="500"/>
+              </a:spcBef>
+              <a:buFont typeface="Arial" panose="020B0604020202020204" pitchFamily="34" charset="0"/>
+              <a:buChar char="•"/>
+              <a:defRPr sz="1800" kern="1200">
+                <a:solidFill>
+                  <a:schemeClr val="tx1"/>
+                </a:solidFill>
+                <a:latin typeface="+mn-lt"/>
+                <a:ea typeface="+mn-ea"/>
+                <a:cs typeface="+mn-cs"/>
+              </a:defRPr>
+            </a:lvl4pPr>
+            <a:lvl5pPr marL="2057400" indent="-228600" algn="l" defTabSz="914400" rtl="0" eaLnBrk="1" latinLnBrk="0" hangingPunct="1">
+              <a:lnSpc>
+                <a:spcPct val="90000"/>
+              </a:lnSpc>
+              <a:spcBef>
+                <a:spcPts val="500"/>
+              </a:spcBef>
+              <a:buFont typeface="Arial" panose="020B0604020202020204" pitchFamily="34" charset="0"/>
+              <a:buChar char="•"/>
+              <a:defRPr sz="1800" kern="1200">
+                <a:solidFill>
+                  <a:schemeClr val="tx1"/>
+                </a:solidFill>
+                <a:latin typeface="+mn-lt"/>
+                <a:ea typeface="+mn-ea"/>
+                <a:cs typeface="+mn-cs"/>
+              </a:defRPr>
+            </a:lvl5pPr>
+            <a:lvl6pPr marL="2514600" indent="-228600" algn="l" defTabSz="914400" rtl="0" eaLnBrk="1" latinLnBrk="0" hangingPunct="1">
+              <a:lnSpc>
+                <a:spcPct val="90000"/>
+              </a:lnSpc>
+              <a:spcBef>
+                <a:spcPts val="500"/>
+              </a:spcBef>
+              <a:buFont typeface="Arial" panose="020B0604020202020204" pitchFamily="34" charset="0"/>
+              <a:buChar char="•"/>
+              <a:defRPr sz="1800" kern="1200">
+                <a:solidFill>
+                  <a:schemeClr val="tx1"/>
+                </a:solidFill>
+                <a:latin typeface="+mn-lt"/>
+                <a:ea typeface="+mn-ea"/>
+                <a:cs typeface="+mn-cs"/>
+              </a:defRPr>
+            </a:lvl6pPr>
+            <a:lvl7pPr marL="2971800" indent="-228600" algn="l" defTabSz="914400" rtl="0" eaLnBrk="1" latinLnBrk="0" hangingPunct="1">
+              <a:lnSpc>
+                <a:spcPct val="90000"/>
+              </a:lnSpc>
+              <a:spcBef>
+                <a:spcPts val="500"/>
+              </a:spcBef>
+              <a:buFont typeface="Arial" panose="020B0604020202020204" pitchFamily="34" charset="0"/>
+              <a:buChar char="•"/>
+              <a:defRPr sz="1800" kern="1200">
+                <a:solidFill>
+                  <a:schemeClr val="tx1"/>
+                </a:solidFill>
+                <a:latin typeface="+mn-lt"/>
+                <a:ea typeface="+mn-ea"/>
+                <a:cs typeface="+mn-cs"/>
+              </a:defRPr>
+            </a:lvl7pPr>
+            <a:lvl8pPr marL="3429000" indent="-228600" algn="l" defTabSz="914400" rtl="0" eaLnBrk="1" latinLnBrk="0" hangingPunct="1">
+              <a:lnSpc>
+                <a:spcPct val="90000"/>
+              </a:lnSpc>
+              <a:spcBef>
+                <a:spcPts val="500"/>
+              </a:spcBef>
+              <a:buFont typeface="Arial" panose="020B0604020202020204" pitchFamily="34" charset="0"/>
+              <a:buChar char="•"/>
+              <a:defRPr sz="1800" kern="1200">
+                <a:solidFill>
+                  <a:schemeClr val="tx1"/>
+                </a:solidFill>
+                <a:latin typeface="+mn-lt"/>
+                <a:ea typeface="+mn-ea"/>
+                <a:cs typeface="+mn-cs"/>
+              </a:defRPr>
+            </a:lvl8pPr>
+            <a:lvl9pPr marL="3886200" indent="-228600" algn="l" defTabSz="914400" rtl="0" eaLnBrk="1" latinLnBrk="0" hangingPunct="1">
+              <a:lnSpc>
+                <a:spcPct val="90000"/>
+              </a:lnSpc>
+              <a:spcBef>
+                <a:spcPts val="500"/>
+              </a:spcBef>
+              <a:buFont typeface="Arial" panose="020B0604020202020204" pitchFamily="34" charset="0"/>
+              <a:buChar char="•"/>
+              <a:defRPr sz="1800" kern="1200">
+                <a:solidFill>
+                  <a:schemeClr val="tx1"/>
+                </a:solidFill>
+                <a:latin typeface="+mn-lt"/>
+                <a:ea typeface="+mn-ea"/>
+                <a:cs typeface="+mn-cs"/>
+              </a:defRPr>
+            </a:lvl9pPr>
+          </a:lstStyle>
+          <a:p>
+            <a:pPr marL="0" indent="0">
+              <a:lnSpc>
+                <a:spcPct val="100000"/>
+              </a:lnSpc>
+              <a:buFont typeface="Arial" panose="020B0604020202020204" pitchFamily="34" charset="0"/>
+              <a:buNone/>
+            </a:pPr>
+            <a:r>
+              <a:rPr lang="pt-BR" sz="2600" dirty="0">
+                <a:solidFill>
+                  <a:srgbClr val="575756"/>
+                </a:solidFill>
+                <a:latin typeface="Asap" panose="00000500000000000000" pitchFamily="2" charset="0"/>
+              </a:rPr>
+              <a:t> </a:t>
+            </a:r>
+          </a:p>
+        </p:txBody>
+      </p:sp>
+    </p:spTree>
+    <p:extLst>
+      <p:ext uri="{BB962C8B-B14F-4D97-AF65-F5344CB8AC3E}">
+        <p14:creationId xmlns:p14="http://schemas.microsoft.com/office/powerpoint/2010/main" val="1961591634"/>
+      </p:ext>
+    </p:extLst>
+  </p:cSld>
+  <p:clrMapOvr>
+    <a:masterClrMapping/>
+  </p:clrMapOvr>
+</p:sld>
+</file>
+
+<file path=ppt/slides/slide19.xml><?xml version="1.0" encoding="utf-8"?>
+<p:sld xmlns:a="http://schemas.openxmlformats.org/drawingml/2006/main" xmlns:r="http://schemas.openxmlformats.org/officeDocument/2006/relationships" xmlns:p="http://schemas.openxmlformats.org/presentationml/2006/main">
+  <p:cSld>
+    <p:spTree>
+      <p:nvGrpSpPr>
+        <p:cNvPr id="1" name=""/>
+        <p:cNvGrpSpPr/>
+        <p:nvPr/>
+      </p:nvGrpSpPr>
+      <p:grpSpPr>
+        <a:xfrm>
+          <a:off x="0" y="0"/>
+          <a:ext cx="0" cy="0"/>
+          <a:chOff x="0" y="0"/>
+          <a:chExt cx="0" cy="0"/>
+        </a:xfrm>
+      </p:grpSpPr>
+      <p:sp>
+        <p:nvSpPr>
+          <p:cNvPr id="3" name="Espaço Reservado para Conteúdo 2">
+            <a:extLst>
+              <a:ext uri="{FF2B5EF4-FFF2-40B4-BE49-F238E27FC236}">
+                <a16:creationId xmlns:a16="http://schemas.microsoft.com/office/drawing/2014/main" id="{40381986-94CF-4578-8578-5FEC2FA85378}"/>
+              </a:ext>
+            </a:extLst>
+          </p:cNvPr>
+          <p:cNvSpPr>
+            <a:spLocks noGrp="1"/>
+          </p:cNvSpPr>
+          <p:nvPr>
+            <p:ph idx="1"/>
+          </p:nvPr>
+        </p:nvSpPr>
+        <p:spPr>
+          <a:xfrm>
+            <a:off x="4135772" y="1227364"/>
+            <a:ext cx="6715489" cy="4403272"/>
+          </a:xfrm>
+        </p:spPr>
+        <p:txBody>
+          <a:bodyPr>
+            <a:normAutofit/>
+          </a:bodyPr>
+          <a:lstStyle/>
+          <a:p>
+            <a:pPr algn="just">
+              <a:lnSpc>
+                <a:spcPct val="100000"/>
+              </a:lnSpc>
+            </a:pPr>
+            <a:r>
+              <a:rPr lang="en-US" sz="1600" dirty="0">
+                <a:solidFill>
+                  <a:srgbClr val="575756"/>
+                </a:solidFill>
+                <a:latin typeface="Abadi" panose="020B0604020104020204" pitchFamily="34" charset="0"/>
+              </a:rPr>
+              <a:t> </a:t>
+            </a:r>
+            <a:endParaRPr lang="pt-BR" sz="1600" dirty="0">
+              <a:solidFill>
+                <a:srgbClr val="575756"/>
+              </a:solidFill>
+              <a:latin typeface="Abadi" panose="020B0604020104020204" pitchFamily="34" charset="0"/>
+            </a:endParaRPr>
+          </a:p>
+        </p:txBody>
+      </p:sp>
+      <p:sp>
+        <p:nvSpPr>
+          <p:cNvPr id="6" name="Título 1">
+            <a:extLst>
+              <a:ext uri="{FF2B5EF4-FFF2-40B4-BE49-F238E27FC236}">
+                <a16:creationId xmlns:a16="http://schemas.microsoft.com/office/drawing/2014/main" id="{29506E41-E78A-4624-9442-2C05FCDFFDD1}"/>
+              </a:ext>
+            </a:extLst>
+          </p:cNvPr>
+          <p:cNvSpPr txBox="1">
+            <a:spLocks/>
+          </p:cNvSpPr>
+          <p:nvPr/>
+        </p:nvSpPr>
+        <p:spPr>
+          <a:xfrm>
+            <a:off x="838201" y="446314"/>
+            <a:ext cx="3423406" cy="2780051"/>
+          </a:xfrm>
+          <a:prstGeom prst="rect">
+            <a:avLst/>
+          </a:prstGeom>
+        </p:spPr>
+        <p:txBody>
+          <a:bodyPr vert="horz" lIns="91440" tIns="45720" rIns="91440" bIns="45720" rtlCol="0" anchor="ctr">
+            <a:normAutofit fontScale="97500"/>
+          </a:bodyPr>
+          <a:lstStyle>
+            <a:lvl1pPr algn="l" defTabSz="914400" rtl="0" eaLnBrk="1" latinLnBrk="0" hangingPunct="1">
+              <a:lnSpc>
+                <a:spcPct val="90000"/>
+              </a:lnSpc>
+              <a:spcBef>
+                <a:spcPct val="0"/>
+              </a:spcBef>
+              <a:buNone/>
+              <a:defRPr sz="4400" kern="1200">
+                <a:solidFill>
+                  <a:schemeClr val="tx1"/>
+                </a:solidFill>
+                <a:latin typeface="+mj-lt"/>
+                <a:ea typeface="+mj-ea"/>
+                <a:cs typeface="+mj-cs"/>
+              </a:defRPr>
+            </a:lvl1pPr>
+          </a:lstStyle>
+          <a:p>
+            <a:r>
+              <a:rPr lang="pt-BR" b="1" dirty="0">
+                <a:solidFill>
+                  <a:srgbClr val="22438A"/>
+                </a:solidFill>
+                <a:latin typeface="Asap" panose="00000500000000000000" pitchFamily="2" charset="0"/>
+              </a:rPr>
+              <a:t>Princípios</a:t>
+            </a:r>
+          </a:p>
+          <a:p>
+            <a:r>
+              <a:rPr lang="pt-BR" b="1" dirty="0">
+                <a:solidFill>
+                  <a:srgbClr val="22438A"/>
+                </a:solidFill>
+                <a:latin typeface="Asap" panose="00000500000000000000" pitchFamily="2" charset="0"/>
+              </a:rPr>
+              <a:t>CQRS</a:t>
+            </a:r>
+            <a:endParaRPr lang="pt-BR" b="1" dirty="0"/>
+          </a:p>
+        </p:txBody>
+      </p:sp>
+      <p:sp>
+        <p:nvSpPr>
+          <p:cNvPr id="5" name="Espaço Reservado para Conteúdo 2">
+            <a:extLst>
+              <a:ext uri="{FF2B5EF4-FFF2-40B4-BE49-F238E27FC236}">
+                <a16:creationId xmlns:a16="http://schemas.microsoft.com/office/drawing/2014/main" id="{298CF56C-531D-456B-926E-E1934EBBFA79}"/>
+              </a:ext>
+            </a:extLst>
+          </p:cNvPr>
+          <p:cNvSpPr txBox="1">
+            <a:spLocks/>
+          </p:cNvSpPr>
+          <p:nvPr/>
+        </p:nvSpPr>
+        <p:spPr>
+          <a:xfrm>
+            <a:off x="3885176" y="1430000"/>
+            <a:ext cx="7350904" cy="4403272"/>
+          </a:xfrm>
+          <a:prstGeom prst="rect">
+            <a:avLst/>
+          </a:prstGeom>
+        </p:spPr>
+        <p:txBody>
+          <a:bodyPr vert="horz" lIns="91440" tIns="45720" rIns="91440" bIns="45720" rtlCol="0">
+            <a:normAutofit/>
+          </a:bodyPr>
+          <a:lstStyle>
+            <a:lvl1pPr marL="228600" indent="-228600" algn="l" defTabSz="914400" rtl="0" eaLnBrk="1" latinLnBrk="0" hangingPunct="1">
+              <a:lnSpc>
+                <a:spcPct val="90000"/>
+              </a:lnSpc>
+              <a:spcBef>
+                <a:spcPts val="1000"/>
+              </a:spcBef>
+              <a:buFont typeface="Arial" panose="020B0604020202020204" pitchFamily="34" charset="0"/>
+              <a:buChar char="•"/>
+              <a:defRPr sz="2800" kern="1200">
+                <a:solidFill>
+                  <a:schemeClr val="tx1"/>
+                </a:solidFill>
+                <a:latin typeface="+mn-lt"/>
+                <a:ea typeface="+mn-ea"/>
+                <a:cs typeface="+mn-cs"/>
+              </a:defRPr>
+            </a:lvl1pPr>
+            <a:lvl2pPr marL="685800" indent="-228600" algn="l" defTabSz="914400" rtl="0" eaLnBrk="1" latinLnBrk="0" hangingPunct="1">
+              <a:lnSpc>
+                <a:spcPct val="90000"/>
+              </a:lnSpc>
+              <a:spcBef>
+                <a:spcPts val="500"/>
+              </a:spcBef>
+              <a:buFont typeface="Arial" panose="020B0604020202020204" pitchFamily="34" charset="0"/>
+              <a:buChar char="•"/>
+              <a:defRPr sz="2400" kern="1200">
+                <a:solidFill>
+                  <a:schemeClr val="tx1"/>
+                </a:solidFill>
+                <a:latin typeface="+mn-lt"/>
+                <a:ea typeface="+mn-ea"/>
+                <a:cs typeface="+mn-cs"/>
+              </a:defRPr>
+            </a:lvl2pPr>
+            <a:lvl3pPr marL="1143000" indent="-228600" algn="l" defTabSz="914400" rtl="0" eaLnBrk="1" latinLnBrk="0" hangingPunct="1">
+              <a:lnSpc>
+                <a:spcPct val="90000"/>
+              </a:lnSpc>
+              <a:spcBef>
+                <a:spcPts val="500"/>
+              </a:spcBef>
+              <a:buFont typeface="Arial" panose="020B0604020202020204" pitchFamily="34" charset="0"/>
+              <a:buChar char="•"/>
+              <a:defRPr sz="2000" kern="1200">
+                <a:solidFill>
+                  <a:schemeClr val="tx1"/>
+                </a:solidFill>
+                <a:latin typeface="+mn-lt"/>
+                <a:ea typeface="+mn-ea"/>
+                <a:cs typeface="+mn-cs"/>
+              </a:defRPr>
+            </a:lvl3pPr>
+            <a:lvl4pPr marL="1600200" indent="-228600" algn="l" defTabSz="914400" rtl="0" eaLnBrk="1" latinLnBrk="0" hangingPunct="1">
+              <a:lnSpc>
+                <a:spcPct val="90000"/>
+              </a:lnSpc>
+              <a:spcBef>
+                <a:spcPts val="500"/>
+              </a:spcBef>
+              <a:buFont typeface="Arial" panose="020B0604020202020204" pitchFamily="34" charset="0"/>
+              <a:buChar char="•"/>
+              <a:defRPr sz="1800" kern="1200">
+                <a:solidFill>
+                  <a:schemeClr val="tx1"/>
+                </a:solidFill>
+                <a:latin typeface="+mn-lt"/>
+                <a:ea typeface="+mn-ea"/>
+                <a:cs typeface="+mn-cs"/>
+              </a:defRPr>
+            </a:lvl4pPr>
+            <a:lvl5pPr marL="2057400" indent="-228600" algn="l" defTabSz="914400" rtl="0" eaLnBrk="1" latinLnBrk="0" hangingPunct="1">
+              <a:lnSpc>
+                <a:spcPct val="90000"/>
+              </a:lnSpc>
+              <a:spcBef>
+                <a:spcPts val="500"/>
+              </a:spcBef>
+              <a:buFont typeface="Arial" panose="020B0604020202020204" pitchFamily="34" charset="0"/>
+              <a:buChar char="•"/>
+              <a:defRPr sz="1800" kern="1200">
+                <a:solidFill>
+                  <a:schemeClr val="tx1"/>
+                </a:solidFill>
+                <a:latin typeface="+mn-lt"/>
+                <a:ea typeface="+mn-ea"/>
+                <a:cs typeface="+mn-cs"/>
+              </a:defRPr>
+            </a:lvl5pPr>
+            <a:lvl6pPr marL="2514600" indent="-228600" algn="l" defTabSz="914400" rtl="0" eaLnBrk="1" latinLnBrk="0" hangingPunct="1">
+              <a:lnSpc>
+                <a:spcPct val="90000"/>
+              </a:lnSpc>
+              <a:spcBef>
+                <a:spcPts val="500"/>
+              </a:spcBef>
+              <a:buFont typeface="Arial" panose="020B0604020202020204" pitchFamily="34" charset="0"/>
+              <a:buChar char="•"/>
+              <a:defRPr sz="1800" kern="1200">
+                <a:solidFill>
+                  <a:schemeClr val="tx1"/>
+                </a:solidFill>
+                <a:latin typeface="+mn-lt"/>
+                <a:ea typeface="+mn-ea"/>
+                <a:cs typeface="+mn-cs"/>
+              </a:defRPr>
+            </a:lvl6pPr>
+            <a:lvl7pPr marL="2971800" indent="-228600" algn="l" defTabSz="914400" rtl="0" eaLnBrk="1" latinLnBrk="0" hangingPunct="1">
+              <a:lnSpc>
+                <a:spcPct val="90000"/>
+              </a:lnSpc>
+              <a:spcBef>
+                <a:spcPts val="500"/>
+              </a:spcBef>
+              <a:buFont typeface="Arial" panose="020B0604020202020204" pitchFamily="34" charset="0"/>
+              <a:buChar char="•"/>
+              <a:defRPr sz="1800" kern="1200">
+                <a:solidFill>
+                  <a:schemeClr val="tx1"/>
+                </a:solidFill>
+                <a:latin typeface="+mn-lt"/>
+                <a:ea typeface="+mn-ea"/>
+                <a:cs typeface="+mn-cs"/>
+              </a:defRPr>
+            </a:lvl7pPr>
+            <a:lvl8pPr marL="3429000" indent="-228600" algn="l" defTabSz="914400" rtl="0" eaLnBrk="1" latinLnBrk="0" hangingPunct="1">
+              <a:lnSpc>
+                <a:spcPct val="90000"/>
+              </a:lnSpc>
+              <a:spcBef>
+                <a:spcPts val="500"/>
+              </a:spcBef>
+              <a:buFont typeface="Arial" panose="020B0604020202020204" pitchFamily="34" charset="0"/>
+              <a:buChar char="•"/>
+              <a:defRPr sz="1800" kern="1200">
+                <a:solidFill>
+                  <a:schemeClr val="tx1"/>
+                </a:solidFill>
+                <a:latin typeface="+mn-lt"/>
+                <a:ea typeface="+mn-ea"/>
+                <a:cs typeface="+mn-cs"/>
+              </a:defRPr>
+            </a:lvl8pPr>
+            <a:lvl9pPr marL="3886200" indent="-228600" algn="l" defTabSz="914400" rtl="0" eaLnBrk="1" latinLnBrk="0" hangingPunct="1">
+              <a:lnSpc>
+                <a:spcPct val="90000"/>
+              </a:lnSpc>
+              <a:spcBef>
+                <a:spcPts val="500"/>
+              </a:spcBef>
+              <a:buFont typeface="Arial" panose="020B0604020202020204" pitchFamily="34" charset="0"/>
+              <a:buChar char="•"/>
+              <a:defRPr sz="1800" kern="1200">
+                <a:solidFill>
+                  <a:schemeClr val="tx1"/>
+                </a:solidFill>
+                <a:latin typeface="+mn-lt"/>
+                <a:ea typeface="+mn-ea"/>
+                <a:cs typeface="+mn-cs"/>
+              </a:defRPr>
+            </a:lvl9pPr>
+          </a:lstStyle>
+          <a:p>
+            <a:pPr marL="0" indent="0">
+              <a:lnSpc>
+                <a:spcPct val="100000"/>
+              </a:lnSpc>
+              <a:buFont typeface="Arial" panose="020B0604020202020204" pitchFamily="34" charset="0"/>
+              <a:buNone/>
+            </a:pPr>
+            <a:r>
+              <a:rPr lang="pt-BR" sz="2600" dirty="0">
+                <a:solidFill>
+                  <a:srgbClr val="575756"/>
+                </a:solidFill>
+                <a:latin typeface="Asap" panose="00000500000000000000" pitchFamily="2" charset="0"/>
+              </a:rPr>
+              <a:t> </a:t>
+            </a:r>
+          </a:p>
+        </p:txBody>
+      </p:sp>
+    </p:spTree>
+    <p:extLst>
+      <p:ext uri="{BB962C8B-B14F-4D97-AF65-F5344CB8AC3E}">
+        <p14:creationId xmlns:p14="http://schemas.microsoft.com/office/powerpoint/2010/main" val="2257570828"/>
       </p:ext>
     </p:extLst>
   </p:cSld>
@@ -6051,19 +8707,10 @@
                 </a:solidFill>
                 <a:latin typeface="Abadi" panose="020B0604020104020204" pitchFamily="34" charset="0"/>
               </a:rPr>
-              <a:t>Jean Carlos</a:t>
-            </a:r>
-          </a:p>
-          <a:p>
-            <a:r>
-              <a:rPr lang="en-US" sz="2400" dirty="0" err="1">
-                <a:solidFill>
-                  <a:srgbClr val="575756"/>
-                </a:solidFill>
-                <a:latin typeface="Abadi" panose="020B0604020104020204" pitchFamily="34" charset="0"/>
-              </a:rPr>
-              <a:t>Arquiteto</a:t>
-            </a:r>
+              <a:t>Jean Carlos M Silva.</a:t>
+            </a:r>
+          </a:p>
+          <a:p>
             <a:r>
               <a:rPr lang="en-US" sz="2400" dirty="0">
                 <a:solidFill>
@@ -6071,380 +8718,14 @@
                 </a:solidFill>
                 <a:latin typeface="Abadi" panose="020B0604020104020204" pitchFamily="34" charset="0"/>
               </a:rPr>
-              <a:t> de Software e </a:t>
-            </a:r>
-            <a:r>
-              <a:rPr lang="en-US" sz="2400" dirty="0" err="1">
-                <a:solidFill>
-                  <a:srgbClr val="575756"/>
-                </a:solidFill>
-                <a:latin typeface="Abadi" panose="020B0604020104020204" pitchFamily="34" charset="0"/>
-              </a:rPr>
-              <a:t>Solução</a:t>
-            </a:r>
-            <a:r>
-              <a:rPr lang="en-US" sz="2400" dirty="0">
-                <a:solidFill>
-                  <a:srgbClr val="575756"/>
-                </a:solidFill>
-                <a:latin typeface="Abadi" panose="020B0604020104020204" pitchFamily="34" charset="0"/>
-              </a:rPr>
-              <a:t> </a:t>
-            </a:r>
-            <a:r>
-              <a:rPr lang="en-US" sz="2400" dirty="0" err="1">
-                <a:solidFill>
-                  <a:srgbClr val="575756"/>
-                </a:solidFill>
-                <a:latin typeface="Abadi" panose="020B0604020104020204" pitchFamily="34" charset="0"/>
-              </a:rPr>
-              <a:t>na</a:t>
-            </a:r>
-            <a:r>
-              <a:rPr lang="en-US" sz="2400" dirty="0">
-                <a:solidFill>
-                  <a:srgbClr val="575756"/>
-                </a:solidFill>
-                <a:latin typeface="Abadi" panose="020B0604020104020204" pitchFamily="34" charset="0"/>
-              </a:rPr>
-              <a:t> 5by5 </a:t>
-            </a:r>
-            <a:r>
-              <a:rPr lang="en-US" sz="2400" dirty="0" err="1">
-                <a:solidFill>
-                  <a:srgbClr val="575756"/>
-                </a:solidFill>
-                <a:latin typeface="Abadi" panose="020B0604020104020204" pitchFamily="34" charset="0"/>
-              </a:rPr>
-              <a:t>Soluções</a:t>
-            </a:r>
-            <a:r>
-              <a:rPr lang="en-US" sz="2400" dirty="0">
-                <a:solidFill>
-                  <a:srgbClr val="575756"/>
-                </a:solidFill>
-                <a:latin typeface="Abadi" panose="020B0604020104020204" pitchFamily="34" charset="0"/>
-              </a:rPr>
-              <a:t> </a:t>
-            </a:r>
-            <a:r>
-              <a:rPr lang="en-US" sz="2400" dirty="0" err="1">
-                <a:solidFill>
-                  <a:srgbClr val="575756"/>
-                </a:solidFill>
-                <a:latin typeface="Abadi" panose="020B0604020104020204" pitchFamily="34" charset="0"/>
-              </a:rPr>
-              <a:t>em</a:t>
-            </a:r>
-            <a:r>
-              <a:rPr lang="en-US" sz="2400" dirty="0">
-                <a:solidFill>
-                  <a:srgbClr val="575756"/>
-                </a:solidFill>
-                <a:latin typeface="Abadi" panose="020B0604020104020204" pitchFamily="34" charset="0"/>
-              </a:rPr>
-              <a:t> </a:t>
-            </a:r>
-            <a:r>
-              <a:rPr lang="en-US" sz="2400" dirty="0" err="1">
-                <a:solidFill>
-                  <a:srgbClr val="575756"/>
-                </a:solidFill>
-                <a:latin typeface="Abadi" panose="020B0604020104020204" pitchFamily="34" charset="0"/>
-              </a:rPr>
-              <a:t>Sistemas</a:t>
-            </a:r>
-            <a:r>
-              <a:rPr lang="en-US" sz="2400" dirty="0">
-                <a:solidFill>
-                  <a:srgbClr val="575756"/>
-                </a:solidFill>
-                <a:latin typeface="Abadi" panose="020B0604020104020204" pitchFamily="34" charset="0"/>
-              </a:rPr>
-              <a:t>.</a:t>
-            </a:r>
-          </a:p>
-          <a:p>
-            <a:r>
-              <a:rPr lang="en-US" sz="2400" dirty="0" err="1">
-                <a:solidFill>
-                  <a:srgbClr val="575756"/>
-                </a:solidFill>
-                <a:latin typeface="Abadi" panose="020B0604020104020204" pitchFamily="34" charset="0"/>
-              </a:rPr>
-              <a:t>Atualmente</a:t>
-            </a:r>
-            <a:r>
-              <a:rPr lang="en-US" sz="2400" dirty="0">
-                <a:solidFill>
-                  <a:srgbClr val="575756"/>
-                </a:solidFill>
-                <a:latin typeface="Abadi" panose="020B0604020104020204" pitchFamily="34" charset="0"/>
-              </a:rPr>
-              <a:t> </a:t>
-            </a:r>
-            <a:r>
-              <a:rPr lang="en-US" sz="2400" dirty="0" err="1">
-                <a:solidFill>
-                  <a:srgbClr val="575756"/>
-                </a:solidFill>
-                <a:latin typeface="Abadi" panose="020B0604020104020204" pitchFamily="34" charset="0"/>
-              </a:rPr>
-              <a:t>liderando</a:t>
-            </a:r>
-            <a:r>
-              <a:rPr lang="en-US" sz="2400" dirty="0">
-                <a:solidFill>
-                  <a:srgbClr val="575756"/>
-                </a:solidFill>
-                <a:latin typeface="Abadi" panose="020B0604020104020204" pitchFamily="34" charset="0"/>
-              </a:rPr>
-              <a:t> um time de 5 </a:t>
-            </a:r>
-            <a:r>
-              <a:rPr lang="en-US" sz="2400" dirty="0" err="1">
-                <a:solidFill>
-                  <a:srgbClr val="575756"/>
-                </a:solidFill>
-                <a:latin typeface="Abadi" panose="020B0604020104020204" pitchFamily="34" charset="0"/>
-              </a:rPr>
-              <a:t>Arquitetos</a:t>
-            </a:r>
-            <a:r>
-              <a:rPr lang="en-US" sz="2400" dirty="0">
-                <a:solidFill>
-                  <a:srgbClr val="575756"/>
-                </a:solidFill>
-                <a:latin typeface="Abadi" panose="020B0604020104020204" pitchFamily="34" charset="0"/>
-              </a:rPr>
-              <a:t>, </a:t>
-            </a:r>
-            <a:r>
-              <a:rPr lang="en-US" sz="2400" dirty="0" err="1">
-                <a:solidFill>
-                  <a:srgbClr val="575756"/>
-                </a:solidFill>
-                <a:latin typeface="Abadi" panose="020B0604020104020204" pitchFamily="34" charset="0"/>
-              </a:rPr>
-              <a:t>em</a:t>
-            </a:r>
-            <a:r>
-              <a:rPr lang="en-US" sz="2400" dirty="0">
-                <a:solidFill>
-                  <a:srgbClr val="575756"/>
-                </a:solidFill>
-                <a:latin typeface="Abadi" panose="020B0604020104020204" pitchFamily="34" charset="0"/>
-              </a:rPr>
-              <a:t> um </a:t>
-            </a:r>
-            <a:r>
-              <a:rPr lang="en-US" sz="2400" dirty="0" err="1">
-                <a:solidFill>
-                  <a:srgbClr val="575756"/>
-                </a:solidFill>
-                <a:latin typeface="Abadi" panose="020B0604020104020204" pitchFamily="34" charset="0"/>
-              </a:rPr>
-              <a:t>plano</a:t>
-            </a:r>
-            <a:r>
-              <a:rPr lang="en-US" sz="2400" dirty="0">
-                <a:solidFill>
-                  <a:srgbClr val="575756"/>
-                </a:solidFill>
-                <a:latin typeface="Abadi" panose="020B0604020104020204" pitchFamily="34" charset="0"/>
-              </a:rPr>
-              <a:t> de </a:t>
-            </a:r>
-            <a:r>
-              <a:rPr lang="en-US" sz="2400" dirty="0" err="1">
-                <a:solidFill>
-                  <a:srgbClr val="575756"/>
-                </a:solidFill>
-                <a:latin typeface="Abadi" panose="020B0604020104020204" pitchFamily="34" charset="0"/>
-              </a:rPr>
-              <a:t>modernização</a:t>
-            </a:r>
-            <a:r>
-              <a:rPr lang="en-US" sz="2400" dirty="0">
-                <a:solidFill>
-                  <a:srgbClr val="575756"/>
-                </a:solidFill>
-                <a:latin typeface="Abadi" panose="020B0604020104020204" pitchFamily="34" charset="0"/>
-              </a:rPr>
-              <a:t> </a:t>
-            </a:r>
-            <a:r>
-              <a:rPr lang="en-US" sz="2400" dirty="0" err="1">
-                <a:solidFill>
-                  <a:srgbClr val="575756"/>
-                </a:solidFill>
-                <a:latin typeface="Abadi" panose="020B0604020104020204" pitchFamily="34" charset="0"/>
-              </a:rPr>
-              <a:t>em</a:t>
-            </a:r>
-            <a:r>
-              <a:rPr lang="en-US" sz="2400" dirty="0">
-                <a:solidFill>
-                  <a:srgbClr val="575756"/>
-                </a:solidFill>
-                <a:latin typeface="Abadi" panose="020B0604020104020204" pitchFamily="34" charset="0"/>
-              </a:rPr>
-              <a:t> </a:t>
-            </a:r>
-            <a:r>
-              <a:rPr lang="en-US" sz="2400" dirty="0" err="1">
-                <a:solidFill>
-                  <a:srgbClr val="575756"/>
-                </a:solidFill>
-                <a:latin typeface="Abadi" panose="020B0604020104020204" pitchFamily="34" charset="0"/>
-              </a:rPr>
-              <a:t>uma</a:t>
-            </a:r>
-            <a:r>
-              <a:rPr lang="en-US" sz="2400" dirty="0">
-                <a:solidFill>
-                  <a:srgbClr val="575756"/>
-                </a:solidFill>
-                <a:latin typeface="Abadi" panose="020B0604020104020204" pitchFamily="34" charset="0"/>
-              </a:rPr>
-              <a:t> das </a:t>
-            </a:r>
-            <a:r>
-              <a:rPr lang="en-US" sz="2400" dirty="0" err="1">
-                <a:solidFill>
-                  <a:srgbClr val="575756"/>
-                </a:solidFill>
-                <a:latin typeface="Abadi" panose="020B0604020104020204" pitchFamily="34" charset="0"/>
-              </a:rPr>
-              <a:t>maiores</a:t>
-            </a:r>
-            <a:r>
-              <a:rPr lang="en-US" sz="2400" dirty="0">
-                <a:solidFill>
-                  <a:srgbClr val="575756"/>
-                </a:solidFill>
-                <a:latin typeface="Abadi" panose="020B0604020104020204" pitchFamily="34" charset="0"/>
-              </a:rPr>
-              <a:t> </a:t>
-            </a:r>
-            <a:r>
-              <a:rPr lang="en-US" sz="2400" dirty="0" err="1">
-                <a:solidFill>
-                  <a:srgbClr val="575756"/>
-                </a:solidFill>
-                <a:latin typeface="Abadi" panose="020B0604020104020204" pitchFamily="34" charset="0"/>
-              </a:rPr>
-              <a:t>operadoras</a:t>
-            </a:r>
-            <a:r>
-              <a:rPr lang="en-US" sz="2400" dirty="0">
-                <a:solidFill>
-                  <a:srgbClr val="575756"/>
-                </a:solidFill>
-                <a:latin typeface="Abadi" panose="020B0604020104020204" pitchFamily="34" charset="0"/>
-              </a:rPr>
-              <a:t> de </a:t>
-            </a:r>
-            <a:r>
-              <a:rPr lang="en-US" sz="2400" dirty="0" err="1">
-                <a:solidFill>
-                  <a:srgbClr val="575756"/>
-                </a:solidFill>
-                <a:latin typeface="Abadi" panose="020B0604020104020204" pitchFamily="34" charset="0"/>
-              </a:rPr>
-              <a:t>Saúde</a:t>
-            </a:r>
-            <a:r>
-              <a:rPr lang="en-US" sz="2400" dirty="0">
-                <a:solidFill>
-                  <a:srgbClr val="575756"/>
-                </a:solidFill>
-                <a:latin typeface="Abadi" panose="020B0604020104020204" pitchFamily="34" charset="0"/>
-              </a:rPr>
-              <a:t> do </a:t>
-            </a:r>
-            <a:r>
-              <a:rPr lang="en-US" sz="2400" dirty="0" err="1">
-                <a:solidFill>
-                  <a:srgbClr val="575756"/>
-                </a:solidFill>
-                <a:latin typeface="Abadi" panose="020B0604020104020204" pitchFamily="34" charset="0"/>
-              </a:rPr>
-              <a:t>Brasil</a:t>
-            </a:r>
-            <a:r>
-              <a:rPr lang="en-US" sz="2400" dirty="0">
-                <a:solidFill>
-                  <a:srgbClr val="575756"/>
-                </a:solidFill>
-                <a:latin typeface="Abadi" panose="020B0604020104020204" pitchFamily="34" charset="0"/>
-              </a:rPr>
-              <a:t> com </a:t>
-            </a:r>
-            <a:r>
-              <a:rPr lang="en-US" sz="2400" dirty="0" err="1">
-                <a:solidFill>
-                  <a:srgbClr val="575756"/>
-                </a:solidFill>
-                <a:latin typeface="Abadi" panose="020B0604020104020204" pitchFamily="34" charset="0"/>
-              </a:rPr>
-              <a:t>abrangência</a:t>
-            </a:r>
-            <a:r>
-              <a:rPr lang="en-US" sz="2400" dirty="0">
-                <a:solidFill>
-                  <a:srgbClr val="575756"/>
-                </a:solidFill>
-                <a:latin typeface="Abadi" panose="020B0604020104020204" pitchFamily="34" charset="0"/>
-              </a:rPr>
-              <a:t> </a:t>
-            </a:r>
-            <a:r>
-              <a:rPr lang="en-US" sz="2400" dirty="0" err="1">
-                <a:solidFill>
-                  <a:srgbClr val="575756"/>
-                </a:solidFill>
-                <a:latin typeface="Abadi" panose="020B0604020104020204" pitchFamily="34" charset="0"/>
-              </a:rPr>
-              <a:t>nacional</a:t>
-            </a:r>
-            <a:r>
-              <a:rPr lang="en-US" sz="2400" dirty="0">
-                <a:solidFill>
-                  <a:srgbClr val="575756"/>
-                </a:solidFill>
-                <a:latin typeface="Abadi" panose="020B0604020104020204" pitchFamily="34" charset="0"/>
-              </a:rPr>
-              <a:t>.</a:t>
-            </a:r>
-          </a:p>
-          <a:p>
-            <a:r>
-              <a:rPr lang="en-US" sz="2400" dirty="0" err="1">
-                <a:solidFill>
-                  <a:srgbClr val="575756"/>
-                </a:solidFill>
-                <a:latin typeface="Abadi" panose="020B0604020104020204" pitchFamily="34" charset="0"/>
-              </a:rPr>
-              <a:t>Entusiasta</a:t>
-            </a:r>
-            <a:r>
-              <a:rPr lang="en-US" sz="2400" dirty="0">
-                <a:solidFill>
-                  <a:srgbClr val="575756"/>
-                </a:solidFill>
-                <a:latin typeface="Abadi" panose="020B0604020104020204" pitchFamily="34" charset="0"/>
-              </a:rPr>
-              <a:t> DevOps e Nerd de </a:t>
-            </a:r>
-            <a:r>
-              <a:rPr lang="en-US" sz="2400" dirty="0" err="1">
-                <a:solidFill>
-                  <a:srgbClr val="575756"/>
-                </a:solidFill>
-                <a:latin typeface="Abadi" panose="020B0604020104020204" pitchFamily="34" charset="0"/>
-              </a:rPr>
-              <a:t>Carteirinha</a:t>
+              <a:t>Lead Architect Software @ 5by5 </a:t>
+            </a:r>
+            <a:r>
+              <a:rPr lang="pt-BR" sz="1600" b="0" i="0" dirty="0">
+                <a:effectLst/>
+                <a:latin typeface="-apple-system"/>
+              </a:rPr>
+              <a:t>👨🏻‍💻</a:t>
             </a:r>
             <a:endParaRPr lang="en-US" sz="2400" dirty="0">
               <a:solidFill>
@@ -6453,12 +8734,175 @@
               <a:latin typeface="Abadi" panose="020B0604020104020204" pitchFamily="34" charset="0"/>
             </a:endParaRPr>
           </a:p>
+          <a:p>
+            <a:r>
+              <a:rPr lang="en-US" sz="2400" dirty="0">
+                <a:solidFill>
+                  <a:srgbClr val="575756"/>
+                </a:solidFill>
+                <a:latin typeface="Abadi" panose="020B0604020104020204" pitchFamily="34" charset="0"/>
+              </a:rPr>
+              <a:t>C#/ NET Specialist </a:t>
+            </a:r>
+            <a:r>
+              <a:rPr lang="pt-BR" sz="1600" b="0" i="0" dirty="0">
+                <a:effectLst/>
+                <a:latin typeface="-apple-system"/>
+              </a:rPr>
+              <a:t> 😬</a:t>
+            </a:r>
+            <a:endParaRPr lang="en-US" sz="2400" dirty="0">
+              <a:solidFill>
+                <a:srgbClr val="575756"/>
+              </a:solidFill>
+              <a:latin typeface="Abadi" panose="020B0604020104020204" pitchFamily="34" charset="0"/>
+            </a:endParaRPr>
+          </a:p>
+          <a:p>
+            <a:r>
+              <a:rPr lang="en-US" sz="2400" dirty="0">
+                <a:solidFill>
+                  <a:srgbClr val="575756"/>
+                </a:solidFill>
+                <a:latin typeface="Abadi" panose="020B0604020104020204" pitchFamily="34" charset="0"/>
+              </a:rPr>
+              <a:t>DevOps Enthusiast </a:t>
+            </a:r>
+            <a:r>
+              <a:rPr lang="pt-BR" sz="1600" b="0" i="0" dirty="0">
+                <a:effectLst/>
+                <a:latin typeface="-apple-system"/>
+              </a:rPr>
+              <a:t> 🧐 </a:t>
+            </a:r>
+            <a:endParaRPr lang="en-US" sz="2400" dirty="0">
+              <a:solidFill>
+                <a:srgbClr val="575756"/>
+              </a:solidFill>
+              <a:latin typeface="Abadi" panose="020B0604020104020204" pitchFamily="34" charset="0"/>
+            </a:endParaRPr>
+          </a:p>
+          <a:p>
+            <a:r>
+              <a:rPr lang="en-US" sz="2400" dirty="0">
+                <a:solidFill>
+                  <a:srgbClr val="575756"/>
+                </a:solidFill>
+                <a:latin typeface="Abadi" panose="020B0604020104020204" pitchFamily="34" charset="0"/>
+              </a:rPr>
+              <a:t>Nerd de </a:t>
+            </a:r>
+            <a:r>
+              <a:rPr lang="en-US" sz="2400" dirty="0" err="1">
+                <a:solidFill>
+                  <a:srgbClr val="575756"/>
+                </a:solidFill>
+                <a:latin typeface="Abadi" panose="020B0604020104020204" pitchFamily="34" charset="0"/>
+              </a:rPr>
+              <a:t>Carteirinha</a:t>
+            </a:r>
+            <a:r>
+              <a:rPr lang="en-US" sz="2400" dirty="0">
+                <a:solidFill>
+                  <a:srgbClr val="575756"/>
+                </a:solidFill>
+                <a:latin typeface="Abadi" panose="020B0604020104020204" pitchFamily="34" charset="0"/>
+              </a:rPr>
+              <a:t> </a:t>
+            </a:r>
+            <a:r>
+              <a:rPr lang="pt-BR" sz="1600" b="0" i="0" dirty="0">
+                <a:effectLst/>
+                <a:latin typeface="-apple-system"/>
+              </a:rPr>
+              <a:t> 😊</a:t>
+            </a:r>
+            <a:endParaRPr lang="en-US" sz="2400" dirty="0">
+              <a:solidFill>
+                <a:srgbClr val="575756"/>
+              </a:solidFill>
+              <a:latin typeface="Abadi" panose="020B0604020104020204" pitchFamily="34" charset="0"/>
+            </a:endParaRPr>
+          </a:p>
+          <a:p>
+            <a:endParaRPr lang="en-US" sz="2400" dirty="0">
+              <a:solidFill>
+                <a:srgbClr val="575756"/>
+              </a:solidFill>
+              <a:latin typeface="Abadi" panose="020B0604020104020204" pitchFamily="34" charset="0"/>
+            </a:endParaRPr>
+          </a:p>
         </p:txBody>
       </p:sp>
     </p:spTree>
     <p:extLst>
       <p:ext uri="{BB962C8B-B14F-4D97-AF65-F5344CB8AC3E}">
         <p14:creationId xmlns:p14="http://schemas.microsoft.com/office/powerpoint/2010/main" val="3061769038"/>
+      </p:ext>
+    </p:extLst>
+  </p:cSld>
+  <p:clrMapOvr>
+    <a:masterClrMapping/>
+  </p:clrMapOvr>
+</p:sld>
+</file>
+
+<file path=ppt/slides/slide20.xml><?xml version="1.0" encoding="utf-8"?>
+<p:sld xmlns:a="http://schemas.openxmlformats.org/drawingml/2006/main" xmlns:r="http://schemas.openxmlformats.org/officeDocument/2006/relationships" xmlns:p="http://schemas.openxmlformats.org/presentationml/2006/main">
+  <p:cSld>
+    <p:spTree>
+      <p:nvGrpSpPr>
+        <p:cNvPr id="1" name=""/>
+        <p:cNvGrpSpPr/>
+        <p:nvPr/>
+      </p:nvGrpSpPr>
+      <p:grpSpPr>
+        <a:xfrm>
+          <a:off x="0" y="0"/>
+          <a:ext cx="0" cy="0"/>
+          <a:chOff x="0" y="0"/>
+          <a:chExt cx="0" cy="0"/>
+        </a:xfrm>
+      </p:grpSpPr>
+      <p:pic>
+        <p:nvPicPr>
+          <p:cNvPr id="5" name="Imagem 4">
+            <a:extLst>
+              <a:ext uri="{FF2B5EF4-FFF2-40B4-BE49-F238E27FC236}">
+                <a16:creationId xmlns:a16="http://schemas.microsoft.com/office/drawing/2014/main" id="{84D71492-638A-487D-8EE9-9C007E9C50DC}"/>
+              </a:ext>
+            </a:extLst>
+          </p:cNvPr>
+          <p:cNvPicPr>
+            <a:picLocks noChangeAspect="1"/>
+          </p:cNvPicPr>
+          <p:nvPr/>
+        </p:nvPicPr>
+        <p:blipFill>
+          <a:blip r:embed="rId2">
+            <a:extLst>
+              <a:ext uri="{28A0092B-C50C-407E-A947-70E740481C1C}">
+                <a14:useLocalDpi xmlns:a14="http://schemas.microsoft.com/office/drawing/2010/main" val="0"/>
+              </a:ext>
+            </a:extLst>
+          </a:blip>
+          <a:srcRect/>
+          <a:stretch/>
+        </p:blipFill>
+        <p:spPr>
+          <a:xfrm>
+            <a:off x="593" y="0"/>
+            <a:ext cx="12190814" cy="6858000"/>
+          </a:xfrm>
+          <a:prstGeom prst="rect">
+            <a:avLst/>
+          </a:prstGeom>
+        </p:spPr>
+      </p:pic>
+    </p:spTree>
+    <p:extLst>
+      <p:ext uri="{BB962C8B-B14F-4D97-AF65-F5344CB8AC3E}">
+        <p14:creationId xmlns:p14="http://schemas.microsoft.com/office/powerpoint/2010/main" val="3768672592"/>
       </p:ext>
     </p:extLst>
   </p:cSld>
@@ -6920,6 +9364,51 @@
               </a:rPr>
               <a:t> </a:t>
             </a:r>
+          </a:p>
+        </p:txBody>
+      </p:sp>
+      <p:sp>
+        <p:nvSpPr>
+          <p:cNvPr id="2" name="AutoShape 2" descr="Diagram of bounded contexts">
+            <a:extLst>
+              <a:ext uri="{FF2B5EF4-FFF2-40B4-BE49-F238E27FC236}">
+                <a16:creationId xmlns:a16="http://schemas.microsoft.com/office/drawing/2014/main" id="{F19AE2D8-9601-3870-93B4-3B01BF93D535}"/>
+              </a:ext>
+            </a:extLst>
+          </p:cNvPr>
+          <p:cNvSpPr>
+            <a:spLocks noChangeAspect="1" noChangeArrowheads="1"/>
+          </p:cNvSpPr>
+          <p:nvPr/>
+        </p:nvSpPr>
+        <p:spPr bwMode="auto">
+          <a:xfrm>
+            <a:off x="5943600" y="3276600"/>
+            <a:ext cx="304800" cy="304800"/>
+          </a:xfrm>
+          <a:prstGeom prst="rect">
+            <a:avLst/>
+          </a:prstGeom>
+          <a:noFill/>
+          <a:extLst>
+            <a:ext uri="{909E8E84-426E-40DD-AFC4-6F175D3DCCD1}">
+              <a14:hiddenFill xmlns:a14="http://schemas.microsoft.com/office/drawing/2010/main">
+                <a:solidFill>
+                  <a:srgbClr val="FFFFFF"/>
+                </a:solidFill>
+              </a14:hiddenFill>
+            </a:ext>
+          </a:extLst>
+        </p:spPr>
+        <p:txBody>
+          <a:bodyPr vert="horz" wrap="square" lIns="91440" tIns="45720" rIns="91440" bIns="45720" numCol="1" anchor="t" anchorCtr="0" compatLnSpc="1">
+            <a:prstTxWarp prst="textNoShape">
+              <a:avLst/>
+            </a:prstTxWarp>
+          </a:bodyPr>
+          <a:lstStyle/>
+          <a:p>
+            <a:endParaRPr lang="pt-BR"/>
           </a:p>
         </p:txBody>
       </p:sp>
@@ -6977,7 +9466,7 @@
         </p:spPr>
         <p:txBody>
           <a:bodyPr>
-            <a:normAutofit/>
+            <a:normAutofit lnSpcReduction="10000"/>
           </a:bodyPr>
           <a:lstStyle/>
           <a:p>
@@ -7011,8 +9500,31 @@
                 </a:solidFill>
                 <a:latin typeface="Abadi" panose="020B0604020104020204" pitchFamily="34" charset="0"/>
               </a:rPr>
-              <a:t> as definições e especificações definidas para o código visando de maneira unilateral o seu funcionamento e quando o objetivo é atingido não nos preocupamos em como esse código irá se comportar no futuro, esse que muitas vezes está mais perto do que pensávamos, </a:t>
-            </a:r>
+              <a:t> as especificações definidas para o código, visando de maneira unilateral o seu funcionamento. </a:t>
+            </a:r>
+          </a:p>
+          <a:p>
+            <a:pPr algn="just">
+              <a:lnSpc>
+                <a:spcPct val="100000"/>
+              </a:lnSpc>
+            </a:pPr>
+            <a:r>
+              <a:rPr lang="pt-BR" sz="1600" dirty="0">
+                <a:solidFill>
+                  <a:srgbClr val="575756"/>
+                </a:solidFill>
+                <a:latin typeface="Abadi" panose="020B0604020104020204" pitchFamily="34" charset="0"/>
+              </a:rPr>
+              <a:t>Quando o objetivo é atingido não nos preocupamos em como esse código irá se comportar no futuro, esse que muitas vezes está mais perto do que pensávamos.</a:t>
+            </a:r>
+          </a:p>
+          <a:p>
+            <a:pPr algn="just">
+              <a:lnSpc>
+                <a:spcPct val="100000"/>
+              </a:lnSpc>
+            </a:pPr>
             <a:r>
               <a:rPr lang="pt-BR" sz="1600" b="1" dirty="0">
                 <a:solidFill>
@@ -7020,7 +9532,7 @@
                 </a:solidFill>
                 <a:latin typeface="Abadi" panose="020B0604020104020204" pitchFamily="34" charset="0"/>
               </a:rPr>
-              <a:t>aplicações modernas sempre estão evoluindo acompanhando a agressividade do mercado, procurando trazer mais valor</a:t>
+              <a:t>Aplicações modernas sempre estão evoluindo acompanhando a agressividade do mercado, procurando trazer mais valor</a:t>
             </a:r>
             <a:r>
               <a:rPr lang="pt-BR" sz="1600" dirty="0">
@@ -7345,6 +9857,60 @@
               </a:rPr>
               <a:t> </a:t>
             </a:r>
+          </a:p>
+        </p:txBody>
+      </p:sp>
+      <p:sp>
+        <p:nvSpPr>
+          <p:cNvPr id="2" name="Retângulo 1">
+            <a:extLst>
+              <a:ext uri="{FF2B5EF4-FFF2-40B4-BE49-F238E27FC236}">
+                <a16:creationId xmlns:a16="http://schemas.microsoft.com/office/drawing/2014/main" id="{8E36D803-4DDA-60A9-32E4-0DA06591FC95}"/>
+              </a:ext>
+            </a:extLst>
+          </p:cNvPr>
+          <p:cNvSpPr/>
+          <p:nvPr/>
+        </p:nvSpPr>
+        <p:spPr>
+          <a:xfrm>
+            <a:off x="4135772" y="3157268"/>
+            <a:ext cx="7000930" cy="681487"/>
+          </a:xfrm>
+          <a:prstGeom prst="rect">
+            <a:avLst/>
+          </a:prstGeom>
+          <a:noFill/>
+          <a:ln w="9525" cap="flat" cmpd="sng" algn="ctr">
+            <a:solidFill>
+              <a:schemeClr val="accent1"/>
+            </a:solidFill>
+            <a:prstDash val="solid"/>
+            <a:round/>
+            <a:headEnd type="none" w="med" len="med"/>
+            <a:tailEnd type="none" w="med" len="med"/>
+          </a:ln>
+        </p:spPr>
+        <p:style>
+          <a:lnRef idx="0">
+            <a:scrgbClr r="0" g="0" b="0"/>
+          </a:lnRef>
+          <a:fillRef idx="0">
+            <a:scrgbClr r="0" g="0" b="0"/>
+          </a:fillRef>
+          <a:effectRef idx="0">
+            <a:scrgbClr r="0" g="0" b="0"/>
+          </a:effectRef>
+          <a:fontRef idx="minor">
+            <a:schemeClr val="accent1"/>
+          </a:fontRef>
+        </p:style>
+        <p:txBody>
+          <a:bodyPr rtlCol="0" anchor="ctr"/>
+          <a:lstStyle/>
+          <a:p>
+            <a:pPr algn="ctr"/>
+            <a:endParaRPr lang="pt-BR"/>
           </a:p>
         </p:txBody>
       </p:sp>
@@ -7818,36 +10384,55 @@
       </p:sp>
       <p:sp>
         <p:nvSpPr>
-          <p:cNvPr id="2" name="CaixaDeTexto 1">
+          <p:cNvPr id="4" name="Retângulo 3">
             <a:extLst>
               <a:ext uri="{FF2B5EF4-FFF2-40B4-BE49-F238E27FC236}">
-                <a16:creationId xmlns:a16="http://schemas.microsoft.com/office/drawing/2014/main" id="{E252A510-17C9-4609-90C7-750D071B8ACC}"/>
+                <a16:creationId xmlns:a16="http://schemas.microsoft.com/office/drawing/2014/main" id="{0A9AE514-C283-A8B9-0EA0-7498936E0F5B}"/>
               </a:ext>
             </a:extLst>
           </p:cNvPr>
-          <p:cNvSpPr txBox="1"/>
+          <p:cNvSpPr/>
           <p:nvPr/>
         </p:nvSpPr>
         <p:spPr>
           <a:xfrm>
-            <a:off x="287778" y="6306545"/>
-            <a:ext cx="4524252" cy="307777"/>
+            <a:off x="4135772" y="4546121"/>
+            <a:ext cx="6871534" cy="957532"/>
           </a:xfrm>
           <a:prstGeom prst="rect">
             <a:avLst/>
           </a:prstGeom>
           <a:noFill/>
+          <a:ln w="9525" cap="flat" cmpd="sng" algn="ctr">
+            <a:solidFill>
+              <a:schemeClr val="accent1"/>
+            </a:solidFill>
+            <a:prstDash val="solid"/>
+            <a:round/>
+            <a:headEnd type="none" w="med" len="med"/>
+            <a:tailEnd type="none" w="med" len="med"/>
+          </a:ln>
         </p:spPr>
+        <p:style>
+          <a:lnRef idx="0">
+            <a:scrgbClr r="0" g="0" b="0"/>
+          </a:lnRef>
+          <a:fillRef idx="0">
+            <a:scrgbClr r="0" g="0" b="0"/>
+          </a:fillRef>
+          <a:effectRef idx="0">
+            <a:scrgbClr r="0" g="0" b="0"/>
+          </a:effectRef>
+          <a:fontRef idx="minor">
+            <a:schemeClr val="accent1"/>
+          </a:fontRef>
+        </p:style>
         <p:txBody>
-          <a:bodyPr wrap="none" rtlCol="0">
-            <a:spAutoFit/>
-          </a:bodyPr>
+          <a:bodyPr rtlCol="0" anchor="ctr"/>
           <a:lstStyle/>
           <a:p>
-            <a:r>
-              <a:rPr lang="pt-BR" sz="1400" dirty="0"/>
-              <a:t>https://docs.microsoft.com/pt-br/windows/wsl/wsl2-about</a:t>
-            </a:r>
+            <a:pPr algn="ctr"/>
+            <a:endParaRPr lang="pt-BR"/>
           </a:p>
         </p:txBody>
       </p:sp>
@@ -7951,7 +10536,7 @@
               <a:buAutoNum type="arabicPeriod"/>
             </a:pPr>
             <a:r>
-              <a:rPr lang="pt-BR" sz="1600" dirty="0">
+              <a:rPr lang="pt-BR" sz="1600" b="1" dirty="0">
                 <a:solidFill>
                   <a:srgbClr val="575756"/>
                 </a:solidFill>
@@ -7969,7 +10554,7 @@
               <a:buAutoNum type="arabicPeriod"/>
             </a:pPr>
             <a:r>
-              <a:rPr lang="pt-BR" sz="1600" dirty="0">
+              <a:rPr lang="pt-BR" sz="1600" b="1" dirty="0">
                 <a:solidFill>
                   <a:srgbClr val="575756"/>
                 </a:solidFill>
@@ -7987,7 +10572,7 @@
               <a:buAutoNum type="arabicPeriod"/>
             </a:pPr>
             <a:r>
-              <a:rPr lang="pt-BR" sz="1600" dirty="0">
+              <a:rPr lang="pt-BR" sz="1600" b="1" dirty="0">
                 <a:solidFill>
                   <a:srgbClr val="575756"/>
                 </a:solidFill>
@@ -8005,7 +10590,7 @@
               <a:buAutoNum type="arabicPeriod"/>
             </a:pPr>
             <a:r>
-              <a:rPr lang="pt-BR" sz="1600" dirty="0">
+              <a:rPr lang="pt-BR" sz="1600" b="1" dirty="0">
                 <a:solidFill>
                   <a:srgbClr val="575756"/>
                 </a:solidFill>
@@ -8014,7 +10599,7 @@
               <a:t>DRY (</a:t>
             </a:r>
             <a:r>
-              <a:rPr lang="pt-BR" sz="1600" dirty="0" err="1">
+              <a:rPr lang="pt-BR" sz="1600" b="1" dirty="0" err="1">
                 <a:solidFill>
                   <a:srgbClr val="575756"/>
                 </a:solidFill>
@@ -8023,7 +10608,7 @@
               <a:t>Don’t</a:t>
             </a:r>
             <a:r>
-              <a:rPr lang="pt-BR" sz="1600" dirty="0">
+              <a:rPr lang="pt-BR" sz="1600" b="1" dirty="0">
                 <a:solidFill>
                   <a:srgbClr val="575756"/>
                 </a:solidFill>
@@ -8032,7 +10617,7 @@
               <a:t> </a:t>
             </a:r>
             <a:r>
-              <a:rPr lang="pt-BR" sz="1600" dirty="0" err="1">
+              <a:rPr lang="pt-BR" sz="1600" b="1" dirty="0" err="1">
                 <a:solidFill>
                   <a:srgbClr val="575756"/>
                 </a:solidFill>
@@ -8041,7 +10626,7 @@
               <a:t>Repeat</a:t>
             </a:r>
             <a:r>
-              <a:rPr lang="pt-BR" sz="1600" dirty="0">
+              <a:rPr lang="pt-BR" sz="1600" b="1" dirty="0">
                 <a:solidFill>
                   <a:srgbClr val="575756"/>
                 </a:solidFill>
@@ -8050,7 +10635,7 @@
               <a:t> </a:t>
             </a:r>
             <a:r>
-              <a:rPr lang="pt-BR" sz="1600" dirty="0" err="1">
+              <a:rPr lang="pt-BR" sz="1600" b="1" dirty="0" err="1">
                 <a:solidFill>
                   <a:srgbClr val="575756"/>
                 </a:solidFill>
@@ -8059,7 +10644,7 @@
               <a:t>Yoursefl</a:t>
             </a:r>
             <a:r>
-              <a:rPr lang="pt-BR" sz="1600" dirty="0">
+              <a:rPr lang="pt-BR" sz="1600" b="1" dirty="0">
                 <a:solidFill>
                   <a:srgbClr val="575756"/>
                 </a:solidFill>
@@ -8077,7 +10662,7 @@
               <a:buAutoNum type="arabicPeriod"/>
             </a:pPr>
             <a:r>
-              <a:rPr lang="pt-BR" sz="1600" dirty="0">
+              <a:rPr lang="pt-BR" sz="1600" b="1" dirty="0">
                 <a:solidFill>
                   <a:srgbClr val="575756"/>
                 </a:solidFill>
@@ -8095,7 +10680,7 @@
               <a:buAutoNum type="arabicPeriod"/>
             </a:pPr>
             <a:r>
-              <a:rPr lang="pt-BR" sz="1600" dirty="0">
+              <a:rPr lang="pt-BR" sz="1600" b="1" dirty="0">
                 <a:solidFill>
                   <a:srgbClr val="575756"/>
                 </a:solidFill>
@@ -8113,7 +10698,7 @@
               <a:buAutoNum type="arabicPeriod"/>
             </a:pPr>
             <a:r>
-              <a:rPr lang="pt-BR" sz="1600" dirty="0">
+              <a:rPr lang="pt-BR" sz="1600" b="1" dirty="0">
                 <a:solidFill>
                   <a:srgbClr val="575756"/>
                 </a:solidFill>
@@ -8403,6 +10988,60 @@
               </a:rPr>
               <a:t> </a:t>
             </a:r>
+          </a:p>
+        </p:txBody>
+      </p:sp>
+      <p:sp>
+        <p:nvSpPr>
+          <p:cNvPr id="2" name="Retângulo 1">
+            <a:extLst>
+              <a:ext uri="{FF2B5EF4-FFF2-40B4-BE49-F238E27FC236}">
+                <a16:creationId xmlns:a16="http://schemas.microsoft.com/office/drawing/2014/main" id="{CB20B190-BD64-8FE9-7492-FF9D820FE3A7}"/>
+              </a:ext>
+            </a:extLst>
+          </p:cNvPr>
+          <p:cNvSpPr/>
+          <p:nvPr/>
+        </p:nvSpPr>
+        <p:spPr>
+          <a:xfrm>
+            <a:off x="4037162" y="1837426"/>
+            <a:ext cx="6901132" cy="2915729"/>
+          </a:xfrm>
+          <a:prstGeom prst="rect">
+            <a:avLst/>
+          </a:prstGeom>
+          <a:noFill/>
+          <a:ln w="9525" cap="flat" cmpd="sng" algn="ctr">
+            <a:solidFill>
+              <a:schemeClr val="accent1"/>
+            </a:solidFill>
+            <a:prstDash val="solid"/>
+            <a:round/>
+            <a:headEnd type="none" w="med" len="med"/>
+            <a:tailEnd type="none" w="med" len="med"/>
+          </a:ln>
+        </p:spPr>
+        <p:style>
+          <a:lnRef idx="0">
+            <a:scrgbClr r="0" g="0" b="0"/>
+          </a:lnRef>
+          <a:fillRef idx="0">
+            <a:scrgbClr r="0" g="0" b="0"/>
+          </a:fillRef>
+          <a:effectRef idx="0">
+            <a:scrgbClr r="0" g="0" b="0"/>
+          </a:effectRef>
+          <a:fontRef idx="minor">
+            <a:schemeClr val="accent1"/>
+          </a:fontRef>
+        </p:style>
+        <p:txBody>
+          <a:bodyPr rtlCol="0" anchor="ctr"/>
+          <a:lstStyle/>
+          <a:p>
+            <a:pPr algn="ctr"/>
+            <a:endParaRPr lang="pt-BR"/>
           </a:p>
         </p:txBody>
       </p:sp>
@@ -8436,866 +11075,45 @@
           <a:chExt cx="0" cy="0"/>
         </a:xfrm>
       </p:grpSpPr>
-      <p:sp>
-        <p:nvSpPr>
-          <p:cNvPr id="3" name="Espaço Reservado para Conteúdo 2">
+      <p:pic>
+        <p:nvPicPr>
+          <p:cNvPr id="5" name="Imagem 4">
             <a:extLst>
               <a:ext uri="{FF2B5EF4-FFF2-40B4-BE49-F238E27FC236}">
-                <a16:creationId xmlns:a16="http://schemas.microsoft.com/office/drawing/2014/main" id="{40381986-94CF-4578-8578-5FEC2FA85378}"/>
+                <a16:creationId xmlns:a16="http://schemas.microsoft.com/office/drawing/2014/main" id="{84D71492-638A-487D-8EE9-9C007E9C50DC}"/>
               </a:ext>
             </a:extLst>
           </p:cNvPr>
-          <p:cNvSpPr>
-            <a:spLocks noGrp="1"/>
-          </p:cNvSpPr>
-          <p:nvPr>
-            <p:ph idx="1"/>
-          </p:nvPr>
-        </p:nvSpPr>
+          <p:cNvPicPr>
+            <a:picLocks noChangeAspect="1"/>
+          </p:cNvPicPr>
+          <p:nvPr/>
+        </p:nvPicPr>
+        <p:blipFill>
+          <a:blip r:embed="rId2">
+            <a:extLst>
+              <a:ext uri="{28A0092B-C50C-407E-A947-70E740481C1C}">
+                <a14:useLocalDpi xmlns:a14="http://schemas.microsoft.com/office/drawing/2010/main" val="0"/>
+              </a:ext>
+            </a:extLst>
+          </a:blip>
+          <a:srcRect/>
+          <a:stretch/>
+        </p:blipFill>
         <p:spPr>
           <a:xfrm>
-            <a:off x="4135772" y="1227364"/>
-            <a:ext cx="6715489" cy="4403272"/>
-          </a:xfrm>
-        </p:spPr>
-        <p:txBody>
-          <a:bodyPr>
-            <a:normAutofit/>
-          </a:bodyPr>
-          <a:lstStyle/>
-          <a:p>
-            <a:pPr algn="just">
-              <a:lnSpc>
-                <a:spcPct val="100000"/>
-              </a:lnSpc>
-            </a:pPr>
-            <a:r>
-              <a:rPr lang="en-US" sz="1600" dirty="0">
-                <a:solidFill>
-                  <a:srgbClr val="575756"/>
-                </a:solidFill>
-                <a:latin typeface="Abadi" panose="020B0604020104020204" pitchFamily="34" charset="0"/>
-              </a:rPr>
-              <a:t>S</a:t>
-            </a:r>
-            <a:r>
-              <a:rPr lang="pt-BR" sz="1600" dirty="0">
-                <a:solidFill>
-                  <a:srgbClr val="575756"/>
-                </a:solidFill>
-                <a:latin typeface="Abadi" panose="020B0604020104020204" pitchFamily="34" charset="0"/>
-              </a:rPr>
-              <a:t>.O.L.I.D é um acrônimo criado por Michael </a:t>
-            </a:r>
-            <a:r>
-              <a:rPr lang="pt-BR" sz="1600" dirty="0" err="1">
-                <a:solidFill>
-                  <a:srgbClr val="575756"/>
-                </a:solidFill>
-                <a:latin typeface="Abadi" panose="020B0604020104020204" pitchFamily="34" charset="0"/>
-              </a:rPr>
-              <a:t>Feathers</a:t>
-            </a:r>
-            <a:r>
-              <a:rPr lang="pt-BR" sz="1600" dirty="0">
-                <a:solidFill>
-                  <a:srgbClr val="575756"/>
-                </a:solidFill>
-                <a:latin typeface="Abadi" panose="020B0604020104020204" pitchFamily="34" charset="0"/>
-              </a:rPr>
-              <a:t> após observar os princípios de OOP e  design de código comentados por </a:t>
-            </a:r>
-            <a:r>
-              <a:rPr lang="pt-BR" sz="1600" dirty="0" err="1">
-                <a:solidFill>
-                  <a:srgbClr val="575756"/>
-                </a:solidFill>
-                <a:latin typeface="Abadi" panose="020B0604020104020204" pitchFamily="34" charset="0"/>
-              </a:rPr>
-              <a:t>Uncle</a:t>
-            </a:r>
-            <a:r>
-              <a:rPr lang="pt-BR" sz="1600" dirty="0">
-                <a:solidFill>
-                  <a:srgbClr val="575756"/>
-                </a:solidFill>
-                <a:latin typeface="Abadi" panose="020B0604020104020204" pitchFamily="34" charset="0"/>
-              </a:rPr>
-              <a:t> Bob em seu artigo “The </a:t>
-            </a:r>
-            <a:r>
-              <a:rPr lang="pt-BR" sz="1600" dirty="0" err="1">
-                <a:solidFill>
-                  <a:srgbClr val="575756"/>
-                </a:solidFill>
-                <a:latin typeface="Abadi" panose="020B0604020104020204" pitchFamily="34" charset="0"/>
-              </a:rPr>
-              <a:t>Principles</a:t>
-            </a:r>
-            <a:r>
-              <a:rPr lang="pt-BR" sz="1600" dirty="0">
-                <a:solidFill>
-                  <a:srgbClr val="575756"/>
-                </a:solidFill>
-                <a:latin typeface="Abadi" panose="020B0604020104020204" pitchFamily="34" charset="0"/>
-              </a:rPr>
-              <a:t> </a:t>
-            </a:r>
-            <a:r>
-              <a:rPr lang="pt-BR" sz="1600" dirty="0" err="1">
-                <a:solidFill>
-                  <a:srgbClr val="575756"/>
-                </a:solidFill>
-                <a:latin typeface="Abadi" panose="020B0604020104020204" pitchFamily="34" charset="0"/>
-              </a:rPr>
-              <a:t>of</a:t>
-            </a:r>
-            <a:r>
-              <a:rPr lang="pt-BR" sz="1600" dirty="0">
-                <a:solidFill>
-                  <a:srgbClr val="575756"/>
-                </a:solidFill>
-                <a:latin typeface="Abadi" panose="020B0604020104020204" pitchFamily="34" charset="0"/>
-              </a:rPr>
-              <a:t> OOD”</a:t>
-            </a:r>
-          </a:p>
-          <a:p>
-            <a:pPr algn="just">
-              <a:lnSpc>
-                <a:spcPct val="100000"/>
-              </a:lnSpc>
-            </a:pPr>
-            <a:r>
-              <a:rPr lang="pt-BR" sz="1600" dirty="0">
-                <a:solidFill>
-                  <a:srgbClr val="575756"/>
-                </a:solidFill>
-                <a:latin typeface="Abadi" panose="020B0604020104020204" pitchFamily="34" charset="0"/>
-              </a:rPr>
-              <a:t>Estes princípios ajudam á escrever um “código mais limpo”, indo de encontro com o que acabamos de abordar sobre Clean Code.</a:t>
-            </a:r>
-          </a:p>
-          <a:p>
-            <a:pPr marL="342900" indent="-342900" algn="just">
-              <a:lnSpc>
-                <a:spcPct val="100000"/>
-              </a:lnSpc>
-              <a:buFont typeface="+mj-lt"/>
-              <a:buAutoNum type="arabicPeriod"/>
-            </a:pPr>
-            <a:r>
-              <a:rPr lang="pt-BR" sz="1400" b="1" i="0" dirty="0">
-                <a:solidFill>
-                  <a:srgbClr val="575756"/>
-                </a:solidFill>
-                <a:effectLst/>
-                <a:latin typeface="Abadi" panose="020B0604020104020204" pitchFamily="34" charset="0"/>
-              </a:rPr>
-              <a:t>S — Single </a:t>
-            </a:r>
-            <a:r>
-              <a:rPr lang="pt-BR" sz="1400" b="1" i="0" dirty="0" err="1">
-                <a:solidFill>
-                  <a:srgbClr val="575756"/>
-                </a:solidFill>
-                <a:effectLst/>
-                <a:latin typeface="Abadi" panose="020B0604020104020204" pitchFamily="34" charset="0"/>
-              </a:rPr>
-              <a:t>Responsiblity</a:t>
-            </a:r>
-            <a:r>
-              <a:rPr lang="pt-BR" sz="1400" b="1" i="0" dirty="0">
-                <a:solidFill>
-                  <a:srgbClr val="575756"/>
-                </a:solidFill>
-                <a:effectLst/>
-                <a:latin typeface="Abadi" panose="020B0604020104020204" pitchFamily="34" charset="0"/>
-              </a:rPr>
-              <a:t> </a:t>
-            </a:r>
-            <a:r>
-              <a:rPr lang="pt-BR" sz="1400" b="1" i="0" dirty="0" err="1">
-                <a:solidFill>
-                  <a:srgbClr val="575756"/>
-                </a:solidFill>
-                <a:effectLst/>
-                <a:latin typeface="Abadi" panose="020B0604020104020204" pitchFamily="34" charset="0"/>
-              </a:rPr>
-              <a:t>Principle</a:t>
-            </a:r>
-            <a:r>
-              <a:rPr lang="pt-BR" sz="1400" b="1" i="0" dirty="0">
-                <a:solidFill>
-                  <a:srgbClr val="575756"/>
-                </a:solidFill>
-                <a:effectLst/>
-                <a:latin typeface="Abadi" panose="020B0604020104020204" pitchFamily="34" charset="0"/>
-              </a:rPr>
-              <a:t> </a:t>
-            </a:r>
-            <a:r>
-              <a:rPr lang="pt-BR" sz="1400" b="0" i="0" dirty="0">
-                <a:solidFill>
-                  <a:srgbClr val="575756"/>
-                </a:solidFill>
-                <a:effectLst/>
-                <a:latin typeface="Abadi" panose="020B0604020104020204" pitchFamily="34" charset="0"/>
-              </a:rPr>
-              <a:t>(Princípio da responsabilidade única)</a:t>
-            </a:r>
-          </a:p>
-          <a:p>
-            <a:pPr marL="342900" indent="-342900" algn="just">
-              <a:lnSpc>
-                <a:spcPct val="100000"/>
-              </a:lnSpc>
-              <a:buFont typeface="+mj-lt"/>
-              <a:buAutoNum type="arabicPeriod"/>
-            </a:pPr>
-            <a:r>
-              <a:rPr lang="pt-BR" sz="1400" b="1" i="0" dirty="0">
-                <a:solidFill>
-                  <a:srgbClr val="575756"/>
-                </a:solidFill>
-                <a:effectLst/>
-                <a:latin typeface="Abadi" panose="020B0604020104020204" pitchFamily="34" charset="0"/>
-              </a:rPr>
-              <a:t>O — Open-</a:t>
-            </a:r>
-            <a:r>
-              <a:rPr lang="pt-BR" sz="1400" b="1" i="0" dirty="0" err="1">
-                <a:solidFill>
-                  <a:srgbClr val="575756"/>
-                </a:solidFill>
-                <a:effectLst/>
-                <a:latin typeface="Abadi" panose="020B0604020104020204" pitchFamily="34" charset="0"/>
-              </a:rPr>
-              <a:t>Closed</a:t>
-            </a:r>
-            <a:r>
-              <a:rPr lang="pt-BR" sz="1400" b="1" i="0" dirty="0">
-                <a:solidFill>
-                  <a:srgbClr val="575756"/>
-                </a:solidFill>
-                <a:effectLst/>
-                <a:latin typeface="Abadi" panose="020B0604020104020204" pitchFamily="34" charset="0"/>
-              </a:rPr>
-              <a:t> </a:t>
-            </a:r>
-            <a:r>
-              <a:rPr lang="pt-BR" sz="1400" b="1" i="0" dirty="0" err="1">
-                <a:solidFill>
-                  <a:srgbClr val="575756"/>
-                </a:solidFill>
-                <a:effectLst/>
-                <a:latin typeface="Abadi" panose="020B0604020104020204" pitchFamily="34" charset="0"/>
-              </a:rPr>
-              <a:t>Principle</a:t>
-            </a:r>
-            <a:r>
-              <a:rPr lang="pt-BR" sz="1400" b="1" i="0" dirty="0">
-                <a:solidFill>
-                  <a:srgbClr val="575756"/>
-                </a:solidFill>
-                <a:effectLst/>
-                <a:latin typeface="Abadi" panose="020B0604020104020204" pitchFamily="34" charset="0"/>
-              </a:rPr>
-              <a:t> </a:t>
-            </a:r>
-            <a:r>
-              <a:rPr lang="pt-BR" sz="1400" b="0" i="0" dirty="0">
-                <a:solidFill>
-                  <a:srgbClr val="575756"/>
-                </a:solidFill>
-                <a:effectLst/>
-                <a:latin typeface="Abadi" panose="020B0604020104020204" pitchFamily="34" charset="0"/>
-              </a:rPr>
-              <a:t>(Princípio Aberto-Fechado)</a:t>
-            </a:r>
-          </a:p>
-          <a:p>
-            <a:pPr marL="342900" indent="-342900" algn="just">
-              <a:lnSpc>
-                <a:spcPct val="100000"/>
-              </a:lnSpc>
-              <a:buFont typeface="+mj-lt"/>
-              <a:buAutoNum type="arabicPeriod"/>
-            </a:pPr>
-            <a:r>
-              <a:rPr lang="pt-BR" sz="1400" b="1" i="0" dirty="0">
-                <a:solidFill>
-                  <a:srgbClr val="575756"/>
-                </a:solidFill>
-                <a:effectLst/>
-                <a:latin typeface="Abadi" panose="020B0604020104020204" pitchFamily="34" charset="0"/>
-              </a:rPr>
-              <a:t>L — </a:t>
-            </a:r>
-            <a:r>
-              <a:rPr lang="pt-BR" sz="1400" b="1" i="0" dirty="0" err="1">
-                <a:solidFill>
-                  <a:srgbClr val="575756"/>
-                </a:solidFill>
-                <a:effectLst/>
-                <a:latin typeface="Abadi" panose="020B0604020104020204" pitchFamily="34" charset="0"/>
-              </a:rPr>
-              <a:t>Liskov</a:t>
-            </a:r>
-            <a:r>
-              <a:rPr lang="pt-BR" sz="1400" b="1" i="0" dirty="0">
-                <a:solidFill>
-                  <a:srgbClr val="575756"/>
-                </a:solidFill>
-                <a:effectLst/>
-                <a:latin typeface="Abadi" panose="020B0604020104020204" pitchFamily="34" charset="0"/>
-              </a:rPr>
-              <a:t> </a:t>
-            </a:r>
-            <a:r>
-              <a:rPr lang="pt-BR" sz="1400" b="1" i="0" dirty="0" err="1">
-                <a:solidFill>
-                  <a:srgbClr val="575756"/>
-                </a:solidFill>
-                <a:effectLst/>
-                <a:latin typeface="Abadi" panose="020B0604020104020204" pitchFamily="34" charset="0"/>
-              </a:rPr>
-              <a:t>Substitution</a:t>
-            </a:r>
-            <a:r>
-              <a:rPr lang="pt-BR" sz="1400" b="1" i="0" dirty="0">
-                <a:solidFill>
-                  <a:srgbClr val="575756"/>
-                </a:solidFill>
-                <a:effectLst/>
-                <a:latin typeface="Abadi" panose="020B0604020104020204" pitchFamily="34" charset="0"/>
-              </a:rPr>
-              <a:t> </a:t>
-            </a:r>
-            <a:r>
-              <a:rPr lang="pt-BR" sz="1400" b="1" i="0" dirty="0" err="1">
-                <a:solidFill>
-                  <a:srgbClr val="575756"/>
-                </a:solidFill>
-                <a:effectLst/>
-                <a:latin typeface="Abadi" panose="020B0604020104020204" pitchFamily="34" charset="0"/>
-              </a:rPr>
-              <a:t>Principle</a:t>
-            </a:r>
-            <a:r>
-              <a:rPr lang="pt-BR" sz="1400" b="1" i="0" dirty="0">
-                <a:solidFill>
-                  <a:srgbClr val="575756"/>
-                </a:solidFill>
-                <a:effectLst/>
-                <a:latin typeface="Abadi" panose="020B0604020104020204" pitchFamily="34" charset="0"/>
-              </a:rPr>
-              <a:t> </a:t>
-            </a:r>
-            <a:r>
-              <a:rPr lang="pt-BR" sz="1400" b="0" i="0" dirty="0">
-                <a:solidFill>
-                  <a:srgbClr val="575756"/>
-                </a:solidFill>
-                <a:effectLst/>
-                <a:latin typeface="Abadi" panose="020B0604020104020204" pitchFamily="34" charset="0"/>
-              </a:rPr>
-              <a:t>(Princípio da substituição de </a:t>
-            </a:r>
-            <a:r>
-              <a:rPr lang="pt-BR" sz="1400" b="0" i="0" dirty="0" err="1">
-                <a:solidFill>
-                  <a:srgbClr val="575756"/>
-                </a:solidFill>
-                <a:effectLst/>
-                <a:latin typeface="Abadi" panose="020B0604020104020204" pitchFamily="34" charset="0"/>
-              </a:rPr>
-              <a:t>Liskov</a:t>
-            </a:r>
-            <a:r>
-              <a:rPr lang="pt-BR" sz="1400" b="0" i="0" dirty="0">
-                <a:solidFill>
-                  <a:srgbClr val="575756"/>
-                </a:solidFill>
-                <a:effectLst/>
-                <a:latin typeface="Abadi" panose="020B0604020104020204" pitchFamily="34" charset="0"/>
-              </a:rPr>
-              <a:t>)</a:t>
-            </a:r>
-          </a:p>
-          <a:p>
-            <a:pPr marL="342900" indent="-342900" algn="just">
-              <a:lnSpc>
-                <a:spcPct val="100000"/>
-              </a:lnSpc>
-              <a:buFont typeface="+mj-lt"/>
-              <a:buAutoNum type="arabicPeriod"/>
-            </a:pPr>
-            <a:r>
-              <a:rPr lang="pt-BR" sz="1400" b="1" i="0" dirty="0">
-                <a:solidFill>
-                  <a:srgbClr val="575756"/>
-                </a:solidFill>
-                <a:effectLst/>
-                <a:latin typeface="Abadi" panose="020B0604020104020204" pitchFamily="34" charset="0"/>
-              </a:rPr>
-              <a:t>I — Interface </a:t>
-            </a:r>
-            <a:r>
-              <a:rPr lang="pt-BR" sz="1400" b="1" i="0" dirty="0" err="1">
-                <a:solidFill>
-                  <a:srgbClr val="575756"/>
-                </a:solidFill>
-                <a:effectLst/>
-                <a:latin typeface="Abadi" panose="020B0604020104020204" pitchFamily="34" charset="0"/>
-              </a:rPr>
-              <a:t>Segregation</a:t>
-            </a:r>
-            <a:r>
-              <a:rPr lang="pt-BR" sz="1400" b="1" i="0" dirty="0">
-                <a:solidFill>
-                  <a:srgbClr val="575756"/>
-                </a:solidFill>
-                <a:effectLst/>
-                <a:latin typeface="Abadi" panose="020B0604020104020204" pitchFamily="34" charset="0"/>
-              </a:rPr>
-              <a:t> </a:t>
-            </a:r>
-            <a:r>
-              <a:rPr lang="pt-BR" sz="1400" b="1" i="0" dirty="0" err="1">
-                <a:solidFill>
-                  <a:srgbClr val="575756"/>
-                </a:solidFill>
-                <a:effectLst/>
-                <a:latin typeface="Abadi" panose="020B0604020104020204" pitchFamily="34" charset="0"/>
-              </a:rPr>
-              <a:t>Principle</a:t>
-            </a:r>
-            <a:r>
-              <a:rPr lang="pt-BR" sz="1400" b="1" i="0" dirty="0">
-                <a:solidFill>
-                  <a:srgbClr val="575756"/>
-                </a:solidFill>
-                <a:effectLst/>
-                <a:latin typeface="Abadi" panose="020B0604020104020204" pitchFamily="34" charset="0"/>
-              </a:rPr>
-              <a:t> </a:t>
-            </a:r>
-            <a:r>
-              <a:rPr lang="pt-BR" sz="1400" b="0" i="0" dirty="0">
-                <a:solidFill>
-                  <a:srgbClr val="575756"/>
-                </a:solidFill>
-                <a:effectLst/>
-                <a:latin typeface="Abadi" panose="020B0604020104020204" pitchFamily="34" charset="0"/>
-              </a:rPr>
-              <a:t>(Princípio da Segregação da Interface)</a:t>
-            </a:r>
-          </a:p>
-          <a:p>
-            <a:pPr marL="342900" indent="-342900" algn="just">
-              <a:lnSpc>
-                <a:spcPct val="100000"/>
-              </a:lnSpc>
-              <a:buFont typeface="+mj-lt"/>
-              <a:buAutoNum type="arabicPeriod"/>
-            </a:pPr>
-            <a:r>
-              <a:rPr lang="pt-BR" sz="1400" b="1" i="0" dirty="0">
-                <a:solidFill>
-                  <a:srgbClr val="575756"/>
-                </a:solidFill>
-                <a:effectLst/>
-                <a:latin typeface="Abadi" panose="020B0604020104020204" pitchFamily="34" charset="0"/>
-              </a:rPr>
-              <a:t>D — </a:t>
-            </a:r>
-            <a:r>
-              <a:rPr lang="pt-BR" sz="1400" b="1" i="0" dirty="0" err="1">
-                <a:solidFill>
-                  <a:srgbClr val="575756"/>
-                </a:solidFill>
-                <a:effectLst/>
-                <a:latin typeface="Abadi" panose="020B0604020104020204" pitchFamily="34" charset="0"/>
-              </a:rPr>
-              <a:t>Dependency</a:t>
-            </a:r>
-            <a:r>
-              <a:rPr lang="pt-BR" sz="1400" b="1" i="0" dirty="0">
-                <a:solidFill>
-                  <a:srgbClr val="575756"/>
-                </a:solidFill>
-                <a:effectLst/>
-                <a:latin typeface="Abadi" panose="020B0604020104020204" pitchFamily="34" charset="0"/>
-              </a:rPr>
-              <a:t> </a:t>
-            </a:r>
-            <a:r>
-              <a:rPr lang="pt-BR" sz="1400" b="1" i="0" dirty="0" err="1">
-                <a:solidFill>
-                  <a:srgbClr val="575756"/>
-                </a:solidFill>
-                <a:effectLst/>
-                <a:latin typeface="Abadi" panose="020B0604020104020204" pitchFamily="34" charset="0"/>
-              </a:rPr>
-              <a:t>Inversion</a:t>
-            </a:r>
-            <a:r>
-              <a:rPr lang="pt-BR" sz="1400" b="1" i="0" dirty="0">
-                <a:solidFill>
-                  <a:srgbClr val="575756"/>
-                </a:solidFill>
-                <a:effectLst/>
-                <a:latin typeface="Abadi" panose="020B0604020104020204" pitchFamily="34" charset="0"/>
-              </a:rPr>
-              <a:t> </a:t>
-            </a:r>
-            <a:r>
-              <a:rPr lang="pt-BR" sz="1400" b="1" i="0" dirty="0" err="1">
-                <a:solidFill>
-                  <a:srgbClr val="575756"/>
-                </a:solidFill>
-                <a:effectLst/>
-                <a:latin typeface="Abadi" panose="020B0604020104020204" pitchFamily="34" charset="0"/>
-              </a:rPr>
-              <a:t>Principle</a:t>
-            </a:r>
-            <a:r>
-              <a:rPr lang="pt-BR" sz="1400" b="1" i="0" dirty="0">
-                <a:solidFill>
-                  <a:srgbClr val="575756"/>
-                </a:solidFill>
-                <a:effectLst/>
-                <a:latin typeface="Abadi" panose="020B0604020104020204" pitchFamily="34" charset="0"/>
-              </a:rPr>
-              <a:t> </a:t>
-            </a:r>
-            <a:r>
-              <a:rPr lang="pt-BR" sz="1400" b="0" i="0" dirty="0">
-                <a:solidFill>
-                  <a:srgbClr val="575756"/>
-                </a:solidFill>
-                <a:effectLst/>
-                <a:latin typeface="Abadi" panose="020B0604020104020204" pitchFamily="34" charset="0"/>
-              </a:rPr>
-              <a:t>(Princípio da inversão da dependência)</a:t>
-            </a:r>
-          </a:p>
-          <a:p>
-            <a:pPr marL="342900" indent="-342900" algn="just">
-              <a:lnSpc>
-                <a:spcPct val="100000"/>
-              </a:lnSpc>
-              <a:buFont typeface="+mj-lt"/>
-              <a:buAutoNum type="arabicPeriod"/>
-            </a:pPr>
-            <a:endParaRPr lang="pt-BR" sz="1600" dirty="0">
-              <a:solidFill>
-                <a:srgbClr val="575756"/>
-              </a:solidFill>
-              <a:latin typeface="Abadi" panose="020B0604020104020204" pitchFamily="34" charset="0"/>
-            </a:endParaRPr>
-          </a:p>
-          <a:p>
-            <a:pPr algn="just">
-              <a:lnSpc>
-                <a:spcPct val="100000"/>
-              </a:lnSpc>
-            </a:pPr>
-            <a:endParaRPr lang="pt-BR" sz="1600" dirty="0">
-              <a:solidFill>
-                <a:srgbClr val="575756"/>
-              </a:solidFill>
-              <a:latin typeface="Abadi" panose="020B0604020104020204" pitchFamily="34" charset="0"/>
-            </a:endParaRPr>
-          </a:p>
-        </p:txBody>
-      </p:sp>
-      <p:sp>
-        <p:nvSpPr>
-          <p:cNvPr id="6" name="Título 1">
-            <a:extLst>
-              <a:ext uri="{FF2B5EF4-FFF2-40B4-BE49-F238E27FC236}">
-                <a16:creationId xmlns:a16="http://schemas.microsoft.com/office/drawing/2014/main" id="{29506E41-E78A-4624-9442-2C05FCDFFDD1}"/>
-              </a:ext>
-            </a:extLst>
-          </p:cNvPr>
-          <p:cNvSpPr txBox="1">
-            <a:spLocks/>
-          </p:cNvSpPr>
-          <p:nvPr/>
-        </p:nvSpPr>
-        <p:spPr>
-          <a:xfrm>
-            <a:off x="838201" y="446314"/>
-            <a:ext cx="3423406" cy="2780051"/>
+            <a:off x="593" y="0"/>
+            <a:ext cx="12190814" cy="6858000"/>
           </a:xfrm>
           <a:prstGeom prst="rect">
             <a:avLst/>
           </a:prstGeom>
         </p:spPr>
-        <p:txBody>
-          <a:bodyPr vert="horz" lIns="91440" tIns="45720" rIns="91440" bIns="45720" rtlCol="0" anchor="ctr">
-            <a:normAutofit fontScale="97500"/>
-          </a:bodyPr>
-          <a:lstStyle>
-            <a:lvl1pPr algn="l" defTabSz="914400" rtl="0" eaLnBrk="1" latinLnBrk="0" hangingPunct="1">
-              <a:lnSpc>
-                <a:spcPct val="90000"/>
-              </a:lnSpc>
-              <a:spcBef>
-                <a:spcPct val="0"/>
-              </a:spcBef>
-              <a:buNone/>
-              <a:defRPr sz="4400" kern="1200">
-                <a:solidFill>
-                  <a:schemeClr val="tx1"/>
-                </a:solidFill>
-                <a:latin typeface="+mj-lt"/>
-                <a:ea typeface="+mj-ea"/>
-                <a:cs typeface="+mj-cs"/>
-              </a:defRPr>
-            </a:lvl1pPr>
-          </a:lstStyle>
-          <a:p>
-            <a:r>
-              <a:rPr lang="pt-BR" b="1" dirty="0">
-                <a:solidFill>
-                  <a:srgbClr val="22438A"/>
-                </a:solidFill>
-                <a:latin typeface="Asap" panose="00000500000000000000" pitchFamily="2" charset="0"/>
-              </a:rPr>
-              <a:t>Princípios</a:t>
-            </a:r>
-          </a:p>
-          <a:p>
-            <a:r>
-              <a:rPr lang="pt-BR" b="1" dirty="0">
-                <a:solidFill>
-                  <a:srgbClr val="22438A"/>
-                </a:solidFill>
-                <a:latin typeface="Asap" panose="00000500000000000000" pitchFamily="2" charset="0"/>
-              </a:rPr>
-              <a:t>S.O.L.I.D</a:t>
-            </a:r>
-          </a:p>
-        </p:txBody>
-      </p:sp>
-      <p:sp>
-        <p:nvSpPr>
-          <p:cNvPr id="5" name="Espaço Reservado para Conteúdo 2">
-            <a:extLst>
-              <a:ext uri="{FF2B5EF4-FFF2-40B4-BE49-F238E27FC236}">
-                <a16:creationId xmlns:a16="http://schemas.microsoft.com/office/drawing/2014/main" id="{298CF56C-531D-456B-926E-E1934EBBFA79}"/>
-              </a:ext>
-            </a:extLst>
-          </p:cNvPr>
-          <p:cNvSpPr txBox="1">
-            <a:spLocks/>
-          </p:cNvSpPr>
-          <p:nvPr/>
-        </p:nvSpPr>
-        <p:spPr>
-          <a:xfrm>
-            <a:off x="3885176" y="1430000"/>
-            <a:ext cx="7350904" cy="4403272"/>
-          </a:xfrm>
-          <a:prstGeom prst="rect">
-            <a:avLst/>
-          </a:prstGeom>
-        </p:spPr>
-        <p:txBody>
-          <a:bodyPr vert="horz" lIns="91440" tIns="45720" rIns="91440" bIns="45720" rtlCol="0">
-            <a:normAutofit/>
-          </a:bodyPr>
-          <a:lstStyle>
-            <a:lvl1pPr marL="228600" indent="-228600" algn="l" defTabSz="914400" rtl="0" eaLnBrk="1" latinLnBrk="0" hangingPunct="1">
-              <a:lnSpc>
-                <a:spcPct val="90000"/>
-              </a:lnSpc>
-              <a:spcBef>
-                <a:spcPts val="1000"/>
-              </a:spcBef>
-              <a:buFont typeface="Arial" panose="020B0604020202020204" pitchFamily="34" charset="0"/>
-              <a:buChar char="•"/>
-              <a:defRPr sz="2800" kern="1200">
-                <a:solidFill>
-                  <a:schemeClr val="tx1"/>
-                </a:solidFill>
-                <a:latin typeface="+mn-lt"/>
-                <a:ea typeface="+mn-ea"/>
-                <a:cs typeface="+mn-cs"/>
-              </a:defRPr>
-            </a:lvl1pPr>
-            <a:lvl2pPr marL="685800" indent="-228600" algn="l" defTabSz="914400" rtl="0" eaLnBrk="1" latinLnBrk="0" hangingPunct="1">
-              <a:lnSpc>
-                <a:spcPct val="90000"/>
-              </a:lnSpc>
-              <a:spcBef>
-                <a:spcPts val="500"/>
-              </a:spcBef>
-              <a:buFont typeface="Arial" panose="020B0604020202020204" pitchFamily="34" charset="0"/>
-              <a:buChar char="•"/>
-              <a:defRPr sz="2400" kern="1200">
-                <a:solidFill>
-                  <a:schemeClr val="tx1"/>
-                </a:solidFill>
-                <a:latin typeface="+mn-lt"/>
-                <a:ea typeface="+mn-ea"/>
-                <a:cs typeface="+mn-cs"/>
-              </a:defRPr>
-            </a:lvl2pPr>
-            <a:lvl3pPr marL="1143000" indent="-228600" algn="l" defTabSz="914400" rtl="0" eaLnBrk="1" latinLnBrk="0" hangingPunct="1">
-              <a:lnSpc>
-                <a:spcPct val="90000"/>
-              </a:lnSpc>
-              <a:spcBef>
-                <a:spcPts val="500"/>
-              </a:spcBef>
-              <a:buFont typeface="Arial" panose="020B0604020202020204" pitchFamily="34" charset="0"/>
-              <a:buChar char="•"/>
-              <a:defRPr sz="2000" kern="1200">
-                <a:solidFill>
-                  <a:schemeClr val="tx1"/>
-                </a:solidFill>
-                <a:latin typeface="+mn-lt"/>
-                <a:ea typeface="+mn-ea"/>
-                <a:cs typeface="+mn-cs"/>
-              </a:defRPr>
-            </a:lvl3pPr>
-            <a:lvl4pPr marL="1600200" indent="-228600" algn="l" defTabSz="914400" rtl="0" eaLnBrk="1" latinLnBrk="0" hangingPunct="1">
-              <a:lnSpc>
-                <a:spcPct val="90000"/>
-              </a:lnSpc>
-              <a:spcBef>
-                <a:spcPts val="500"/>
-              </a:spcBef>
-              <a:buFont typeface="Arial" panose="020B0604020202020204" pitchFamily="34" charset="0"/>
-              <a:buChar char="•"/>
-              <a:defRPr sz="1800" kern="1200">
-                <a:solidFill>
-                  <a:schemeClr val="tx1"/>
-                </a:solidFill>
-                <a:latin typeface="+mn-lt"/>
-                <a:ea typeface="+mn-ea"/>
-                <a:cs typeface="+mn-cs"/>
-              </a:defRPr>
-            </a:lvl4pPr>
-            <a:lvl5pPr marL="2057400" indent="-228600" algn="l" defTabSz="914400" rtl="0" eaLnBrk="1" latinLnBrk="0" hangingPunct="1">
-              <a:lnSpc>
-                <a:spcPct val="90000"/>
-              </a:lnSpc>
-              <a:spcBef>
-                <a:spcPts val="500"/>
-              </a:spcBef>
-              <a:buFont typeface="Arial" panose="020B0604020202020204" pitchFamily="34" charset="0"/>
-              <a:buChar char="•"/>
-              <a:defRPr sz="1800" kern="1200">
-                <a:solidFill>
-                  <a:schemeClr val="tx1"/>
-                </a:solidFill>
-                <a:latin typeface="+mn-lt"/>
-                <a:ea typeface="+mn-ea"/>
-                <a:cs typeface="+mn-cs"/>
-              </a:defRPr>
-            </a:lvl5pPr>
-            <a:lvl6pPr marL="2514600" indent="-228600" algn="l" defTabSz="914400" rtl="0" eaLnBrk="1" latinLnBrk="0" hangingPunct="1">
-              <a:lnSpc>
-                <a:spcPct val="90000"/>
-              </a:lnSpc>
-              <a:spcBef>
-                <a:spcPts val="500"/>
-              </a:spcBef>
-              <a:buFont typeface="Arial" panose="020B0604020202020204" pitchFamily="34" charset="0"/>
-              <a:buChar char="•"/>
-              <a:defRPr sz="1800" kern="1200">
-                <a:solidFill>
-                  <a:schemeClr val="tx1"/>
-                </a:solidFill>
-                <a:latin typeface="+mn-lt"/>
-                <a:ea typeface="+mn-ea"/>
-                <a:cs typeface="+mn-cs"/>
-              </a:defRPr>
-            </a:lvl6pPr>
-            <a:lvl7pPr marL="2971800" indent="-228600" algn="l" defTabSz="914400" rtl="0" eaLnBrk="1" latinLnBrk="0" hangingPunct="1">
-              <a:lnSpc>
-                <a:spcPct val="90000"/>
-              </a:lnSpc>
-              <a:spcBef>
-                <a:spcPts val="500"/>
-              </a:spcBef>
-              <a:buFont typeface="Arial" panose="020B0604020202020204" pitchFamily="34" charset="0"/>
-              <a:buChar char="•"/>
-              <a:defRPr sz="1800" kern="1200">
-                <a:solidFill>
-                  <a:schemeClr val="tx1"/>
-                </a:solidFill>
-                <a:latin typeface="+mn-lt"/>
-                <a:ea typeface="+mn-ea"/>
-                <a:cs typeface="+mn-cs"/>
-              </a:defRPr>
-            </a:lvl7pPr>
-            <a:lvl8pPr marL="3429000" indent="-228600" algn="l" defTabSz="914400" rtl="0" eaLnBrk="1" latinLnBrk="0" hangingPunct="1">
-              <a:lnSpc>
-                <a:spcPct val="90000"/>
-              </a:lnSpc>
-              <a:spcBef>
-                <a:spcPts val="500"/>
-              </a:spcBef>
-              <a:buFont typeface="Arial" panose="020B0604020202020204" pitchFamily="34" charset="0"/>
-              <a:buChar char="•"/>
-              <a:defRPr sz="1800" kern="1200">
-                <a:solidFill>
-                  <a:schemeClr val="tx1"/>
-                </a:solidFill>
-                <a:latin typeface="+mn-lt"/>
-                <a:ea typeface="+mn-ea"/>
-                <a:cs typeface="+mn-cs"/>
-              </a:defRPr>
-            </a:lvl8pPr>
-            <a:lvl9pPr marL="3886200" indent="-228600" algn="l" defTabSz="914400" rtl="0" eaLnBrk="1" latinLnBrk="0" hangingPunct="1">
-              <a:lnSpc>
-                <a:spcPct val="90000"/>
-              </a:lnSpc>
-              <a:spcBef>
-                <a:spcPts val="500"/>
-              </a:spcBef>
-              <a:buFont typeface="Arial" panose="020B0604020202020204" pitchFamily="34" charset="0"/>
-              <a:buChar char="•"/>
-              <a:defRPr sz="1800" kern="1200">
-                <a:solidFill>
-                  <a:schemeClr val="tx1"/>
-                </a:solidFill>
-                <a:latin typeface="+mn-lt"/>
-                <a:ea typeface="+mn-ea"/>
-                <a:cs typeface="+mn-cs"/>
-              </a:defRPr>
-            </a:lvl9pPr>
-          </a:lstStyle>
-          <a:p>
-            <a:pPr marL="0" indent="0">
-              <a:lnSpc>
-                <a:spcPct val="100000"/>
-              </a:lnSpc>
-              <a:buFont typeface="Arial" panose="020B0604020202020204" pitchFamily="34" charset="0"/>
-              <a:buNone/>
-            </a:pPr>
-            <a:r>
-              <a:rPr lang="pt-BR" sz="2600" dirty="0">
-                <a:solidFill>
-                  <a:srgbClr val="575756"/>
-                </a:solidFill>
-                <a:latin typeface="Asap" panose="00000500000000000000" pitchFamily="2" charset="0"/>
-              </a:rPr>
-              <a:t> </a:t>
-            </a:r>
-          </a:p>
-        </p:txBody>
-      </p:sp>
+      </p:pic>
     </p:spTree>
     <p:extLst>
       <p:ext uri="{BB962C8B-B14F-4D97-AF65-F5344CB8AC3E}">
-        <p14:creationId xmlns:p14="http://schemas.microsoft.com/office/powerpoint/2010/main" val="240303991"/>
+        <p14:creationId xmlns:p14="http://schemas.microsoft.com/office/powerpoint/2010/main" val="1013676928"/>
       </p:ext>
     </p:extLst>
   </p:cSld>
@@ -9322,45 +11140,920 @@
           <a:chExt cx="0" cy="0"/>
         </a:xfrm>
       </p:grpSpPr>
-      <p:pic>
-        <p:nvPicPr>
-          <p:cNvPr id="5" name="Imagem 4">
+      <p:sp>
+        <p:nvSpPr>
+          <p:cNvPr id="3" name="Espaço Reservado para Conteúdo 2">
             <a:extLst>
               <a:ext uri="{FF2B5EF4-FFF2-40B4-BE49-F238E27FC236}">
-                <a16:creationId xmlns:a16="http://schemas.microsoft.com/office/drawing/2014/main" id="{84D71492-638A-487D-8EE9-9C007E9C50DC}"/>
+                <a16:creationId xmlns:a16="http://schemas.microsoft.com/office/drawing/2014/main" id="{40381986-94CF-4578-8578-5FEC2FA85378}"/>
               </a:ext>
             </a:extLst>
           </p:cNvPr>
-          <p:cNvPicPr>
-            <a:picLocks noChangeAspect="1"/>
-          </p:cNvPicPr>
-          <p:nvPr/>
-        </p:nvPicPr>
-        <p:blipFill>
-          <a:blip r:embed="rId2">
-            <a:extLst>
-              <a:ext uri="{28A0092B-C50C-407E-A947-70E740481C1C}">
-                <a14:useLocalDpi xmlns:a14="http://schemas.microsoft.com/office/drawing/2010/main" val="0"/>
-              </a:ext>
-            </a:extLst>
-          </a:blip>
-          <a:srcRect/>
-          <a:stretch/>
-        </p:blipFill>
+          <p:cNvSpPr>
+            <a:spLocks noGrp="1"/>
+          </p:cNvSpPr>
+          <p:nvPr>
+            <p:ph idx="1"/>
+          </p:nvPr>
+        </p:nvSpPr>
         <p:spPr>
           <a:xfrm>
-            <a:off x="593" y="0"/>
-            <a:ext cx="12190814" cy="6858000"/>
+            <a:off x="4135772" y="1227364"/>
+            <a:ext cx="6715489" cy="4403272"/>
+          </a:xfrm>
+        </p:spPr>
+        <p:txBody>
+          <a:bodyPr>
+            <a:normAutofit/>
+          </a:bodyPr>
+          <a:lstStyle/>
+          <a:p>
+            <a:pPr algn="just">
+              <a:lnSpc>
+                <a:spcPct val="100000"/>
+              </a:lnSpc>
+            </a:pPr>
+            <a:r>
+              <a:rPr lang="en-US" sz="1600" dirty="0">
+                <a:solidFill>
+                  <a:srgbClr val="575756"/>
+                </a:solidFill>
+                <a:latin typeface="Abadi" panose="020B0604020104020204" pitchFamily="34" charset="0"/>
+              </a:rPr>
+              <a:t>S</a:t>
+            </a:r>
+            <a:r>
+              <a:rPr lang="pt-BR" sz="1600" dirty="0">
+                <a:solidFill>
+                  <a:srgbClr val="575756"/>
+                </a:solidFill>
+                <a:latin typeface="Abadi" panose="020B0604020104020204" pitchFamily="34" charset="0"/>
+              </a:rPr>
+              <a:t>.O.L.I.D é um acrônimo criado por Michael </a:t>
+            </a:r>
+            <a:r>
+              <a:rPr lang="pt-BR" sz="1600" dirty="0" err="1">
+                <a:solidFill>
+                  <a:srgbClr val="575756"/>
+                </a:solidFill>
+                <a:latin typeface="Abadi" panose="020B0604020104020204" pitchFamily="34" charset="0"/>
+              </a:rPr>
+              <a:t>Feathers</a:t>
+            </a:r>
+            <a:r>
+              <a:rPr lang="pt-BR" sz="1600" dirty="0">
+                <a:solidFill>
+                  <a:srgbClr val="575756"/>
+                </a:solidFill>
+                <a:latin typeface="Abadi" panose="020B0604020104020204" pitchFamily="34" charset="0"/>
+              </a:rPr>
+              <a:t> após observar os princípios de OOP e  design de código comentados por </a:t>
+            </a:r>
+            <a:r>
+              <a:rPr lang="pt-BR" sz="1600" dirty="0" err="1">
+                <a:solidFill>
+                  <a:srgbClr val="575756"/>
+                </a:solidFill>
+                <a:latin typeface="Abadi" panose="020B0604020104020204" pitchFamily="34" charset="0"/>
+              </a:rPr>
+              <a:t>Uncle</a:t>
+            </a:r>
+            <a:r>
+              <a:rPr lang="pt-BR" sz="1600" dirty="0">
+                <a:solidFill>
+                  <a:srgbClr val="575756"/>
+                </a:solidFill>
+                <a:latin typeface="Abadi" panose="020B0604020104020204" pitchFamily="34" charset="0"/>
+              </a:rPr>
+              <a:t> Bob em seu artigo “The </a:t>
+            </a:r>
+            <a:r>
+              <a:rPr lang="pt-BR" sz="1600" dirty="0" err="1">
+                <a:solidFill>
+                  <a:srgbClr val="575756"/>
+                </a:solidFill>
+                <a:latin typeface="Abadi" panose="020B0604020104020204" pitchFamily="34" charset="0"/>
+              </a:rPr>
+              <a:t>Principles</a:t>
+            </a:r>
+            <a:r>
+              <a:rPr lang="pt-BR" sz="1600" dirty="0">
+                <a:solidFill>
+                  <a:srgbClr val="575756"/>
+                </a:solidFill>
+                <a:latin typeface="Abadi" panose="020B0604020104020204" pitchFamily="34" charset="0"/>
+              </a:rPr>
+              <a:t> </a:t>
+            </a:r>
+            <a:r>
+              <a:rPr lang="pt-BR" sz="1600" dirty="0" err="1">
+                <a:solidFill>
+                  <a:srgbClr val="575756"/>
+                </a:solidFill>
+                <a:latin typeface="Abadi" panose="020B0604020104020204" pitchFamily="34" charset="0"/>
+              </a:rPr>
+              <a:t>of</a:t>
+            </a:r>
+            <a:r>
+              <a:rPr lang="pt-BR" sz="1600" dirty="0">
+                <a:solidFill>
+                  <a:srgbClr val="575756"/>
+                </a:solidFill>
+                <a:latin typeface="Abadi" panose="020B0604020104020204" pitchFamily="34" charset="0"/>
+              </a:rPr>
+              <a:t> OOD”</a:t>
+            </a:r>
+          </a:p>
+          <a:p>
+            <a:pPr algn="just">
+              <a:lnSpc>
+                <a:spcPct val="100000"/>
+              </a:lnSpc>
+            </a:pPr>
+            <a:r>
+              <a:rPr lang="pt-BR" sz="1600" dirty="0">
+                <a:solidFill>
+                  <a:srgbClr val="575756"/>
+                </a:solidFill>
+                <a:latin typeface="Abadi" panose="020B0604020104020204" pitchFamily="34" charset="0"/>
+              </a:rPr>
+              <a:t>Estes princípios ajudam á escrever um “código mais limpo”, indo de encontro com o que acabamos de abordar sobre Clean Code.</a:t>
+            </a:r>
+          </a:p>
+          <a:p>
+            <a:pPr marL="342900" indent="-342900" algn="just">
+              <a:lnSpc>
+                <a:spcPct val="100000"/>
+              </a:lnSpc>
+              <a:buFont typeface="+mj-lt"/>
+              <a:buAutoNum type="arabicPeriod"/>
+            </a:pPr>
+            <a:r>
+              <a:rPr lang="pt-BR" sz="1400" b="1" i="0" dirty="0">
+                <a:solidFill>
+                  <a:srgbClr val="575756"/>
+                </a:solidFill>
+                <a:effectLst/>
+                <a:latin typeface="Abadi" panose="020B0604020104020204" pitchFamily="34" charset="0"/>
+              </a:rPr>
+              <a:t>S — Single </a:t>
+            </a:r>
+            <a:r>
+              <a:rPr lang="pt-BR" sz="1400" b="1" i="0" dirty="0" err="1">
+                <a:solidFill>
+                  <a:srgbClr val="575756"/>
+                </a:solidFill>
+                <a:effectLst/>
+                <a:latin typeface="Abadi" panose="020B0604020104020204" pitchFamily="34" charset="0"/>
+              </a:rPr>
+              <a:t>Responsiblity</a:t>
+            </a:r>
+            <a:r>
+              <a:rPr lang="pt-BR" sz="1400" b="1" i="0" dirty="0">
+                <a:solidFill>
+                  <a:srgbClr val="575756"/>
+                </a:solidFill>
+                <a:effectLst/>
+                <a:latin typeface="Abadi" panose="020B0604020104020204" pitchFamily="34" charset="0"/>
+              </a:rPr>
+              <a:t> </a:t>
+            </a:r>
+            <a:r>
+              <a:rPr lang="pt-BR" sz="1400" b="1" i="0" dirty="0" err="1">
+                <a:solidFill>
+                  <a:srgbClr val="575756"/>
+                </a:solidFill>
+                <a:effectLst/>
+                <a:latin typeface="Abadi" panose="020B0604020104020204" pitchFamily="34" charset="0"/>
+              </a:rPr>
+              <a:t>Principle</a:t>
+            </a:r>
+            <a:r>
+              <a:rPr lang="pt-BR" sz="1400" b="1" i="0" dirty="0">
+                <a:solidFill>
+                  <a:srgbClr val="575756"/>
+                </a:solidFill>
+                <a:effectLst/>
+                <a:latin typeface="Abadi" panose="020B0604020104020204" pitchFamily="34" charset="0"/>
+              </a:rPr>
+              <a:t> </a:t>
+            </a:r>
+            <a:r>
+              <a:rPr lang="pt-BR" sz="1400" b="0" i="0" dirty="0">
+                <a:solidFill>
+                  <a:srgbClr val="575756"/>
+                </a:solidFill>
+                <a:effectLst/>
+                <a:latin typeface="Abadi" panose="020B0604020104020204" pitchFamily="34" charset="0"/>
+              </a:rPr>
+              <a:t>(Princípio da responsabilidade única)</a:t>
+            </a:r>
+          </a:p>
+          <a:p>
+            <a:pPr marL="342900" indent="-342900" algn="just">
+              <a:lnSpc>
+                <a:spcPct val="100000"/>
+              </a:lnSpc>
+              <a:buFont typeface="+mj-lt"/>
+              <a:buAutoNum type="arabicPeriod"/>
+            </a:pPr>
+            <a:r>
+              <a:rPr lang="pt-BR" sz="1400" b="1" i="0" dirty="0">
+                <a:solidFill>
+                  <a:srgbClr val="575756"/>
+                </a:solidFill>
+                <a:effectLst/>
+                <a:latin typeface="Abadi" panose="020B0604020104020204" pitchFamily="34" charset="0"/>
+              </a:rPr>
+              <a:t>O — Open-</a:t>
+            </a:r>
+            <a:r>
+              <a:rPr lang="pt-BR" sz="1400" b="1" i="0" dirty="0" err="1">
+                <a:solidFill>
+                  <a:srgbClr val="575756"/>
+                </a:solidFill>
+                <a:effectLst/>
+                <a:latin typeface="Abadi" panose="020B0604020104020204" pitchFamily="34" charset="0"/>
+              </a:rPr>
+              <a:t>Closed</a:t>
+            </a:r>
+            <a:r>
+              <a:rPr lang="pt-BR" sz="1400" b="1" i="0" dirty="0">
+                <a:solidFill>
+                  <a:srgbClr val="575756"/>
+                </a:solidFill>
+                <a:effectLst/>
+                <a:latin typeface="Abadi" panose="020B0604020104020204" pitchFamily="34" charset="0"/>
+              </a:rPr>
+              <a:t> </a:t>
+            </a:r>
+            <a:r>
+              <a:rPr lang="pt-BR" sz="1400" b="1" i="0" dirty="0" err="1">
+                <a:solidFill>
+                  <a:srgbClr val="575756"/>
+                </a:solidFill>
+                <a:effectLst/>
+                <a:latin typeface="Abadi" panose="020B0604020104020204" pitchFamily="34" charset="0"/>
+              </a:rPr>
+              <a:t>Principle</a:t>
+            </a:r>
+            <a:r>
+              <a:rPr lang="pt-BR" sz="1400" b="1" i="0" dirty="0">
+                <a:solidFill>
+                  <a:srgbClr val="575756"/>
+                </a:solidFill>
+                <a:effectLst/>
+                <a:latin typeface="Abadi" panose="020B0604020104020204" pitchFamily="34" charset="0"/>
+              </a:rPr>
+              <a:t> </a:t>
+            </a:r>
+            <a:r>
+              <a:rPr lang="pt-BR" sz="1400" b="0" i="0" dirty="0">
+                <a:solidFill>
+                  <a:srgbClr val="575756"/>
+                </a:solidFill>
+                <a:effectLst/>
+                <a:latin typeface="Abadi" panose="020B0604020104020204" pitchFamily="34" charset="0"/>
+              </a:rPr>
+              <a:t>(Princípio Aberto-Fechado)</a:t>
+            </a:r>
+          </a:p>
+          <a:p>
+            <a:pPr marL="342900" indent="-342900" algn="just">
+              <a:lnSpc>
+                <a:spcPct val="100000"/>
+              </a:lnSpc>
+              <a:buFont typeface="+mj-lt"/>
+              <a:buAutoNum type="arabicPeriod"/>
+            </a:pPr>
+            <a:r>
+              <a:rPr lang="pt-BR" sz="1400" b="1" i="0" dirty="0">
+                <a:solidFill>
+                  <a:srgbClr val="575756"/>
+                </a:solidFill>
+                <a:effectLst/>
+                <a:latin typeface="Abadi" panose="020B0604020104020204" pitchFamily="34" charset="0"/>
+              </a:rPr>
+              <a:t>L — </a:t>
+            </a:r>
+            <a:r>
+              <a:rPr lang="pt-BR" sz="1400" b="1" i="0" dirty="0" err="1">
+                <a:solidFill>
+                  <a:srgbClr val="575756"/>
+                </a:solidFill>
+                <a:effectLst/>
+                <a:latin typeface="Abadi" panose="020B0604020104020204" pitchFamily="34" charset="0"/>
+              </a:rPr>
+              <a:t>Liskov</a:t>
+            </a:r>
+            <a:r>
+              <a:rPr lang="pt-BR" sz="1400" b="1" i="0" dirty="0">
+                <a:solidFill>
+                  <a:srgbClr val="575756"/>
+                </a:solidFill>
+                <a:effectLst/>
+                <a:latin typeface="Abadi" panose="020B0604020104020204" pitchFamily="34" charset="0"/>
+              </a:rPr>
+              <a:t> </a:t>
+            </a:r>
+            <a:r>
+              <a:rPr lang="pt-BR" sz="1400" b="1" i="0" dirty="0" err="1">
+                <a:solidFill>
+                  <a:srgbClr val="575756"/>
+                </a:solidFill>
+                <a:effectLst/>
+                <a:latin typeface="Abadi" panose="020B0604020104020204" pitchFamily="34" charset="0"/>
+              </a:rPr>
+              <a:t>Substitution</a:t>
+            </a:r>
+            <a:r>
+              <a:rPr lang="pt-BR" sz="1400" b="1" i="0" dirty="0">
+                <a:solidFill>
+                  <a:srgbClr val="575756"/>
+                </a:solidFill>
+                <a:effectLst/>
+                <a:latin typeface="Abadi" panose="020B0604020104020204" pitchFamily="34" charset="0"/>
+              </a:rPr>
+              <a:t> </a:t>
+            </a:r>
+            <a:r>
+              <a:rPr lang="pt-BR" sz="1400" b="1" i="0" dirty="0" err="1">
+                <a:solidFill>
+                  <a:srgbClr val="575756"/>
+                </a:solidFill>
+                <a:effectLst/>
+                <a:latin typeface="Abadi" panose="020B0604020104020204" pitchFamily="34" charset="0"/>
+              </a:rPr>
+              <a:t>Principle</a:t>
+            </a:r>
+            <a:r>
+              <a:rPr lang="pt-BR" sz="1400" b="1" i="0" dirty="0">
+                <a:solidFill>
+                  <a:srgbClr val="575756"/>
+                </a:solidFill>
+                <a:effectLst/>
+                <a:latin typeface="Abadi" panose="020B0604020104020204" pitchFamily="34" charset="0"/>
+              </a:rPr>
+              <a:t> </a:t>
+            </a:r>
+            <a:r>
+              <a:rPr lang="pt-BR" sz="1400" b="0" i="0" dirty="0">
+                <a:solidFill>
+                  <a:srgbClr val="575756"/>
+                </a:solidFill>
+                <a:effectLst/>
+                <a:latin typeface="Abadi" panose="020B0604020104020204" pitchFamily="34" charset="0"/>
+              </a:rPr>
+              <a:t>(Princípio da substituição de </a:t>
+            </a:r>
+            <a:r>
+              <a:rPr lang="pt-BR" sz="1400" b="0" i="0" dirty="0" err="1">
+                <a:solidFill>
+                  <a:srgbClr val="575756"/>
+                </a:solidFill>
+                <a:effectLst/>
+                <a:latin typeface="Abadi" panose="020B0604020104020204" pitchFamily="34" charset="0"/>
+              </a:rPr>
+              <a:t>Liskov</a:t>
+            </a:r>
+            <a:r>
+              <a:rPr lang="pt-BR" sz="1400" b="0" i="0" dirty="0">
+                <a:solidFill>
+                  <a:srgbClr val="575756"/>
+                </a:solidFill>
+                <a:effectLst/>
+                <a:latin typeface="Abadi" panose="020B0604020104020204" pitchFamily="34" charset="0"/>
+              </a:rPr>
+              <a:t>)</a:t>
+            </a:r>
+          </a:p>
+          <a:p>
+            <a:pPr marL="342900" indent="-342900" algn="just">
+              <a:lnSpc>
+                <a:spcPct val="100000"/>
+              </a:lnSpc>
+              <a:buFont typeface="+mj-lt"/>
+              <a:buAutoNum type="arabicPeriod"/>
+            </a:pPr>
+            <a:r>
+              <a:rPr lang="pt-BR" sz="1400" b="1" i="0" dirty="0">
+                <a:solidFill>
+                  <a:srgbClr val="575756"/>
+                </a:solidFill>
+                <a:effectLst/>
+                <a:latin typeface="Abadi" panose="020B0604020104020204" pitchFamily="34" charset="0"/>
+              </a:rPr>
+              <a:t>I — Interface </a:t>
+            </a:r>
+            <a:r>
+              <a:rPr lang="pt-BR" sz="1400" b="1" i="0" dirty="0" err="1">
+                <a:solidFill>
+                  <a:srgbClr val="575756"/>
+                </a:solidFill>
+                <a:effectLst/>
+                <a:latin typeface="Abadi" panose="020B0604020104020204" pitchFamily="34" charset="0"/>
+              </a:rPr>
+              <a:t>Segregation</a:t>
+            </a:r>
+            <a:r>
+              <a:rPr lang="pt-BR" sz="1400" b="1" i="0" dirty="0">
+                <a:solidFill>
+                  <a:srgbClr val="575756"/>
+                </a:solidFill>
+                <a:effectLst/>
+                <a:latin typeface="Abadi" panose="020B0604020104020204" pitchFamily="34" charset="0"/>
+              </a:rPr>
+              <a:t> </a:t>
+            </a:r>
+            <a:r>
+              <a:rPr lang="pt-BR" sz="1400" b="1" i="0" dirty="0" err="1">
+                <a:solidFill>
+                  <a:srgbClr val="575756"/>
+                </a:solidFill>
+                <a:effectLst/>
+                <a:latin typeface="Abadi" panose="020B0604020104020204" pitchFamily="34" charset="0"/>
+              </a:rPr>
+              <a:t>Principle</a:t>
+            </a:r>
+            <a:r>
+              <a:rPr lang="pt-BR" sz="1400" b="1" i="0" dirty="0">
+                <a:solidFill>
+                  <a:srgbClr val="575756"/>
+                </a:solidFill>
+                <a:effectLst/>
+                <a:latin typeface="Abadi" panose="020B0604020104020204" pitchFamily="34" charset="0"/>
+              </a:rPr>
+              <a:t> </a:t>
+            </a:r>
+            <a:r>
+              <a:rPr lang="pt-BR" sz="1400" b="0" i="0" dirty="0">
+                <a:solidFill>
+                  <a:srgbClr val="575756"/>
+                </a:solidFill>
+                <a:effectLst/>
+                <a:latin typeface="Abadi" panose="020B0604020104020204" pitchFamily="34" charset="0"/>
+              </a:rPr>
+              <a:t>(Princípio da Segregação da Interface)</a:t>
+            </a:r>
+          </a:p>
+          <a:p>
+            <a:pPr marL="342900" indent="-342900" algn="just">
+              <a:lnSpc>
+                <a:spcPct val="100000"/>
+              </a:lnSpc>
+              <a:buFont typeface="+mj-lt"/>
+              <a:buAutoNum type="arabicPeriod"/>
+            </a:pPr>
+            <a:r>
+              <a:rPr lang="pt-BR" sz="1400" b="1" i="0" dirty="0">
+                <a:solidFill>
+                  <a:srgbClr val="575756"/>
+                </a:solidFill>
+                <a:effectLst/>
+                <a:latin typeface="Abadi" panose="020B0604020104020204" pitchFamily="34" charset="0"/>
+              </a:rPr>
+              <a:t>D — </a:t>
+            </a:r>
+            <a:r>
+              <a:rPr lang="pt-BR" sz="1400" b="1" i="0" dirty="0" err="1">
+                <a:solidFill>
+                  <a:srgbClr val="575756"/>
+                </a:solidFill>
+                <a:effectLst/>
+                <a:latin typeface="Abadi" panose="020B0604020104020204" pitchFamily="34" charset="0"/>
+              </a:rPr>
+              <a:t>Dependency</a:t>
+            </a:r>
+            <a:r>
+              <a:rPr lang="pt-BR" sz="1400" b="1" i="0" dirty="0">
+                <a:solidFill>
+                  <a:srgbClr val="575756"/>
+                </a:solidFill>
+                <a:effectLst/>
+                <a:latin typeface="Abadi" panose="020B0604020104020204" pitchFamily="34" charset="0"/>
+              </a:rPr>
+              <a:t> </a:t>
+            </a:r>
+            <a:r>
+              <a:rPr lang="pt-BR" sz="1400" b="1" i="0" dirty="0" err="1">
+                <a:solidFill>
+                  <a:srgbClr val="575756"/>
+                </a:solidFill>
+                <a:effectLst/>
+                <a:latin typeface="Abadi" panose="020B0604020104020204" pitchFamily="34" charset="0"/>
+              </a:rPr>
+              <a:t>Inversion</a:t>
+            </a:r>
+            <a:r>
+              <a:rPr lang="pt-BR" sz="1400" b="1" i="0" dirty="0">
+                <a:solidFill>
+                  <a:srgbClr val="575756"/>
+                </a:solidFill>
+                <a:effectLst/>
+                <a:latin typeface="Abadi" panose="020B0604020104020204" pitchFamily="34" charset="0"/>
+              </a:rPr>
+              <a:t> </a:t>
+            </a:r>
+            <a:r>
+              <a:rPr lang="pt-BR" sz="1400" b="1" i="0" dirty="0" err="1">
+                <a:solidFill>
+                  <a:srgbClr val="575756"/>
+                </a:solidFill>
+                <a:effectLst/>
+                <a:latin typeface="Abadi" panose="020B0604020104020204" pitchFamily="34" charset="0"/>
+              </a:rPr>
+              <a:t>Principle</a:t>
+            </a:r>
+            <a:r>
+              <a:rPr lang="pt-BR" sz="1400" b="1" i="0" dirty="0">
+                <a:solidFill>
+                  <a:srgbClr val="575756"/>
+                </a:solidFill>
+                <a:effectLst/>
+                <a:latin typeface="Abadi" panose="020B0604020104020204" pitchFamily="34" charset="0"/>
+              </a:rPr>
+              <a:t> </a:t>
+            </a:r>
+            <a:r>
+              <a:rPr lang="pt-BR" sz="1400" b="0" i="0" dirty="0">
+                <a:solidFill>
+                  <a:srgbClr val="575756"/>
+                </a:solidFill>
+                <a:effectLst/>
+                <a:latin typeface="Abadi" panose="020B0604020104020204" pitchFamily="34" charset="0"/>
+              </a:rPr>
+              <a:t>(Princípio da inversão da dependência)</a:t>
+            </a:r>
+          </a:p>
+          <a:p>
+            <a:pPr marL="342900" indent="-342900" algn="just">
+              <a:lnSpc>
+                <a:spcPct val="100000"/>
+              </a:lnSpc>
+              <a:buFont typeface="+mj-lt"/>
+              <a:buAutoNum type="arabicPeriod"/>
+            </a:pPr>
+            <a:endParaRPr lang="pt-BR" sz="1600" dirty="0">
+              <a:solidFill>
+                <a:srgbClr val="575756"/>
+              </a:solidFill>
+              <a:latin typeface="Abadi" panose="020B0604020104020204" pitchFamily="34" charset="0"/>
+            </a:endParaRPr>
+          </a:p>
+          <a:p>
+            <a:pPr algn="just">
+              <a:lnSpc>
+                <a:spcPct val="100000"/>
+              </a:lnSpc>
+            </a:pPr>
+            <a:endParaRPr lang="pt-BR" sz="1600" dirty="0">
+              <a:solidFill>
+                <a:srgbClr val="575756"/>
+              </a:solidFill>
+              <a:latin typeface="Abadi" panose="020B0604020104020204" pitchFamily="34" charset="0"/>
+            </a:endParaRPr>
+          </a:p>
+        </p:txBody>
+      </p:sp>
+      <p:sp>
+        <p:nvSpPr>
+          <p:cNvPr id="6" name="Título 1">
+            <a:extLst>
+              <a:ext uri="{FF2B5EF4-FFF2-40B4-BE49-F238E27FC236}">
+                <a16:creationId xmlns:a16="http://schemas.microsoft.com/office/drawing/2014/main" id="{29506E41-E78A-4624-9442-2C05FCDFFDD1}"/>
+              </a:ext>
+            </a:extLst>
+          </p:cNvPr>
+          <p:cNvSpPr txBox="1">
+            <a:spLocks/>
+          </p:cNvSpPr>
+          <p:nvPr/>
+        </p:nvSpPr>
+        <p:spPr>
+          <a:xfrm>
+            <a:off x="838201" y="446314"/>
+            <a:ext cx="3423406" cy="2780051"/>
           </a:xfrm>
           <a:prstGeom prst="rect">
             <a:avLst/>
           </a:prstGeom>
         </p:spPr>
-      </p:pic>
+        <p:txBody>
+          <a:bodyPr vert="horz" lIns="91440" tIns="45720" rIns="91440" bIns="45720" rtlCol="0" anchor="ctr">
+            <a:normAutofit fontScale="97500"/>
+          </a:bodyPr>
+          <a:lstStyle>
+            <a:lvl1pPr algn="l" defTabSz="914400" rtl="0" eaLnBrk="1" latinLnBrk="0" hangingPunct="1">
+              <a:lnSpc>
+                <a:spcPct val="90000"/>
+              </a:lnSpc>
+              <a:spcBef>
+                <a:spcPct val="0"/>
+              </a:spcBef>
+              <a:buNone/>
+              <a:defRPr sz="4400" kern="1200">
+                <a:solidFill>
+                  <a:schemeClr val="tx1"/>
+                </a:solidFill>
+                <a:latin typeface="+mj-lt"/>
+                <a:ea typeface="+mj-ea"/>
+                <a:cs typeface="+mj-cs"/>
+              </a:defRPr>
+            </a:lvl1pPr>
+          </a:lstStyle>
+          <a:p>
+            <a:r>
+              <a:rPr lang="pt-BR" b="1" dirty="0">
+                <a:solidFill>
+                  <a:srgbClr val="22438A"/>
+                </a:solidFill>
+                <a:latin typeface="Asap" panose="00000500000000000000" pitchFamily="2" charset="0"/>
+              </a:rPr>
+              <a:t>Princípios</a:t>
+            </a:r>
+          </a:p>
+          <a:p>
+            <a:r>
+              <a:rPr lang="pt-BR" b="1" dirty="0">
+                <a:solidFill>
+                  <a:srgbClr val="22438A"/>
+                </a:solidFill>
+                <a:latin typeface="Asap" panose="00000500000000000000" pitchFamily="2" charset="0"/>
+              </a:rPr>
+              <a:t>S.O.L.I.D</a:t>
+            </a:r>
+          </a:p>
+        </p:txBody>
+      </p:sp>
+      <p:sp>
+        <p:nvSpPr>
+          <p:cNvPr id="5" name="Espaço Reservado para Conteúdo 2">
+            <a:extLst>
+              <a:ext uri="{FF2B5EF4-FFF2-40B4-BE49-F238E27FC236}">
+                <a16:creationId xmlns:a16="http://schemas.microsoft.com/office/drawing/2014/main" id="{298CF56C-531D-456B-926E-E1934EBBFA79}"/>
+              </a:ext>
+            </a:extLst>
+          </p:cNvPr>
+          <p:cNvSpPr txBox="1">
+            <a:spLocks/>
+          </p:cNvSpPr>
+          <p:nvPr/>
+        </p:nvSpPr>
+        <p:spPr>
+          <a:xfrm>
+            <a:off x="3885176" y="1430000"/>
+            <a:ext cx="7350904" cy="4403272"/>
+          </a:xfrm>
+          <a:prstGeom prst="rect">
+            <a:avLst/>
+          </a:prstGeom>
+        </p:spPr>
+        <p:txBody>
+          <a:bodyPr vert="horz" lIns="91440" tIns="45720" rIns="91440" bIns="45720" rtlCol="0">
+            <a:normAutofit/>
+          </a:bodyPr>
+          <a:lstStyle>
+            <a:lvl1pPr marL="228600" indent="-228600" algn="l" defTabSz="914400" rtl="0" eaLnBrk="1" latinLnBrk="0" hangingPunct="1">
+              <a:lnSpc>
+                <a:spcPct val="90000"/>
+              </a:lnSpc>
+              <a:spcBef>
+                <a:spcPts val="1000"/>
+              </a:spcBef>
+              <a:buFont typeface="Arial" panose="020B0604020202020204" pitchFamily="34" charset="0"/>
+              <a:buChar char="•"/>
+              <a:defRPr sz="2800" kern="1200">
+                <a:solidFill>
+                  <a:schemeClr val="tx1"/>
+                </a:solidFill>
+                <a:latin typeface="+mn-lt"/>
+                <a:ea typeface="+mn-ea"/>
+                <a:cs typeface="+mn-cs"/>
+              </a:defRPr>
+            </a:lvl1pPr>
+            <a:lvl2pPr marL="685800" indent="-228600" algn="l" defTabSz="914400" rtl="0" eaLnBrk="1" latinLnBrk="0" hangingPunct="1">
+              <a:lnSpc>
+                <a:spcPct val="90000"/>
+              </a:lnSpc>
+              <a:spcBef>
+                <a:spcPts val="500"/>
+              </a:spcBef>
+              <a:buFont typeface="Arial" panose="020B0604020202020204" pitchFamily="34" charset="0"/>
+              <a:buChar char="•"/>
+              <a:defRPr sz="2400" kern="1200">
+                <a:solidFill>
+                  <a:schemeClr val="tx1"/>
+                </a:solidFill>
+                <a:latin typeface="+mn-lt"/>
+                <a:ea typeface="+mn-ea"/>
+                <a:cs typeface="+mn-cs"/>
+              </a:defRPr>
+            </a:lvl2pPr>
+            <a:lvl3pPr marL="1143000" indent="-228600" algn="l" defTabSz="914400" rtl="0" eaLnBrk="1" latinLnBrk="0" hangingPunct="1">
+              <a:lnSpc>
+                <a:spcPct val="90000"/>
+              </a:lnSpc>
+              <a:spcBef>
+                <a:spcPts val="500"/>
+              </a:spcBef>
+              <a:buFont typeface="Arial" panose="020B0604020202020204" pitchFamily="34" charset="0"/>
+              <a:buChar char="•"/>
+              <a:defRPr sz="2000" kern="1200">
+                <a:solidFill>
+                  <a:schemeClr val="tx1"/>
+                </a:solidFill>
+                <a:latin typeface="+mn-lt"/>
+                <a:ea typeface="+mn-ea"/>
+                <a:cs typeface="+mn-cs"/>
+              </a:defRPr>
+            </a:lvl3pPr>
+            <a:lvl4pPr marL="1600200" indent="-228600" algn="l" defTabSz="914400" rtl="0" eaLnBrk="1" latinLnBrk="0" hangingPunct="1">
+              <a:lnSpc>
+                <a:spcPct val="90000"/>
+              </a:lnSpc>
+              <a:spcBef>
+                <a:spcPts val="500"/>
+              </a:spcBef>
+              <a:buFont typeface="Arial" panose="020B0604020202020204" pitchFamily="34" charset="0"/>
+              <a:buChar char="•"/>
+              <a:defRPr sz="1800" kern="1200">
+                <a:solidFill>
+                  <a:schemeClr val="tx1"/>
+                </a:solidFill>
+                <a:latin typeface="+mn-lt"/>
+                <a:ea typeface="+mn-ea"/>
+                <a:cs typeface="+mn-cs"/>
+              </a:defRPr>
+            </a:lvl4pPr>
+            <a:lvl5pPr marL="2057400" indent="-228600" algn="l" defTabSz="914400" rtl="0" eaLnBrk="1" latinLnBrk="0" hangingPunct="1">
+              <a:lnSpc>
+                <a:spcPct val="90000"/>
+              </a:lnSpc>
+              <a:spcBef>
+                <a:spcPts val="500"/>
+              </a:spcBef>
+              <a:buFont typeface="Arial" panose="020B0604020202020204" pitchFamily="34" charset="0"/>
+              <a:buChar char="•"/>
+              <a:defRPr sz="1800" kern="1200">
+                <a:solidFill>
+                  <a:schemeClr val="tx1"/>
+                </a:solidFill>
+                <a:latin typeface="+mn-lt"/>
+                <a:ea typeface="+mn-ea"/>
+                <a:cs typeface="+mn-cs"/>
+              </a:defRPr>
+            </a:lvl5pPr>
+            <a:lvl6pPr marL="2514600" indent="-228600" algn="l" defTabSz="914400" rtl="0" eaLnBrk="1" latinLnBrk="0" hangingPunct="1">
+              <a:lnSpc>
+                <a:spcPct val="90000"/>
+              </a:lnSpc>
+              <a:spcBef>
+                <a:spcPts val="500"/>
+              </a:spcBef>
+              <a:buFont typeface="Arial" panose="020B0604020202020204" pitchFamily="34" charset="0"/>
+              <a:buChar char="•"/>
+              <a:defRPr sz="1800" kern="1200">
+                <a:solidFill>
+                  <a:schemeClr val="tx1"/>
+                </a:solidFill>
+                <a:latin typeface="+mn-lt"/>
+                <a:ea typeface="+mn-ea"/>
+                <a:cs typeface="+mn-cs"/>
+              </a:defRPr>
+            </a:lvl6pPr>
+            <a:lvl7pPr marL="2971800" indent="-228600" algn="l" defTabSz="914400" rtl="0" eaLnBrk="1" latinLnBrk="0" hangingPunct="1">
+              <a:lnSpc>
+                <a:spcPct val="90000"/>
+              </a:lnSpc>
+              <a:spcBef>
+                <a:spcPts val="500"/>
+              </a:spcBef>
+              <a:buFont typeface="Arial" panose="020B0604020202020204" pitchFamily="34" charset="0"/>
+              <a:buChar char="•"/>
+              <a:defRPr sz="1800" kern="1200">
+                <a:solidFill>
+                  <a:schemeClr val="tx1"/>
+                </a:solidFill>
+                <a:latin typeface="+mn-lt"/>
+                <a:ea typeface="+mn-ea"/>
+                <a:cs typeface="+mn-cs"/>
+              </a:defRPr>
+            </a:lvl7pPr>
+            <a:lvl8pPr marL="3429000" indent="-228600" algn="l" defTabSz="914400" rtl="0" eaLnBrk="1" latinLnBrk="0" hangingPunct="1">
+              <a:lnSpc>
+                <a:spcPct val="90000"/>
+              </a:lnSpc>
+              <a:spcBef>
+                <a:spcPts val="500"/>
+              </a:spcBef>
+              <a:buFont typeface="Arial" panose="020B0604020202020204" pitchFamily="34" charset="0"/>
+              <a:buChar char="•"/>
+              <a:defRPr sz="1800" kern="1200">
+                <a:solidFill>
+                  <a:schemeClr val="tx1"/>
+                </a:solidFill>
+                <a:latin typeface="+mn-lt"/>
+                <a:ea typeface="+mn-ea"/>
+                <a:cs typeface="+mn-cs"/>
+              </a:defRPr>
+            </a:lvl8pPr>
+            <a:lvl9pPr marL="3886200" indent="-228600" algn="l" defTabSz="914400" rtl="0" eaLnBrk="1" latinLnBrk="0" hangingPunct="1">
+              <a:lnSpc>
+                <a:spcPct val="90000"/>
+              </a:lnSpc>
+              <a:spcBef>
+                <a:spcPts val="500"/>
+              </a:spcBef>
+              <a:buFont typeface="Arial" panose="020B0604020202020204" pitchFamily="34" charset="0"/>
+              <a:buChar char="•"/>
+              <a:defRPr sz="1800" kern="1200">
+                <a:solidFill>
+                  <a:schemeClr val="tx1"/>
+                </a:solidFill>
+                <a:latin typeface="+mn-lt"/>
+                <a:ea typeface="+mn-ea"/>
+                <a:cs typeface="+mn-cs"/>
+              </a:defRPr>
+            </a:lvl9pPr>
+          </a:lstStyle>
+          <a:p>
+            <a:pPr marL="0" indent="0">
+              <a:lnSpc>
+                <a:spcPct val="100000"/>
+              </a:lnSpc>
+              <a:buFont typeface="Arial" panose="020B0604020202020204" pitchFamily="34" charset="0"/>
+              <a:buNone/>
+            </a:pPr>
+            <a:r>
+              <a:rPr lang="pt-BR" sz="2600" dirty="0">
+                <a:solidFill>
+                  <a:srgbClr val="575756"/>
+                </a:solidFill>
+                <a:latin typeface="Asap" panose="00000500000000000000" pitchFamily="2" charset="0"/>
+              </a:rPr>
+              <a:t> </a:t>
+            </a:r>
+          </a:p>
+        </p:txBody>
+      </p:sp>
+      <p:sp>
+        <p:nvSpPr>
+          <p:cNvPr id="2" name="Retângulo 1">
+            <a:extLst>
+              <a:ext uri="{FF2B5EF4-FFF2-40B4-BE49-F238E27FC236}">
+                <a16:creationId xmlns:a16="http://schemas.microsoft.com/office/drawing/2014/main" id="{B27DA566-28A9-E130-0923-162C55FC711E}"/>
+              </a:ext>
+            </a:extLst>
+          </p:cNvPr>
+          <p:cNvSpPr/>
+          <p:nvPr/>
+        </p:nvSpPr>
+        <p:spPr>
+          <a:xfrm>
+            <a:off x="4135772" y="2674189"/>
+            <a:ext cx="6371202" cy="1837426"/>
+          </a:xfrm>
+          <a:prstGeom prst="rect">
+            <a:avLst/>
+          </a:prstGeom>
+          <a:noFill/>
+          <a:ln w="9525" cap="flat" cmpd="sng" algn="ctr">
+            <a:solidFill>
+              <a:schemeClr val="accent1"/>
+            </a:solidFill>
+            <a:prstDash val="solid"/>
+            <a:round/>
+            <a:headEnd type="none" w="med" len="med"/>
+            <a:tailEnd type="none" w="med" len="med"/>
+          </a:ln>
+        </p:spPr>
+        <p:style>
+          <a:lnRef idx="0">
+            <a:scrgbClr r="0" g="0" b="0"/>
+          </a:lnRef>
+          <a:fillRef idx="0">
+            <a:scrgbClr r="0" g="0" b="0"/>
+          </a:fillRef>
+          <a:effectRef idx="0">
+            <a:scrgbClr r="0" g="0" b="0"/>
+          </a:effectRef>
+          <a:fontRef idx="minor">
+            <a:schemeClr val="accent1"/>
+          </a:fontRef>
+        </p:style>
+        <p:txBody>
+          <a:bodyPr rtlCol="0" anchor="ctr"/>
+          <a:lstStyle/>
+          <a:p>
+            <a:pPr algn="ctr"/>
+            <a:endParaRPr lang="pt-BR"/>
+          </a:p>
+        </p:txBody>
+      </p:sp>
     </p:spTree>
     <p:extLst>
       <p:ext uri="{BB962C8B-B14F-4D97-AF65-F5344CB8AC3E}">
-        <p14:creationId xmlns:p14="http://schemas.microsoft.com/office/powerpoint/2010/main" val="349006579"/>
+        <p14:creationId xmlns:p14="http://schemas.microsoft.com/office/powerpoint/2010/main" val="240303991"/>
       </p:ext>
     </p:extLst>
   </p:cSld>
@@ -9387,563 +12080,45 @@
           <a:chExt cx="0" cy="0"/>
         </a:xfrm>
       </p:grpSpPr>
-      <p:sp>
-        <p:nvSpPr>
-          <p:cNvPr id="3" name="Espaço Reservado para Conteúdo 2">
+      <p:pic>
+        <p:nvPicPr>
+          <p:cNvPr id="5" name="Imagem 4">
             <a:extLst>
               <a:ext uri="{FF2B5EF4-FFF2-40B4-BE49-F238E27FC236}">
-                <a16:creationId xmlns:a16="http://schemas.microsoft.com/office/drawing/2014/main" id="{40381986-94CF-4578-8578-5FEC2FA85378}"/>
+                <a16:creationId xmlns:a16="http://schemas.microsoft.com/office/drawing/2014/main" id="{84D71492-638A-487D-8EE9-9C007E9C50DC}"/>
               </a:ext>
             </a:extLst>
           </p:cNvPr>
-          <p:cNvSpPr>
-            <a:spLocks noGrp="1"/>
-          </p:cNvSpPr>
-          <p:nvPr>
-            <p:ph idx="1"/>
-          </p:nvPr>
-        </p:nvSpPr>
+          <p:cNvPicPr>
+            <a:picLocks noChangeAspect="1"/>
+          </p:cNvPicPr>
+          <p:nvPr/>
+        </p:nvPicPr>
+        <p:blipFill>
+          <a:blip r:embed="rId2">
+            <a:extLst>
+              <a:ext uri="{28A0092B-C50C-407E-A947-70E740481C1C}">
+                <a14:useLocalDpi xmlns:a14="http://schemas.microsoft.com/office/drawing/2010/main" val="0"/>
+              </a:ext>
+            </a:extLst>
+          </a:blip>
+          <a:srcRect/>
+          <a:stretch/>
+        </p:blipFill>
         <p:spPr>
           <a:xfrm>
-            <a:off x="4135772" y="1227364"/>
-            <a:ext cx="6715489" cy="4403272"/>
-          </a:xfrm>
-        </p:spPr>
-        <p:txBody>
-          <a:bodyPr>
-            <a:normAutofit/>
-          </a:bodyPr>
-          <a:lstStyle/>
-          <a:p>
-            <a:pPr marL="342900" indent="-342900" algn="just">
-              <a:lnSpc>
-                <a:spcPct val="100000"/>
-              </a:lnSpc>
-              <a:buFont typeface="+mj-lt"/>
-              <a:buAutoNum type="arabicPeriod"/>
-            </a:pPr>
-            <a:endParaRPr lang="pt-BR" sz="1600" dirty="0">
-              <a:solidFill>
-                <a:srgbClr val="575756"/>
-              </a:solidFill>
-              <a:latin typeface="Abadi" panose="020B0604020104020204" pitchFamily="34" charset="0"/>
-            </a:endParaRPr>
-          </a:p>
-          <a:p>
-            <a:pPr algn="just">
-              <a:lnSpc>
-                <a:spcPct val="100000"/>
-              </a:lnSpc>
-            </a:pPr>
-            <a:endParaRPr lang="pt-BR" sz="1600" dirty="0">
-              <a:solidFill>
-                <a:srgbClr val="575756"/>
-              </a:solidFill>
-              <a:latin typeface="Abadi" panose="020B0604020104020204" pitchFamily="34" charset="0"/>
-            </a:endParaRPr>
-          </a:p>
-        </p:txBody>
-      </p:sp>
-      <p:sp>
-        <p:nvSpPr>
-          <p:cNvPr id="6" name="Título 1">
-            <a:extLst>
-              <a:ext uri="{FF2B5EF4-FFF2-40B4-BE49-F238E27FC236}">
-                <a16:creationId xmlns:a16="http://schemas.microsoft.com/office/drawing/2014/main" id="{29506E41-E78A-4624-9442-2C05FCDFFDD1}"/>
-              </a:ext>
-            </a:extLst>
-          </p:cNvPr>
-          <p:cNvSpPr txBox="1">
-            <a:spLocks/>
-          </p:cNvSpPr>
-          <p:nvPr/>
-        </p:nvSpPr>
-        <p:spPr>
-          <a:xfrm>
-            <a:off x="838201" y="446314"/>
-            <a:ext cx="3423406" cy="2780051"/>
+            <a:off x="593" y="0"/>
+            <a:ext cx="12190814" cy="6858000"/>
           </a:xfrm>
           <a:prstGeom prst="rect">
             <a:avLst/>
           </a:prstGeom>
         </p:spPr>
-        <p:txBody>
-          <a:bodyPr vert="horz" lIns="91440" tIns="45720" rIns="91440" bIns="45720" rtlCol="0" anchor="ctr">
-            <a:normAutofit fontScale="97500"/>
-          </a:bodyPr>
-          <a:lstStyle>
-            <a:lvl1pPr algn="l" defTabSz="914400" rtl="0" eaLnBrk="1" latinLnBrk="0" hangingPunct="1">
-              <a:lnSpc>
-                <a:spcPct val="90000"/>
-              </a:lnSpc>
-              <a:spcBef>
-                <a:spcPct val="0"/>
-              </a:spcBef>
-              <a:buNone/>
-              <a:defRPr sz="4400" kern="1200">
-                <a:solidFill>
-                  <a:schemeClr val="tx1"/>
-                </a:solidFill>
-                <a:latin typeface="+mj-lt"/>
-                <a:ea typeface="+mj-ea"/>
-                <a:cs typeface="+mj-cs"/>
-              </a:defRPr>
-            </a:lvl1pPr>
-          </a:lstStyle>
-          <a:p>
-            <a:r>
-              <a:rPr lang="pt-BR" b="1" dirty="0">
-                <a:solidFill>
-                  <a:srgbClr val="22438A"/>
-                </a:solidFill>
-                <a:latin typeface="Asap" panose="00000500000000000000" pitchFamily="2" charset="0"/>
-              </a:rPr>
-              <a:t>O que é</a:t>
-            </a:r>
-          </a:p>
-          <a:p>
-            <a:r>
-              <a:rPr lang="pt-BR" b="1" dirty="0">
-                <a:solidFill>
-                  <a:srgbClr val="22438A"/>
-                </a:solidFill>
-                <a:latin typeface="Asap" panose="00000500000000000000" pitchFamily="2" charset="0"/>
-              </a:rPr>
-              <a:t>DDD</a:t>
-            </a:r>
-          </a:p>
-        </p:txBody>
-      </p:sp>
-      <p:sp>
-        <p:nvSpPr>
-          <p:cNvPr id="5" name="Espaço Reservado para Conteúdo 2">
-            <a:extLst>
-              <a:ext uri="{FF2B5EF4-FFF2-40B4-BE49-F238E27FC236}">
-                <a16:creationId xmlns:a16="http://schemas.microsoft.com/office/drawing/2014/main" id="{298CF56C-531D-456B-926E-E1934EBBFA79}"/>
-              </a:ext>
-            </a:extLst>
-          </p:cNvPr>
-          <p:cNvSpPr txBox="1">
-            <a:spLocks/>
-          </p:cNvSpPr>
-          <p:nvPr/>
-        </p:nvSpPr>
-        <p:spPr>
-          <a:xfrm>
-            <a:off x="3885176" y="1430000"/>
-            <a:ext cx="7350904" cy="4403272"/>
-          </a:xfrm>
-          <a:prstGeom prst="rect">
-            <a:avLst/>
-          </a:prstGeom>
-        </p:spPr>
-        <p:txBody>
-          <a:bodyPr vert="horz" lIns="91440" tIns="45720" rIns="91440" bIns="45720" rtlCol="0">
-            <a:normAutofit/>
-          </a:bodyPr>
-          <a:lstStyle>
-            <a:lvl1pPr marL="228600" indent="-228600" algn="l" defTabSz="914400" rtl="0" eaLnBrk="1" latinLnBrk="0" hangingPunct="1">
-              <a:lnSpc>
-                <a:spcPct val="90000"/>
-              </a:lnSpc>
-              <a:spcBef>
-                <a:spcPts val="1000"/>
-              </a:spcBef>
-              <a:buFont typeface="Arial" panose="020B0604020202020204" pitchFamily="34" charset="0"/>
-              <a:buChar char="•"/>
-              <a:defRPr sz="2800" kern="1200">
-                <a:solidFill>
-                  <a:schemeClr val="tx1"/>
-                </a:solidFill>
-                <a:latin typeface="+mn-lt"/>
-                <a:ea typeface="+mn-ea"/>
-                <a:cs typeface="+mn-cs"/>
-              </a:defRPr>
-            </a:lvl1pPr>
-            <a:lvl2pPr marL="685800" indent="-228600" algn="l" defTabSz="914400" rtl="0" eaLnBrk="1" latinLnBrk="0" hangingPunct="1">
-              <a:lnSpc>
-                <a:spcPct val="90000"/>
-              </a:lnSpc>
-              <a:spcBef>
-                <a:spcPts val="500"/>
-              </a:spcBef>
-              <a:buFont typeface="Arial" panose="020B0604020202020204" pitchFamily="34" charset="0"/>
-              <a:buChar char="•"/>
-              <a:defRPr sz="2400" kern="1200">
-                <a:solidFill>
-                  <a:schemeClr val="tx1"/>
-                </a:solidFill>
-                <a:latin typeface="+mn-lt"/>
-                <a:ea typeface="+mn-ea"/>
-                <a:cs typeface="+mn-cs"/>
-              </a:defRPr>
-            </a:lvl2pPr>
-            <a:lvl3pPr marL="1143000" indent="-228600" algn="l" defTabSz="914400" rtl="0" eaLnBrk="1" latinLnBrk="0" hangingPunct="1">
-              <a:lnSpc>
-                <a:spcPct val="90000"/>
-              </a:lnSpc>
-              <a:spcBef>
-                <a:spcPts val="500"/>
-              </a:spcBef>
-              <a:buFont typeface="Arial" panose="020B0604020202020204" pitchFamily="34" charset="0"/>
-              <a:buChar char="•"/>
-              <a:defRPr sz="2000" kern="1200">
-                <a:solidFill>
-                  <a:schemeClr val="tx1"/>
-                </a:solidFill>
-                <a:latin typeface="+mn-lt"/>
-                <a:ea typeface="+mn-ea"/>
-                <a:cs typeface="+mn-cs"/>
-              </a:defRPr>
-            </a:lvl3pPr>
-            <a:lvl4pPr marL="1600200" indent="-228600" algn="l" defTabSz="914400" rtl="0" eaLnBrk="1" latinLnBrk="0" hangingPunct="1">
-              <a:lnSpc>
-                <a:spcPct val="90000"/>
-              </a:lnSpc>
-              <a:spcBef>
-                <a:spcPts val="500"/>
-              </a:spcBef>
-              <a:buFont typeface="Arial" panose="020B0604020202020204" pitchFamily="34" charset="0"/>
-              <a:buChar char="•"/>
-              <a:defRPr sz="1800" kern="1200">
-                <a:solidFill>
-                  <a:schemeClr val="tx1"/>
-                </a:solidFill>
-                <a:latin typeface="+mn-lt"/>
-                <a:ea typeface="+mn-ea"/>
-                <a:cs typeface="+mn-cs"/>
-              </a:defRPr>
-            </a:lvl4pPr>
-            <a:lvl5pPr marL="2057400" indent="-228600" algn="l" defTabSz="914400" rtl="0" eaLnBrk="1" latinLnBrk="0" hangingPunct="1">
-              <a:lnSpc>
-                <a:spcPct val="90000"/>
-              </a:lnSpc>
-              <a:spcBef>
-                <a:spcPts val="500"/>
-              </a:spcBef>
-              <a:buFont typeface="Arial" panose="020B0604020202020204" pitchFamily="34" charset="0"/>
-              <a:buChar char="•"/>
-              <a:defRPr sz="1800" kern="1200">
-                <a:solidFill>
-                  <a:schemeClr val="tx1"/>
-                </a:solidFill>
-                <a:latin typeface="+mn-lt"/>
-                <a:ea typeface="+mn-ea"/>
-                <a:cs typeface="+mn-cs"/>
-              </a:defRPr>
-            </a:lvl5pPr>
-            <a:lvl6pPr marL="2514600" indent="-228600" algn="l" defTabSz="914400" rtl="0" eaLnBrk="1" latinLnBrk="0" hangingPunct="1">
-              <a:lnSpc>
-                <a:spcPct val="90000"/>
-              </a:lnSpc>
-              <a:spcBef>
-                <a:spcPts val="500"/>
-              </a:spcBef>
-              <a:buFont typeface="Arial" panose="020B0604020202020204" pitchFamily="34" charset="0"/>
-              <a:buChar char="•"/>
-              <a:defRPr sz="1800" kern="1200">
-                <a:solidFill>
-                  <a:schemeClr val="tx1"/>
-                </a:solidFill>
-                <a:latin typeface="+mn-lt"/>
-                <a:ea typeface="+mn-ea"/>
-                <a:cs typeface="+mn-cs"/>
-              </a:defRPr>
-            </a:lvl6pPr>
-            <a:lvl7pPr marL="2971800" indent="-228600" algn="l" defTabSz="914400" rtl="0" eaLnBrk="1" latinLnBrk="0" hangingPunct="1">
-              <a:lnSpc>
-                <a:spcPct val="90000"/>
-              </a:lnSpc>
-              <a:spcBef>
-                <a:spcPts val="500"/>
-              </a:spcBef>
-              <a:buFont typeface="Arial" panose="020B0604020202020204" pitchFamily="34" charset="0"/>
-              <a:buChar char="•"/>
-              <a:defRPr sz="1800" kern="1200">
-                <a:solidFill>
-                  <a:schemeClr val="tx1"/>
-                </a:solidFill>
-                <a:latin typeface="+mn-lt"/>
-                <a:ea typeface="+mn-ea"/>
-                <a:cs typeface="+mn-cs"/>
-              </a:defRPr>
-            </a:lvl7pPr>
-            <a:lvl8pPr marL="3429000" indent="-228600" algn="l" defTabSz="914400" rtl="0" eaLnBrk="1" latinLnBrk="0" hangingPunct="1">
-              <a:lnSpc>
-                <a:spcPct val="90000"/>
-              </a:lnSpc>
-              <a:spcBef>
-                <a:spcPts val="500"/>
-              </a:spcBef>
-              <a:buFont typeface="Arial" panose="020B0604020202020204" pitchFamily="34" charset="0"/>
-              <a:buChar char="•"/>
-              <a:defRPr sz="1800" kern="1200">
-                <a:solidFill>
-                  <a:schemeClr val="tx1"/>
-                </a:solidFill>
-                <a:latin typeface="+mn-lt"/>
-                <a:ea typeface="+mn-ea"/>
-                <a:cs typeface="+mn-cs"/>
-              </a:defRPr>
-            </a:lvl8pPr>
-            <a:lvl9pPr marL="3886200" indent="-228600" algn="l" defTabSz="914400" rtl="0" eaLnBrk="1" latinLnBrk="0" hangingPunct="1">
-              <a:lnSpc>
-                <a:spcPct val="90000"/>
-              </a:lnSpc>
-              <a:spcBef>
-                <a:spcPts val="500"/>
-              </a:spcBef>
-              <a:buFont typeface="Arial" panose="020B0604020202020204" pitchFamily="34" charset="0"/>
-              <a:buChar char="•"/>
-              <a:defRPr sz="1800" kern="1200">
-                <a:solidFill>
-                  <a:schemeClr val="tx1"/>
-                </a:solidFill>
-                <a:latin typeface="+mn-lt"/>
-                <a:ea typeface="+mn-ea"/>
-                <a:cs typeface="+mn-cs"/>
-              </a:defRPr>
-            </a:lvl9pPr>
-          </a:lstStyle>
-          <a:p>
-            <a:pPr marL="0" indent="0">
-              <a:lnSpc>
-                <a:spcPct val="100000"/>
-              </a:lnSpc>
-              <a:buFont typeface="Arial" panose="020B0604020202020204" pitchFamily="34" charset="0"/>
-              <a:buNone/>
-            </a:pPr>
-            <a:r>
-              <a:rPr lang="pt-BR" sz="2600" dirty="0">
-                <a:solidFill>
-                  <a:srgbClr val="575756"/>
-                </a:solidFill>
-                <a:latin typeface="Asap" panose="00000500000000000000" pitchFamily="2" charset="0"/>
-              </a:rPr>
-              <a:t> </a:t>
-            </a:r>
-          </a:p>
-        </p:txBody>
-      </p:sp>
-      <p:sp>
-        <p:nvSpPr>
-          <p:cNvPr id="4" name="Espaço Reservado para Conteúdo 2">
-            <a:extLst>
-              <a:ext uri="{FF2B5EF4-FFF2-40B4-BE49-F238E27FC236}">
-                <a16:creationId xmlns:a16="http://schemas.microsoft.com/office/drawing/2014/main" id="{3F4CFD3E-432F-B27A-422E-1C1A67BCFA32}"/>
-              </a:ext>
-            </a:extLst>
-          </p:cNvPr>
-          <p:cNvSpPr txBox="1">
-            <a:spLocks/>
-          </p:cNvSpPr>
-          <p:nvPr/>
-        </p:nvSpPr>
-        <p:spPr>
-          <a:xfrm>
-            <a:off x="4288172" y="1379764"/>
-            <a:ext cx="6715489" cy="4403272"/>
-          </a:xfrm>
-          <a:prstGeom prst="rect">
-            <a:avLst/>
-          </a:prstGeom>
-        </p:spPr>
-        <p:txBody>
-          <a:bodyPr vert="horz" lIns="91440" tIns="45720" rIns="91440" bIns="45720" rtlCol="0">
-            <a:normAutofit/>
-          </a:bodyPr>
-          <a:lstStyle>
-            <a:lvl1pPr marL="228600" indent="-228600" algn="l" defTabSz="914400" rtl="0" eaLnBrk="1" latinLnBrk="0" hangingPunct="1">
-              <a:lnSpc>
-                <a:spcPct val="90000"/>
-              </a:lnSpc>
-              <a:spcBef>
-                <a:spcPts val="1000"/>
-              </a:spcBef>
-              <a:buFont typeface="Arial" panose="020B0604020202020204" pitchFamily="34" charset="0"/>
-              <a:buChar char="•"/>
-              <a:defRPr sz="2800" kern="1200">
-                <a:solidFill>
-                  <a:schemeClr val="tx1"/>
-                </a:solidFill>
-                <a:latin typeface="+mn-lt"/>
-                <a:ea typeface="+mn-ea"/>
-                <a:cs typeface="+mn-cs"/>
-              </a:defRPr>
-            </a:lvl1pPr>
-            <a:lvl2pPr marL="685800" indent="-228600" algn="l" defTabSz="914400" rtl="0" eaLnBrk="1" latinLnBrk="0" hangingPunct="1">
-              <a:lnSpc>
-                <a:spcPct val="90000"/>
-              </a:lnSpc>
-              <a:spcBef>
-                <a:spcPts val="500"/>
-              </a:spcBef>
-              <a:buFont typeface="Arial" panose="020B0604020202020204" pitchFamily="34" charset="0"/>
-              <a:buChar char="•"/>
-              <a:defRPr sz="2400" kern="1200">
-                <a:solidFill>
-                  <a:schemeClr val="tx1"/>
-                </a:solidFill>
-                <a:latin typeface="+mn-lt"/>
-                <a:ea typeface="+mn-ea"/>
-                <a:cs typeface="+mn-cs"/>
-              </a:defRPr>
-            </a:lvl2pPr>
-            <a:lvl3pPr marL="1143000" indent="-228600" algn="l" defTabSz="914400" rtl="0" eaLnBrk="1" latinLnBrk="0" hangingPunct="1">
-              <a:lnSpc>
-                <a:spcPct val="90000"/>
-              </a:lnSpc>
-              <a:spcBef>
-                <a:spcPts val="500"/>
-              </a:spcBef>
-              <a:buFont typeface="Arial" panose="020B0604020202020204" pitchFamily="34" charset="0"/>
-              <a:buChar char="•"/>
-              <a:defRPr sz="2000" kern="1200">
-                <a:solidFill>
-                  <a:schemeClr val="tx1"/>
-                </a:solidFill>
-                <a:latin typeface="+mn-lt"/>
-                <a:ea typeface="+mn-ea"/>
-                <a:cs typeface="+mn-cs"/>
-              </a:defRPr>
-            </a:lvl3pPr>
-            <a:lvl4pPr marL="1600200" indent="-228600" algn="l" defTabSz="914400" rtl="0" eaLnBrk="1" latinLnBrk="0" hangingPunct="1">
-              <a:lnSpc>
-                <a:spcPct val="90000"/>
-              </a:lnSpc>
-              <a:spcBef>
-                <a:spcPts val="500"/>
-              </a:spcBef>
-              <a:buFont typeface="Arial" panose="020B0604020202020204" pitchFamily="34" charset="0"/>
-              <a:buChar char="•"/>
-              <a:defRPr sz="1800" kern="1200">
-                <a:solidFill>
-                  <a:schemeClr val="tx1"/>
-                </a:solidFill>
-                <a:latin typeface="+mn-lt"/>
-                <a:ea typeface="+mn-ea"/>
-                <a:cs typeface="+mn-cs"/>
-              </a:defRPr>
-            </a:lvl4pPr>
-            <a:lvl5pPr marL="2057400" indent="-228600" algn="l" defTabSz="914400" rtl="0" eaLnBrk="1" latinLnBrk="0" hangingPunct="1">
-              <a:lnSpc>
-                <a:spcPct val="90000"/>
-              </a:lnSpc>
-              <a:spcBef>
-                <a:spcPts val="500"/>
-              </a:spcBef>
-              <a:buFont typeface="Arial" panose="020B0604020202020204" pitchFamily="34" charset="0"/>
-              <a:buChar char="•"/>
-              <a:defRPr sz="1800" kern="1200">
-                <a:solidFill>
-                  <a:schemeClr val="tx1"/>
-                </a:solidFill>
-                <a:latin typeface="+mn-lt"/>
-                <a:ea typeface="+mn-ea"/>
-                <a:cs typeface="+mn-cs"/>
-              </a:defRPr>
-            </a:lvl5pPr>
-            <a:lvl6pPr marL="2514600" indent="-228600" algn="l" defTabSz="914400" rtl="0" eaLnBrk="1" latinLnBrk="0" hangingPunct="1">
-              <a:lnSpc>
-                <a:spcPct val="90000"/>
-              </a:lnSpc>
-              <a:spcBef>
-                <a:spcPts val="500"/>
-              </a:spcBef>
-              <a:buFont typeface="Arial" panose="020B0604020202020204" pitchFamily="34" charset="0"/>
-              <a:buChar char="•"/>
-              <a:defRPr sz="1800" kern="1200">
-                <a:solidFill>
-                  <a:schemeClr val="tx1"/>
-                </a:solidFill>
-                <a:latin typeface="+mn-lt"/>
-                <a:ea typeface="+mn-ea"/>
-                <a:cs typeface="+mn-cs"/>
-              </a:defRPr>
-            </a:lvl6pPr>
-            <a:lvl7pPr marL="2971800" indent="-228600" algn="l" defTabSz="914400" rtl="0" eaLnBrk="1" latinLnBrk="0" hangingPunct="1">
-              <a:lnSpc>
-                <a:spcPct val="90000"/>
-              </a:lnSpc>
-              <a:spcBef>
-                <a:spcPts val="500"/>
-              </a:spcBef>
-              <a:buFont typeface="Arial" panose="020B0604020202020204" pitchFamily="34" charset="0"/>
-              <a:buChar char="•"/>
-              <a:defRPr sz="1800" kern="1200">
-                <a:solidFill>
-                  <a:schemeClr val="tx1"/>
-                </a:solidFill>
-                <a:latin typeface="+mn-lt"/>
-                <a:ea typeface="+mn-ea"/>
-                <a:cs typeface="+mn-cs"/>
-              </a:defRPr>
-            </a:lvl7pPr>
-            <a:lvl8pPr marL="3429000" indent="-228600" algn="l" defTabSz="914400" rtl="0" eaLnBrk="1" latinLnBrk="0" hangingPunct="1">
-              <a:lnSpc>
-                <a:spcPct val="90000"/>
-              </a:lnSpc>
-              <a:spcBef>
-                <a:spcPts val="500"/>
-              </a:spcBef>
-              <a:buFont typeface="Arial" panose="020B0604020202020204" pitchFamily="34" charset="0"/>
-              <a:buChar char="•"/>
-              <a:defRPr sz="1800" kern="1200">
-                <a:solidFill>
-                  <a:schemeClr val="tx1"/>
-                </a:solidFill>
-                <a:latin typeface="+mn-lt"/>
-                <a:ea typeface="+mn-ea"/>
-                <a:cs typeface="+mn-cs"/>
-              </a:defRPr>
-            </a:lvl8pPr>
-            <a:lvl9pPr marL="3886200" indent="-228600" algn="l" defTabSz="914400" rtl="0" eaLnBrk="1" latinLnBrk="0" hangingPunct="1">
-              <a:lnSpc>
-                <a:spcPct val="90000"/>
-              </a:lnSpc>
-              <a:spcBef>
-                <a:spcPts val="500"/>
-              </a:spcBef>
-              <a:buFont typeface="Arial" panose="020B0604020202020204" pitchFamily="34" charset="0"/>
-              <a:buChar char="•"/>
-              <a:defRPr sz="1800" kern="1200">
-                <a:solidFill>
-                  <a:schemeClr val="tx1"/>
-                </a:solidFill>
-                <a:latin typeface="+mn-lt"/>
-                <a:ea typeface="+mn-ea"/>
-                <a:cs typeface="+mn-cs"/>
-              </a:defRPr>
-            </a:lvl9pPr>
-          </a:lstStyle>
-          <a:p>
-            <a:pPr algn="just">
-              <a:lnSpc>
-                <a:spcPct val="100000"/>
-              </a:lnSpc>
-            </a:pPr>
-            <a:r>
-              <a:rPr lang="en-US" sz="1600">
-                <a:solidFill>
-                  <a:srgbClr val="575756"/>
-                </a:solidFill>
-                <a:latin typeface="Abadi" panose="020B0604020104020204" pitchFamily="34" charset="0"/>
-              </a:rPr>
-              <a:t> </a:t>
-            </a:r>
-            <a:endParaRPr lang="pt-BR" sz="1600" dirty="0">
-              <a:solidFill>
-                <a:srgbClr val="575756"/>
-              </a:solidFill>
-              <a:latin typeface="Abadi" panose="020B0604020104020204" pitchFamily="34" charset="0"/>
-            </a:endParaRPr>
-          </a:p>
-        </p:txBody>
-      </p:sp>
+      </p:pic>
     </p:spTree>
     <p:extLst>
       <p:ext uri="{BB962C8B-B14F-4D97-AF65-F5344CB8AC3E}">
-        <p14:creationId xmlns:p14="http://schemas.microsoft.com/office/powerpoint/2010/main" val="4138087181"/>
+        <p14:creationId xmlns:p14="http://schemas.microsoft.com/office/powerpoint/2010/main" val="349006579"/>
       </p:ext>
     </p:extLst>
   </p:cSld>

--- a/docs/treinamento-estagiarios-five.pptx
+++ b/docs/treinamento-estagiarios-five.pptx
@@ -5,7 +5,7 @@
     <p:sldMasterId id="2147483648" r:id="rId1"/>
   </p:sldMasterIdLst>
   <p:notesMasterIdLst>
-    <p:notesMasterId r:id="rId22"/>
+    <p:notesMasterId r:id="rId24"/>
   </p:notesMasterIdLst>
   <p:sldIdLst>
     <p:sldId id="288" r:id="rId2"/>
@@ -14,20 +14,22 @@
     <p:sldId id="271" r:id="rId5"/>
     <p:sldId id="272" r:id="rId6"/>
     <p:sldId id="273" r:id="rId7"/>
-    <p:sldId id="289" r:id="rId8"/>
-    <p:sldId id="274" r:id="rId9"/>
-    <p:sldId id="283" r:id="rId10"/>
-    <p:sldId id="275" r:id="rId11"/>
-    <p:sldId id="276" r:id="rId12"/>
-    <p:sldId id="286" r:id="rId13"/>
+    <p:sldId id="274" r:id="rId8"/>
+    <p:sldId id="290" r:id="rId9"/>
+    <p:sldId id="275" r:id="rId10"/>
+    <p:sldId id="276" r:id="rId11"/>
+    <p:sldId id="286" r:id="rId12"/>
+    <p:sldId id="294" r:id="rId13"/>
     <p:sldId id="287" r:id="rId14"/>
-    <p:sldId id="285" r:id="rId15"/>
-    <p:sldId id="278" r:id="rId16"/>
-    <p:sldId id="279" r:id="rId17"/>
-    <p:sldId id="284" r:id="rId18"/>
-    <p:sldId id="280" r:id="rId19"/>
-    <p:sldId id="281" r:id="rId20"/>
-    <p:sldId id="261" r:id="rId21"/>
+    <p:sldId id="293" r:id="rId15"/>
+    <p:sldId id="285" r:id="rId16"/>
+    <p:sldId id="295" r:id="rId17"/>
+    <p:sldId id="296" r:id="rId18"/>
+    <p:sldId id="292" r:id="rId19"/>
+    <p:sldId id="280" r:id="rId20"/>
+    <p:sldId id="281" r:id="rId21"/>
+    <p:sldId id="297" r:id="rId22"/>
+    <p:sldId id="261" r:id="rId23"/>
   </p:sldIdLst>
   <p:sldSz cx="12192000" cy="6858000"/>
   <p:notesSz cx="6858000" cy="9144000"/>
@@ -134,6 +136,2846 @@
 </p:presentation>
 </file>
 
+<file path=ppt/diagrams/colors1.xml><?xml version="1.0" encoding="utf-8"?>
+<dgm:colorsDef xmlns:dgm="http://schemas.openxmlformats.org/drawingml/2006/diagram" xmlns:a="http://schemas.openxmlformats.org/drawingml/2006/main" uniqueId="urn:microsoft.com/office/officeart/2005/8/colors/accent1_2">
+  <dgm:title val=""/>
+  <dgm:desc val=""/>
+  <dgm:catLst>
+    <dgm:cat type="accent1" pri="11200"/>
+  </dgm:catLst>
+  <dgm:styleLbl name="node0">
+    <dgm:fillClrLst meth="repeat">
+      <a:schemeClr val="accent1"/>
+    </dgm:fillClrLst>
+    <dgm:linClrLst meth="repeat">
+      <a:schemeClr val="lt1"/>
+    </dgm:linClrLst>
+    <dgm:effectClrLst/>
+    <dgm:txLinClrLst/>
+    <dgm:txFillClrLst/>
+    <dgm:txEffectClrLst/>
+  </dgm:styleLbl>
+  <dgm:styleLbl name="alignNode1">
+    <dgm:fillClrLst meth="repeat">
+      <a:schemeClr val="accent1"/>
+    </dgm:fillClrLst>
+    <dgm:linClrLst meth="repeat">
+      <a:schemeClr val="accent1"/>
+    </dgm:linClrLst>
+    <dgm:effectClrLst/>
+    <dgm:txLinClrLst/>
+    <dgm:txFillClrLst/>
+    <dgm:txEffectClrLst/>
+  </dgm:styleLbl>
+  <dgm:styleLbl name="node1">
+    <dgm:fillClrLst meth="repeat">
+      <a:schemeClr val="accent1"/>
+    </dgm:fillClrLst>
+    <dgm:linClrLst meth="repeat">
+      <a:schemeClr val="lt1"/>
+    </dgm:linClrLst>
+    <dgm:effectClrLst/>
+    <dgm:txLinClrLst/>
+    <dgm:txFillClrLst/>
+    <dgm:txEffectClrLst/>
+  </dgm:styleLbl>
+  <dgm:styleLbl name="lnNode1">
+    <dgm:fillClrLst meth="repeat">
+      <a:schemeClr val="accent1"/>
+    </dgm:fillClrLst>
+    <dgm:linClrLst meth="repeat">
+      <a:schemeClr val="lt1"/>
+    </dgm:linClrLst>
+    <dgm:effectClrLst/>
+    <dgm:txLinClrLst/>
+    <dgm:txFillClrLst/>
+    <dgm:txEffectClrLst/>
+  </dgm:styleLbl>
+  <dgm:styleLbl name="vennNode1">
+    <dgm:fillClrLst meth="repeat">
+      <a:schemeClr val="accent1">
+        <a:alpha val="50000"/>
+      </a:schemeClr>
+    </dgm:fillClrLst>
+    <dgm:linClrLst meth="repeat">
+      <a:schemeClr val="lt1"/>
+    </dgm:linClrLst>
+    <dgm:effectClrLst/>
+    <dgm:txLinClrLst/>
+    <dgm:txFillClrLst/>
+    <dgm:txEffectClrLst/>
+  </dgm:styleLbl>
+  <dgm:styleLbl name="node2">
+    <dgm:fillClrLst meth="repeat">
+      <a:schemeClr val="accent1"/>
+    </dgm:fillClrLst>
+    <dgm:linClrLst meth="repeat">
+      <a:schemeClr val="lt1"/>
+    </dgm:linClrLst>
+    <dgm:effectClrLst/>
+    <dgm:txLinClrLst/>
+    <dgm:txFillClrLst/>
+    <dgm:txEffectClrLst/>
+  </dgm:styleLbl>
+  <dgm:styleLbl name="node3">
+    <dgm:fillClrLst meth="repeat">
+      <a:schemeClr val="accent1"/>
+    </dgm:fillClrLst>
+    <dgm:linClrLst meth="repeat">
+      <a:schemeClr val="lt1"/>
+    </dgm:linClrLst>
+    <dgm:effectClrLst/>
+    <dgm:txLinClrLst/>
+    <dgm:txFillClrLst/>
+    <dgm:txEffectClrLst/>
+  </dgm:styleLbl>
+  <dgm:styleLbl name="node4">
+    <dgm:fillClrLst meth="repeat">
+      <a:schemeClr val="accent1"/>
+    </dgm:fillClrLst>
+    <dgm:linClrLst meth="repeat">
+      <a:schemeClr val="lt1"/>
+    </dgm:linClrLst>
+    <dgm:effectClrLst/>
+    <dgm:txLinClrLst/>
+    <dgm:txFillClrLst/>
+    <dgm:txEffectClrLst/>
+  </dgm:styleLbl>
+  <dgm:styleLbl name="fgImgPlace1">
+    <dgm:fillClrLst meth="repeat">
+      <a:schemeClr val="accent1">
+        <a:tint val="50000"/>
+      </a:schemeClr>
+    </dgm:fillClrLst>
+    <dgm:linClrLst meth="repeat">
+      <a:schemeClr val="lt1"/>
+    </dgm:linClrLst>
+    <dgm:effectClrLst/>
+    <dgm:txLinClrLst/>
+    <dgm:txFillClrLst meth="repeat">
+      <a:schemeClr val="lt1"/>
+    </dgm:txFillClrLst>
+    <dgm:txEffectClrLst/>
+  </dgm:styleLbl>
+  <dgm:styleLbl name="alignImgPlace1">
+    <dgm:fillClrLst meth="repeat">
+      <a:schemeClr val="accent1">
+        <a:tint val="50000"/>
+      </a:schemeClr>
+    </dgm:fillClrLst>
+    <dgm:linClrLst meth="repeat">
+      <a:schemeClr val="lt1"/>
+    </dgm:linClrLst>
+    <dgm:effectClrLst/>
+    <dgm:txLinClrLst/>
+    <dgm:txFillClrLst meth="repeat">
+      <a:schemeClr val="lt1"/>
+    </dgm:txFillClrLst>
+    <dgm:txEffectClrLst/>
+  </dgm:styleLbl>
+  <dgm:styleLbl name="bgImgPlace1">
+    <dgm:fillClrLst meth="repeat">
+      <a:schemeClr val="accent1">
+        <a:tint val="50000"/>
+      </a:schemeClr>
+    </dgm:fillClrLst>
+    <dgm:linClrLst meth="repeat">
+      <a:schemeClr val="lt1"/>
+    </dgm:linClrLst>
+    <dgm:effectClrLst/>
+    <dgm:txLinClrLst/>
+    <dgm:txFillClrLst meth="repeat">
+      <a:schemeClr val="lt1"/>
+    </dgm:txFillClrLst>
+    <dgm:txEffectClrLst/>
+  </dgm:styleLbl>
+  <dgm:styleLbl name="sibTrans2D1">
+    <dgm:fillClrLst meth="repeat">
+      <a:schemeClr val="accent1">
+        <a:tint val="60000"/>
+      </a:schemeClr>
+    </dgm:fillClrLst>
+    <dgm:linClrLst meth="repeat">
+      <a:schemeClr val="accent1">
+        <a:tint val="60000"/>
+      </a:schemeClr>
+    </dgm:linClrLst>
+    <dgm:effectClrLst/>
+    <dgm:txLinClrLst/>
+    <dgm:txFillClrLst/>
+    <dgm:txEffectClrLst/>
+  </dgm:styleLbl>
+  <dgm:styleLbl name="fgSibTrans2D1">
+    <dgm:fillClrLst meth="repeat">
+      <a:schemeClr val="accent1">
+        <a:tint val="60000"/>
+      </a:schemeClr>
+    </dgm:fillClrLst>
+    <dgm:linClrLst meth="repeat">
+      <a:schemeClr val="accent1">
+        <a:tint val="60000"/>
+      </a:schemeClr>
+    </dgm:linClrLst>
+    <dgm:effectClrLst/>
+    <dgm:txLinClrLst/>
+    <dgm:txFillClrLst/>
+    <dgm:txEffectClrLst/>
+  </dgm:styleLbl>
+  <dgm:styleLbl name="bgSibTrans2D1">
+    <dgm:fillClrLst meth="repeat">
+      <a:schemeClr val="accent1">
+        <a:tint val="60000"/>
+      </a:schemeClr>
+    </dgm:fillClrLst>
+    <dgm:linClrLst meth="repeat">
+      <a:schemeClr val="accent1">
+        <a:tint val="60000"/>
+      </a:schemeClr>
+    </dgm:linClrLst>
+    <dgm:effectClrLst/>
+    <dgm:txLinClrLst/>
+    <dgm:txFillClrLst/>
+    <dgm:txEffectClrLst/>
+  </dgm:styleLbl>
+  <dgm:styleLbl name="sibTrans1D1">
+    <dgm:fillClrLst meth="repeat">
+      <a:schemeClr val="accent1"/>
+    </dgm:fillClrLst>
+    <dgm:linClrLst meth="repeat">
+      <a:schemeClr val="accent1"/>
+    </dgm:linClrLst>
+    <dgm:effectClrLst/>
+    <dgm:txLinClrLst/>
+    <dgm:txFillClrLst meth="repeat">
+      <a:schemeClr val="tx1"/>
+    </dgm:txFillClrLst>
+    <dgm:txEffectClrLst/>
+  </dgm:styleLbl>
+  <dgm:styleLbl name="callout">
+    <dgm:fillClrLst meth="repeat">
+      <a:schemeClr val="accent1"/>
+    </dgm:fillClrLst>
+    <dgm:linClrLst meth="repeat">
+      <a:schemeClr val="accent1">
+        <a:tint val="50000"/>
+      </a:schemeClr>
+    </dgm:linClrLst>
+    <dgm:effectClrLst/>
+    <dgm:txLinClrLst/>
+    <dgm:txFillClrLst meth="repeat">
+      <a:schemeClr val="tx1"/>
+    </dgm:txFillClrLst>
+    <dgm:txEffectClrLst/>
+  </dgm:styleLbl>
+  <dgm:styleLbl name="asst0">
+    <dgm:fillClrLst meth="repeat">
+      <a:schemeClr val="accent1"/>
+    </dgm:fillClrLst>
+    <dgm:linClrLst meth="repeat">
+      <a:schemeClr val="lt1"/>
+    </dgm:linClrLst>
+    <dgm:effectClrLst/>
+    <dgm:txLinClrLst/>
+    <dgm:txFillClrLst/>
+    <dgm:txEffectClrLst/>
+  </dgm:styleLbl>
+  <dgm:styleLbl name="asst1">
+    <dgm:fillClrLst meth="repeat">
+      <a:schemeClr val="accent1"/>
+    </dgm:fillClrLst>
+    <dgm:linClrLst meth="repeat">
+      <a:schemeClr val="lt1"/>
+    </dgm:linClrLst>
+    <dgm:effectClrLst/>
+    <dgm:txLinClrLst/>
+    <dgm:txFillClrLst/>
+    <dgm:txEffectClrLst/>
+  </dgm:styleLbl>
+  <dgm:styleLbl name="asst2">
+    <dgm:fillClrLst meth="repeat">
+      <a:schemeClr val="accent1"/>
+    </dgm:fillClrLst>
+    <dgm:linClrLst meth="repeat">
+      <a:schemeClr val="lt1"/>
+    </dgm:linClrLst>
+    <dgm:effectClrLst/>
+    <dgm:txLinClrLst/>
+    <dgm:txFillClrLst/>
+    <dgm:txEffectClrLst/>
+  </dgm:styleLbl>
+  <dgm:styleLbl name="asst3">
+    <dgm:fillClrLst meth="repeat">
+      <a:schemeClr val="accent1"/>
+    </dgm:fillClrLst>
+    <dgm:linClrLst meth="repeat">
+      <a:schemeClr val="lt1"/>
+    </dgm:linClrLst>
+    <dgm:effectClrLst/>
+    <dgm:txLinClrLst/>
+    <dgm:txFillClrLst/>
+    <dgm:txEffectClrLst/>
+  </dgm:styleLbl>
+  <dgm:styleLbl name="asst4">
+    <dgm:fillClrLst meth="repeat">
+      <a:schemeClr val="accent1"/>
+    </dgm:fillClrLst>
+    <dgm:linClrLst meth="repeat">
+      <a:schemeClr val="lt1"/>
+    </dgm:linClrLst>
+    <dgm:effectClrLst/>
+    <dgm:txLinClrLst/>
+    <dgm:txFillClrLst/>
+    <dgm:txEffectClrLst/>
+  </dgm:styleLbl>
+  <dgm:styleLbl name="parChTrans2D1">
+    <dgm:fillClrLst meth="repeat">
+      <a:schemeClr val="accent1">
+        <a:tint val="60000"/>
+      </a:schemeClr>
+    </dgm:fillClrLst>
+    <dgm:linClrLst meth="repeat">
+      <a:schemeClr val="accent1">
+        <a:tint val="60000"/>
+      </a:schemeClr>
+    </dgm:linClrLst>
+    <dgm:effectClrLst/>
+    <dgm:txLinClrLst/>
+    <dgm:txFillClrLst meth="repeat">
+      <a:schemeClr val="lt1"/>
+    </dgm:txFillClrLst>
+    <dgm:txEffectClrLst/>
+  </dgm:styleLbl>
+  <dgm:styleLbl name="parChTrans2D2">
+    <dgm:fillClrLst meth="repeat">
+      <a:schemeClr val="accent1"/>
+    </dgm:fillClrLst>
+    <dgm:linClrLst meth="repeat">
+      <a:schemeClr val="accent1"/>
+    </dgm:linClrLst>
+    <dgm:effectClrLst/>
+    <dgm:txLinClrLst/>
+    <dgm:txFillClrLst meth="repeat">
+      <a:schemeClr val="lt1"/>
+    </dgm:txFillClrLst>
+    <dgm:txEffectClrLst/>
+  </dgm:styleLbl>
+  <dgm:styleLbl name="parChTrans2D3">
+    <dgm:fillClrLst meth="repeat">
+      <a:schemeClr val="accent1"/>
+    </dgm:fillClrLst>
+    <dgm:linClrLst meth="repeat">
+      <a:schemeClr val="accent1"/>
+    </dgm:linClrLst>
+    <dgm:effectClrLst/>
+    <dgm:txLinClrLst/>
+    <dgm:txFillClrLst meth="repeat">
+      <a:schemeClr val="lt1"/>
+    </dgm:txFillClrLst>
+    <dgm:txEffectClrLst/>
+  </dgm:styleLbl>
+  <dgm:styleLbl name="parChTrans2D4">
+    <dgm:fillClrLst meth="repeat">
+      <a:schemeClr val="accent1"/>
+    </dgm:fillClrLst>
+    <dgm:linClrLst meth="repeat">
+      <a:schemeClr val="accent1"/>
+    </dgm:linClrLst>
+    <dgm:effectClrLst/>
+    <dgm:txLinClrLst/>
+    <dgm:txFillClrLst meth="repeat">
+      <a:schemeClr val="lt1"/>
+    </dgm:txFillClrLst>
+    <dgm:txEffectClrLst/>
+  </dgm:styleLbl>
+  <dgm:styleLbl name="parChTrans1D1">
+    <dgm:fillClrLst meth="repeat">
+      <a:schemeClr val="accent1"/>
+    </dgm:fillClrLst>
+    <dgm:linClrLst meth="repeat">
+      <a:schemeClr val="accent1">
+        <a:shade val="60000"/>
+      </a:schemeClr>
+    </dgm:linClrLst>
+    <dgm:effectClrLst/>
+    <dgm:txLinClrLst/>
+    <dgm:txFillClrLst meth="repeat">
+      <a:schemeClr val="tx1"/>
+    </dgm:txFillClrLst>
+    <dgm:txEffectClrLst/>
+  </dgm:styleLbl>
+  <dgm:styleLbl name="parChTrans1D2">
+    <dgm:fillClrLst meth="repeat">
+      <a:schemeClr val="accent1"/>
+    </dgm:fillClrLst>
+    <dgm:linClrLst meth="repeat">
+      <a:schemeClr val="accent1">
+        <a:shade val="60000"/>
+      </a:schemeClr>
+    </dgm:linClrLst>
+    <dgm:effectClrLst/>
+    <dgm:txLinClrLst/>
+    <dgm:txFillClrLst meth="repeat">
+      <a:schemeClr val="tx1"/>
+    </dgm:txFillClrLst>
+    <dgm:txEffectClrLst/>
+  </dgm:styleLbl>
+  <dgm:styleLbl name="parChTrans1D3">
+    <dgm:fillClrLst meth="repeat">
+      <a:schemeClr val="accent1"/>
+    </dgm:fillClrLst>
+    <dgm:linClrLst meth="repeat">
+      <a:schemeClr val="accent1">
+        <a:shade val="80000"/>
+      </a:schemeClr>
+    </dgm:linClrLst>
+    <dgm:effectClrLst/>
+    <dgm:txLinClrLst/>
+    <dgm:txFillClrLst meth="repeat">
+      <a:schemeClr val="tx1"/>
+    </dgm:txFillClrLst>
+    <dgm:txEffectClrLst/>
+  </dgm:styleLbl>
+  <dgm:styleLbl name="parChTrans1D4">
+    <dgm:fillClrLst meth="repeat">
+      <a:schemeClr val="accent1"/>
+    </dgm:fillClrLst>
+    <dgm:linClrLst meth="repeat">
+      <a:schemeClr val="accent1">
+        <a:shade val="80000"/>
+      </a:schemeClr>
+    </dgm:linClrLst>
+    <dgm:effectClrLst/>
+    <dgm:txLinClrLst/>
+    <dgm:txFillClrLst meth="repeat">
+      <a:schemeClr val="tx1"/>
+    </dgm:txFillClrLst>
+    <dgm:txEffectClrLst/>
+  </dgm:styleLbl>
+  <dgm:styleLbl name="fgAcc1">
+    <dgm:fillClrLst meth="repeat">
+      <a:schemeClr val="lt1">
+        <a:alpha val="90000"/>
+      </a:schemeClr>
+    </dgm:fillClrLst>
+    <dgm:linClrLst meth="repeat">
+      <a:schemeClr val="accent1"/>
+    </dgm:linClrLst>
+    <dgm:effectClrLst/>
+    <dgm:txLinClrLst/>
+    <dgm:txFillClrLst meth="repeat">
+      <a:schemeClr val="dk1"/>
+    </dgm:txFillClrLst>
+    <dgm:txEffectClrLst/>
+  </dgm:styleLbl>
+  <dgm:styleLbl name="conFgAcc1">
+    <dgm:fillClrLst meth="repeat">
+      <a:schemeClr val="lt1">
+        <a:alpha val="90000"/>
+      </a:schemeClr>
+    </dgm:fillClrLst>
+    <dgm:linClrLst meth="repeat">
+      <a:schemeClr val="accent1"/>
+    </dgm:linClrLst>
+    <dgm:effectClrLst/>
+    <dgm:txLinClrLst/>
+    <dgm:txFillClrLst meth="repeat">
+      <a:schemeClr val="dk1"/>
+    </dgm:txFillClrLst>
+    <dgm:txEffectClrLst/>
+  </dgm:styleLbl>
+  <dgm:styleLbl name="alignAcc1">
+    <dgm:fillClrLst meth="repeat">
+      <a:schemeClr val="lt1">
+        <a:alpha val="90000"/>
+      </a:schemeClr>
+    </dgm:fillClrLst>
+    <dgm:linClrLst meth="repeat">
+      <a:schemeClr val="accent1"/>
+    </dgm:linClrLst>
+    <dgm:effectClrLst/>
+    <dgm:txLinClrLst/>
+    <dgm:txFillClrLst meth="repeat">
+      <a:schemeClr val="dk1"/>
+    </dgm:txFillClrLst>
+    <dgm:txEffectClrLst/>
+  </dgm:styleLbl>
+  <dgm:styleLbl name="trAlignAcc1">
+    <dgm:fillClrLst meth="repeat">
+      <a:schemeClr val="lt1">
+        <a:alpha val="40000"/>
+      </a:schemeClr>
+    </dgm:fillClrLst>
+    <dgm:linClrLst meth="repeat">
+      <a:schemeClr val="accent1"/>
+    </dgm:linClrLst>
+    <dgm:effectClrLst/>
+    <dgm:txLinClrLst/>
+    <dgm:txFillClrLst meth="repeat">
+      <a:schemeClr val="dk1"/>
+    </dgm:txFillClrLst>
+    <dgm:txEffectClrLst/>
+  </dgm:styleLbl>
+  <dgm:styleLbl name="bgAcc1">
+    <dgm:fillClrLst meth="repeat">
+      <a:schemeClr val="lt1">
+        <a:alpha val="90000"/>
+      </a:schemeClr>
+    </dgm:fillClrLst>
+    <dgm:linClrLst meth="repeat">
+      <a:schemeClr val="accent1"/>
+    </dgm:linClrLst>
+    <dgm:effectClrLst/>
+    <dgm:txLinClrLst/>
+    <dgm:txFillClrLst meth="repeat">
+      <a:schemeClr val="dk1"/>
+    </dgm:txFillClrLst>
+    <dgm:txEffectClrLst/>
+  </dgm:styleLbl>
+  <dgm:styleLbl name="solidFgAcc1">
+    <dgm:fillClrLst meth="repeat">
+      <a:schemeClr val="lt1"/>
+    </dgm:fillClrLst>
+    <dgm:linClrLst meth="repeat">
+      <a:schemeClr val="accent1"/>
+    </dgm:linClrLst>
+    <dgm:effectClrLst/>
+    <dgm:txLinClrLst/>
+    <dgm:txFillClrLst meth="repeat">
+      <a:schemeClr val="dk1"/>
+    </dgm:txFillClrLst>
+    <dgm:txEffectClrLst/>
+  </dgm:styleLbl>
+  <dgm:styleLbl name="solidAlignAcc1">
+    <dgm:fillClrLst meth="repeat">
+      <a:schemeClr val="lt1"/>
+    </dgm:fillClrLst>
+    <dgm:linClrLst meth="repeat">
+      <a:schemeClr val="accent1"/>
+    </dgm:linClrLst>
+    <dgm:effectClrLst/>
+    <dgm:txLinClrLst/>
+    <dgm:txFillClrLst meth="repeat">
+      <a:schemeClr val="dk1"/>
+    </dgm:txFillClrLst>
+    <dgm:txEffectClrLst/>
+  </dgm:styleLbl>
+  <dgm:styleLbl name="solidBgAcc1">
+    <dgm:fillClrLst meth="repeat">
+      <a:schemeClr val="lt1"/>
+    </dgm:fillClrLst>
+    <dgm:linClrLst meth="repeat">
+      <a:schemeClr val="accent1"/>
+    </dgm:linClrLst>
+    <dgm:effectClrLst/>
+    <dgm:txLinClrLst/>
+    <dgm:txFillClrLst meth="repeat">
+      <a:schemeClr val="dk1"/>
+    </dgm:txFillClrLst>
+    <dgm:txEffectClrLst/>
+  </dgm:styleLbl>
+  <dgm:styleLbl name="fgAccFollowNode1">
+    <dgm:fillClrLst meth="repeat">
+      <a:schemeClr val="accent1">
+        <a:alpha val="90000"/>
+        <a:tint val="40000"/>
+      </a:schemeClr>
+    </dgm:fillClrLst>
+    <dgm:linClrLst meth="repeat">
+      <a:schemeClr val="accent1">
+        <a:alpha val="90000"/>
+        <a:tint val="40000"/>
+      </a:schemeClr>
+    </dgm:linClrLst>
+    <dgm:effectClrLst/>
+    <dgm:txLinClrLst/>
+    <dgm:txFillClrLst meth="repeat">
+      <a:schemeClr val="dk1"/>
+    </dgm:txFillClrLst>
+    <dgm:txEffectClrLst/>
+  </dgm:styleLbl>
+  <dgm:styleLbl name="alignAccFollowNode1">
+    <dgm:fillClrLst meth="repeat">
+      <a:schemeClr val="accent1">
+        <a:alpha val="90000"/>
+        <a:tint val="40000"/>
+      </a:schemeClr>
+    </dgm:fillClrLst>
+    <dgm:linClrLst meth="repeat">
+      <a:schemeClr val="accent1">
+        <a:alpha val="90000"/>
+        <a:tint val="40000"/>
+      </a:schemeClr>
+    </dgm:linClrLst>
+    <dgm:effectClrLst/>
+    <dgm:txLinClrLst/>
+    <dgm:txFillClrLst meth="repeat">
+      <a:schemeClr val="dk1"/>
+    </dgm:txFillClrLst>
+    <dgm:txEffectClrLst/>
+  </dgm:styleLbl>
+  <dgm:styleLbl name="bgAccFollowNode1">
+    <dgm:fillClrLst meth="repeat">
+      <a:schemeClr val="accent1">
+        <a:alpha val="90000"/>
+        <a:tint val="40000"/>
+      </a:schemeClr>
+    </dgm:fillClrLst>
+    <dgm:linClrLst meth="repeat">
+      <a:schemeClr val="accent1">
+        <a:alpha val="90000"/>
+        <a:tint val="40000"/>
+      </a:schemeClr>
+    </dgm:linClrLst>
+    <dgm:effectClrLst/>
+    <dgm:txLinClrLst/>
+    <dgm:txFillClrLst meth="repeat">
+      <a:schemeClr val="dk1"/>
+    </dgm:txFillClrLst>
+    <dgm:txEffectClrLst/>
+  </dgm:styleLbl>
+  <dgm:styleLbl name="fgAcc0">
+    <dgm:fillClrLst meth="repeat">
+      <a:schemeClr val="lt1">
+        <a:alpha val="90000"/>
+      </a:schemeClr>
+    </dgm:fillClrLst>
+    <dgm:linClrLst meth="repeat">
+      <a:schemeClr val="accent1"/>
+    </dgm:linClrLst>
+    <dgm:effectClrLst/>
+    <dgm:txLinClrLst/>
+    <dgm:txFillClrLst meth="repeat">
+      <a:schemeClr val="dk1"/>
+    </dgm:txFillClrLst>
+    <dgm:txEffectClrLst/>
+  </dgm:styleLbl>
+  <dgm:styleLbl name="fgAcc2">
+    <dgm:fillClrLst meth="repeat">
+      <a:schemeClr val="lt1">
+        <a:alpha val="90000"/>
+      </a:schemeClr>
+    </dgm:fillClrLst>
+    <dgm:linClrLst meth="repeat">
+      <a:schemeClr val="accent1"/>
+    </dgm:linClrLst>
+    <dgm:effectClrLst/>
+    <dgm:txLinClrLst/>
+    <dgm:txFillClrLst meth="repeat">
+      <a:schemeClr val="dk1"/>
+    </dgm:txFillClrLst>
+    <dgm:txEffectClrLst/>
+  </dgm:styleLbl>
+  <dgm:styleLbl name="fgAcc3">
+    <dgm:fillClrLst meth="repeat">
+      <a:schemeClr val="lt1">
+        <a:alpha val="90000"/>
+      </a:schemeClr>
+    </dgm:fillClrLst>
+    <dgm:linClrLst meth="repeat">
+      <a:schemeClr val="accent1"/>
+    </dgm:linClrLst>
+    <dgm:effectClrLst/>
+    <dgm:txLinClrLst/>
+    <dgm:txFillClrLst meth="repeat">
+      <a:schemeClr val="dk1"/>
+    </dgm:txFillClrLst>
+    <dgm:txEffectClrLst/>
+  </dgm:styleLbl>
+  <dgm:styleLbl name="fgAcc4">
+    <dgm:fillClrLst meth="repeat">
+      <a:schemeClr val="lt1">
+        <a:alpha val="90000"/>
+      </a:schemeClr>
+    </dgm:fillClrLst>
+    <dgm:linClrLst meth="repeat">
+      <a:schemeClr val="accent1"/>
+    </dgm:linClrLst>
+    <dgm:effectClrLst/>
+    <dgm:txLinClrLst/>
+    <dgm:txFillClrLst meth="repeat">
+      <a:schemeClr val="dk1"/>
+    </dgm:txFillClrLst>
+    <dgm:txEffectClrLst/>
+  </dgm:styleLbl>
+  <dgm:styleLbl name="bgShp">
+    <dgm:fillClrLst meth="repeat">
+      <a:schemeClr val="accent1">
+        <a:tint val="40000"/>
+      </a:schemeClr>
+    </dgm:fillClrLst>
+    <dgm:linClrLst meth="repeat">
+      <a:schemeClr val="accent1"/>
+    </dgm:linClrLst>
+    <dgm:effectClrLst/>
+    <dgm:txLinClrLst/>
+    <dgm:txFillClrLst meth="repeat">
+      <a:schemeClr val="dk1"/>
+    </dgm:txFillClrLst>
+    <dgm:txEffectClrLst/>
+  </dgm:styleLbl>
+  <dgm:styleLbl name="dkBgShp">
+    <dgm:fillClrLst meth="repeat">
+      <a:schemeClr val="accent1">
+        <a:shade val="80000"/>
+      </a:schemeClr>
+    </dgm:fillClrLst>
+    <dgm:linClrLst meth="repeat">
+      <a:schemeClr val="accent1"/>
+    </dgm:linClrLst>
+    <dgm:effectClrLst/>
+    <dgm:txLinClrLst/>
+    <dgm:txFillClrLst meth="repeat">
+      <a:schemeClr val="lt1"/>
+    </dgm:txFillClrLst>
+    <dgm:txEffectClrLst/>
+  </dgm:styleLbl>
+  <dgm:styleLbl name="trBgShp">
+    <dgm:fillClrLst meth="repeat">
+      <a:schemeClr val="accent1">
+        <a:tint val="50000"/>
+        <a:alpha val="40000"/>
+      </a:schemeClr>
+    </dgm:fillClrLst>
+    <dgm:linClrLst meth="repeat">
+      <a:schemeClr val="accent1"/>
+    </dgm:linClrLst>
+    <dgm:effectClrLst/>
+    <dgm:txLinClrLst/>
+    <dgm:txFillClrLst meth="repeat">
+      <a:schemeClr val="lt1"/>
+    </dgm:txFillClrLst>
+    <dgm:txEffectClrLst/>
+  </dgm:styleLbl>
+  <dgm:styleLbl name="fgShp">
+    <dgm:fillClrLst meth="repeat">
+      <a:schemeClr val="accent1">
+        <a:tint val="60000"/>
+      </a:schemeClr>
+    </dgm:fillClrLst>
+    <dgm:linClrLst meth="repeat">
+      <a:schemeClr val="lt1"/>
+    </dgm:linClrLst>
+    <dgm:effectClrLst/>
+    <dgm:txLinClrLst/>
+    <dgm:txFillClrLst meth="repeat">
+      <a:schemeClr val="dk1"/>
+    </dgm:txFillClrLst>
+    <dgm:txEffectClrLst/>
+  </dgm:styleLbl>
+  <dgm:styleLbl name="revTx">
+    <dgm:fillClrLst meth="repeat">
+      <a:schemeClr val="lt1">
+        <a:alpha val="0"/>
+      </a:schemeClr>
+    </dgm:fillClrLst>
+    <dgm:linClrLst meth="repeat">
+      <a:schemeClr val="dk1">
+        <a:alpha val="0"/>
+      </a:schemeClr>
+    </dgm:linClrLst>
+    <dgm:effectClrLst/>
+    <dgm:txLinClrLst/>
+    <dgm:txFillClrLst meth="repeat">
+      <a:schemeClr val="tx1"/>
+    </dgm:txFillClrLst>
+    <dgm:txEffectClrLst/>
+  </dgm:styleLbl>
+</dgm:colorsDef>
+</file>
+
+<file path=ppt/diagrams/data1.xml><?xml version="1.0" encoding="utf-8"?>
+<dgm:dataModel xmlns:dgm="http://schemas.openxmlformats.org/drawingml/2006/diagram" xmlns:a="http://schemas.openxmlformats.org/drawingml/2006/main">
+  <dgm:ptLst>
+    <dgm:pt modelId="{D68AD4BC-0AF5-447C-A2A3-3BB9AEFCBB35}" type="doc">
+      <dgm:prSet loTypeId="urn:microsoft.com/office/officeart/2005/8/layout/hierarchy2" loCatId="hierarchy" qsTypeId="urn:microsoft.com/office/officeart/2005/8/quickstyle/simple1" qsCatId="simple" csTypeId="urn:microsoft.com/office/officeart/2005/8/colors/accent1_2" csCatId="accent1" phldr="1"/>
+      <dgm:spPr/>
+      <dgm:t>
+        <a:bodyPr/>
+        <a:lstStyle/>
+        <a:p>
+          <a:endParaRPr lang="pt-BR"/>
+        </a:p>
+      </dgm:t>
+    </dgm:pt>
+    <dgm:pt modelId="{1B714A90-3A23-4FAF-A017-079AB204C615}">
+      <dgm:prSet phldrT="[Texto]"/>
+      <dgm:spPr/>
+      <dgm:t>
+        <a:bodyPr/>
+        <a:lstStyle/>
+        <a:p>
+          <a:r>
+            <a:rPr lang="pt-BR" noProof="0" dirty="0"/>
+            <a:t>Pedido</a:t>
+          </a:r>
+        </a:p>
+        <a:p>
+          <a:r>
+            <a:rPr lang="pt-BR" noProof="0" dirty="0"/>
+            <a:t>(Entidade)</a:t>
+          </a:r>
+        </a:p>
+      </dgm:t>
+    </dgm:pt>
+    <dgm:pt modelId="{1E0469AE-DA17-43BC-BD68-FF810E76CA4D}" type="parTrans" cxnId="{D9CEAF1D-2490-42CE-B66C-9F2AC760A4DB}">
+      <dgm:prSet/>
+      <dgm:spPr/>
+      <dgm:t>
+        <a:bodyPr/>
+        <a:lstStyle/>
+        <a:p>
+          <a:endParaRPr lang="pt-BR"/>
+        </a:p>
+      </dgm:t>
+    </dgm:pt>
+    <dgm:pt modelId="{8B01551B-3D66-4EC4-8F7E-75CEFAF293F7}" type="sibTrans" cxnId="{D9CEAF1D-2490-42CE-B66C-9F2AC760A4DB}">
+      <dgm:prSet/>
+      <dgm:spPr/>
+      <dgm:t>
+        <a:bodyPr/>
+        <a:lstStyle/>
+        <a:p>
+          <a:endParaRPr lang="pt-BR"/>
+        </a:p>
+      </dgm:t>
+    </dgm:pt>
+    <dgm:pt modelId="{D695E016-1DCF-4A67-99EF-C9C96766E3D2}">
+      <dgm:prSet phldrT="[Texto]"/>
+      <dgm:spPr/>
+      <dgm:t>
+        <a:bodyPr/>
+        <a:lstStyle/>
+        <a:p>
+          <a:r>
+            <a:rPr lang="en-US" dirty="0"/>
+            <a:t>Item</a:t>
+          </a:r>
+        </a:p>
+        <a:p>
+          <a:r>
+            <a:rPr lang="en-US" dirty="0"/>
+            <a:t>(</a:t>
+          </a:r>
+          <a:r>
+            <a:rPr lang="pt-BR" noProof="0" dirty="0"/>
+            <a:t>Entidade</a:t>
+          </a:r>
+          <a:r>
+            <a:rPr lang="en-US" dirty="0"/>
+            <a:t>)</a:t>
+          </a:r>
+          <a:endParaRPr lang="pt-BR" dirty="0"/>
+        </a:p>
+      </dgm:t>
+    </dgm:pt>
+    <dgm:pt modelId="{F4D5A1F8-FE21-4A29-99AF-417E4E0D5E0C}" type="parTrans" cxnId="{FEC79088-3427-4D56-8025-ED77405821F5}">
+      <dgm:prSet/>
+      <dgm:spPr/>
+      <dgm:t>
+        <a:bodyPr/>
+        <a:lstStyle/>
+        <a:p>
+          <a:endParaRPr lang="pt-BR"/>
+        </a:p>
+      </dgm:t>
+    </dgm:pt>
+    <dgm:pt modelId="{FBB5D5DA-65AF-40A9-A443-D8CFC9B786D1}" type="sibTrans" cxnId="{FEC79088-3427-4D56-8025-ED77405821F5}">
+      <dgm:prSet/>
+      <dgm:spPr/>
+      <dgm:t>
+        <a:bodyPr/>
+        <a:lstStyle/>
+        <a:p>
+          <a:endParaRPr lang="pt-BR"/>
+        </a:p>
+      </dgm:t>
+    </dgm:pt>
+    <dgm:pt modelId="{BCA73544-8627-4B73-A20E-47691031F107}">
+      <dgm:prSet phldrT="[Texto]"/>
+      <dgm:spPr/>
+      <dgm:t>
+        <a:bodyPr/>
+        <a:lstStyle/>
+        <a:p>
+          <a:r>
+            <a:rPr lang="pt-BR" noProof="0" dirty="0"/>
+            <a:t>Endereço</a:t>
+          </a:r>
+        </a:p>
+        <a:p>
+          <a:r>
+            <a:rPr lang="pt-BR" noProof="0" dirty="0"/>
+            <a:t>(Objeto de Valor)</a:t>
+          </a:r>
+        </a:p>
+      </dgm:t>
+    </dgm:pt>
+    <dgm:pt modelId="{F4B4EC1D-22BF-4A9B-9AC1-17CD07372339}" type="parTrans" cxnId="{20636316-4F9F-4589-B440-FFE305E42BD6}">
+      <dgm:prSet/>
+      <dgm:spPr/>
+      <dgm:t>
+        <a:bodyPr/>
+        <a:lstStyle/>
+        <a:p>
+          <a:endParaRPr lang="pt-BR"/>
+        </a:p>
+      </dgm:t>
+    </dgm:pt>
+    <dgm:pt modelId="{41C47748-1AC7-47DF-9657-8E009E650988}" type="sibTrans" cxnId="{20636316-4F9F-4589-B440-FFE305E42BD6}">
+      <dgm:prSet/>
+      <dgm:spPr/>
+      <dgm:t>
+        <a:bodyPr/>
+        <a:lstStyle/>
+        <a:p>
+          <a:endParaRPr lang="pt-BR"/>
+        </a:p>
+      </dgm:t>
+    </dgm:pt>
+    <dgm:pt modelId="{63898D21-7235-4D86-BCDA-33A41D90721F}" type="pres">
+      <dgm:prSet presAssocID="{D68AD4BC-0AF5-447C-A2A3-3BB9AEFCBB35}" presName="diagram" presStyleCnt="0">
+        <dgm:presLayoutVars>
+          <dgm:chPref val="1"/>
+          <dgm:dir/>
+          <dgm:animOne val="branch"/>
+          <dgm:animLvl val="lvl"/>
+          <dgm:resizeHandles val="exact"/>
+        </dgm:presLayoutVars>
+      </dgm:prSet>
+      <dgm:spPr/>
+    </dgm:pt>
+    <dgm:pt modelId="{A72D1205-6E8E-4E4A-B7B4-762548CAE19A}" type="pres">
+      <dgm:prSet presAssocID="{1B714A90-3A23-4FAF-A017-079AB204C615}" presName="root1" presStyleCnt="0"/>
+      <dgm:spPr/>
+    </dgm:pt>
+    <dgm:pt modelId="{9D94673A-1B62-4DA5-BA2A-DF52F8CDA1E3}" type="pres">
+      <dgm:prSet presAssocID="{1B714A90-3A23-4FAF-A017-079AB204C615}" presName="LevelOneTextNode" presStyleLbl="node0" presStyleIdx="0" presStyleCnt="1">
+        <dgm:presLayoutVars>
+          <dgm:chPref val="3"/>
+        </dgm:presLayoutVars>
+      </dgm:prSet>
+      <dgm:spPr/>
+    </dgm:pt>
+    <dgm:pt modelId="{6F588D78-7CEC-4BA8-8FAA-4C759C0415B8}" type="pres">
+      <dgm:prSet presAssocID="{1B714A90-3A23-4FAF-A017-079AB204C615}" presName="level2hierChild" presStyleCnt="0"/>
+      <dgm:spPr/>
+    </dgm:pt>
+    <dgm:pt modelId="{FA26D184-9CF5-4A0B-94AC-EA7920052921}" type="pres">
+      <dgm:prSet presAssocID="{F4D5A1F8-FE21-4A29-99AF-417E4E0D5E0C}" presName="conn2-1" presStyleLbl="parChTrans1D2" presStyleIdx="0" presStyleCnt="2"/>
+      <dgm:spPr/>
+    </dgm:pt>
+    <dgm:pt modelId="{EF2A8308-CADC-4684-A593-1A78D519ED78}" type="pres">
+      <dgm:prSet presAssocID="{F4D5A1F8-FE21-4A29-99AF-417E4E0D5E0C}" presName="connTx" presStyleLbl="parChTrans1D2" presStyleIdx="0" presStyleCnt="2"/>
+      <dgm:spPr/>
+    </dgm:pt>
+    <dgm:pt modelId="{B6783E7F-D54E-47C5-B4CC-18CD9A1610B8}" type="pres">
+      <dgm:prSet presAssocID="{D695E016-1DCF-4A67-99EF-C9C96766E3D2}" presName="root2" presStyleCnt="0"/>
+      <dgm:spPr/>
+    </dgm:pt>
+    <dgm:pt modelId="{5857604A-140A-4239-9269-7A99C9015556}" type="pres">
+      <dgm:prSet presAssocID="{D695E016-1DCF-4A67-99EF-C9C96766E3D2}" presName="LevelTwoTextNode" presStyleLbl="node2" presStyleIdx="0" presStyleCnt="2">
+        <dgm:presLayoutVars>
+          <dgm:chPref val="3"/>
+        </dgm:presLayoutVars>
+      </dgm:prSet>
+      <dgm:spPr/>
+    </dgm:pt>
+    <dgm:pt modelId="{535019EA-1F24-4F5D-BA72-54386AB93BB8}" type="pres">
+      <dgm:prSet presAssocID="{D695E016-1DCF-4A67-99EF-C9C96766E3D2}" presName="level3hierChild" presStyleCnt="0"/>
+      <dgm:spPr/>
+    </dgm:pt>
+    <dgm:pt modelId="{3E4CD897-2443-410B-B85F-D1F062FBFEA3}" type="pres">
+      <dgm:prSet presAssocID="{F4B4EC1D-22BF-4A9B-9AC1-17CD07372339}" presName="conn2-1" presStyleLbl="parChTrans1D2" presStyleIdx="1" presStyleCnt="2"/>
+      <dgm:spPr/>
+    </dgm:pt>
+    <dgm:pt modelId="{184475A9-D0B4-421A-98C4-5D4FE46889C1}" type="pres">
+      <dgm:prSet presAssocID="{F4B4EC1D-22BF-4A9B-9AC1-17CD07372339}" presName="connTx" presStyleLbl="parChTrans1D2" presStyleIdx="1" presStyleCnt="2"/>
+      <dgm:spPr/>
+    </dgm:pt>
+    <dgm:pt modelId="{B58381F7-2BED-49A0-ACFB-5FF908623487}" type="pres">
+      <dgm:prSet presAssocID="{BCA73544-8627-4B73-A20E-47691031F107}" presName="root2" presStyleCnt="0"/>
+      <dgm:spPr/>
+    </dgm:pt>
+    <dgm:pt modelId="{EBB03773-C4D9-4873-A035-99F983E1CF54}" type="pres">
+      <dgm:prSet presAssocID="{BCA73544-8627-4B73-A20E-47691031F107}" presName="LevelTwoTextNode" presStyleLbl="node2" presStyleIdx="1" presStyleCnt="2">
+        <dgm:presLayoutVars>
+          <dgm:chPref val="3"/>
+        </dgm:presLayoutVars>
+      </dgm:prSet>
+      <dgm:spPr/>
+    </dgm:pt>
+    <dgm:pt modelId="{86FC68A5-C0F6-416B-BD52-BC2E5829F79A}" type="pres">
+      <dgm:prSet presAssocID="{BCA73544-8627-4B73-A20E-47691031F107}" presName="level3hierChild" presStyleCnt="0"/>
+      <dgm:spPr/>
+    </dgm:pt>
+  </dgm:ptLst>
+  <dgm:cxnLst>
+    <dgm:cxn modelId="{20636316-4F9F-4589-B440-FFE305E42BD6}" srcId="{1B714A90-3A23-4FAF-A017-079AB204C615}" destId="{BCA73544-8627-4B73-A20E-47691031F107}" srcOrd="1" destOrd="0" parTransId="{F4B4EC1D-22BF-4A9B-9AC1-17CD07372339}" sibTransId="{41C47748-1AC7-47DF-9657-8E009E650988}"/>
+    <dgm:cxn modelId="{D9CEAF1D-2490-42CE-B66C-9F2AC760A4DB}" srcId="{D68AD4BC-0AF5-447C-A2A3-3BB9AEFCBB35}" destId="{1B714A90-3A23-4FAF-A017-079AB204C615}" srcOrd="0" destOrd="0" parTransId="{1E0469AE-DA17-43BC-BD68-FF810E76CA4D}" sibTransId="{8B01551B-3D66-4EC4-8F7E-75CEFAF293F7}"/>
+    <dgm:cxn modelId="{FEBEB833-2BD8-463F-91AC-1DABC4EDF2B4}" type="presOf" srcId="{F4B4EC1D-22BF-4A9B-9AC1-17CD07372339}" destId="{184475A9-D0B4-421A-98C4-5D4FE46889C1}" srcOrd="1" destOrd="0" presId="urn:microsoft.com/office/officeart/2005/8/layout/hierarchy2"/>
+    <dgm:cxn modelId="{30E17975-F7FA-4E12-854D-F36DF78E5298}" type="presOf" srcId="{D695E016-1DCF-4A67-99EF-C9C96766E3D2}" destId="{5857604A-140A-4239-9269-7A99C9015556}" srcOrd="0" destOrd="0" presId="urn:microsoft.com/office/officeart/2005/8/layout/hierarchy2"/>
+    <dgm:cxn modelId="{B9A6D377-09D6-4B8B-9682-736749F7AA05}" type="presOf" srcId="{BCA73544-8627-4B73-A20E-47691031F107}" destId="{EBB03773-C4D9-4873-A035-99F983E1CF54}" srcOrd="0" destOrd="0" presId="urn:microsoft.com/office/officeart/2005/8/layout/hierarchy2"/>
+    <dgm:cxn modelId="{FEC79088-3427-4D56-8025-ED77405821F5}" srcId="{1B714A90-3A23-4FAF-A017-079AB204C615}" destId="{D695E016-1DCF-4A67-99EF-C9C96766E3D2}" srcOrd="0" destOrd="0" parTransId="{F4D5A1F8-FE21-4A29-99AF-417E4E0D5E0C}" sibTransId="{FBB5D5DA-65AF-40A9-A443-D8CFC9B786D1}"/>
+    <dgm:cxn modelId="{D41A3998-F533-4F75-9B65-57DB1352C6BE}" type="presOf" srcId="{1B714A90-3A23-4FAF-A017-079AB204C615}" destId="{9D94673A-1B62-4DA5-BA2A-DF52F8CDA1E3}" srcOrd="0" destOrd="0" presId="urn:microsoft.com/office/officeart/2005/8/layout/hierarchy2"/>
+    <dgm:cxn modelId="{62A12FD5-1F0B-4838-B597-E28779656921}" type="presOf" srcId="{F4B4EC1D-22BF-4A9B-9AC1-17CD07372339}" destId="{3E4CD897-2443-410B-B85F-D1F062FBFEA3}" srcOrd="0" destOrd="0" presId="urn:microsoft.com/office/officeart/2005/8/layout/hierarchy2"/>
+    <dgm:cxn modelId="{1BC14CD7-35E9-4465-ADAC-ED340F3DF452}" type="presOf" srcId="{F4D5A1F8-FE21-4A29-99AF-417E4E0D5E0C}" destId="{FA26D184-9CF5-4A0B-94AC-EA7920052921}" srcOrd="0" destOrd="0" presId="urn:microsoft.com/office/officeart/2005/8/layout/hierarchy2"/>
+    <dgm:cxn modelId="{069A49E4-9CD9-46BA-AF48-C093B1B8E64F}" type="presOf" srcId="{F4D5A1F8-FE21-4A29-99AF-417E4E0D5E0C}" destId="{EF2A8308-CADC-4684-A593-1A78D519ED78}" srcOrd="1" destOrd="0" presId="urn:microsoft.com/office/officeart/2005/8/layout/hierarchy2"/>
+    <dgm:cxn modelId="{11A4D3FA-21C9-4437-9DC2-4BE892D852CF}" type="presOf" srcId="{D68AD4BC-0AF5-447C-A2A3-3BB9AEFCBB35}" destId="{63898D21-7235-4D86-BCDA-33A41D90721F}" srcOrd="0" destOrd="0" presId="urn:microsoft.com/office/officeart/2005/8/layout/hierarchy2"/>
+    <dgm:cxn modelId="{92E46528-F305-4EF2-AF1A-F2810C81485F}" type="presParOf" srcId="{63898D21-7235-4D86-BCDA-33A41D90721F}" destId="{A72D1205-6E8E-4E4A-B7B4-762548CAE19A}" srcOrd="0" destOrd="0" presId="urn:microsoft.com/office/officeart/2005/8/layout/hierarchy2"/>
+    <dgm:cxn modelId="{BB4066F9-D6EB-426E-B4DC-EE7F3065F224}" type="presParOf" srcId="{A72D1205-6E8E-4E4A-B7B4-762548CAE19A}" destId="{9D94673A-1B62-4DA5-BA2A-DF52F8CDA1E3}" srcOrd="0" destOrd="0" presId="urn:microsoft.com/office/officeart/2005/8/layout/hierarchy2"/>
+    <dgm:cxn modelId="{A0045E95-79CD-4633-96A2-3057A46E5CA1}" type="presParOf" srcId="{A72D1205-6E8E-4E4A-B7B4-762548CAE19A}" destId="{6F588D78-7CEC-4BA8-8FAA-4C759C0415B8}" srcOrd="1" destOrd="0" presId="urn:microsoft.com/office/officeart/2005/8/layout/hierarchy2"/>
+    <dgm:cxn modelId="{F02312A7-DF5B-4002-9818-3055B752E77D}" type="presParOf" srcId="{6F588D78-7CEC-4BA8-8FAA-4C759C0415B8}" destId="{FA26D184-9CF5-4A0B-94AC-EA7920052921}" srcOrd="0" destOrd="0" presId="urn:microsoft.com/office/officeart/2005/8/layout/hierarchy2"/>
+    <dgm:cxn modelId="{69437BC6-9A04-475D-8B29-215BCCD068B1}" type="presParOf" srcId="{FA26D184-9CF5-4A0B-94AC-EA7920052921}" destId="{EF2A8308-CADC-4684-A593-1A78D519ED78}" srcOrd="0" destOrd="0" presId="urn:microsoft.com/office/officeart/2005/8/layout/hierarchy2"/>
+    <dgm:cxn modelId="{001CF7A5-AA71-48CC-A19B-D86FF68E8570}" type="presParOf" srcId="{6F588D78-7CEC-4BA8-8FAA-4C759C0415B8}" destId="{B6783E7F-D54E-47C5-B4CC-18CD9A1610B8}" srcOrd="1" destOrd="0" presId="urn:microsoft.com/office/officeart/2005/8/layout/hierarchy2"/>
+    <dgm:cxn modelId="{9C2A28FF-A780-46B8-9A52-A3F2FE1DCBD5}" type="presParOf" srcId="{B6783E7F-D54E-47C5-B4CC-18CD9A1610B8}" destId="{5857604A-140A-4239-9269-7A99C9015556}" srcOrd="0" destOrd="0" presId="urn:microsoft.com/office/officeart/2005/8/layout/hierarchy2"/>
+    <dgm:cxn modelId="{7AAF8E63-9D31-4A4C-813F-32317D8412CC}" type="presParOf" srcId="{B6783E7F-D54E-47C5-B4CC-18CD9A1610B8}" destId="{535019EA-1F24-4F5D-BA72-54386AB93BB8}" srcOrd="1" destOrd="0" presId="urn:microsoft.com/office/officeart/2005/8/layout/hierarchy2"/>
+    <dgm:cxn modelId="{D7119A0A-BC31-4B69-A493-734D481322FE}" type="presParOf" srcId="{6F588D78-7CEC-4BA8-8FAA-4C759C0415B8}" destId="{3E4CD897-2443-410B-B85F-D1F062FBFEA3}" srcOrd="2" destOrd="0" presId="urn:microsoft.com/office/officeart/2005/8/layout/hierarchy2"/>
+    <dgm:cxn modelId="{A5D4DF0D-C040-4FF3-A0E6-52DA00B4FB4D}" type="presParOf" srcId="{3E4CD897-2443-410B-B85F-D1F062FBFEA3}" destId="{184475A9-D0B4-421A-98C4-5D4FE46889C1}" srcOrd="0" destOrd="0" presId="urn:microsoft.com/office/officeart/2005/8/layout/hierarchy2"/>
+    <dgm:cxn modelId="{27C37CB4-A996-4A7C-8888-956F92BDE9EE}" type="presParOf" srcId="{6F588D78-7CEC-4BA8-8FAA-4C759C0415B8}" destId="{B58381F7-2BED-49A0-ACFB-5FF908623487}" srcOrd="3" destOrd="0" presId="urn:microsoft.com/office/officeart/2005/8/layout/hierarchy2"/>
+    <dgm:cxn modelId="{4C58E036-C004-4616-BD14-09315F9EDBCD}" type="presParOf" srcId="{B58381F7-2BED-49A0-ACFB-5FF908623487}" destId="{EBB03773-C4D9-4873-A035-99F983E1CF54}" srcOrd="0" destOrd="0" presId="urn:microsoft.com/office/officeart/2005/8/layout/hierarchy2"/>
+    <dgm:cxn modelId="{C786A032-78CE-4C63-8737-FAB9D1740573}" type="presParOf" srcId="{B58381F7-2BED-49A0-ACFB-5FF908623487}" destId="{86FC68A5-C0F6-416B-BD52-BC2E5829F79A}" srcOrd="1" destOrd="0" presId="urn:microsoft.com/office/officeart/2005/8/layout/hierarchy2"/>
+  </dgm:cxnLst>
+  <dgm:bg/>
+  <dgm:whole/>
+  <dgm:extLst>
+    <a:ext uri="http://schemas.microsoft.com/office/drawing/2008/diagram">
+      <dsp:dataModelExt xmlns:dsp="http://schemas.microsoft.com/office/drawing/2008/diagram" relId="rId6" minVer="http://schemas.openxmlformats.org/drawingml/2006/diagram"/>
+    </a:ext>
+  </dgm:extLst>
+</dgm:dataModel>
+</file>
+
+<file path=ppt/diagrams/drawing1.xml><?xml version="1.0" encoding="utf-8"?>
+<dsp:drawing xmlns:dgm="http://schemas.openxmlformats.org/drawingml/2006/diagram" xmlns:dsp="http://schemas.microsoft.com/office/drawing/2008/diagram" xmlns:a="http://schemas.openxmlformats.org/drawingml/2006/main">
+  <dsp:spTree>
+    <dsp:nvGrpSpPr>
+      <dsp:cNvPr id="0" name=""/>
+      <dsp:cNvGrpSpPr/>
+    </dsp:nvGrpSpPr>
+    <dsp:grpSpPr/>
+    <dsp:sp modelId="{9D94673A-1B62-4DA5-BA2A-DF52F8CDA1E3}">
+      <dsp:nvSpPr>
+        <dsp:cNvPr id="0" name=""/>
+        <dsp:cNvSpPr/>
+      </dsp:nvSpPr>
+      <dsp:spPr>
+        <a:xfrm>
+          <a:off x="676685" y="500197"/>
+          <a:ext cx="1737911" cy="868955"/>
+        </a:xfrm>
+        <a:prstGeom prst="roundRect">
+          <a:avLst>
+            <a:gd name="adj" fmla="val 10000"/>
+          </a:avLst>
+        </a:prstGeom>
+        <a:solidFill>
+          <a:schemeClr val="accent1">
+            <a:hueOff val="0"/>
+            <a:satOff val="0"/>
+            <a:lumOff val="0"/>
+            <a:alphaOff val="0"/>
+          </a:schemeClr>
+        </a:solidFill>
+        <a:ln w="12700" cap="flat" cmpd="sng" algn="ctr">
+          <a:solidFill>
+            <a:schemeClr val="lt1">
+              <a:hueOff val="0"/>
+              <a:satOff val="0"/>
+              <a:lumOff val="0"/>
+              <a:alphaOff val="0"/>
+            </a:schemeClr>
+          </a:solidFill>
+          <a:prstDash val="solid"/>
+          <a:miter lim="800000"/>
+        </a:ln>
+        <a:effectLst/>
+      </dsp:spPr>
+      <dsp:style>
+        <a:lnRef idx="2">
+          <a:scrgbClr r="0" g="0" b="0"/>
+        </a:lnRef>
+        <a:fillRef idx="1">
+          <a:scrgbClr r="0" g="0" b="0"/>
+        </a:fillRef>
+        <a:effectRef idx="0">
+          <a:scrgbClr r="0" g="0" b="0"/>
+        </a:effectRef>
+        <a:fontRef idx="minor">
+          <a:schemeClr val="lt1"/>
+        </a:fontRef>
+      </dsp:style>
+      <dsp:txBody>
+        <a:bodyPr spcFirstLastPara="0" vert="horz" wrap="square" lIns="11430" tIns="11430" rIns="11430" bIns="11430" numCol="1" spcCol="1270" anchor="ctr" anchorCtr="0">
+          <a:noAutofit/>
+        </a:bodyPr>
+        <a:lstStyle/>
+        <a:p>
+          <a:pPr marL="0" lvl="0" indent="0" algn="ctr" defTabSz="800100">
+            <a:lnSpc>
+              <a:spcPct val="90000"/>
+            </a:lnSpc>
+            <a:spcBef>
+              <a:spcPct val="0"/>
+            </a:spcBef>
+            <a:spcAft>
+              <a:spcPct val="35000"/>
+            </a:spcAft>
+            <a:buNone/>
+          </a:pPr>
+          <a:r>
+            <a:rPr lang="pt-BR" sz="1800" kern="1200" noProof="0" dirty="0"/>
+            <a:t>Pedido</a:t>
+          </a:r>
+        </a:p>
+        <a:p>
+          <a:pPr marL="0" lvl="0" indent="0" algn="ctr" defTabSz="800100">
+            <a:lnSpc>
+              <a:spcPct val="90000"/>
+            </a:lnSpc>
+            <a:spcBef>
+              <a:spcPct val="0"/>
+            </a:spcBef>
+            <a:spcAft>
+              <a:spcPct val="35000"/>
+            </a:spcAft>
+            <a:buNone/>
+          </a:pPr>
+          <a:r>
+            <a:rPr lang="pt-BR" sz="1800" kern="1200" noProof="0" dirty="0"/>
+            <a:t>(Entidade)</a:t>
+          </a:r>
+        </a:p>
+      </dsp:txBody>
+      <dsp:txXfrm>
+        <a:off x="702136" y="525648"/>
+        <a:ext cx="1687009" cy="818053"/>
+      </dsp:txXfrm>
+    </dsp:sp>
+    <dsp:sp modelId="{FA26D184-9CF5-4A0B-94AC-EA7920052921}">
+      <dsp:nvSpPr>
+        <dsp:cNvPr id="0" name=""/>
+        <dsp:cNvSpPr/>
+      </dsp:nvSpPr>
+      <dsp:spPr>
+        <a:xfrm rot="19457599">
+          <a:off x="2334130" y="643014"/>
+          <a:ext cx="856097" cy="83671"/>
+        </a:xfrm>
+        <a:custGeom>
+          <a:avLst/>
+          <a:gdLst/>
+          <a:ahLst/>
+          <a:cxnLst/>
+          <a:rect l="0" t="0" r="0" b="0"/>
+          <a:pathLst>
+            <a:path>
+              <a:moveTo>
+                <a:pt x="0" y="41835"/>
+              </a:moveTo>
+              <a:lnTo>
+                <a:pt x="856097" y="41835"/>
+              </a:lnTo>
+            </a:path>
+          </a:pathLst>
+        </a:custGeom>
+        <a:noFill/>
+        <a:ln w="12700" cap="flat" cmpd="sng" algn="ctr">
+          <a:solidFill>
+            <a:schemeClr val="accent1">
+              <a:shade val="60000"/>
+              <a:hueOff val="0"/>
+              <a:satOff val="0"/>
+              <a:lumOff val="0"/>
+              <a:alphaOff val="0"/>
+            </a:schemeClr>
+          </a:solidFill>
+          <a:prstDash val="solid"/>
+          <a:miter lim="800000"/>
+        </a:ln>
+        <a:effectLst/>
+      </dsp:spPr>
+      <dsp:style>
+        <a:lnRef idx="2">
+          <a:scrgbClr r="0" g="0" b="0"/>
+        </a:lnRef>
+        <a:fillRef idx="0">
+          <a:scrgbClr r="0" g="0" b="0"/>
+        </a:fillRef>
+        <a:effectRef idx="0">
+          <a:scrgbClr r="0" g="0" b="0"/>
+        </a:effectRef>
+        <a:fontRef idx="minor"/>
+      </dsp:style>
+      <dsp:txBody>
+        <a:bodyPr spcFirstLastPara="0" vert="horz" wrap="square" lIns="12700" tIns="0" rIns="12700" bIns="0" numCol="1" spcCol="1270" anchor="ctr" anchorCtr="0">
+          <a:noAutofit/>
+        </a:bodyPr>
+        <a:lstStyle/>
+        <a:p>
+          <a:pPr marL="0" lvl="0" indent="0" algn="ctr" defTabSz="222250">
+            <a:lnSpc>
+              <a:spcPct val="90000"/>
+            </a:lnSpc>
+            <a:spcBef>
+              <a:spcPct val="0"/>
+            </a:spcBef>
+            <a:spcAft>
+              <a:spcPct val="35000"/>
+            </a:spcAft>
+            <a:buNone/>
+          </a:pPr>
+          <a:endParaRPr lang="pt-BR" sz="500" kern="1200"/>
+        </a:p>
+      </dsp:txBody>
+      <dsp:txXfrm>
+        <a:off x="2740776" y="663447"/>
+        <a:ext cx="42804" cy="42804"/>
+      </dsp:txXfrm>
+    </dsp:sp>
+    <dsp:sp modelId="{5857604A-140A-4239-9269-7A99C9015556}">
+      <dsp:nvSpPr>
+        <dsp:cNvPr id="0" name=""/>
+        <dsp:cNvSpPr/>
+      </dsp:nvSpPr>
+      <dsp:spPr>
+        <a:xfrm>
+          <a:off x="3109761" y="547"/>
+          <a:ext cx="1737911" cy="868955"/>
+        </a:xfrm>
+        <a:prstGeom prst="roundRect">
+          <a:avLst>
+            <a:gd name="adj" fmla="val 10000"/>
+          </a:avLst>
+        </a:prstGeom>
+        <a:solidFill>
+          <a:schemeClr val="accent1">
+            <a:hueOff val="0"/>
+            <a:satOff val="0"/>
+            <a:lumOff val="0"/>
+            <a:alphaOff val="0"/>
+          </a:schemeClr>
+        </a:solidFill>
+        <a:ln w="12700" cap="flat" cmpd="sng" algn="ctr">
+          <a:solidFill>
+            <a:schemeClr val="lt1">
+              <a:hueOff val="0"/>
+              <a:satOff val="0"/>
+              <a:lumOff val="0"/>
+              <a:alphaOff val="0"/>
+            </a:schemeClr>
+          </a:solidFill>
+          <a:prstDash val="solid"/>
+          <a:miter lim="800000"/>
+        </a:ln>
+        <a:effectLst/>
+      </dsp:spPr>
+      <dsp:style>
+        <a:lnRef idx="2">
+          <a:scrgbClr r="0" g="0" b="0"/>
+        </a:lnRef>
+        <a:fillRef idx="1">
+          <a:scrgbClr r="0" g="0" b="0"/>
+        </a:fillRef>
+        <a:effectRef idx="0">
+          <a:scrgbClr r="0" g="0" b="0"/>
+        </a:effectRef>
+        <a:fontRef idx="minor">
+          <a:schemeClr val="lt1"/>
+        </a:fontRef>
+      </dsp:style>
+      <dsp:txBody>
+        <a:bodyPr spcFirstLastPara="0" vert="horz" wrap="square" lIns="11430" tIns="11430" rIns="11430" bIns="11430" numCol="1" spcCol="1270" anchor="ctr" anchorCtr="0">
+          <a:noAutofit/>
+        </a:bodyPr>
+        <a:lstStyle/>
+        <a:p>
+          <a:pPr marL="0" lvl="0" indent="0" algn="ctr" defTabSz="800100">
+            <a:lnSpc>
+              <a:spcPct val="90000"/>
+            </a:lnSpc>
+            <a:spcBef>
+              <a:spcPct val="0"/>
+            </a:spcBef>
+            <a:spcAft>
+              <a:spcPct val="35000"/>
+            </a:spcAft>
+            <a:buNone/>
+          </a:pPr>
+          <a:r>
+            <a:rPr lang="en-US" sz="1800" kern="1200" dirty="0"/>
+            <a:t>Item</a:t>
+          </a:r>
+        </a:p>
+        <a:p>
+          <a:pPr marL="0" lvl="0" indent="0" algn="ctr" defTabSz="800100">
+            <a:lnSpc>
+              <a:spcPct val="90000"/>
+            </a:lnSpc>
+            <a:spcBef>
+              <a:spcPct val="0"/>
+            </a:spcBef>
+            <a:spcAft>
+              <a:spcPct val="35000"/>
+            </a:spcAft>
+            <a:buNone/>
+          </a:pPr>
+          <a:r>
+            <a:rPr lang="en-US" sz="1800" kern="1200" dirty="0"/>
+            <a:t>(</a:t>
+          </a:r>
+          <a:r>
+            <a:rPr lang="pt-BR" sz="1800" kern="1200" noProof="0" dirty="0"/>
+            <a:t>Entidade</a:t>
+          </a:r>
+          <a:r>
+            <a:rPr lang="en-US" sz="1800" kern="1200" dirty="0"/>
+            <a:t>)</a:t>
+          </a:r>
+          <a:endParaRPr lang="pt-BR" sz="1800" kern="1200" dirty="0"/>
+        </a:p>
+      </dsp:txBody>
+      <dsp:txXfrm>
+        <a:off x="3135212" y="25998"/>
+        <a:ext cx="1687009" cy="818053"/>
+      </dsp:txXfrm>
+    </dsp:sp>
+    <dsp:sp modelId="{3E4CD897-2443-410B-B85F-D1F062FBFEA3}">
+      <dsp:nvSpPr>
+        <dsp:cNvPr id="0" name=""/>
+        <dsp:cNvSpPr/>
+      </dsp:nvSpPr>
+      <dsp:spPr>
+        <a:xfrm rot="2142401">
+          <a:off x="2334130" y="1142663"/>
+          <a:ext cx="856097" cy="83671"/>
+        </a:xfrm>
+        <a:custGeom>
+          <a:avLst/>
+          <a:gdLst/>
+          <a:ahLst/>
+          <a:cxnLst/>
+          <a:rect l="0" t="0" r="0" b="0"/>
+          <a:pathLst>
+            <a:path>
+              <a:moveTo>
+                <a:pt x="0" y="41835"/>
+              </a:moveTo>
+              <a:lnTo>
+                <a:pt x="856097" y="41835"/>
+              </a:lnTo>
+            </a:path>
+          </a:pathLst>
+        </a:custGeom>
+        <a:noFill/>
+        <a:ln w="12700" cap="flat" cmpd="sng" algn="ctr">
+          <a:solidFill>
+            <a:schemeClr val="accent1">
+              <a:shade val="60000"/>
+              <a:hueOff val="0"/>
+              <a:satOff val="0"/>
+              <a:lumOff val="0"/>
+              <a:alphaOff val="0"/>
+            </a:schemeClr>
+          </a:solidFill>
+          <a:prstDash val="solid"/>
+          <a:miter lim="800000"/>
+        </a:ln>
+        <a:effectLst/>
+      </dsp:spPr>
+      <dsp:style>
+        <a:lnRef idx="2">
+          <a:scrgbClr r="0" g="0" b="0"/>
+        </a:lnRef>
+        <a:fillRef idx="0">
+          <a:scrgbClr r="0" g="0" b="0"/>
+        </a:fillRef>
+        <a:effectRef idx="0">
+          <a:scrgbClr r="0" g="0" b="0"/>
+        </a:effectRef>
+        <a:fontRef idx="minor"/>
+      </dsp:style>
+      <dsp:txBody>
+        <a:bodyPr spcFirstLastPara="0" vert="horz" wrap="square" lIns="12700" tIns="0" rIns="12700" bIns="0" numCol="1" spcCol="1270" anchor="ctr" anchorCtr="0">
+          <a:noAutofit/>
+        </a:bodyPr>
+        <a:lstStyle/>
+        <a:p>
+          <a:pPr marL="0" lvl="0" indent="0" algn="ctr" defTabSz="222250">
+            <a:lnSpc>
+              <a:spcPct val="90000"/>
+            </a:lnSpc>
+            <a:spcBef>
+              <a:spcPct val="0"/>
+            </a:spcBef>
+            <a:spcAft>
+              <a:spcPct val="35000"/>
+            </a:spcAft>
+            <a:buNone/>
+          </a:pPr>
+          <a:endParaRPr lang="pt-BR" sz="500" kern="1200"/>
+        </a:p>
+      </dsp:txBody>
+      <dsp:txXfrm>
+        <a:off x="2740776" y="1163097"/>
+        <a:ext cx="42804" cy="42804"/>
+      </dsp:txXfrm>
+    </dsp:sp>
+    <dsp:sp modelId="{EBB03773-C4D9-4873-A035-99F983E1CF54}">
+      <dsp:nvSpPr>
+        <dsp:cNvPr id="0" name=""/>
+        <dsp:cNvSpPr/>
+      </dsp:nvSpPr>
+      <dsp:spPr>
+        <a:xfrm>
+          <a:off x="3109761" y="999846"/>
+          <a:ext cx="1737911" cy="868955"/>
+        </a:xfrm>
+        <a:prstGeom prst="roundRect">
+          <a:avLst>
+            <a:gd name="adj" fmla="val 10000"/>
+          </a:avLst>
+        </a:prstGeom>
+        <a:solidFill>
+          <a:schemeClr val="accent1">
+            <a:hueOff val="0"/>
+            <a:satOff val="0"/>
+            <a:lumOff val="0"/>
+            <a:alphaOff val="0"/>
+          </a:schemeClr>
+        </a:solidFill>
+        <a:ln w="12700" cap="flat" cmpd="sng" algn="ctr">
+          <a:solidFill>
+            <a:schemeClr val="lt1">
+              <a:hueOff val="0"/>
+              <a:satOff val="0"/>
+              <a:lumOff val="0"/>
+              <a:alphaOff val="0"/>
+            </a:schemeClr>
+          </a:solidFill>
+          <a:prstDash val="solid"/>
+          <a:miter lim="800000"/>
+        </a:ln>
+        <a:effectLst/>
+      </dsp:spPr>
+      <dsp:style>
+        <a:lnRef idx="2">
+          <a:scrgbClr r="0" g="0" b="0"/>
+        </a:lnRef>
+        <a:fillRef idx="1">
+          <a:scrgbClr r="0" g="0" b="0"/>
+        </a:fillRef>
+        <a:effectRef idx="0">
+          <a:scrgbClr r="0" g="0" b="0"/>
+        </a:effectRef>
+        <a:fontRef idx="minor">
+          <a:schemeClr val="lt1"/>
+        </a:fontRef>
+      </dsp:style>
+      <dsp:txBody>
+        <a:bodyPr spcFirstLastPara="0" vert="horz" wrap="square" lIns="11430" tIns="11430" rIns="11430" bIns="11430" numCol="1" spcCol="1270" anchor="ctr" anchorCtr="0">
+          <a:noAutofit/>
+        </a:bodyPr>
+        <a:lstStyle/>
+        <a:p>
+          <a:pPr marL="0" lvl="0" indent="0" algn="ctr" defTabSz="800100">
+            <a:lnSpc>
+              <a:spcPct val="90000"/>
+            </a:lnSpc>
+            <a:spcBef>
+              <a:spcPct val="0"/>
+            </a:spcBef>
+            <a:spcAft>
+              <a:spcPct val="35000"/>
+            </a:spcAft>
+            <a:buNone/>
+          </a:pPr>
+          <a:r>
+            <a:rPr lang="pt-BR" sz="1800" kern="1200" noProof="0" dirty="0"/>
+            <a:t>Endereço</a:t>
+          </a:r>
+        </a:p>
+        <a:p>
+          <a:pPr marL="0" lvl="0" indent="0" algn="ctr" defTabSz="800100">
+            <a:lnSpc>
+              <a:spcPct val="90000"/>
+            </a:lnSpc>
+            <a:spcBef>
+              <a:spcPct val="0"/>
+            </a:spcBef>
+            <a:spcAft>
+              <a:spcPct val="35000"/>
+            </a:spcAft>
+            <a:buNone/>
+          </a:pPr>
+          <a:r>
+            <a:rPr lang="pt-BR" sz="1800" kern="1200" noProof="0" dirty="0"/>
+            <a:t>(Objeto de Valor)</a:t>
+          </a:r>
+        </a:p>
+      </dsp:txBody>
+      <dsp:txXfrm>
+        <a:off x="3135212" y="1025297"/>
+        <a:ext cx="1687009" cy="818053"/>
+      </dsp:txXfrm>
+    </dsp:sp>
+  </dsp:spTree>
+</dsp:drawing>
+</file>
+
+<file path=ppt/diagrams/layout1.xml><?xml version="1.0" encoding="utf-8"?>
+<dgm:layoutDef xmlns:dgm="http://schemas.openxmlformats.org/drawingml/2006/diagram" xmlns:a="http://schemas.openxmlformats.org/drawingml/2006/main" uniqueId="urn:microsoft.com/office/officeart/2005/8/layout/hierarchy2">
+  <dgm:title val=""/>
+  <dgm:desc val=""/>
+  <dgm:catLst>
+    <dgm:cat type="hierarchy" pri="5000"/>
+  </dgm:catLst>
+  <dgm:sampData>
+    <dgm:dataModel>
+      <dgm:ptLst>
+        <dgm:pt modelId="0" type="doc"/>
+        <dgm:pt modelId="1">
+          <dgm:prSet phldr="1"/>
+        </dgm:pt>
+        <dgm:pt modelId="2">
+          <dgm:prSet phldr="1"/>
+        </dgm:pt>
+        <dgm:pt modelId="21">
+          <dgm:prSet phldr="1"/>
+        </dgm:pt>
+        <dgm:pt modelId="22">
+          <dgm:prSet phldr="1"/>
+        </dgm:pt>
+        <dgm:pt modelId="3">
+          <dgm:prSet phldr="1"/>
+        </dgm:pt>
+        <dgm:pt modelId="31">
+          <dgm:prSet phldr="1"/>
+        </dgm:pt>
+      </dgm:ptLst>
+      <dgm:cxnLst>
+        <dgm:cxn modelId="4" srcId="0" destId="1" srcOrd="0" destOrd="0"/>
+        <dgm:cxn modelId="5" srcId="1" destId="2" srcOrd="0" destOrd="0"/>
+        <dgm:cxn modelId="6" srcId="1" destId="3" srcOrd="1" destOrd="0"/>
+        <dgm:cxn modelId="23" srcId="2" destId="21" srcOrd="0" destOrd="0"/>
+        <dgm:cxn modelId="24" srcId="2" destId="22" srcOrd="1" destOrd="0"/>
+        <dgm:cxn modelId="33" srcId="3" destId="31" srcOrd="0" destOrd="0"/>
+      </dgm:cxnLst>
+      <dgm:bg/>
+      <dgm:whole/>
+    </dgm:dataModel>
+  </dgm:sampData>
+  <dgm:styleData>
+    <dgm:dataModel>
+      <dgm:ptLst>
+        <dgm:pt modelId="0" type="doc"/>
+        <dgm:pt modelId="1"/>
+        <dgm:pt modelId="11"/>
+        <dgm:pt modelId="12"/>
+      </dgm:ptLst>
+      <dgm:cxnLst>
+        <dgm:cxn modelId="2" srcId="0" destId="1" srcOrd="0" destOrd="0"/>
+        <dgm:cxn modelId="13" srcId="1" destId="11" srcOrd="0" destOrd="0"/>
+        <dgm:cxn modelId="14" srcId="1" destId="12" srcOrd="1" destOrd="0"/>
+      </dgm:cxnLst>
+      <dgm:bg/>
+      <dgm:whole/>
+    </dgm:dataModel>
+  </dgm:styleData>
+  <dgm:clrData>
+    <dgm:dataModel>
+      <dgm:ptLst>
+        <dgm:pt modelId="0" type="doc"/>
+        <dgm:pt modelId="1"/>
+        <dgm:pt modelId="2"/>
+        <dgm:pt modelId="21"/>
+        <dgm:pt modelId="211"/>
+        <dgm:pt modelId="3"/>
+        <dgm:pt modelId="31"/>
+        <dgm:pt modelId="311"/>
+      </dgm:ptLst>
+      <dgm:cxnLst>
+        <dgm:cxn modelId="4" srcId="0" destId="1" srcOrd="0" destOrd="0"/>
+        <dgm:cxn modelId="5" srcId="1" destId="2" srcOrd="0" destOrd="0"/>
+        <dgm:cxn modelId="6" srcId="1" destId="3" srcOrd="1" destOrd="0"/>
+        <dgm:cxn modelId="23" srcId="2" destId="21" srcOrd="0" destOrd="0"/>
+        <dgm:cxn modelId="24" srcId="21" destId="211" srcOrd="0" destOrd="0"/>
+        <dgm:cxn modelId="33" srcId="3" destId="31" srcOrd="0" destOrd="0"/>
+        <dgm:cxn modelId="34" srcId="31" destId="311" srcOrd="0" destOrd="0"/>
+      </dgm:cxnLst>
+      <dgm:bg/>
+      <dgm:whole/>
+    </dgm:dataModel>
+  </dgm:clrData>
+  <dgm:layoutNode name="diagram">
+    <dgm:varLst>
+      <dgm:chPref val="1"/>
+      <dgm:dir/>
+      <dgm:animOne val="branch"/>
+      <dgm:animLvl val="lvl"/>
+      <dgm:resizeHandles val="exact"/>
+    </dgm:varLst>
+    <dgm:choose name="Name0">
+      <dgm:if name="Name1" func="var" arg="dir" op="equ" val="norm">
+        <dgm:alg type="hierChild">
+          <dgm:param type="linDir" val="fromT"/>
+          <dgm:param type="chAlign" val="l"/>
+        </dgm:alg>
+      </dgm:if>
+      <dgm:else name="Name2">
+        <dgm:alg type="hierChild">
+          <dgm:param type="linDir" val="fromT"/>
+          <dgm:param type="chAlign" val="r"/>
+        </dgm:alg>
+      </dgm:else>
+    </dgm:choose>
+    <dgm:shape xmlns:r="http://schemas.openxmlformats.org/officeDocument/2006/relationships" r:blip="">
+      <dgm:adjLst/>
+    </dgm:shape>
+    <dgm:presOf/>
+    <dgm:constrLst>
+      <dgm:constr type="h" for="des" ptType="node" refType="h"/>
+      <dgm:constr type="w" for="des" ptType="node" refType="h" refFor="des" refPtType="node" fact="2"/>
+      <dgm:constr type="sibSp" refType="h" refFor="des" refPtType="node" op="equ" fact="0.15"/>
+      <dgm:constr type="sibSp" for="des" forName="level2hierChild" refType="h" refFor="des" refPtType="node" op="equ" fact="0.15"/>
+      <dgm:constr type="sibSp" for="des" forName="level3hierChild" refType="h" refFor="des" refPtType="node" op="equ" fact="0.15"/>
+      <dgm:constr type="sp" for="des" forName="root1" refType="w" refFor="des" refPtType="node" fact="0.4"/>
+      <dgm:constr type="sp" for="des" forName="root2" refType="sp" refFor="des" refForName="root1" op="equ"/>
+      <dgm:constr type="primFontSz" for="des" ptType="node" op="equ" val="65"/>
+      <dgm:constr type="primFontSz" for="des" forName="connTx" op="equ" val="55"/>
+      <dgm:constr type="primFontSz" for="des" forName="connTx" refType="primFontSz" refFor="des" refPtType="node" op="lte" fact="0.8"/>
+    </dgm:constrLst>
+    <dgm:ruleLst/>
+    <dgm:forEach name="Name3" axis="ch">
+      <dgm:forEach name="Name4" axis="self" ptType="node">
+        <dgm:layoutNode name="root1">
+          <dgm:choose name="Name5">
+            <dgm:if name="Name6" func="var" arg="dir" op="equ" val="norm">
+              <dgm:alg type="hierRoot">
+                <dgm:param type="hierAlign" val="lCtrCh"/>
+              </dgm:alg>
+            </dgm:if>
+            <dgm:else name="Name7">
+              <dgm:alg type="hierRoot">
+                <dgm:param type="hierAlign" val="rCtrCh"/>
+              </dgm:alg>
+            </dgm:else>
+          </dgm:choose>
+          <dgm:shape xmlns:r="http://schemas.openxmlformats.org/officeDocument/2006/relationships" r:blip="">
+            <dgm:adjLst/>
+          </dgm:shape>
+          <dgm:presOf/>
+          <dgm:constrLst/>
+          <dgm:ruleLst/>
+          <dgm:layoutNode name="LevelOneTextNode" styleLbl="node0">
+            <dgm:varLst>
+              <dgm:chPref val="3"/>
+            </dgm:varLst>
+            <dgm:alg type="tx"/>
+            <dgm:shape xmlns:r="http://schemas.openxmlformats.org/officeDocument/2006/relationships" type="roundRect" r:blip="">
+              <dgm:adjLst>
+                <dgm:adj idx="1" val="0.1"/>
+              </dgm:adjLst>
+            </dgm:shape>
+            <dgm:presOf axis="self"/>
+            <dgm:constrLst>
+              <dgm:constr type="tMarg" refType="primFontSz" fact="0.05"/>
+              <dgm:constr type="bMarg" refType="primFontSz" fact="0.05"/>
+              <dgm:constr type="lMarg" refType="primFontSz" fact="0.05"/>
+              <dgm:constr type="rMarg" refType="primFontSz" fact="0.05"/>
+            </dgm:constrLst>
+            <dgm:ruleLst>
+              <dgm:rule type="primFontSz" val="5" fact="NaN" max="NaN"/>
+            </dgm:ruleLst>
+          </dgm:layoutNode>
+          <dgm:layoutNode name="level2hierChild">
+            <dgm:choose name="Name8">
+              <dgm:if name="Name9" func="var" arg="dir" op="equ" val="norm">
+                <dgm:alg type="hierChild">
+                  <dgm:param type="linDir" val="fromT"/>
+                  <dgm:param type="chAlign" val="l"/>
+                </dgm:alg>
+              </dgm:if>
+              <dgm:else name="Name10">
+                <dgm:alg type="hierChild">
+                  <dgm:param type="linDir" val="fromT"/>
+                  <dgm:param type="chAlign" val="r"/>
+                </dgm:alg>
+              </dgm:else>
+            </dgm:choose>
+            <dgm:shape xmlns:r="http://schemas.openxmlformats.org/officeDocument/2006/relationships" r:blip="">
+              <dgm:adjLst/>
+            </dgm:shape>
+            <dgm:presOf/>
+            <dgm:constrLst/>
+            <dgm:ruleLst/>
+            <dgm:forEach name="repeat" axis="ch">
+              <dgm:forEach name="Name11" axis="self" ptType="parTrans" cnt="1">
+                <dgm:layoutNode name="conn2-1">
+                  <dgm:choose name="Name12">
+                    <dgm:if name="Name13" func="var" arg="dir" op="equ" val="norm">
+                      <dgm:alg type="conn">
+                        <dgm:param type="dim" val="1D"/>
+                        <dgm:param type="begPts" val="midR"/>
+                        <dgm:param type="endPts" val="midL"/>
+                        <dgm:param type="endSty" val="noArr"/>
+                      </dgm:alg>
+                    </dgm:if>
+                    <dgm:else name="Name14">
+                      <dgm:alg type="conn">
+                        <dgm:param type="dim" val="1D"/>
+                        <dgm:param type="begPts" val="midL"/>
+                        <dgm:param type="endPts" val="midR"/>
+                        <dgm:param type="endSty" val="noArr"/>
+                      </dgm:alg>
+                    </dgm:else>
+                  </dgm:choose>
+                  <dgm:shape xmlns:r="http://schemas.openxmlformats.org/officeDocument/2006/relationships" type="conn" r:blip="">
+                    <dgm:adjLst/>
+                  </dgm:shape>
+                  <dgm:presOf axis="self"/>
+                  <dgm:constrLst>
+                    <dgm:constr type="w" val="1"/>
+                    <dgm:constr type="h" val="5"/>
+                    <dgm:constr type="connDist"/>
+                    <dgm:constr type="begPad"/>
+                    <dgm:constr type="endPad"/>
+                    <dgm:constr type="userA" for="ch" refType="connDist"/>
+                  </dgm:constrLst>
+                  <dgm:ruleLst/>
+                  <dgm:layoutNode name="connTx">
+                    <dgm:alg type="tx">
+                      <dgm:param type="autoTxRot" val="grav"/>
+                    </dgm:alg>
+                    <dgm:shape xmlns:r="http://schemas.openxmlformats.org/officeDocument/2006/relationships" type="rect" r:blip="" hideGeom="1">
+                      <dgm:adjLst/>
+                    </dgm:shape>
+                    <dgm:presOf axis="self"/>
+                    <dgm:constrLst>
+                      <dgm:constr type="userA"/>
+                      <dgm:constr type="w" refType="userA" fact="0.05"/>
+                      <dgm:constr type="h" refType="userA" fact="0.05"/>
+                      <dgm:constr type="lMarg" val="1"/>
+                      <dgm:constr type="rMarg" val="1"/>
+                      <dgm:constr type="tMarg"/>
+                      <dgm:constr type="bMarg"/>
+                    </dgm:constrLst>
+                    <dgm:ruleLst>
+                      <dgm:rule type="h" val="NaN" fact="0.25" max="NaN"/>
+                      <dgm:rule type="w" val="NaN" fact="0.8" max="NaN"/>
+                      <dgm:rule type="primFontSz" val="5" fact="NaN" max="NaN"/>
+                    </dgm:ruleLst>
+                  </dgm:layoutNode>
+                </dgm:layoutNode>
+              </dgm:forEach>
+              <dgm:forEach name="Name15" axis="self" ptType="node">
+                <dgm:layoutNode name="root2">
+                  <dgm:choose name="Name16">
+                    <dgm:if name="Name17" func="var" arg="dir" op="equ" val="norm">
+                      <dgm:alg type="hierRoot">
+                        <dgm:param type="hierAlign" val="lCtrCh"/>
+                      </dgm:alg>
+                    </dgm:if>
+                    <dgm:else name="Name18">
+                      <dgm:alg type="hierRoot">
+                        <dgm:param type="hierAlign" val="rCtrCh"/>
+                      </dgm:alg>
+                    </dgm:else>
+                  </dgm:choose>
+                  <dgm:shape xmlns:r="http://schemas.openxmlformats.org/officeDocument/2006/relationships" r:blip="">
+                    <dgm:adjLst/>
+                  </dgm:shape>
+                  <dgm:presOf/>
+                  <dgm:constrLst/>
+                  <dgm:ruleLst/>
+                  <dgm:layoutNode name="LevelTwoTextNode">
+                    <dgm:varLst>
+                      <dgm:chPref val="3"/>
+                    </dgm:varLst>
+                    <dgm:alg type="tx"/>
+                    <dgm:shape xmlns:r="http://schemas.openxmlformats.org/officeDocument/2006/relationships" type="roundRect" r:blip="">
+                      <dgm:adjLst>
+                        <dgm:adj idx="1" val="0.1"/>
+                      </dgm:adjLst>
+                    </dgm:shape>
+                    <dgm:presOf axis="self"/>
+                    <dgm:constrLst>
+                      <dgm:constr type="tMarg" refType="primFontSz" fact="0.05"/>
+                      <dgm:constr type="bMarg" refType="primFontSz" fact="0.05"/>
+                      <dgm:constr type="lMarg" refType="primFontSz" fact="0.05"/>
+                      <dgm:constr type="rMarg" refType="primFontSz" fact="0.05"/>
+                    </dgm:constrLst>
+                    <dgm:ruleLst>
+                      <dgm:rule type="primFontSz" val="5" fact="NaN" max="NaN"/>
+                    </dgm:ruleLst>
+                  </dgm:layoutNode>
+                  <dgm:layoutNode name="level3hierChild">
+                    <dgm:choose name="Name19">
+                      <dgm:if name="Name20" func="var" arg="dir" op="equ" val="norm">
+                        <dgm:alg type="hierChild">
+                          <dgm:param type="linDir" val="fromT"/>
+                          <dgm:param type="chAlign" val="l"/>
+                        </dgm:alg>
+                      </dgm:if>
+                      <dgm:else name="Name21">
+                        <dgm:alg type="hierChild">
+                          <dgm:param type="linDir" val="fromT"/>
+                          <dgm:param type="chAlign" val="r"/>
+                        </dgm:alg>
+                      </dgm:else>
+                    </dgm:choose>
+                    <dgm:shape xmlns:r="http://schemas.openxmlformats.org/officeDocument/2006/relationships" r:blip="">
+                      <dgm:adjLst/>
+                    </dgm:shape>
+                    <dgm:presOf/>
+                    <dgm:constrLst/>
+                    <dgm:ruleLst/>
+                    <dgm:forEach name="Name22" ref="repeat"/>
+                  </dgm:layoutNode>
+                </dgm:layoutNode>
+              </dgm:forEach>
+            </dgm:forEach>
+          </dgm:layoutNode>
+        </dgm:layoutNode>
+      </dgm:forEach>
+    </dgm:forEach>
+  </dgm:layoutNode>
+</dgm:layoutDef>
+</file>
+
+<file path=ppt/diagrams/quickStyle1.xml><?xml version="1.0" encoding="utf-8"?>
+<dgm:styleDef xmlns:dgm="http://schemas.openxmlformats.org/drawingml/2006/diagram" xmlns:a="http://schemas.openxmlformats.org/drawingml/2006/main" uniqueId="urn:microsoft.com/office/officeart/2005/8/quickstyle/simple1">
+  <dgm:title val=""/>
+  <dgm:desc val=""/>
+  <dgm:catLst>
+    <dgm:cat type="simple" pri="10100"/>
+  </dgm:catLst>
+  <dgm:scene3d>
+    <a:camera prst="orthographicFront"/>
+    <a:lightRig rig="threePt" dir="t"/>
+  </dgm:scene3d>
+  <dgm:styleLbl name="node0">
+    <dgm:scene3d>
+      <a:camera prst="orthographicFront"/>
+      <a:lightRig rig="threePt" dir="t"/>
+    </dgm:scene3d>
+    <dgm:sp3d/>
+    <dgm:txPr/>
+    <dgm:style>
+      <a:lnRef idx="2">
+        <a:scrgbClr r="0" g="0" b="0"/>
+      </a:lnRef>
+      <a:fillRef idx="1">
+        <a:scrgbClr r="0" g="0" b="0"/>
+      </a:fillRef>
+      <a:effectRef idx="0">
+        <a:scrgbClr r="0" g="0" b="0"/>
+      </a:effectRef>
+      <a:fontRef idx="minor">
+        <a:schemeClr val="lt1"/>
+      </a:fontRef>
+    </dgm:style>
+  </dgm:styleLbl>
+  <dgm:styleLbl name="lnNode1">
+    <dgm:scene3d>
+      <a:camera prst="orthographicFront"/>
+      <a:lightRig rig="threePt" dir="t"/>
+    </dgm:scene3d>
+    <dgm:sp3d/>
+    <dgm:txPr/>
+    <dgm:style>
+      <a:lnRef idx="2">
+        <a:scrgbClr r="0" g="0" b="0"/>
+      </a:lnRef>
+      <a:fillRef idx="1">
+        <a:scrgbClr r="0" g="0" b="0"/>
+      </a:fillRef>
+      <a:effectRef idx="0">
+        <a:scrgbClr r="0" g="0" b="0"/>
+      </a:effectRef>
+      <a:fontRef idx="minor">
+        <a:schemeClr val="lt1"/>
+      </a:fontRef>
+    </dgm:style>
+  </dgm:styleLbl>
+  <dgm:styleLbl name="vennNode1">
+    <dgm:scene3d>
+      <a:camera prst="orthographicFront"/>
+      <a:lightRig rig="threePt" dir="t"/>
+    </dgm:scene3d>
+    <dgm:sp3d/>
+    <dgm:txPr/>
+    <dgm:style>
+      <a:lnRef idx="2">
+        <a:scrgbClr r="0" g="0" b="0"/>
+      </a:lnRef>
+      <a:fillRef idx="1">
+        <a:scrgbClr r="0" g="0" b="0"/>
+      </a:fillRef>
+      <a:effectRef idx="0">
+        <a:scrgbClr r="0" g="0" b="0"/>
+      </a:effectRef>
+      <a:fontRef idx="minor">
+        <a:schemeClr val="tx1"/>
+      </a:fontRef>
+    </dgm:style>
+  </dgm:styleLbl>
+  <dgm:styleLbl name="alignNode1">
+    <dgm:scene3d>
+      <a:camera prst="orthographicFront"/>
+      <a:lightRig rig="threePt" dir="t"/>
+    </dgm:scene3d>
+    <dgm:sp3d/>
+    <dgm:txPr/>
+    <dgm:style>
+      <a:lnRef idx="2">
+        <a:scrgbClr r="0" g="0" b="0"/>
+      </a:lnRef>
+      <a:fillRef idx="1">
+        <a:scrgbClr r="0" g="0" b="0"/>
+      </a:fillRef>
+      <a:effectRef idx="0">
+        <a:scrgbClr r="0" g="0" b="0"/>
+      </a:effectRef>
+      <a:fontRef idx="minor">
+        <a:schemeClr val="lt1"/>
+      </a:fontRef>
+    </dgm:style>
+  </dgm:styleLbl>
+  <dgm:styleLbl name="node1">
+    <dgm:scene3d>
+      <a:camera prst="orthographicFront"/>
+      <a:lightRig rig="threePt" dir="t"/>
+    </dgm:scene3d>
+    <dgm:sp3d/>
+    <dgm:txPr/>
+    <dgm:style>
+      <a:lnRef idx="2">
+        <a:scrgbClr r="0" g="0" b="0"/>
+      </a:lnRef>
+      <a:fillRef idx="1">
+        <a:scrgbClr r="0" g="0" b="0"/>
+      </a:fillRef>
+      <a:effectRef idx="0">
+        <a:scrgbClr r="0" g="0" b="0"/>
+      </a:effectRef>
+      <a:fontRef idx="minor">
+        <a:schemeClr val="lt1"/>
+      </a:fontRef>
+    </dgm:style>
+  </dgm:styleLbl>
+  <dgm:styleLbl name="node2">
+    <dgm:scene3d>
+      <a:camera prst="orthographicFront"/>
+      <a:lightRig rig="threePt" dir="t"/>
+    </dgm:scene3d>
+    <dgm:sp3d/>
+    <dgm:txPr/>
+    <dgm:style>
+      <a:lnRef idx="2">
+        <a:scrgbClr r="0" g="0" b="0"/>
+      </a:lnRef>
+      <a:fillRef idx="1">
+        <a:scrgbClr r="0" g="0" b="0"/>
+      </a:fillRef>
+      <a:effectRef idx="0">
+        <a:scrgbClr r="0" g="0" b="0"/>
+      </a:effectRef>
+      <a:fontRef idx="minor">
+        <a:schemeClr val="lt1"/>
+      </a:fontRef>
+    </dgm:style>
+  </dgm:styleLbl>
+  <dgm:styleLbl name="node3">
+    <dgm:scene3d>
+      <a:camera prst="orthographicFront"/>
+      <a:lightRig rig="threePt" dir="t"/>
+    </dgm:scene3d>
+    <dgm:sp3d/>
+    <dgm:txPr/>
+    <dgm:style>
+      <a:lnRef idx="2">
+        <a:scrgbClr r="0" g="0" b="0"/>
+      </a:lnRef>
+      <a:fillRef idx="1">
+        <a:scrgbClr r="0" g="0" b="0"/>
+      </a:fillRef>
+      <a:effectRef idx="0">
+        <a:scrgbClr r="0" g="0" b="0"/>
+      </a:effectRef>
+      <a:fontRef idx="minor">
+        <a:schemeClr val="lt1"/>
+      </a:fontRef>
+    </dgm:style>
+  </dgm:styleLbl>
+  <dgm:styleLbl name="node4">
+    <dgm:scene3d>
+      <a:camera prst="orthographicFront"/>
+      <a:lightRig rig="threePt" dir="t"/>
+    </dgm:scene3d>
+    <dgm:sp3d/>
+    <dgm:txPr/>
+    <dgm:style>
+      <a:lnRef idx="2">
+        <a:scrgbClr r="0" g="0" b="0"/>
+      </a:lnRef>
+      <a:fillRef idx="1">
+        <a:scrgbClr r="0" g="0" b="0"/>
+      </a:fillRef>
+      <a:effectRef idx="0">
+        <a:scrgbClr r="0" g="0" b="0"/>
+      </a:effectRef>
+      <a:fontRef idx="minor">
+        <a:schemeClr val="lt1"/>
+      </a:fontRef>
+    </dgm:style>
+  </dgm:styleLbl>
+  <dgm:styleLbl name="fgImgPlace1">
+    <dgm:scene3d>
+      <a:camera prst="orthographicFront"/>
+      <a:lightRig rig="threePt" dir="t"/>
+    </dgm:scene3d>
+    <dgm:sp3d/>
+    <dgm:txPr/>
+    <dgm:style>
+      <a:lnRef idx="2">
+        <a:scrgbClr r="0" g="0" b="0"/>
+      </a:lnRef>
+      <a:fillRef idx="1">
+        <a:scrgbClr r="0" g="0" b="0"/>
+      </a:fillRef>
+      <a:effectRef idx="0">
+        <a:scrgbClr r="0" g="0" b="0"/>
+      </a:effectRef>
+      <a:fontRef idx="minor"/>
+    </dgm:style>
+  </dgm:styleLbl>
+  <dgm:styleLbl name="alignImgPlace1">
+    <dgm:scene3d>
+      <a:camera prst="orthographicFront"/>
+      <a:lightRig rig="threePt" dir="t"/>
+    </dgm:scene3d>
+    <dgm:sp3d/>
+    <dgm:txPr/>
+    <dgm:style>
+      <a:lnRef idx="2">
+        <a:scrgbClr r="0" g="0" b="0"/>
+      </a:lnRef>
+      <a:fillRef idx="1">
+        <a:scrgbClr r="0" g="0" b="0"/>
+      </a:fillRef>
+      <a:effectRef idx="0">
+        <a:scrgbClr r="0" g="0" b="0"/>
+      </a:effectRef>
+      <a:fontRef idx="minor"/>
+    </dgm:style>
+  </dgm:styleLbl>
+  <dgm:styleLbl name="bgImgPlace1">
+    <dgm:scene3d>
+      <a:camera prst="orthographicFront"/>
+      <a:lightRig rig="threePt" dir="t"/>
+    </dgm:scene3d>
+    <dgm:sp3d/>
+    <dgm:txPr/>
+    <dgm:style>
+      <a:lnRef idx="2">
+        <a:scrgbClr r="0" g="0" b="0"/>
+      </a:lnRef>
+      <a:fillRef idx="1">
+        <a:scrgbClr r="0" g="0" b="0"/>
+      </a:fillRef>
+      <a:effectRef idx="0">
+        <a:scrgbClr r="0" g="0" b="0"/>
+      </a:effectRef>
+      <a:fontRef idx="minor"/>
+    </dgm:style>
+  </dgm:styleLbl>
+  <dgm:styleLbl name="sibTrans2D1">
+    <dgm:scene3d>
+      <a:camera prst="orthographicFront"/>
+      <a:lightRig rig="threePt" dir="t"/>
+    </dgm:scene3d>
+    <dgm:sp3d/>
+    <dgm:txPr/>
+    <dgm:style>
+      <a:lnRef idx="0">
+        <a:scrgbClr r="0" g="0" b="0"/>
+      </a:lnRef>
+      <a:fillRef idx="1">
+        <a:scrgbClr r="0" g="0" b="0"/>
+      </a:fillRef>
+      <a:effectRef idx="0">
+        <a:scrgbClr r="0" g="0" b="0"/>
+      </a:effectRef>
+      <a:fontRef idx="minor">
+        <a:schemeClr val="lt1"/>
+      </a:fontRef>
+    </dgm:style>
+  </dgm:styleLbl>
+  <dgm:styleLbl name="fgSibTrans2D1">
+    <dgm:scene3d>
+      <a:camera prst="orthographicFront"/>
+      <a:lightRig rig="threePt" dir="t"/>
+    </dgm:scene3d>
+    <dgm:sp3d/>
+    <dgm:txPr/>
+    <dgm:style>
+      <a:lnRef idx="0">
+        <a:scrgbClr r="0" g="0" b="0"/>
+      </a:lnRef>
+      <a:fillRef idx="1">
+        <a:scrgbClr r="0" g="0" b="0"/>
+      </a:fillRef>
+      <a:effectRef idx="0">
+        <a:scrgbClr r="0" g="0" b="0"/>
+      </a:effectRef>
+      <a:fontRef idx="minor">
+        <a:schemeClr val="lt1"/>
+      </a:fontRef>
+    </dgm:style>
+  </dgm:styleLbl>
+  <dgm:styleLbl name="bgSibTrans2D1">
+    <dgm:scene3d>
+      <a:camera prst="orthographicFront"/>
+      <a:lightRig rig="threePt" dir="t"/>
+    </dgm:scene3d>
+    <dgm:sp3d/>
+    <dgm:txPr/>
+    <dgm:style>
+      <a:lnRef idx="0">
+        <a:scrgbClr r="0" g="0" b="0"/>
+      </a:lnRef>
+      <a:fillRef idx="1">
+        <a:scrgbClr r="0" g="0" b="0"/>
+      </a:fillRef>
+      <a:effectRef idx="0">
+        <a:scrgbClr r="0" g="0" b="0"/>
+      </a:effectRef>
+      <a:fontRef idx="minor">
+        <a:schemeClr val="lt1"/>
+      </a:fontRef>
+    </dgm:style>
+  </dgm:styleLbl>
+  <dgm:styleLbl name="sibTrans1D1">
+    <dgm:scene3d>
+      <a:camera prst="orthographicFront"/>
+      <a:lightRig rig="threePt" dir="t"/>
+    </dgm:scene3d>
+    <dgm:sp3d/>
+    <dgm:txPr/>
+    <dgm:style>
+      <a:lnRef idx="1">
+        <a:scrgbClr r="0" g="0" b="0"/>
+      </a:lnRef>
+      <a:fillRef idx="0">
+        <a:scrgbClr r="0" g="0" b="0"/>
+      </a:fillRef>
+      <a:effectRef idx="0">
+        <a:scrgbClr r="0" g="0" b="0"/>
+      </a:effectRef>
+      <a:fontRef idx="minor"/>
+    </dgm:style>
+  </dgm:styleLbl>
+  <dgm:styleLbl name="callout">
+    <dgm:scene3d>
+      <a:camera prst="orthographicFront"/>
+      <a:lightRig rig="threePt" dir="t"/>
+    </dgm:scene3d>
+    <dgm:sp3d/>
+    <dgm:txPr/>
+    <dgm:style>
+      <a:lnRef idx="2">
+        <a:scrgbClr r="0" g="0" b="0"/>
+      </a:lnRef>
+      <a:fillRef idx="1">
+        <a:scrgbClr r="0" g="0" b="0"/>
+      </a:fillRef>
+      <a:effectRef idx="0">
+        <a:scrgbClr r="0" g="0" b="0"/>
+      </a:effectRef>
+      <a:fontRef idx="minor"/>
+    </dgm:style>
+  </dgm:styleLbl>
+  <dgm:styleLbl name="asst0">
+    <dgm:scene3d>
+      <a:camera prst="orthographicFront"/>
+      <a:lightRig rig="threePt" dir="t"/>
+    </dgm:scene3d>
+    <dgm:sp3d/>
+    <dgm:txPr/>
+    <dgm:style>
+      <a:lnRef idx="2">
+        <a:scrgbClr r="0" g="0" b="0"/>
+      </a:lnRef>
+      <a:fillRef idx="1">
+        <a:scrgbClr r="0" g="0" b="0"/>
+      </a:fillRef>
+      <a:effectRef idx="0">
+        <a:scrgbClr r="0" g="0" b="0"/>
+      </a:effectRef>
+      <a:fontRef idx="minor">
+        <a:schemeClr val="lt1"/>
+      </a:fontRef>
+    </dgm:style>
+  </dgm:styleLbl>
+  <dgm:styleLbl name="asst1">
+    <dgm:scene3d>
+      <a:camera prst="orthographicFront"/>
+      <a:lightRig rig="threePt" dir="t"/>
+    </dgm:scene3d>
+    <dgm:sp3d/>
+    <dgm:txPr/>
+    <dgm:style>
+      <a:lnRef idx="2">
+        <a:scrgbClr r="0" g="0" b="0"/>
+      </a:lnRef>
+      <a:fillRef idx="1">
+        <a:scrgbClr r="0" g="0" b="0"/>
+      </a:fillRef>
+      <a:effectRef idx="0">
+        <a:scrgbClr r="0" g="0" b="0"/>
+      </a:effectRef>
+      <a:fontRef idx="minor">
+        <a:schemeClr val="lt1"/>
+      </a:fontRef>
+    </dgm:style>
+  </dgm:styleLbl>
+  <dgm:styleLbl name="asst2">
+    <dgm:scene3d>
+      <a:camera prst="orthographicFront"/>
+      <a:lightRig rig="threePt" dir="t"/>
+    </dgm:scene3d>
+    <dgm:sp3d/>
+    <dgm:txPr/>
+    <dgm:style>
+      <a:lnRef idx="2">
+        <a:scrgbClr r="0" g="0" b="0"/>
+      </a:lnRef>
+      <a:fillRef idx="1">
+        <a:scrgbClr r="0" g="0" b="0"/>
+      </a:fillRef>
+      <a:effectRef idx="0">
+        <a:scrgbClr r="0" g="0" b="0"/>
+      </a:effectRef>
+      <a:fontRef idx="minor">
+        <a:schemeClr val="lt1"/>
+      </a:fontRef>
+    </dgm:style>
+  </dgm:styleLbl>
+  <dgm:styleLbl name="asst3">
+    <dgm:scene3d>
+      <a:camera prst="orthographicFront"/>
+      <a:lightRig rig="threePt" dir="t"/>
+    </dgm:scene3d>
+    <dgm:sp3d/>
+    <dgm:txPr/>
+    <dgm:style>
+      <a:lnRef idx="2">
+        <a:scrgbClr r="0" g="0" b="0"/>
+      </a:lnRef>
+      <a:fillRef idx="1">
+        <a:scrgbClr r="0" g="0" b="0"/>
+      </a:fillRef>
+      <a:effectRef idx="0">
+        <a:scrgbClr r="0" g="0" b="0"/>
+      </a:effectRef>
+      <a:fontRef idx="minor">
+        <a:schemeClr val="lt1"/>
+      </a:fontRef>
+    </dgm:style>
+  </dgm:styleLbl>
+  <dgm:styleLbl name="asst4">
+    <dgm:scene3d>
+      <a:camera prst="orthographicFront"/>
+      <a:lightRig rig="threePt" dir="t"/>
+    </dgm:scene3d>
+    <dgm:sp3d/>
+    <dgm:txPr/>
+    <dgm:style>
+      <a:lnRef idx="2">
+        <a:scrgbClr r="0" g="0" b="0"/>
+      </a:lnRef>
+      <a:fillRef idx="1">
+        <a:scrgbClr r="0" g="0" b="0"/>
+      </a:fillRef>
+      <a:effectRef idx="0">
+        <a:scrgbClr r="0" g="0" b="0"/>
+      </a:effectRef>
+      <a:fontRef idx="minor">
+        <a:schemeClr val="lt1"/>
+      </a:fontRef>
+    </dgm:style>
+  </dgm:styleLbl>
+  <dgm:styleLbl name="parChTrans2D1">
+    <dgm:scene3d>
+      <a:camera prst="orthographicFront"/>
+      <a:lightRig rig="threePt" dir="t"/>
+    </dgm:scene3d>
+    <dgm:sp3d/>
+    <dgm:txPr/>
+    <dgm:style>
+      <a:lnRef idx="2">
+        <a:scrgbClr r="0" g="0" b="0"/>
+      </a:lnRef>
+      <a:fillRef idx="1">
+        <a:scrgbClr r="0" g="0" b="0"/>
+      </a:fillRef>
+      <a:effectRef idx="0">
+        <a:scrgbClr r="0" g="0" b="0"/>
+      </a:effectRef>
+      <a:fontRef idx="minor">
+        <a:schemeClr val="lt1"/>
+      </a:fontRef>
+    </dgm:style>
+  </dgm:styleLbl>
+  <dgm:styleLbl name="parChTrans2D2">
+    <dgm:scene3d>
+      <a:camera prst="orthographicFront"/>
+      <a:lightRig rig="threePt" dir="t"/>
+    </dgm:scene3d>
+    <dgm:sp3d/>
+    <dgm:txPr/>
+    <dgm:style>
+      <a:lnRef idx="2">
+        <a:scrgbClr r="0" g="0" b="0"/>
+      </a:lnRef>
+      <a:fillRef idx="1">
+        <a:scrgbClr r="0" g="0" b="0"/>
+      </a:fillRef>
+      <a:effectRef idx="0">
+        <a:scrgbClr r="0" g="0" b="0"/>
+      </a:effectRef>
+      <a:fontRef idx="minor">
+        <a:schemeClr val="lt1"/>
+      </a:fontRef>
+    </dgm:style>
+  </dgm:styleLbl>
+  <dgm:styleLbl name="parChTrans2D3">
+    <dgm:scene3d>
+      <a:camera prst="orthographicFront"/>
+      <a:lightRig rig="threePt" dir="t"/>
+    </dgm:scene3d>
+    <dgm:sp3d/>
+    <dgm:txPr/>
+    <dgm:style>
+      <a:lnRef idx="2">
+        <a:scrgbClr r="0" g="0" b="0"/>
+      </a:lnRef>
+      <a:fillRef idx="1">
+        <a:scrgbClr r="0" g="0" b="0"/>
+      </a:fillRef>
+      <a:effectRef idx="0">
+        <a:scrgbClr r="0" g="0" b="0"/>
+      </a:effectRef>
+      <a:fontRef idx="minor">
+        <a:schemeClr val="lt1"/>
+      </a:fontRef>
+    </dgm:style>
+  </dgm:styleLbl>
+  <dgm:styleLbl name="parChTrans2D4">
+    <dgm:scene3d>
+      <a:camera prst="orthographicFront"/>
+      <a:lightRig rig="threePt" dir="t"/>
+    </dgm:scene3d>
+    <dgm:sp3d/>
+    <dgm:txPr/>
+    <dgm:style>
+      <a:lnRef idx="2">
+        <a:scrgbClr r="0" g="0" b="0"/>
+      </a:lnRef>
+      <a:fillRef idx="1">
+        <a:scrgbClr r="0" g="0" b="0"/>
+      </a:fillRef>
+      <a:effectRef idx="0">
+        <a:scrgbClr r="0" g="0" b="0"/>
+      </a:effectRef>
+      <a:fontRef idx="minor">
+        <a:schemeClr val="lt1"/>
+      </a:fontRef>
+    </dgm:style>
+  </dgm:styleLbl>
+  <dgm:styleLbl name="parChTrans1D1">
+    <dgm:scene3d>
+      <a:camera prst="orthographicFront"/>
+      <a:lightRig rig="threePt" dir="t"/>
+    </dgm:scene3d>
+    <dgm:sp3d/>
+    <dgm:txPr/>
+    <dgm:style>
+      <a:lnRef idx="2">
+        <a:scrgbClr r="0" g="0" b="0"/>
+      </a:lnRef>
+      <a:fillRef idx="0">
+        <a:scrgbClr r="0" g="0" b="0"/>
+      </a:fillRef>
+      <a:effectRef idx="0">
+        <a:scrgbClr r="0" g="0" b="0"/>
+      </a:effectRef>
+      <a:fontRef idx="minor"/>
+    </dgm:style>
+  </dgm:styleLbl>
+  <dgm:styleLbl name="parChTrans1D2">
+    <dgm:scene3d>
+      <a:camera prst="orthographicFront"/>
+      <a:lightRig rig="threePt" dir="t"/>
+    </dgm:scene3d>
+    <dgm:sp3d/>
+    <dgm:txPr/>
+    <dgm:style>
+      <a:lnRef idx="2">
+        <a:scrgbClr r="0" g="0" b="0"/>
+      </a:lnRef>
+      <a:fillRef idx="0">
+        <a:scrgbClr r="0" g="0" b="0"/>
+      </a:fillRef>
+      <a:effectRef idx="0">
+        <a:scrgbClr r="0" g="0" b="0"/>
+      </a:effectRef>
+      <a:fontRef idx="minor"/>
+    </dgm:style>
+  </dgm:styleLbl>
+  <dgm:styleLbl name="parChTrans1D3">
+    <dgm:scene3d>
+      <a:camera prst="orthographicFront"/>
+      <a:lightRig rig="threePt" dir="t"/>
+    </dgm:scene3d>
+    <dgm:sp3d/>
+    <dgm:txPr/>
+    <dgm:style>
+      <a:lnRef idx="2">
+        <a:scrgbClr r="0" g="0" b="0"/>
+      </a:lnRef>
+      <a:fillRef idx="0">
+        <a:scrgbClr r="0" g="0" b="0"/>
+      </a:fillRef>
+      <a:effectRef idx="0">
+        <a:scrgbClr r="0" g="0" b="0"/>
+      </a:effectRef>
+      <a:fontRef idx="minor"/>
+    </dgm:style>
+  </dgm:styleLbl>
+  <dgm:styleLbl name="parChTrans1D4">
+    <dgm:scene3d>
+      <a:camera prst="orthographicFront"/>
+      <a:lightRig rig="threePt" dir="t"/>
+    </dgm:scene3d>
+    <dgm:sp3d/>
+    <dgm:txPr/>
+    <dgm:style>
+      <a:lnRef idx="2">
+        <a:scrgbClr r="0" g="0" b="0"/>
+      </a:lnRef>
+      <a:fillRef idx="0">
+        <a:scrgbClr r="0" g="0" b="0"/>
+      </a:fillRef>
+      <a:effectRef idx="0">
+        <a:scrgbClr r="0" g="0" b="0"/>
+      </a:effectRef>
+      <a:fontRef idx="minor"/>
+    </dgm:style>
+  </dgm:styleLbl>
+  <dgm:styleLbl name="fgAcc1">
+    <dgm:scene3d>
+      <a:camera prst="orthographicFront"/>
+      <a:lightRig rig="threePt" dir="t"/>
+    </dgm:scene3d>
+    <dgm:sp3d/>
+    <dgm:txPr/>
+    <dgm:style>
+      <a:lnRef idx="2">
+        <a:scrgbClr r="0" g="0" b="0"/>
+      </a:lnRef>
+      <a:fillRef idx="1">
+        <a:scrgbClr r="0" g="0" b="0"/>
+      </a:fillRef>
+      <a:effectRef idx="0">
+        <a:scrgbClr r="0" g="0" b="0"/>
+      </a:effectRef>
+      <a:fontRef idx="minor"/>
+    </dgm:style>
+  </dgm:styleLbl>
+  <dgm:styleLbl name="conFgAcc1">
+    <dgm:scene3d>
+      <a:camera prst="orthographicFront"/>
+      <a:lightRig rig="threePt" dir="t"/>
+    </dgm:scene3d>
+    <dgm:sp3d/>
+    <dgm:txPr/>
+    <dgm:style>
+      <a:lnRef idx="2">
+        <a:scrgbClr r="0" g="0" b="0"/>
+      </a:lnRef>
+      <a:fillRef idx="1">
+        <a:scrgbClr r="0" g="0" b="0"/>
+      </a:fillRef>
+      <a:effectRef idx="0">
+        <a:scrgbClr r="0" g="0" b="0"/>
+      </a:effectRef>
+      <a:fontRef idx="minor"/>
+    </dgm:style>
+  </dgm:styleLbl>
+  <dgm:styleLbl name="alignAcc1">
+    <dgm:scene3d>
+      <a:camera prst="orthographicFront"/>
+      <a:lightRig rig="threePt" dir="t"/>
+    </dgm:scene3d>
+    <dgm:sp3d/>
+    <dgm:txPr/>
+    <dgm:style>
+      <a:lnRef idx="2">
+        <a:scrgbClr r="0" g="0" b="0"/>
+      </a:lnRef>
+      <a:fillRef idx="1">
+        <a:scrgbClr r="0" g="0" b="0"/>
+      </a:fillRef>
+      <a:effectRef idx="0">
+        <a:scrgbClr r="0" g="0" b="0"/>
+      </a:effectRef>
+      <a:fontRef idx="minor"/>
+    </dgm:style>
+  </dgm:styleLbl>
+  <dgm:styleLbl name="trAlignAcc1">
+    <dgm:scene3d>
+      <a:camera prst="orthographicFront"/>
+      <a:lightRig rig="threePt" dir="t"/>
+    </dgm:scene3d>
+    <dgm:sp3d/>
+    <dgm:txPr/>
+    <dgm:style>
+      <a:lnRef idx="1">
+        <a:scrgbClr r="0" g="0" b="0"/>
+      </a:lnRef>
+      <a:fillRef idx="1">
+        <a:scrgbClr r="0" g="0" b="0"/>
+      </a:fillRef>
+      <a:effectRef idx="0">
+        <a:scrgbClr r="0" g="0" b="0"/>
+      </a:effectRef>
+      <a:fontRef idx="minor"/>
+    </dgm:style>
+  </dgm:styleLbl>
+  <dgm:styleLbl name="bgAcc1">
+    <dgm:scene3d>
+      <a:camera prst="orthographicFront"/>
+      <a:lightRig rig="threePt" dir="t"/>
+    </dgm:scene3d>
+    <dgm:sp3d/>
+    <dgm:txPr/>
+    <dgm:style>
+      <a:lnRef idx="2">
+        <a:scrgbClr r="0" g="0" b="0"/>
+      </a:lnRef>
+      <a:fillRef idx="1">
+        <a:scrgbClr r="0" g="0" b="0"/>
+      </a:fillRef>
+      <a:effectRef idx="0">
+        <a:scrgbClr r="0" g="0" b="0"/>
+      </a:effectRef>
+      <a:fontRef idx="minor"/>
+    </dgm:style>
+  </dgm:styleLbl>
+  <dgm:styleLbl name="solidFgAcc1">
+    <dgm:scene3d>
+      <a:camera prst="orthographicFront"/>
+      <a:lightRig rig="threePt" dir="t"/>
+    </dgm:scene3d>
+    <dgm:sp3d/>
+    <dgm:txPr/>
+    <dgm:style>
+      <a:lnRef idx="2">
+        <a:scrgbClr r="0" g="0" b="0"/>
+      </a:lnRef>
+      <a:fillRef idx="1">
+        <a:scrgbClr r="0" g="0" b="0"/>
+      </a:fillRef>
+      <a:effectRef idx="0">
+        <a:scrgbClr r="0" g="0" b="0"/>
+      </a:effectRef>
+      <a:fontRef idx="minor"/>
+    </dgm:style>
+  </dgm:styleLbl>
+  <dgm:styleLbl name="solidAlignAcc1">
+    <dgm:scene3d>
+      <a:camera prst="orthographicFront"/>
+      <a:lightRig rig="threePt" dir="t"/>
+    </dgm:scene3d>
+    <dgm:sp3d/>
+    <dgm:txPr/>
+    <dgm:style>
+      <a:lnRef idx="2">
+        <a:scrgbClr r="0" g="0" b="0"/>
+      </a:lnRef>
+      <a:fillRef idx="1">
+        <a:scrgbClr r="0" g="0" b="0"/>
+      </a:fillRef>
+      <a:effectRef idx="0">
+        <a:scrgbClr r="0" g="0" b="0"/>
+      </a:effectRef>
+      <a:fontRef idx="minor"/>
+    </dgm:style>
+  </dgm:styleLbl>
+  <dgm:styleLbl name="solidBgAcc1">
+    <dgm:scene3d>
+      <a:camera prst="orthographicFront"/>
+      <a:lightRig rig="threePt" dir="t"/>
+    </dgm:scene3d>
+    <dgm:sp3d/>
+    <dgm:txPr/>
+    <dgm:style>
+      <a:lnRef idx="2">
+        <a:scrgbClr r="0" g="0" b="0"/>
+      </a:lnRef>
+      <a:fillRef idx="1">
+        <a:scrgbClr r="0" g="0" b="0"/>
+      </a:fillRef>
+      <a:effectRef idx="0">
+        <a:scrgbClr r="0" g="0" b="0"/>
+      </a:effectRef>
+      <a:fontRef idx="minor"/>
+    </dgm:style>
+  </dgm:styleLbl>
+  <dgm:styleLbl name="fgAccFollowNode1">
+    <dgm:scene3d>
+      <a:camera prst="orthographicFront"/>
+      <a:lightRig rig="threePt" dir="t"/>
+    </dgm:scene3d>
+    <dgm:sp3d/>
+    <dgm:txPr/>
+    <dgm:style>
+      <a:lnRef idx="2">
+        <a:scrgbClr r="0" g="0" b="0"/>
+      </a:lnRef>
+      <a:fillRef idx="1">
+        <a:scrgbClr r="0" g="0" b="0"/>
+      </a:fillRef>
+      <a:effectRef idx="0">
+        <a:scrgbClr r="0" g="0" b="0"/>
+      </a:effectRef>
+      <a:fontRef idx="minor"/>
+    </dgm:style>
+  </dgm:styleLbl>
+  <dgm:styleLbl name="alignAccFollowNode1">
+    <dgm:scene3d>
+      <a:camera prst="orthographicFront"/>
+      <a:lightRig rig="threePt" dir="t"/>
+    </dgm:scene3d>
+    <dgm:sp3d/>
+    <dgm:txPr/>
+    <dgm:style>
+      <a:lnRef idx="2">
+        <a:scrgbClr r="0" g="0" b="0"/>
+      </a:lnRef>
+      <a:fillRef idx="1">
+        <a:scrgbClr r="0" g="0" b="0"/>
+      </a:fillRef>
+      <a:effectRef idx="0">
+        <a:scrgbClr r="0" g="0" b="0"/>
+      </a:effectRef>
+      <a:fontRef idx="minor"/>
+    </dgm:style>
+  </dgm:styleLbl>
+  <dgm:styleLbl name="bgAccFollowNode1">
+    <dgm:scene3d>
+      <a:camera prst="orthographicFront"/>
+      <a:lightRig rig="threePt" dir="t"/>
+    </dgm:scene3d>
+    <dgm:sp3d/>
+    <dgm:txPr/>
+    <dgm:style>
+      <a:lnRef idx="2">
+        <a:scrgbClr r="0" g="0" b="0"/>
+      </a:lnRef>
+      <a:fillRef idx="1">
+        <a:scrgbClr r="0" g="0" b="0"/>
+      </a:fillRef>
+      <a:effectRef idx="0">
+        <a:scrgbClr r="0" g="0" b="0"/>
+      </a:effectRef>
+      <a:fontRef idx="minor"/>
+    </dgm:style>
+  </dgm:styleLbl>
+  <dgm:styleLbl name="fgAcc0">
+    <dgm:scene3d>
+      <a:camera prst="orthographicFront"/>
+      <a:lightRig rig="threePt" dir="t"/>
+    </dgm:scene3d>
+    <dgm:sp3d/>
+    <dgm:txPr/>
+    <dgm:style>
+      <a:lnRef idx="2">
+        <a:scrgbClr r="0" g="0" b="0"/>
+      </a:lnRef>
+      <a:fillRef idx="1">
+        <a:scrgbClr r="0" g="0" b="0"/>
+      </a:fillRef>
+      <a:effectRef idx="0">
+        <a:scrgbClr r="0" g="0" b="0"/>
+      </a:effectRef>
+      <a:fontRef idx="minor"/>
+    </dgm:style>
+  </dgm:styleLbl>
+  <dgm:styleLbl name="fgAcc2">
+    <dgm:scene3d>
+      <a:camera prst="orthographicFront"/>
+      <a:lightRig rig="threePt" dir="t"/>
+    </dgm:scene3d>
+    <dgm:sp3d/>
+    <dgm:txPr/>
+    <dgm:style>
+      <a:lnRef idx="2">
+        <a:scrgbClr r="0" g="0" b="0"/>
+      </a:lnRef>
+      <a:fillRef idx="1">
+        <a:scrgbClr r="0" g="0" b="0"/>
+      </a:fillRef>
+      <a:effectRef idx="0">
+        <a:scrgbClr r="0" g="0" b="0"/>
+      </a:effectRef>
+      <a:fontRef idx="minor"/>
+    </dgm:style>
+  </dgm:styleLbl>
+  <dgm:styleLbl name="fgAcc3">
+    <dgm:scene3d>
+      <a:camera prst="orthographicFront"/>
+      <a:lightRig rig="threePt" dir="t"/>
+    </dgm:scene3d>
+    <dgm:sp3d/>
+    <dgm:txPr/>
+    <dgm:style>
+      <a:lnRef idx="2">
+        <a:scrgbClr r="0" g="0" b="0"/>
+      </a:lnRef>
+      <a:fillRef idx="1">
+        <a:scrgbClr r="0" g="0" b="0"/>
+      </a:fillRef>
+      <a:effectRef idx="0">
+        <a:scrgbClr r="0" g="0" b="0"/>
+      </a:effectRef>
+      <a:fontRef idx="minor"/>
+    </dgm:style>
+  </dgm:styleLbl>
+  <dgm:styleLbl name="fgAcc4">
+    <dgm:scene3d>
+      <a:camera prst="orthographicFront"/>
+      <a:lightRig rig="threePt" dir="t"/>
+    </dgm:scene3d>
+    <dgm:sp3d/>
+    <dgm:txPr/>
+    <dgm:style>
+      <a:lnRef idx="2">
+        <a:scrgbClr r="0" g="0" b="0"/>
+      </a:lnRef>
+      <a:fillRef idx="1">
+        <a:scrgbClr r="0" g="0" b="0"/>
+      </a:fillRef>
+      <a:effectRef idx="0">
+        <a:scrgbClr r="0" g="0" b="0"/>
+      </a:effectRef>
+      <a:fontRef idx="minor"/>
+    </dgm:style>
+  </dgm:styleLbl>
+  <dgm:styleLbl name="bgShp">
+    <dgm:scene3d>
+      <a:camera prst="orthographicFront"/>
+      <a:lightRig rig="threePt" dir="t"/>
+    </dgm:scene3d>
+    <dgm:sp3d/>
+    <dgm:txPr/>
+    <dgm:style>
+      <a:lnRef idx="0">
+        <a:scrgbClr r="0" g="0" b="0"/>
+      </a:lnRef>
+      <a:fillRef idx="1">
+        <a:scrgbClr r="0" g="0" b="0"/>
+      </a:fillRef>
+      <a:effectRef idx="0">
+        <a:scrgbClr r="0" g="0" b="0"/>
+      </a:effectRef>
+      <a:fontRef idx="minor"/>
+    </dgm:style>
+  </dgm:styleLbl>
+  <dgm:styleLbl name="dkBgShp">
+    <dgm:scene3d>
+      <a:camera prst="orthographicFront"/>
+      <a:lightRig rig="threePt" dir="t"/>
+    </dgm:scene3d>
+    <dgm:sp3d/>
+    <dgm:txPr/>
+    <dgm:style>
+      <a:lnRef idx="0">
+        <a:scrgbClr r="0" g="0" b="0"/>
+      </a:lnRef>
+      <a:fillRef idx="1">
+        <a:scrgbClr r="0" g="0" b="0"/>
+      </a:fillRef>
+      <a:effectRef idx="0">
+        <a:scrgbClr r="0" g="0" b="0"/>
+      </a:effectRef>
+      <a:fontRef idx="minor"/>
+    </dgm:style>
+  </dgm:styleLbl>
+  <dgm:styleLbl name="trBgShp">
+    <dgm:scene3d>
+      <a:camera prst="orthographicFront"/>
+      <a:lightRig rig="threePt" dir="t"/>
+    </dgm:scene3d>
+    <dgm:sp3d/>
+    <dgm:txPr/>
+    <dgm:style>
+      <a:lnRef idx="0">
+        <a:scrgbClr r="0" g="0" b="0"/>
+      </a:lnRef>
+      <a:fillRef idx="1">
+        <a:scrgbClr r="0" g="0" b="0"/>
+      </a:fillRef>
+      <a:effectRef idx="0">
+        <a:scrgbClr r="0" g="0" b="0"/>
+      </a:effectRef>
+      <a:fontRef idx="minor"/>
+    </dgm:style>
+  </dgm:styleLbl>
+  <dgm:styleLbl name="fgShp">
+    <dgm:scene3d>
+      <a:camera prst="orthographicFront"/>
+      <a:lightRig rig="threePt" dir="t"/>
+    </dgm:scene3d>
+    <dgm:sp3d/>
+    <dgm:txPr/>
+    <dgm:style>
+      <a:lnRef idx="2">
+        <a:scrgbClr r="0" g="0" b="0"/>
+      </a:lnRef>
+      <a:fillRef idx="1">
+        <a:scrgbClr r="0" g="0" b="0"/>
+      </a:fillRef>
+      <a:effectRef idx="0">
+        <a:scrgbClr r="0" g="0" b="0"/>
+      </a:effectRef>
+      <a:fontRef idx="minor"/>
+    </dgm:style>
+  </dgm:styleLbl>
+  <dgm:styleLbl name="revTx">
+    <dgm:scene3d>
+      <a:camera prst="orthographicFront"/>
+      <a:lightRig rig="threePt" dir="t"/>
+    </dgm:scene3d>
+    <dgm:sp3d/>
+    <dgm:txPr/>
+    <dgm:style>
+      <a:lnRef idx="0">
+        <a:scrgbClr r="0" g="0" b="0"/>
+      </a:lnRef>
+      <a:fillRef idx="0">
+        <a:scrgbClr r="0" g="0" b="0"/>
+      </a:fillRef>
+      <a:effectRef idx="0">
+        <a:scrgbClr r="0" g="0" b="0"/>
+      </a:effectRef>
+      <a:fontRef idx="minor"/>
+    </dgm:style>
+  </dgm:styleLbl>
+</dgm:styleDef>
+</file>
+
 <file path=ppt/notesMasters/notesMaster1.xml><?xml version="1.0" encoding="utf-8"?>
 <p:notesMaster xmlns:a="http://schemas.openxmlformats.org/drawingml/2006/main" xmlns:r="http://schemas.openxmlformats.org/officeDocument/2006/relationships" xmlns:p="http://schemas.openxmlformats.org/presentationml/2006/main">
   <p:cSld>
@@ -216,7 +3058,7 @@
           <a:p>
             <a:fld id="{39E3024A-3F02-4E8B-A4DC-2C44AEBF195E}" type="datetimeFigureOut">
               <a:rPr lang="pt-BR" smtClean="0"/>
-              <a:t>31/10/2022</a:t>
+              <a:t>02/11/2022</a:t>
             </a:fld>
             <a:endParaRPr lang="pt-BR"/>
           </a:p>
@@ -630,7 +3472,7 @@
           <a:p>
             <a:fld id="{0BE5CF0B-143F-4330-BE11-9FB055A4399D}" type="datetimeFigureOut">
               <a:rPr lang="pt-BR" smtClean="0"/>
-              <a:t>31/10/2022</a:t>
+              <a:t>02/11/2022</a:t>
             </a:fld>
             <a:endParaRPr lang="pt-BR"/>
           </a:p>
@@ -828,7 +3670,7 @@
           <a:p>
             <a:fld id="{0BE5CF0B-143F-4330-BE11-9FB055A4399D}" type="datetimeFigureOut">
               <a:rPr lang="pt-BR" smtClean="0"/>
-              <a:t>31/10/2022</a:t>
+              <a:t>02/11/2022</a:t>
             </a:fld>
             <a:endParaRPr lang="pt-BR"/>
           </a:p>
@@ -1036,7 +3878,7 @@
           <a:p>
             <a:fld id="{0BE5CF0B-143F-4330-BE11-9FB055A4399D}" type="datetimeFigureOut">
               <a:rPr lang="pt-BR" smtClean="0"/>
-              <a:t>31/10/2022</a:t>
+              <a:t>02/11/2022</a:t>
             </a:fld>
             <a:endParaRPr lang="pt-BR"/>
           </a:p>
@@ -1234,7 +4076,7 @@
           <a:p>
             <a:fld id="{0BE5CF0B-143F-4330-BE11-9FB055A4399D}" type="datetimeFigureOut">
               <a:rPr lang="pt-BR" smtClean="0"/>
-              <a:t>31/10/2022</a:t>
+              <a:t>02/11/2022</a:t>
             </a:fld>
             <a:endParaRPr lang="pt-BR"/>
           </a:p>
@@ -1509,7 +4351,7 @@
           <a:p>
             <a:fld id="{0BE5CF0B-143F-4330-BE11-9FB055A4399D}" type="datetimeFigureOut">
               <a:rPr lang="pt-BR" smtClean="0"/>
-              <a:t>31/10/2022</a:t>
+              <a:t>02/11/2022</a:t>
             </a:fld>
             <a:endParaRPr lang="pt-BR"/>
           </a:p>
@@ -1774,7 +4616,7 @@
           <a:p>
             <a:fld id="{0BE5CF0B-143F-4330-BE11-9FB055A4399D}" type="datetimeFigureOut">
               <a:rPr lang="pt-BR" smtClean="0"/>
-              <a:t>31/10/2022</a:t>
+              <a:t>02/11/2022</a:t>
             </a:fld>
             <a:endParaRPr lang="pt-BR"/>
           </a:p>
@@ -2186,7 +5028,7 @@
           <a:p>
             <a:fld id="{0BE5CF0B-143F-4330-BE11-9FB055A4399D}" type="datetimeFigureOut">
               <a:rPr lang="pt-BR" smtClean="0"/>
-              <a:t>31/10/2022</a:t>
+              <a:t>02/11/2022</a:t>
             </a:fld>
             <a:endParaRPr lang="pt-BR"/>
           </a:p>
@@ -2327,7 +5169,7 @@
           <a:p>
             <a:fld id="{0BE5CF0B-143F-4330-BE11-9FB055A4399D}" type="datetimeFigureOut">
               <a:rPr lang="pt-BR" smtClean="0"/>
-              <a:t>31/10/2022</a:t>
+              <a:t>02/11/2022</a:t>
             </a:fld>
             <a:endParaRPr lang="pt-BR"/>
           </a:p>
@@ -2440,7 +5282,7 @@
           <a:p>
             <a:fld id="{0BE5CF0B-143F-4330-BE11-9FB055A4399D}" type="datetimeFigureOut">
               <a:rPr lang="pt-BR" smtClean="0"/>
-              <a:t>31/10/2022</a:t>
+              <a:t>02/11/2022</a:t>
             </a:fld>
             <a:endParaRPr lang="pt-BR"/>
           </a:p>
@@ -2751,7 +5593,7 @@
           <a:p>
             <a:fld id="{0BE5CF0B-143F-4330-BE11-9FB055A4399D}" type="datetimeFigureOut">
               <a:rPr lang="pt-BR" smtClean="0"/>
-              <a:t>31/10/2022</a:t>
+              <a:t>02/11/2022</a:t>
             </a:fld>
             <a:endParaRPr lang="pt-BR"/>
           </a:p>
@@ -3039,7 +5881,7 @@
           <a:p>
             <a:fld id="{0BE5CF0B-143F-4330-BE11-9FB055A4399D}" type="datetimeFigureOut">
               <a:rPr lang="pt-BR" smtClean="0"/>
-              <a:t>31/10/2022</a:t>
+              <a:t>02/11/2022</a:t>
             </a:fld>
             <a:endParaRPr lang="pt-BR"/>
           </a:p>
@@ -3280,7 +6122,7 @@
           <a:p>
             <a:fld id="{0BE5CF0B-143F-4330-BE11-9FB055A4399D}" type="datetimeFigureOut">
               <a:rPr lang="pt-BR" smtClean="0"/>
-              <a:t>31/10/2022</a:t>
+              <a:t>02/11/2022</a:t>
             </a:fld>
             <a:endParaRPr lang="pt-BR"/>
           </a:p>
@@ -4150,7 +6992,7 @@
               <a:solidFill>
                 <a:srgbClr val="575756"/>
               </a:solidFill>
-              <a:latin typeface="Abadi" panose="020B0604020104020204" pitchFamily="34" charset="0"/>
+              <a:latin typeface="Asap" panose="00000500000000000000"/>
             </a:endParaRPr>
           </a:p>
           <a:p>
@@ -4159,12 +7001,63 @@
                 <a:spcPct val="100000"/>
               </a:lnSpc>
             </a:pPr>
-            <a:endParaRPr lang="pt-BR" sz="1600" dirty="0">
-              <a:solidFill>
-                <a:srgbClr val="575756"/>
-              </a:solidFill>
-              <a:latin typeface="Abadi" panose="020B0604020104020204" pitchFamily="34" charset="0"/>
-            </a:endParaRPr>
+            <a:r>
+              <a:rPr lang="pt-BR" sz="1600" dirty="0">
+                <a:solidFill>
+                  <a:srgbClr val="575756"/>
+                </a:solidFill>
+                <a:latin typeface="Asap" panose="00000500000000000000"/>
+              </a:rPr>
+              <a:t>Complexidade da Solução técnica se refere as tecnologias que optamos em utilizar para resolver um determinado problema.</a:t>
+            </a:r>
+          </a:p>
+          <a:p>
+            <a:pPr algn="just">
+              <a:lnSpc>
+                <a:spcPct val="100000"/>
+              </a:lnSpc>
+            </a:pPr>
+            <a:r>
+              <a:rPr lang="pt-BR" sz="1600" dirty="0">
+                <a:solidFill>
+                  <a:srgbClr val="575756"/>
+                </a:solidFill>
+                <a:latin typeface="Asap" panose="00000500000000000000"/>
+              </a:rPr>
+              <a:t>Complexidade do Legado se refere ao software já existente que precisamos de alguma maneira sustentar e/ou evoluir. Esse fator geralmente carrega com sigo dívidas técnicas que afetam diretamente como desenvolvemos e pensamos na resolução final do problema.</a:t>
+            </a:r>
+          </a:p>
+          <a:p>
+            <a:pPr algn="just">
+              <a:lnSpc>
+                <a:spcPct val="100000"/>
+              </a:lnSpc>
+            </a:pPr>
+            <a:r>
+              <a:rPr lang="pt-BR" sz="1600" dirty="0">
+                <a:solidFill>
+                  <a:srgbClr val="575756"/>
+                </a:solidFill>
+                <a:latin typeface="Asap" panose="00000500000000000000"/>
+              </a:rPr>
+              <a:t>Complexidade do Domínio se refere a complexidade do negocio, o problema que estamos tentando resolver.</a:t>
+            </a:r>
+          </a:p>
+          <a:p>
+            <a:pPr algn="just">
+              <a:lnSpc>
+                <a:spcPct val="100000"/>
+              </a:lnSpc>
+            </a:pPr>
+            <a:r>
+              <a:rPr lang="pt-BR" sz="1600" b="1" dirty="0">
+                <a:solidFill>
+                  <a:srgbClr val="575756"/>
+                </a:solidFill>
+                <a:latin typeface="Asap" panose="00000500000000000000"/>
+              </a:rPr>
+              <a:t>É importante ressaltar que a única complexidade essencial é a de Domínio, as demais são acidentais.</a:t>
+            </a:r>
           </a:p>
         </p:txBody>
       </p:sp>
@@ -4184,7 +7077,7 @@
         </p:nvSpPr>
         <p:spPr>
           <a:xfrm>
-            <a:off x="838201" y="446314"/>
+            <a:off x="461770" y="1430000"/>
             <a:ext cx="3423406" cy="2780051"/>
           </a:xfrm>
           <a:prstGeom prst="rect">
@@ -4220,9 +7113,9 @@
                 <a:solidFill>
                   <a:srgbClr val="22438A"/>
                 </a:solidFill>
-                <a:latin typeface="Asap" panose="00000500000000000000" pitchFamily="2" charset="0"/>
-              </a:rPr>
-              <a:t>O que é</a:t>
+                <a:latin typeface="Asap" panose="00000500000000000000"/>
+              </a:rPr>
+              <a:t>DDD:</a:t>
             </a:r>
           </a:p>
           <a:p>
@@ -4231,9 +7124,9 @@
                 <a:solidFill>
                   <a:srgbClr val="22438A"/>
                 </a:solidFill>
-                <a:latin typeface="Asap" panose="00000500000000000000" pitchFamily="2" charset="0"/>
-              </a:rPr>
-              <a:t>DDD</a:t>
+                <a:latin typeface="Asap" panose="00000500000000000000"/>
+              </a:rPr>
+              <a:t>Tipos de complexidade</a:t>
             </a:r>
           </a:p>
         </p:txBody>
@@ -4442,589 +7335,9 @@
                 <a:solidFill>
                   <a:srgbClr val="575756"/>
                 </a:solidFill>
-                <a:latin typeface="Asap" panose="00000500000000000000" pitchFamily="2" charset="0"/>
+                <a:latin typeface="Asap" panose="00000500000000000000"/>
               </a:rPr>
               <a:t> </a:t>
-            </a:r>
-          </a:p>
-        </p:txBody>
-      </p:sp>
-      <p:sp>
-        <p:nvSpPr>
-          <p:cNvPr id="4" name="Espaço Reservado para Conteúdo 2">
-            <a:extLst>
-              <a:ext uri="{FF2B5EF4-FFF2-40B4-BE49-F238E27FC236}">
-                <a16:creationId xmlns:a16="http://schemas.microsoft.com/office/drawing/2014/main" id="{3F4CFD3E-432F-B27A-422E-1C1A67BCFA32}"/>
-              </a:ext>
-            </a:extLst>
-          </p:cNvPr>
-          <p:cNvSpPr txBox="1">
-            <a:spLocks/>
-          </p:cNvSpPr>
-          <p:nvPr/>
-        </p:nvSpPr>
-        <p:spPr>
-          <a:xfrm>
-            <a:off x="4288172" y="1379764"/>
-            <a:ext cx="6715489" cy="4403272"/>
-          </a:xfrm>
-          <a:prstGeom prst="rect">
-            <a:avLst/>
-          </a:prstGeom>
-        </p:spPr>
-        <p:txBody>
-          <a:bodyPr vert="horz" lIns="91440" tIns="45720" rIns="91440" bIns="45720" rtlCol="0">
-            <a:normAutofit/>
-          </a:bodyPr>
-          <a:lstStyle>
-            <a:lvl1pPr marL="228600" indent="-228600" algn="l" defTabSz="914400" rtl="0" eaLnBrk="1" latinLnBrk="0" hangingPunct="1">
-              <a:lnSpc>
-                <a:spcPct val="90000"/>
-              </a:lnSpc>
-              <a:spcBef>
-                <a:spcPts val="1000"/>
-              </a:spcBef>
-              <a:buFont typeface="Arial" panose="020B0604020202020204" pitchFamily="34" charset="0"/>
-              <a:buChar char="•"/>
-              <a:defRPr sz="2800" kern="1200">
-                <a:solidFill>
-                  <a:schemeClr val="tx1"/>
-                </a:solidFill>
-                <a:latin typeface="+mn-lt"/>
-                <a:ea typeface="+mn-ea"/>
-                <a:cs typeface="+mn-cs"/>
-              </a:defRPr>
-            </a:lvl1pPr>
-            <a:lvl2pPr marL="685800" indent="-228600" algn="l" defTabSz="914400" rtl="0" eaLnBrk="1" latinLnBrk="0" hangingPunct="1">
-              <a:lnSpc>
-                <a:spcPct val="90000"/>
-              </a:lnSpc>
-              <a:spcBef>
-                <a:spcPts val="500"/>
-              </a:spcBef>
-              <a:buFont typeface="Arial" panose="020B0604020202020204" pitchFamily="34" charset="0"/>
-              <a:buChar char="•"/>
-              <a:defRPr sz="2400" kern="1200">
-                <a:solidFill>
-                  <a:schemeClr val="tx1"/>
-                </a:solidFill>
-                <a:latin typeface="+mn-lt"/>
-                <a:ea typeface="+mn-ea"/>
-                <a:cs typeface="+mn-cs"/>
-              </a:defRPr>
-            </a:lvl2pPr>
-            <a:lvl3pPr marL="1143000" indent="-228600" algn="l" defTabSz="914400" rtl="0" eaLnBrk="1" latinLnBrk="0" hangingPunct="1">
-              <a:lnSpc>
-                <a:spcPct val="90000"/>
-              </a:lnSpc>
-              <a:spcBef>
-                <a:spcPts val="500"/>
-              </a:spcBef>
-              <a:buFont typeface="Arial" panose="020B0604020202020204" pitchFamily="34" charset="0"/>
-              <a:buChar char="•"/>
-              <a:defRPr sz="2000" kern="1200">
-                <a:solidFill>
-                  <a:schemeClr val="tx1"/>
-                </a:solidFill>
-                <a:latin typeface="+mn-lt"/>
-                <a:ea typeface="+mn-ea"/>
-                <a:cs typeface="+mn-cs"/>
-              </a:defRPr>
-            </a:lvl3pPr>
-            <a:lvl4pPr marL="1600200" indent="-228600" algn="l" defTabSz="914400" rtl="0" eaLnBrk="1" latinLnBrk="0" hangingPunct="1">
-              <a:lnSpc>
-                <a:spcPct val="90000"/>
-              </a:lnSpc>
-              <a:spcBef>
-                <a:spcPts val="500"/>
-              </a:spcBef>
-              <a:buFont typeface="Arial" panose="020B0604020202020204" pitchFamily="34" charset="0"/>
-              <a:buChar char="•"/>
-              <a:defRPr sz="1800" kern="1200">
-                <a:solidFill>
-                  <a:schemeClr val="tx1"/>
-                </a:solidFill>
-                <a:latin typeface="+mn-lt"/>
-                <a:ea typeface="+mn-ea"/>
-                <a:cs typeface="+mn-cs"/>
-              </a:defRPr>
-            </a:lvl4pPr>
-            <a:lvl5pPr marL="2057400" indent="-228600" algn="l" defTabSz="914400" rtl="0" eaLnBrk="1" latinLnBrk="0" hangingPunct="1">
-              <a:lnSpc>
-                <a:spcPct val="90000"/>
-              </a:lnSpc>
-              <a:spcBef>
-                <a:spcPts val="500"/>
-              </a:spcBef>
-              <a:buFont typeface="Arial" panose="020B0604020202020204" pitchFamily="34" charset="0"/>
-              <a:buChar char="•"/>
-              <a:defRPr sz="1800" kern="1200">
-                <a:solidFill>
-                  <a:schemeClr val="tx1"/>
-                </a:solidFill>
-                <a:latin typeface="+mn-lt"/>
-                <a:ea typeface="+mn-ea"/>
-                <a:cs typeface="+mn-cs"/>
-              </a:defRPr>
-            </a:lvl5pPr>
-            <a:lvl6pPr marL="2514600" indent="-228600" algn="l" defTabSz="914400" rtl="0" eaLnBrk="1" latinLnBrk="0" hangingPunct="1">
-              <a:lnSpc>
-                <a:spcPct val="90000"/>
-              </a:lnSpc>
-              <a:spcBef>
-                <a:spcPts val="500"/>
-              </a:spcBef>
-              <a:buFont typeface="Arial" panose="020B0604020202020204" pitchFamily="34" charset="0"/>
-              <a:buChar char="•"/>
-              <a:defRPr sz="1800" kern="1200">
-                <a:solidFill>
-                  <a:schemeClr val="tx1"/>
-                </a:solidFill>
-                <a:latin typeface="+mn-lt"/>
-                <a:ea typeface="+mn-ea"/>
-                <a:cs typeface="+mn-cs"/>
-              </a:defRPr>
-            </a:lvl6pPr>
-            <a:lvl7pPr marL="2971800" indent="-228600" algn="l" defTabSz="914400" rtl="0" eaLnBrk="1" latinLnBrk="0" hangingPunct="1">
-              <a:lnSpc>
-                <a:spcPct val="90000"/>
-              </a:lnSpc>
-              <a:spcBef>
-                <a:spcPts val="500"/>
-              </a:spcBef>
-              <a:buFont typeface="Arial" panose="020B0604020202020204" pitchFamily="34" charset="0"/>
-              <a:buChar char="•"/>
-              <a:defRPr sz="1800" kern="1200">
-                <a:solidFill>
-                  <a:schemeClr val="tx1"/>
-                </a:solidFill>
-                <a:latin typeface="+mn-lt"/>
-                <a:ea typeface="+mn-ea"/>
-                <a:cs typeface="+mn-cs"/>
-              </a:defRPr>
-            </a:lvl7pPr>
-            <a:lvl8pPr marL="3429000" indent="-228600" algn="l" defTabSz="914400" rtl="0" eaLnBrk="1" latinLnBrk="0" hangingPunct="1">
-              <a:lnSpc>
-                <a:spcPct val="90000"/>
-              </a:lnSpc>
-              <a:spcBef>
-                <a:spcPts val="500"/>
-              </a:spcBef>
-              <a:buFont typeface="Arial" panose="020B0604020202020204" pitchFamily="34" charset="0"/>
-              <a:buChar char="•"/>
-              <a:defRPr sz="1800" kern="1200">
-                <a:solidFill>
-                  <a:schemeClr val="tx1"/>
-                </a:solidFill>
-                <a:latin typeface="+mn-lt"/>
-                <a:ea typeface="+mn-ea"/>
-                <a:cs typeface="+mn-cs"/>
-              </a:defRPr>
-            </a:lvl8pPr>
-            <a:lvl9pPr marL="3886200" indent="-228600" algn="l" defTabSz="914400" rtl="0" eaLnBrk="1" latinLnBrk="0" hangingPunct="1">
-              <a:lnSpc>
-                <a:spcPct val="90000"/>
-              </a:lnSpc>
-              <a:spcBef>
-                <a:spcPts val="500"/>
-              </a:spcBef>
-              <a:buFont typeface="Arial" panose="020B0604020202020204" pitchFamily="34" charset="0"/>
-              <a:buChar char="•"/>
-              <a:defRPr sz="1800" kern="1200">
-                <a:solidFill>
-                  <a:schemeClr val="tx1"/>
-                </a:solidFill>
-                <a:latin typeface="+mn-lt"/>
-                <a:ea typeface="+mn-ea"/>
-                <a:cs typeface="+mn-cs"/>
-              </a:defRPr>
-            </a:lvl9pPr>
-          </a:lstStyle>
-          <a:p>
-            <a:pPr algn="just">
-              <a:lnSpc>
-                <a:spcPct val="100000"/>
-              </a:lnSpc>
-            </a:pPr>
-            <a:r>
-              <a:rPr lang="en-US" sz="1600" dirty="0">
-                <a:solidFill>
-                  <a:srgbClr val="575756"/>
-                </a:solidFill>
-                <a:latin typeface="Abadi" panose="020B0604020104020204" pitchFamily="34" charset="0"/>
-              </a:rPr>
-              <a:t> A Domain-Driven Design, </a:t>
-            </a:r>
-            <a:r>
-              <a:rPr lang="en-US" sz="1600" dirty="0" err="1">
-                <a:solidFill>
-                  <a:srgbClr val="575756"/>
-                </a:solidFill>
-                <a:latin typeface="Abadi" panose="020B0604020104020204" pitchFamily="34" charset="0"/>
-              </a:rPr>
-              <a:t>surgiu</a:t>
-            </a:r>
-            <a:r>
-              <a:rPr lang="en-US" sz="1600" dirty="0">
-                <a:solidFill>
-                  <a:srgbClr val="575756"/>
-                </a:solidFill>
-                <a:latin typeface="Abadi" panose="020B0604020104020204" pitchFamily="34" charset="0"/>
-              </a:rPr>
-              <a:t> </a:t>
-            </a:r>
-            <a:r>
-              <a:rPr lang="en-US" sz="1600" dirty="0" err="1">
-                <a:solidFill>
-                  <a:srgbClr val="575756"/>
-                </a:solidFill>
-                <a:latin typeface="Abadi" panose="020B0604020104020204" pitchFamily="34" charset="0"/>
-              </a:rPr>
-              <a:t>em</a:t>
-            </a:r>
-            <a:r>
-              <a:rPr lang="en-US" sz="1600" dirty="0">
-                <a:solidFill>
-                  <a:srgbClr val="575756"/>
-                </a:solidFill>
-                <a:latin typeface="Abadi" panose="020B0604020104020204" pitchFamily="34" charset="0"/>
-              </a:rPr>
-              <a:t> </a:t>
-            </a:r>
-            <a:r>
-              <a:rPr lang="en-US" sz="1600" dirty="0" err="1">
-                <a:solidFill>
-                  <a:srgbClr val="575756"/>
-                </a:solidFill>
-                <a:latin typeface="Abadi" panose="020B0604020104020204" pitchFamily="34" charset="0"/>
-              </a:rPr>
-              <a:t>meados</a:t>
-            </a:r>
-            <a:r>
-              <a:rPr lang="en-US" sz="1600" dirty="0">
-                <a:solidFill>
-                  <a:srgbClr val="575756"/>
-                </a:solidFill>
-                <a:latin typeface="Abadi" panose="020B0604020104020204" pitchFamily="34" charset="0"/>
-              </a:rPr>
-              <a:t> de 2003 </a:t>
-            </a:r>
-            <a:r>
-              <a:rPr lang="en-US" sz="1600" dirty="0" err="1">
-                <a:solidFill>
-                  <a:srgbClr val="575756"/>
-                </a:solidFill>
-                <a:latin typeface="Abadi" panose="020B0604020104020204" pitchFamily="34" charset="0"/>
-              </a:rPr>
-              <a:t>por</a:t>
-            </a:r>
-            <a:r>
-              <a:rPr lang="en-US" sz="1600" dirty="0">
-                <a:solidFill>
-                  <a:srgbClr val="575756"/>
-                </a:solidFill>
-                <a:latin typeface="Abadi" panose="020B0604020104020204" pitchFamily="34" charset="0"/>
-              </a:rPr>
-              <a:t> Eric Evans, com principal </a:t>
-            </a:r>
-            <a:r>
-              <a:rPr lang="en-US" sz="1600" dirty="0" err="1">
-                <a:solidFill>
-                  <a:srgbClr val="575756"/>
-                </a:solidFill>
-                <a:latin typeface="Abadi" panose="020B0604020104020204" pitchFamily="34" charset="0"/>
-              </a:rPr>
-              <a:t>ideia</a:t>
-            </a:r>
-            <a:r>
-              <a:rPr lang="en-US" sz="1600" dirty="0">
-                <a:solidFill>
-                  <a:srgbClr val="575756"/>
-                </a:solidFill>
-                <a:latin typeface="Abadi" panose="020B0604020104020204" pitchFamily="34" charset="0"/>
-              </a:rPr>
-              <a:t> de </a:t>
-            </a:r>
-            <a:r>
-              <a:rPr lang="en-US" sz="1600" dirty="0" err="1">
-                <a:solidFill>
-                  <a:srgbClr val="575756"/>
-                </a:solidFill>
-                <a:latin typeface="Abadi" panose="020B0604020104020204" pitchFamily="34" charset="0"/>
-              </a:rPr>
-              <a:t>atacar</a:t>
-            </a:r>
-            <a:r>
-              <a:rPr lang="en-US" sz="1600" dirty="0">
-                <a:solidFill>
-                  <a:srgbClr val="575756"/>
-                </a:solidFill>
-                <a:latin typeface="Abadi" panose="020B0604020104020204" pitchFamily="34" charset="0"/>
-              </a:rPr>
-              <a:t> a </a:t>
-            </a:r>
-            <a:r>
-              <a:rPr lang="en-US" sz="1600" dirty="0" err="1">
-                <a:solidFill>
-                  <a:srgbClr val="575756"/>
-                </a:solidFill>
-                <a:latin typeface="Abadi" panose="020B0604020104020204" pitchFamily="34" charset="0"/>
-              </a:rPr>
-              <a:t>complexidade</a:t>
-            </a:r>
-            <a:r>
-              <a:rPr lang="en-US" sz="1600" dirty="0">
-                <a:solidFill>
-                  <a:srgbClr val="575756"/>
-                </a:solidFill>
-                <a:latin typeface="Abadi" panose="020B0604020104020204" pitchFamily="34" charset="0"/>
-              </a:rPr>
-              <a:t> no </a:t>
-            </a:r>
-            <a:r>
-              <a:rPr lang="en-US" sz="1600" dirty="0" err="1">
-                <a:solidFill>
-                  <a:srgbClr val="575756"/>
-                </a:solidFill>
-                <a:latin typeface="Abadi" panose="020B0604020104020204" pitchFamily="34" charset="0"/>
-              </a:rPr>
-              <a:t>coração</a:t>
-            </a:r>
-            <a:r>
-              <a:rPr lang="en-US" sz="1600" dirty="0">
-                <a:solidFill>
-                  <a:srgbClr val="575756"/>
-                </a:solidFill>
-                <a:latin typeface="Abadi" panose="020B0604020104020204" pitchFamily="34" charset="0"/>
-              </a:rPr>
-              <a:t> do software.</a:t>
-            </a:r>
-          </a:p>
-          <a:p>
-            <a:pPr algn="just">
-              <a:lnSpc>
-                <a:spcPct val="100000"/>
-              </a:lnSpc>
-            </a:pPr>
-            <a:r>
-              <a:rPr lang="en-US" sz="1600" dirty="0" err="1">
-                <a:solidFill>
-                  <a:srgbClr val="575756"/>
-                </a:solidFill>
-                <a:latin typeface="Abadi" panose="020B0604020104020204" pitchFamily="34" charset="0"/>
-              </a:rPr>
-              <a:t>Primeiro</a:t>
-            </a:r>
-            <a:r>
-              <a:rPr lang="en-US" sz="1600" dirty="0">
-                <a:solidFill>
-                  <a:srgbClr val="575756"/>
-                </a:solidFill>
-                <a:latin typeface="Abadi" panose="020B0604020104020204" pitchFamily="34" charset="0"/>
-              </a:rPr>
-              <a:t> para </a:t>
-            </a:r>
-            <a:r>
-              <a:rPr lang="en-US" sz="1600" dirty="0" err="1">
-                <a:solidFill>
-                  <a:srgbClr val="575756"/>
-                </a:solidFill>
-                <a:latin typeface="Abadi" panose="020B0604020104020204" pitchFamily="34" charset="0"/>
-              </a:rPr>
-              <a:t>entendemos</a:t>
-            </a:r>
-            <a:r>
-              <a:rPr lang="en-US" sz="1600" dirty="0">
-                <a:solidFill>
-                  <a:srgbClr val="575756"/>
-                </a:solidFill>
-                <a:latin typeface="Abadi" panose="020B0604020104020204" pitchFamily="34" charset="0"/>
-              </a:rPr>
-              <a:t> o que </a:t>
-            </a:r>
-            <a:r>
-              <a:rPr lang="en-US" sz="1600" dirty="0" err="1">
-                <a:solidFill>
-                  <a:srgbClr val="575756"/>
-                </a:solidFill>
-                <a:latin typeface="Abadi" panose="020B0604020104020204" pitchFamily="34" charset="0"/>
-              </a:rPr>
-              <a:t>significa</a:t>
-            </a:r>
-            <a:r>
-              <a:rPr lang="en-US" sz="1600" dirty="0">
-                <a:solidFill>
-                  <a:srgbClr val="575756"/>
-                </a:solidFill>
-                <a:latin typeface="Abadi" panose="020B0604020104020204" pitchFamily="34" charset="0"/>
-              </a:rPr>
-              <a:t> </a:t>
-            </a:r>
-            <a:r>
-              <a:rPr lang="en-US" sz="1600" dirty="0" err="1">
-                <a:solidFill>
-                  <a:srgbClr val="575756"/>
-                </a:solidFill>
-                <a:latin typeface="Abadi" panose="020B0604020104020204" pitchFamily="34" charset="0"/>
-              </a:rPr>
-              <a:t>complexidade</a:t>
-            </a:r>
-            <a:r>
-              <a:rPr lang="en-US" sz="1600" dirty="0">
-                <a:solidFill>
-                  <a:srgbClr val="575756"/>
-                </a:solidFill>
-                <a:latin typeface="Abadi" panose="020B0604020104020204" pitchFamily="34" charset="0"/>
-              </a:rPr>
-              <a:t> no software, </a:t>
-            </a:r>
-            <a:r>
-              <a:rPr lang="en-US" sz="1600" dirty="0" err="1">
-                <a:solidFill>
-                  <a:srgbClr val="575756"/>
-                </a:solidFill>
-                <a:latin typeface="Abadi" panose="020B0604020104020204" pitchFamily="34" charset="0"/>
-              </a:rPr>
-              <a:t>precisamos</a:t>
-            </a:r>
-            <a:r>
-              <a:rPr lang="en-US" sz="1600" dirty="0">
-                <a:solidFill>
-                  <a:srgbClr val="575756"/>
-                </a:solidFill>
-                <a:latin typeface="Abadi" panose="020B0604020104020204" pitchFamily="34" charset="0"/>
-              </a:rPr>
-              <a:t> </a:t>
-            </a:r>
-            <a:r>
-              <a:rPr lang="en-US" sz="1600" dirty="0" err="1">
-                <a:solidFill>
-                  <a:srgbClr val="575756"/>
-                </a:solidFill>
-                <a:latin typeface="Abadi" panose="020B0604020104020204" pitchFamily="34" charset="0"/>
-              </a:rPr>
-              <a:t>fazer</a:t>
-            </a:r>
-            <a:r>
-              <a:rPr lang="en-US" sz="1600" dirty="0">
-                <a:solidFill>
-                  <a:srgbClr val="575756"/>
-                </a:solidFill>
-                <a:latin typeface="Abadi" panose="020B0604020104020204" pitchFamily="34" charset="0"/>
-              </a:rPr>
-              <a:t> </a:t>
-            </a:r>
-            <a:r>
-              <a:rPr lang="en-US" sz="1600" dirty="0" err="1">
-                <a:solidFill>
-                  <a:srgbClr val="575756"/>
-                </a:solidFill>
-                <a:latin typeface="Abadi" panose="020B0604020104020204" pitchFamily="34" charset="0"/>
-              </a:rPr>
-              <a:t>uma</a:t>
-            </a:r>
-            <a:r>
-              <a:rPr lang="en-US" sz="1600" dirty="0">
-                <a:solidFill>
-                  <a:srgbClr val="575756"/>
-                </a:solidFill>
-                <a:latin typeface="Abadi" panose="020B0604020104020204" pitchFamily="34" charset="0"/>
-              </a:rPr>
-              <a:t> </a:t>
-            </a:r>
-            <a:r>
-              <a:rPr lang="en-US" sz="1600" dirty="0" err="1">
-                <a:solidFill>
-                  <a:srgbClr val="575756"/>
-                </a:solidFill>
-                <a:latin typeface="Abadi" panose="020B0604020104020204" pitchFamily="34" charset="0"/>
-              </a:rPr>
-              <a:t>formulazinha</a:t>
-            </a:r>
-            <a:r>
-              <a:rPr lang="en-US" sz="1600" dirty="0">
-                <a:solidFill>
-                  <a:srgbClr val="575756"/>
-                </a:solidFill>
-                <a:latin typeface="Abadi" panose="020B0604020104020204" pitchFamily="34" charset="0"/>
-              </a:rPr>
-              <a:t> </a:t>
-            </a:r>
-            <a:r>
-              <a:rPr lang="en-US" sz="1600" dirty="0" err="1">
-                <a:solidFill>
-                  <a:srgbClr val="575756"/>
-                </a:solidFill>
-                <a:latin typeface="Abadi" panose="020B0604020104020204" pitchFamily="34" charset="0"/>
-              </a:rPr>
-              <a:t>mátematica</a:t>
-            </a:r>
-            <a:r>
-              <a:rPr lang="en-US" sz="1600" dirty="0">
-                <a:solidFill>
-                  <a:srgbClr val="575756"/>
-                </a:solidFill>
-                <a:latin typeface="Abadi" panose="020B0604020104020204" pitchFamily="34" charset="0"/>
-              </a:rPr>
-              <a:t>:</a:t>
-            </a:r>
-          </a:p>
-          <a:p>
-            <a:pPr algn="just">
-              <a:lnSpc>
-                <a:spcPct val="100000"/>
-              </a:lnSpc>
-            </a:pPr>
-            <a:endParaRPr lang="pt-BR" sz="1600" dirty="0">
-              <a:solidFill>
-                <a:srgbClr val="575756"/>
-              </a:solidFill>
-              <a:latin typeface="Abadi" panose="020B0604020104020204" pitchFamily="34" charset="0"/>
-            </a:endParaRPr>
-          </a:p>
-          <a:p>
-            <a:pPr algn="just">
-              <a:lnSpc>
-                <a:spcPct val="100000"/>
-              </a:lnSpc>
-            </a:pPr>
-            <a:r>
-              <a:rPr lang="pt-BR" sz="1600" b="1" dirty="0">
-                <a:solidFill>
-                  <a:srgbClr val="575756"/>
-                </a:solidFill>
-                <a:latin typeface="Abadi" panose="020B0604020104020204" pitchFamily="34" charset="0"/>
-              </a:rPr>
-              <a:t>Complexidade do Domínio + Complexidade do Legado + Complexidade da Solução técnica = Complexidade do Software;</a:t>
-            </a:r>
-          </a:p>
-          <a:p>
-            <a:pPr algn="just">
-              <a:lnSpc>
-                <a:spcPct val="100000"/>
-              </a:lnSpc>
-            </a:pPr>
-            <a:endParaRPr lang="pt-BR" sz="1600" dirty="0">
-              <a:solidFill>
-                <a:srgbClr val="575756"/>
-              </a:solidFill>
-              <a:latin typeface="Abadi" panose="020B0604020104020204" pitchFamily="34" charset="0"/>
-            </a:endParaRPr>
-          </a:p>
-          <a:p>
-            <a:pPr algn="just">
-              <a:lnSpc>
-                <a:spcPct val="100000"/>
-              </a:lnSpc>
-            </a:pPr>
-            <a:r>
-              <a:rPr lang="pt-BR" sz="1600" dirty="0">
-                <a:solidFill>
-                  <a:srgbClr val="575756"/>
-                </a:solidFill>
-                <a:latin typeface="Abadi" panose="020B0604020104020204" pitchFamily="34" charset="0"/>
-              </a:rPr>
-              <a:t>E o que isso significa ??</a:t>
             </a:r>
           </a:p>
         </p:txBody>
@@ -5034,7 +7347,7 @@
           <p:cNvPr id="2" name="Retângulo 1">
             <a:extLst>
               <a:ext uri="{FF2B5EF4-FFF2-40B4-BE49-F238E27FC236}">
-                <a16:creationId xmlns:a16="http://schemas.microsoft.com/office/drawing/2014/main" id="{45139F0F-FDDE-901B-9F9D-CD9FF75DC6B9}"/>
+                <a16:creationId xmlns:a16="http://schemas.microsoft.com/office/drawing/2014/main" id="{48368252-F7EC-7FE0-B162-45E5AD84F82C}"/>
               </a:ext>
             </a:extLst>
           </p:cNvPr>
@@ -5043,8 +7356,8 @@
         </p:nvSpPr>
         <p:spPr>
           <a:xfrm>
-            <a:off x="4135772" y="2717321"/>
-            <a:ext cx="7414998" cy="1095554"/>
+            <a:off x="4135772" y="3843608"/>
+            <a:ext cx="6854281" cy="732885"/>
           </a:xfrm>
           <a:prstGeom prst="rect">
             <a:avLst/>
@@ -5079,14 +7392,16 @@
           <a:lstStyle/>
           <a:p>
             <a:pPr algn="ctr"/>
-            <a:endParaRPr lang="pt-BR"/>
+            <a:endParaRPr lang="pt-BR">
+              <a:latin typeface="Asap" panose="00000500000000000000"/>
+            </a:endParaRPr>
           </a:p>
         </p:txBody>
       </p:sp>
     </p:spTree>
     <p:extLst>
       <p:ext uri="{BB962C8B-B14F-4D97-AF65-F5344CB8AC3E}">
-        <p14:creationId xmlns:p14="http://schemas.microsoft.com/office/powerpoint/2010/main" val="4138087181"/>
+        <p14:creationId xmlns:p14="http://schemas.microsoft.com/office/powerpoint/2010/main" val="812546671"/>
       </p:ext>
     </p:extLst>
   </p:cSld>
@@ -5141,96 +7456,153 @@
           </a:bodyPr>
           <a:lstStyle/>
           <a:p>
-            <a:pPr marL="342900" indent="-342900" algn="just">
+            <a:pPr algn="just">
               <a:lnSpc>
                 <a:spcPct val="100000"/>
               </a:lnSpc>
-              <a:buFont typeface="+mj-lt"/>
-              <a:buAutoNum type="arabicPeriod"/>
             </a:pPr>
-            <a:endParaRPr lang="pt-BR" sz="1600" dirty="0">
+            <a:r>
+              <a:rPr lang="pt-BR" sz="1600" dirty="0">
+                <a:solidFill>
+                  <a:srgbClr val="575756"/>
+                </a:solidFill>
+                <a:latin typeface="Asap" panose="00000500000000000000"/>
+              </a:rPr>
+              <a:t>Podemos concluir que na perspectiva de Domain-</a:t>
+            </a:r>
+            <a:r>
+              <a:rPr lang="pt-BR" sz="1600" dirty="0" err="1">
+                <a:solidFill>
+                  <a:srgbClr val="575756"/>
+                </a:solidFill>
+                <a:latin typeface="Asap" panose="00000500000000000000"/>
+              </a:rPr>
+              <a:t>Driven</a:t>
+            </a:r>
+            <a:r>
+              <a:rPr lang="pt-BR" sz="1600" dirty="0">
+                <a:solidFill>
+                  <a:srgbClr val="575756"/>
+                </a:solidFill>
+                <a:latin typeface="Asap" panose="00000500000000000000"/>
+              </a:rPr>
+              <a:t> Design, quando olhamos sobre a ótica a complexidade de domínio (a qual de fato importa e é essencial) podemos chegar em dois grandes espaços:</a:t>
+            </a:r>
+          </a:p>
+          <a:p>
+            <a:pPr algn="just">
+              <a:lnSpc>
+                <a:spcPct val="100000"/>
+              </a:lnSpc>
+            </a:pPr>
+            <a:r>
+              <a:rPr lang="pt-BR" sz="1600" b="1" dirty="0">
+                <a:solidFill>
+                  <a:srgbClr val="575756"/>
+                </a:solidFill>
+                <a:latin typeface="Asap" panose="00000500000000000000"/>
+              </a:rPr>
+              <a:t> Espaço do Problema composto pelo próprio domínio (uma organização por exemplo) e subdomínio (seus diferentes setores)</a:t>
+            </a:r>
+          </a:p>
+          <a:p>
+            <a:pPr algn="just">
+              <a:lnSpc>
+                <a:spcPct val="100000"/>
+              </a:lnSpc>
+            </a:pPr>
+            <a:r>
+              <a:rPr lang="pt-BR" sz="1600" b="1" dirty="0">
+                <a:solidFill>
+                  <a:srgbClr val="575756"/>
+                </a:solidFill>
+                <a:latin typeface="Asap" panose="00000500000000000000"/>
+              </a:rPr>
+              <a:t>Espaço da Solução, composto pela modelagem de domínio (representação das abstrações na aplicação) e seus contextos delimitados (as fronteiras de interação e responsabilidade de cada subdomínio)</a:t>
+            </a:r>
+          </a:p>
+          <a:p>
+            <a:pPr algn="just">
+              <a:lnSpc>
+                <a:spcPct val="100000"/>
+              </a:lnSpc>
+            </a:pPr>
+            <a:r>
+              <a:rPr lang="pt-BR" sz="1600" dirty="0">
+                <a:solidFill>
+                  <a:srgbClr val="575756"/>
+                </a:solidFill>
+                <a:latin typeface="Asap" panose="00000500000000000000"/>
+              </a:rPr>
+              <a:t>É importante entender que em determinado momento assim como subdomínios interagem no espaço de problema, os contextos delimitados </a:t>
+            </a:r>
+            <a:r>
+              <a:rPr lang="pt-BR" sz="1600" i="1" dirty="0">
+                <a:solidFill>
+                  <a:srgbClr val="575756"/>
+                </a:solidFill>
+                <a:latin typeface="Asap" panose="00000500000000000000"/>
+              </a:rPr>
+              <a:t>(</a:t>
+            </a:r>
+            <a:r>
+              <a:rPr lang="pt-BR" sz="1600" i="1" dirty="0" err="1">
+                <a:solidFill>
+                  <a:srgbClr val="575756"/>
+                </a:solidFill>
+                <a:latin typeface="Asap" panose="00000500000000000000"/>
+              </a:rPr>
+              <a:t>bounded</a:t>
+            </a:r>
+            <a:r>
+              <a:rPr lang="pt-BR" sz="1600" i="1" dirty="0">
+                <a:solidFill>
+                  <a:srgbClr val="575756"/>
+                </a:solidFill>
+                <a:latin typeface="Asap" panose="00000500000000000000"/>
+              </a:rPr>
+              <a:t> </a:t>
+            </a:r>
+            <a:r>
+              <a:rPr lang="pt-BR" sz="1600" i="1" dirty="0" err="1">
+                <a:solidFill>
+                  <a:srgbClr val="575756"/>
+                </a:solidFill>
+                <a:latin typeface="Asap" panose="00000500000000000000"/>
+              </a:rPr>
+              <a:t>context</a:t>
+            </a:r>
+            <a:r>
+              <a:rPr lang="pt-BR" sz="1600" i="1" dirty="0">
+                <a:solidFill>
+                  <a:srgbClr val="575756"/>
+                </a:solidFill>
+                <a:latin typeface="Asap" panose="00000500000000000000"/>
+              </a:rPr>
+              <a:t>) </a:t>
+            </a:r>
+            <a:r>
+              <a:rPr lang="pt-BR" sz="1600" dirty="0">
+                <a:solidFill>
+                  <a:srgbClr val="575756"/>
+                </a:solidFill>
+                <a:latin typeface="Asap" panose="00000500000000000000"/>
+              </a:rPr>
+              <a:t>também interagem no espaço da solução e mapear e entender isso é crucial. </a:t>
+            </a:r>
+          </a:p>
+          <a:p>
+            <a:pPr algn="just">
+              <a:lnSpc>
+                <a:spcPct val="100000"/>
+              </a:lnSpc>
+            </a:pPr>
+            <a:endParaRPr lang="pt-BR" sz="1600" b="1" dirty="0">
               <a:solidFill>
                 <a:srgbClr val="575756"/>
               </a:solidFill>
-              <a:latin typeface="Abadi" panose="020B0604020104020204" pitchFamily="34" charset="0"/>
+              <a:latin typeface="Asap" panose="00000500000000000000"/>
             </a:endParaRPr>
-          </a:p>
-          <a:p>
-            <a:pPr algn="just">
-              <a:lnSpc>
-                <a:spcPct val="100000"/>
-              </a:lnSpc>
-            </a:pPr>
-            <a:r>
-              <a:rPr lang="pt-BR" sz="1600" dirty="0">
-                <a:solidFill>
-                  <a:srgbClr val="575756"/>
-                </a:solidFill>
-                <a:latin typeface="Abadi" panose="020B0604020104020204" pitchFamily="34" charset="0"/>
-              </a:rPr>
-              <a:t>Complexidade da Solução técnica se refere as tecnologias que optamos em utilizar para resolver um determinado problema.</a:t>
-            </a:r>
-          </a:p>
-          <a:p>
-            <a:pPr algn="just">
-              <a:lnSpc>
-                <a:spcPct val="100000"/>
-              </a:lnSpc>
-            </a:pPr>
-            <a:r>
-              <a:rPr lang="pt-BR" sz="1600" dirty="0">
-                <a:solidFill>
-                  <a:srgbClr val="575756"/>
-                </a:solidFill>
-                <a:latin typeface="Abadi" panose="020B0604020104020204" pitchFamily="34" charset="0"/>
-              </a:rPr>
-              <a:t>Complexidade do Legado se refere ao software já existente que precisamos de alguma maneira sustentar e/ou evoluir. Esse fator geralmente carrega com sigo dívidas técnicas que afetam diretamente como desenvolvemos e pensamos na resolução final do problema.</a:t>
-            </a:r>
-          </a:p>
-          <a:p>
-            <a:pPr algn="just">
-              <a:lnSpc>
-                <a:spcPct val="100000"/>
-              </a:lnSpc>
-            </a:pPr>
-            <a:r>
-              <a:rPr lang="pt-BR" sz="1600" dirty="0">
-                <a:solidFill>
-                  <a:srgbClr val="575756"/>
-                </a:solidFill>
-                <a:latin typeface="Abadi" panose="020B0604020104020204" pitchFamily="34" charset="0"/>
-              </a:rPr>
-              <a:t>Complexidade do Domínio se refere a complexidade do negocio, o problema que estamos tentando resolver.</a:t>
-            </a:r>
-          </a:p>
-          <a:p>
-            <a:pPr algn="just">
-              <a:lnSpc>
-                <a:spcPct val="100000"/>
-              </a:lnSpc>
-            </a:pPr>
-            <a:endParaRPr lang="pt-BR" sz="1600" dirty="0">
-              <a:solidFill>
-                <a:srgbClr val="575756"/>
-              </a:solidFill>
-              <a:latin typeface="Abadi" panose="020B0604020104020204" pitchFamily="34" charset="0"/>
-            </a:endParaRPr>
-          </a:p>
-          <a:p>
-            <a:pPr algn="just">
-              <a:lnSpc>
-                <a:spcPct val="100000"/>
-              </a:lnSpc>
-            </a:pPr>
-            <a:r>
-              <a:rPr lang="pt-BR" sz="1600" b="1" dirty="0">
-                <a:solidFill>
-                  <a:srgbClr val="575756"/>
-                </a:solidFill>
-                <a:latin typeface="Abadi" panose="020B0604020104020204" pitchFamily="34" charset="0"/>
-              </a:rPr>
-              <a:t>É importante ressaltar que a única complexidade essencial é a de Domínio, as demais são acidentais.</a:t>
-            </a:r>
           </a:p>
         </p:txBody>
       </p:sp>
@@ -5250,7 +7622,7 @@
         </p:nvSpPr>
         <p:spPr>
           <a:xfrm>
-            <a:off x="838201" y="446314"/>
+            <a:off x="461770" y="1227364"/>
             <a:ext cx="3423406" cy="2780051"/>
           </a:xfrm>
           <a:prstGeom prst="rect">
@@ -5288,7 +7660,7 @@
                 </a:solidFill>
                 <a:latin typeface="Asap" panose="00000500000000000000" pitchFamily="2" charset="0"/>
               </a:rPr>
-              <a:t>O que é</a:t>
+              <a:t>DDD:</a:t>
             </a:r>
           </a:p>
           <a:p>
@@ -5299,7 +7671,7 @@
                 </a:solidFill>
                 <a:latin typeface="Asap" panose="00000500000000000000" pitchFamily="2" charset="0"/>
               </a:rPr>
-              <a:t>DDD</a:t>
+              <a:t>Tipos de espaços</a:t>
             </a:r>
           </a:p>
         </p:txBody>
@@ -5517,10 +7889,10 @@
       </p:sp>
       <p:sp>
         <p:nvSpPr>
-          <p:cNvPr id="2" name="Retângulo 1">
+          <p:cNvPr id="4" name="Retângulo 3">
             <a:extLst>
               <a:ext uri="{FF2B5EF4-FFF2-40B4-BE49-F238E27FC236}">
-                <a16:creationId xmlns:a16="http://schemas.microsoft.com/office/drawing/2014/main" id="{48368252-F7EC-7FE0-B162-45E5AD84F82C}"/>
+                <a16:creationId xmlns:a16="http://schemas.microsoft.com/office/drawing/2014/main" id="{63656B2A-F04A-EC15-56AE-4F6737EDA98D}"/>
               </a:ext>
             </a:extLst>
           </p:cNvPr>
@@ -5529,8 +7901,8 @@
         </p:nvSpPr>
         <p:spPr>
           <a:xfrm>
-            <a:off x="4037162" y="4210051"/>
-            <a:ext cx="7198918" cy="879534"/>
+            <a:off x="4135772" y="2053087"/>
+            <a:ext cx="6854281" cy="1509622"/>
           </a:xfrm>
           <a:prstGeom prst="rect">
             <a:avLst/>
@@ -5572,7 +7944,7 @@
     </p:spTree>
     <p:extLst>
       <p:ext uri="{BB962C8B-B14F-4D97-AF65-F5344CB8AC3E}">
-        <p14:creationId xmlns:p14="http://schemas.microsoft.com/office/powerpoint/2010/main" val="812546671"/>
+        <p14:creationId xmlns:p14="http://schemas.microsoft.com/office/powerpoint/2010/main" val="993817744"/>
       </p:ext>
     </p:extLst>
   </p:cSld>
@@ -5637,16 +8009,64 @@
                 <a:solidFill>
                   <a:srgbClr val="575756"/>
                 </a:solidFill>
-                <a:latin typeface="Abadi" panose="020B0604020104020204" pitchFamily="34" charset="0"/>
-              </a:rPr>
-              <a:t>Podemos concluir que na perspectiva de Domain-</a:t>
+                <a:latin typeface="Asap" panose="00000500000000000000"/>
+              </a:rPr>
+              <a:t>Para sermos assertivos no mapeamento desses relacionamentos, precisamos da ajuda dos especialistas de domínio, os responsáveis por entender de fato como a operação ocorre no domínio ou nos subdomínios da organização.</a:t>
+            </a:r>
+          </a:p>
+          <a:p>
+            <a:pPr algn="just">
+              <a:lnSpc>
+                <a:spcPct val="100000"/>
+              </a:lnSpc>
+            </a:pPr>
+            <a:r>
+              <a:rPr lang="pt-BR" sz="1600" dirty="0">
+                <a:solidFill>
+                  <a:srgbClr val="575756"/>
+                </a:solidFill>
+                <a:latin typeface="Asap" panose="00000500000000000000"/>
+              </a:rPr>
+              <a:t> Estes colaboradores da  organização geralmente são o que chamamos usualmente de “negocio”, por nos da TI, são eles que entendem como é processado e executado a cadeia dentro de um determinado setor/área dentro da organização.</a:t>
+            </a:r>
+          </a:p>
+          <a:p>
+            <a:pPr algn="just">
+              <a:lnSpc>
+                <a:spcPct val="100000"/>
+              </a:lnSpc>
+            </a:pPr>
+            <a:r>
+              <a:rPr lang="pt-BR" sz="1600" dirty="0">
+                <a:solidFill>
+                  <a:srgbClr val="575756"/>
+                </a:solidFill>
+                <a:latin typeface="Asap" panose="00000500000000000000"/>
+              </a:rPr>
+              <a:t>Através dos diálogos e conversas com eles que começamos a entender o espaço do problema e aprendemos a nos comunicar em uma única só linguagem.</a:t>
+            </a:r>
+          </a:p>
+          <a:p>
+            <a:pPr algn="just">
+              <a:lnSpc>
+                <a:spcPct val="100000"/>
+              </a:lnSpc>
+            </a:pPr>
+            <a:r>
+              <a:rPr lang="pt-BR" sz="1600" dirty="0">
+                <a:solidFill>
+                  <a:srgbClr val="575756"/>
+                </a:solidFill>
+                <a:latin typeface="Asap" panose="00000500000000000000"/>
+              </a:rPr>
+              <a:t>A utilização de uma linguagem comum é chamada em Domain-</a:t>
             </a:r>
             <a:r>
               <a:rPr lang="pt-BR" sz="1600" dirty="0" err="1">
                 <a:solidFill>
                   <a:srgbClr val="575756"/>
                 </a:solidFill>
-                <a:latin typeface="Abadi" panose="020B0604020104020204" pitchFamily="34" charset="0"/>
+                <a:latin typeface="Asap" panose="00000500000000000000"/>
               </a:rPr>
               <a:t>Driven</a:t>
             </a:r>
@@ -5655,94 +8075,61 @@
                 <a:solidFill>
                   <a:srgbClr val="575756"/>
                 </a:solidFill>
-                <a:latin typeface="Abadi" panose="020B0604020104020204" pitchFamily="34" charset="0"/>
-              </a:rPr>
-              <a:t> Design, quando olhamos sobre a ótica a complexidade de domínio (a qual de fato importa e é essencial) podemos chegar em dois grandes espaços:</a:t>
-            </a:r>
-          </a:p>
-          <a:p>
-            <a:pPr algn="just">
-              <a:lnSpc>
-                <a:spcPct val="100000"/>
-              </a:lnSpc>
-            </a:pPr>
-            <a:r>
-              <a:rPr lang="pt-BR" sz="1600" b="1" dirty="0">
-                <a:solidFill>
-                  <a:srgbClr val="575756"/>
-                </a:solidFill>
-                <a:latin typeface="Abadi" panose="020B0604020104020204" pitchFamily="34" charset="0"/>
-              </a:rPr>
-              <a:t> Espaço do Problema composto pelo próprio domínio (uma organização por exemplo) e subdomínio (seus diferentes setores)</a:t>
-            </a:r>
-          </a:p>
-          <a:p>
-            <a:pPr algn="just">
-              <a:lnSpc>
-                <a:spcPct val="100000"/>
-              </a:lnSpc>
-            </a:pPr>
-            <a:r>
-              <a:rPr lang="pt-BR" sz="1600" b="1" dirty="0">
-                <a:solidFill>
-                  <a:srgbClr val="575756"/>
-                </a:solidFill>
-                <a:latin typeface="Abadi" panose="020B0604020104020204" pitchFamily="34" charset="0"/>
-              </a:rPr>
-              <a:t>Espaço da Solução, composto pela modelagem de domínio (representação das abstrações na aplicação) e seus contextos delimitados (as fronteiras de interação e responsabilidade de cada subdomínio)</a:t>
-            </a:r>
-          </a:p>
-          <a:p>
-            <a:pPr algn="just">
-              <a:lnSpc>
-                <a:spcPct val="100000"/>
-              </a:lnSpc>
-            </a:pPr>
+                <a:latin typeface="Asap" panose="00000500000000000000"/>
+              </a:rPr>
+              <a:t> Design de </a:t>
+            </a:r>
+            <a:r>
+              <a:rPr lang="pt-BR" sz="1600" i="1" dirty="0" err="1">
+                <a:solidFill>
+                  <a:srgbClr val="575756"/>
+                </a:solidFill>
+                <a:latin typeface="Asap" panose="00000500000000000000"/>
+              </a:rPr>
+              <a:t>ubliquitous</a:t>
+            </a:r>
+            <a:r>
+              <a:rPr lang="pt-BR" sz="1600" i="1" dirty="0">
+                <a:solidFill>
+                  <a:srgbClr val="575756"/>
+                </a:solidFill>
+                <a:latin typeface="Asap" panose="00000500000000000000"/>
+              </a:rPr>
+              <a:t> </a:t>
+            </a:r>
+            <a:r>
+              <a:rPr lang="pt-BR" sz="1600" i="1" dirty="0" err="1">
+                <a:solidFill>
+                  <a:srgbClr val="575756"/>
+                </a:solidFill>
+                <a:latin typeface="Asap" panose="00000500000000000000"/>
+              </a:rPr>
+              <a:t>language</a:t>
+            </a:r>
+            <a:r>
+              <a:rPr lang="pt-BR" sz="1600" i="1" dirty="0">
+                <a:solidFill>
+                  <a:srgbClr val="575756"/>
+                </a:solidFill>
+                <a:latin typeface="Asap" panose="00000500000000000000"/>
+              </a:rPr>
+              <a:t>, </a:t>
+            </a:r>
             <a:r>
               <a:rPr lang="pt-BR" sz="1600" dirty="0">
                 <a:solidFill>
                   <a:srgbClr val="575756"/>
                 </a:solidFill>
-                <a:latin typeface="Abadi" panose="020B0604020104020204" pitchFamily="34" charset="0"/>
-              </a:rPr>
-              <a:t>É importante entender que em determinado momento assim como subdomínios interagem no espaço de problema, os contextos delimitados (</a:t>
-            </a:r>
-            <a:r>
-              <a:rPr lang="pt-BR" sz="1600" dirty="0" err="1">
-                <a:solidFill>
-                  <a:srgbClr val="575756"/>
-                </a:solidFill>
-                <a:latin typeface="Abadi" panose="020B0604020104020204" pitchFamily="34" charset="0"/>
-              </a:rPr>
-              <a:t>bounded</a:t>
-            </a:r>
-            <a:r>
-              <a:rPr lang="pt-BR" sz="1600" dirty="0">
-                <a:solidFill>
-                  <a:srgbClr val="575756"/>
-                </a:solidFill>
-                <a:latin typeface="Abadi" panose="020B0604020104020204" pitchFamily="34" charset="0"/>
-              </a:rPr>
-              <a:t> </a:t>
-            </a:r>
-            <a:r>
-              <a:rPr lang="pt-BR" sz="1600" dirty="0" err="1">
-                <a:solidFill>
-                  <a:srgbClr val="575756"/>
-                </a:solidFill>
-                <a:latin typeface="Abadi" panose="020B0604020104020204" pitchFamily="34" charset="0"/>
-              </a:rPr>
-              <a:t>context</a:t>
-            </a:r>
-            <a:r>
-              <a:rPr lang="pt-BR" sz="1600" dirty="0">
-                <a:solidFill>
-                  <a:srgbClr val="575756"/>
-                </a:solidFill>
-                <a:latin typeface="Abadi" panose="020B0604020104020204" pitchFamily="34" charset="0"/>
-              </a:rPr>
-              <a:t>) também interagem no espaço da solução e mapear e entender isso é crucial para de fato aplicar da maneira certa DDD. </a:t>
-            </a:r>
+                <a:latin typeface="Asap" panose="00000500000000000000"/>
+              </a:rPr>
+              <a:t>podemos traduzir o termo para linguagem onipresente.</a:t>
+            </a:r>
+            <a:endParaRPr lang="pt-BR" sz="1600" i="1" dirty="0">
+              <a:solidFill>
+                <a:srgbClr val="575756"/>
+              </a:solidFill>
+              <a:latin typeface="Asap" panose="00000500000000000000"/>
+            </a:endParaRPr>
           </a:p>
           <a:p>
             <a:pPr algn="just">
@@ -5754,7 +8141,7 @@
               <a:solidFill>
                 <a:srgbClr val="575756"/>
               </a:solidFill>
-              <a:latin typeface="Abadi" panose="020B0604020104020204" pitchFamily="34" charset="0"/>
+              <a:latin typeface="Asap" panose="00000500000000000000"/>
             </a:endParaRPr>
           </a:p>
         </p:txBody>
@@ -5775,7 +8162,7 @@
         </p:nvSpPr>
         <p:spPr>
           <a:xfrm>
-            <a:off x="838201" y="446314"/>
+            <a:off x="587068" y="1227364"/>
             <a:ext cx="3423406" cy="2780051"/>
           </a:xfrm>
           <a:prstGeom prst="rect">
@@ -5813,7 +8200,7 @@
                 </a:solidFill>
                 <a:latin typeface="Asap" panose="00000500000000000000" pitchFamily="2" charset="0"/>
               </a:rPr>
-              <a:t>O que é</a:t>
+              <a:t>DDD:</a:t>
             </a:r>
           </a:p>
           <a:p>
@@ -5824,7 +8211,18 @@
                 </a:solidFill>
                 <a:latin typeface="Asap" panose="00000500000000000000" pitchFamily="2" charset="0"/>
               </a:rPr>
-              <a:t>DDD</a:t>
+              <a:t>Mapeamento</a:t>
+            </a:r>
+          </a:p>
+          <a:p>
+            <a:r>
+              <a:rPr lang="pt-BR" b="1" dirty="0">
+                <a:solidFill>
+                  <a:srgbClr val="22438A"/>
+                </a:solidFill>
+                <a:latin typeface="Asap" panose="00000500000000000000" pitchFamily="2" charset="0"/>
+              </a:rPr>
+              <a:t>Linguagem</a:t>
             </a:r>
           </a:p>
         </p:txBody>
@@ -6042,10 +8440,10 @@
       </p:sp>
       <p:sp>
         <p:nvSpPr>
-          <p:cNvPr id="4" name="Retângulo 3">
+          <p:cNvPr id="2" name="Retângulo 1">
             <a:extLst>
               <a:ext uri="{FF2B5EF4-FFF2-40B4-BE49-F238E27FC236}">
-                <a16:creationId xmlns:a16="http://schemas.microsoft.com/office/drawing/2014/main" id="{63656B2A-F04A-EC15-56AE-4F6737EDA98D}"/>
+                <a16:creationId xmlns:a16="http://schemas.microsoft.com/office/drawing/2014/main" id="{64649514-797B-4AEE-25A6-509CAA4D023D}"/>
               </a:ext>
             </a:extLst>
           </p:cNvPr>
@@ -6054,8 +8452,8 @@
         </p:nvSpPr>
         <p:spPr>
           <a:xfrm>
-            <a:off x="4135772" y="2096219"/>
-            <a:ext cx="7000930" cy="1440611"/>
+            <a:off x="4135772" y="4270075"/>
+            <a:ext cx="6715489" cy="940280"/>
           </a:xfrm>
           <a:prstGeom prst="rect">
             <a:avLst/>
@@ -6097,7 +8495,7 @@
     </p:spTree>
     <p:extLst>
       <p:ext uri="{BB962C8B-B14F-4D97-AF65-F5344CB8AC3E}">
-        <p14:creationId xmlns:p14="http://schemas.microsoft.com/office/powerpoint/2010/main" val="993817744"/>
+        <p14:creationId xmlns:p14="http://schemas.microsoft.com/office/powerpoint/2010/main" val="13951062"/>
       </p:ext>
     </p:extLst>
   </p:cSld>
@@ -6140,7 +8538,7 @@
         </p:nvSpPr>
         <p:spPr>
           <a:xfrm>
-            <a:off x="838201" y="446314"/>
+            <a:off x="461770" y="1024728"/>
             <a:ext cx="3423406" cy="2780051"/>
           </a:xfrm>
           <a:prstGeom prst="rect">
@@ -6183,20 +8581,14 @@
           </a:p>
           <a:p>
             <a:r>
-              <a:rPr lang="pt-BR" b="1" dirty="0" err="1">
+              <a:rPr lang="pt-BR" b="1" dirty="0">
                 <a:solidFill>
                   <a:srgbClr val="22438A"/>
                 </a:solidFill>
                 <a:latin typeface="Asap" panose="00000500000000000000" pitchFamily="2" charset="0"/>
               </a:rPr>
-              <a:t>Context</a:t>
-            </a:r>
-            <a:endParaRPr lang="pt-BR" b="1" dirty="0">
-              <a:solidFill>
-                <a:srgbClr val="22438A"/>
-              </a:solidFill>
-              <a:latin typeface="Asap" panose="00000500000000000000" pitchFamily="2" charset="0"/>
-            </a:endParaRPr>
+              <a:t>Exemplos</a:t>
+            </a:r>
           </a:p>
           <a:p>
             <a:r>
@@ -6206,7 +8598,7 @@
                 </a:solidFill>
                 <a:latin typeface="Asap" panose="00000500000000000000" pitchFamily="2" charset="0"/>
               </a:rPr>
-              <a:t>Mapping</a:t>
+              <a:t>Mapas</a:t>
             </a:r>
           </a:p>
         </p:txBody>
@@ -6531,129 +8923,85 @@
           </a:bodyPr>
           <a:lstStyle/>
           <a:p>
-            <a:pPr marL="342900" indent="-342900" algn="just">
+            <a:pPr algn="just">
               <a:lnSpc>
                 <a:spcPct val="100000"/>
               </a:lnSpc>
-              <a:buFont typeface="+mj-lt"/>
-              <a:buAutoNum type="arabicPeriod"/>
             </a:pPr>
             <a:r>
               <a:rPr lang="pt-BR" sz="1600" dirty="0">
                 <a:solidFill>
                   <a:srgbClr val="575756"/>
                 </a:solidFill>
-                <a:latin typeface="Abadi" panose="020B0604020104020204" pitchFamily="34" charset="0"/>
-              </a:rPr>
-              <a:t>Entidades</a:t>
-            </a:r>
-          </a:p>
-          <a:p>
-            <a:pPr marL="342900" indent="-342900" algn="just">
+                <a:latin typeface="Asap" panose="00000500000000000000"/>
+              </a:rPr>
+              <a:t>Entidades e Objetos de valor: Para Domain-</a:t>
+            </a:r>
+            <a:r>
+              <a:rPr lang="pt-BR" sz="1600" dirty="0" err="1">
+                <a:solidFill>
+                  <a:srgbClr val="575756"/>
+                </a:solidFill>
+                <a:latin typeface="Asap" panose="00000500000000000000"/>
+              </a:rPr>
+              <a:t>Driven</a:t>
+            </a:r>
+            <a:r>
+              <a:rPr lang="pt-BR" sz="1600" dirty="0">
+                <a:solidFill>
+                  <a:srgbClr val="575756"/>
+                </a:solidFill>
+                <a:latin typeface="Asap" panose="00000500000000000000"/>
+              </a:rPr>
+              <a:t> Design, quando o especialista de domínio utiliza de substantivos para descrever o modelo de trabalho, por exemplo, em um cenário de prestação de contas, o ato de emitir uma nota, a nota é o substantivo, este substantivo será nossa entidade ou  objeto de valor. </a:t>
+            </a:r>
+          </a:p>
+          <a:p>
+            <a:pPr algn="just">
               <a:lnSpc>
                 <a:spcPct val="100000"/>
               </a:lnSpc>
-              <a:buFont typeface="+mj-lt"/>
-              <a:buAutoNum type="arabicPeriod"/>
             </a:pPr>
             <a:r>
               <a:rPr lang="pt-BR" sz="1600" dirty="0">
                 <a:solidFill>
                   <a:srgbClr val="575756"/>
                 </a:solidFill>
-                <a:latin typeface="Abadi" panose="020B0604020104020204" pitchFamily="34" charset="0"/>
-              </a:rPr>
-              <a:t>Objetos de Valor</a:t>
-            </a:r>
-          </a:p>
-          <a:p>
-            <a:pPr marL="342900" indent="-342900" algn="just">
+                <a:latin typeface="Asap" panose="00000500000000000000"/>
+              </a:rPr>
+              <a:t>A diferença entre ambos é que uma entidade pode ser representada por um identificador único, um ID, já o objeto de valor tem sua unicidade composta por todos os atributos que o compõe.</a:t>
+            </a:r>
+          </a:p>
+          <a:p>
+            <a:pPr algn="just">
               <a:lnSpc>
                 <a:spcPct val="100000"/>
               </a:lnSpc>
-              <a:buFont typeface="+mj-lt"/>
-              <a:buAutoNum type="arabicPeriod"/>
             </a:pPr>
             <a:r>
               <a:rPr lang="pt-BR" sz="1600" dirty="0">
                 <a:solidFill>
                   <a:srgbClr val="575756"/>
                 </a:solidFill>
-                <a:latin typeface="Abadi" panose="020B0604020104020204" pitchFamily="34" charset="0"/>
-              </a:rPr>
-              <a:t>Agregações</a:t>
-            </a:r>
-          </a:p>
-          <a:p>
-            <a:pPr marL="342900" indent="-342900" algn="just">
+                <a:latin typeface="Asap" panose="00000500000000000000"/>
+              </a:rPr>
+              <a:t>Entidades são mutáveis, e servem como “cola” entre os diversos contextos, interligando os subdomínios, de acordo com a visão dos diferentes especialistas de domínio.</a:t>
+            </a:r>
+          </a:p>
+          <a:p>
+            <a:pPr algn="just">
               <a:lnSpc>
                 <a:spcPct val="100000"/>
               </a:lnSpc>
-              <a:buFont typeface="+mj-lt"/>
-              <a:buAutoNum type="arabicPeriod"/>
             </a:pPr>
             <a:r>
-              <a:rPr lang="pt-BR" sz="1600" dirty="0">
-                <a:solidFill>
-                  <a:srgbClr val="575756"/>
-                </a:solidFill>
-                <a:latin typeface="Abadi" panose="020B0604020104020204" pitchFamily="34" charset="0"/>
-              </a:rPr>
-              <a:t>Serviços de Domínio</a:t>
-            </a:r>
-          </a:p>
-          <a:p>
-            <a:pPr marL="342900" indent="-342900" algn="just">
-              <a:lnSpc>
-                <a:spcPct val="100000"/>
-              </a:lnSpc>
-              <a:buFont typeface="+mj-lt"/>
-              <a:buAutoNum type="arabicPeriod"/>
-            </a:pPr>
-            <a:r>
-              <a:rPr lang="pt-BR" sz="1600" dirty="0">
-                <a:solidFill>
-                  <a:srgbClr val="575756"/>
-                </a:solidFill>
-                <a:latin typeface="Abadi" panose="020B0604020104020204" pitchFamily="34" charset="0"/>
-              </a:rPr>
-              <a:t>Especificações</a:t>
-            </a:r>
-          </a:p>
-          <a:p>
-            <a:pPr marL="342900" indent="-342900" algn="just">
-              <a:lnSpc>
-                <a:spcPct val="100000"/>
-              </a:lnSpc>
-              <a:buFont typeface="+mj-lt"/>
-              <a:buAutoNum type="arabicPeriod"/>
-            </a:pPr>
-            <a:r>
-              <a:rPr lang="pt-BR" sz="1600" dirty="0">
-                <a:solidFill>
-                  <a:srgbClr val="575756"/>
-                </a:solidFill>
-                <a:latin typeface="Abadi" panose="020B0604020104020204" pitchFamily="34" charset="0"/>
-              </a:rPr>
-              <a:t>Repositórios</a:t>
-            </a:r>
-          </a:p>
-          <a:p>
-            <a:pPr marL="342900" indent="-342900" algn="just">
-              <a:lnSpc>
-                <a:spcPct val="100000"/>
-              </a:lnSpc>
-              <a:buFont typeface="+mj-lt"/>
-              <a:buAutoNum type="arabicPeriod"/>
-            </a:pPr>
-            <a:r>
-              <a:rPr lang="pt-BR" sz="1600" dirty="0">
-                <a:solidFill>
-                  <a:srgbClr val="575756"/>
-                </a:solidFill>
-                <a:latin typeface="Abadi" panose="020B0604020104020204" pitchFamily="34" charset="0"/>
-              </a:rPr>
-              <a:t>Fabricas </a:t>
+              <a:rPr lang="pt-BR" sz="1600" b="1" dirty="0">
+                <a:solidFill>
+                  <a:srgbClr val="575756"/>
+                </a:solidFill>
+                <a:latin typeface="Asap" panose="00000500000000000000"/>
+              </a:rPr>
+              <a:t>O ID é um fator crucial para comparações e ligação, é por ele que identificamos visões/perspectivas diferentes da mesma entidade, através dele que descobrimos se estamos falando da mesma referencia.</a:t>
             </a:r>
           </a:p>
         </p:txBody>
@@ -6683,7 +9031,7 @@
         </p:spPr>
         <p:txBody>
           <a:bodyPr vert="horz" lIns="91440" tIns="45720" rIns="91440" bIns="45720" rtlCol="0" anchor="ctr">
-            <a:normAutofit fontScale="97500" lnSpcReduction="10000"/>
+            <a:normAutofit fontScale="97500"/>
           </a:bodyPr>
           <a:lstStyle>
             <a:lvl1pPr algn="l" defTabSz="914400" rtl="0" eaLnBrk="1" latinLnBrk="0" hangingPunct="1">
@@ -6710,7 +9058,7 @@
                 <a:solidFill>
                   <a:srgbClr val="22438A"/>
                 </a:solidFill>
-                <a:latin typeface="Asap" panose="00000500000000000000" pitchFamily="2" charset="0"/>
+                <a:latin typeface="Asap" panose="00000500000000000000"/>
               </a:rPr>
               <a:t>DDD:</a:t>
             </a:r>
@@ -6721,9 +9069,9 @@
                 <a:solidFill>
                   <a:srgbClr val="22438A"/>
                 </a:solidFill>
-                <a:latin typeface="Asap" panose="00000500000000000000" pitchFamily="2" charset="0"/>
-              </a:rPr>
-              <a:t>Padrões aplicáveis ao espaço da solução</a:t>
+                <a:latin typeface="Asap" panose="00000500000000000000"/>
+              </a:rPr>
+              <a:t>Padrões, no espaço da solução</a:t>
             </a:r>
           </a:p>
         </p:txBody>
@@ -6932,17 +9280,73 @@
                 <a:solidFill>
                   <a:srgbClr val="575756"/>
                 </a:solidFill>
-                <a:latin typeface="Asap" panose="00000500000000000000" pitchFamily="2" charset="0"/>
+                <a:latin typeface="Asap" panose="00000500000000000000"/>
               </a:rPr>
               <a:t> </a:t>
             </a:r>
+          </a:p>
+        </p:txBody>
+      </p:sp>
+      <p:sp>
+        <p:nvSpPr>
+          <p:cNvPr id="2" name="Retângulo 1">
+            <a:extLst>
+              <a:ext uri="{FF2B5EF4-FFF2-40B4-BE49-F238E27FC236}">
+                <a16:creationId xmlns:a16="http://schemas.microsoft.com/office/drawing/2014/main" id="{2B56D3E5-4A7C-A249-8A06-F50657557E9E}"/>
+              </a:ext>
+            </a:extLst>
+          </p:cNvPr>
+          <p:cNvSpPr/>
+          <p:nvPr/>
+        </p:nvSpPr>
+        <p:spPr>
+          <a:xfrm>
+            <a:off x="4135772" y="4210051"/>
+            <a:ext cx="6789567" cy="1060689"/>
+          </a:xfrm>
+          <a:prstGeom prst="rect">
+            <a:avLst/>
+          </a:prstGeom>
+          <a:noFill/>
+          <a:ln w="9525" cap="flat" cmpd="sng" algn="ctr">
+            <a:solidFill>
+              <a:schemeClr val="accent1"/>
+            </a:solidFill>
+            <a:prstDash val="solid"/>
+            <a:round/>
+            <a:headEnd type="none" w="med" len="med"/>
+            <a:tailEnd type="none" w="med" len="med"/>
+          </a:ln>
+        </p:spPr>
+        <p:style>
+          <a:lnRef idx="0">
+            <a:scrgbClr r="0" g="0" b="0"/>
+          </a:lnRef>
+          <a:fillRef idx="0">
+            <a:scrgbClr r="0" g="0" b="0"/>
+          </a:fillRef>
+          <a:effectRef idx="0">
+            <a:scrgbClr r="0" g="0" b="0"/>
+          </a:effectRef>
+          <a:fontRef idx="minor">
+            <a:schemeClr val="accent1"/>
+          </a:fontRef>
+        </p:style>
+        <p:txBody>
+          <a:bodyPr rtlCol="0" anchor="ctr"/>
+          <a:lstStyle/>
+          <a:p>
+            <a:pPr algn="ctr"/>
+            <a:endParaRPr lang="pt-BR">
+              <a:latin typeface="Asap" panose="00000500000000000000"/>
+            </a:endParaRPr>
           </a:p>
         </p:txBody>
       </p:sp>
     </p:spTree>
     <p:extLst>
       <p:ext uri="{BB962C8B-B14F-4D97-AF65-F5344CB8AC3E}">
-        <p14:creationId xmlns:p14="http://schemas.microsoft.com/office/powerpoint/2010/main" val="1545447131"/>
+        <p14:creationId xmlns:p14="http://schemas.microsoft.com/office/powerpoint/2010/main" val="2584355108"/>
       </p:ext>
     </p:extLst>
   </p:cSld>
@@ -7003,20 +9407,64 @@
               </a:lnSpc>
             </a:pPr>
             <a:r>
-              <a:rPr lang="en-US" sz="1600" dirty="0">
-                <a:solidFill>
-                  <a:srgbClr val="575756"/>
-                </a:solidFill>
-                <a:latin typeface="Abadi" panose="020B0604020104020204" pitchFamily="34" charset="0"/>
-              </a:rPr>
-              <a:t> </a:t>
-            </a:r>
-            <a:endParaRPr lang="pt-BR" sz="1600" dirty="0">
-              <a:solidFill>
-                <a:srgbClr val="575756"/>
-              </a:solidFill>
-              <a:latin typeface="Abadi" panose="020B0604020104020204" pitchFamily="34" charset="0"/>
-            </a:endParaRPr>
+              <a:rPr lang="pt-BR" sz="1600" dirty="0">
+                <a:solidFill>
+                  <a:srgbClr val="575756"/>
+                </a:solidFill>
+                <a:latin typeface="Asap" panose="00000500000000000000"/>
+              </a:rPr>
+              <a:t>Agregados: Em Domain-</a:t>
+            </a:r>
+            <a:r>
+              <a:rPr lang="pt-BR" sz="1600" dirty="0" err="1">
+                <a:solidFill>
+                  <a:srgbClr val="575756"/>
+                </a:solidFill>
+                <a:latin typeface="Asap" panose="00000500000000000000"/>
+              </a:rPr>
+              <a:t>Driven</a:t>
+            </a:r>
+            <a:r>
+              <a:rPr lang="pt-BR" sz="1600" dirty="0">
+                <a:solidFill>
+                  <a:srgbClr val="575756"/>
+                </a:solidFill>
+                <a:latin typeface="Asap" panose="00000500000000000000"/>
+              </a:rPr>
+              <a:t> Design, são a composição de uma ou mais entidades e objetivos de valor que juntos delimitam um único limite transacional. Ou seja a ação de persistência sobre aquele conjunto de objetos precisa acontecer de maneira consistente e singular, uma vez que qualquer alteração do conjunto afeta os demais consolidados.</a:t>
+            </a:r>
+          </a:p>
+          <a:p>
+            <a:pPr algn="just">
+              <a:lnSpc>
+                <a:spcPct val="100000"/>
+              </a:lnSpc>
+            </a:pPr>
+            <a:r>
+              <a:rPr lang="pt-BR" sz="1600" dirty="0">
+                <a:solidFill>
+                  <a:srgbClr val="575756"/>
+                </a:solidFill>
+                <a:latin typeface="Asap" panose="00000500000000000000"/>
+              </a:rPr>
+              <a:t>Em um exemplo prático em uma ação de compra, onde temos o pedido, seus itens e o endereço de entrega, esse consolidado de entidades e objeto de valor compõe o que chamamos de agregado.</a:t>
+            </a:r>
+          </a:p>
+          <a:p>
+            <a:pPr algn="just">
+              <a:lnSpc>
+                <a:spcPct val="100000"/>
+              </a:lnSpc>
+            </a:pPr>
+            <a:r>
+              <a:rPr lang="pt-BR" sz="1600" b="1" dirty="0">
+                <a:solidFill>
+                  <a:srgbClr val="575756"/>
+                </a:solidFill>
+                <a:latin typeface="Asap" panose="00000500000000000000"/>
+              </a:rPr>
+              <a:t>Todo agregado possui um ponto de entrada, o que chamamos usualmente de raiz da agregação é ele que da nome ao agregado.</a:t>
+            </a:r>
           </a:p>
         </p:txBody>
       </p:sp>
@@ -7036,7 +9484,7 @@
         </p:nvSpPr>
         <p:spPr>
           <a:xfrm>
-            <a:off x="838201" y="446314"/>
+            <a:off x="786442" y="1024728"/>
             <a:ext cx="3423406" cy="2780051"/>
           </a:xfrm>
           <a:prstGeom prst="rect">
@@ -7074,7 +9522,7 @@
                 </a:solidFill>
                 <a:latin typeface="Asap" panose="00000500000000000000" pitchFamily="2" charset="0"/>
               </a:rPr>
-              <a:t>O que é</a:t>
+              <a:t>DDD:</a:t>
             </a:r>
           </a:p>
           <a:p>
@@ -7085,18 +9533,8 @@
                 </a:solidFill>
                 <a:latin typeface="Asap" panose="00000500000000000000" pitchFamily="2" charset="0"/>
               </a:rPr>
-              <a:t>Clean </a:t>
-            </a:r>
-            <a:r>
-              <a:rPr lang="pt-BR" b="1" dirty="0" err="1">
-                <a:solidFill>
-                  <a:srgbClr val="22438A"/>
-                </a:solidFill>
-                <a:latin typeface="Asap" panose="00000500000000000000" pitchFamily="2" charset="0"/>
-              </a:rPr>
-              <a:t>Architecture</a:t>
-            </a:r>
-            <a:endParaRPr lang="pt-BR" b="1" dirty="0"/>
+              <a:t>Padrões, no espaço da solução</a:t>
+            </a:r>
           </a:p>
         </p:txBody>
       </p:sp>
@@ -7311,10 +9749,92 @@
           </a:p>
         </p:txBody>
       </p:sp>
+      <p:graphicFrame>
+        <p:nvGraphicFramePr>
+          <p:cNvPr id="4" name="Diagrama 3">
+            <a:extLst>
+              <a:ext uri="{FF2B5EF4-FFF2-40B4-BE49-F238E27FC236}">
+                <a16:creationId xmlns:a16="http://schemas.microsoft.com/office/drawing/2014/main" id="{5223E5D6-7B13-E2C5-5158-89D06740E407}"/>
+              </a:ext>
+            </a:extLst>
+          </p:cNvPr>
+          <p:cNvGraphicFramePr/>
+          <p:nvPr>
+            <p:extLst>
+              <p:ext uri="{D42A27DB-BD31-4B8C-83A1-F6EECF244321}">
+                <p14:modId xmlns:p14="http://schemas.microsoft.com/office/powerpoint/2010/main" val="722090789"/>
+              </p:ext>
+            </p:extLst>
+          </p:nvPr>
+        </p:nvGraphicFramePr>
+        <p:xfrm>
+          <a:off x="4731337" y="4166558"/>
+          <a:ext cx="5524358" cy="1869350"/>
+        </p:xfrm>
+        <a:graphic>
+          <a:graphicData uri="http://schemas.openxmlformats.org/drawingml/2006/diagram">
+            <dgm:relIds xmlns:dgm="http://schemas.openxmlformats.org/drawingml/2006/diagram" xmlns:r="http://schemas.openxmlformats.org/officeDocument/2006/relationships" r:dm="rId2" r:lo="rId3" r:qs="rId4" r:cs="rId5"/>
+          </a:graphicData>
+        </a:graphic>
+      </p:graphicFrame>
+      <p:sp>
+        <p:nvSpPr>
+          <p:cNvPr id="7" name="Retângulo 6">
+            <a:extLst>
+              <a:ext uri="{FF2B5EF4-FFF2-40B4-BE49-F238E27FC236}">
+                <a16:creationId xmlns:a16="http://schemas.microsoft.com/office/drawing/2014/main" id="{2A8BBC59-6A86-CC75-065B-9C76B9A06177}"/>
+              </a:ext>
+            </a:extLst>
+          </p:cNvPr>
+          <p:cNvSpPr/>
+          <p:nvPr/>
+        </p:nvSpPr>
+        <p:spPr>
+          <a:xfrm>
+            <a:off x="4135772" y="3429000"/>
+            <a:ext cx="6715489" cy="651294"/>
+          </a:xfrm>
+          <a:prstGeom prst="rect">
+            <a:avLst/>
+          </a:prstGeom>
+          <a:noFill/>
+          <a:ln w="9525" cap="flat" cmpd="sng" algn="ctr">
+            <a:solidFill>
+              <a:schemeClr val="accent1"/>
+            </a:solidFill>
+            <a:prstDash val="solid"/>
+            <a:round/>
+            <a:headEnd type="none" w="med" len="med"/>
+            <a:tailEnd type="none" w="med" len="med"/>
+          </a:ln>
+        </p:spPr>
+        <p:style>
+          <a:lnRef idx="0">
+            <a:scrgbClr r="0" g="0" b="0"/>
+          </a:lnRef>
+          <a:fillRef idx="0">
+            <a:scrgbClr r="0" g="0" b="0"/>
+          </a:fillRef>
+          <a:effectRef idx="0">
+            <a:scrgbClr r="0" g="0" b="0"/>
+          </a:effectRef>
+          <a:fontRef idx="minor">
+            <a:schemeClr val="accent1"/>
+          </a:fontRef>
+        </p:style>
+        <p:txBody>
+          <a:bodyPr rtlCol="0" anchor="ctr"/>
+          <a:lstStyle/>
+          <a:p>
+            <a:pPr algn="ctr"/>
+            <a:endParaRPr lang="pt-BR"/>
+          </a:p>
+        </p:txBody>
+      </p:sp>
     </p:spTree>
     <p:extLst>
       <p:ext uri="{BB962C8B-B14F-4D97-AF65-F5344CB8AC3E}">
-        <p14:creationId xmlns:p14="http://schemas.microsoft.com/office/powerpoint/2010/main" val="3903156023"/>
+        <p14:creationId xmlns:p14="http://schemas.microsoft.com/office/powerpoint/2010/main" val="1545447131"/>
       </p:ext>
     </p:extLst>
   </p:cSld>
@@ -7375,20 +9895,80 @@
               </a:lnSpc>
             </a:pPr>
             <a:r>
-              <a:rPr lang="en-US" sz="1600" dirty="0">
-                <a:solidFill>
-                  <a:srgbClr val="575756"/>
-                </a:solidFill>
-                <a:latin typeface="Abadi" panose="020B0604020104020204" pitchFamily="34" charset="0"/>
-              </a:rPr>
-              <a:t> </a:t>
-            </a:r>
-            <a:endParaRPr lang="pt-BR" sz="1600" dirty="0">
-              <a:solidFill>
-                <a:srgbClr val="575756"/>
-              </a:solidFill>
-              <a:latin typeface="Abadi" panose="020B0604020104020204" pitchFamily="34" charset="0"/>
-            </a:endParaRPr>
+              <a:rPr lang="pt-BR" sz="1600" dirty="0">
+                <a:solidFill>
+                  <a:srgbClr val="575756"/>
+                </a:solidFill>
+                <a:latin typeface="Asap" panose="00000500000000000000"/>
+              </a:rPr>
+              <a:t>Eventos de Domínio: Para Domain-</a:t>
+            </a:r>
+            <a:r>
+              <a:rPr lang="pt-BR" sz="1600" dirty="0" err="1">
+                <a:solidFill>
+                  <a:srgbClr val="575756"/>
+                </a:solidFill>
+                <a:latin typeface="Asap" panose="00000500000000000000"/>
+              </a:rPr>
+              <a:t>Driven</a:t>
+            </a:r>
+            <a:r>
+              <a:rPr lang="pt-BR" sz="1600" dirty="0">
+                <a:solidFill>
+                  <a:srgbClr val="575756"/>
+                </a:solidFill>
+                <a:latin typeface="Asap" panose="00000500000000000000"/>
+              </a:rPr>
+              <a:t> Design, na perspectiva do espaço do problema, eventos de domínio são registros da ocorrência de algo significativo para um subdomínio, por exemplo a entrada ou a alta de um paciência em um hospital é um evento.</a:t>
+            </a:r>
+          </a:p>
+          <a:p>
+            <a:pPr algn="just">
+              <a:lnSpc>
+                <a:spcPct val="100000"/>
+              </a:lnSpc>
+            </a:pPr>
+            <a:r>
+              <a:rPr lang="pt-BR" sz="1600" dirty="0">
+                <a:solidFill>
+                  <a:srgbClr val="575756"/>
+                </a:solidFill>
+                <a:latin typeface="Asap" panose="00000500000000000000"/>
+              </a:rPr>
+              <a:t>Já na perspectiva do espaço da solução, um evento pode ser explicado como a ocorrência de uma mudança de estado em um servidor.</a:t>
+            </a:r>
+          </a:p>
+          <a:p>
+            <a:pPr algn="just">
+              <a:lnSpc>
+                <a:spcPct val="100000"/>
+              </a:lnSpc>
+            </a:pPr>
+            <a:r>
+              <a:rPr lang="pt-BR" sz="1600" b="1" dirty="0">
+                <a:solidFill>
+                  <a:srgbClr val="575756"/>
+                </a:solidFill>
+                <a:latin typeface="Asap" panose="00000500000000000000"/>
+              </a:rPr>
+              <a:t>Eventos servem como ferramenta de notificações, emitidas por um determinado contexto delimitado, para que ele consiga informar aos demais que algo importante aconteceu.</a:t>
+            </a:r>
+          </a:p>
+          <a:p>
+            <a:pPr algn="just">
+              <a:lnSpc>
+                <a:spcPct val="100000"/>
+              </a:lnSpc>
+            </a:pPr>
+            <a:r>
+              <a:rPr lang="pt-BR" sz="1600" dirty="0">
+                <a:solidFill>
+                  <a:srgbClr val="575756"/>
+                </a:solidFill>
+                <a:latin typeface="Asap" panose="00000500000000000000"/>
+              </a:rPr>
+              <a:t>Via de regra, eventos são gerados a partir do atingimento dos motivos de mudança de uma entidade e esses motivos são levantados junto aos especialistas de domínio quando se é feito os levantamentos e mapeamentos do domínio e subdomínios e definido os contextos delimitados.</a:t>
+            </a:r>
           </a:p>
         </p:txBody>
       </p:sp>
@@ -7408,7 +9988,7 @@
         </p:nvSpPr>
         <p:spPr>
           <a:xfrm>
-            <a:off x="838201" y="446314"/>
+            <a:off x="786442" y="1024728"/>
             <a:ext cx="3423406" cy="2780051"/>
           </a:xfrm>
           <a:prstGeom prst="rect">
@@ -7446,7 +10026,7 @@
                 </a:solidFill>
                 <a:latin typeface="Asap" panose="00000500000000000000" pitchFamily="2" charset="0"/>
               </a:rPr>
-              <a:t>Princípios</a:t>
+              <a:t>DDD:</a:t>
             </a:r>
           </a:p>
           <a:p>
@@ -7457,18 +10037,8 @@
                 </a:solidFill>
                 <a:latin typeface="Asap" panose="00000500000000000000" pitchFamily="2" charset="0"/>
               </a:rPr>
-              <a:t>Clean </a:t>
-            </a:r>
-            <a:r>
-              <a:rPr lang="pt-BR" b="1" dirty="0" err="1">
-                <a:solidFill>
-                  <a:srgbClr val="22438A"/>
-                </a:solidFill>
-                <a:latin typeface="Asap" panose="00000500000000000000" pitchFamily="2" charset="0"/>
-              </a:rPr>
-              <a:t>Architecture</a:t>
-            </a:r>
-            <a:endParaRPr lang="pt-BR" b="1" dirty="0"/>
+              <a:t>Padrões, no espaço da solução</a:t>
+            </a:r>
           </a:p>
         </p:txBody>
       </p:sp>
@@ -7683,10 +10253,64 @@
           </a:p>
         </p:txBody>
       </p:sp>
+      <p:sp>
+        <p:nvSpPr>
+          <p:cNvPr id="2" name="Retângulo 1">
+            <a:extLst>
+              <a:ext uri="{FF2B5EF4-FFF2-40B4-BE49-F238E27FC236}">
+                <a16:creationId xmlns:a16="http://schemas.microsoft.com/office/drawing/2014/main" id="{22C6EA46-CED9-DF2E-F599-39A19F0F4831}"/>
+              </a:ext>
+            </a:extLst>
+          </p:cNvPr>
+          <p:cNvSpPr/>
+          <p:nvPr/>
+        </p:nvSpPr>
+        <p:spPr>
+          <a:xfrm>
+            <a:off x="4135772" y="2958860"/>
+            <a:ext cx="6789565" cy="845919"/>
+          </a:xfrm>
+          <a:prstGeom prst="rect">
+            <a:avLst/>
+          </a:prstGeom>
+          <a:noFill/>
+          <a:ln w="9525" cap="flat" cmpd="sng" algn="ctr">
+            <a:solidFill>
+              <a:schemeClr val="accent1"/>
+            </a:solidFill>
+            <a:prstDash val="solid"/>
+            <a:round/>
+            <a:headEnd type="none" w="med" len="med"/>
+            <a:tailEnd type="none" w="med" len="med"/>
+          </a:ln>
+        </p:spPr>
+        <p:style>
+          <a:lnRef idx="0">
+            <a:scrgbClr r="0" g="0" b="0"/>
+          </a:lnRef>
+          <a:fillRef idx="0">
+            <a:scrgbClr r="0" g="0" b="0"/>
+          </a:fillRef>
+          <a:effectRef idx="0">
+            <a:scrgbClr r="0" g="0" b="0"/>
+          </a:effectRef>
+          <a:fontRef idx="minor">
+            <a:schemeClr val="accent1"/>
+          </a:fontRef>
+        </p:style>
+        <p:txBody>
+          <a:bodyPr rtlCol="0" anchor="ctr"/>
+          <a:lstStyle/>
+          <a:p>
+            <a:pPr algn="ctr"/>
+            <a:endParaRPr lang="pt-BR"/>
+          </a:p>
+        </p:txBody>
+      </p:sp>
     </p:spTree>
     <p:extLst>
       <p:ext uri="{BB962C8B-B14F-4D97-AF65-F5344CB8AC3E}">
-        <p14:creationId xmlns:p14="http://schemas.microsoft.com/office/powerpoint/2010/main" val="2552376244"/>
+        <p14:creationId xmlns:p14="http://schemas.microsoft.com/office/powerpoint/2010/main" val="1264165980"/>
       </p:ext>
     </p:extLst>
   </p:cSld>
@@ -7697,71 +10321,6 @@
 </file>
 
 <file path=ppt/slides/slide17.xml><?xml version="1.0" encoding="utf-8"?>
-<p:sld xmlns:a="http://schemas.openxmlformats.org/drawingml/2006/main" xmlns:r="http://schemas.openxmlformats.org/officeDocument/2006/relationships" xmlns:p="http://schemas.openxmlformats.org/presentationml/2006/main">
-  <p:cSld>
-    <p:spTree>
-      <p:nvGrpSpPr>
-        <p:cNvPr id="1" name=""/>
-        <p:cNvGrpSpPr/>
-        <p:nvPr/>
-      </p:nvGrpSpPr>
-      <p:grpSpPr>
-        <a:xfrm>
-          <a:off x="0" y="0"/>
-          <a:ext cx="0" cy="0"/>
-          <a:chOff x="0" y="0"/>
-          <a:chExt cx="0" cy="0"/>
-        </a:xfrm>
-      </p:grpSpPr>
-      <p:pic>
-        <p:nvPicPr>
-          <p:cNvPr id="5" name="Imagem 4">
-            <a:extLst>
-              <a:ext uri="{FF2B5EF4-FFF2-40B4-BE49-F238E27FC236}">
-                <a16:creationId xmlns:a16="http://schemas.microsoft.com/office/drawing/2014/main" id="{84D71492-638A-487D-8EE9-9C007E9C50DC}"/>
-              </a:ext>
-            </a:extLst>
-          </p:cNvPr>
-          <p:cNvPicPr>
-            <a:picLocks noChangeAspect="1"/>
-          </p:cNvPicPr>
-          <p:nvPr/>
-        </p:nvPicPr>
-        <p:blipFill>
-          <a:blip r:embed="rId2">
-            <a:extLst>
-              <a:ext uri="{28A0092B-C50C-407E-A947-70E740481C1C}">
-                <a14:useLocalDpi xmlns:a14="http://schemas.microsoft.com/office/drawing/2010/main" val="0"/>
-              </a:ext>
-            </a:extLst>
-          </a:blip>
-          <a:srcRect/>
-          <a:stretch/>
-        </p:blipFill>
-        <p:spPr>
-          <a:xfrm>
-            <a:off x="593" y="0"/>
-            <a:ext cx="12190814" cy="6858000"/>
-          </a:xfrm>
-          <a:prstGeom prst="rect">
-            <a:avLst/>
-          </a:prstGeom>
-        </p:spPr>
-      </p:pic>
-    </p:spTree>
-    <p:extLst>
-      <p:ext uri="{BB962C8B-B14F-4D97-AF65-F5344CB8AC3E}">
-        <p14:creationId xmlns:p14="http://schemas.microsoft.com/office/powerpoint/2010/main" val="81690933"/>
-      </p:ext>
-    </p:extLst>
-  </p:cSld>
-  <p:clrMapOvr>
-    <a:masterClrMapping/>
-  </p:clrMapOvr>
-</p:sld>
-</file>
-
-<file path=ppt/slides/slide18.xml><?xml version="1.0" encoding="utf-8"?>
 <p:sld xmlns:a="http://schemas.openxmlformats.org/drawingml/2006/main" xmlns:r="http://schemas.openxmlformats.org/officeDocument/2006/relationships" xmlns:p="http://schemas.openxmlformats.org/presentationml/2006/main">
   <p:cSld>
     <p:spTree>
@@ -7812,20 +10371,98 @@
               </a:lnSpc>
             </a:pPr>
             <a:r>
-              <a:rPr lang="en-US" sz="1600" dirty="0">
-                <a:solidFill>
-                  <a:srgbClr val="575756"/>
-                </a:solidFill>
-                <a:latin typeface="Abadi" panose="020B0604020104020204" pitchFamily="34" charset="0"/>
-              </a:rPr>
-              <a:t> </a:t>
-            </a:r>
-            <a:endParaRPr lang="pt-BR" sz="1600" dirty="0">
-              <a:solidFill>
-                <a:srgbClr val="575756"/>
-              </a:solidFill>
-              <a:latin typeface="Abadi" panose="020B0604020104020204" pitchFamily="34" charset="0"/>
-            </a:endParaRPr>
+              <a:rPr lang="pt-BR" sz="1600" dirty="0">
+                <a:solidFill>
+                  <a:srgbClr val="575756"/>
+                </a:solidFill>
+                <a:latin typeface="Asap" panose="00000500000000000000"/>
+              </a:rPr>
+              <a:t>Repositórios: Na proposta de Eric Evans, um repositório seria uma coleção em memoria de todos os objetos de um determinado tipo, podendo adicionar, alterar, remover e recuperar instancias desses objetos.</a:t>
+            </a:r>
+          </a:p>
+          <a:p>
+            <a:pPr algn="just">
+              <a:lnSpc>
+                <a:spcPct val="100000"/>
+              </a:lnSpc>
+            </a:pPr>
+            <a:r>
+              <a:rPr lang="pt-BR" sz="1600" dirty="0">
+                <a:solidFill>
+                  <a:srgbClr val="575756"/>
+                </a:solidFill>
+                <a:latin typeface="Asap" panose="00000500000000000000"/>
+              </a:rPr>
+              <a:t>Seu objetivo principal é a abstração da persistência, atacando diretamente a complexidade.</a:t>
+            </a:r>
+          </a:p>
+          <a:p>
+            <a:pPr algn="just">
+              <a:lnSpc>
+                <a:spcPct val="100000"/>
+              </a:lnSpc>
+            </a:pPr>
+            <a:r>
+              <a:rPr lang="pt-BR" sz="1600" dirty="0">
+                <a:solidFill>
+                  <a:srgbClr val="575756"/>
+                </a:solidFill>
+                <a:latin typeface="Asap" panose="00000500000000000000"/>
+              </a:rPr>
+              <a:t>Segundo o próprio </a:t>
+            </a:r>
+            <a:r>
+              <a:rPr lang="pt-BR" sz="1600" dirty="0" err="1">
+                <a:solidFill>
+                  <a:srgbClr val="575756"/>
+                </a:solidFill>
+                <a:latin typeface="Asap" panose="00000500000000000000"/>
+              </a:rPr>
+              <a:t>Vaugh</a:t>
+            </a:r>
+            <a:r>
+              <a:rPr lang="pt-BR" sz="1600" dirty="0">
+                <a:solidFill>
+                  <a:srgbClr val="575756"/>
+                </a:solidFill>
+                <a:latin typeface="Asap" panose="00000500000000000000"/>
+              </a:rPr>
+              <a:t> Vernon em seu livro “Implementando Domain-</a:t>
+            </a:r>
+            <a:r>
+              <a:rPr lang="pt-BR" sz="1600" dirty="0" err="1">
+                <a:solidFill>
+                  <a:srgbClr val="575756"/>
+                </a:solidFill>
+                <a:latin typeface="Asap" panose="00000500000000000000"/>
+              </a:rPr>
+              <a:t>Driven</a:t>
+            </a:r>
+            <a:r>
+              <a:rPr lang="pt-BR" sz="1600" dirty="0">
+                <a:solidFill>
+                  <a:srgbClr val="575756"/>
+                </a:solidFill>
+                <a:latin typeface="Asap" panose="00000500000000000000"/>
+              </a:rPr>
+              <a:t> Design” os repositórios deveriam representar a persistência dos agregados e não de entidades isoladas, ou seja agregados e repositórios possuem uma relação um para um nos contextos ao qual pertencem.</a:t>
+            </a:r>
+          </a:p>
+          <a:p>
+            <a:pPr algn="just">
+              <a:lnSpc>
+                <a:spcPct val="100000"/>
+              </a:lnSpc>
+            </a:pPr>
+            <a:r>
+              <a:rPr lang="pt-BR" sz="1600" b="1" dirty="0">
+                <a:solidFill>
+                  <a:srgbClr val="575756"/>
+                </a:solidFill>
+                <a:latin typeface="Asap" panose="00000500000000000000"/>
+              </a:rPr>
+              <a:t>Podemos concluir que repositórios devem interagir apenas com as entidades e objetos de valor que compõe o agregado que ele representa, podendo ter visões diferentes para mesmo tipo de acordo com o espaço do problema que pertence e está tentando resolver.</a:t>
+            </a:r>
           </a:p>
         </p:txBody>
       </p:sp>
@@ -7845,7 +10482,7 @@
         </p:nvSpPr>
         <p:spPr>
           <a:xfrm>
-            <a:off x="838201" y="446314"/>
+            <a:off x="786442" y="1024728"/>
             <a:ext cx="3423406" cy="2780051"/>
           </a:xfrm>
           <a:prstGeom prst="rect">
@@ -7883,7 +10520,7 @@
                 </a:solidFill>
                 <a:latin typeface="Asap" panose="00000500000000000000" pitchFamily="2" charset="0"/>
               </a:rPr>
-              <a:t>O que é</a:t>
+              <a:t>DDD:</a:t>
             </a:r>
           </a:p>
           <a:p>
@@ -7894,9 +10531,8 @@
                 </a:solidFill>
                 <a:latin typeface="Asap" panose="00000500000000000000" pitchFamily="2" charset="0"/>
               </a:rPr>
-              <a:t>CQRS</a:t>
-            </a:r>
-            <a:endParaRPr lang="pt-BR" b="1" dirty="0"/>
+              <a:t>Padrões, no espaço da solução</a:t>
+            </a:r>
           </a:p>
         </p:txBody>
       </p:sp>
@@ -8111,10 +10747,431 @@
           </a:p>
         </p:txBody>
       </p:sp>
+      <p:sp>
+        <p:nvSpPr>
+          <p:cNvPr id="4" name="Retângulo 3">
+            <a:extLst>
+              <a:ext uri="{FF2B5EF4-FFF2-40B4-BE49-F238E27FC236}">
+                <a16:creationId xmlns:a16="http://schemas.microsoft.com/office/drawing/2014/main" id="{9FC6A522-A2EA-DF57-53E5-EE98C9978DA8}"/>
+              </a:ext>
+            </a:extLst>
+          </p:cNvPr>
+          <p:cNvSpPr/>
+          <p:nvPr/>
+        </p:nvSpPr>
+        <p:spPr>
+          <a:xfrm>
+            <a:off x="4135772" y="3804779"/>
+            <a:ext cx="6789565" cy="1172663"/>
+          </a:xfrm>
+          <a:prstGeom prst="rect">
+            <a:avLst/>
+          </a:prstGeom>
+          <a:noFill/>
+          <a:ln w="9525" cap="flat" cmpd="sng" algn="ctr">
+            <a:solidFill>
+              <a:schemeClr val="accent1"/>
+            </a:solidFill>
+            <a:prstDash val="solid"/>
+            <a:round/>
+            <a:headEnd type="none" w="med" len="med"/>
+            <a:tailEnd type="none" w="med" len="med"/>
+          </a:ln>
+        </p:spPr>
+        <p:style>
+          <a:lnRef idx="0">
+            <a:scrgbClr r="0" g="0" b="0"/>
+          </a:lnRef>
+          <a:fillRef idx="0">
+            <a:scrgbClr r="0" g="0" b="0"/>
+          </a:fillRef>
+          <a:effectRef idx="0">
+            <a:scrgbClr r="0" g="0" b="0"/>
+          </a:effectRef>
+          <a:fontRef idx="minor">
+            <a:schemeClr val="accent1"/>
+          </a:fontRef>
+        </p:style>
+        <p:txBody>
+          <a:bodyPr rtlCol="0" anchor="ctr"/>
+          <a:lstStyle/>
+          <a:p>
+            <a:pPr algn="ctr"/>
+            <a:endParaRPr lang="pt-BR"/>
+          </a:p>
+        </p:txBody>
+      </p:sp>
     </p:spTree>
     <p:extLst>
       <p:ext uri="{BB962C8B-B14F-4D97-AF65-F5344CB8AC3E}">
-        <p14:creationId xmlns:p14="http://schemas.microsoft.com/office/powerpoint/2010/main" val="1961591634"/>
+        <p14:creationId xmlns:p14="http://schemas.microsoft.com/office/powerpoint/2010/main" val="1864511560"/>
+      </p:ext>
+    </p:extLst>
+  </p:cSld>
+  <p:clrMapOvr>
+    <a:masterClrMapping/>
+  </p:clrMapOvr>
+</p:sld>
+</file>
+
+<file path=ppt/slides/slide18.xml><?xml version="1.0" encoding="utf-8"?>
+<p:sld xmlns:a="http://schemas.openxmlformats.org/drawingml/2006/main" xmlns:r="http://schemas.openxmlformats.org/officeDocument/2006/relationships" xmlns:p="http://schemas.openxmlformats.org/presentationml/2006/main">
+  <p:cSld>
+    <p:spTree>
+      <p:nvGrpSpPr>
+        <p:cNvPr id="1" name=""/>
+        <p:cNvGrpSpPr/>
+        <p:nvPr/>
+      </p:nvGrpSpPr>
+      <p:grpSpPr>
+        <a:xfrm>
+          <a:off x="0" y="0"/>
+          <a:ext cx="0" cy="0"/>
+          <a:chOff x="0" y="0"/>
+          <a:chExt cx="0" cy="0"/>
+        </a:xfrm>
+      </p:grpSpPr>
+      <p:sp>
+        <p:nvSpPr>
+          <p:cNvPr id="6" name="Título 1">
+            <a:extLst>
+              <a:ext uri="{FF2B5EF4-FFF2-40B4-BE49-F238E27FC236}">
+                <a16:creationId xmlns:a16="http://schemas.microsoft.com/office/drawing/2014/main" id="{29506E41-E78A-4624-9442-2C05FCDFFDD1}"/>
+              </a:ext>
+            </a:extLst>
+          </p:cNvPr>
+          <p:cNvSpPr txBox="1">
+            <a:spLocks/>
+          </p:cNvSpPr>
+          <p:nvPr/>
+        </p:nvSpPr>
+        <p:spPr>
+          <a:xfrm>
+            <a:off x="815196" y="1886574"/>
+            <a:ext cx="10256807" cy="2780051"/>
+          </a:xfrm>
+          <a:prstGeom prst="rect">
+            <a:avLst/>
+          </a:prstGeom>
+        </p:spPr>
+        <p:txBody>
+          <a:bodyPr vert="horz" lIns="91440" tIns="45720" rIns="91440" bIns="45720" rtlCol="0" anchor="ctr">
+            <a:normAutofit fontScale="97500"/>
+          </a:bodyPr>
+          <a:lstStyle>
+            <a:lvl1pPr algn="l" defTabSz="914400" rtl="0" eaLnBrk="1" latinLnBrk="0" hangingPunct="1">
+              <a:lnSpc>
+                <a:spcPct val="90000"/>
+              </a:lnSpc>
+              <a:spcBef>
+                <a:spcPct val="0"/>
+              </a:spcBef>
+              <a:buNone/>
+              <a:defRPr sz="4400" kern="1200">
+                <a:solidFill>
+                  <a:schemeClr val="tx1"/>
+                </a:solidFill>
+                <a:latin typeface="+mj-lt"/>
+                <a:ea typeface="+mj-ea"/>
+                <a:cs typeface="+mj-cs"/>
+              </a:defRPr>
+            </a:lvl1pPr>
+          </a:lstStyle>
+          <a:p>
+            <a:pPr algn="r"/>
+            <a:r>
+              <a:rPr lang="en-US" sz="4800" b="1" dirty="0">
+                <a:solidFill>
+                  <a:srgbClr val="22438A"/>
+                </a:solidFill>
+                <a:latin typeface="Asap" panose="00000500000000000000"/>
+              </a:rPr>
+              <a:t>H</a:t>
+            </a:r>
+            <a:r>
+              <a:rPr lang="pt-BR" sz="4800" b="1" dirty="0">
+                <a:solidFill>
+                  <a:srgbClr val="22438A"/>
+                </a:solidFill>
+                <a:latin typeface="Asap" panose="00000500000000000000"/>
+              </a:rPr>
+              <a:t>ORA DE POR A MÃO NA MASSA !</a:t>
+            </a:r>
+          </a:p>
+          <a:p>
+            <a:pPr algn="r"/>
+            <a:r>
+              <a:rPr lang="pt-BR" sz="4800" b="1" dirty="0">
+                <a:solidFill>
+                  <a:srgbClr val="22438A"/>
+                </a:solidFill>
+                <a:latin typeface="Asap" panose="00000500000000000000"/>
+              </a:rPr>
+              <a:t>SHOW ME THE CODE  </a:t>
+            </a:r>
+          </a:p>
+        </p:txBody>
+      </p:sp>
+      <p:sp>
+        <p:nvSpPr>
+          <p:cNvPr id="5" name="Espaço Reservado para Conteúdo 2">
+            <a:extLst>
+              <a:ext uri="{FF2B5EF4-FFF2-40B4-BE49-F238E27FC236}">
+                <a16:creationId xmlns:a16="http://schemas.microsoft.com/office/drawing/2014/main" id="{298CF56C-531D-456B-926E-E1934EBBFA79}"/>
+              </a:ext>
+            </a:extLst>
+          </p:cNvPr>
+          <p:cNvSpPr txBox="1">
+            <a:spLocks/>
+          </p:cNvSpPr>
+          <p:nvPr/>
+        </p:nvSpPr>
+        <p:spPr>
+          <a:xfrm>
+            <a:off x="3885176" y="1430000"/>
+            <a:ext cx="7350904" cy="4403272"/>
+          </a:xfrm>
+          <a:prstGeom prst="rect">
+            <a:avLst/>
+          </a:prstGeom>
+        </p:spPr>
+        <p:txBody>
+          <a:bodyPr vert="horz" lIns="91440" tIns="45720" rIns="91440" bIns="45720" rtlCol="0">
+            <a:normAutofit/>
+          </a:bodyPr>
+          <a:lstStyle>
+            <a:lvl1pPr marL="228600" indent="-228600" algn="l" defTabSz="914400" rtl="0" eaLnBrk="1" latinLnBrk="0" hangingPunct="1">
+              <a:lnSpc>
+                <a:spcPct val="90000"/>
+              </a:lnSpc>
+              <a:spcBef>
+                <a:spcPts val="1000"/>
+              </a:spcBef>
+              <a:buFont typeface="Arial" panose="020B0604020202020204" pitchFamily="34" charset="0"/>
+              <a:buChar char="•"/>
+              <a:defRPr sz="2800" kern="1200">
+                <a:solidFill>
+                  <a:schemeClr val="tx1"/>
+                </a:solidFill>
+                <a:latin typeface="+mn-lt"/>
+                <a:ea typeface="+mn-ea"/>
+                <a:cs typeface="+mn-cs"/>
+              </a:defRPr>
+            </a:lvl1pPr>
+            <a:lvl2pPr marL="685800" indent="-228600" algn="l" defTabSz="914400" rtl="0" eaLnBrk="1" latinLnBrk="0" hangingPunct="1">
+              <a:lnSpc>
+                <a:spcPct val="90000"/>
+              </a:lnSpc>
+              <a:spcBef>
+                <a:spcPts val="500"/>
+              </a:spcBef>
+              <a:buFont typeface="Arial" panose="020B0604020202020204" pitchFamily="34" charset="0"/>
+              <a:buChar char="•"/>
+              <a:defRPr sz="2400" kern="1200">
+                <a:solidFill>
+                  <a:schemeClr val="tx1"/>
+                </a:solidFill>
+                <a:latin typeface="+mn-lt"/>
+                <a:ea typeface="+mn-ea"/>
+                <a:cs typeface="+mn-cs"/>
+              </a:defRPr>
+            </a:lvl2pPr>
+            <a:lvl3pPr marL="1143000" indent="-228600" algn="l" defTabSz="914400" rtl="0" eaLnBrk="1" latinLnBrk="0" hangingPunct="1">
+              <a:lnSpc>
+                <a:spcPct val="90000"/>
+              </a:lnSpc>
+              <a:spcBef>
+                <a:spcPts val="500"/>
+              </a:spcBef>
+              <a:buFont typeface="Arial" panose="020B0604020202020204" pitchFamily="34" charset="0"/>
+              <a:buChar char="•"/>
+              <a:defRPr sz="2000" kern="1200">
+                <a:solidFill>
+                  <a:schemeClr val="tx1"/>
+                </a:solidFill>
+                <a:latin typeface="+mn-lt"/>
+                <a:ea typeface="+mn-ea"/>
+                <a:cs typeface="+mn-cs"/>
+              </a:defRPr>
+            </a:lvl3pPr>
+            <a:lvl4pPr marL="1600200" indent="-228600" algn="l" defTabSz="914400" rtl="0" eaLnBrk="1" latinLnBrk="0" hangingPunct="1">
+              <a:lnSpc>
+                <a:spcPct val="90000"/>
+              </a:lnSpc>
+              <a:spcBef>
+                <a:spcPts val="500"/>
+              </a:spcBef>
+              <a:buFont typeface="Arial" panose="020B0604020202020204" pitchFamily="34" charset="0"/>
+              <a:buChar char="•"/>
+              <a:defRPr sz="1800" kern="1200">
+                <a:solidFill>
+                  <a:schemeClr val="tx1"/>
+                </a:solidFill>
+                <a:latin typeface="+mn-lt"/>
+                <a:ea typeface="+mn-ea"/>
+                <a:cs typeface="+mn-cs"/>
+              </a:defRPr>
+            </a:lvl4pPr>
+            <a:lvl5pPr marL="2057400" indent="-228600" algn="l" defTabSz="914400" rtl="0" eaLnBrk="1" latinLnBrk="0" hangingPunct="1">
+              <a:lnSpc>
+                <a:spcPct val="90000"/>
+              </a:lnSpc>
+              <a:spcBef>
+                <a:spcPts val="500"/>
+              </a:spcBef>
+              <a:buFont typeface="Arial" panose="020B0604020202020204" pitchFamily="34" charset="0"/>
+              <a:buChar char="•"/>
+              <a:defRPr sz="1800" kern="1200">
+                <a:solidFill>
+                  <a:schemeClr val="tx1"/>
+                </a:solidFill>
+                <a:latin typeface="+mn-lt"/>
+                <a:ea typeface="+mn-ea"/>
+                <a:cs typeface="+mn-cs"/>
+              </a:defRPr>
+            </a:lvl5pPr>
+            <a:lvl6pPr marL="2514600" indent="-228600" algn="l" defTabSz="914400" rtl="0" eaLnBrk="1" latinLnBrk="0" hangingPunct="1">
+              <a:lnSpc>
+                <a:spcPct val="90000"/>
+              </a:lnSpc>
+              <a:spcBef>
+                <a:spcPts val="500"/>
+              </a:spcBef>
+              <a:buFont typeface="Arial" panose="020B0604020202020204" pitchFamily="34" charset="0"/>
+              <a:buChar char="•"/>
+              <a:defRPr sz="1800" kern="1200">
+                <a:solidFill>
+                  <a:schemeClr val="tx1"/>
+                </a:solidFill>
+                <a:latin typeface="+mn-lt"/>
+                <a:ea typeface="+mn-ea"/>
+                <a:cs typeface="+mn-cs"/>
+              </a:defRPr>
+            </a:lvl6pPr>
+            <a:lvl7pPr marL="2971800" indent="-228600" algn="l" defTabSz="914400" rtl="0" eaLnBrk="1" latinLnBrk="0" hangingPunct="1">
+              <a:lnSpc>
+                <a:spcPct val="90000"/>
+              </a:lnSpc>
+              <a:spcBef>
+                <a:spcPts val="500"/>
+              </a:spcBef>
+              <a:buFont typeface="Arial" panose="020B0604020202020204" pitchFamily="34" charset="0"/>
+              <a:buChar char="•"/>
+              <a:defRPr sz="1800" kern="1200">
+                <a:solidFill>
+                  <a:schemeClr val="tx1"/>
+                </a:solidFill>
+                <a:latin typeface="+mn-lt"/>
+                <a:ea typeface="+mn-ea"/>
+                <a:cs typeface="+mn-cs"/>
+              </a:defRPr>
+            </a:lvl7pPr>
+            <a:lvl8pPr marL="3429000" indent="-228600" algn="l" defTabSz="914400" rtl="0" eaLnBrk="1" latinLnBrk="0" hangingPunct="1">
+              <a:lnSpc>
+                <a:spcPct val="90000"/>
+              </a:lnSpc>
+              <a:spcBef>
+                <a:spcPts val="500"/>
+              </a:spcBef>
+              <a:buFont typeface="Arial" panose="020B0604020202020204" pitchFamily="34" charset="0"/>
+              <a:buChar char="•"/>
+              <a:defRPr sz="1800" kern="1200">
+                <a:solidFill>
+                  <a:schemeClr val="tx1"/>
+                </a:solidFill>
+                <a:latin typeface="+mn-lt"/>
+                <a:ea typeface="+mn-ea"/>
+                <a:cs typeface="+mn-cs"/>
+              </a:defRPr>
+            </a:lvl8pPr>
+            <a:lvl9pPr marL="3886200" indent="-228600" algn="l" defTabSz="914400" rtl="0" eaLnBrk="1" latinLnBrk="0" hangingPunct="1">
+              <a:lnSpc>
+                <a:spcPct val="90000"/>
+              </a:lnSpc>
+              <a:spcBef>
+                <a:spcPts val="500"/>
+              </a:spcBef>
+              <a:buFont typeface="Arial" panose="020B0604020202020204" pitchFamily="34" charset="0"/>
+              <a:buChar char="•"/>
+              <a:defRPr sz="1800" kern="1200">
+                <a:solidFill>
+                  <a:schemeClr val="tx1"/>
+                </a:solidFill>
+                <a:latin typeface="+mn-lt"/>
+                <a:ea typeface="+mn-ea"/>
+                <a:cs typeface="+mn-cs"/>
+              </a:defRPr>
+            </a:lvl9pPr>
+          </a:lstStyle>
+          <a:p>
+            <a:pPr marL="0" indent="0">
+              <a:lnSpc>
+                <a:spcPct val="100000"/>
+              </a:lnSpc>
+              <a:buFont typeface="Arial" panose="020B0604020202020204" pitchFamily="34" charset="0"/>
+              <a:buNone/>
+            </a:pPr>
+            <a:r>
+              <a:rPr lang="pt-BR" sz="2600" dirty="0">
+                <a:solidFill>
+                  <a:srgbClr val="575756"/>
+                </a:solidFill>
+                <a:latin typeface="Asap" panose="00000500000000000000" pitchFamily="2" charset="0"/>
+              </a:rPr>
+              <a:t> </a:t>
+            </a:r>
+          </a:p>
+        </p:txBody>
+      </p:sp>
+      <p:sp>
+        <p:nvSpPr>
+          <p:cNvPr id="2" name="AutoShape 2" descr="Diagram of bounded contexts">
+            <a:extLst>
+              <a:ext uri="{FF2B5EF4-FFF2-40B4-BE49-F238E27FC236}">
+                <a16:creationId xmlns:a16="http://schemas.microsoft.com/office/drawing/2014/main" id="{F19AE2D8-9601-3870-93B4-3B01BF93D535}"/>
+              </a:ext>
+            </a:extLst>
+          </p:cNvPr>
+          <p:cNvSpPr>
+            <a:spLocks noChangeAspect="1" noChangeArrowheads="1"/>
+          </p:cNvSpPr>
+          <p:nvPr/>
+        </p:nvSpPr>
+        <p:spPr bwMode="auto">
+          <a:xfrm>
+            <a:off x="5943600" y="3276600"/>
+            <a:ext cx="304800" cy="304800"/>
+          </a:xfrm>
+          <a:prstGeom prst="rect">
+            <a:avLst/>
+          </a:prstGeom>
+          <a:noFill/>
+          <a:extLst>
+            <a:ext uri="{909E8E84-426E-40DD-AFC4-6F175D3DCCD1}">
+              <a14:hiddenFill xmlns:a14="http://schemas.microsoft.com/office/drawing/2010/main">
+                <a:solidFill>
+                  <a:srgbClr val="FFFFFF"/>
+                </a:solidFill>
+              </a14:hiddenFill>
+            </a:ext>
+          </a:extLst>
+        </p:spPr>
+        <p:txBody>
+          <a:bodyPr vert="horz" wrap="square" lIns="91440" tIns="45720" rIns="91440" bIns="45720" numCol="1" anchor="t" anchorCtr="0" compatLnSpc="1">
+            <a:prstTxWarp prst="textNoShape">
+              <a:avLst/>
+            </a:prstTxWarp>
+          </a:bodyPr>
+          <a:lstStyle/>
+          <a:p>
+            <a:endParaRPr lang="pt-BR"/>
+          </a:p>
+        </p:txBody>
+      </p:sp>
+    </p:spTree>
+    <p:extLst>
+      <p:ext uri="{BB962C8B-B14F-4D97-AF65-F5344CB8AC3E}">
+        <p14:creationId xmlns:p14="http://schemas.microsoft.com/office/powerpoint/2010/main" val="2298076776"/>
       </p:ext>
     </p:extLst>
   </p:cSld>
@@ -8175,20 +11232,152 @@
               </a:lnSpc>
             </a:pPr>
             <a:r>
-              <a:rPr lang="en-US" sz="1600" dirty="0">
+              <a:rPr lang="pt-BR" sz="1600" dirty="0">
                 <a:solidFill>
                   <a:srgbClr val="575756"/>
                 </a:solidFill>
                 <a:latin typeface="Abadi" panose="020B0604020104020204" pitchFamily="34" charset="0"/>
               </a:rPr>
+              <a:t>Command, Query </a:t>
+            </a:r>
+            <a:r>
+              <a:rPr lang="pt-BR" sz="1600" dirty="0" err="1">
+                <a:solidFill>
+                  <a:srgbClr val="575756"/>
+                </a:solidFill>
+                <a:latin typeface="Abadi" panose="020B0604020104020204" pitchFamily="34" charset="0"/>
+              </a:rPr>
+              <a:t>Responsibility</a:t>
+            </a:r>
+            <a:r>
+              <a:rPr lang="pt-BR" sz="1600" dirty="0">
+                <a:solidFill>
+                  <a:srgbClr val="575756"/>
+                </a:solidFill>
+                <a:latin typeface="Abadi" panose="020B0604020104020204" pitchFamily="34" charset="0"/>
+              </a:rPr>
               <a:t> </a:t>
             </a:r>
-            <a:endParaRPr lang="pt-BR" sz="1600" dirty="0">
-              <a:solidFill>
-                <a:srgbClr val="575756"/>
-              </a:solidFill>
-              <a:latin typeface="Abadi" panose="020B0604020104020204" pitchFamily="34" charset="0"/>
-            </a:endParaRPr>
+            <a:r>
+              <a:rPr lang="pt-BR" sz="1600" dirty="0" err="1">
+                <a:solidFill>
+                  <a:srgbClr val="575756"/>
+                </a:solidFill>
+                <a:latin typeface="Abadi" panose="020B0604020104020204" pitchFamily="34" charset="0"/>
+              </a:rPr>
+              <a:t>Segregation</a:t>
+            </a:r>
+            <a:r>
+              <a:rPr lang="pt-BR" sz="1600" dirty="0">
+                <a:solidFill>
+                  <a:srgbClr val="575756"/>
+                </a:solidFill>
+                <a:latin typeface="Abadi" panose="020B0604020104020204" pitchFamily="34" charset="0"/>
+              </a:rPr>
+              <a:t> é um padrão proposto por Greg Young em 2010 que ficou bastante popular na comunidade.</a:t>
+            </a:r>
+          </a:p>
+          <a:p>
+            <a:pPr algn="just">
+              <a:lnSpc>
+                <a:spcPct val="100000"/>
+              </a:lnSpc>
+            </a:pPr>
+            <a:r>
+              <a:rPr lang="pt-BR" sz="1600" dirty="0">
+                <a:solidFill>
+                  <a:srgbClr val="575756"/>
+                </a:solidFill>
+                <a:latin typeface="Abadi" panose="020B0604020104020204" pitchFamily="34" charset="0"/>
+              </a:rPr>
+              <a:t> Para entendermos a fundo o conceito, primeiros precisamos entender a ideia por trás de CQS um acrônimo para Command, Query </a:t>
+            </a:r>
+            <a:r>
+              <a:rPr lang="pt-BR" sz="1600" dirty="0" err="1">
+                <a:solidFill>
+                  <a:srgbClr val="575756"/>
+                </a:solidFill>
+                <a:latin typeface="Abadi" panose="020B0604020104020204" pitchFamily="34" charset="0"/>
+              </a:rPr>
+              <a:t>Separation</a:t>
+            </a:r>
+            <a:r>
+              <a:rPr lang="pt-BR" sz="1600" dirty="0">
+                <a:solidFill>
+                  <a:srgbClr val="575756"/>
+                </a:solidFill>
+                <a:latin typeface="Abadi" panose="020B0604020104020204" pitchFamily="34" charset="0"/>
+              </a:rPr>
+              <a:t>, proposto por Bertrand Meyer em seu livro “Object </a:t>
+            </a:r>
+            <a:r>
+              <a:rPr lang="pt-BR" sz="1600" dirty="0" err="1">
+                <a:solidFill>
+                  <a:srgbClr val="575756"/>
+                </a:solidFill>
+                <a:latin typeface="Abadi" panose="020B0604020104020204" pitchFamily="34" charset="0"/>
+              </a:rPr>
+              <a:t>Oriented</a:t>
+            </a:r>
+            <a:r>
+              <a:rPr lang="pt-BR" sz="1600" dirty="0">
+                <a:solidFill>
+                  <a:srgbClr val="575756"/>
+                </a:solidFill>
+                <a:latin typeface="Abadi" panose="020B0604020104020204" pitchFamily="34" charset="0"/>
+              </a:rPr>
+              <a:t> Software </a:t>
+            </a:r>
+            <a:r>
+              <a:rPr lang="pt-BR" sz="1600" dirty="0" err="1">
+                <a:solidFill>
+                  <a:srgbClr val="575756"/>
+                </a:solidFill>
+                <a:latin typeface="Abadi" panose="020B0604020104020204" pitchFamily="34" charset="0"/>
+              </a:rPr>
+              <a:t>Coonstruction</a:t>
+            </a:r>
+            <a:r>
+              <a:rPr lang="pt-BR" sz="1600" dirty="0">
+                <a:solidFill>
+                  <a:srgbClr val="575756"/>
+                </a:solidFill>
+                <a:latin typeface="Abadi" panose="020B0604020104020204" pitchFamily="34" charset="0"/>
+              </a:rPr>
+              <a:t>”  publicado em 2000. Nele é descrito que CQS tem o proposito de identificar o proposito de cada método que é escrito.</a:t>
+            </a:r>
+          </a:p>
+          <a:p>
+            <a:pPr algn="just">
+              <a:lnSpc>
+                <a:spcPct val="100000"/>
+              </a:lnSpc>
+            </a:pPr>
+            <a:r>
+              <a:rPr lang="pt-BR" sz="1600" dirty="0">
+                <a:solidFill>
+                  <a:srgbClr val="575756"/>
+                </a:solidFill>
+                <a:latin typeface="Abadi" panose="020B0604020104020204" pitchFamily="34" charset="0"/>
+              </a:rPr>
+              <a:t>Sempre que um método altera o estado de objeto é um comando e sempre que você precisa buscar um valor desse objeto é uma consulta, nunca os dois.</a:t>
+            </a:r>
+          </a:p>
+          <a:p>
+            <a:pPr algn="just">
+              <a:lnSpc>
+                <a:spcPct val="100000"/>
+              </a:lnSpc>
+            </a:pPr>
+            <a:r>
+              <a:rPr lang="pt-BR" sz="1600" dirty="0">
+                <a:solidFill>
+                  <a:srgbClr val="575756"/>
+                </a:solidFill>
+                <a:latin typeface="Abadi" panose="020B0604020104020204" pitchFamily="34" charset="0"/>
+              </a:rPr>
+              <a:t>CQRS bebe da mesma diretriz que CQS porém olhando para o lado do servidor e suas requisições, uma visão mais abrangente da implementação, deixando de lado somente os métodos e olhando para toda a cadeia da requisição, uma segregação total.</a:t>
+            </a:r>
           </a:p>
         </p:txBody>
       </p:sp>
@@ -8246,7 +11435,7 @@
                 </a:solidFill>
                 <a:latin typeface="Asap" panose="00000500000000000000" pitchFamily="2" charset="0"/>
               </a:rPr>
-              <a:t>Princípios</a:t>
+              <a:t>O que é</a:t>
             </a:r>
           </a:p>
           <a:p>
@@ -8477,7 +11666,7 @@
     </p:spTree>
     <p:extLst>
       <p:ext uri="{BB962C8B-B14F-4D97-AF65-F5344CB8AC3E}">
-        <p14:creationId xmlns:p14="http://schemas.microsoft.com/office/powerpoint/2010/main" val="2257570828"/>
+        <p14:creationId xmlns:p14="http://schemas.microsoft.com/office/powerpoint/2010/main" val="1961591634"/>
       </p:ext>
     </p:extLst>
   </p:cSld>
@@ -8705,7 +11894,7 @@
                 <a:solidFill>
                   <a:srgbClr val="575756"/>
                 </a:solidFill>
-                <a:latin typeface="Abadi" panose="020B0604020104020204" pitchFamily="34" charset="0"/>
+                <a:latin typeface="Asap" panose="00000500000000000000"/>
               </a:rPr>
               <a:t>Jean Carlos M Silva.</a:t>
             </a:r>
@@ -8716,14 +11905,14 @@
                 <a:solidFill>
                   <a:srgbClr val="575756"/>
                 </a:solidFill>
-                <a:latin typeface="Abadi" panose="020B0604020104020204" pitchFamily="34" charset="0"/>
+                <a:latin typeface="Asap" panose="00000500000000000000"/>
               </a:rPr>
               <a:t>Lead Architect Software @ 5by5 </a:t>
             </a:r>
             <a:r>
               <a:rPr lang="pt-BR" sz="1600" b="0" i="0" dirty="0">
                 <a:effectLst/>
-                <a:latin typeface="-apple-system"/>
+                <a:latin typeface="Asap" panose="00000500000000000000"/>
               </a:rPr>
               <a:t>👨🏻‍💻</a:t>
             </a:r>
@@ -8731,7 +11920,7 @@
               <a:solidFill>
                 <a:srgbClr val="575756"/>
               </a:solidFill>
-              <a:latin typeface="Abadi" panose="020B0604020104020204" pitchFamily="34" charset="0"/>
+              <a:latin typeface="Asap" panose="00000500000000000000"/>
             </a:endParaRPr>
           </a:p>
           <a:p>
@@ -8740,14 +11929,14 @@
                 <a:solidFill>
                   <a:srgbClr val="575756"/>
                 </a:solidFill>
-                <a:latin typeface="Abadi" panose="020B0604020104020204" pitchFamily="34" charset="0"/>
+                <a:latin typeface="Asap" panose="00000500000000000000"/>
               </a:rPr>
               <a:t>C#/ NET Specialist </a:t>
             </a:r>
             <a:r>
               <a:rPr lang="pt-BR" sz="1600" b="0" i="0" dirty="0">
                 <a:effectLst/>
-                <a:latin typeface="-apple-system"/>
+                <a:latin typeface="Asap" panose="00000500000000000000"/>
               </a:rPr>
               <a:t> 😬</a:t>
             </a:r>
@@ -8755,7 +11944,7 @@
               <a:solidFill>
                 <a:srgbClr val="575756"/>
               </a:solidFill>
-              <a:latin typeface="Abadi" panose="020B0604020104020204" pitchFamily="34" charset="0"/>
+              <a:latin typeface="Asap" panose="00000500000000000000"/>
             </a:endParaRPr>
           </a:p>
           <a:p>
@@ -8764,14 +11953,14 @@
                 <a:solidFill>
                   <a:srgbClr val="575756"/>
                 </a:solidFill>
-                <a:latin typeface="Abadi" panose="020B0604020104020204" pitchFamily="34" charset="0"/>
+                <a:latin typeface="Asap" panose="00000500000000000000"/>
               </a:rPr>
               <a:t>DevOps Enthusiast </a:t>
             </a:r>
             <a:r>
               <a:rPr lang="pt-BR" sz="1600" b="0" i="0" dirty="0">
                 <a:effectLst/>
-                <a:latin typeface="-apple-system"/>
+                <a:latin typeface="Asap" panose="00000500000000000000"/>
               </a:rPr>
               <a:t> 🧐 </a:t>
             </a:r>
@@ -8779,7 +11968,7 @@
               <a:solidFill>
                 <a:srgbClr val="575756"/>
               </a:solidFill>
-              <a:latin typeface="Abadi" panose="020B0604020104020204" pitchFamily="34" charset="0"/>
+              <a:latin typeface="Asap" panose="00000500000000000000"/>
             </a:endParaRPr>
           </a:p>
           <a:p>
@@ -8788,7 +11977,7 @@
                 <a:solidFill>
                   <a:srgbClr val="575756"/>
                 </a:solidFill>
-                <a:latin typeface="Abadi" panose="020B0604020104020204" pitchFamily="34" charset="0"/>
+                <a:latin typeface="Asap" panose="00000500000000000000"/>
               </a:rPr>
               <a:t>Nerd de </a:t>
             </a:r>
@@ -8797,7 +11986,7 @@
                 <a:solidFill>
                   <a:srgbClr val="575756"/>
                 </a:solidFill>
-                <a:latin typeface="Abadi" panose="020B0604020104020204" pitchFamily="34" charset="0"/>
+                <a:latin typeface="Asap" panose="00000500000000000000"/>
               </a:rPr>
               <a:t>Carteirinha</a:t>
             </a:r>
@@ -8806,14 +11995,14 @@
                 <a:solidFill>
                   <a:srgbClr val="575756"/>
                 </a:solidFill>
-                <a:latin typeface="Abadi" panose="020B0604020104020204" pitchFamily="34" charset="0"/>
+                <a:latin typeface="Asap" panose="00000500000000000000"/>
               </a:rPr>
               <a:t> </a:t>
             </a:r>
             <a:r>
               <a:rPr lang="pt-BR" sz="1600" b="0" i="0" dirty="0">
                 <a:effectLst/>
-                <a:latin typeface="-apple-system"/>
+                <a:latin typeface="Asap" panose="00000500000000000000"/>
               </a:rPr>
               <a:t> 😊</a:t>
             </a:r>
@@ -8821,7 +12010,7 @@
               <a:solidFill>
                 <a:srgbClr val="575756"/>
               </a:solidFill>
-              <a:latin typeface="Abadi" panose="020B0604020104020204" pitchFamily="34" charset="0"/>
+              <a:latin typeface="Asap" panose="00000500000000000000"/>
             </a:endParaRPr>
           </a:p>
           <a:p>
@@ -8848,6 +12037,651 @@
 </file>
 
 <file path=ppt/slides/slide20.xml><?xml version="1.0" encoding="utf-8"?>
+<p:sld xmlns:a="http://schemas.openxmlformats.org/drawingml/2006/main" xmlns:r="http://schemas.openxmlformats.org/officeDocument/2006/relationships" xmlns:p="http://schemas.openxmlformats.org/presentationml/2006/main">
+  <p:cSld>
+    <p:spTree>
+      <p:nvGrpSpPr>
+        <p:cNvPr id="1" name=""/>
+        <p:cNvGrpSpPr/>
+        <p:nvPr/>
+      </p:nvGrpSpPr>
+      <p:grpSpPr>
+        <a:xfrm>
+          <a:off x="0" y="0"/>
+          <a:ext cx="0" cy="0"/>
+          <a:chOff x="0" y="0"/>
+          <a:chExt cx="0" cy="0"/>
+        </a:xfrm>
+      </p:grpSpPr>
+      <p:sp>
+        <p:nvSpPr>
+          <p:cNvPr id="3" name="Espaço Reservado para Conteúdo 2">
+            <a:extLst>
+              <a:ext uri="{FF2B5EF4-FFF2-40B4-BE49-F238E27FC236}">
+                <a16:creationId xmlns:a16="http://schemas.microsoft.com/office/drawing/2014/main" id="{40381986-94CF-4578-8578-5FEC2FA85378}"/>
+              </a:ext>
+            </a:extLst>
+          </p:cNvPr>
+          <p:cNvSpPr>
+            <a:spLocks noGrp="1"/>
+          </p:cNvSpPr>
+          <p:nvPr>
+            <p:ph idx="1"/>
+          </p:nvPr>
+        </p:nvSpPr>
+        <p:spPr>
+          <a:xfrm>
+            <a:off x="4135772" y="1227364"/>
+            <a:ext cx="6715489" cy="4403272"/>
+          </a:xfrm>
+        </p:spPr>
+        <p:txBody>
+          <a:bodyPr>
+            <a:normAutofit/>
+          </a:bodyPr>
+          <a:lstStyle/>
+          <a:p>
+            <a:pPr algn="just">
+              <a:lnSpc>
+                <a:spcPct val="100000"/>
+              </a:lnSpc>
+            </a:pPr>
+            <a:r>
+              <a:rPr lang="pt-BR" sz="1600" dirty="0">
+                <a:solidFill>
+                  <a:srgbClr val="575756"/>
+                </a:solidFill>
+                <a:latin typeface="Abadi" panose="020B0604020104020204" pitchFamily="34" charset="0"/>
+              </a:rPr>
+              <a:t>A partir da ideia de separação das requisições ao servidor por comandos e consultas, conseguimos algumas possibilidades de tratativas de possíveis problemas que possam surgir de acordo com o aumento significativo do número (</a:t>
+            </a:r>
+            <a:r>
+              <a:rPr lang="pt-BR" sz="1600" dirty="0" err="1">
+                <a:solidFill>
+                  <a:srgbClr val="575756"/>
+                </a:solidFill>
+                <a:latin typeface="Abadi" panose="020B0604020104020204" pitchFamily="34" charset="0"/>
+              </a:rPr>
+              <a:t>througput</a:t>
+            </a:r>
+            <a:r>
+              <a:rPr lang="pt-BR" sz="1600" dirty="0">
+                <a:solidFill>
+                  <a:srgbClr val="575756"/>
+                </a:solidFill>
+                <a:latin typeface="Abadi" panose="020B0604020104020204" pitchFamily="34" charset="0"/>
+              </a:rPr>
+              <a:t>) de requisições.</a:t>
+            </a:r>
+          </a:p>
+          <a:p>
+            <a:pPr algn="just">
+              <a:lnSpc>
+                <a:spcPct val="100000"/>
+              </a:lnSpc>
+            </a:pPr>
+            <a:r>
+              <a:rPr lang="pt-BR" sz="1600" dirty="0">
+                <a:solidFill>
+                  <a:srgbClr val="575756"/>
+                </a:solidFill>
+                <a:latin typeface="Abadi" panose="020B0604020104020204" pitchFamily="34" charset="0"/>
+              </a:rPr>
+              <a:t>Possibilidade adicionar um recurso de infra para enfileirar os comandos. (comandos não possuem retorno, logo por definição são assíncronos)</a:t>
+            </a:r>
+          </a:p>
+          <a:p>
+            <a:pPr algn="just">
+              <a:lnSpc>
+                <a:spcPct val="100000"/>
+              </a:lnSpc>
+            </a:pPr>
+            <a:r>
+              <a:rPr lang="pt-BR" sz="1600" dirty="0">
+                <a:solidFill>
+                  <a:srgbClr val="575756"/>
+                </a:solidFill>
+                <a:latin typeface="Abadi" panose="020B0604020104020204" pitchFamily="34" charset="0"/>
+              </a:rPr>
+              <a:t>Possibilidade de trabalhar com mais de um tipo de persistência otimizando as diferentes visões e modelos para atender sua aplicação.</a:t>
+            </a:r>
+          </a:p>
+          <a:p>
+            <a:pPr algn="just">
+              <a:lnSpc>
+                <a:spcPct val="100000"/>
+              </a:lnSpc>
+            </a:pPr>
+            <a:endParaRPr lang="pt-BR" sz="1600" dirty="0">
+              <a:solidFill>
+                <a:srgbClr val="575756"/>
+              </a:solidFill>
+              <a:latin typeface="Abadi" panose="020B0604020104020204" pitchFamily="34" charset="0"/>
+            </a:endParaRPr>
+          </a:p>
+          <a:p>
+            <a:pPr algn="just">
+              <a:lnSpc>
+                <a:spcPct val="100000"/>
+              </a:lnSpc>
+            </a:pPr>
+            <a:r>
+              <a:rPr lang="pt-BR" sz="1600" dirty="0">
+                <a:solidFill>
+                  <a:srgbClr val="575756"/>
+                </a:solidFill>
+                <a:latin typeface="Abadi" panose="020B0604020104020204" pitchFamily="34" charset="0"/>
+              </a:rPr>
+              <a:t>Podemos concluir que CQRS é a apenas a separação de responsabilidades entre  os comandos e as consultas pelas requisições feitas no servidor, apenas isso.</a:t>
+            </a:r>
+          </a:p>
+        </p:txBody>
+      </p:sp>
+      <p:sp>
+        <p:nvSpPr>
+          <p:cNvPr id="6" name="Título 1">
+            <a:extLst>
+              <a:ext uri="{FF2B5EF4-FFF2-40B4-BE49-F238E27FC236}">
+                <a16:creationId xmlns:a16="http://schemas.microsoft.com/office/drawing/2014/main" id="{29506E41-E78A-4624-9442-2C05FCDFFDD1}"/>
+              </a:ext>
+            </a:extLst>
+          </p:cNvPr>
+          <p:cNvSpPr txBox="1">
+            <a:spLocks/>
+          </p:cNvSpPr>
+          <p:nvPr/>
+        </p:nvSpPr>
+        <p:spPr>
+          <a:xfrm>
+            <a:off x="470827" y="1227364"/>
+            <a:ext cx="3423406" cy="1566140"/>
+          </a:xfrm>
+          <a:prstGeom prst="rect">
+            <a:avLst/>
+          </a:prstGeom>
+        </p:spPr>
+        <p:txBody>
+          <a:bodyPr vert="horz" lIns="91440" tIns="45720" rIns="91440" bIns="45720" rtlCol="0" anchor="ctr">
+            <a:normAutofit fontScale="97500"/>
+          </a:bodyPr>
+          <a:lstStyle>
+            <a:lvl1pPr algn="l" defTabSz="914400" rtl="0" eaLnBrk="1" latinLnBrk="0" hangingPunct="1">
+              <a:lnSpc>
+                <a:spcPct val="90000"/>
+              </a:lnSpc>
+              <a:spcBef>
+                <a:spcPct val="0"/>
+              </a:spcBef>
+              <a:buNone/>
+              <a:defRPr sz="4400" kern="1200">
+                <a:solidFill>
+                  <a:schemeClr val="tx1"/>
+                </a:solidFill>
+                <a:latin typeface="+mj-lt"/>
+                <a:ea typeface="+mj-ea"/>
+                <a:cs typeface="+mj-cs"/>
+              </a:defRPr>
+            </a:lvl1pPr>
+          </a:lstStyle>
+          <a:p>
+            <a:r>
+              <a:rPr lang="pt-BR" b="1" dirty="0">
+                <a:solidFill>
+                  <a:srgbClr val="22438A"/>
+                </a:solidFill>
+                <a:latin typeface="Asap" panose="00000500000000000000" pitchFamily="2" charset="0"/>
+              </a:rPr>
+              <a:t>CQRS:</a:t>
+            </a:r>
+          </a:p>
+          <a:p>
+            <a:r>
+              <a:rPr lang="pt-BR" b="1" dirty="0">
+                <a:solidFill>
+                  <a:srgbClr val="22438A"/>
+                </a:solidFill>
+                <a:latin typeface="Asap" panose="00000500000000000000" pitchFamily="2" charset="0"/>
+              </a:rPr>
+              <a:t>Princípios</a:t>
+            </a:r>
+          </a:p>
+        </p:txBody>
+      </p:sp>
+      <p:sp>
+        <p:nvSpPr>
+          <p:cNvPr id="2" name="Retângulo 1">
+            <a:extLst>
+              <a:ext uri="{FF2B5EF4-FFF2-40B4-BE49-F238E27FC236}">
+                <a16:creationId xmlns:a16="http://schemas.microsoft.com/office/drawing/2014/main" id="{F4114C57-0F9D-99FF-DFD7-92BB2EAFC23A}"/>
+              </a:ext>
+            </a:extLst>
+          </p:cNvPr>
+          <p:cNvSpPr/>
+          <p:nvPr/>
+        </p:nvSpPr>
+        <p:spPr>
+          <a:xfrm>
+            <a:off x="4135772" y="3769743"/>
+            <a:ext cx="6715489" cy="1173193"/>
+          </a:xfrm>
+          <a:prstGeom prst="rect">
+            <a:avLst/>
+          </a:prstGeom>
+          <a:noFill/>
+          <a:ln w="9525" cap="flat" cmpd="sng" algn="ctr">
+            <a:solidFill>
+              <a:schemeClr val="accent1"/>
+            </a:solidFill>
+            <a:prstDash val="solid"/>
+            <a:round/>
+            <a:headEnd type="none" w="med" len="med"/>
+            <a:tailEnd type="none" w="med" len="med"/>
+          </a:ln>
+        </p:spPr>
+        <p:style>
+          <a:lnRef idx="0">
+            <a:scrgbClr r="0" g="0" b="0"/>
+          </a:lnRef>
+          <a:fillRef idx="0">
+            <a:scrgbClr r="0" g="0" b="0"/>
+          </a:fillRef>
+          <a:effectRef idx="0">
+            <a:scrgbClr r="0" g="0" b="0"/>
+          </a:effectRef>
+          <a:fontRef idx="minor">
+            <a:schemeClr val="accent1"/>
+          </a:fontRef>
+        </p:style>
+        <p:txBody>
+          <a:bodyPr rtlCol="0" anchor="ctr"/>
+          <a:lstStyle/>
+          <a:p>
+            <a:pPr algn="ctr"/>
+            <a:endParaRPr lang="pt-BR"/>
+          </a:p>
+        </p:txBody>
+      </p:sp>
+    </p:spTree>
+    <p:extLst>
+      <p:ext uri="{BB962C8B-B14F-4D97-AF65-F5344CB8AC3E}">
+        <p14:creationId xmlns:p14="http://schemas.microsoft.com/office/powerpoint/2010/main" val="2257570828"/>
+      </p:ext>
+    </p:extLst>
+  </p:cSld>
+  <p:clrMapOvr>
+    <a:masterClrMapping/>
+  </p:clrMapOvr>
+</p:sld>
+</file>
+
+<file path=ppt/slides/slide21.xml><?xml version="1.0" encoding="utf-8"?>
+<p:sld xmlns:a="http://schemas.openxmlformats.org/drawingml/2006/main" xmlns:r="http://schemas.openxmlformats.org/officeDocument/2006/relationships" xmlns:p="http://schemas.openxmlformats.org/presentationml/2006/main">
+  <p:cSld>
+    <p:spTree>
+      <p:nvGrpSpPr>
+        <p:cNvPr id="1" name=""/>
+        <p:cNvGrpSpPr/>
+        <p:nvPr/>
+      </p:nvGrpSpPr>
+      <p:grpSpPr>
+        <a:xfrm>
+          <a:off x="0" y="0"/>
+          <a:ext cx="0" cy="0"/>
+          <a:chOff x="0" y="0"/>
+          <a:chExt cx="0" cy="0"/>
+        </a:xfrm>
+      </p:grpSpPr>
+      <p:sp>
+        <p:nvSpPr>
+          <p:cNvPr id="6" name="Título 1">
+            <a:extLst>
+              <a:ext uri="{FF2B5EF4-FFF2-40B4-BE49-F238E27FC236}">
+                <a16:creationId xmlns:a16="http://schemas.microsoft.com/office/drawing/2014/main" id="{29506E41-E78A-4624-9442-2C05FCDFFDD1}"/>
+              </a:ext>
+            </a:extLst>
+          </p:cNvPr>
+          <p:cNvSpPr txBox="1">
+            <a:spLocks/>
+          </p:cNvSpPr>
+          <p:nvPr/>
+        </p:nvSpPr>
+        <p:spPr>
+          <a:xfrm>
+            <a:off x="815196" y="1886574"/>
+            <a:ext cx="10256807" cy="2780051"/>
+          </a:xfrm>
+          <a:prstGeom prst="rect">
+            <a:avLst/>
+          </a:prstGeom>
+        </p:spPr>
+        <p:txBody>
+          <a:bodyPr vert="horz" lIns="91440" tIns="45720" rIns="91440" bIns="45720" rtlCol="0" anchor="ctr">
+            <a:normAutofit fontScale="97500"/>
+          </a:bodyPr>
+          <a:lstStyle>
+            <a:lvl1pPr algn="l" defTabSz="914400" rtl="0" eaLnBrk="1" latinLnBrk="0" hangingPunct="1">
+              <a:lnSpc>
+                <a:spcPct val="90000"/>
+              </a:lnSpc>
+              <a:spcBef>
+                <a:spcPct val="0"/>
+              </a:spcBef>
+              <a:buNone/>
+              <a:defRPr sz="4400" kern="1200">
+                <a:solidFill>
+                  <a:schemeClr val="tx1"/>
+                </a:solidFill>
+                <a:latin typeface="+mj-lt"/>
+                <a:ea typeface="+mj-ea"/>
+                <a:cs typeface="+mj-cs"/>
+              </a:defRPr>
+            </a:lvl1pPr>
+          </a:lstStyle>
+          <a:p>
+            <a:pPr algn="r"/>
+            <a:r>
+              <a:rPr lang="en-US" sz="4800" b="1" dirty="0">
+                <a:solidFill>
+                  <a:srgbClr val="22438A"/>
+                </a:solidFill>
+                <a:latin typeface="Asap" panose="00000500000000000000"/>
+              </a:rPr>
+              <a:t>H</a:t>
+            </a:r>
+            <a:r>
+              <a:rPr lang="pt-BR" sz="4800" b="1" dirty="0">
+                <a:solidFill>
+                  <a:srgbClr val="22438A"/>
+                </a:solidFill>
+                <a:latin typeface="Asap" panose="00000500000000000000"/>
+              </a:rPr>
+              <a:t>ORA DE POR A MÃO NA MASSA !</a:t>
+            </a:r>
+          </a:p>
+          <a:p>
+            <a:pPr algn="r"/>
+            <a:r>
+              <a:rPr lang="pt-BR" sz="4800" b="1" dirty="0">
+                <a:solidFill>
+                  <a:srgbClr val="22438A"/>
+                </a:solidFill>
+                <a:latin typeface="Asap" panose="00000500000000000000"/>
+              </a:rPr>
+              <a:t>SHOW ME THE CODE  </a:t>
+            </a:r>
+          </a:p>
+        </p:txBody>
+      </p:sp>
+      <p:sp>
+        <p:nvSpPr>
+          <p:cNvPr id="5" name="Espaço Reservado para Conteúdo 2">
+            <a:extLst>
+              <a:ext uri="{FF2B5EF4-FFF2-40B4-BE49-F238E27FC236}">
+                <a16:creationId xmlns:a16="http://schemas.microsoft.com/office/drawing/2014/main" id="{298CF56C-531D-456B-926E-E1934EBBFA79}"/>
+              </a:ext>
+            </a:extLst>
+          </p:cNvPr>
+          <p:cNvSpPr txBox="1">
+            <a:spLocks/>
+          </p:cNvSpPr>
+          <p:nvPr/>
+        </p:nvSpPr>
+        <p:spPr>
+          <a:xfrm>
+            <a:off x="3885176" y="1430000"/>
+            <a:ext cx="7350904" cy="4403272"/>
+          </a:xfrm>
+          <a:prstGeom prst="rect">
+            <a:avLst/>
+          </a:prstGeom>
+        </p:spPr>
+        <p:txBody>
+          <a:bodyPr vert="horz" lIns="91440" tIns="45720" rIns="91440" bIns="45720" rtlCol="0">
+            <a:normAutofit/>
+          </a:bodyPr>
+          <a:lstStyle>
+            <a:lvl1pPr marL="228600" indent="-228600" algn="l" defTabSz="914400" rtl="0" eaLnBrk="1" latinLnBrk="0" hangingPunct="1">
+              <a:lnSpc>
+                <a:spcPct val="90000"/>
+              </a:lnSpc>
+              <a:spcBef>
+                <a:spcPts val="1000"/>
+              </a:spcBef>
+              <a:buFont typeface="Arial" panose="020B0604020202020204" pitchFamily="34" charset="0"/>
+              <a:buChar char="•"/>
+              <a:defRPr sz="2800" kern="1200">
+                <a:solidFill>
+                  <a:schemeClr val="tx1"/>
+                </a:solidFill>
+                <a:latin typeface="+mn-lt"/>
+                <a:ea typeface="+mn-ea"/>
+                <a:cs typeface="+mn-cs"/>
+              </a:defRPr>
+            </a:lvl1pPr>
+            <a:lvl2pPr marL="685800" indent="-228600" algn="l" defTabSz="914400" rtl="0" eaLnBrk="1" latinLnBrk="0" hangingPunct="1">
+              <a:lnSpc>
+                <a:spcPct val="90000"/>
+              </a:lnSpc>
+              <a:spcBef>
+                <a:spcPts val="500"/>
+              </a:spcBef>
+              <a:buFont typeface="Arial" panose="020B0604020202020204" pitchFamily="34" charset="0"/>
+              <a:buChar char="•"/>
+              <a:defRPr sz="2400" kern="1200">
+                <a:solidFill>
+                  <a:schemeClr val="tx1"/>
+                </a:solidFill>
+                <a:latin typeface="+mn-lt"/>
+                <a:ea typeface="+mn-ea"/>
+                <a:cs typeface="+mn-cs"/>
+              </a:defRPr>
+            </a:lvl2pPr>
+            <a:lvl3pPr marL="1143000" indent="-228600" algn="l" defTabSz="914400" rtl="0" eaLnBrk="1" latinLnBrk="0" hangingPunct="1">
+              <a:lnSpc>
+                <a:spcPct val="90000"/>
+              </a:lnSpc>
+              <a:spcBef>
+                <a:spcPts val="500"/>
+              </a:spcBef>
+              <a:buFont typeface="Arial" panose="020B0604020202020204" pitchFamily="34" charset="0"/>
+              <a:buChar char="•"/>
+              <a:defRPr sz="2000" kern="1200">
+                <a:solidFill>
+                  <a:schemeClr val="tx1"/>
+                </a:solidFill>
+                <a:latin typeface="+mn-lt"/>
+                <a:ea typeface="+mn-ea"/>
+                <a:cs typeface="+mn-cs"/>
+              </a:defRPr>
+            </a:lvl3pPr>
+            <a:lvl4pPr marL="1600200" indent="-228600" algn="l" defTabSz="914400" rtl="0" eaLnBrk="1" latinLnBrk="0" hangingPunct="1">
+              <a:lnSpc>
+                <a:spcPct val="90000"/>
+              </a:lnSpc>
+              <a:spcBef>
+                <a:spcPts val="500"/>
+              </a:spcBef>
+              <a:buFont typeface="Arial" panose="020B0604020202020204" pitchFamily="34" charset="0"/>
+              <a:buChar char="•"/>
+              <a:defRPr sz="1800" kern="1200">
+                <a:solidFill>
+                  <a:schemeClr val="tx1"/>
+                </a:solidFill>
+                <a:latin typeface="+mn-lt"/>
+                <a:ea typeface="+mn-ea"/>
+                <a:cs typeface="+mn-cs"/>
+              </a:defRPr>
+            </a:lvl4pPr>
+            <a:lvl5pPr marL="2057400" indent="-228600" algn="l" defTabSz="914400" rtl="0" eaLnBrk="1" latinLnBrk="0" hangingPunct="1">
+              <a:lnSpc>
+                <a:spcPct val="90000"/>
+              </a:lnSpc>
+              <a:spcBef>
+                <a:spcPts val="500"/>
+              </a:spcBef>
+              <a:buFont typeface="Arial" panose="020B0604020202020204" pitchFamily="34" charset="0"/>
+              <a:buChar char="•"/>
+              <a:defRPr sz="1800" kern="1200">
+                <a:solidFill>
+                  <a:schemeClr val="tx1"/>
+                </a:solidFill>
+                <a:latin typeface="+mn-lt"/>
+                <a:ea typeface="+mn-ea"/>
+                <a:cs typeface="+mn-cs"/>
+              </a:defRPr>
+            </a:lvl5pPr>
+            <a:lvl6pPr marL="2514600" indent="-228600" algn="l" defTabSz="914400" rtl="0" eaLnBrk="1" latinLnBrk="0" hangingPunct="1">
+              <a:lnSpc>
+                <a:spcPct val="90000"/>
+              </a:lnSpc>
+              <a:spcBef>
+                <a:spcPts val="500"/>
+              </a:spcBef>
+              <a:buFont typeface="Arial" panose="020B0604020202020204" pitchFamily="34" charset="0"/>
+              <a:buChar char="•"/>
+              <a:defRPr sz="1800" kern="1200">
+                <a:solidFill>
+                  <a:schemeClr val="tx1"/>
+                </a:solidFill>
+                <a:latin typeface="+mn-lt"/>
+                <a:ea typeface="+mn-ea"/>
+                <a:cs typeface="+mn-cs"/>
+              </a:defRPr>
+            </a:lvl6pPr>
+            <a:lvl7pPr marL="2971800" indent="-228600" algn="l" defTabSz="914400" rtl="0" eaLnBrk="1" latinLnBrk="0" hangingPunct="1">
+              <a:lnSpc>
+                <a:spcPct val="90000"/>
+              </a:lnSpc>
+              <a:spcBef>
+                <a:spcPts val="500"/>
+              </a:spcBef>
+              <a:buFont typeface="Arial" panose="020B0604020202020204" pitchFamily="34" charset="0"/>
+              <a:buChar char="•"/>
+              <a:defRPr sz="1800" kern="1200">
+                <a:solidFill>
+                  <a:schemeClr val="tx1"/>
+                </a:solidFill>
+                <a:latin typeface="+mn-lt"/>
+                <a:ea typeface="+mn-ea"/>
+                <a:cs typeface="+mn-cs"/>
+              </a:defRPr>
+            </a:lvl7pPr>
+            <a:lvl8pPr marL="3429000" indent="-228600" algn="l" defTabSz="914400" rtl="0" eaLnBrk="1" latinLnBrk="0" hangingPunct="1">
+              <a:lnSpc>
+                <a:spcPct val="90000"/>
+              </a:lnSpc>
+              <a:spcBef>
+                <a:spcPts val="500"/>
+              </a:spcBef>
+              <a:buFont typeface="Arial" panose="020B0604020202020204" pitchFamily="34" charset="0"/>
+              <a:buChar char="•"/>
+              <a:defRPr sz="1800" kern="1200">
+                <a:solidFill>
+                  <a:schemeClr val="tx1"/>
+                </a:solidFill>
+                <a:latin typeface="+mn-lt"/>
+                <a:ea typeface="+mn-ea"/>
+                <a:cs typeface="+mn-cs"/>
+              </a:defRPr>
+            </a:lvl8pPr>
+            <a:lvl9pPr marL="3886200" indent="-228600" algn="l" defTabSz="914400" rtl="0" eaLnBrk="1" latinLnBrk="0" hangingPunct="1">
+              <a:lnSpc>
+                <a:spcPct val="90000"/>
+              </a:lnSpc>
+              <a:spcBef>
+                <a:spcPts val="500"/>
+              </a:spcBef>
+              <a:buFont typeface="Arial" panose="020B0604020202020204" pitchFamily="34" charset="0"/>
+              <a:buChar char="•"/>
+              <a:defRPr sz="1800" kern="1200">
+                <a:solidFill>
+                  <a:schemeClr val="tx1"/>
+                </a:solidFill>
+                <a:latin typeface="+mn-lt"/>
+                <a:ea typeface="+mn-ea"/>
+                <a:cs typeface="+mn-cs"/>
+              </a:defRPr>
+            </a:lvl9pPr>
+          </a:lstStyle>
+          <a:p>
+            <a:pPr marL="0" indent="0">
+              <a:lnSpc>
+                <a:spcPct val="100000"/>
+              </a:lnSpc>
+              <a:buFont typeface="Arial" panose="020B0604020202020204" pitchFamily="34" charset="0"/>
+              <a:buNone/>
+            </a:pPr>
+            <a:r>
+              <a:rPr lang="pt-BR" sz="2600" dirty="0">
+                <a:solidFill>
+                  <a:srgbClr val="575756"/>
+                </a:solidFill>
+                <a:latin typeface="Asap" panose="00000500000000000000" pitchFamily="2" charset="0"/>
+              </a:rPr>
+              <a:t> </a:t>
+            </a:r>
+          </a:p>
+        </p:txBody>
+      </p:sp>
+      <p:sp>
+        <p:nvSpPr>
+          <p:cNvPr id="2" name="AutoShape 2" descr="Diagram of bounded contexts">
+            <a:extLst>
+              <a:ext uri="{FF2B5EF4-FFF2-40B4-BE49-F238E27FC236}">
+                <a16:creationId xmlns:a16="http://schemas.microsoft.com/office/drawing/2014/main" id="{F19AE2D8-9601-3870-93B4-3B01BF93D535}"/>
+              </a:ext>
+            </a:extLst>
+          </p:cNvPr>
+          <p:cNvSpPr>
+            <a:spLocks noChangeAspect="1" noChangeArrowheads="1"/>
+          </p:cNvSpPr>
+          <p:nvPr/>
+        </p:nvSpPr>
+        <p:spPr bwMode="auto">
+          <a:xfrm>
+            <a:off x="5943600" y="3276600"/>
+            <a:ext cx="304800" cy="304800"/>
+          </a:xfrm>
+          <a:prstGeom prst="rect">
+            <a:avLst/>
+          </a:prstGeom>
+          <a:noFill/>
+          <a:extLst>
+            <a:ext uri="{909E8E84-426E-40DD-AFC4-6F175D3DCCD1}">
+              <a14:hiddenFill xmlns:a14="http://schemas.microsoft.com/office/drawing/2010/main">
+                <a:solidFill>
+                  <a:srgbClr val="FFFFFF"/>
+                </a:solidFill>
+              </a14:hiddenFill>
+            </a:ext>
+          </a:extLst>
+        </p:spPr>
+        <p:txBody>
+          <a:bodyPr vert="horz" wrap="square" lIns="91440" tIns="45720" rIns="91440" bIns="45720" numCol="1" anchor="t" anchorCtr="0" compatLnSpc="1">
+            <a:prstTxWarp prst="textNoShape">
+              <a:avLst/>
+            </a:prstTxWarp>
+          </a:bodyPr>
+          <a:lstStyle/>
+          <a:p>
+            <a:endParaRPr lang="pt-BR"/>
+          </a:p>
+        </p:txBody>
+      </p:sp>
+    </p:spTree>
+    <p:extLst>
+      <p:ext uri="{BB962C8B-B14F-4D97-AF65-F5344CB8AC3E}">
+        <p14:creationId xmlns:p14="http://schemas.microsoft.com/office/powerpoint/2010/main" val="2003293195"/>
+      </p:ext>
+    </p:extLst>
+  </p:cSld>
+  <p:clrMapOvr>
+    <a:masterClrMapping/>
+  </p:clrMapOvr>
+</p:sld>
+</file>
+
+<file path=ppt/slides/slide22.xml><?xml version="1.0" encoding="utf-8"?>
 <p:sld xmlns:a="http://schemas.openxmlformats.org/drawingml/2006/main" xmlns:r="http://schemas.openxmlformats.org/officeDocument/2006/relationships" xmlns:p="http://schemas.openxmlformats.org/presentationml/2006/main">
   <p:cSld>
     <p:spTree>
@@ -8969,7 +12803,7 @@
                 </a:solidFill>
                 <a:latin typeface="Asap" panose="00000500000000000000" pitchFamily="2" charset="0"/>
               </a:rPr>
-              <a:t>Introdução a Clean Code</a:t>
+              <a:t>Introdução a Clean Code e princípios S.O.L.I.D</a:t>
             </a:r>
           </a:p>
           <a:p>
@@ -8985,15 +12819,17 @@
                 </a:solidFill>
                 <a:latin typeface="Asap" panose="00000500000000000000" pitchFamily="2" charset="0"/>
               </a:rPr>
-              <a:t>S.O.L.I.D</a:t>
-            </a:r>
-          </a:p>
-          <a:p>
-            <a:pPr>
-              <a:lnSpc>
-                <a:spcPct val="100000"/>
-              </a:lnSpc>
-            </a:pPr>
+              <a:t>Introdução a Domain-</a:t>
+            </a:r>
+            <a:r>
+              <a:rPr lang="pt-BR" sz="2600" dirty="0" err="1">
+                <a:solidFill>
+                  <a:srgbClr val="575756"/>
+                </a:solidFill>
+                <a:latin typeface="Asap" panose="00000500000000000000" pitchFamily="2" charset="0"/>
+              </a:rPr>
+              <a:t>Driven</a:t>
+            </a:r>
             <a:r>
               <a:rPr lang="pt-BR" sz="2600" dirty="0">
                 <a:solidFill>
@@ -9001,39 +12837,8 @@
                 </a:solidFill>
                 <a:latin typeface="Asap" panose="00000500000000000000" pitchFamily="2" charset="0"/>
               </a:rPr>
-              <a:t>Introdução a conceitos básicos de DDD</a:t>
-            </a:r>
-          </a:p>
-          <a:p>
-            <a:pPr>
-              <a:lnSpc>
-                <a:spcPct val="100000"/>
-              </a:lnSpc>
-            </a:pPr>
-            <a:r>
-              <a:rPr lang="pt-BR" sz="2600" dirty="0">
-                <a:solidFill>
-                  <a:srgbClr val="575756"/>
-                </a:solidFill>
-                <a:latin typeface="Asap" panose="00000500000000000000" pitchFamily="2" charset="0"/>
-              </a:rPr>
-              <a:t>Introdução a Clean </a:t>
-            </a:r>
-            <a:r>
-              <a:rPr lang="pt-BR" sz="2600" dirty="0" err="1">
-                <a:solidFill>
-                  <a:srgbClr val="575756"/>
-                </a:solidFill>
-                <a:latin typeface="Asap" panose="00000500000000000000" pitchFamily="2" charset="0"/>
-              </a:rPr>
-              <a:t>Architecture</a:t>
-            </a:r>
-            <a:endParaRPr lang="pt-BR" sz="2600" dirty="0">
-              <a:solidFill>
-                <a:srgbClr val="575756"/>
-              </a:solidFill>
-              <a:latin typeface="Asap" panose="00000500000000000000" pitchFamily="2" charset="0"/>
-            </a:endParaRPr>
+              <a:t> Design (DDD)</a:t>
+            </a:r>
           </a:p>
           <a:p>
             <a:pPr>
@@ -9099,8 +12904,8 @@
         </p:nvSpPr>
         <p:spPr>
           <a:xfrm>
-            <a:off x="838201" y="446314"/>
-            <a:ext cx="3423406" cy="2780051"/>
+            <a:off x="461770" y="1509623"/>
+            <a:ext cx="3423406" cy="1914601"/>
           </a:xfrm>
           <a:prstGeom prst="rect">
             <a:avLst/>
@@ -9466,7 +13271,7 @@
         </p:spPr>
         <p:txBody>
           <a:bodyPr>
-            <a:normAutofit lnSpcReduction="10000"/>
+            <a:normAutofit/>
           </a:bodyPr>
           <a:lstStyle/>
           <a:p>
@@ -9480,27 +13285,25 @@
                 <a:solidFill>
                   <a:srgbClr val="575756"/>
                 </a:solidFill>
-                <a:latin typeface="Abadi" panose="020B0604020104020204" pitchFamily="34" charset="0"/>
-              </a:rPr>
-              <a:t>Bem, na minha opinião, um dos maiores erros da programação moderna é a escrita de código com “obsolescência programada” ou seja escrevemos código como “escribas” </a:t>
-            </a:r>
-            <a:r>
-              <a:rPr lang="pt-BR" sz="1600" dirty="0" err="1">
-                <a:solidFill>
-                  <a:srgbClr val="575756"/>
-                </a:solidFill>
-                <a:latin typeface="Abadi" panose="020B0604020104020204" pitchFamily="34" charset="0"/>
-              </a:rPr>
-              <a:t>transpilando</a:t>
-            </a:r>
+                <a:latin typeface="Asap" panose="00000500000000000000"/>
+              </a:rPr>
+              <a:t>Um dos maiores erros da programação moderna é a escrita de código com “obsolescência programada” ou seja escrevemos código como “escribas”, visando o atendimento do que foi proposto em documento.</a:t>
+            </a:r>
+          </a:p>
+          <a:p>
+            <a:pPr algn="just">
+              <a:lnSpc>
+                <a:spcPct val="100000"/>
+              </a:lnSpc>
+            </a:pPr>
             <a:r>
               <a:rPr lang="pt-BR" sz="1600" dirty="0">
                 <a:solidFill>
                   <a:srgbClr val="575756"/>
                 </a:solidFill>
-                <a:latin typeface="Abadi" panose="020B0604020104020204" pitchFamily="34" charset="0"/>
-              </a:rPr>
-              <a:t> as especificações definidas para o código, visando de maneira unilateral o seu funcionamento. </a:t>
+                <a:latin typeface="Asap" panose="00000500000000000000"/>
+              </a:rPr>
+              <a:t>Quando o objetivo é atingido, nós não nos preocupamos, em como esse código irá se comportar no futuro, esse que muitas vezes está mais perto do que pensávamos.</a:t>
             </a:r>
           </a:p>
           <a:p>
@@ -9514,9 +13317,9 @@
                 <a:solidFill>
                   <a:srgbClr val="575756"/>
                 </a:solidFill>
-                <a:latin typeface="Abadi" panose="020B0604020104020204" pitchFamily="34" charset="0"/>
-              </a:rPr>
-              <a:t>Quando o objetivo é atingido não nos preocupamos em como esse código irá se comportar no futuro, esse que muitas vezes está mais perto do que pensávamos.</a:t>
+                <a:latin typeface="Asap" panose="00000500000000000000"/>
+              </a:rPr>
+              <a:t>Aplicações modernas sempre estão evoluindo acompanhando a agressividade do mercado, procurando trazer mais valor.</a:t>
             </a:r>
           </a:p>
           <a:p>
@@ -9526,54 +13329,45 @@
               </a:lnSpc>
             </a:pPr>
             <a:r>
+              <a:rPr lang="pt-BR" sz="1600" dirty="0">
+                <a:solidFill>
+                  <a:srgbClr val="575756"/>
+                </a:solidFill>
+                <a:latin typeface="Asap" panose="00000500000000000000"/>
+              </a:rPr>
+              <a:t>Com esse crescimento desenfreado, sem as devidas preocupações, geramos aplicações com alto acoplamento (dependência) entre seus componentes.</a:t>
+            </a:r>
+          </a:p>
+          <a:p>
+            <a:pPr algn="just">
+              <a:lnSpc>
+                <a:spcPct val="100000"/>
+              </a:lnSpc>
+            </a:pPr>
+            <a:r>
+              <a:rPr lang="pt-BR" sz="1600" dirty="0">
+                <a:solidFill>
+                  <a:srgbClr val="575756"/>
+                </a:solidFill>
+                <a:latin typeface="Asap" panose="00000500000000000000"/>
+              </a:rPr>
+              <a:t>Quanto maior o acoplamento, maior será a complexidade da manutenção.</a:t>
+            </a:r>
+          </a:p>
+          <a:p>
+            <a:pPr algn="just">
+              <a:lnSpc>
+                <a:spcPct val="100000"/>
+              </a:lnSpc>
+            </a:pPr>
+            <a:r>
               <a:rPr lang="pt-BR" sz="1600" b="1" dirty="0">
                 <a:solidFill>
                   <a:srgbClr val="575756"/>
                 </a:solidFill>
-                <a:latin typeface="Abadi" panose="020B0604020104020204" pitchFamily="34" charset="0"/>
-              </a:rPr>
-              <a:t>Aplicações modernas sempre estão evoluindo acompanhando a agressividade do mercado, procurando trazer mais valor</a:t>
-            </a:r>
-            <a:r>
-              <a:rPr lang="pt-BR" sz="1600" dirty="0">
-                <a:solidFill>
-                  <a:srgbClr val="575756"/>
-                </a:solidFill>
-                <a:latin typeface="Abadi" panose="020B0604020104020204" pitchFamily="34" charset="0"/>
-              </a:rPr>
-              <a:t>.</a:t>
-            </a:r>
-          </a:p>
-          <a:p>
-            <a:pPr algn="just">
-              <a:lnSpc>
-                <a:spcPct val="100000"/>
-              </a:lnSpc>
-            </a:pPr>
-            <a:r>
-              <a:rPr lang="pt-BR" sz="1600" dirty="0">
-                <a:solidFill>
-                  <a:srgbClr val="575756"/>
-                </a:solidFill>
-                <a:latin typeface="Abadi" panose="020B0604020104020204" pitchFamily="34" charset="0"/>
-              </a:rPr>
-              <a:t>Com esse crescimento desenfreado, sem a devida preocupação, geramos aplicações com alto acoplamento entre seus componentes, o famoso “código ruim” , “código confuso” e quando chegamos nesse ponto  a única escapatória é “refazer” toda a aplicação.</a:t>
-            </a:r>
-          </a:p>
-          <a:p>
-            <a:pPr algn="just">
-              <a:lnSpc>
-                <a:spcPct val="100000"/>
-              </a:lnSpc>
-            </a:pPr>
-            <a:r>
-              <a:rPr lang="pt-BR" sz="1600" dirty="0">
-                <a:solidFill>
-                  <a:srgbClr val="575756"/>
-                </a:solidFill>
-                <a:latin typeface="Abadi" panose="020B0604020104020204" pitchFamily="34" charset="0"/>
-              </a:rPr>
-              <a:t>Entregar mais rápido e refazer depois sempre será mais “caro” do que fazer do jeito certo porém “demorando mais”.</a:t>
+                <a:latin typeface="Asap" panose="00000500000000000000"/>
+              </a:rPr>
+              <a:t>Quando falamos em desenvolvimento, velocidade e capacidade a complexidade é um fator determinante para mensurar o custo total daquela implementação, logo podemos afirmar que complexidade = custo.</a:t>
             </a:r>
           </a:p>
         </p:txBody>
@@ -9594,8 +13388,8 @@
         </p:nvSpPr>
         <p:spPr>
           <a:xfrm>
-            <a:off x="838201" y="446314"/>
-            <a:ext cx="3423406" cy="2780051"/>
+            <a:off x="556661" y="1227364"/>
+            <a:ext cx="3423406" cy="1531634"/>
           </a:xfrm>
           <a:prstGeom prst="rect">
             <a:avLst/>
@@ -9643,220 +13437,9 @@
                 </a:solidFill>
                 <a:latin typeface="Asap" panose="00000500000000000000" pitchFamily="2" charset="0"/>
               </a:rPr>
-              <a:t>Clean Code</a:t>
+              <a:t>Clean Code ?</a:t>
             </a:r>
             <a:endParaRPr lang="pt-BR" b="1" dirty="0"/>
-          </a:p>
-        </p:txBody>
-      </p:sp>
-      <p:sp>
-        <p:nvSpPr>
-          <p:cNvPr id="5" name="Espaço Reservado para Conteúdo 2">
-            <a:extLst>
-              <a:ext uri="{FF2B5EF4-FFF2-40B4-BE49-F238E27FC236}">
-                <a16:creationId xmlns:a16="http://schemas.microsoft.com/office/drawing/2014/main" id="{298CF56C-531D-456B-926E-E1934EBBFA79}"/>
-              </a:ext>
-            </a:extLst>
-          </p:cNvPr>
-          <p:cNvSpPr txBox="1">
-            <a:spLocks/>
-          </p:cNvSpPr>
-          <p:nvPr/>
-        </p:nvSpPr>
-        <p:spPr>
-          <a:xfrm>
-            <a:off x="3885176" y="1430000"/>
-            <a:ext cx="7350904" cy="4403272"/>
-          </a:xfrm>
-          <a:prstGeom prst="rect">
-            <a:avLst/>
-          </a:prstGeom>
-        </p:spPr>
-        <p:txBody>
-          <a:bodyPr vert="horz" lIns="91440" tIns="45720" rIns="91440" bIns="45720" rtlCol="0">
-            <a:normAutofit/>
-          </a:bodyPr>
-          <a:lstStyle>
-            <a:lvl1pPr marL="228600" indent="-228600" algn="l" defTabSz="914400" rtl="0" eaLnBrk="1" latinLnBrk="0" hangingPunct="1">
-              <a:lnSpc>
-                <a:spcPct val="90000"/>
-              </a:lnSpc>
-              <a:spcBef>
-                <a:spcPts val="1000"/>
-              </a:spcBef>
-              <a:buFont typeface="Arial" panose="020B0604020202020204" pitchFamily="34" charset="0"/>
-              <a:buChar char="•"/>
-              <a:defRPr sz="2800" kern="1200">
-                <a:solidFill>
-                  <a:schemeClr val="tx1"/>
-                </a:solidFill>
-                <a:latin typeface="+mn-lt"/>
-                <a:ea typeface="+mn-ea"/>
-                <a:cs typeface="+mn-cs"/>
-              </a:defRPr>
-            </a:lvl1pPr>
-            <a:lvl2pPr marL="685800" indent="-228600" algn="l" defTabSz="914400" rtl="0" eaLnBrk="1" latinLnBrk="0" hangingPunct="1">
-              <a:lnSpc>
-                <a:spcPct val="90000"/>
-              </a:lnSpc>
-              <a:spcBef>
-                <a:spcPts val="500"/>
-              </a:spcBef>
-              <a:buFont typeface="Arial" panose="020B0604020202020204" pitchFamily="34" charset="0"/>
-              <a:buChar char="•"/>
-              <a:defRPr sz="2400" kern="1200">
-                <a:solidFill>
-                  <a:schemeClr val="tx1"/>
-                </a:solidFill>
-                <a:latin typeface="+mn-lt"/>
-                <a:ea typeface="+mn-ea"/>
-                <a:cs typeface="+mn-cs"/>
-              </a:defRPr>
-            </a:lvl2pPr>
-            <a:lvl3pPr marL="1143000" indent="-228600" algn="l" defTabSz="914400" rtl="0" eaLnBrk="1" latinLnBrk="0" hangingPunct="1">
-              <a:lnSpc>
-                <a:spcPct val="90000"/>
-              </a:lnSpc>
-              <a:spcBef>
-                <a:spcPts val="500"/>
-              </a:spcBef>
-              <a:buFont typeface="Arial" panose="020B0604020202020204" pitchFamily="34" charset="0"/>
-              <a:buChar char="•"/>
-              <a:defRPr sz="2000" kern="1200">
-                <a:solidFill>
-                  <a:schemeClr val="tx1"/>
-                </a:solidFill>
-                <a:latin typeface="+mn-lt"/>
-                <a:ea typeface="+mn-ea"/>
-                <a:cs typeface="+mn-cs"/>
-              </a:defRPr>
-            </a:lvl3pPr>
-            <a:lvl4pPr marL="1600200" indent="-228600" algn="l" defTabSz="914400" rtl="0" eaLnBrk="1" latinLnBrk="0" hangingPunct="1">
-              <a:lnSpc>
-                <a:spcPct val="90000"/>
-              </a:lnSpc>
-              <a:spcBef>
-                <a:spcPts val="500"/>
-              </a:spcBef>
-              <a:buFont typeface="Arial" panose="020B0604020202020204" pitchFamily="34" charset="0"/>
-              <a:buChar char="•"/>
-              <a:defRPr sz="1800" kern="1200">
-                <a:solidFill>
-                  <a:schemeClr val="tx1"/>
-                </a:solidFill>
-                <a:latin typeface="+mn-lt"/>
-                <a:ea typeface="+mn-ea"/>
-                <a:cs typeface="+mn-cs"/>
-              </a:defRPr>
-            </a:lvl4pPr>
-            <a:lvl5pPr marL="2057400" indent="-228600" algn="l" defTabSz="914400" rtl="0" eaLnBrk="1" latinLnBrk="0" hangingPunct="1">
-              <a:lnSpc>
-                <a:spcPct val="90000"/>
-              </a:lnSpc>
-              <a:spcBef>
-                <a:spcPts val="500"/>
-              </a:spcBef>
-              <a:buFont typeface="Arial" panose="020B0604020202020204" pitchFamily="34" charset="0"/>
-              <a:buChar char="•"/>
-              <a:defRPr sz="1800" kern="1200">
-                <a:solidFill>
-                  <a:schemeClr val="tx1"/>
-                </a:solidFill>
-                <a:latin typeface="+mn-lt"/>
-                <a:ea typeface="+mn-ea"/>
-                <a:cs typeface="+mn-cs"/>
-              </a:defRPr>
-            </a:lvl5pPr>
-            <a:lvl6pPr marL="2514600" indent="-228600" algn="l" defTabSz="914400" rtl="0" eaLnBrk="1" latinLnBrk="0" hangingPunct="1">
-              <a:lnSpc>
-                <a:spcPct val="90000"/>
-              </a:lnSpc>
-              <a:spcBef>
-                <a:spcPts val="500"/>
-              </a:spcBef>
-              <a:buFont typeface="Arial" panose="020B0604020202020204" pitchFamily="34" charset="0"/>
-              <a:buChar char="•"/>
-              <a:defRPr sz="1800" kern="1200">
-                <a:solidFill>
-                  <a:schemeClr val="tx1"/>
-                </a:solidFill>
-                <a:latin typeface="+mn-lt"/>
-                <a:ea typeface="+mn-ea"/>
-                <a:cs typeface="+mn-cs"/>
-              </a:defRPr>
-            </a:lvl6pPr>
-            <a:lvl7pPr marL="2971800" indent="-228600" algn="l" defTabSz="914400" rtl="0" eaLnBrk="1" latinLnBrk="0" hangingPunct="1">
-              <a:lnSpc>
-                <a:spcPct val="90000"/>
-              </a:lnSpc>
-              <a:spcBef>
-                <a:spcPts val="500"/>
-              </a:spcBef>
-              <a:buFont typeface="Arial" panose="020B0604020202020204" pitchFamily="34" charset="0"/>
-              <a:buChar char="•"/>
-              <a:defRPr sz="1800" kern="1200">
-                <a:solidFill>
-                  <a:schemeClr val="tx1"/>
-                </a:solidFill>
-                <a:latin typeface="+mn-lt"/>
-                <a:ea typeface="+mn-ea"/>
-                <a:cs typeface="+mn-cs"/>
-              </a:defRPr>
-            </a:lvl7pPr>
-            <a:lvl8pPr marL="3429000" indent="-228600" algn="l" defTabSz="914400" rtl="0" eaLnBrk="1" latinLnBrk="0" hangingPunct="1">
-              <a:lnSpc>
-                <a:spcPct val="90000"/>
-              </a:lnSpc>
-              <a:spcBef>
-                <a:spcPts val="500"/>
-              </a:spcBef>
-              <a:buFont typeface="Arial" panose="020B0604020202020204" pitchFamily="34" charset="0"/>
-              <a:buChar char="•"/>
-              <a:defRPr sz="1800" kern="1200">
-                <a:solidFill>
-                  <a:schemeClr val="tx1"/>
-                </a:solidFill>
-                <a:latin typeface="+mn-lt"/>
-                <a:ea typeface="+mn-ea"/>
-                <a:cs typeface="+mn-cs"/>
-              </a:defRPr>
-            </a:lvl8pPr>
-            <a:lvl9pPr marL="3886200" indent="-228600" algn="l" defTabSz="914400" rtl="0" eaLnBrk="1" latinLnBrk="0" hangingPunct="1">
-              <a:lnSpc>
-                <a:spcPct val="90000"/>
-              </a:lnSpc>
-              <a:spcBef>
-                <a:spcPts val="500"/>
-              </a:spcBef>
-              <a:buFont typeface="Arial" panose="020B0604020202020204" pitchFamily="34" charset="0"/>
-              <a:buChar char="•"/>
-              <a:defRPr sz="1800" kern="1200">
-                <a:solidFill>
-                  <a:schemeClr val="tx1"/>
-                </a:solidFill>
-                <a:latin typeface="+mn-lt"/>
-                <a:ea typeface="+mn-ea"/>
-                <a:cs typeface="+mn-cs"/>
-              </a:defRPr>
-            </a:lvl9pPr>
-          </a:lstStyle>
-          <a:p>
-            <a:pPr marL="0" indent="0">
-              <a:lnSpc>
-                <a:spcPct val="100000"/>
-              </a:lnSpc>
-              <a:buFont typeface="Arial" panose="020B0604020202020204" pitchFamily="34" charset="0"/>
-              <a:buNone/>
-            </a:pPr>
-            <a:r>
-              <a:rPr lang="pt-BR" sz="2600" dirty="0">
-                <a:solidFill>
-                  <a:srgbClr val="575756"/>
-                </a:solidFill>
-                <a:latin typeface="Asap" panose="00000500000000000000" pitchFamily="2" charset="0"/>
-              </a:rPr>
-              <a:t> </a:t>
-            </a:r>
           </a:p>
         </p:txBody>
       </p:sp>
@@ -9874,8 +13457,8 @@
         </p:nvSpPr>
         <p:spPr>
           <a:xfrm>
-            <a:off x="4135772" y="3157268"/>
-            <a:ext cx="7000930" cy="681487"/>
+            <a:off x="4135772" y="4511615"/>
+            <a:ext cx="6715489" cy="948906"/>
           </a:xfrm>
           <a:prstGeom prst="rect">
             <a:avLst/>
@@ -9978,11 +13561,20 @@
               </a:lnSpc>
             </a:pPr>
             <a:r>
+              <a:rPr lang="pt-BR" sz="1600" dirty="0">
+                <a:solidFill>
+                  <a:srgbClr val="575756"/>
+                </a:solidFill>
+                <a:latin typeface="Asap" panose="00000500000000000000"/>
+              </a:rPr>
+              <a:t>Para </a:t>
+            </a:r>
+            <a:r>
               <a:rPr lang="pt-BR" sz="1600" dirty="0" err="1">
                 <a:solidFill>
                   <a:srgbClr val="575756"/>
                 </a:solidFill>
-                <a:latin typeface="Abadi" panose="020B0604020104020204" pitchFamily="34" charset="0"/>
+                <a:latin typeface="Asap" panose="00000500000000000000"/>
               </a:rPr>
               <a:t>Bjarne</a:t>
             </a:r>
@@ -9991,16 +13583,16 @@
                 <a:solidFill>
                   <a:srgbClr val="575756"/>
                 </a:solidFill>
-                <a:latin typeface="Abadi" panose="020B0604020104020204" pitchFamily="34" charset="0"/>
-              </a:rPr>
-              <a:t> o criador do C++ quando questionado sobre o que é um “Código Limpo” comenta que gosta de seu código </a:t>
+                <a:latin typeface="Asap" panose="00000500000000000000"/>
+              </a:rPr>
+              <a:t> o criador do C++ quando questionado sobre o que é um “Código Limpo”, ele comenta que gosta de seu código </a:t>
             </a:r>
             <a:r>
               <a:rPr lang="pt-BR" sz="1600" b="1" dirty="0">
                 <a:solidFill>
                   <a:srgbClr val="575756"/>
                 </a:solidFill>
-                <a:latin typeface="Abadi" panose="020B0604020104020204" pitchFamily="34" charset="0"/>
+                <a:latin typeface="Asap" panose="00000500000000000000"/>
               </a:rPr>
               <a:t>“elegante” </a:t>
             </a:r>
@@ -10009,7 +13601,7 @@
                 <a:solidFill>
                   <a:srgbClr val="575756"/>
                 </a:solidFill>
-                <a:latin typeface="Abadi" panose="020B0604020104020204" pitchFamily="34" charset="0"/>
+                <a:latin typeface="Asap" panose="00000500000000000000"/>
               </a:rPr>
               <a:t>e  </a:t>
             </a:r>
@@ -10018,18 +13610,18 @@
                 <a:solidFill>
                   <a:srgbClr val="575756"/>
                 </a:solidFill>
-                <a:latin typeface="Abadi" panose="020B0604020104020204" pitchFamily="34" charset="0"/>
-              </a:rPr>
-              <a:t>“eficiente” </a:t>
+                <a:latin typeface="Asap" panose="00000500000000000000"/>
+              </a:rPr>
+              <a:t>“eficiente”, </a:t>
             </a:r>
             <a:r>
               <a:rPr lang="pt-BR" sz="1600" dirty="0">
                 <a:solidFill>
                   <a:srgbClr val="575756"/>
                 </a:solidFill>
-                <a:latin typeface="Abadi" panose="020B0604020104020204" pitchFamily="34" charset="0"/>
-              </a:rPr>
-              <a:t>com uma lógica direta para dificultar o aparecimento de erros, baixo acoplamento para facilitar a manutenção.</a:t>
+                <a:latin typeface="Asap" panose="00000500000000000000"/>
+              </a:rPr>
+              <a:t>com uma lógica direta para dificultar o aparecimento de erros e baixo acoplamento para facilitar a manutenção.</a:t>
             </a:r>
           </a:p>
           <a:p>
@@ -10043,16 +13635,34 @@
                 <a:solidFill>
                   <a:srgbClr val="575756"/>
                 </a:solidFill>
-                <a:latin typeface="Abadi" panose="020B0604020104020204" pitchFamily="34" charset="0"/>
-              </a:rPr>
-              <a:t>Se pegarmos a citação dele sobre “elegante”  e pesquisarmos no dicionário, podemos observar definições como “naturalidade e harmonia”, “fino e estiloso” ou seja para </a:t>
+                <a:latin typeface="Asap" panose="00000500000000000000"/>
+              </a:rPr>
+              <a:t>Se pegarmos a citação dele sobre </a:t>
+            </a:r>
+            <a:r>
+              <a:rPr lang="pt-BR" sz="1600" b="1" dirty="0">
+                <a:solidFill>
+                  <a:srgbClr val="575756"/>
+                </a:solidFill>
+                <a:latin typeface="Asap" panose="00000500000000000000"/>
+              </a:rPr>
+              <a:t>“elegante”  </a:t>
+            </a:r>
+            <a:r>
+              <a:rPr lang="pt-BR" sz="1600" dirty="0">
+                <a:solidFill>
+                  <a:srgbClr val="575756"/>
+                </a:solidFill>
+                <a:latin typeface="Asap" panose="00000500000000000000"/>
+              </a:rPr>
+              <a:t>e pesquisarmos no dicionário, podemos observar, definições como “naturalidade e harmonia”, “fino e estiloso” ou seja para </a:t>
             </a:r>
             <a:r>
               <a:rPr lang="pt-BR" sz="1600" dirty="0" err="1">
                 <a:solidFill>
                   <a:srgbClr val="575756"/>
                 </a:solidFill>
-                <a:latin typeface="Abadi" panose="020B0604020104020204" pitchFamily="34" charset="0"/>
+                <a:latin typeface="Asap" panose="00000500000000000000"/>
               </a:rPr>
               <a:t>Bjarne</a:t>
             </a:r>
@@ -10061,7 +13671,7 @@
                 <a:solidFill>
                   <a:srgbClr val="575756"/>
                 </a:solidFill>
-                <a:latin typeface="Abadi" panose="020B0604020104020204" pitchFamily="34" charset="0"/>
+                <a:latin typeface="Asap" panose="00000500000000000000"/>
               </a:rPr>
               <a:t> o código limpo proporciona uma leitura natural; e lê-lo deve ser belo como ouvir uma música por exemplo.</a:t>
             </a:r>
@@ -10077,9 +13687,9 @@
                 <a:solidFill>
                   <a:srgbClr val="575756"/>
                 </a:solidFill>
-                <a:latin typeface="Abadi" panose="020B0604020104020204" pitchFamily="34" charset="0"/>
-              </a:rPr>
-              <a:t>Já a palavra “eficiente” vindo do criador do C++ talvez faça sentido, porém para nosso dia-a-dia, podemos considerar a eficiência como mecanismos para proporcionar ao código simplicidade e clareza. </a:t>
+                <a:latin typeface="Asap" panose="00000500000000000000"/>
+              </a:rPr>
+              <a:t>Já a palavra “eficiente” vindo do criador do C++, talvez faça sentido, porém para nosso dia-a-dia, podemos considerar a eficiência como mecanismos para proporcionar ao código simplicidade e clareza. </a:t>
             </a:r>
           </a:p>
           <a:p>
@@ -10093,7 +13703,7 @@
                 <a:solidFill>
                   <a:srgbClr val="575756"/>
                 </a:solidFill>
-                <a:latin typeface="Abadi" panose="020B0604020104020204" pitchFamily="34" charset="0"/>
+                <a:latin typeface="Asap" panose="00000500000000000000"/>
               </a:rPr>
               <a:t>Logo Clean Code é um conjunto de práticas para que nosso código seja claro e objetivo no que se propõe a fazer, de maneira que sua leitura seja intuitiva.</a:t>
             </a:r>
@@ -10116,8 +13726,8 @@
         </p:nvSpPr>
         <p:spPr>
           <a:xfrm>
-            <a:off x="838201" y="446314"/>
-            <a:ext cx="3423406" cy="2780051"/>
+            <a:off x="712366" y="1227364"/>
+            <a:ext cx="3423406" cy="1535948"/>
           </a:xfrm>
           <a:prstGeom prst="rect">
             <a:avLst/>
@@ -10165,7 +13775,7 @@
                 </a:solidFill>
                 <a:latin typeface="Asap" panose="00000500000000000000" pitchFamily="2" charset="0"/>
               </a:rPr>
-              <a:t>Clean Code</a:t>
+              <a:t>Clean Code ?</a:t>
             </a:r>
             <a:endParaRPr lang="pt-BR" b="1" dirty="0"/>
           </a:p>
@@ -10396,8 +14006,8 @@
         </p:nvSpPr>
         <p:spPr>
           <a:xfrm>
-            <a:off x="4135772" y="4546121"/>
-            <a:ext cx="6871534" cy="957532"/>
+            <a:off x="4135772" y="4270075"/>
+            <a:ext cx="6871534" cy="897508"/>
           </a:xfrm>
           <a:prstGeom prst="rect">
             <a:avLst/>
@@ -10504,7 +14114,7 @@
                 <a:solidFill>
                   <a:srgbClr val="575756"/>
                 </a:solidFill>
-                <a:latin typeface="Abadi" panose="020B0604020104020204" pitchFamily="34" charset="0"/>
+                <a:latin typeface="Asap" panose="00000500000000000000"/>
               </a:rPr>
               <a:t>No livro do </a:t>
             </a:r>
@@ -10513,7 +14123,7 @@
                 <a:solidFill>
                   <a:srgbClr val="575756"/>
                 </a:solidFill>
-                <a:latin typeface="Abadi" panose="020B0604020104020204" pitchFamily="34" charset="0"/>
+                <a:latin typeface="Asap" panose="00000500000000000000"/>
               </a:rPr>
               <a:t>Uncle</a:t>
             </a:r>
@@ -10522,7 +14132,7 @@
                 <a:solidFill>
                   <a:srgbClr val="575756"/>
                 </a:solidFill>
-                <a:latin typeface="Abadi" panose="020B0604020104020204" pitchFamily="34" charset="0"/>
+                <a:latin typeface="Asap" panose="00000500000000000000"/>
               </a:rPr>
               <a:t> Bob, foram listado algumas boas práticas para se obter um código limpo, aqui vamos ver algumas.</a:t>
             </a:r>
@@ -10540,7 +14150,7 @@
                 <a:solidFill>
                   <a:srgbClr val="575756"/>
                 </a:solidFill>
-                <a:latin typeface="Abadi" panose="020B0604020104020204" pitchFamily="34" charset="0"/>
+                <a:latin typeface="Asap" panose="00000500000000000000"/>
               </a:rPr>
               <a:t>Nomes são importantes, ser claro e objetivo não importa o tamanho.</a:t>
             </a:r>
@@ -10558,7 +14168,7 @@
                 <a:solidFill>
                   <a:srgbClr val="575756"/>
                 </a:solidFill>
-                <a:latin typeface="Abadi" panose="020B0604020104020204" pitchFamily="34" charset="0"/>
+                <a:latin typeface="Asap" panose="00000500000000000000"/>
               </a:rPr>
               <a:t>Regra do escoteiro, deixe o lugar “mais limpo” do que estava antes de você chegar.</a:t>
             </a:r>
@@ -10576,7 +14186,7 @@
                 <a:solidFill>
                   <a:srgbClr val="575756"/>
                 </a:solidFill>
-                <a:latin typeface="Abadi" panose="020B0604020104020204" pitchFamily="34" charset="0"/>
+                <a:latin typeface="Asap" panose="00000500000000000000"/>
               </a:rPr>
               <a:t>Funções / Métodos precisam ser pequenos.</a:t>
             </a:r>
@@ -10594,7 +14204,7 @@
                 <a:solidFill>
                   <a:srgbClr val="575756"/>
                 </a:solidFill>
-                <a:latin typeface="Abadi" panose="020B0604020104020204" pitchFamily="34" charset="0"/>
+                <a:latin typeface="Asap" panose="00000500000000000000"/>
               </a:rPr>
               <a:t>DRY (</a:t>
             </a:r>
@@ -10603,7 +14213,7 @@
                 <a:solidFill>
                   <a:srgbClr val="575756"/>
                 </a:solidFill>
-                <a:latin typeface="Abadi" panose="020B0604020104020204" pitchFamily="34" charset="0"/>
+                <a:latin typeface="Asap" panose="00000500000000000000"/>
               </a:rPr>
               <a:t>Don’t</a:t>
             </a:r>
@@ -10612,7 +14222,7 @@
                 <a:solidFill>
                   <a:srgbClr val="575756"/>
                 </a:solidFill>
-                <a:latin typeface="Abadi" panose="020B0604020104020204" pitchFamily="34" charset="0"/>
+                <a:latin typeface="Asap" panose="00000500000000000000"/>
               </a:rPr>
               <a:t> </a:t>
             </a:r>
@@ -10621,7 +14231,7 @@
                 <a:solidFill>
                   <a:srgbClr val="575756"/>
                 </a:solidFill>
-                <a:latin typeface="Abadi" panose="020B0604020104020204" pitchFamily="34" charset="0"/>
+                <a:latin typeface="Asap" panose="00000500000000000000"/>
               </a:rPr>
               <a:t>Repeat</a:t>
             </a:r>
@@ -10630,7 +14240,7 @@
                 <a:solidFill>
                   <a:srgbClr val="575756"/>
                 </a:solidFill>
-                <a:latin typeface="Abadi" panose="020B0604020104020204" pitchFamily="34" charset="0"/>
+                <a:latin typeface="Asap" panose="00000500000000000000"/>
               </a:rPr>
               <a:t> </a:t>
             </a:r>
@@ -10639,7 +14249,7 @@
                 <a:solidFill>
                   <a:srgbClr val="575756"/>
                 </a:solidFill>
-                <a:latin typeface="Abadi" panose="020B0604020104020204" pitchFamily="34" charset="0"/>
+                <a:latin typeface="Asap" panose="00000500000000000000"/>
               </a:rPr>
               <a:t>Yoursefl</a:t>
             </a:r>
@@ -10648,7 +14258,7 @@
                 <a:solidFill>
                   <a:srgbClr val="575756"/>
                 </a:solidFill>
-                <a:latin typeface="Abadi" panose="020B0604020104020204" pitchFamily="34" charset="0"/>
+                <a:latin typeface="Asap" panose="00000500000000000000"/>
               </a:rPr>
               <a:t>).</a:t>
             </a:r>
@@ -10666,7 +14276,7 @@
                 <a:solidFill>
                   <a:srgbClr val="575756"/>
                 </a:solidFill>
-                <a:latin typeface="Abadi" panose="020B0604020104020204" pitchFamily="34" charset="0"/>
+                <a:latin typeface="Asap" panose="00000500000000000000"/>
               </a:rPr>
               <a:t>Comente apenas o necessário.</a:t>
             </a:r>
@@ -10684,7 +14294,7 @@
                 <a:solidFill>
                   <a:srgbClr val="575756"/>
                 </a:solidFill>
-                <a:latin typeface="Abadi" panose="020B0604020104020204" pitchFamily="34" charset="0"/>
+                <a:latin typeface="Asap" panose="00000500000000000000"/>
               </a:rPr>
               <a:t>Garanta que seu código esteja tratando os erros.</a:t>
             </a:r>
@@ -10702,7 +14312,7 @@
                 <a:solidFill>
                   <a:srgbClr val="575756"/>
                 </a:solidFill>
-                <a:latin typeface="Abadi" panose="020B0604020104020204" pitchFamily="34" charset="0"/>
+                <a:latin typeface="Asap" panose="00000500000000000000"/>
               </a:rPr>
               <a:t>Garanta que seu código seja testável.</a:t>
             </a:r>
@@ -10725,8 +14335,8 @@
         </p:nvSpPr>
         <p:spPr>
           <a:xfrm>
-            <a:off x="838201" y="446314"/>
-            <a:ext cx="3423406" cy="2780051"/>
+            <a:off x="315970" y="1227364"/>
+            <a:ext cx="3423406" cy="1592019"/>
           </a:xfrm>
           <a:prstGeom prst="rect">
             <a:avLst/>
@@ -11075,71 +14685,6 @@
           <a:chExt cx="0" cy="0"/>
         </a:xfrm>
       </p:grpSpPr>
-      <p:pic>
-        <p:nvPicPr>
-          <p:cNvPr id="5" name="Imagem 4">
-            <a:extLst>
-              <a:ext uri="{FF2B5EF4-FFF2-40B4-BE49-F238E27FC236}">
-                <a16:creationId xmlns:a16="http://schemas.microsoft.com/office/drawing/2014/main" id="{84D71492-638A-487D-8EE9-9C007E9C50DC}"/>
-              </a:ext>
-            </a:extLst>
-          </p:cNvPr>
-          <p:cNvPicPr>
-            <a:picLocks noChangeAspect="1"/>
-          </p:cNvPicPr>
-          <p:nvPr/>
-        </p:nvPicPr>
-        <p:blipFill>
-          <a:blip r:embed="rId2">
-            <a:extLst>
-              <a:ext uri="{28A0092B-C50C-407E-A947-70E740481C1C}">
-                <a14:useLocalDpi xmlns:a14="http://schemas.microsoft.com/office/drawing/2010/main" val="0"/>
-              </a:ext>
-            </a:extLst>
-          </a:blip>
-          <a:srcRect/>
-          <a:stretch/>
-        </p:blipFill>
-        <p:spPr>
-          <a:xfrm>
-            <a:off x="593" y="0"/>
-            <a:ext cx="12190814" cy="6858000"/>
-          </a:xfrm>
-          <a:prstGeom prst="rect">
-            <a:avLst/>
-          </a:prstGeom>
-        </p:spPr>
-      </p:pic>
-    </p:spTree>
-    <p:extLst>
-      <p:ext uri="{BB962C8B-B14F-4D97-AF65-F5344CB8AC3E}">
-        <p14:creationId xmlns:p14="http://schemas.microsoft.com/office/powerpoint/2010/main" val="1013676928"/>
-      </p:ext>
-    </p:extLst>
-  </p:cSld>
-  <p:clrMapOvr>
-    <a:masterClrMapping/>
-  </p:clrMapOvr>
-</p:sld>
-</file>
-
-<file path=ppt/slides/slide8.xml><?xml version="1.0" encoding="utf-8"?>
-<p:sld xmlns:a="http://schemas.openxmlformats.org/drawingml/2006/main" xmlns:r="http://schemas.openxmlformats.org/officeDocument/2006/relationships" xmlns:p="http://schemas.openxmlformats.org/presentationml/2006/main">
-  <p:cSld>
-    <p:spTree>
-      <p:nvGrpSpPr>
-        <p:cNvPr id="1" name=""/>
-        <p:cNvGrpSpPr/>
-        <p:nvPr/>
-      </p:nvGrpSpPr>
-      <p:grpSpPr>
-        <a:xfrm>
-          <a:off x="0" y="0"/>
-          <a:ext cx="0" cy="0"/>
-          <a:chOff x="0" y="0"/>
-          <a:chExt cx="0" cy="0"/>
-        </a:xfrm>
-      </p:grpSpPr>
       <p:sp>
         <p:nvSpPr>
           <p:cNvPr id="3" name="Espaço Reservado para Conteúdo 2">
@@ -11178,7 +14723,7 @@
                 <a:solidFill>
                   <a:srgbClr val="575756"/>
                 </a:solidFill>
-                <a:latin typeface="Abadi" panose="020B0604020104020204" pitchFamily="34" charset="0"/>
+                <a:latin typeface="Asap" panose="00000500000000000000"/>
               </a:rPr>
               <a:t>S</a:t>
             </a:r>
@@ -11187,7 +14732,7 @@
                 <a:solidFill>
                   <a:srgbClr val="575756"/>
                 </a:solidFill>
-                <a:latin typeface="Abadi" panose="020B0604020104020204" pitchFamily="34" charset="0"/>
+                <a:latin typeface="Asap" panose="00000500000000000000"/>
               </a:rPr>
               <a:t>.O.L.I.D é um acrônimo criado por Michael </a:t>
             </a:r>
@@ -11196,7 +14741,7 @@
                 <a:solidFill>
                   <a:srgbClr val="575756"/>
                 </a:solidFill>
-                <a:latin typeface="Abadi" panose="020B0604020104020204" pitchFamily="34" charset="0"/>
+                <a:latin typeface="Asap" panose="00000500000000000000"/>
               </a:rPr>
               <a:t>Feathers</a:t>
             </a:r>
@@ -11205,7 +14750,7 @@
                 <a:solidFill>
                   <a:srgbClr val="575756"/>
                 </a:solidFill>
-                <a:latin typeface="Abadi" panose="020B0604020104020204" pitchFamily="34" charset="0"/>
+                <a:latin typeface="Asap" panose="00000500000000000000"/>
               </a:rPr>
               <a:t> após observar os princípios de OOP e  design de código comentados por </a:t>
             </a:r>
@@ -11214,7 +14759,7 @@
                 <a:solidFill>
                   <a:srgbClr val="575756"/>
                 </a:solidFill>
-                <a:latin typeface="Abadi" panose="020B0604020104020204" pitchFamily="34" charset="0"/>
+                <a:latin typeface="Asap" panose="00000500000000000000"/>
               </a:rPr>
               <a:t>Uncle</a:t>
             </a:r>
@@ -11223,7 +14768,7 @@
                 <a:solidFill>
                   <a:srgbClr val="575756"/>
                 </a:solidFill>
-                <a:latin typeface="Abadi" panose="020B0604020104020204" pitchFamily="34" charset="0"/>
+                <a:latin typeface="Asap" panose="00000500000000000000"/>
               </a:rPr>
               <a:t> Bob em seu artigo “The </a:t>
             </a:r>
@@ -11232,7 +14777,7 @@
                 <a:solidFill>
                   <a:srgbClr val="575756"/>
                 </a:solidFill>
-                <a:latin typeface="Abadi" panose="020B0604020104020204" pitchFamily="34" charset="0"/>
+                <a:latin typeface="Asap" panose="00000500000000000000"/>
               </a:rPr>
               <a:t>Principles</a:t>
             </a:r>
@@ -11241,7 +14786,7 @@
                 <a:solidFill>
                   <a:srgbClr val="575756"/>
                 </a:solidFill>
-                <a:latin typeface="Abadi" panose="020B0604020104020204" pitchFamily="34" charset="0"/>
+                <a:latin typeface="Asap" panose="00000500000000000000"/>
               </a:rPr>
               <a:t> </a:t>
             </a:r>
@@ -11250,7 +14795,7 @@
                 <a:solidFill>
                   <a:srgbClr val="575756"/>
                 </a:solidFill>
-                <a:latin typeface="Abadi" panose="020B0604020104020204" pitchFamily="34" charset="0"/>
+                <a:latin typeface="Asap" panose="00000500000000000000"/>
               </a:rPr>
               <a:t>of</a:t>
             </a:r>
@@ -11259,7 +14804,7 @@
                 <a:solidFill>
                   <a:srgbClr val="575756"/>
                 </a:solidFill>
-                <a:latin typeface="Abadi" panose="020B0604020104020204" pitchFamily="34" charset="0"/>
+                <a:latin typeface="Asap" panose="00000500000000000000"/>
               </a:rPr>
               <a:t> OOD”</a:t>
             </a:r>
@@ -11275,7 +14820,7 @@
                 <a:solidFill>
                   <a:srgbClr val="575756"/>
                 </a:solidFill>
-                <a:latin typeface="Abadi" panose="020B0604020104020204" pitchFamily="34" charset="0"/>
+                <a:latin typeface="Asap" panose="00000500000000000000"/>
               </a:rPr>
               <a:t>Estes princípios ajudam á escrever um “código mais limpo”, indo de encontro com o que acabamos de abordar sobre Clean Code.</a:t>
             </a:r>
@@ -11294,7 +14839,7 @@
                   <a:srgbClr val="575756"/>
                 </a:solidFill>
                 <a:effectLst/>
-                <a:latin typeface="Abadi" panose="020B0604020104020204" pitchFamily="34" charset="0"/>
+                <a:latin typeface="Asap" panose="00000500000000000000"/>
               </a:rPr>
               <a:t>S — Single </a:t>
             </a:r>
@@ -11304,7 +14849,7 @@
                   <a:srgbClr val="575756"/>
                 </a:solidFill>
                 <a:effectLst/>
-                <a:latin typeface="Abadi" panose="020B0604020104020204" pitchFamily="34" charset="0"/>
+                <a:latin typeface="Asap" panose="00000500000000000000"/>
               </a:rPr>
               <a:t>Responsiblity</a:t>
             </a:r>
@@ -11314,7 +14859,7 @@
                   <a:srgbClr val="575756"/>
                 </a:solidFill>
                 <a:effectLst/>
-                <a:latin typeface="Abadi" panose="020B0604020104020204" pitchFamily="34" charset="0"/>
+                <a:latin typeface="Asap" panose="00000500000000000000"/>
               </a:rPr>
               <a:t> </a:t>
             </a:r>
@@ -11324,7 +14869,7 @@
                   <a:srgbClr val="575756"/>
                 </a:solidFill>
                 <a:effectLst/>
-                <a:latin typeface="Abadi" panose="020B0604020104020204" pitchFamily="34" charset="0"/>
+                <a:latin typeface="Asap" panose="00000500000000000000"/>
               </a:rPr>
               <a:t>Principle</a:t>
             </a:r>
@@ -11334,7 +14879,7 @@
                   <a:srgbClr val="575756"/>
                 </a:solidFill>
                 <a:effectLst/>
-                <a:latin typeface="Abadi" panose="020B0604020104020204" pitchFamily="34" charset="0"/>
+                <a:latin typeface="Asap" panose="00000500000000000000"/>
               </a:rPr>
               <a:t> </a:t>
             </a:r>
@@ -11344,7 +14889,7 @@
                   <a:srgbClr val="575756"/>
                 </a:solidFill>
                 <a:effectLst/>
-                <a:latin typeface="Abadi" panose="020B0604020104020204" pitchFamily="34" charset="0"/>
+                <a:latin typeface="Asap" panose="00000500000000000000"/>
               </a:rPr>
               <a:t>(Princípio da responsabilidade única)</a:t>
             </a:r>
@@ -11363,7 +14908,7 @@
                   <a:srgbClr val="575756"/>
                 </a:solidFill>
                 <a:effectLst/>
-                <a:latin typeface="Abadi" panose="020B0604020104020204" pitchFamily="34" charset="0"/>
+                <a:latin typeface="Asap" panose="00000500000000000000"/>
               </a:rPr>
               <a:t>O — Open-</a:t>
             </a:r>
@@ -11373,7 +14918,7 @@
                   <a:srgbClr val="575756"/>
                 </a:solidFill>
                 <a:effectLst/>
-                <a:latin typeface="Abadi" panose="020B0604020104020204" pitchFamily="34" charset="0"/>
+                <a:latin typeface="Asap" panose="00000500000000000000"/>
               </a:rPr>
               <a:t>Closed</a:t>
             </a:r>
@@ -11383,7 +14928,7 @@
                   <a:srgbClr val="575756"/>
                 </a:solidFill>
                 <a:effectLst/>
-                <a:latin typeface="Abadi" panose="020B0604020104020204" pitchFamily="34" charset="0"/>
+                <a:latin typeface="Asap" panose="00000500000000000000"/>
               </a:rPr>
               <a:t> </a:t>
             </a:r>
@@ -11393,7 +14938,7 @@
                   <a:srgbClr val="575756"/>
                 </a:solidFill>
                 <a:effectLst/>
-                <a:latin typeface="Abadi" panose="020B0604020104020204" pitchFamily="34" charset="0"/>
+                <a:latin typeface="Asap" panose="00000500000000000000"/>
               </a:rPr>
               <a:t>Principle</a:t>
             </a:r>
@@ -11403,7 +14948,7 @@
                   <a:srgbClr val="575756"/>
                 </a:solidFill>
                 <a:effectLst/>
-                <a:latin typeface="Abadi" panose="020B0604020104020204" pitchFamily="34" charset="0"/>
+                <a:latin typeface="Asap" panose="00000500000000000000"/>
               </a:rPr>
               <a:t> </a:t>
             </a:r>
@@ -11413,9 +14958,9 @@
                   <a:srgbClr val="575756"/>
                 </a:solidFill>
                 <a:effectLst/>
-                <a:latin typeface="Abadi" panose="020B0604020104020204" pitchFamily="34" charset="0"/>
-              </a:rPr>
-              <a:t>(Princípio Aberto-Fechado)</a:t>
+                <a:latin typeface="Asap" panose="00000500000000000000"/>
+              </a:rPr>
+              <a:t>(Princípio aberto-fechado)</a:t>
             </a:r>
           </a:p>
           <a:p>
@@ -11432,7 +14977,7 @@
                   <a:srgbClr val="575756"/>
                 </a:solidFill>
                 <a:effectLst/>
-                <a:latin typeface="Abadi" panose="020B0604020104020204" pitchFamily="34" charset="0"/>
+                <a:latin typeface="Asap" panose="00000500000000000000"/>
               </a:rPr>
               <a:t>L — </a:t>
             </a:r>
@@ -11442,7 +14987,7 @@
                   <a:srgbClr val="575756"/>
                 </a:solidFill>
                 <a:effectLst/>
-                <a:latin typeface="Abadi" panose="020B0604020104020204" pitchFamily="34" charset="0"/>
+                <a:latin typeface="Asap" panose="00000500000000000000"/>
               </a:rPr>
               <a:t>Liskov</a:t>
             </a:r>
@@ -11452,7 +14997,7 @@
                   <a:srgbClr val="575756"/>
                 </a:solidFill>
                 <a:effectLst/>
-                <a:latin typeface="Abadi" panose="020B0604020104020204" pitchFamily="34" charset="0"/>
+                <a:latin typeface="Asap" panose="00000500000000000000"/>
               </a:rPr>
               <a:t> </a:t>
             </a:r>
@@ -11462,7 +15007,7 @@
                   <a:srgbClr val="575756"/>
                 </a:solidFill>
                 <a:effectLst/>
-                <a:latin typeface="Abadi" panose="020B0604020104020204" pitchFamily="34" charset="0"/>
+                <a:latin typeface="Asap" panose="00000500000000000000"/>
               </a:rPr>
               <a:t>Substitution</a:t>
             </a:r>
@@ -11472,7 +15017,7 @@
                   <a:srgbClr val="575756"/>
                 </a:solidFill>
                 <a:effectLst/>
-                <a:latin typeface="Abadi" panose="020B0604020104020204" pitchFamily="34" charset="0"/>
+                <a:latin typeface="Asap" panose="00000500000000000000"/>
               </a:rPr>
               <a:t> </a:t>
             </a:r>
@@ -11482,7 +15027,7 @@
                   <a:srgbClr val="575756"/>
                 </a:solidFill>
                 <a:effectLst/>
-                <a:latin typeface="Abadi" panose="020B0604020104020204" pitchFamily="34" charset="0"/>
+                <a:latin typeface="Asap" panose="00000500000000000000"/>
               </a:rPr>
               <a:t>Principle</a:t>
             </a:r>
@@ -11492,7 +15037,7 @@
                   <a:srgbClr val="575756"/>
                 </a:solidFill>
                 <a:effectLst/>
-                <a:latin typeface="Abadi" panose="020B0604020104020204" pitchFamily="34" charset="0"/>
+                <a:latin typeface="Asap" panose="00000500000000000000"/>
               </a:rPr>
               <a:t> </a:t>
             </a:r>
@@ -11502,7 +15047,7 @@
                   <a:srgbClr val="575756"/>
                 </a:solidFill>
                 <a:effectLst/>
-                <a:latin typeface="Abadi" panose="020B0604020104020204" pitchFamily="34" charset="0"/>
+                <a:latin typeface="Asap" panose="00000500000000000000"/>
               </a:rPr>
               <a:t>(Princípio da substituição de </a:t>
             </a:r>
@@ -11512,7 +15057,7 @@
                   <a:srgbClr val="575756"/>
                 </a:solidFill>
                 <a:effectLst/>
-                <a:latin typeface="Abadi" panose="020B0604020104020204" pitchFamily="34" charset="0"/>
+                <a:latin typeface="Asap" panose="00000500000000000000"/>
               </a:rPr>
               <a:t>Liskov</a:t>
             </a:r>
@@ -11522,7 +15067,7 @@
                   <a:srgbClr val="575756"/>
                 </a:solidFill>
                 <a:effectLst/>
-                <a:latin typeface="Abadi" panose="020B0604020104020204" pitchFamily="34" charset="0"/>
+                <a:latin typeface="Asap" panose="00000500000000000000"/>
               </a:rPr>
               <a:t>)</a:t>
             </a:r>
@@ -11541,7 +15086,7 @@
                   <a:srgbClr val="575756"/>
                 </a:solidFill>
                 <a:effectLst/>
-                <a:latin typeface="Abadi" panose="020B0604020104020204" pitchFamily="34" charset="0"/>
+                <a:latin typeface="Asap" panose="00000500000000000000"/>
               </a:rPr>
               <a:t>I — Interface </a:t>
             </a:r>
@@ -11551,7 +15096,7 @@
                   <a:srgbClr val="575756"/>
                 </a:solidFill>
                 <a:effectLst/>
-                <a:latin typeface="Abadi" panose="020B0604020104020204" pitchFamily="34" charset="0"/>
+                <a:latin typeface="Asap" panose="00000500000000000000"/>
               </a:rPr>
               <a:t>Segregation</a:t>
             </a:r>
@@ -11561,7 +15106,7 @@
                   <a:srgbClr val="575756"/>
                 </a:solidFill>
                 <a:effectLst/>
-                <a:latin typeface="Abadi" panose="020B0604020104020204" pitchFamily="34" charset="0"/>
+                <a:latin typeface="Asap" panose="00000500000000000000"/>
               </a:rPr>
               <a:t> </a:t>
             </a:r>
@@ -11571,7 +15116,7 @@
                   <a:srgbClr val="575756"/>
                 </a:solidFill>
                 <a:effectLst/>
-                <a:latin typeface="Abadi" panose="020B0604020104020204" pitchFamily="34" charset="0"/>
+                <a:latin typeface="Asap" panose="00000500000000000000"/>
               </a:rPr>
               <a:t>Principle</a:t>
             </a:r>
@@ -11581,7 +15126,7 @@
                   <a:srgbClr val="575756"/>
                 </a:solidFill>
                 <a:effectLst/>
-                <a:latin typeface="Abadi" panose="020B0604020104020204" pitchFamily="34" charset="0"/>
+                <a:latin typeface="Asap" panose="00000500000000000000"/>
               </a:rPr>
               <a:t> </a:t>
             </a:r>
@@ -11591,9 +15136,9 @@
                   <a:srgbClr val="575756"/>
                 </a:solidFill>
                 <a:effectLst/>
-                <a:latin typeface="Abadi" panose="020B0604020104020204" pitchFamily="34" charset="0"/>
-              </a:rPr>
-              <a:t>(Princípio da Segregação da Interface)</a:t>
+                <a:latin typeface="Asap" panose="00000500000000000000"/>
+              </a:rPr>
+              <a:t>(Princípio da segregação da Interface)</a:t>
             </a:r>
           </a:p>
           <a:p>
@@ -11610,7 +15155,7 @@
                   <a:srgbClr val="575756"/>
                 </a:solidFill>
                 <a:effectLst/>
-                <a:latin typeface="Abadi" panose="020B0604020104020204" pitchFamily="34" charset="0"/>
+                <a:latin typeface="Asap" panose="00000500000000000000"/>
               </a:rPr>
               <a:t>D — </a:t>
             </a:r>
@@ -11620,7 +15165,7 @@
                   <a:srgbClr val="575756"/>
                 </a:solidFill>
                 <a:effectLst/>
-                <a:latin typeface="Abadi" panose="020B0604020104020204" pitchFamily="34" charset="0"/>
+                <a:latin typeface="Asap" panose="00000500000000000000"/>
               </a:rPr>
               <a:t>Dependency</a:t>
             </a:r>
@@ -11630,7 +15175,7 @@
                   <a:srgbClr val="575756"/>
                 </a:solidFill>
                 <a:effectLst/>
-                <a:latin typeface="Abadi" panose="020B0604020104020204" pitchFamily="34" charset="0"/>
+                <a:latin typeface="Asap" panose="00000500000000000000"/>
               </a:rPr>
               <a:t> </a:t>
             </a:r>
@@ -11640,7 +15185,7 @@
                   <a:srgbClr val="575756"/>
                 </a:solidFill>
                 <a:effectLst/>
-                <a:latin typeface="Abadi" panose="020B0604020104020204" pitchFamily="34" charset="0"/>
+                <a:latin typeface="Asap" panose="00000500000000000000"/>
               </a:rPr>
               <a:t>Inversion</a:t>
             </a:r>
@@ -11650,7 +15195,7 @@
                   <a:srgbClr val="575756"/>
                 </a:solidFill>
                 <a:effectLst/>
-                <a:latin typeface="Abadi" panose="020B0604020104020204" pitchFamily="34" charset="0"/>
+                <a:latin typeface="Asap" panose="00000500000000000000"/>
               </a:rPr>
               <a:t> </a:t>
             </a:r>
@@ -11660,7 +15205,7 @@
                   <a:srgbClr val="575756"/>
                 </a:solidFill>
                 <a:effectLst/>
-                <a:latin typeface="Abadi" panose="020B0604020104020204" pitchFamily="34" charset="0"/>
+                <a:latin typeface="Asap" panose="00000500000000000000"/>
               </a:rPr>
               <a:t>Principle</a:t>
             </a:r>
@@ -11670,7 +15215,7 @@
                   <a:srgbClr val="575756"/>
                 </a:solidFill>
                 <a:effectLst/>
-                <a:latin typeface="Abadi" panose="020B0604020104020204" pitchFamily="34" charset="0"/>
+                <a:latin typeface="Asap" panose="00000500000000000000"/>
               </a:rPr>
               <a:t> </a:t>
             </a:r>
@@ -11680,7 +15225,7 @@
                   <a:srgbClr val="575756"/>
                 </a:solidFill>
                 <a:effectLst/>
-                <a:latin typeface="Abadi" panose="020B0604020104020204" pitchFamily="34" charset="0"/>
+                <a:latin typeface="Asap" panose="00000500000000000000"/>
               </a:rPr>
               <a:t>(Princípio da inversão da dependência)</a:t>
             </a:r>
@@ -11731,7 +15276,7 @@
         </p:nvSpPr>
         <p:spPr>
           <a:xfrm>
-            <a:off x="838201" y="446314"/>
+            <a:off x="368079" y="1227364"/>
             <a:ext cx="3423406" cy="2780051"/>
           </a:xfrm>
           <a:prstGeom prst="rect">
@@ -12063,6 +15608,373 @@
 </p:sld>
 </file>
 
+<file path=ppt/slides/slide8.xml><?xml version="1.0" encoding="utf-8"?>
+<p:sld xmlns:a="http://schemas.openxmlformats.org/drawingml/2006/main" xmlns:r="http://schemas.openxmlformats.org/officeDocument/2006/relationships" xmlns:p="http://schemas.openxmlformats.org/presentationml/2006/main">
+  <p:cSld>
+    <p:spTree>
+      <p:nvGrpSpPr>
+        <p:cNvPr id="1" name=""/>
+        <p:cNvGrpSpPr/>
+        <p:nvPr/>
+      </p:nvGrpSpPr>
+      <p:grpSpPr>
+        <a:xfrm>
+          <a:off x="0" y="0"/>
+          <a:ext cx="0" cy="0"/>
+          <a:chOff x="0" y="0"/>
+          <a:chExt cx="0" cy="0"/>
+        </a:xfrm>
+      </p:grpSpPr>
+      <p:sp>
+        <p:nvSpPr>
+          <p:cNvPr id="6" name="Título 1">
+            <a:extLst>
+              <a:ext uri="{FF2B5EF4-FFF2-40B4-BE49-F238E27FC236}">
+                <a16:creationId xmlns:a16="http://schemas.microsoft.com/office/drawing/2014/main" id="{29506E41-E78A-4624-9442-2C05FCDFFDD1}"/>
+              </a:ext>
+            </a:extLst>
+          </p:cNvPr>
+          <p:cNvSpPr txBox="1">
+            <a:spLocks/>
+          </p:cNvSpPr>
+          <p:nvPr/>
+        </p:nvSpPr>
+        <p:spPr>
+          <a:xfrm>
+            <a:off x="815196" y="1886574"/>
+            <a:ext cx="10256807" cy="2780051"/>
+          </a:xfrm>
+          <a:prstGeom prst="rect">
+            <a:avLst/>
+          </a:prstGeom>
+        </p:spPr>
+        <p:txBody>
+          <a:bodyPr vert="horz" lIns="91440" tIns="45720" rIns="91440" bIns="45720" rtlCol="0" anchor="ctr">
+            <a:normAutofit fontScale="97500"/>
+          </a:bodyPr>
+          <a:lstStyle>
+            <a:lvl1pPr algn="l" defTabSz="914400" rtl="0" eaLnBrk="1" latinLnBrk="0" hangingPunct="1">
+              <a:lnSpc>
+                <a:spcPct val="90000"/>
+              </a:lnSpc>
+              <a:spcBef>
+                <a:spcPct val="0"/>
+              </a:spcBef>
+              <a:buNone/>
+              <a:defRPr sz="4400" kern="1200">
+                <a:solidFill>
+                  <a:schemeClr val="tx1"/>
+                </a:solidFill>
+                <a:latin typeface="+mj-lt"/>
+                <a:ea typeface="+mj-ea"/>
+                <a:cs typeface="+mj-cs"/>
+              </a:defRPr>
+            </a:lvl1pPr>
+          </a:lstStyle>
+          <a:p>
+            <a:pPr algn="r"/>
+            <a:r>
+              <a:rPr lang="en-US" sz="4800" b="1" dirty="0">
+                <a:solidFill>
+                  <a:srgbClr val="22438A"/>
+                </a:solidFill>
+                <a:latin typeface="Asap" panose="00000500000000000000"/>
+              </a:rPr>
+              <a:t>H</a:t>
+            </a:r>
+            <a:r>
+              <a:rPr lang="pt-BR" sz="4800" b="1" dirty="0">
+                <a:solidFill>
+                  <a:srgbClr val="22438A"/>
+                </a:solidFill>
+                <a:latin typeface="Asap" panose="00000500000000000000"/>
+              </a:rPr>
+              <a:t>ORA DE POR A MÃO NA MASSA !</a:t>
+            </a:r>
+          </a:p>
+          <a:p>
+            <a:pPr algn="r"/>
+            <a:r>
+              <a:rPr lang="pt-BR" sz="4800" b="1" dirty="0">
+                <a:solidFill>
+                  <a:srgbClr val="22438A"/>
+                </a:solidFill>
+                <a:latin typeface="Asap" panose="00000500000000000000"/>
+              </a:rPr>
+              <a:t>SHOW ME THE CODE  </a:t>
+            </a:r>
+          </a:p>
+        </p:txBody>
+      </p:sp>
+      <p:sp>
+        <p:nvSpPr>
+          <p:cNvPr id="5" name="Espaço Reservado para Conteúdo 2">
+            <a:extLst>
+              <a:ext uri="{FF2B5EF4-FFF2-40B4-BE49-F238E27FC236}">
+                <a16:creationId xmlns:a16="http://schemas.microsoft.com/office/drawing/2014/main" id="{298CF56C-531D-456B-926E-E1934EBBFA79}"/>
+              </a:ext>
+            </a:extLst>
+          </p:cNvPr>
+          <p:cNvSpPr txBox="1">
+            <a:spLocks/>
+          </p:cNvSpPr>
+          <p:nvPr/>
+        </p:nvSpPr>
+        <p:spPr>
+          <a:xfrm>
+            <a:off x="3885176" y="1430000"/>
+            <a:ext cx="7350904" cy="4403272"/>
+          </a:xfrm>
+          <a:prstGeom prst="rect">
+            <a:avLst/>
+          </a:prstGeom>
+        </p:spPr>
+        <p:txBody>
+          <a:bodyPr vert="horz" lIns="91440" tIns="45720" rIns="91440" bIns="45720" rtlCol="0">
+            <a:normAutofit/>
+          </a:bodyPr>
+          <a:lstStyle>
+            <a:lvl1pPr marL="228600" indent="-228600" algn="l" defTabSz="914400" rtl="0" eaLnBrk="1" latinLnBrk="0" hangingPunct="1">
+              <a:lnSpc>
+                <a:spcPct val="90000"/>
+              </a:lnSpc>
+              <a:spcBef>
+                <a:spcPts val="1000"/>
+              </a:spcBef>
+              <a:buFont typeface="Arial" panose="020B0604020202020204" pitchFamily="34" charset="0"/>
+              <a:buChar char="•"/>
+              <a:defRPr sz="2800" kern="1200">
+                <a:solidFill>
+                  <a:schemeClr val="tx1"/>
+                </a:solidFill>
+                <a:latin typeface="+mn-lt"/>
+                <a:ea typeface="+mn-ea"/>
+                <a:cs typeface="+mn-cs"/>
+              </a:defRPr>
+            </a:lvl1pPr>
+            <a:lvl2pPr marL="685800" indent="-228600" algn="l" defTabSz="914400" rtl="0" eaLnBrk="1" latinLnBrk="0" hangingPunct="1">
+              <a:lnSpc>
+                <a:spcPct val="90000"/>
+              </a:lnSpc>
+              <a:spcBef>
+                <a:spcPts val="500"/>
+              </a:spcBef>
+              <a:buFont typeface="Arial" panose="020B0604020202020204" pitchFamily="34" charset="0"/>
+              <a:buChar char="•"/>
+              <a:defRPr sz="2400" kern="1200">
+                <a:solidFill>
+                  <a:schemeClr val="tx1"/>
+                </a:solidFill>
+                <a:latin typeface="+mn-lt"/>
+                <a:ea typeface="+mn-ea"/>
+                <a:cs typeface="+mn-cs"/>
+              </a:defRPr>
+            </a:lvl2pPr>
+            <a:lvl3pPr marL="1143000" indent="-228600" algn="l" defTabSz="914400" rtl="0" eaLnBrk="1" latinLnBrk="0" hangingPunct="1">
+              <a:lnSpc>
+                <a:spcPct val="90000"/>
+              </a:lnSpc>
+              <a:spcBef>
+                <a:spcPts val="500"/>
+              </a:spcBef>
+              <a:buFont typeface="Arial" panose="020B0604020202020204" pitchFamily="34" charset="0"/>
+              <a:buChar char="•"/>
+              <a:defRPr sz="2000" kern="1200">
+                <a:solidFill>
+                  <a:schemeClr val="tx1"/>
+                </a:solidFill>
+                <a:latin typeface="+mn-lt"/>
+                <a:ea typeface="+mn-ea"/>
+                <a:cs typeface="+mn-cs"/>
+              </a:defRPr>
+            </a:lvl3pPr>
+            <a:lvl4pPr marL="1600200" indent="-228600" algn="l" defTabSz="914400" rtl="0" eaLnBrk="1" latinLnBrk="0" hangingPunct="1">
+              <a:lnSpc>
+                <a:spcPct val="90000"/>
+              </a:lnSpc>
+              <a:spcBef>
+                <a:spcPts val="500"/>
+              </a:spcBef>
+              <a:buFont typeface="Arial" panose="020B0604020202020204" pitchFamily="34" charset="0"/>
+              <a:buChar char="•"/>
+              <a:defRPr sz="1800" kern="1200">
+                <a:solidFill>
+                  <a:schemeClr val="tx1"/>
+                </a:solidFill>
+                <a:latin typeface="+mn-lt"/>
+                <a:ea typeface="+mn-ea"/>
+                <a:cs typeface="+mn-cs"/>
+              </a:defRPr>
+            </a:lvl4pPr>
+            <a:lvl5pPr marL="2057400" indent="-228600" algn="l" defTabSz="914400" rtl="0" eaLnBrk="1" latinLnBrk="0" hangingPunct="1">
+              <a:lnSpc>
+                <a:spcPct val="90000"/>
+              </a:lnSpc>
+              <a:spcBef>
+                <a:spcPts val="500"/>
+              </a:spcBef>
+              <a:buFont typeface="Arial" panose="020B0604020202020204" pitchFamily="34" charset="0"/>
+              <a:buChar char="•"/>
+              <a:defRPr sz="1800" kern="1200">
+                <a:solidFill>
+                  <a:schemeClr val="tx1"/>
+                </a:solidFill>
+                <a:latin typeface="+mn-lt"/>
+                <a:ea typeface="+mn-ea"/>
+                <a:cs typeface="+mn-cs"/>
+              </a:defRPr>
+            </a:lvl5pPr>
+            <a:lvl6pPr marL="2514600" indent="-228600" algn="l" defTabSz="914400" rtl="0" eaLnBrk="1" latinLnBrk="0" hangingPunct="1">
+              <a:lnSpc>
+                <a:spcPct val="90000"/>
+              </a:lnSpc>
+              <a:spcBef>
+                <a:spcPts val="500"/>
+              </a:spcBef>
+              <a:buFont typeface="Arial" panose="020B0604020202020204" pitchFamily="34" charset="0"/>
+              <a:buChar char="•"/>
+              <a:defRPr sz="1800" kern="1200">
+                <a:solidFill>
+                  <a:schemeClr val="tx1"/>
+                </a:solidFill>
+                <a:latin typeface="+mn-lt"/>
+                <a:ea typeface="+mn-ea"/>
+                <a:cs typeface="+mn-cs"/>
+              </a:defRPr>
+            </a:lvl6pPr>
+            <a:lvl7pPr marL="2971800" indent="-228600" algn="l" defTabSz="914400" rtl="0" eaLnBrk="1" latinLnBrk="0" hangingPunct="1">
+              <a:lnSpc>
+                <a:spcPct val="90000"/>
+              </a:lnSpc>
+              <a:spcBef>
+                <a:spcPts val="500"/>
+              </a:spcBef>
+              <a:buFont typeface="Arial" panose="020B0604020202020204" pitchFamily="34" charset="0"/>
+              <a:buChar char="•"/>
+              <a:defRPr sz="1800" kern="1200">
+                <a:solidFill>
+                  <a:schemeClr val="tx1"/>
+                </a:solidFill>
+                <a:latin typeface="+mn-lt"/>
+                <a:ea typeface="+mn-ea"/>
+                <a:cs typeface="+mn-cs"/>
+              </a:defRPr>
+            </a:lvl7pPr>
+            <a:lvl8pPr marL="3429000" indent="-228600" algn="l" defTabSz="914400" rtl="0" eaLnBrk="1" latinLnBrk="0" hangingPunct="1">
+              <a:lnSpc>
+                <a:spcPct val="90000"/>
+              </a:lnSpc>
+              <a:spcBef>
+                <a:spcPts val="500"/>
+              </a:spcBef>
+              <a:buFont typeface="Arial" panose="020B0604020202020204" pitchFamily="34" charset="0"/>
+              <a:buChar char="•"/>
+              <a:defRPr sz="1800" kern="1200">
+                <a:solidFill>
+                  <a:schemeClr val="tx1"/>
+                </a:solidFill>
+                <a:latin typeface="+mn-lt"/>
+                <a:ea typeface="+mn-ea"/>
+                <a:cs typeface="+mn-cs"/>
+              </a:defRPr>
+            </a:lvl8pPr>
+            <a:lvl9pPr marL="3886200" indent="-228600" algn="l" defTabSz="914400" rtl="0" eaLnBrk="1" latinLnBrk="0" hangingPunct="1">
+              <a:lnSpc>
+                <a:spcPct val="90000"/>
+              </a:lnSpc>
+              <a:spcBef>
+                <a:spcPts val="500"/>
+              </a:spcBef>
+              <a:buFont typeface="Arial" panose="020B0604020202020204" pitchFamily="34" charset="0"/>
+              <a:buChar char="•"/>
+              <a:defRPr sz="1800" kern="1200">
+                <a:solidFill>
+                  <a:schemeClr val="tx1"/>
+                </a:solidFill>
+                <a:latin typeface="+mn-lt"/>
+                <a:ea typeface="+mn-ea"/>
+                <a:cs typeface="+mn-cs"/>
+              </a:defRPr>
+            </a:lvl9pPr>
+          </a:lstStyle>
+          <a:p>
+            <a:pPr marL="0" indent="0">
+              <a:lnSpc>
+                <a:spcPct val="100000"/>
+              </a:lnSpc>
+              <a:buFont typeface="Arial" panose="020B0604020202020204" pitchFamily="34" charset="0"/>
+              <a:buNone/>
+            </a:pPr>
+            <a:r>
+              <a:rPr lang="pt-BR" sz="2600" dirty="0">
+                <a:solidFill>
+                  <a:srgbClr val="575756"/>
+                </a:solidFill>
+                <a:latin typeface="Asap" panose="00000500000000000000" pitchFamily="2" charset="0"/>
+              </a:rPr>
+              <a:t> </a:t>
+            </a:r>
+          </a:p>
+        </p:txBody>
+      </p:sp>
+      <p:sp>
+        <p:nvSpPr>
+          <p:cNvPr id="2" name="AutoShape 2" descr="Diagram of bounded contexts">
+            <a:extLst>
+              <a:ext uri="{FF2B5EF4-FFF2-40B4-BE49-F238E27FC236}">
+                <a16:creationId xmlns:a16="http://schemas.microsoft.com/office/drawing/2014/main" id="{F19AE2D8-9601-3870-93B4-3B01BF93D535}"/>
+              </a:ext>
+            </a:extLst>
+          </p:cNvPr>
+          <p:cNvSpPr>
+            <a:spLocks noChangeAspect="1" noChangeArrowheads="1"/>
+          </p:cNvSpPr>
+          <p:nvPr/>
+        </p:nvSpPr>
+        <p:spPr bwMode="auto">
+          <a:xfrm>
+            <a:off x="5943600" y="3276600"/>
+            <a:ext cx="304800" cy="304800"/>
+          </a:xfrm>
+          <a:prstGeom prst="rect">
+            <a:avLst/>
+          </a:prstGeom>
+          <a:noFill/>
+          <a:extLst>
+            <a:ext uri="{909E8E84-426E-40DD-AFC4-6F175D3DCCD1}">
+              <a14:hiddenFill xmlns:a14="http://schemas.microsoft.com/office/drawing/2010/main">
+                <a:solidFill>
+                  <a:srgbClr val="FFFFFF"/>
+                </a:solidFill>
+              </a14:hiddenFill>
+            </a:ext>
+          </a:extLst>
+        </p:spPr>
+        <p:txBody>
+          <a:bodyPr vert="horz" wrap="square" lIns="91440" tIns="45720" rIns="91440" bIns="45720" numCol="1" anchor="t" anchorCtr="0" compatLnSpc="1">
+            <a:prstTxWarp prst="textNoShape">
+              <a:avLst/>
+            </a:prstTxWarp>
+          </a:bodyPr>
+          <a:lstStyle/>
+          <a:p>
+            <a:endParaRPr lang="pt-BR"/>
+          </a:p>
+        </p:txBody>
+      </p:sp>
+    </p:spTree>
+    <p:extLst>
+      <p:ext uri="{BB962C8B-B14F-4D97-AF65-F5344CB8AC3E}">
+        <p14:creationId xmlns:p14="http://schemas.microsoft.com/office/powerpoint/2010/main" val="3368937265"/>
+      </p:ext>
+    </p:extLst>
+  </p:cSld>
+  <p:clrMapOvr>
+    <a:masterClrMapping/>
+  </p:clrMapOvr>
+</p:sld>
+</file>
+
 <file path=ppt/slides/slide9.xml><?xml version="1.0" encoding="utf-8"?>
 <p:sld xmlns:a="http://schemas.openxmlformats.org/drawingml/2006/main" xmlns:r="http://schemas.openxmlformats.org/officeDocument/2006/relationships" xmlns:p="http://schemas.openxmlformats.org/presentationml/2006/main">
   <p:cSld>
@@ -12080,45 +15992,685 @@
           <a:chExt cx="0" cy="0"/>
         </a:xfrm>
       </p:grpSpPr>
-      <p:pic>
-        <p:nvPicPr>
-          <p:cNvPr id="5" name="Imagem 4">
+      <p:sp>
+        <p:nvSpPr>
+          <p:cNvPr id="3" name="Espaço Reservado para Conteúdo 2">
             <a:extLst>
               <a:ext uri="{FF2B5EF4-FFF2-40B4-BE49-F238E27FC236}">
-                <a16:creationId xmlns:a16="http://schemas.microsoft.com/office/drawing/2014/main" id="{84D71492-638A-487D-8EE9-9C007E9C50DC}"/>
+                <a16:creationId xmlns:a16="http://schemas.microsoft.com/office/drawing/2014/main" id="{40381986-94CF-4578-8578-5FEC2FA85378}"/>
               </a:ext>
             </a:extLst>
           </p:cNvPr>
-          <p:cNvPicPr>
-            <a:picLocks noChangeAspect="1"/>
-          </p:cNvPicPr>
-          <p:nvPr/>
-        </p:nvPicPr>
-        <p:blipFill>
-          <a:blip r:embed="rId2">
+          <p:cNvSpPr>
+            <a:spLocks noGrp="1"/>
+          </p:cNvSpPr>
+          <p:nvPr>
+            <p:ph idx="1"/>
+          </p:nvPr>
+        </p:nvSpPr>
+        <p:spPr>
+          <a:xfrm>
+            <a:off x="4135772" y="1227364"/>
+            <a:ext cx="6715489" cy="4403272"/>
+          </a:xfrm>
+        </p:spPr>
+        <p:txBody>
+          <a:bodyPr>
+            <a:normAutofit/>
+          </a:bodyPr>
+          <a:lstStyle/>
+          <a:p>
+            <a:pPr marL="342900" indent="-342900" algn="just">
+              <a:lnSpc>
+                <a:spcPct val="100000"/>
+              </a:lnSpc>
+              <a:buFont typeface="+mj-lt"/>
+              <a:buAutoNum type="arabicPeriod"/>
+            </a:pPr>
+            <a:endParaRPr lang="pt-BR" sz="1600" dirty="0">
+              <a:solidFill>
+                <a:srgbClr val="575756"/>
+              </a:solidFill>
+              <a:latin typeface="Asap" panose="00000500000000000000"/>
+            </a:endParaRPr>
+          </a:p>
+          <a:p>
+            <a:pPr algn="just">
+              <a:lnSpc>
+                <a:spcPct val="100000"/>
+              </a:lnSpc>
+            </a:pPr>
+            <a:endParaRPr lang="pt-BR" sz="1600" dirty="0">
+              <a:solidFill>
+                <a:srgbClr val="575756"/>
+              </a:solidFill>
+              <a:latin typeface="Asap" panose="00000500000000000000"/>
+            </a:endParaRPr>
+          </a:p>
+        </p:txBody>
+      </p:sp>
+      <p:sp>
+        <p:nvSpPr>
+          <p:cNvPr id="6" name="Título 1">
             <a:extLst>
-              <a:ext uri="{28A0092B-C50C-407E-A947-70E740481C1C}">
-                <a14:useLocalDpi xmlns:a14="http://schemas.microsoft.com/office/drawing/2010/main" val="0"/>
+              <a:ext uri="{FF2B5EF4-FFF2-40B4-BE49-F238E27FC236}">
+                <a16:creationId xmlns:a16="http://schemas.microsoft.com/office/drawing/2014/main" id="{29506E41-E78A-4624-9442-2C05FCDFFDD1}"/>
               </a:ext>
             </a:extLst>
-          </a:blip>
-          <a:srcRect/>
-          <a:stretch/>
-        </p:blipFill>
+          </p:cNvPr>
+          <p:cNvSpPr txBox="1">
+            <a:spLocks/>
+          </p:cNvSpPr>
+          <p:nvPr/>
+        </p:nvSpPr>
         <p:spPr>
           <a:xfrm>
-            <a:off x="593" y="0"/>
-            <a:ext cx="12190814" cy="6858000"/>
+            <a:off x="461770" y="1379764"/>
+            <a:ext cx="3423406" cy="2780051"/>
           </a:xfrm>
           <a:prstGeom prst="rect">
             <a:avLst/>
           </a:prstGeom>
         </p:spPr>
-      </p:pic>
+        <p:txBody>
+          <a:bodyPr vert="horz" lIns="91440" tIns="45720" rIns="91440" bIns="45720" rtlCol="0" anchor="ctr">
+            <a:normAutofit fontScale="97500"/>
+          </a:bodyPr>
+          <a:lstStyle>
+            <a:lvl1pPr algn="l" defTabSz="914400" rtl="0" eaLnBrk="1" latinLnBrk="0" hangingPunct="1">
+              <a:lnSpc>
+                <a:spcPct val="90000"/>
+              </a:lnSpc>
+              <a:spcBef>
+                <a:spcPct val="0"/>
+              </a:spcBef>
+              <a:buNone/>
+              <a:defRPr sz="4400" kern="1200">
+                <a:solidFill>
+                  <a:schemeClr val="tx1"/>
+                </a:solidFill>
+                <a:latin typeface="+mj-lt"/>
+                <a:ea typeface="+mj-ea"/>
+                <a:cs typeface="+mj-cs"/>
+              </a:defRPr>
+            </a:lvl1pPr>
+          </a:lstStyle>
+          <a:p>
+            <a:r>
+              <a:rPr lang="pt-BR" b="1" dirty="0">
+                <a:solidFill>
+                  <a:srgbClr val="22438A"/>
+                </a:solidFill>
+                <a:latin typeface="Asap" panose="00000500000000000000"/>
+              </a:rPr>
+              <a:t>O que é</a:t>
+            </a:r>
+          </a:p>
+          <a:p>
+            <a:r>
+              <a:rPr lang="pt-BR" b="1" dirty="0">
+                <a:solidFill>
+                  <a:srgbClr val="22438A"/>
+                </a:solidFill>
+                <a:latin typeface="Asap" panose="00000500000000000000"/>
+              </a:rPr>
+              <a:t>DDD ?</a:t>
+            </a:r>
+          </a:p>
+        </p:txBody>
+      </p:sp>
+      <p:sp>
+        <p:nvSpPr>
+          <p:cNvPr id="5" name="Espaço Reservado para Conteúdo 2">
+            <a:extLst>
+              <a:ext uri="{FF2B5EF4-FFF2-40B4-BE49-F238E27FC236}">
+                <a16:creationId xmlns:a16="http://schemas.microsoft.com/office/drawing/2014/main" id="{298CF56C-531D-456B-926E-E1934EBBFA79}"/>
+              </a:ext>
+            </a:extLst>
+          </p:cNvPr>
+          <p:cNvSpPr txBox="1">
+            <a:spLocks/>
+          </p:cNvSpPr>
+          <p:nvPr/>
+        </p:nvSpPr>
+        <p:spPr>
+          <a:xfrm>
+            <a:off x="3885176" y="1430000"/>
+            <a:ext cx="7350904" cy="4403272"/>
+          </a:xfrm>
+          <a:prstGeom prst="rect">
+            <a:avLst/>
+          </a:prstGeom>
+        </p:spPr>
+        <p:txBody>
+          <a:bodyPr vert="horz" lIns="91440" tIns="45720" rIns="91440" bIns="45720" rtlCol="0">
+            <a:normAutofit/>
+          </a:bodyPr>
+          <a:lstStyle>
+            <a:lvl1pPr marL="228600" indent="-228600" algn="l" defTabSz="914400" rtl="0" eaLnBrk="1" latinLnBrk="0" hangingPunct="1">
+              <a:lnSpc>
+                <a:spcPct val="90000"/>
+              </a:lnSpc>
+              <a:spcBef>
+                <a:spcPts val="1000"/>
+              </a:spcBef>
+              <a:buFont typeface="Arial" panose="020B0604020202020204" pitchFamily="34" charset="0"/>
+              <a:buChar char="•"/>
+              <a:defRPr sz="2800" kern="1200">
+                <a:solidFill>
+                  <a:schemeClr val="tx1"/>
+                </a:solidFill>
+                <a:latin typeface="+mn-lt"/>
+                <a:ea typeface="+mn-ea"/>
+                <a:cs typeface="+mn-cs"/>
+              </a:defRPr>
+            </a:lvl1pPr>
+            <a:lvl2pPr marL="685800" indent="-228600" algn="l" defTabSz="914400" rtl="0" eaLnBrk="1" latinLnBrk="0" hangingPunct="1">
+              <a:lnSpc>
+                <a:spcPct val="90000"/>
+              </a:lnSpc>
+              <a:spcBef>
+                <a:spcPts val="500"/>
+              </a:spcBef>
+              <a:buFont typeface="Arial" panose="020B0604020202020204" pitchFamily="34" charset="0"/>
+              <a:buChar char="•"/>
+              <a:defRPr sz="2400" kern="1200">
+                <a:solidFill>
+                  <a:schemeClr val="tx1"/>
+                </a:solidFill>
+                <a:latin typeface="+mn-lt"/>
+                <a:ea typeface="+mn-ea"/>
+                <a:cs typeface="+mn-cs"/>
+              </a:defRPr>
+            </a:lvl2pPr>
+            <a:lvl3pPr marL="1143000" indent="-228600" algn="l" defTabSz="914400" rtl="0" eaLnBrk="1" latinLnBrk="0" hangingPunct="1">
+              <a:lnSpc>
+                <a:spcPct val="90000"/>
+              </a:lnSpc>
+              <a:spcBef>
+                <a:spcPts val="500"/>
+              </a:spcBef>
+              <a:buFont typeface="Arial" panose="020B0604020202020204" pitchFamily="34" charset="0"/>
+              <a:buChar char="•"/>
+              <a:defRPr sz="2000" kern="1200">
+                <a:solidFill>
+                  <a:schemeClr val="tx1"/>
+                </a:solidFill>
+                <a:latin typeface="+mn-lt"/>
+                <a:ea typeface="+mn-ea"/>
+                <a:cs typeface="+mn-cs"/>
+              </a:defRPr>
+            </a:lvl3pPr>
+            <a:lvl4pPr marL="1600200" indent="-228600" algn="l" defTabSz="914400" rtl="0" eaLnBrk="1" latinLnBrk="0" hangingPunct="1">
+              <a:lnSpc>
+                <a:spcPct val="90000"/>
+              </a:lnSpc>
+              <a:spcBef>
+                <a:spcPts val="500"/>
+              </a:spcBef>
+              <a:buFont typeface="Arial" panose="020B0604020202020204" pitchFamily="34" charset="0"/>
+              <a:buChar char="•"/>
+              <a:defRPr sz="1800" kern="1200">
+                <a:solidFill>
+                  <a:schemeClr val="tx1"/>
+                </a:solidFill>
+                <a:latin typeface="+mn-lt"/>
+                <a:ea typeface="+mn-ea"/>
+                <a:cs typeface="+mn-cs"/>
+              </a:defRPr>
+            </a:lvl4pPr>
+            <a:lvl5pPr marL="2057400" indent="-228600" algn="l" defTabSz="914400" rtl="0" eaLnBrk="1" latinLnBrk="0" hangingPunct="1">
+              <a:lnSpc>
+                <a:spcPct val="90000"/>
+              </a:lnSpc>
+              <a:spcBef>
+                <a:spcPts val="500"/>
+              </a:spcBef>
+              <a:buFont typeface="Arial" panose="020B0604020202020204" pitchFamily="34" charset="0"/>
+              <a:buChar char="•"/>
+              <a:defRPr sz="1800" kern="1200">
+                <a:solidFill>
+                  <a:schemeClr val="tx1"/>
+                </a:solidFill>
+                <a:latin typeface="+mn-lt"/>
+                <a:ea typeface="+mn-ea"/>
+                <a:cs typeface="+mn-cs"/>
+              </a:defRPr>
+            </a:lvl5pPr>
+            <a:lvl6pPr marL="2514600" indent="-228600" algn="l" defTabSz="914400" rtl="0" eaLnBrk="1" latinLnBrk="0" hangingPunct="1">
+              <a:lnSpc>
+                <a:spcPct val="90000"/>
+              </a:lnSpc>
+              <a:spcBef>
+                <a:spcPts val="500"/>
+              </a:spcBef>
+              <a:buFont typeface="Arial" panose="020B0604020202020204" pitchFamily="34" charset="0"/>
+              <a:buChar char="•"/>
+              <a:defRPr sz="1800" kern="1200">
+                <a:solidFill>
+                  <a:schemeClr val="tx1"/>
+                </a:solidFill>
+                <a:latin typeface="+mn-lt"/>
+                <a:ea typeface="+mn-ea"/>
+                <a:cs typeface="+mn-cs"/>
+              </a:defRPr>
+            </a:lvl6pPr>
+            <a:lvl7pPr marL="2971800" indent="-228600" algn="l" defTabSz="914400" rtl="0" eaLnBrk="1" latinLnBrk="0" hangingPunct="1">
+              <a:lnSpc>
+                <a:spcPct val="90000"/>
+              </a:lnSpc>
+              <a:spcBef>
+                <a:spcPts val="500"/>
+              </a:spcBef>
+              <a:buFont typeface="Arial" panose="020B0604020202020204" pitchFamily="34" charset="0"/>
+              <a:buChar char="•"/>
+              <a:defRPr sz="1800" kern="1200">
+                <a:solidFill>
+                  <a:schemeClr val="tx1"/>
+                </a:solidFill>
+                <a:latin typeface="+mn-lt"/>
+                <a:ea typeface="+mn-ea"/>
+                <a:cs typeface="+mn-cs"/>
+              </a:defRPr>
+            </a:lvl7pPr>
+            <a:lvl8pPr marL="3429000" indent="-228600" algn="l" defTabSz="914400" rtl="0" eaLnBrk="1" latinLnBrk="0" hangingPunct="1">
+              <a:lnSpc>
+                <a:spcPct val="90000"/>
+              </a:lnSpc>
+              <a:spcBef>
+                <a:spcPts val="500"/>
+              </a:spcBef>
+              <a:buFont typeface="Arial" panose="020B0604020202020204" pitchFamily="34" charset="0"/>
+              <a:buChar char="•"/>
+              <a:defRPr sz="1800" kern="1200">
+                <a:solidFill>
+                  <a:schemeClr val="tx1"/>
+                </a:solidFill>
+                <a:latin typeface="+mn-lt"/>
+                <a:ea typeface="+mn-ea"/>
+                <a:cs typeface="+mn-cs"/>
+              </a:defRPr>
+            </a:lvl8pPr>
+            <a:lvl9pPr marL="3886200" indent="-228600" algn="l" defTabSz="914400" rtl="0" eaLnBrk="1" latinLnBrk="0" hangingPunct="1">
+              <a:lnSpc>
+                <a:spcPct val="90000"/>
+              </a:lnSpc>
+              <a:spcBef>
+                <a:spcPts val="500"/>
+              </a:spcBef>
+              <a:buFont typeface="Arial" panose="020B0604020202020204" pitchFamily="34" charset="0"/>
+              <a:buChar char="•"/>
+              <a:defRPr sz="1800" kern="1200">
+                <a:solidFill>
+                  <a:schemeClr val="tx1"/>
+                </a:solidFill>
+                <a:latin typeface="+mn-lt"/>
+                <a:ea typeface="+mn-ea"/>
+                <a:cs typeface="+mn-cs"/>
+              </a:defRPr>
+            </a:lvl9pPr>
+          </a:lstStyle>
+          <a:p>
+            <a:pPr marL="0" indent="0">
+              <a:lnSpc>
+                <a:spcPct val="100000"/>
+              </a:lnSpc>
+              <a:buFont typeface="Arial" panose="020B0604020202020204" pitchFamily="34" charset="0"/>
+              <a:buNone/>
+            </a:pPr>
+            <a:r>
+              <a:rPr lang="pt-BR" sz="2600" dirty="0">
+                <a:solidFill>
+                  <a:srgbClr val="575756"/>
+                </a:solidFill>
+                <a:latin typeface="Asap" panose="00000500000000000000"/>
+              </a:rPr>
+              <a:t> </a:t>
+            </a:r>
+          </a:p>
+        </p:txBody>
+      </p:sp>
+      <p:sp>
+        <p:nvSpPr>
+          <p:cNvPr id="4" name="Espaço Reservado para Conteúdo 2">
+            <a:extLst>
+              <a:ext uri="{FF2B5EF4-FFF2-40B4-BE49-F238E27FC236}">
+                <a16:creationId xmlns:a16="http://schemas.microsoft.com/office/drawing/2014/main" id="{3F4CFD3E-432F-B27A-422E-1C1A67BCFA32}"/>
+              </a:ext>
+            </a:extLst>
+          </p:cNvPr>
+          <p:cNvSpPr txBox="1">
+            <a:spLocks/>
+          </p:cNvSpPr>
+          <p:nvPr/>
+        </p:nvSpPr>
+        <p:spPr>
+          <a:xfrm>
+            <a:off x="4288172" y="1379764"/>
+            <a:ext cx="6715489" cy="4403272"/>
+          </a:xfrm>
+          <a:prstGeom prst="rect">
+            <a:avLst/>
+          </a:prstGeom>
+        </p:spPr>
+        <p:txBody>
+          <a:bodyPr vert="horz" lIns="91440" tIns="45720" rIns="91440" bIns="45720" rtlCol="0">
+            <a:normAutofit/>
+          </a:bodyPr>
+          <a:lstStyle>
+            <a:lvl1pPr marL="228600" indent="-228600" algn="l" defTabSz="914400" rtl="0" eaLnBrk="1" latinLnBrk="0" hangingPunct="1">
+              <a:lnSpc>
+                <a:spcPct val="90000"/>
+              </a:lnSpc>
+              <a:spcBef>
+                <a:spcPts val="1000"/>
+              </a:spcBef>
+              <a:buFont typeface="Arial" panose="020B0604020202020204" pitchFamily="34" charset="0"/>
+              <a:buChar char="•"/>
+              <a:defRPr sz="2800" kern="1200">
+                <a:solidFill>
+                  <a:schemeClr val="tx1"/>
+                </a:solidFill>
+                <a:latin typeface="+mn-lt"/>
+                <a:ea typeface="+mn-ea"/>
+                <a:cs typeface="+mn-cs"/>
+              </a:defRPr>
+            </a:lvl1pPr>
+            <a:lvl2pPr marL="685800" indent="-228600" algn="l" defTabSz="914400" rtl="0" eaLnBrk="1" latinLnBrk="0" hangingPunct="1">
+              <a:lnSpc>
+                <a:spcPct val="90000"/>
+              </a:lnSpc>
+              <a:spcBef>
+                <a:spcPts val="500"/>
+              </a:spcBef>
+              <a:buFont typeface="Arial" panose="020B0604020202020204" pitchFamily="34" charset="0"/>
+              <a:buChar char="•"/>
+              <a:defRPr sz="2400" kern="1200">
+                <a:solidFill>
+                  <a:schemeClr val="tx1"/>
+                </a:solidFill>
+                <a:latin typeface="+mn-lt"/>
+                <a:ea typeface="+mn-ea"/>
+                <a:cs typeface="+mn-cs"/>
+              </a:defRPr>
+            </a:lvl2pPr>
+            <a:lvl3pPr marL="1143000" indent="-228600" algn="l" defTabSz="914400" rtl="0" eaLnBrk="1" latinLnBrk="0" hangingPunct="1">
+              <a:lnSpc>
+                <a:spcPct val="90000"/>
+              </a:lnSpc>
+              <a:spcBef>
+                <a:spcPts val="500"/>
+              </a:spcBef>
+              <a:buFont typeface="Arial" panose="020B0604020202020204" pitchFamily="34" charset="0"/>
+              <a:buChar char="•"/>
+              <a:defRPr sz="2000" kern="1200">
+                <a:solidFill>
+                  <a:schemeClr val="tx1"/>
+                </a:solidFill>
+                <a:latin typeface="+mn-lt"/>
+                <a:ea typeface="+mn-ea"/>
+                <a:cs typeface="+mn-cs"/>
+              </a:defRPr>
+            </a:lvl3pPr>
+            <a:lvl4pPr marL="1600200" indent="-228600" algn="l" defTabSz="914400" rtl="0" eaLnBrk="1" latinLnBrk="0" hangingPunct="1">
+              <a:lnSpc>
+                <a:spcPct val="90000"/>
+              </a:lnSpc>
+              <a:spcBef>
+                <a:spcPts val="500"/>
+              </a:spcBef>
+              <a:buFont typeface="Arial" panose="020B0604020202020204" pitchFamily="34" charset="0"/>
+              <a:buChar char="•"/>
+              <a:defRPr sz="1800" kern="1200">
+                <a:solidFill>
+                  <a:schemeClr val="tx1"/>
+                </a:solidFill>
+                <a:latin typeface="+mn-lt"/>
+                <a:ea typeface="+mn-ea"/>
+                <a:cs typeface="+mn-cs"/>
+              </a:defRPr>
+            </a:lvl4pPr>
+            <a:lvl5pPr marL="2057400" indent="-228600" algn="l" defTabSz="914400" rtl="0" eaLnBrk="1" latinLnBrk="0" hangingPunct="1">
+              <a:lnSpc>
+                <a:spcPct val="90000"/>
+              </a:lnSpc>
+              <a:spcBef>
+                <a:spcPts val="500"/>
+              </a:spcBef>
+              <a:buFont typeface="Arial" panose="020B0604020202020204" pitchFamily="34" charset="0"/>
+              <a:buChar char="•"/>
+              <a:defRPr sz="1800" kern="1200">
+                <a:solidFill>
+                  <a:schemeClr val="tx1"/>
+                </a:solidFill>
+                <a:latin typeface="+mn-lt"/>
+                <a:ea typeface="+mn-ea"/>
+                <a:cs typeface="+mn-cs"/>
+              </a:defRPr>
+            </a:lvl5pPr>
+            <a:lvl6pPr marL="2514600" indent="-228600" algn="l" defTabSz="914400" rtl="0" eaLnBrk="1" latinLnBrk="0" hangingPunct="1">
+              <a:lnSpc>
+                <a:spcPct val="90000"/>
+              </a:lnSpc>
+              <a:spcBef>
+                <a:spcPts val="500"/>
+              </a:spcBef>
+              <a:buFont typeface="Arial" panose="020B0604020202020204" pitchFamily="34" charset="0"/>
+              <a:buChar char="•"/>
+              <a:defRPr sz="1800" kern="1200">
+                <a:solidFill>
+                  <a:schemeClr val="tx1"/>
+                </a:solidFill>
+                <a:latin typeface="+mn-lt"/>
+                <a:ea typeface="+mn-ea"/>
+                <a:cs typeface="+mn-cs"/>
+              </a:defRPr>
+            </a:lvl6pPr>
+            <a:lvl7pPr marL="2971800" indent="-228600" algn="l" defTabSz="914400" rtl="0" eaLnBrk="1" latinLnBrk="0" hangingPunct="1">
+              <a:lnSpc>
+                <a:spcPct val="90000"/>
+              </a:lnSpc>
+              <a:spcBef>
+                <a:spcPts val="500"/>
+              </a:spcBef>
+              <a:buFont typeface="Arial" panose="020B0604020202020204" pitchFamily="34" charset="0"/>
+              <a:buChar char="•"/>
+              <a:defRPr sz="1800" kern="1200">
+                <a:solidFill>
+                  <a:schemeClr val="tx1"/>
+                </a:solidFill>
+                <a:latin typeface="+mn-lt"/>
+                <a:ea typeface="+mn-ea"/>
+                <a:cs typeface="+mn-cs"/>
+              </a:defRPr>
+            </a:lvl7pPr>
+            <a:lvl8pPr marL="3429000" indent="-228600" algn="l" defTabSz="914400" rtl="0" eaLnBrk="1" latinLnBrk="0" hangingPunct="1">
+              <a:lnSpc>
+                <a:spcPct val="90000"/>
+              </a:lnSpc>
+              <a:spcBef>
+                <a:spcPts val="500"/>
+              </a:spcBef>
+              <a:buFont typeface="Arial" panose="020B0604020202020204" pitchFamily="34" charset="0"/>
+              <a:buChar char="•"/>
+              <a:defRPr sz="1800" kern="1200">
+                <a:solidFill>
+                  <a:schemeClr val="tx1"/>
+                </a:solidFill>
+                <a:latin typeface="+mn-lt"/>
+                <a:ea typeface="+mn-ea"/>
+                <a:cs typeface="+mn-cs"/>
+              </a:defRPr>
+            </a:lvl8pPr>
+            <a:lvl9pPr marL="3886200" indent="-228600" algn="l" defTabSz="914400" rtl="0" eaLnBrk="1" latinLnBrk="0" hangingPunct="1">
+              <a:lnSpc>
+                <a:spcPct val="90000"/>
+              </a:lnSpc>
+              <a:spcBef>
+                <a:spcPts val="500"/>
+              </a:spcBef>
+              <a:buFont typeface="Arial" panose="020B0604020202020204" pitchFamily="34" charset="0"/>
+              <a:buChar char="•"/>
+              <a:defRPr sz="1800" kern="1200">
+                <a:solidFill>
+                  <a:schemeClr val="tx1"/>
+                </a:solidFill>
+                <a:latin typeface="+mn-lt"/>
+                <a:ea typeface="+mn-ea"/>
+                <a:cs typeface="+mn-cs"/>
+              </a:defRPr>
+            </a:lvl9pPr>
+          </a:lstStyle>
+          <a:p>
+            <a:pPr algn="just">
+              <a:lnSpc>
+                <a:spcPct val="100000"/>
+              </a:lnSpc>
+            </a:pPr>
+            <a:r>
+              <a:rPr lang="en-US" sz="1600" dirty="0">
+                <a:solidFill>
+                  <a:srgbClr val="575756"/>
+                </a:solidFill>
+                <a:latin typeface="Asap" panose="00000500000000000000"/>
+              </a:rPr>
+              <a:t> </a:t>
+            </a:r>
+            <a:r>
+              <a:rPr lang="pt-BR" sz="1600" dirty="0">
+                <a:solidFill>
+                  <a:srgbClr val="575756"/>
+                </a:solidFill>
+                <a:latin typeface="Asap" panose="00000500000000000000"/>
+              </a:rPr>
+              <a:t>A Domain-</a:t>
+            </a:r>
+            <a:r>
+              <a:rPr lang="pt-BR" sz="1600" dirty="0" err="1">
+                <a:solidFill>
+                  <a:srgbClr val="575756"/>
+                </a:solidFill>
+                <a:latin typeface="Asap" panose="00000500000000000000"/>
+              </a:rPr>
+              <a:t>Driven</a:t>
+            </a:r>
+            <a:r>
+              <a:rPr lang="pt-BR" sz="1600" dirty="0">
+                <a:solidFill>
+                  <a:srgbClr val="575756"/>
+                </a:solidFill>
+                <a:latin typeface="Asap" panose="00000500000000000000"/>
+              </a:rPr>
+              <a:t> Design, surgiu em meados de 2003 por Eric Evans, com principal ideia de atacar a complexidade no coração do software.</a:t>
+            </a:r>
+          </a:p>
+          <a:p>
+            <a:pPr algn="just">
+              <a:lnSpc>
+                <a:spcPct val="100000"/>
+              </a:lnSpc>
+            </a:pPr>
+            <a:r>
+              <a:rPr lang="pt-BR" sz="1600" dirty="0">
+                <a:solidFill>
+                  <a:srgbClr val="575756"/>
+                </a:solidFill>
+                <a:latin typeface="Asap" panose="00000500000000000000"/>
+              </a:rPr>
+              <a:t>Primeiro para entendemos o que significa complexidade no software, precisamos fazer uma formulazinha matemática:</a:t>
+            </a:r>
+          </a:p>
+          <a:p>
+            <a:pPr algn="just">
+              <a:lnSpc>
+                <a:spcPct val="100000"/>
+              </a:lnSpc>
+            </a:pPr>
+            <a:r>
+              <a:rPr lang="pt-BR" sz="1600" b="1" dirty="0">
+                <a:solidFill>
+                  <a:srgbClr val="575756"/>
+                </a:solidFill>
+                <a:latin typeface="Asap" panose="00000500000000000000"/>
+              </a:rPr>
+              <a:t>Complexidade do Domínio + Complexidade do Legado + Complexidade da Solução técnica = Complexidade do Software;</a:t>
+            </a:r>
+          </a:p>
+          <a:p>
+            <a:pPr algn="just">
+              <a:lnSpc>
+                <a:spcPct val="100000"/>
+              </a:lnSpc>
+            </a:pPr>
+            <a:endParaRPr lang="pt-BR" sz="1600" dirty="0">
+              <a:solidFill>
+                <a:srgbClr val="575756"/>
+              </a:solidFill>
+              <a:latin typeface="Asap" panose="00000500000000000000"/>
+            </a:endParaRPr>
+          </a:p>
+        </p:txBody>
+      </p:sp>
+      <p:sp>
+        <p:nvSpPr>
+          <p:cNvPr id="2" name="Retângulo 1">
+            <a:extLst>
+              <a:ext uri="{FF2B5EF4-FFF2-40B4-BE49-F238E27FC236}">
+                <a16:creationId xmlns:a16="http://schemas.microsoft.com/office/drawing/2014/main" id="{45139F0F-FDDE-901B-9F9D-CD9FF75DC6B9}"/>
+              </a:ext>
+            </a:extLst>
+          </p:cNvPr>
+          <p:cNvSpPr/>
+          <p:nvPr/>
+        </p:nvSpPr>
+        <p:spPr>
+          <a:xfrm>
+            <a:off x="4215022" y="2553418"/>
+            <a:ext cx="7021058" cy="707367"/>
+          </a:xfrm>
+          <a:prstGeom prst="rect">
+            <a:avLst/>
+          </a:prstGeom>
+          <a:noFill/>
+          <a:ln w="9525" cap="flat" cmpd="sng" algn="ctr">
+            <a:solidFill>
+              <a:schemeClr val="accent1"/>
+            </a:solidFill>
+            <a:prstDash val="solid"/>
+            <a:round/>
+            <a:headEnd type="none" w="med" len="med"/>
+            <a:tailEnd type="none" w="med" len="med"/>
+          </a:ln>
+        </p:spPr>
+        <p:style>
+          <a:lnRef idx="0">
+            <a:scrgbClr r="0" g="0" b="0"/>
+          </a:lnRef>
+          <a:fillRef idx="0">
+            <a:scrgbClr r="0" g="0" b="0"/>
+          </a:fillRef>
+          <a:effectRef idx="0">
+            <a:scrgbClr r="0" g="0" b="0"/>
+          </a:effectRef>
+          <a:fontRef idx="minor">
+            <a:schemeClr val="accent1"/>
+          </a:fontRef>
+        </p:style>
+        <p:txBody>
+          <a:bodyPr rtlCol="0" anchor="ctr"/>
+          <a:lstStyle/>
+          <a:p>
+            <a:pPr algn="ctr"/>
+            <a:endParaRPr lang="pt-BR">
+              <a:latin typeface="Asap" panose="00000500000000000000"/>
+            </a:endParaRPr>
+          </a:p>
+        </p:txBody>
+      </p:sp>
     </p:spTree>
     <p:extLst>
       <p:ext uri="{BB962C8B-B14F-4D97-AF65-F5344CB8AC3E}">
-        <p14:creationId xmlns:p14="http://schemas.microsoft.com/office/powerpoint/2010/main" val="349006579"/>
+        <p14:creationId xmlns:p14="http://schemas.microsoft.com/office/powerpoint/2010/main" val="4138087181"/>
       </p:ext>
     </p:extLst>
   </p:cSld>

--- a/docs/treinamento-estagiarios-five.pptx
+++ b/docs/treinamento-estagiarios-five.pptx
@@ -3325,6 +3325,969 @@
 </p:notesMaster>
 </file>
 
+<file path=ppt/notesSlides/notesSlide1.xml><?xml version="1.0" encoding="utf-8"?>
+<p:notes xmlns:a="http://schemas.openxmlformats.org/drawingml/2006/main" xmlns:r="http://schemas.openxmlformats.org/officeDocument/2006/relationships" xmlns:p="http://schemas.openxmlformats.org/presentationml/2006/main">
+  <p:cSld>
+    <p:spTree>
+      <p:nvGrpSpPr>
+        <p:cNvPr id="1" name=""/>
+        <p:cNvGrpSpPr/>
+        <p:nvPr/>
+      </p:nvGrpSpPr>
+      <p:grpSpPr>
+        <a:xfrm>
+          <a:off x="0" y="0"/>
+          <a:ext cx="0" cy="0"/>
+          <a:chOff x="0" y="0"/>
+          <a:chExt cx="0" cy="0"/>
+        </a:xfrm>
+      </p:grpSpPr>
+      <p:sp>
+        <p:nvSpPr>
+          <p:cNvPr id="2" name="Espaço Reservado para Imagem de Slide 1"/>
+          <p:cNvSpPr>
+            <a:spLocks noGrp="1" noRot="1" noChangeAspect="1"/>
+          </p:cNvSpPr>
+          <p:nvPr>
+            <p:ph type="sldImg"/>
+          </p:nvPr>
+        </p:nvSpPr>
+        <p:spPr/>
+      </p:sp>
+      <p:sp>
+        <p:nvSpPr>
+          <p:cNvPr id="3" name="Espaço Reservado para Anotações 2"/>
+          <p:cNvSpPr>
+            <a:spLocks noGrp="1"/>
+          </p:cNvSpPr>
+          <p:nvPr>
+            <p:ph type="body" idx="1"/>
+          </p:nvPr>
+        </p:nvSpPr>
+        <p:spPr/>
+        <p:txBody>
+          <a:bodyPr/>
+          <a:lstStyle/>
+          <a:p>
+            <a:pPr marL="342900" indent="-342900" algn="just">
+              <a:lnSpc>
+                <a:spcPct val="100000"/>
+              </a:lnSpc>
+              <a:buFont typeface="+mj-lt"/>
+              <a:buAutoNum type="arabicPeriod"/>
+            </a:pPr>
+            <a:r>
+              <a:rPr lang="pt-BR" sz="1200" b="1" i="0" dirty="0">
+                <a:solidFill>
+                  <a:srgbClr val="575756"/>
+                </a:solidFill>
+                <a:effectLst/>
+                <a:latin typeface="Asap" panose="00000500000000000000"/>
+              </a:rPr>
+              <a:t>S — Single </a:t>
+            </a:r>
+            <a:r>
+              <a:rPr lang="pt-BR" sz="1200" b="1" i="0" dirty="0" err="1">
+                <a:solidFill>
+                  <a:srgbClr val="575756"/>
+                </a:solidFill>
+                <a:effectLst/>
+                <a:latin typeface="Asap" panose="00000500000000000000"/>
+              </a:rPr>
+              <a:t>Responsiblity</a:t>
+            </a:r>
+            <a:r>
+              <a:rPr lang="pt-BR" sz="1200" b="1" i="0" dirty="0">
+                <a:solidFill>
+                  <a:srgbClr val="575756"/>
+                </a:solidFill>
+                <a:effectLst/>
+                <a:latin typeface="Asap" panose="00000500000000000000"/>
+              </a:rPr>
+              <a:t> </a:t>
+            </a:r>
+            <a:r>
+              <a:rPr lang="pt-BR" sz="1200" b="1" i="0" dirty="0" err="1">
+                <a:solidFill>
+                  <a:srgbClr val="575756"/>
+                </a:solidFill>
+                <a:effectLst/>
+                <a:latin typeface="Asap" panose="00000500000000000000"/>
+              </a:rPr>
+              <a:t>Principle</a:t>
+            </a:r>
+            <a:r>
+              <a:rPr lang="pt-BR" sz="1200" b="1" i="0" dirty="0">
+                <a:solidFill>
+                  <a:srgbClr val="575756"/>
+                </a:solidFill>
+                <a:effectLst/>
+                <a:latin typeface="Asap" panose="00000500000000000000"/>
+              </a:rPr>
+              <a:t> </a:t>
+            </a:r>
+            <a:r>
+              <a:rPr lang="pt-BR" sz="1200" b="0" i="0" dirty="0">
+                <a:solidFill>
+                  <a:srgbClr val="575756"/>
+                </a:solidFill>
+                <a:effectLst/>
+                <a:latin typeface="Asap" panose="00000500000000000000"/>
+              </a:rPr>
+              <a:t>(Princípio da responsabilidade única)</a:t>
+            </a:r>
+          </a:p>
+          <a:p>
+            <a:pPr marL="1257300" lvl="2" indent="-342900" algn="just">
+              <a:lnSpc>
+                <a:spcPct val="100000"/>
+              </a:lnSpc>
+              <a:buFont typeface="Arial" panose="020B0604020202020204" pitchFamily="34" charset="0"/>
+              <a:buChar char="•"/>
+            </a:pPr>
+            <a:r>
+              <a:rPr lang="pt-BR" b="0" i="1" dirty="0">
+                <a:solidFill>
+                  <a:srgbClr val="292929"/>
+                </a:solidFill>
+                <a:effectLst/>
+                <a:latin typeface="source-serif-pro"/>
+              </a:rPr>
+              <a:t>“Uma classe deve ter apenas um motivo para mudar</a:t>
+            </a:r>
+            <a:r>
+              <a:rPr lang="pt-BR" b="0" i="0" dirty="0">
+                <a:solidFill>
+                  <a:srgbClr val="575756"/>
+                </a:solidFill>
+                <a:effectLst/>
+                <a:latin typeface="Asap" panose="00000500000000000000"/>
+              </a:rPr>
+              <a:t>”.</a:t>
+            </a:r>
+          </a:p>
+          <a:p>
+            <a:pPr marL="1257300" lvl="2" indent="-342900" algn="just">
+              <a:lnSpc>
+                <a:spcPct val="100000"/>
+              </a:lnSpc>
+              <a:buFont typeface="Arial" panose="020B0604020202020204" pitchFamily="34" charset="0"/>
+              <a:buChar char="•"/>
+            </a:pPr>
+            <a:r>
+              <a:rPr lang="pt-BR" b="0" i="0" dirty="0">
+                <a:solidFill>
+                  <a:srgbClr val="292929"/>
+                </a:solidFill>
+                <a:effectLst/>
+                <a:latin typeface="source-serif-pro"/>
+              </a:rPr>
+              <a:t>Basicamente, esse princípio trata especificamente a </a:t>
+            </a:r>
+            <a:r>
+              <a:rPr lang="pt-BR" b="1" i="0" dirty="0">
+                <a:solidFill>
+                  <a:srgbClr val="292929"/>
+                </a:solidFill>
+                <a:effectLst/>
+                <a:latin typeface="source-serif-pro"/>
+              </a:rPr>
+              <a:t>coesão</a:t>
+            </a:r>
+            <a:r>
+              <a:rPr lang="pt-BR" b="0" i="0" dirty="0">
+                <a:solidFill>
+                  <a:srgbClr val="292929"/>
+                </a:solidFill>
+                <a:effectLst/>
+                <a:latin typeface="source-serif-pro"/>
+              </a:rPr>
+              <a:t>. A coesão é definida como a afinidade funcional dos elementos de um módulo. Se refere ao relacionamento que os membros desse módulo possuem, se possuem uma relação mais direta e importante. Dessa forma, quanto mais bem definido o que sua classe faz, mais coesa ela é.</a:t>
+            </a:r>
+            <a:endParaRPr lang="pt-BR" sz="1200" b="0" i="0" dirty="0">
+              <a:solidFill>
+                <a:srgbClr val="575756"/>
+              </a:solidFill>
+              <a:effectLst/>
+              <a:latin typeface="Asap" panose="00000500000000000000"/>
+            </a:endParaRPr>
+          </a:p>
+          <a:p>
+            <a:pPr marL="342900" indent="-342900" algn="just">
+              <a:lnSpc>
+                <a:spcPct val="100000"/>
+              </a:lnSpc>
+              <a:buFont typeface="+mj-lt"/>
+              <a:buAutoNum type="arabicPeriod"/>
+            </a:pPr>
+            <a:r>
+              <a:rPr lang="pt-BR" sz="1200" b="1" i="0" dirty="0">
+                <a:solidFill>
+                  <a:srgbClr val="575756"/>
+                </a:solidFill>
+                <a:effectLst/>
+                <a:latin typeface="Asap" panose="00000500000000000000"/>
+              </a:rPr>
+              <a:t>O — Open-</a:t>
+            </a:r>
+            <a:r>
+              <a:rPr lang="pt-BR" sz="1200" b="1" i="0" dirty="0" err="1">
+                <a:solidFill>
+                  <a:srgbClr val="575756"/>
+                </a:solidFill>
+                <a:effectLst/>
+                <a:latin typeface="Asap" panose="00000500000000000000"/>
+              </a:rPr>
+              <a:t>Closed</a:t>
+            </a:r>
+            <a:r>
+              <a:rPr lang="pt-BR" sz="1200" b="1" i="0" dirty="0">
+                <a:solidFill>
+                  <a:srgbClr val="575756"/>
+                </a:solidFill>
+                <a:effectLst/>
+                <a:latin typeface="Asap" panose="00000500000000000000"/>
+              </a:rPr>
+              <a:t> </a:t>
+            </a:r>
+            <a:r>
+              <a:rPr lang="pt-BR" sz="1200" b="1" i="0" dirty="0" err="1">
+                <a:solidFill>
+                  <a:srgbClr val="575756"/>
+                </a:solidFill>
+                <a:effectLst/>
+                <a:latin typeface="Asap" panose="00000500000000000000"/>
+              </a:rPr>
+              <a:t>Principle</a:t>
+            </a:r>
+            <a:r>
+              <a:rPr lang="pt-BR" sz="1200" b="1" i="0" dirty="0">
+                <a:solidFill>
+                  <a:srgbClr val="575756"/>
+                </a:solidFill>
+                <a:effectLst/>
+                <a:latin typeface="Asap" panose="00000500000000000000"/>
+              </a:rPr>
+              <a:t> </a:t>
+            </a:r>
+            <a:r>
+              <a:rPr lang="pt-BR" sz="1200" b="0" i="0" dirty="0">
+                <a:solidFill>
+                  <a:srgbClr val="575756"/>
+                </a:solidFill>
+                <a:effectLst/>
+                <a:latin typeface="Asap" panose="00000500000000000000"/>
+              </a:rPr>
+              <a:t>(Princípio aberto-fechado)</a:t>
+            </a:r>
+          </a:p>
+          <a:p>
+            <a:pPr marL="800100" lvl="1" indent="-342900" algn="just">
+              <a:lnSpc>
+                <a:spcPct val="100000"/>
+              </a:lnSpc>
+              <a:buFont typeface="Arial" panose="020B0604020202020204" pitchFamily="34" charset="0"/>
+              <a:buChar char="•"/>
+            </a:pPr>
+            <a:r>
+              <a:rPr lang="pt-BR" b="0" i="1" dirty="0">
+                <a:solidFill>
+                  <a:srgbClr val="292929"/>
+                </a:solidFill>
+                <a:effectLst/>
+                <a:latin typeface="source-serif-pro"/>
+              </a:rPr>
+              <a:t>“classes, módulos, funções etc. devem ser abertas para ampliação, mas fechadas para modificação”.</a:t>
+            </a:r>
+          </a:p>
+          <a:p>
+            <a:pPr marL="800100" lvl="1" indent="-342900" algn="just">
+              <a:lnSpc>
+                <a:spcPct val="100000"/>
+              </a:lnSpc>
+              <a:buFont typeface="Arial" panose="020B0604020202020204" pitchFamily="34" charset="0"/>
+              <a:buChar char="•"/>
+            </a:pPr>
+            <a:r>
+              <a:rPr lang="pt-BR" b="0" i="0" dirty="0">
+                <a:solidFill>
+                  <a:srgbClr val="292929"/>
+                </a:solidFill>
+                <a:effectLst/>
+                <a:latin typeface="source-serif-pro"/>
+              </a:rPr>
+              <a:t>De forma mais detalhada,</a:t>
+            </a:r>
+            <a:r>
+              <a:rPr lang="pt-BR" b="0" i="1" dirty="0">
+                <a:solidFill>
+                  <a:srgbClr val="292929"/>
+                </a:solidFill>
+                <a:effectLst/>
+                <a:latin typeface="source-serif-pro"/>
+              </a:rPr>
+              <a:t> </a:t>
+            </a:r>
+            <a:r>
+              <a:rPr lang="pt-BR" b="0" i="0" dirty="0">
+                <a:solidFill>
+                  <a:srgbClr val="292929"/>
+                </a:solidFill>
+                <a:effectLst/>
+                <a:latin typeface="source-serif-pro"/>
+              </a:rPr>
+              <a:t>diz que podemos estender o comportamento de uma classe, quando for necessário,</a:t>
+            </a:r>
+            <a:r>
+              <a:rPr lang="pt-BR" b="0" i="1" dirty="0">
+                <a:solidFill>
+                  <a:srgbClr val="292929"/>
+                </a:solidFill>
+                <a:effectLst/>
+                <a:latin typeface="source-serif-pro"/>
+              </a:rPr>
+              <a:t> </a:t>
+            </a:r>
+            <a:r>
+              <a:rPr lang="pt-BR" b="0" i="0" dirty="0">
+                <a:solidFill>
+                  <a:srgbClr val="292929"/>
+                </a:solidFill>
+                <a:effectLst/>
+                <a:latin typeface="source-serif-pro"/>
+              </a:rPr>
+              <a:t>por meio de </a:t>
+            </a:r>
+            <a:r>
+              <a:rPr lang="pt-BR" b="1" i="0" dirty="0">
+                <a:solidFill>
+                  <a:srgbClr val="292929"/>
+                </a:solidFill>
+                <a:effectLst/>
+                <a:latin typeface="source-serif-pro"/>
+              </a:rPr>
+              <a:t>herança</a:t>
+            </a:r>
+            <a:r>
+              <a:rPr lang="pt-BR" b="0" i="0" dirty="0">
+                <a:solidFill>
+                  <a:srgbClr val="292929"/>
+                </a:solidFill>
+                <a:effectLst/>
+                <a:latin typeface="source-serif-pro"/>
+              </a:rPr>
+              <a:t>, </a:t>
+            </a:r>
+            <a:r>
+              <a:rPr lang="pt-BR" b="1" i="0" dirty="0">
+                <a:solidFill>
+                  <a:srgbClr val="292929"/>
+                </a:solidFill>
+                <a:effectLst/>
+                <a:latin typeface="source-serif-pro"/>
+              </a:rPr>
+              <a:t>interface </a:t>
+            </a:r>
+            <a:r>
+              <a:rPr lang="pt-BR" b="0" i="0" dirty="0">
+                <a:solidFill>
+                  <a:srgbClr val="292929"/>
+                </a:solidFill>
+                <a:effectLst/>
+                <a:latin typeface="source-serif-pro"/>
+              </a:rPr>
+              <a:t>e </a:t>
+            </a:r>
+            <a:r>
+              <a:rPr lang="pt-BR" b="1" i="0" dirty="0">
+                <a:solidFill>
+                  <a:srgbClr val="292929"/>
+                </a:solidFill>
+                <a:effectLst/>
+                <a:latin typeface="source-serif-pro"/>
+              </a:rPr>
+              <a:t>composição</a:t>
+            </a:r>
+            <a:r>
+              <a:rPr lang="pt-BR" b="0" i="0" dirty="0">
+                <a:solidFill>
+                  <a:srgbClr val="292929"/>
+                </a:solidFill>
+                <a:effectLst/>
+                <a:latin typeface="source-serif-pro"/>
+              </a:rPr>
+              <a:t>, mas não podemos permitir a abertura dessa classe para fazer pequenas modificações.</a:t>
+            </a:r>
+            <a:endParaRPr lang="pt-BR" sz="1200" b="0" i="0" dirty="0">
+              <a:solidFill>
+                <a:srgbClr val="575756"/>
+              </a:solidFill>
+              <a:effectLst/>
+              <a:latin typeface="Asap" panose="00000500000000000000"/>
+            </a:endParaRPr>
+          </a:p>
+          <a:p>
+            <a:pPr marL="342900" indent="-342900" algn="just">
+              <a:lnSpc>
+                <a:spcPct val="100000"/>
+              </a:lnSpc>
+              <a:buFont typeface="+mj-lt"/>
+              <a:buAutoNum type="arabicPeriod"/>
+            </a:pPr>
+            <a:r>
+              <a:rPr lang="pt-BR" sz="1200" b="1" i="0" dirty="0">
+                <a:solidFill>
+                  <a:srgbClr val="575756"/>
+                </a:solidFill>
+                <a:effectLst/>
+                <a:latin typeface="Asap" panose="00000500000000000000"/>
+              </a:rPr>
+              <a:t>L — </a:t>
+            </a:r>
+            <a:r>
+              <a:rPr lang="pt-BR" sz="1200" b="1" i="0" dirty="0" err="1">
+                <a:solidFill>
+                  <a:srgbClr val="575756"/>
+                </a:solidFill>
+                <a:effectLst/>
+                <a:latin typeface="Asap" panose="00000500000000000000"/>
+              </a:rPr>
+              <a:t>Liskov</a:t>
+            </a:r>
+            <a:r>
+              <a:rPr lang="pt-BR" sz="1200" b="1" i="0" dirty="0">
+                <a:solidFill>
+                  <a:srgbClr val="575756"/>
+                </a:solidFill>
+                <a:effectLst/>
+                <a:latin typeface="Asap" panose="00000500000000000000"/>
+              </a:rPr>
+              <a:t> </a:t>
+            </a:r>
+            <a:r>
+              <a:rPr lang="pt-BR" sz="1200" b="1" i="0" dirty="0" err="1">
+                <a:solidFill>
+                  <a:srgbClr val="575756"/>
+                </a:solidFill>
+                <a:effectLst/>
+                <a:latin typeface="Asap" panose="00000500000000000000"/>
+              </a:rPr>
+              <a:t>Substitution</a:t>
+            </a:r>
+            <a:r>
+              <a:rPr lang="pt-BR" sz="1200" b="1" i="0" dirty="0">
+                <a:solidFill>
+                  <a:srgbClr val="575756"/>
+                </a:solidFill>
+                <a:effectLst/>
+                <a:latin typeface="Asap" panose="00000500000000000000"/>
+              </a:rPr>
+              <a:t> </a:t>
+            </a:r>
+            <a:r>
+              <a:rPr lang="pt-BR" sz="1200" b="1" i="0" dirty="0" err="1">
+                <a:solidFill>
+                  <a:srgbClr val="575756"/>
+                </a:solidFill>
+                <a:effectLst/>
+                <a:latin typeface="Asap" panose="00000500000000000000"/>
+              </a:rPr>
+              <a:t>Principle</a:t>
+            </a:r>
+            <a:r>
+              <a:rPr lang="pt-BR" sz="1200" b="1" i="0" dirty="0">
+                <a:solidFill>
+                  <a:srgbClr val="575756"/>
+                </a:solidFill>
+                <a:effectLst/>
+                <a:latin typeface="Asap" panose="00000500000000000000"/>
+              </a:rPr>
+              <a:t> </a:t>
+            </a:r>
+            <a:r>
+              <a:rPr lang="pt-BR" sz="1200" b="0" i="0" dirty="0">
+                <a:solidFill>
+                  <a:srgbClr val="575756"/>
+                </a:solidFill>
+                <a:effectLst/>
+                <a:latin typeface="Asap" panose="00000500000000000000"/>
+              </a:rPr>
+              <a:t>(Princípio da substituição de </a:t>
+            </a:r>
+            <a:r>
+              <a:rPr lang="pt-BR" sz="1200" b="0" i="0" dirty="0" err="1">
+                <a:solidFill>
+                  <a:srgbClr val="575756"/>
+                </a:solidFill>
+                <a:effectLst/>
+                <a:latin typeface="Asap" panose="00000500000000000000"/>
+              </a:rPr>
+              <a:t>Liskov</a:t>
+            </a:r>
+            <a:r>
+              <a:rPr lang="pt-BR" sz="1200" b="0" i="0" dirty="0">
+                <a:solidFill>
+                  <a:srgbClr val="575756"/>
+                </a:solidFill>
+                <a:effectLst/>
+                <a:latin typeface="Asap" panose="00000500000000000000"/>
+              </a:rPr>
+              <a:t>)</a:t>
+            </a:r>
+          </a:p>
+          <a:p>
+            <a:pPr marL="800100" lvl="1" indent="-342900" algn="just">
+              <a:lnSpc>
+                <a:spcPct val="100000"/>
+              </a:lnSpc>
+              <a:buFont typeface="Arial" panose="020B0604020202020204" pitchFamily="34" charset="0"/>
+              <a:buChar char="•"/>
+            </a:pPr>
+            <a:r>
+              <a:rPr lang="pt-BR" b="0" i="1" dirty="0">
+                <a:solidFill>
+                  <a:srgbClr val="292929"/>
+                </a:solidFill>
+                <a:effectLst/>
+                <a:latin typeface="source-serif-pro"/>
+              </a:rPr>
+              <a:t>“Os subtipos devem ser substituíveis pelos seus tipos base”, </a:t>
+            </a:r>
+            <a:r>
+              <a:rPr lang="pt-BR" b="0" i="0" dirty="0">
+                <a:solidFill>
+                  <a:srgbClr val="292929"/>
+                </a:solidFill>
+                <a:effectLst/>
+                <a:latin typeface="source-serif-pro"/>
+              </a:rPr>
+              <a:t>e que as classes/tipos base podem ser substituídas por qualquer uma das suas subclasses, ponderando sobre os cuidados para usar a herança no seu projeto de software. </a:t>
+            </a:r>
+          </a:p>
+          <a:p>
+            <a:pPr marL="800100" lvl="1" indent="-342900" algn="just">
+              <a:lnSpc>
+                <a:spcPct val="100000"/>
+              </a:lnSpc>
+              <a:buFont typeface="Arial" panose="020B0604020202020204" pitchFamily="34" charset="0"/>
+              <a:buChar char="•"/>
+            </a:pPr>
+            <a:r>
+              <a:rPr lang="pt-BR" b="0" i="0" dirty="0">
+                <a:solidFill>
+                  <a:srgbClr val="292929"/>
+                </a:solidFill>
+                <a:effectLst/>
+                <a:latin typeface="source-serif-pro"/>
+              </a:rPr>
+              <a:t>Mesmo a herança sendo um mecanismo poderoso, ela deve ser utilizada de forma contextualizada e moderada, evitando os casos de classes serem estendidas apenas por possuírem algo em comum.</a:t>
+            </a:r>
+          </a:p>
+          <a:p>
+            <a:pPr marL="800100" lvl="1" indent="-342900" algn="just">
+              <a:lnSpc>
+                <a:spcPct val="100000"/>
+              </a:lnSpc>
+              <a:buFont typeface="Arial" panose="020B0604020202020204" pitchFamily="34" charset="0"/>
+              <a:buChar char="•"/>
+            </a:pPr>
+            <a:r>
+              <a:rPr lang="pt-BR" b="0" i="0" dirty="0">
+                <a:solidFill>
+                  <a:srgbClr val="292929"/>
+                </a:solidFill>
+                <a:effectLst/>
+                <a:latin typeface="source-serif-pro"/>
+              </a:rPr>
+              <a:t>Esse princípio foi descrito pela pesquisadora </a:t>
+            </a:r>
+            <a:r>
+              <a:rPr lang="pt-BR" b="1" i="1" dirty="0">
+                <a:solidFill>
+                  <a:srgbClr val="292929"/>
+                </a:solidFill>
+                <a:effectLst/>
+                <a:latin typeface="source-serif-pro"/>
+              </a:rPr>
+              <a:t>Barbara </a:t>
+            </a:r>
+            <a:r>
+              <a:rPr lang="pt-BR" b="1" i="1" dirty="0" err="1">
+                <a:solidFill>
+                  <a:srgbClr val="292929"/>
+                </a:solidFill>
+                <a:effectLst/>
+                <a:latin typeface="source-serif-pro"/>
+              </a:rPr>
+              <a:t>Liskov</a:t>
+            </a:r>
+            <a:r>
+              <a:rPr lang="pt-BR" b="0" i="0" dirty="0">
+                <a:solidFill>
+                  <a:srgbClr val="292929"/>
+                </a:solidFill>
+                <a:effectLst/>
+                <a:latin typeface="source-serif-pro"/>
+              </a:rPr>
+              <a:t>, em seu artigo de </a:t>
+            </a:r>
+            <a:r>
+              <a:rPr lang="pt-BR" b="1" i="0" dirty="0">
+                <a:solidFill>
+                  <a:srgbClr val="292929"/>
+                </a:solidFill>
+                <a:effectLst/>
+                <a:latin typeface="source-serif-pro"/>
+              </a:rPr>
+              <a:t>1988</a:t>
+            </a:r>
+            <a:endParaRPr lang="pt-BR" sz="1200" b="0" i="0" dirty="0">
+              <a:solidFill>
+                <a:srgbClr val="575756"/>
+              </a:solidFill>
+              <a:effectLst/>
+              <a:latin typeface="Asap" panose="00000500000000000000"/>
+            </a:endParaRPr>
+          </a:p>
+          <a:p>
+            <a:pPr marL="342900" indent="-342900" algn="just">
+              <a:lnSpc>
+                <a:spcPct val="100000"/>
+              </a:lnSpc>
+              <a:buFont typeface="+mj-lt"/>
+              <a:buAutoNum type="arabicPeriod"/>
+            </a:pPr>
+            <a:r>
+              <a:rPr lang="pt-BR" sz="1200" b="1" i="0" dirty="0">
+                <a:solidFill>
+                  <a:srgbClr val="575756"/>
+                </a:solidFill>
+                <a:effectLst/>
+                <a:latin typeface="Asap" panose="00000500000000000000"/>
+              </a:rPr>
+              <a:t>I — Interface </a:t>
+            </a:r>
+            <a:r>
+              <a:rPr lang="pt-BR" sz="1200" b="1" i="0" dirty="0" err="1">
+                <a:solidFill>
+                  <a:srgbClr val="575756"/>
+                </a:solidFill>
+                <a:effectLst/>
+                <a:latin typeface="Asap" panose="00000500000000000000"/>
+              </a:rPr>
+              <a:t>Segregation</a:t>
+            </a:r>
+            <a:r>
+              <a:rPr lang="pt-BR" sz="1200" b="1" i="0" dirty="0">
+                <a:solidFill>
+                  <a:srgbClr val="575756"/>
+                </a:solidFill>
+                <a:effectLst/>
+                <a:latin typeface="Asap" panose="00000500000000000000"/>
+              </a:rPr>
+              <a:t> </a:t>
+            </a:r>
+            <a:r>
+              <a:rPr lang="pt-BR" sz="1200" b="1" i="0" dirty="0" err="1">
+                <a:solidFill>
+                  <a:srgbClr val="575756"/>
+                </a:solidFill>
+                <a:effectLst/>
+                <a:latin typeface="Asap" panose="00000500000000000000"/>
+              </a:rPr>
+              <a:t>Principle</a:t>
+            </a:r>
+            <a:r>
+              <a:rPr lang="pt-BR" sz="1200" b="1" i="0" dirty="0">
+                <a:solidFill>
+                  <a:srgbClr val="575756"/>
+                </a:solidFill>
+                <a:effectLst/>
+                <a:latin typeface="Asap" panose="00000500000000000000"/>
+              </a:rPr>
+              <a:t> </a:t>
+            </a:r>
+            <a:r>
+              <a:rPr lang="pt-BR" sz="1200" b="0" i="0" dirty="0">
+                <a:solidFill>
+                  <a:srgbClr val="575756"/>
+                </a:solidFill>
+                <a:effectLst/>
+                <a:latin typeface="Asap" panose="00000500000000000000"/>
+              </a:rPr>
+              <a:t>(Princípio da segregação da Interface)</a:t>
+            </a:r>
+          </a:p>
+          <a:p>
+            <a:pPr marL="800100" lvl="1" indent="-342900" algn="just">
+              <a:lnSpc>
+                <a:spcPct val="100000"/>
+              </a:lnSpc>
+              <a:buFont typeface="Arial" panose="020B0604020202020204" pitchFamily="34" charset="0"/>
+              <a:buChar char="•"/>
+            </a:pPr>
+            <a:r>
+              <a:rPr lang="pt-BR" b="0" i="1" dirty="0">
+                <a:solidFill>
+                  <a:srgbClr val="292929"/>
+                </a:solidFill>
+                <a:effectLst/>
+                <a:latin typeface="source-serif-pro"/>
+              </a:rPr>
+              <a:t>“muitas interfaces específicas são melhores do que uma interface geral” que se </a:t>
+            </a:r>
+            <a:r>
+              <a:rPr lang="pt-BR" b="0" i="0" dirty="0">
+                <a:solidFill>
+                  <a:srgbClr val="292929"/>
+                </a:solidFill>
+                <a:effectLst/>
+                <a:latin typeface="source-serif-pro"/>
+              </a:rPr>
+              <a:t>trata da coesão em interfaces.</a:t>
+            </a:r>
+          </a:p>
+          <a:p>
+            <a:pPr marL="800100" lvl="1" indent="-342900" algn="just">
+              <a:lnSpc>
+                <a:spcPct val="100000"/>
+              </a:lnSpc>
+              <a:buFont typeface="Arial" panose="020B0604020202020204" pitchFamily="34" charset="0"/>
+              <a:buChar char="•"/>
+            </a:pPr>
+            <a:r>
+              <a:rPr lang="pt-BR" b="0" i="0" dirty="0">
+                <a:solidFill>
+                  <a:srgbClr val="292929"/>
+                </a:solidFill>
+                <a:effectLst/>
+                <a:latin typeface="source-serif-pro"/>
+              </a:rPr>
+              <a:t>Da construção de módulos enxutos, ou seja, com poucos comportamentos. Interfaces que possuem muitos comportamentos são difíceis de manter e evoluir, e devem ser evitadas.</a:t>
+            </a:r>
+            <a:endParaRPr lang="pt-BR" sz="1200" b="0" i="0" dirty="0">
+              <a:solidFill>
+                <a:srgbClr val="575756"/>
+              </a:solidFill>
+              <a:effectLst/>
+              <a:latin typeface="Asap" panose="00000500000000000000"/>
+            </a:endParaRPr>
+          </a:p>
+          <a:p>
+            <a:pPr marL="342900" indent="-342900" algn="just">
+              <a:lnSpc>
+                <a:spcPct val="100000"/>
+              </a:lnSpc>
+              <a:buFont typeface="+mj-lt"/>
+              <a:buAutoNum type="arabicPeriod"/>
+            </a:pPr>
+            <a:r>
+              <a:rPr lang="pt-BR" sz="1200" b="1" i="0" dirty="0">
+                <a:solidFill>
+                  <a:srgbClr val="575756"/>
+                </a:solidFill>
+                <a:effectLst/>
+                <a:latin typeface="Asap" panose="00000500000000000000"/>
+              </a:rPr>
+              <a:t>D — </a:t>
+            </a:r>
+            <a:r>
+              <a:rPr lang="pt-BR" sz="1200" b="1" i="0" dirty="0" err="1">
+                <a:solidFill>
+                  <a:srgbClr val="575756"/>
+                </a:solidFill>
+                <a:effectLst/>
+                <a:latin typeface="Asap" panose="00000500000000000000"/>
+              </a:rPr>
+              <a:t>Dependency</a:t>
+            </a:r>
+            <a:r>
+              <a:rPr lang="pt-BR" sz="1200" b="1" i="0" dirty="0">
+                <a:solidFill>
+                  <a:srgbClr val="575756"/>
+                </a:solidFill>
+                <a:effectLst/>
+                <a:latin typeface="Asap" panose="00000500000000000000"/>
+              </a:rPr>
+              <a:t> </a:t>
+            </a:r>
+            <a:r>
+              <a:rPr lang="pt-BR" sz="1200" b="1" i="0" dirty="0" err="1">
+                <a:solidFill>
+                  <a:srgbClr val="575756"/>
+                </a:solidFill>
+                <a:effectLst/>
+                <a:latin typeface="Asap" panose="00000500000000000000"/>
+              </a:rPr>
+              <a:t>Inversion</a:t>
+            </a:r>
+            <a:r>
+              <a:rPr lang="pt-BR" sz="1200" b="1" i="0" dirty="0">
+                <a:solidFill>
+                  <a:srgbClr val="575756"/>
+                </a:solidFill>
+                <a:effectLst/>
+                <a:latin typeface="Asap" panose="00000500000000000000"/>
+              </a:rPr>
+              <a:t> </a:t>
+            </a:r>
+            <a:r>
+              <a:rPr lang="pt-BR" sz="1200" b="1" i="0" dirty="0" err="1">
+                <a:solidFill>
+                  <a:srgbClr val="575756"/>
+                </a:solidFill>
+                <a:effectLst/>
+                <a:latin typeface="Asap" panose="00000500000000000000"/>
+              </a:rPr>
+              <a:t>Principle</a:t>
+            </a:r>
+            <a:r>
+              <a:rPr lang="pt-BR" sz="1200" b="1" i="0" dirty="0">
+                <a:solidFill>
+                  <a:srgbClr val="575756"/>
+                </a:solidFill>
+                <a:effectLst/>
+                <a:latin typeface="Asap" panose="00000500000000000000"/>
+              </a:rPr>
+              <a:t> </a:t>
+            </a:r>
+            <a:r>
+              <a:rPr lang="pt-BR" sz="1200" b="0" i="0" dirty="0">
+                <a:solidFill>
+                  <a:srgbClr val="575756"/>
+                </a:solidFill>
+                <a:effectLst/>
+                <a:latin typeface="Asap" panose="00000500000000000000"/>
+              </a:rPr>
+              <a:t>(Princípio da inversão da dependência)</a:t>
+            </a:r>
+          </a:p>
+          <a:p>
+            <a:pPr marL="628650" lvl="1" indent="-171450" algn="l">
+              <a:buFont typeface="Arial" panose="020B0604020202020204" pitchFamily="34" charset="0"/>
+              <a:buChar char="•"/>
+            </a:pPr>
+            <a:r>
+              <a:rPr lang="pt-BR" b="0" i="1" dirty="0">
+                <a:solidFill>
+                  <a:srgbClr val="292929"/>
+                </a:solidFill>
+                <a:effectLst/>
+                <a:latin typeface="source-serif-pro"/>
+              </a:rPr>
+              <a:t>“Depender de abstrações e não de classes concretas”</a:t>
+            </a:r>
+            <a:endParaRPr lang="pt-BR" b="0" i="0" dirty="0">
+              <a:solidFill>
+                <a:srgbClr val="292929"/>
+              </a:solidFill>
+              <a:effectLst/>
+              <a:latin typeface="source-serif-pro"/>
+            </a:endParaRPr>
+          </a:p>
+          <a:p>
+            <a:pPr marL="628650" lvl="1" indent="-171450" algn="l">
+              <a:buFont typeface="Arial" panose="020B0604020202020204" pitchFamily="34" charset="0"/>
+              <a:buChar char="•"/>
+            </a:pPr>
+            <a:r>
+              <a:rPr lang="pt-BR" b="0" i="1" dirty="0">
+                <a:solidFill>
+                  <a:srgbClr val="292929"/>
+                </a:solidFill>
+                <a:effectLst/>
+                <a:latin typeface="source-serif-pro"/>
+              </a:rPr>
+              <a:t>“Módulos de alto nível não devem depender de módulos de baixo nível.”</a:t>
+            </a:r>
+            <a:endParaRPr lang="pt-BR" b="0" i="0" dirty="0">
+              <a:solidFill>
+                <a:srgbClr val="292929"/>
+              </a:solidFill>
+              <a:effectLst/>
+              <a:latin typeface="source-serif-pro"/>
+            </a:endParaRPr>
+          </a:p>
+          <a:p>
+            <a:pPr marL="628650" lvl="1" indent="-171450" algn="l">
+              <a:buFont typeface="Arial" panose="020B0604020202020204" pitchFamily="34" charset="0"/>
+              <a:buChar char="•"/>
+            </a:pPr>
+            <a:r>
+              <a:rPr lang="pt-BR" b="0" i="1" dirty="0">
+                <a:solidFill>
+                  <a:srgbClr val="292929"/>
+                </a:solidFill>
+                <a:effectLst/>
+                <a:latin typeface="source-serif-pro"/>
+              </a:rPr>
+              <a:t>As abstrações não devem depender de detalhes. Os detalhes devem depender das abstrações.”</a:t>
+            </a:r>
+            <a:endParaRPr lang="pt-BR" b="0" i="0" dirty="0">
+              <a:solidFill>
+                <a:srgbClr val="292929"/>
+              </a:solidFill>
+              <a:effectLst/>
+              <a:latin typeface="source-serif-pro"/>
+            </a:endParaRPr>
+          </a:p>
+          <a:p>
+            <a:pPr marL="342900" indent="-342900" algn="just">
+              <a:lnSpc>
+                <a:spcPct val="100000"/>
+              </a:lnSpc>
+              <a:buFont typeface="+mj-lt"/>
+              <a:buAutoNum type="arabicPeriod"/>
+            </a:pPr>
+            <a:endParaRPr lang="pt-BR" sz="1200" b="0" i="0" dirty="0">
+              <a:solidFill>
+                <a:srgbClr val="575756"/>
+              </a:solidFill>
+              <a:effectLst/>
+              <a:latin typeface="Asap" panose="00000500000000000000"/>
+            </a:endParaRPr>
+          </a:p>
+          <a:p>
+            <a:endParaRPr lang="pt-BR" dirty="0"/>
+          </a:p>
+        </p:txBody>
+      </p:sp>
+      <p:sp>
+        <p:nvSpPr>
+          <p:cNvPr id="4" name="Espaço Reservado para Número de Slide 3"/>
+          <p:cNvSpPr>
+            <a:spLocks noGrp="1"/>
+          </p:cNvSpPr>
+          <p:nvPr>
+            <p:ph type="sldNum" sz="quarter" idx="5"/>
+          </p:nvPr>
+        </p:nvSpPr>
+        <p:spPr/>
+        <p:txBody>
+          <a:bodyPr/>
+          <a:lstStyle/>
+          <a:p>
+            <a:fld id="{74A0B0E8-62EA-49E1-9AAD-38472DD5BD9C}" type="slidenum">
+              <a:rPr lang="pt-BR" smtClean="0"/>
+              <a:t>7</a:t>
+            </a:fld>
+            <a:endParaRPr lang="pt-BR"/>
+          </a:p>
+        </p:txBody>
+      </p:sp>
+    </p:spTree>
+    <p:extLst>
+      <p:ext uri="{BB962C8B-B14F-4D97-AF65-F5344CB8AC3E}">
+        <p14:creationId xmlns:p14="http://schemas.microsoft.com/office/powerpoint/2010/main" val="604324847"/>
+      </p:ext>
+    </p:extLst>
+  </p:cSld>
+  <p:clrMapOvr>
+    <a:masterClrMapping/>
+  </p:clrMapOvr>
+</p:notes>
+</file>
+
 <file path=ppt/slideLayouts/slideLayout1.xml><?xml version="1.0" encoding="utf-8"?>
 <p:sldLayout xmlns:a="http://schemas.openxmlformats.org/drawingml/2006/main" xmlns:r="http://schemas.openxmlformats.org/officeDocument/2006/relationships" xmlns:p="http://schemas.openxmlformats.org/presentationml/2006/main" type="title" preserve="1">
   <p:cSld name="Slide de Título">
@@ -15277,7 +16240,7 @@
         <p:spPr>
           <a:xfrm>
             <a:off x="368079" y="1227364"/>
-            <a:ext cx="3423406" cy="2780051"/>
+            <a:ext cx="3423406" cy="1426140"/>
           </a:xfrm>
           <a:prstGeom prst="rect">
             <a:avLst/>

--- a/docs/treinamento-estagiarios-five.pptx
+++ b/docs/treinamento-estagiarios-five.pptx
@@ -11,9 +11,9 @@
     <p:sldId id="288" r:id="rId2"/>
     <p:sldId id="267" r:id="rId3"/>
     <p:sldId id="270" r:id="rId4"/>
-    <p:sldId id="271" r:id="rId5"/>
-    <p:sldId id="272" r:id="rId6"/>
-    <p:sldId id="273" r:id="rId7"/>
+    <p:sldId id="272" r:id="rId5"/>
+    <p:sldId id="273" r:id="rId6"/>
+    <p:sldId id="298" r:id="rId7"/>
     <p:sldId id="274" r:id="rId8"/>
     <p:sldId id="290" r:id="rId9"/>
     <p:sldId id="275" r:id="rId10"/>
@@ -3376,134 +3376,6 @@
               <a:buFont typeface="+mj-lt"/>
               <a:buAutoNum type="arabicPeriod"/>
             </a:pPr>
-            <a:r>
-              <a:rPr lang="pt-BR" sz="1200" b="1" i="0" dirty="0">
-                <a:solidFill>
-                  <a:srgbClr val="575756"/>
-                </a:solidFill>
-                <a:effectLst/>
-                <a:latin typeface="Asap" panose="00000500000000000000"/>
-              </a:rPr>
-              <a:t>S — Single </a:t>
-            </a:r>
-            <a:r>
-              <a:rPr lang="pt-BR" sz="1200" b="1" i="0" dirty="0" err="1">
-                <a:solidFill>
-                  <a:srgbClr val="575756"/>
-                </a:solidFill>
-                <a:effectLst/>
-                <a:latin typeface="Asap" panose="00000500000000000000"/>
-              </a:rPr>
-              <a:t>Responsiblity</a:t>
-            </a:r>
-            <a:r>
-              <a:rPr lang="pt-BR" sz="1200" b="1" i="0" dirty="0">
-                <a:solidFill>
-                  <a:srgbClr val="575756"/>
-                </a:solidFill>
-                <a:effectLst/>
-                <a:latin typeface="Asap" panose="00000500000000000000"/>
-              </a:rPr>
-              <a:t> </a:t>
-            </a:r>
-            <a:r>
-              <a:rPr lang="pt-BR" sz="1200" b="1" i="0" dirty="0" err="1">
-                <a:solidFill>
-                  <a:srgbClr val="575756"/>
-                </a:solidFill>
-                <a:effectLst/>
-                <a:latin typeface="Asap" panose="00000500000000000000"/>
-              </a:rPr>
-              <a:t>Principle</a:t>
-            </a:r>
-            <a:r>
-              <a:rPr lang="pt-BR" sz="1200" b="1" i="0" dirty="0">
-                <a:solidFill>
-                  <a:srgbClr val="575756"/>
-                </a:solidFill>
-                <a:effectLst/>
-                <a:latin typeface="Asap" panose="00000500000000000000"/>
-              </a:rPr>
-              <a:t> </a:t>
-            </a:r>
-            <a:r>
-              <a:rPr lang="pt-BR" sz="1200" b="0" i="0" dirty="0">
-                <a:solidFill>
-                  <a:srgbClr val="575756"/>
-                </a:solidFill>
-                <a:effectLst/>
-                <a:latin typeface="Asap" panose="00000500000000000000"/>
-              </a:rPr>
-              <a:t>(Princípio da responsabilidade única)</a:t>
-            </a:r>
-          </a:p>
-          <a:p>
-            <a:pPr marL="1257300" lvl="2" indent="-342900" algn="just">
-              <a:lnSpc>
-                <a:spcPct val="100000"/>
-              </a:lnSpc>
-              <a:buFont typeface="Arial" panose="020B0604020202020204" pitchFamily="34" charset="0"/>
-              <a:buChar char="•"/>
-            </a:pPr>
-            <a:r>
-              <a:rPr lang="pt-BR" b="0" i="1" dirty="0">
-                <a:solidFill>
-                  <a:srgbClr val="292929"/>
-                </a:solidFill>
-                <a:effectLst/>
-                <a:latin typeface="source-serif-pro"/>
-              </a:rPr>
-              <a:t>“Uma classe deve ter apenas um motivo para mudar</a:t>
-            </a:r>
-            <a:r>
-              <a:rPr lang="pt-BR" b="0" i="0" dirty="0">
-                <a:solidFill>
-                  <a:srgbClr val="575756"/>
-                </a:solidFill>
-                <a:effectLst/>
-                <a:latin typeface="Asap" panose="00000500000000000000"/>
-              </a:rPr>
-              <a:t>”.</a:t>
-            </a:r>
-          </a:p>
-          <a:p>
-            <a:pPr marL="1257300" lvl="2" indent="-342900" algn="just">
-              <a:lnSpc>
-                <a:spcPct val="100000"/>
-              </a:lnSpc>
-              <a:buFont typeface="Arial" panose="020B0604020202020204" pitchFamily="34" charset="0"/>
-              <a:buChar char="•"/>
-            </a:pPr>
-            <a:r>
-              <a:rPr lang="pt-BR" b="0" i="0" dirty="0">
-                <a:solidFill>
-                  <a:srgbClr val="292929"/>
-                </a:solidFill>
-                <a:effectLst/>
-                <a:latin typeface="source-serif-pro"/>
-              </a:rPr>
-              <a:t>Basicamente, esse princípio trata especificamente a </a:t>
-            </a:r>
-            <a:r>
-              <a:rPr lang="pt-BR" b="1" i="0" dirty="0">
-                <a:solidFill>
-                  <a:srgbClr val="292929"/>
-                </a:solidFill>
-                <a:effectLst/>
-                <a:latin typeface="source-serif-pro"/>
-              </a:rPr>
-              <a:t>coesão</a:t>
-            </a:r>
-            <a:r>
-              <a:rPr lang="pt-BR" b="0" i="0" dirty="0">
-                <a:solidFill>
-                  <a:srgbClr val="292929"/>
-                </a:solidFill>
-                <a:effectLst/>
-                <a:latin typeface="source-serif-pro"/>
-              </a:rPr>
-              <a:t>. A coesão é definida como a afinidade funcional dos elementos de um módulo. Se refere ao relacionamento que os membros desse módulo possuem, se possuem uma relação mais direta e importante. Dessa forma, quanto mais bem definido o que sua classe faz, mais coesa ela é.</a:t>
-            </a:r>
             <a:endParaRPr lang="pt-BR" sz="1200" b="0" i="0" dirty="0">
               <a:solidFill>
                 <a:srgbClr val="575756"/>
@@ -3528,7 +3400,7 @@
                 <a:effectLst/>
                 <a:latin typeface="Asap" panose="00000500000000000000"/>
               </a:rPr>
-              <a:t>O — Open-</a:t>
+              <a:t>S — Single </a:t>
             </a:r>
             <a:r>
               <a:rPr lang="pt-BR" sz="1200" b="1" i="0" dirty="0" err="1">
@@ -3538,7 +3410,7 @@
                 <a:effectLst/>
                 <a:latin typeface="Asap" panose="00000500000000000000"/>
               </a:rPr>
-              <a:t>Closed</a:t>
+              <a:t>Responsiblity</a:t>
             </a:r>
             <a:r>
               <a:rPr lang="pt-BR" sz="1200" b="1" i="0" dirty="0">
@@ -3578,11 +3450,11 @@
                 <a:effectLst/>
                 <a:latin typeface="Asap" panose="00000500000000000000"/>
               </a:rPr>
-              <a:t>(Princípio aberto-fechado)</a:t>
-            </a:r>
-          </a:p>
-          <a:p>
-            <a:pPr marL="800100" lvl="1" indent="-342900" algn="just">
+              <a:t>(Princípio da responsabilidade única)</a:t>
+            </a:r>
+          </a:p>
+          <a:p>
+            <a:pPr marL="1257300" lvl="2" indent="-342900" algn="just">
               <a:lnSpc>
                 <a:spcPct val="100000"/>
               </a:lnSpc>
@@ -3597,11 +3469,21 @@
                 <a:effectLst/>
                 <a:latin typeface="source-serif-pro"/>
               </a:rPr>
-              <a:t>“classes, módulos, funções etc. devem ser abertas para ampliação, mas fechadas para modificação”.</a:t>
-            </a:r>
-          </a:p>
-          <a:p>
-            <a:pPr marL="800100" lvl="1" indent="-342900" algn="just">
+              <a:t>“Uma classe deve ter apenas um motivo para mudar</a:t>
+            </a:r>
+            <a:r>
+              <a:rPr lang="pt-BR" b="0" i="0" dirty="0">
+                <a:solidFill>
+                  <a:srgbClr val="575756"/>
+                </a:solidFill>
+                <a:effectLst/>
+                <a:latin typeface="Asap" panose="00000500000000000000"/>
+              </a:rPr>
+              <a:t>”.</a:t>
+            </a:r>
+          </a:p>
+          <a:p>
+            <a:pPr marL="1257300" lvl="2" indent="-342900" algn="just">
               <a:lnSpc>
                 <a:spcPct val="100000"/>
               </a:lnSpc>
@@ -3616,17 +3498,17 @@
                 <a:effectLst/>
                 <a:latin typeface="source-serif-pro"/>
               </a:rPr>
-              <a:t>De forma mais detalhada,</a:t>
-            </a:r>
-            <a:r>
-              <a:rPr lang="pt-BR" b="0" i="1" dirty="0">
+              <a:t>Basicamente, esse princípio trata especificamente a </a:t>
+            </a:r>
+            <a:r>
+              <a:rPr lang="pt-BR" b="1" i="0" dirty="0">
                 <a:solidFill>
                   <a:srgbClr val="292929"/>
                 </a:solidFill>
                 <a:effectLst/>
                 <a:latin typeface="source-serif-pro"/>
               </a:rPr>
-              <a:t> </a:t>
+              <a:t>coesão</a:t>
             </a:r>
             <a:r>
               <a:rPr lang="pt-BR" b="0" i="0" dirty="0">
@@ -3636,87 +3518,7 @@
                 <a:effectLst/>
                 <a:latin typeface="source-serif-pro"/>
               </a:rPr>
-              <a:t>diz que podemos estender o comportamento de uma classe, quando for necessário,</a:t>
-            </a:r>
-            <a:r>
-              <a:rPr lang="pt-BR" b="0" i="1" dirty="0">
-                <a:solidFill>
-                  <a:srgbClr val="292929"/>
-                </a:solidFill>
-                <a:effectLst/>
-                <a:latin typeface="source-serif-pro"/>
-              </a:rPr>
-              <a:t> </a:t>
-            </a:r>
-            <a:r>
-              <a:rPr lang="pt-BR" b="0" i="0" dirty="0">
-                <a:solidFill>
-                  <a:srgbClr val="292929"/>
-                </a:solidFill>
-                <a:effectLst/>
-                <a:latin typeface="source-serif-pro"/>
-              </a:rPr>
-              <a:t>por meio de </a:t>
-            </a:r>
-            <a:r>
-              <a:rPr lang="pt-BR" b="1" i="0" dirty="0">
-                <a:solidFill>
-                  <a:srgbClr val="292929"/>
-                </a:solidFill>
-                <a:effectLst/>
-                <a:latin typeface="source-serif-pro"/>
-              </a:rPr>
-              <a:t>herança</a:t>
-            </a:r>
-            <a:r>
-              <a:rPr lang="pt-BR" b="0" i="0" dirty="0">
-                <a:solidFill>
-                  <a:srgbClr val="292929"/>
-                </a:solidFill>
-                <a:effectLst/>
-                <a:latin typeface="source-serif-pro"/>
-              </a:rPr>
-              <a:t>, </a:t>
-            </a:r>
-            <a:r>
-              <a:rPr lang="pt-BR" b="1" i="0" dirty="0">
-                <a:solidFill>
-                  <a:srgbClr val="292929"/>
-                </a:solidFill>
-                <a:effectLst/>
-                <a:latin typeface="source-serif-pro"/>
-              </a:rPr>
-              <a:t>interface </a:t>
-            </a:r>
-            <a:r>
-              <a:rPr lang="pt-BR" b="0" i="0" dirty="0">
-                <a:solidFill>
-                  <a:srgbClr val="292929"/>
-                </a:solidFill>
-                <a:effectLst/>
-                <a:latin typeface="source-serif-pro"/>
-              </a:rPr>
-              <a:t>e </a:t>
-            </a:r>
-            <a:r>
-              <a:rPr lang="pt-BR" b="1" i="0" dirty="0">
-                <a:solidFill>
-                  <a:srgbClr val="292929"/>
-                </a:solidFill>
-                <a:effectLst/>
-                <a:latin typeface="source-serif-pro"/>
-              </a:rPr>
-              <a:t>composição</a:t>
-            </a:r>
-            <a:r>
-              <a:rPr lang="pt-BR" b="0" i="0" dirty="0">
-                <a:solidFill>
-                  <a:srgbClr val="292929"/>
-                </a:solidFill>
-                <a:effectLst/>
-                <a:latin typeface="source-serif-pro"/>
-              </a:rPr>
-              <a:t>, mas não podemos permitir a abertura dessa classe para fazer pequenas modificações.</a:t>
+              <a:t>. A coesão é definida como a afinidade funcional dos elementos de um módulo. Se refere ao relacionamento que os membros desse módulo possuem, se possuem uma relação mais direta e importante. Dessa forma, quanto mais bem definido o que sua classe faz, mais coesa ela é.</a:t>
             </a:r>
             <a:endParaRPr lang="pt-BR" sz="1200" b="0" i="0" dirty="0">
               <a:solidFill>
@@ -3742,7 +3544,7 @@
                 <a:effectLst/>
                 <a:latin typeface="Asap" panose="00000500000000000000"/>
               </a:rPr>
-              <a:t>L — </a:t>
+              <a:t>O — Open-</a:t>
             </a:r>
             <a:r>
               <a:rPr lang="pt-BR" sz="1200" b="1" i="0" dirty="0" err="1">
@@ -3752,7 +3554,7 @@
                 <a:effectLst/>
                 <a:latin typeface="Asap" panose="00000500000000000000"/>
               </a:rPr>
-              <a:t>Liskov</a:t>
+              <a:t>Closed</a:t>
             </a:r>
             <a:r>
               <a:rPr lang="pt-BR" sz="1200" b="1" i="0" dirty="0">
@@ -3772,7 +3574,7 @@
                 <a:effectLst/>
                 <a:latin typeface="Asap" panose="00000500000000000000"/>
               </a:rPr>
-              <a:t>Substitution</a:t>
+              <a:t>Principle</a:t>
             </a:r>
             <a:r>
               <a:rPr lang="pt-BR" sz="1200" b="1" i="0" dirty="0">
@@ -3782,57 +3584,17 @@
                 <a:effectLst/>
                 <a:latin typeface="Asap" panose="00000500000000000000"/>
               </a:rPr>
-              <a:t> </a:t>
-            </a:r>
-            <a:r>
-              <a:rPr lang="pt-BR" sz="1200" b="1" i="0" dirty="0" err="1">
+              <a:t> </a:t>
+            </a:r>
+            <a:r>
+              <a:rPr lang="pt-BR" sz="1200" b="0" i="0" dirty="0">
                 <a:solidFill>
                   <a:srgbClr val="575756"/>
                 </a:solidFill>
                 <a:effectLst/>
                 <a:latin typeface="Asap" panose="00000500000000000000"/>
               </a:rPr>
-              <a:t>Principle</a:t>
-            </a:r>
-            <a:r>
-              <a:rPr lang="pt-BR" sz="1200" b="1" i="0" dirty="0">
-                <a:solidFill>
-                  <a:srgbClr val="575756"/>
-                </a:solidFill>
-                <a:effectLst/>
-                <a:latin typeface="Asap" panose="00000500000000000000"/>
-              </a:rPr>
-              <a:t> </a:t>
-            </a:r>
-            <a:r>
-              <a:rPr lang="pt-BR" sz="1200" b="0" i="0" dirty="0">
-                <a:solidFill>
-                  <a:srgbClr val="575756"/>
-                </a:solidFill>
-                <a:effectLst/>
-                <a:latin typeface="Asap" panose="00000500000000000000"/>
-              </a:rPr>
-              <a:t>(Princípio da substituição de </a:t>
-            </a:r>
-            <a:r>
-              <a:rPr lang="pt-BR" sz="1200" b="0" i="0" dirty="0" err="1">
-                <a:solidFill>
-                  <a:srgbClr val="575756"/>
-                </a:solidFill>
-                <a:effectLst/>
-                <a:latin typeface="Asap" panose="00000500000000000000"/>
-              </a:rPr>
-              <a:t>Liskov</a:t>
-            </a:r>
-            <a:r>
-              <a:rPr lang="pt-BR" sz="1200" b="0" i="0" dirty="0">
-                <a:solidFill>
-                  <a:srgbClr val="575756"/>
-                </a:solidFill>
-                <a:effectLst/>
-                <a:latin typeface="Asap" panose="00000500000000000000"/>
-              </a:rPr>
-              <a:t>)</a:t>
+              <a:t>(Princípio aberto-fechado)</a:t>
             </a:r>
           </a:p>
           <a:p>
@@ -3851,8 +3613,17 @@
                 <a:effectLst/>
                 <a:latin typeface="source-serif-pro"/>
               </a:rPr>
-              <a:t>“Os subtipos devem ser substituíveis pelos seus tipos base”, </a:t>
-            </a:r>
+              <a:t>“classes, módulos, funções etc. devem ser abertas para ampliação, mas fechadas para modificação”.</a:t>
+            </a:r>
+          </a:p>
+          <a:p>
+            <a:pPr marL="800100" lvl="1" indent="-342900" algn="just">
+              <a:lnSpc>
+                <a:spcPct val="100000"/>
+              </a:lnSpc>
+              <a:buFont typeface="Arial" panose="020B0604020202020204" pitchFamily="34" charset="0"/>
+              <a:buChar char="•"/>
+            </a:pPr>
             <a:r>
               <a:rPr lang="pt-BR" b="0" i="0" dirty="0">
                 <a:solidFill>
@@ -3861,36 +3632,18 @@
                 <a:effectLst/>
                 <a:latin typeface="source-serif-pro"/>
               </a:rPr>
-              <a:t>e que as classes/tipos base podem ser substituídas por qualquer uma das suas subclasses, ponderando sobre os cuidados para usar a herança no seu projeto de software. </a:t>
-            </a:r>
-          </a:p>
-          <a:p>
-            <a:pPr marL="800100" lvl="1" indent="-342900" algn="just">
-              <a:lnSpc>
-                <a:spcPct val="100000"/>
-              </a:lnSpc>
-              <a:buFont typeface="Arial" panose="020B0604020202020204" pitchFamily="34" charset="0"/>
-              <a:buChar char="•"/>
-            </a:pPr>
-            <a:r>
-              <a:rPr lang="pt-BR" b="0" i="0" dirty="0">
+              <a:t>De forma mais detalhada,</a:t>
+            </a:r>
+            <a:r>
+              <a:rPr lang="pt-BR" b="0" i="1" dirty="0">
                 <a:solidFill>
                   <a:srgbClr val="292929"/>
                 </a:solidFill>
                 <a:effectLst/>
                 <a:latin typeface="source-serif-pro"/>
               </a:rPr>
-              <a:t>Mesmo a herança sendo um mecanismo poderoso, ela deve ser utilizada de forma contextualizada e moderada, evitando os casos de classes serem estendidas apenas por possuírem algo em comum.</a:t>
-            </a:r>
-          </a:p>
-          <a:p>
-            <a:pPr marL="800100" lvl="1" indent="-342900" algn="just">
-              <a:lnSpc>
-                <a:spcPct val="100000"/>
-              </a:lnSpc>
-              <a:buFont typeface="Arial" panose="020B0604020202020204" pitchFamily="34" charset="0"/>
-              <a:buChar char="•"/>
-            </a:pPr>
+              <a:t> </a:t>
+            </a:r>
             <a:r>
               <a:rPr lang="pt-BR" b="0" i="0" dirty="0">
                 <a:solidFill>
@@ -3899,47 +3652,87 @@
                 <a:effectLst/>
                 <a:latin typeface="source-serif-pro"/>
               </a:rPr>
-              <a:t>Esse princípio foi descrito pela pesquisadora </a:t>
-            </a:r>
-            <a:r>
-              <a:rPr lang="pt-BR" b="1" i="1" dirty="0">
+              <a:t>diz que podemos estender o comportamento de uma classe, quando for necessário,</a:t>
+            </a:r>
+            <a:r>
+              <a:rPr lang="pt-BR" b="0" i="1" dirty="0">
                 <a:solidFill>
                   <a:srgbClr val="292929"/>
                 </a:solidFill>
                 <a:effectLst/>
                 <a:latin typeface="source-serif-pro"/>
               </a:rPr>
-              <a:t>Barbara </a:t>
-            </a:r>
-            <a:r>
-              <a:rPr lang="pt-BR" b="1" i="1" dirty="0" err="1">
+              <a:t> </a:t>
+            </a:r>
+            <a:r>
+              <a:rPr lang="pt-BR" b="0" i="0" dirty="0">
                 <a:solidFill>
                   <a:srgbClr val="292929"/>
                 </a:solidFill>
                 <a:effectLst/>
                 <a:latin typeface="source-serif-pro"/>
               </a:rPr>
-              <a:t>Liskov</a:t>
-            </a:r>
-            <a:r>
-              <a:rPr lang="pt-BR" b="0" i="0" dirty="0">
+              <a:t>por meio de </a:t>
+            </a:r>
+            <a:r>
+              <a:rPr lang="pt-BR" b="1" i="0" dirty="0">
                 <a:solidFill>
                   <a:srgbClr val="292929"/>
                 </a:solidFill>
                 <a:effectLst/>
                 <a:latin typeface="source-serif-pro"/>
               </a:rPr>
-              <a:t>, em seu artigo de </a:t>
-            </a:r>
-            <a:r>
-              <a:rPr lang="pt-BR" b="1" i="0" dirty="0">
+              <a:t>herança</a:t>
+            </a:r>
+            <a:r>
+              <a:rPr lang="pt-BR" b="0" i="0" dirty="0">
                 <a:solidFill>
                   <a:srgbClr val="292929"/>
                 </a:solidFill>
                 <a:effectLst/>
                 <a:latin typeface="source-serif-pro"/>
               </a:rPr>
-              <a:t>1988</a:t>
+              <a:t>, </a:t>
+            </a:r>
+            <a:r>
+              <a:rPr lang="pt-BR" b="1" i="0" dirty="0">
+                <a:solidFill>
+                  <a:srgbClr val="292929"/>
+                </a:solidFill>
+                <a:effectLst/>
+                <a:latin typeface="source-serif-pro"/>
+              </a:rPr>
+              <a:t>interface </a:t>
+            </a:r>
+            <a:r>
+              <a:rPr lang="pt-BR" b="0" i="0" dirty="0">
+                <a:solidFill>
+                  <a:srgbClr val="292929"/>
+                </a:solidFill>
+                <a:effectLst/>
+                <a:latin typeface="source-serif-pro"/>
+              </a:rPr>
+              <a:t>e </a:t>
+            </a:r>
+            <a:r>
+              <a:rPr lang="pt-BR" b="1" i="0" dirty="0">
+                <a:solidFill>
+                  <a:srgbClr val="292929"/>
+                </a:solidFill>
+                <a:effectLst/>
+                <a:latin typeface="source-serif-pro"/>
+              </a:rPr>
+              <a:t>composição</a:t>
+            </a:r>
+            <a:r>
+              <a:rPr lang="pt-BR" b="0" i="0" dirty="0">
+                <a:solidFill>
+                  <a:srgbClr val="292929"/>
+                </a:solidFill>
+                <a:effectLst/>
+                <a:latin typeface="source-serif-pro"/>
+              </a:rPr>
+              <a:t>, mas não podemos permitir a abertura dessa classe para fazer pequenas modificações.</a:t>
             </a:r>
             <a:endParaRPr lang="pt-BR" sz="1200" b="0" i="0" dirty="0">
               <a:solidFill>
@@ -3965,7 +3758,7 @@
                 <a:effectLst/>
                 <a:latin typeface="Asap" panose="00000500000000000000"/>
               </a:rPr>
-              <a:t>I — Interface </a:t>
+              <a:t>L — </a:t>
             </a:r>
             <a:r>
               <a:rPr lang="pt-BR" sz="1200" b="1" i="0" dirty="0" err="1">
@@ -3975,7 +3768,7 @@
                 <a:effectLst/>
                 <a:latin typeface="Asap" panose="00000500000000000000"/>
               </a:rPr>
-              <a:t>Segregation</a:t>
+              <a:t>Liskov</a:t>
             </a:r>
             <a:r>
               <a:rPr lang="pt-BR" sz="1200" b="1" i="0" dirty="0">
@@ -3995,6 +3788,26 @@
                 <a:effectLst/>
                 <a:latin typeface="Asap" panose="00000500000000000000"/>
               </a:rPr>
+              <a:t>Substitution</a:t>
+            </a:r>
+            <a:r>
+              <a:rPr lang="pt-BR" sz="1200" b="1" i="0" dirty="0">
+                <a:solidFill>
+                  <a:srgbClr val="575756"/>
+                </a:solidFill>
+                <a:effectLst/>
+                <a:latin typeface="Asap" panose="00000500000000000000"/>
+              </a:rPr>
+              <a:t> </a:t>
+            </a:r>
+            <a:r>
+              <a:rPr lang="pt-BR" sz="1200" b="1" i="0" dirty="0" err="1">
+                <a:solidFill>
+                  <a:srgbClr val="575756"/>
+                </a:solidFill>
+                <a:effectLst/>
+                <a:latin typeface="Asap" panose="00000500000000000000"/>
+              </a:rPr>
               <a:t>Principle</a:t>
             </a:r>
             <a:r>
@@ -4015,7 +3828,27 @@
                 <a:effectLst/>
                 <a:latin typeface="Asap" panose="00000500000000000000"/>
               </a:rPr>
-              <a:t>(Princípio da segregação da Interface)</a:t>
+              <a:t>(Princípio da substituição de </a:t>
+            </a:r>
+            <a:r>
+              <a:rPr lang="pt-BR" sz="1200" b="0" i="0" dirty="0" err="1">
+                <a:solidFill>
+                  <a:srgbClr val="575756"/>
+                </a:solidFill>
+                <a:effectLst/>
+                <a:latin typeface="Asap" panose="00000500000000000000"/>
+              </a:rPr>
+              <a:t>Liskov</a:t>
+            </a:r>
+            <a:r>
+              <a:rPr lang="pt-BR" sz="1200" b="0" i="0" dirty="0">
+                <a:solidFill>
+                  <a:srgbClr val="575756"/>
+                </a:solidFill>
+                <a:effectLst/>
+                <a:latin typeface="Asap" panose="00000500000000000000"/>
+              </a:rPr>
+              <a:t>)</a:t>
             </a:r>
           </a:p>
           <a:p>
@@ -4034,7 +3867,7 @@
                 <a:effectLst/>
                 <a:latin typeface="source-serif-pro"/>
               </a:rPr>
-              <a:t>“muitas interfaces específicas são melhores do que uma interface geral” que se </a:t>
+              <a:t>“Os subtipos devem ser substituíveis pelos seus tipos base”, </a:t>
             </a:r>
             <a:r>
               <a:rPr lang="pt-BR" b="0" i="0" dirty="0">
@@ -4044,7 +3877,7 @@
                 <a:effectLst/>
                 <a:latin typeface="source-serif-pro"/>
               </a:rPr>
-              <a:t>trata da coesão em interfaces.</a:t>
+              <a:t>e que as classes/tipos base podem ser substituídas por qualquer uma das suas subclasses, ponderando sobre os cuidados para usar a herança no seu projeto de software. </a:t>
             </a:r>
           </a:p>
           <a:p>
@@ -4063,7 +3896,66 @@
                 <a:effectLst/>
                 <a:latin typeface="source-serif-pro"/>
               </a:rPr>
-              <a:t>Da construção de módulos enxutos, ou seja, com poucos comportamentos. Interfaces que possuem muitos comportamentos são difíceis de manter e evoluir, e devem ser evitadas.</a:t>
+              <a:t>Mesmo a herança sendo um mecanismo poderoso, ela deve ser utilizada de forma contextualizada e moderada, evitando os casos de classes serem estendidas apenas por possuírem algo em comum.</a:t>
+            </a:r>
+          </a:p>
+          <a:p>
+            <a:pPr marL="800100" lvl="1" indent="-342900" algn="just">
+              <a:lnSpc>
+                <a:spcPct val="100000"/>
+              </a:lnSpc>
+              <a:buFont typeface="Arial" panose="020B0604020202020204" pitchFamily="34" charset="0"/>
+              <a:buChar char="•"/>
+            </a:pPr>
+            <a:r>
+              <a:rPr lang="pt-BR" b="0" i="0" dirty="0">
+                <a:solidFill>
+                  <a:srgbClr val="292929"/>
+                </a:solidFill>
+                <a:effectLst/>
+                <a:latin typeface="source-serif-pro"/>
+              </a:rPr>
+              <a:t>Esse princípio foi descrito pela pesquisadora </a:t>
+            </a:r>
+            <a:r>
+              <a:rPr lang="pt-BR" b="1" i="1" dirty="0">
+                <a:solidFill>
+                  <a:srgbClr val="292929"/>
+                </a:solidFill>
+                <a:effectLst/>
+                <a:latin typeface="source-serif-pro"/>
+              </a:rPr>
+              <a:t>Barbara </a:t>
+            </a:r>
+            <a:r>
+              <a:rPr lang="pt-BR" b="1" i="1" dirty="0" err="1">
+                <a:solidFill>
+                  <a:srgbClr val="292929"/>
+                </a:solidFill>
+                <a:effectLst/>
+                <a:latin typeface="source-serif-pro"/>
+              </a:rPr>
+              <a:t>Liskov</a:t>
+            </a:r>
+            <a:r>
+              <a:rPr lang="pt-BR" b="0" i="0" dirty="0">
+                <a:solidFill>
+                  <a:srgbClr val="292929"/>
+                </a:solidFill>
+                <a:effectLst/>
+                <a:latin typeface="source-serif-pro"/>
+              </a:rPr>
+              <a:t>, em seu artigo de </a:t>
+            </a:r>
+            <a:r>
+              <a:rPr lang="pt-BR" b="1" i="0" dirty="0">
+                <a:solidFill>
+                  <a:srgbClr val="292929"/>
+                </a:solidFill>
+                <a:effectLst/>
+                <a:latin typeface="source-serif-pro"/>
+              </a:rPr>
+              <a:t>1988</a:t>
             </a:r>
             <a:endParaRPr lang="pt-BR" sz="1200" b="0" i="0" dirty="0">
               <a:solidFill>
@@ -4089,6 +3981,130 @@
                 <a:effectLst/>
                 <a:latin typeface="Asap" panose="00000500000000000000"/>
               </a:rPr>
+              <a:t>I — Interface </a:t>
+            </a:r>
+            <a:r>
+              <a:rPr lang="pt-BR" sz="1200" b="1" i="0" dirty="0" err="1">
+                <a:solidFill>
+                  <a:srgbClr val="575756"/>
+                </a:solidFill>
+                <a:effectLst/>
+                <a:latin typeface="Asap" panose="00000500000000000000"/>
+              </a:rPr>
+              <a:t>Segregation</a:t>
+            </a:r>
+            <a:r>
+              <a:rPr lang="pt-BR" sz="1200" b="1" i="0" dirty="0">
+                <a:solidFill>
+                  <a:srgbClr val="575756"/>
+                </a:solidFill>
+                <a:effectLst/>
+                <a:latin typeface="Asap" panose="00000500000000000000"/>
+              </a:rPr>
+              <a:t> </a:t>
+            </a:r>
+            <a:r>
+              <a:rPr lang="pt-BR" sz="1200" b="1" i="0" dirty="0" err="1">
+                <a:solidFill>
+                  <a:srgbClr val="575756"/>
+                </a:solidFill>
+                <a:effectLst/>
+                <a:latin typeface="Asap" panose="00000500000000000000"/>
+              </a:rPr>
+              <a:t>Principle</a:t>
+            </a:r>
+            <a:r>
+              <a:rPr lang="pt-BR" sz="1200" b="1" i="0" dirty="0">
+                <a:solidFill>
+                  <a:srgbClr val="575756"/>
+                </a:solidFill>
+                <a:effectLst/>
+                <a:latin typeface="Asap" panose="00000500000000000000"/>
+              </a:rPr>
+              <a:t> </a:t>
+            </a:r>
+            <a:r>
+              <a:rPr lang="pt-BR" sz="1200" b="0" i="0" dirty="0">
+                <a:solidFill>
+                  <a:srgbClr val="575756"/>
+                </a:solidFill>
+                <a:effectLst/>
+                <a:latin typeface="Asap" panose="00000500000000000000"/>
+              </a:rPr>
+              <a:t>(Princípio da segregação da Interface)</a:t>
+            </a:r>
+          </a:p>
+          <a:p>
+            <a:pPr marL="800100" lvl="1" indent="-342900" algn="just">
+              <a:lnSpc>
+                <a:spcPct val="100000"/>
+              </a:lnSpc>
+              <a:buFont typeface="Arial" panose="020B0604020202020204" pitchFamily="34" charset="0"/>
+              <a:buChar char="•"/>
+            </a:pPr>
+            <a:r>
+              <a:rPr lang="pt-BR" b="0" i="1" dirty="0">
+                <a:solidFill>
+                  <a:srgbClr val="292929"/>
+                </a:solidFill>
+                <a:effectLst/>
+                <a:latin typeface="source-serif-pro"/>
+              </a:rPr>
+              <a:t>“muitas interfaces específicas são melhores do que uma interface geral” que se </a:t>
+            </a:r>
+            <a:r>
+              <a:rPr lang="pt-BR" b="0" i="0" dirty="0">
+                <a:solidFill>
+                  <a:srgbClr val="292929"/>
+                </a:solidFill>
+                <a:effectLst/>
+                <a:latin typeface="source-serif-pro"/>
+              </a:rPr>
+              <a:t>trata da coesão em interfaces.</a:t>
+            </a:r>
+          </a:p>
+          <a:p>
+            <a:pPr marL="800100" lvl="1" indent="-342900" algn="just">
+              <a:lnSpc>
+                <a:spcPct val="100000"/>
+              </a:lnSpc>
+              <a:buFont typeface="Arial" panose="020B0604020202020204" pitchFamily="34" charset="0"/>
+              <a:buChar char="•"/>
+            </a:pPr>
+            <a:r>
+              <a:rPr lang="pt-BR" b="0" i="0" dirty="0">
+                <a:solidFill>
+                  <a:srgbClr val="292929"/>
+                </a:solidFill>
+                <a:effectLst/>
+                <a:latin typeface="source-serif-pro"/>
+              </a:rPr>
+              <a:t>Da construção de módulos enxutos, ou seja, com poucos comportamentos. Interfaces que possuem muitos comportamentos são difíceis de manter e evoluir, e devem ser evitadas.</a:t>
+            </a:r>
+            <a:endParaRPr lang="pt-BR" sz="1200" b="0" i="0" dirty="0">
+              <a:solidFill>
+                <a:srgbClr val="575756"/>
+              </a:solidFill>
+              <a:effectLst/>
+              <a:latin typeface="Asap" panose="00000500000000000000"/>
+            </a:endParaRPr>
+          </a:p>
+          <a:p>
+            <a:pPr marL="342900" indent="-342900" algn="just">
+              <a:lnSpc>
+                <a:spcPct val="100000"/>
+              </a:lnSpc>
+              <a:buFont typeface="+mj-lt"/>
+              <a:buAutoNum type="arabicPeriod"/>
+            </a:pPr>
+            <a:r>
+              <a:rPr lang="pt-BR" sz="1200" b="1" i="0" dirty="0">
+                <a:solidFill>
+                  <a:srgbClr val="575756"/>
+                </a:solidFill>
+                <a:effectLst/>
+                <a:latin typeface="Asap" panose="00000500000000000000"/>
+              </a:rPr>
               <a:t>D — </a:t>
             </a:r>
             <a:r>
@@ -4229,22 +4245,6 @@
               </a:solidFill>
               <a:effectLst/>
               <a:latin typeface="source-serif-pro"/>
-            </a:endParaRPr>
-          </a:p>
-          <a:p>
-            <a:pPr marL="342900" indent="-342900" algn="just">
-              <a:lnSpc>
-                <a:spcPct val="100000"/>
-              </a:lnSpc>
-              <a:buFont typeface="+mj-lt"/>
-              <a:buAutoNum type="arabicPeriod"/>
-            </a:pPr>
-            <a:endParaRPr lang="pt-BR" sz="1200" b="0" i="0" dirty="0">
-              <a:solidFill>
-                <a:srgbClr val="575756"/>
-              </a:solidFill>
-              <a:effectLst/>
-              <a:latin typeface="Asap" panose="00000500000000000000"/>
             </a:endParaRPr>
           </a:p>
           <a:p>
@@ -9016,7 +9016,7 @@
               </a:lnSpc>
             </a:pPr>
             <a:r>
-              <a:rPr lang="pt-BR" sz="1600" dirty="0">
+              <a:rPr lang="pt-BR" sz="1600" b="1" dirty="0">
                 <a:solidFill>
                   <a:srgbClr val="575756"/>
                 </a:solidFill>
@@ -9025,7 +9025,7 @@
               <a:t>A utilização de uma linguagem comum é chamada em Domain-</a:t>
             </a:r>
             <a:r>
-              <a:rPr lang="pt-BR" sz="1600" dirty="0" err="1">
+              <a:rPr lang="pt-BR" sz="1600" b="1" dirty="0" err="1">
                 <a:solidFill>
                   <a:srgbClr val="575756"/>
                 </a:solidFill>
@@ -9034,7 +9034,7 @@
               <a:t>Driven</a:t>
             </a:r>
             <a:r>
-              <a:rPr lang="pt-BR" sz="1600" dirty="0">
+              <a:rPr lang="pt-BR" sz="1600" b="1" dirty="0">
                 <a:solidFill>
                   <a:srgbClr val="575756"/>
                 </a:solidFill>
@@ -9043,7 +9043,7 @@
               <a:t> Design de </a:t>
             </a:r>
             <a:r>
-              <a:rPr lang="pt-BR" sz="1600" i="1" dirty="0" err="1">
+              <a:rPr lang="pt-BR" sz="1600" b="1" i="1" dirty="0" err="1">
                 <a:solidFill>
                   <a:srgbClr val="575756"/>
                 </a:solidFill>
@@ -9052,7 +9052,7 @@
               <a:t>ubliquitous</a:t>
             </a:r>
             <a:r>
-              <a:rPr lang="pt-BR" sz="1600" i="1" dirty="0">
+              <a:rPr lang="pt-BR" sz="1600" b="1" i="1" dirty="0">
                 <a:solidFill>
                   <a:srgbClr val="575756"/>
                 </a:solidFill>
@@ -9061,7 +9061,7 @@
               <a:t> </a:t>
             </a:r>
             <a:r>
-              <a:rPr lang="pt-BR" sz="1600" i="1" dirty="0" err="1">
+              <a:rPr lang="pt-BR" sz="1600" b="1" i="1" dirty="0" err="1">
                 <a:solidFill>
                   <a:srgbClr val="575756"/>
                 </a:solidFill>
@@ -9070,7 +9070,7 @@
               <a:t>language</a:t>
             </a:r>
             <a:r>
-              <a:rPr lang="pt-BR" sz="1600" i="1" dirty="0">
+              <a:rPr lang="pt-BR" sz="1600" b="1" i="1" dirty="0">
                 <a:solidFill>
                   <a:srgbClr val="575756"/>
                 </a:solidFill>
@@ -9079,7 +9079,7 @@
               <a:t>, </a:t>
             </a:r>
             <a:r>
-              <a:rPr lang="pt-BR" sz="1600" dirty="0">
+              <a:rPr lang="pt-BR" sz="1600" b="1" dirty="0">
                 <a:solidFill>
                   <a:srgbClr val="575756"/>
                 </a:solidFill>
@@ -9087,7 +9087,7 @@
               </a:rPr>
               <a:t>podemos traduzir o termo para linguagem onipresente.</a:t>
             </a:r>
-            <a:endParaRPr lang="pt-BR" sz="1600" i="1" dirty="0">
+            <a:endParaRPr lang="pt-BR" sz="1600" b="1" i="1" dirty="0">
               <a:solidFill>
                 <a:srgbClr val="575756"/>
               </a:solidFill>
@@ -13129,7 +13129,7 @@
               </a:lnSpc>
             </a:pPr>
             <a:r>
-              <a:rPr lang="pt-BR" sz="1600" dirty="0">
+              <a:rPr lang="pt-BR" sz="1600" b="1" dirty="0">
                 <a:solidFill>
                   <a:srgbClr val="575756"/>
                 </a:solidFill>
@@ -14250,7 +14250,61 @@
                 </a:solidFill>
                 <a:latin typeface="Asap" panose="00000500000000000000"/>
               </a:rPr>
-              <a:t>Um dos maiores erros da programação moderna é a escrita de código com “obsolescência programada” ou seja escrevemos código como “escribas”, visando o atendimento do que foi proposto em documento.</a:t>
+              <a:t>Para </a:t>
+            </a:r>
+            <a:r>
+              <a:rPr lang="pt-BR" sz="1600" dirty="0" err="1">
+                <a:solidFill>
+                  <a:srgbClr val="575756"/>
+                </a:solidFill>
+                <a:latin typeface="Asap" panose="00000500000000000000"/>
+              </a:rPr>
+              <a:t>Bjarne</a:t>
+            </a:r>
+            <a:r>
+              <a:rPr lang="pt-BR" sz="1600" dirty="0">
+                <a:solidFill>
+                  <a:srgbClr val="575756"/>
+                </a:solidFill>
+                <a:latin typeface="Asap" panose="00000500000000000000"/>
+              </a:rPr>
+              <a:t> o criador do C++ quando questionado sobre o que é um “Código Limpo”, ele comenta que gosta de seu código </a:t>
+            </a:r>
+            <a:r>
+              <a:rPr lang="pt-BR" sz="1600" b="1" dirty="0">
+                <a:solidFill>
+                  <a:srgbClr val="575756"/>
+                </a:solidFill>
+                <a:latin typeface="Asap" panose="00000500000000000000"/>
+              </a:rPr>
+              <a:t>“elegante” </a:t>
+            </a:r>
+            <a:r>
+              <a:rPr lang="pt-BR" sz="1600" dirty="0">
+                <a:solidFill>
+                  <a:srgbClr val="575756"/>
+                </a:solidFill>
+                <a:latin typeface="Asap" panose="00000500000000000000"/>
+              </a:rPr>
+              <a:t>e  </a:t>
+            </a:r>
+            <a:r>
+              <a:rPr lang="pt-BR" sz="1600" b="1" dirty="0">
+                <a:solidFill>
+                  <a:srgbClr val="575756"/>
+                </a:solidFill>
+                <a:latin typeface="Asap" panose="00000500000000000000"/>
+              </a:rPr>
+              <a:t>“eficiente”, </a:t>
+            </a:r>
+            <a:r>
+              <a:rPr lang="pt-BR" sz="1600" dirty="0">
+                <a:solidFill>
+                  <a:srgbClr val="575756"/>
+                </a:solidFill>
+                <a:latin typeface="Asap" panose="00000500000000000000"/>
+              </a:rPr>
+              <a:t>com uma lógica direta para dificultar o aparecimento de erros e baixo acoplamento para facilitar a manutenção.</a:t>
             </a:r>
           </a:p>
           <a:p>
@@ -14266,7 +14320,43 @@
                 </a:solidFill>
                 <a:latin typeface="Asap" panose="00000500000000000000"/>
               </a:rPr>
-              <a:t>Quando o objetivo é atingido, nós não nos preocupamos, em como esse código irá se comportar no futuro, esse que muitas vezes está mais perto do que pensávamos.</a:t>
+              <a:t>Se pegarmos a citação dele sobre </a:t>
+            </a:r>
+            <a:r>
+              <a:rPr lang="pt-BR" sz="1600" b="1" dirty="0">
+                <a:solidFill>
+                  <a:srgbClr val="575756"/>
+                </a:solidFill>
+                <a:latin typeface="Asap" panose="00000500000000000000"/>
+              </a:rPr>
+              <a:t>“elegante”  </a:t>
+            </a:r>
+            <a:r>
+              <a:rPr lang="pt-BR" sz="1600" dirty="0">
+                <a:solidFill>
+                  <a:srgbClr val="575756"/>
+                </a:solidFill>
+                <a:latin typeface="Asap" panose="00000500000000000000"/>
+              </a:rPr>
+              <a:t>e pesquisarmos no dicionário, podemos observar, definições como “naturalidade e harmonia”, “fino e estiloso” ou seja para </a:t>
+            </a:r>
+            <a:r>
+              <a:rPr lang="pt-BR" sz="1600" dirty="0" err="1">
+                <a:solidFill>
+                  <a:srgbClr val="575756"/>
+                </a:solidFill>
+                <a:latin typeface="Asap" panose="00000500000000000000"/>
+              </a:rPr>
+              <a:t>Bjarne</a:t>
+            </a:r>
+            <a:r>
+              <a:rPr lang="pt-BR" sz="1600" dirty="0">
+                <a:solidFill>
+                  <a:srgbClr val="575756"/>
+                </a:solidFill>
+                <a:latin typeface="Asap" panose="00000500000000000000"/>
+              </a:rPr>
+              <a:t> o código limpo proporciona uma leitura natural; e lê-lo deve ser belo como ouvir uma música por exemplo.</a:t>
             </a:r>
           </a:p>
           <a:p>
@@ -14282,7 +14372,7 @@
                 </a:solidFill>
                 <a:latin typeface="Asap" panose="00000500000000000000"/>
               </a:rPr>
-              <a:t>Aplicações modernas sempre estão evoluindo acompanhando a agressividade do mercado, procurando trazer mais valor.</a:t>
+              <a:t>Já a palavra “eficiente” vindo do criador do C++, talvez faça sentido, porém para nosso dia-a-dia, podemos considerar a eficiência como mecanismos para proporcionar ao código simplicidade e clareza. </a:t>
             </a:r>
           </a:p>
           <a:p>
@@ -14292,45 +14382,13 @@
               </a:lnSpc>
             </a:pPr>
             <a:r>
-              <a:rPr lang="pt-BR" sz="1600" dirty="0">
-                <a:solidFill>
-                  <a:srgbClr val="575756"/>
-                </a:solidFill>
-                <a:latin typeface="Asap" panose="00000500000000000000"/>
-              </a:rPr>
-              <a:t>Com esse crescimento desenfreado, sem as devidas preocupações, geramos aplicações com alto acoplamento (dependência) entre seus componentes.</a:t>
-            </a:r>
-          </a:p>
-          <a:p>
-            <a:pPr algn="just">
-              <a:lnSpc>
-                <a:spcPct val="100000"/>
-              </a:lnSpc>
-            </a:pPr>
-            <a:r>
-              <a:rPr lang="pt-BR" sz="1600" dirty="0">
-                <a:solidFill>
-                  <a:srgbClr val="575756"/>
-                </a:solidFill>
-                <a:latin typeface="Asap" panose="00000500000000000000"/>
-              </a:rPr>
-              <a:t>Quanto maior o acoplamento, maior será a complexidade da manutenção.</a:t>
-            </a:r>
-          </a:p>
-          <a:p>
-            <a:pPr algn="just">
-              <a:lnSpc>
-                <a:spcPct val="100000"/>
-              </a:lnSpc>
-            </a:pPr>
-            <a:r>
               <a:rPr lang="pt-BR" sz="1600" b="1" dirty="0">
                 <a:solidFill>
                   <a:srgbClr val="575756"/>
                 </a:solidFill>
                 <a:latin typeface="Asap" panose="00000500000000000000"/>
               </a:rPr>
-              <a:t>Quando falamos em desenvolvimento, velocidade e capacidade a complexidade é um fator determinante para mensurar o custo total daquela implementação, logo podemos afirmar que complexidade = custo.</a:t>
+              <a:t>Logo Clean Code é um conjunto de práticas para que nosso código seja claro e objetivo no que se propõe a fazer, de maneira que sua leitura seja intuitiva.</a:t>
             </a:r>
           </a:p>
         </p:txBody>
@@ -14351,8 +14409,8 @@
         </p:nvSpPr>
         <p:spPr>
           <a:xfrm>
-            <a:off x="556661" y="1227364"/>
-            <a:ext cx="3423406" cy="1531634"/>
+            <a:off x="712366" y="1227364"/>
+            <a:ext cx="3423406" cy="1535948"/>
           </a:xfrm>
           <a:prstGeom prst="rect">
             <a:avLst/>
@@ -14408,10 +14466,221 @@
       </p:sp>
       <p:sp>
         <p:nvSpPr>
-          <p:cNvPr id="2" name="Retângulo 1">
+          <p:cNvPr id="5" name="Espaço Reservado para Conteúdo 2">
             <a:extLst>
               <a:ext uri="{FF2B5EF4-FFF2-40B4-BE49-F238E27FC236}">
-                <a16:creationId xmlns:a16="http://schemas.microsoft.com/office/drawing/2014/main" id="{8E36D803-4DDA-60A9-32E4-0DA06591FC95}"/>
+                <a16:creationId xmlns:a16="http://schemas.microsoft.com/office/drawing/2014/main" id="{298CF56C-531D-456B-926E-E1934EBBFA79}"/>
+              </a:ext>
+            </a:extLst>
+          </p:cNvPr>
+          <p:cNvSpPr txBox="1">
+            <a:spLocks/>
+          </p:cNvSpPr>
+          <p:nvPr/>
+        </p:nvSpPr>
+        <p:spPr>
+          <a:xfrm>
+            <a:off x="3885176" y="1430000"/>
+            <a:ext cx="7350904" cy="4403272"/>
+          </a:xfrm>
+          <a:prstGeom prst="rect">
+            <a:avLst/>
+          </a:prstGeom>
+        </p:spPr>
+        <p:txBody>
+          <a:bodyPr vert="horz" lIns="91440" tIns="45720" rIns="91440" bIns="45720" rtlCol="0">
+            <a:normAutofit/>
+          </a:bodyPr>
+          <a:lstStyle>
+            <a:lvl1pPr marL="228600" indent="-228600" algn="l" defTabSz="914400" rtl="0" eaLnBrk="1" latinLnBrk="0" hangingPunct="1">
+              <a:lnSpc>
+                <a:spcPct val="90000"/>
+              </a:lnSpc>
+              <a:spcBef>
+                <a:spcPts val="1000"/>
+              </a:spcBef>
+              <a:buFont typeface="Arial" panose="020B0604020202020204" pitchFamily="34" charset="0"/>
+              <a:buChar char="•"/>
+              <a:defRPr sz="2800" kern="1200">
+                <a:solidFill>
+                  <a:schemeClr val="tx1"/>
+                </a:solidFill>
+                <a:latin typeface="+mn-lt"/>
+                <a:ea typeface="+mn-ea"/>
+                <a:cs typeface="+mn-cs"/>
+              </a:defRPr>
+            </a:lvl1pPr>
+            <a:lvl2pPr marL="685800" indent="-228600" algn="l" defTabSz="914400" rtl="0" eaLnBrk="1" latinLnBrk="0" hangingPunct="1">
+              <a:lnSpc>
+                <a:spcPct val="90000"/>
+              </a:lnSpc>
+              <a:spcBef>
+                <a:spcPts val="500"/>
+              </a:spcBef>
+              <a:buFont typeface="Arial" panose="020B0604020202020204" pitchFamily="34" charset="0"/>
+              <a:buChar char="•"/>
+              <a:defRPr sz="2400" kern="1200">
+                <a:solidFill>
+                  <a:schemeClr val="tx1"/>
+                </a:solidFill>
+                <a:latin typeface="+mn-lt"/>
+                <a:ea typeface="+mn-ea"/>
+                <a:cs typeface="+mn-cs"/>
+              </a:defRPr>
+            </a:lvl2pPr>
+            <a:lvl3pPr marL="1143000" indent="-228600" algn="l" defTabSz="914400" rtl="0" eaLnBrk="1" latinLnBrk="0" hangingPunct="1">
+              <a:lnSpc>
+                <a:spcPct val="90000"/>
+              </a:lnSpc>
+              <a:spcBef>
+                <a:spcPts val="500"/>
+              </a:spcBef>
+              <a:buFont typeface="Arial" panose="020B0604020202020204" pitchFamily="34" charset="0"/>
+              <a:buChar char="•"/>
+              <a:defRPr sz="2000" kern="1200">
+                <a:solidFill>
+                  <a:schemeClr val="tx1"/>
+                </a:solidFill>
+                <a:latin typeface="+mn-lt"/>
+                <a:ea typeface="+mn-ea"/>
+                <a:cs typeface="+mn-cs"/>
+              </a:defRPr>
+            </a:lvl3pPr>
+            <a:lvl4pPr marL="1600200" indent="-228600" algn="l" defTabSz="914400" rtl="0" eaLnBrk="1" latinLnBrk="0" hangingPunct="1">
+              <a:lnSpc>
+                <a:spcPct val="90000"/>
+              </a:lnSpc>
+              <a:spcBef>
+                <a:spcPts val="500"/>
+              </a:spcBef>
+              <a:buFont typeface="Arial" panose="020B0604020202020204" pitchFamily="34" charset="0"/>
+              <a:buChar char="•"/>
+              <a:defRPr sz="1800" kern="1200">
+                <a:solidFill>
+                  <a:schemeClr val="tx1"/>
+                </a:solidFill>
+                <a:latin typeface="+mn-lt"/>
+                <a:ea typeface="+mn-ea"/>
+                <a:cs typeface="+mn-cs"/>
+              </a:defRPr>
+            </a:lvl4pPr>
+            <a:lvl5pPr marL="2057400" indent="-228600" algn="l" defTabSz="914400" rtl="0" eaLnBrk="1" latinLnBrk="0" hangingPunct="1">
+              <a:lnSpc>
+                <a:spcPct val="90000"/>
+              </a:lnSpc>
+              <a:spcBef>
+                <a:spcPts val="500"/>
+              </a:spcBef>
+              <a:buFont typeface="Arial" panose="020B0604020202020204" pitchFamily="34" charset="0"/>
+              <a:buChar char="•"/>
+              <a:defRPr sz="1800" kern="1200">
+                <a:solidFill>
+                  <a:schemeClr val="tx1"/>
+                </a:solidFill>
+                <a:latin typeface="+mn-lt"/>
+                <a:ea typeface="+mn-ea"/>
+                <a:cs typeface="+mn-cs"/>
+              </a:defRPr>
+            </a:lvl5pPr>
+            <a:lvl6pPr marL="2514600" indent="-228600" algn="l" defTabSz="914400" rtl="0" eaLnBrk="1" latinLnBrk="0" hangingPunct="1">
+              <a:lnSpc>
+                <a:spcPct val="90000"/>
+              </a:lnSpc>
+              <a:spcBef>
+                <a:spcPts val="500"/>
+              </a:spcBef>
+              <a:buFont typeface="Arial" panose="020B0604020202020204" pitchFamily="34" charset="0"/>
+              <a:buChar char="•"/>
+              <a:defRPr sz="1800" kern="1200">
+                <a:solidFill>
+                  <a:schemeClr val="tx1"/>
+                </a:solidFill>
+                <a:latin typeface="+mn-lt"/>
+                <a:ea typeface="+mn-ea"/>
+                <a:cs typeface="+mn-cs"/>
+              </a:defRPr>
+            </a:lvl6pPr>
+            <a:lvl7pPr marL="2971800" indent="-228600" algn="l" defTabSz="914400" rtl="0" eaLnBrk="1" latinLnBrk="0" hangingPunct="1">
+              <a:lnSpc>
+                <a:spcPct val="90000"/>
+              </a:lnSpc>
+              <a:spcBef>
+                <a:spcPts val="500"/>
+              </a:spcBef>
+              <a:buFont typeface="Arial" panose="020B0604020202020204" pitchFamily="34" charset="0"/>
+              <a:buChar char="•"/>
+              <a:defRPr sz="1800" kern="1200">
+                <a:solidFill>
+                  <a:schemeClr val="tx1"/>
+                </a:solidFill>
+                <a:latin typeface="+mn-lt"/>
+                <a:ea typeface="+mn-ea"/>
+                <a:cs typeface="+mn-cs"/>
+              </a:defRPr>
+            </a:lvl7pPr>
+            <a:lvl8pPr marL="3429000" indent="-228600" algn="l" defTabSz="914400" rtl="0" eaLnBrk="1" latinLnBrk="0" hangingPunct="1">
+              <a:lnSpc>
+                <a:spcPct val="90000"/>
+              </a:lnSpc>
+              <a:spcBef>
+                <a:spcPts val="500"/>
+              </a:spcBef>
+              <a:buFont typeface="Arial" panose="020B0604020202020204" pitchFamily="34" charset="0"/>
+              <a:buChar char="•"/>
+              <a:defRPr sz="1800" kern="1200">
+                <a:solidFill>
+                  <a:schemeClr val="tx1"/>
+                </a:solidFill>
+                <a:latin typeface="+mn-lt"/>
+                <a:ea typeface="+mn-ea"/>
+                <a:cs typeface="+mn-cs"/>
+              </a:defRPr>
+            </a:lvl8pPr>
+            <a:lvl9pPr marL="3886200" indent="-228600" algn="l" defTabSz="914400" rtl="0" eaLnBrk="1" latinLnBrk="0" hangingPunct="1">
+              <a:lnSpc>
+                <a:spcPct val="90000"/>
+              </a:lnSpc>
+              <a:spcBef>
+                <a:spcPts val="500"/>
+              </a:spcBef>
+              <a:buFont typeface="Arial" panose="020B0604020202020204" pitchFamily="34" charset="0"/>
+              <a:buChar char="•"/>
+              <a:defRPr sz="1800" kern="1200">
+                <a:solidFill>
+                  <a:schemeClr val="tx1"/>
+                </a:solidFill>
+                <a:latin typeface="+mn-lt"/>
+                <a:ea typeface="+mn-ea"/>
+                <a:cs typeface="+mn-cs"/>
+              </a:defRPr>
+            </a:lvl9pPr>
+          </a:lstStyle>
+          <a:p>
+            <a:pPr marL="0" indent="0">
+              <a:lnSpc>
+                <a:spcPct val="100000"/>
+              </a:lnSpc>
+              <a:buFont typeface="Arial" panose="020B0604020202020204" pitchFamily="34" charset="0"/>
+              <a:buNone/>
+            </a:pPr>
+            <a:r>
+              <a:rPr lang="pt-BR" sz="2600" dirty="0">
+                <a:solidFill>
+                  <a:srgbClr val="575756"/>
+                </a:solidFill>
+                <a:latin typeface="Asap" panose="00000500000000000000" pitchFamily="2" charset="0"/>
+              </a:rPr>
+              <a:t> </a:t>
+            </a:r>
+          </a:p>
+        </p:txBody>
+      </p:sp>
+      <p:sp>
+        <p:nvSpPr>
+          <p:cNvPr id="4" name="Retângulo 3">
+            <a:extLst>
+              <a:ext uri="{FF2B5EF4-FFF2-40B4-BE49-F238E27FC236}">
+                <a16:creationId xmlns:a16="http://schemas.microsoft.com/office/drawing/2014/main" id="{0A9AE514-C283-A8B9-0EA0-7498936E0F5B}"/>
               </a:ext>
             </a:extLst>
           </p:cNvPr>
@@ -14420,8 +14689,8 @@
         </p:nvSpPr>
         <p:spPr>
           <a:xfrm>
-            <a:off x="4135772" y="4511615"/>
-            <a:ext cx="6715489" cy="948906"/>
+            <a:off x="4135772" y="4270075"/>
+            <a:ext cx="6871534" cy="897508"/>
           </a:xfrm>
           <a:prstGeom prst="rect">
             <a:avLst/>
@@ -14463,7 +14732,7 @@
     </p:spTree>
     <p:extLst>
       <p:ext uri="{BB962C8B-B14F-4D97-AF65-F5344CB8AC3E}">
-        <p14:creationId xmlns:p14="http://schemas.microsoft.com/office/powerpoint/2010/main" val="3863630888"/>
+        <p14:creationId xmlns:p14="http://schemas.microsoft.com/office/powerpoint/2010/main" val="851026022"/>
       </p:ext>
     </p:extLst>
   </p:cSld>
@@ -14530,555 +14799,6 @@
                 </a:solidFill>
                 <a:latin typeface="Asap" panose="00000500000000000000"/>
               </a:rPr>
-              <a:t>Para </a:t>
-            </a:r>
-            <a:r>
-              <a:rPr lang="pt-BR" sz="1600" dirty="0" err="1">
-                <a:solidFill>
-                  <a:srgbClr val="575756"/>
-                </a:solidFill>
-                <a:latin typeface="Asap" panose="00000500000000000000"/>
-              </a:rPr>
-              <a:t>Bjarne</a:t>
-            </a:r>
-            <a:r>
-              <a:rPr lang="pt-BR" sz="1600" dirty="0">
-                <a:solidFill>
-                  <a:srgbClr val="575756"/>
-                </a:solidFill>
-                <a:latin typeface="Asap" panose="00000500000000000000"/>
-              </a:rPr>
-              <a:t> o criador do C++ quando questionado sobre o que é um “Código Limpo”, ele comenta que gosta de seu código </a:t>
-            </a:r>
-            <a:r>
-              <a:rPr lang="pt-BR" sz="1600" b="1" dirty="0">
-                <a:solidFill>
-                  <a:srgbClr val="575756"/>
-                </a:solidFill>
-                <a:latin typeface="Asap" panose="00000500000000000000"/>
-              </a:rPr>
-              <a:t>“elegante” </a:t>
-            </a:r>
-            <a:r>
-              <a:rPr lang="pt-BR" sz="1600" dirty="0">
-                <a:solidFill>
-                  <a:srgbClr val="575756"/>
-                </a:solidFill>
-                <a:latin typeface="Asap" panose="00000500000000000000"/>
-              </a:rPr>
-              <a:t>e  </a:t>
-            </a:r>
-            <a:r>
-              <a:rPr lang="pt-BR" sz="1600" b="1" dirty="0">
-                <a:solidFill>
-                  <a:srgbClr val="575756"/>
-                </a:solidFill>
-                <a:latin typeface="Asap" panose="00000500000000000000"/>
-              </a:rPr>
-              <a:t>“eficiente”, </a:t>
-            </a:r>
-            <a:r>
-              <a:rPr lang="pt-BR" sz="1600" dirty="0">
-                <a:solidFill>
-                  <a:srgbClr val="575756"/>
-                </a:solidFill>
-                <a:latin typeface="Asap" panose="00000500000000000000"/>
-              </a:rPr>
-              <a:t>com uma lógica direta para dificultar o aparecimento de erros e baixo acoplamento para facilitar a manutenção.</a:t>
-            </a:r>
-          </a:p>
-          <a:p>
-            <a:pPr algn="just">
-              <a:lnSpc>
-                <a:spcPct val="100000"/>
-              </a:lnSpc>
-            </a:pPr>
-            <a:r>
-              <a:rPr lang="pt-BR" sz="1600" dirty="0">
-                <a:solidFill>
-                  <a:srgbClr val="575756"/>
-                </a:solidFill>
-                <a:latin typeface="Asap" panose="00000500000000000000"/>
-              </a:rPr>
-              <a:t>Se pegarmos a citação dele sobre </a:t>
-            </a:r>
-            <a:r>
-              <a:rPr lang="pt-BR" sz="1600" b="1" dirty="0">
-                <a:solidFill>
-                  <a:srgbClr val="575756"/>
-                </a:solidFill>
-                <a:latin typeface="Asap" panose="00000500000000000000"/>
-              </a:rPr>
-              <a:t>“elegante”  </a:t>
-            </a:r>
-            <a:r>
-              <a:rPr lang="pt-BR" sz="1600" dirty="0">
-                <a:solidFill>
-                  <a:srgbClr val="575756"/>
-                </a:solidFill>
-                <a:latin typeface="Asap" panose="00000500000000000000"/>
-              </a:rPr>
-              <a:t>e pesquisarmos no dicionário, podemos observar, definições como “naturalidade e harmonia”, “fino e estiloso” ou seja para </a:t>
-            </a:r>
-            <a:r>
-              <a:rPr lang="pt-BR" sz="1600" dirty="0" err="1">
-                <a:solidFill>
-                  <a:srgbClr val="575756"/>
-                </a:solidFill>
-                <a:latin typeface="Asap" panose="00000500000000000000"/>
-              </a:rPr>
-              <a:t>Bjarne</a:t>
-            </a:r>
-            <a:r>
-              <a:rPr lang="pt-BR" sz="1600" dirty="0">
-                <a:solidFill>
-                  <a:srgbClr val="575756"/>
-                </a:solidFill>
-                <a:latin typeface="Asap" panose="00000500000000000000"/>
-              </a:rPr>
-              <a:t> o código limpo proporciona uma leitura natural; e lê-lo deve ser belo como ouvir uma música por exemplo.</a:t>
-            </a:r>
-          </a:p>
-          <a:p>
-            <a:pPr algn="just">
-              <a:lnSpc>
-                <a:spcPct val="100000"/>
-              </a:lnSpc>
-            </a:pPr>
-            <a:r>
-              <a:rPr lang="pt-BR" sz="1600" dirty="0">
-                <a:solidFill>
-                  <a:srgbClr val="575756"/>
-                </a:solidFill>
-                <a:latin typeface="Asap" panose="00000500000000000000"/>
-              </a:rPr>
-              <a:t>Já a palavra “eficiente” vindo do criador do C++, talvez faça sentido, porém para nosso dia-a-dia, podemos considerar a eficiência como mecanismos para proporcionar ao código simplicidade e clareza. </a:t>
-            </a:r>
-          </a:p>
-          <a:p>
-            <a:pPr algn="just">
-              <a:lnSpc>
-                <a:spcPct val="100000"/>
-              </a:lnSpc>
-            </a:pPr>
-            <a:r>
-              <a:rPr lang="pt-BR" sz="1600" b="1" dirty="0">
-                <a:solidFill>
-                  <a:srgbClr val="575756"/>
-                </a:solidFill>
-                <a:latin typeface="Asap" panose="00000500000000000000"/>
-              </a:rPr>
-              <a:t>Logo Clean Code é um conjunto de práticas para que nosso código seja claro e objetivo no que se propõe a fazer, de maneira que sua leitura seja intuitiva.</a:t>
-            </a:r>
-          </a:p>
-        </p:txBody>
-      </p:sp>
-      <p:sp>
-        <p:nvSpPr>
-          <p:cNvPr id="6" name="Título 1">
-            <a:extLst>
-              <a:ext uri="{FF2B5EF4-FFF2-40B4-BE49-F238E27FC236}">
-                <a16:creationId xmlns:a16="http://schemas.microsoft.com/office/drawing/2014/main" id="{29506E41-E78A-4624-9442-2C05FCDFFDD1}"/>
-              </a:ext>
-            </a:extLst>
-          </p:cNvPr>
-          <p:cNvSpPr txBox="1">
-            <a:spLocks/>
-          </p:cNvSpPr>
-          <p:nvPr/>
-        </p:nvSpPr>
-        <p:spPr>
-          <a:xfrm>
-            <a:off x="712366" y="1227364"/>
-            <a:ext cx="3423406" cy="1535948"/>
-          </a:xfrm>
-          <a:prstGeom prst="rect">
-            <a:avLst/>
-          </a:prstGeom>
-        </p:spPr>
-        <p:txBody>
-          <a:bodyPr vert="horz" lIns="91440" tIns="45720" rIns="91440" bIns="45720" rtlCol="0" anchor="ctr">
-            <a:normAutofit fontScale="97500"/>
-          </a:bodyPr>
-          <a:lstStyle>
-            <a:lvl1pPr algn="l" defTabSz="914400" rtl="0" eaLnBrk="1" latinLnBrk="0" hangingPunct="1">
-              <a:lnSpc>
-                <a:spcPct val="90000"/>
-              </a:lnSpc>
-              <a:spcBef>
-                <a:spcPct val="0"/>
-              </a:spcBef>
-              <a:buNone/>
-              <a:defRPr sz="4400" kern="1200">
-                <a:solidFill>
-                  <a:schemeClr val="tx1"/>
-                </a:solidFill>
-                <a:latin typeface="+mj-lt"/>
-                <a:ea typeface="+mj-ea"/>
-                <a:cs typeface="+mj-cs"/>
-              </a:defRPr>
-            </a:lvl1pPr>
-          </a:lstStyle>
-          <a:p>
-            <a:r>
-              <a:rPr lang="pt-BR" b="1" dirty="0">
-                <a:solidFill>
-                  <a:srgbClr val="22438A"/>
-                </a:solidFill>
-                <a:latin typeface="Asap" panose="00000500000000000000" pitchFamily="2" charset="0"/>
-              </a:rPr>
-              <a:t>O que é </a:t>
-            </a:r>
-          </a:p>
-          <a:p>
-            <a:r>
-              <a:rPr lang="pt-BR" b="1" dirty="0">
-                <a:solidFill>
-                  <a:srgbClr val="22438A"/>
-                </a:solidFill>
-                <a:latin typeface="Asap" panose="00000500000000000000" pitchFamily="2" charset="0"/>
-              </a:rPr>
-              <a:t>Clean Code ?</a:t>
-            </a:r>
-            <a:endParaRPr lang="pt-BR" b="1" dirty="0"/>
-          </a:p>
-        </p:txBody>
-      </p:sp>
-      <p:sp>
-        <p:nvSpPr>
-          <p:cNvPr id="5" name="Espaço Reservado para Conteúdo 2">
-            <a:extLst>
-              <a:ext uri="{FF2B5EF4-FFF2-40B4-BE49-F238E27FC236}">
-                <a16:creationId xmlns:a16="http://schemas.microsoft.com/office/drawing/2014/main" id="{298CF56C-531D-456B-926E-E1934EBBFA79}"/>
-              </a:ext>
-            </a:extLst>
-          </p:cNvPr>
-          <p:cNvSpPr txBox="1">
-            <a:spLocks/>
-          </p:cNvSpPr>
-          <p:nvPr/>
-        </p:nvSpPr>
-        <p:spPr>
-          <a:xfrm>
-            <a:off x="3885176" y="1430000"/>
-            <a:ext cx="7350904" cy="4403272"/>
-          </a:xfrm>
-          <a:prstGeom prst="rect">
-            <a:avLst/>
-          </a:prstGeom>
-        </p:spPr>
-        <p:txBody>
-          <a:bodyPr vert="horz" lIns="91440" tIns="45720" rIns="91440" bIns="45720" rtlCol="0">
-            <a:normAutofit/>
-          </a:bodyPr>
-          <a:lstStyle>
-            <a:lvl1pPr marL="228600" indent="-228600" algn="l" defTabSz="914400" rtl="0" eaLnBrk="1" latinLnBrk="0" hangingPunct="1">
-              <a:lnSpc>
-                <a:spcPct val="90000"/>
-              </a:lnSpc>
-              <a:spcBef>
-                <a:spcPts val="1000"/>
-              </a:spcBef>
-              <a:buFont typeface="Arial" panose="020B0604020202020204" pitchFamily="34" charset="0"/>
-              <a:buChar char="•"/>
-              <a:defRPr sz="2800" kern="1200">
-                <a:solidFill>
-                  <a:schemeClr val="tx1"/>
-                </a:solidFill>
-                <a:latin typeface="+mn-lt"/>
-                <a:ea typeface="+mn-ea"/>
-                <a:cs typeface="+mn-cs"/>
-              </a:defRPr>
-            </a:lvl1pPr>
-            <a:lvl2pPr marL="685800" indent="-228600" algn="l" defTabSz="914400" rtl="0" eaLnBrk="1" latinLnBrk="0" hangingPunct="1">
-              <a:lnSpc>
-                <a:spcPct val="90000"/>
-              </a:lnSpc>
-              <a:spcBef>
-                <a:spcPts val="500"/>
-              </a:spcBef>
-              <a:buFont typeface="Arial" panose="020B0604020202020204" pitchFamily="34" charset="0"/>
-              <a:buChar char="•"/>
-              <a:defRPr sz="2400" kern="1200">
-                <a:solidFill>
-                  <a:schemeClr val="tx1"/>
-                </a:solidFill>
-                <a:latin typeface="+mn-lt"/>
-                <a:ea typeface="+mn-ea"/>
-                <a:cs typeface="+mn-cs"/>
-              </a:defRPr>
-            </a:lvl2pPr>
-            <a:lvl3pPr marL="1143000" indent="-228600" algn="l" defTabSz="914400" rtl="0" eaLnBrk="1" latinLnBrk="0" hangingPunct="1">
-              <a:lnSpc>
-                <a:spcPct val="90000"/>
-              </a:lnSpc>
-              <a:spcBef>
-                <a:spcPts val="500"/>
-              </a:spcBef>
-              <a:buFont typeface="Arial" panose="020B0604020202020204" pitchFamily="34" charset="0"/>
-              <a:buChar char="•"/>
-              <a:defRPr sz="2000" kern="1200">
-                <a:solidFill>
-                  <a:schemeClr val="tx1"/>
-                </a:solidFill>
-                <a:latin typeface="+mn-lt"/>
-                <a:ea typeface="+mn-ea"/>
-                <a:cs typeface="+mn-cs"/>
-              </a:defRPr>
-            </a:lvl3pPr>
-            <a:lvl4pPr marL="1600200" indent="-228600" algn="l" defTabSz="914400" rtl="0" eaLnBrk="1" latinLnBrk="0" hangingPunct="1">
-              <a:lnSpc>
-                <a:spcPct val="90000"/>
-              </a:lnSpc>
-              <a:spcBef>
-                <a:spcPts val="500"/>
-              </a:spcBef>
-              <a:buFont typeface="Arial" panose="020B0604020202020204" pitchFamily="34" charset="0"/>
-              <a:buChar char="•"/>
-              <a:defRPr sz="1800" kern="1200">
-                <a:solidFill>
-                  <a:schemeClr val="tx1"/>
-                </a:solidFill>
-                <a:latin typeface="+mn-lt"/>
-                <a:ea typeface="+mn-ea"/>
-                <a:cs typeface="+mn-cs"/>
-              </a:defRPr>
-            </a:lvl4pPr>
-            <a:lvl5pPr marL="2057400" indent="-228600" algn="l" defTabSz="914400" rtl="0" eaLnBrk="1" latinLnBrk="0" hangingPunct="1">
-              <a:lnSpc>
-                <a:spcPct val="90000"/>
-              </a:lnSpc>
-              <a:spcBef>
-                <a:spcPts val="500"/>
-              </a:spcBef>
-              <a:buFont typeface="Arial" panose="020B0604020202020204" pitchFamily="34" charset="0"/>
-              <a:buChar char="•"/>
-              <a:defRPr sz="1800" kern="1200">
-                <a:solidFill>
-                  <a:schemeClr val="tx1"/>
-                </a:solidFill>
-                <a:latin typeface="+mn-lt"/>
-                <a:ea typeface="+mn-ea"/>
-                <a:cs typeface="+mn-cs"/>
-              </a:defRPr>
-            </a:lvl5pPr>
-            <a:lvl6pPr marL="2514600" indent="-228600" algn="l" defTabSz="914400" rtl="0" eaLnBrk="1" latinLnBrk="0" hangingPunct="1">
-              <a:lnSpc>
-                <a:spcPct val="90000"/>
-              </a:lnSpc>
-              <a:spcBef>
-                <a:spcPts val="500"/>
-              </a:spcBef>
-              <a:buFont typeface="Arial" panose="020B0604020202020204" pitchFamily="34" charset="0"/>
-              <a:buChar char="•"/>
-              <a:defRPr sz="1800" kern="1200">
-                <a:solidFill>
-                  <a:schemeClr val="tx1"/>
-                </a:solidFill>
-                <a:latin typeface="+mn-lt"/>
-                <a:ea typeface="+mn-ea"/>
-                <a:cs typeface="+mn-cs"/>
-              </a:defRPr>
-            </a:lvl6pPr>
-            <a:lvl7pPr marL="2971800" indent="-228600" algn="l" defTabSz="914400" rtl="0" eaLnBrk="1" latinLnBrk="0" hangingPunct="1">
-              <a:lnSpc>
-                <a:spcPct val="90000"/>
-              </a:lnSpc>
-              <a:spcBef>
-                <a:spcPts val="500"/>
-              </a:spcBef>
-              <a:buFont typeface="Arial" panose="020B0604020202020204" pitchFamily="34" charset="0"/>
-              <a:buChar char="•"/>
-              <a:defRPr sz="1800" kern="1200">
-                <a:solidFill>
-                  <a:schemeClr val="tx1"/>
-                </a:solidFill>
-                <a:latin typeface="+mn-lt"/>
-                <a:ea typeface="+mn-ea"/>
-                <a:cs typeface="+mn-cs"/>
-              </a:defRPr>
-            </a:lvl7pPr>
-            <a:lvl8pPr marL="3429000" indent="-228600" algn="l" defTabSz="914400" rtl="0" eaLnBrk="1" latinLnBrk="0" hangingPunct="1">
-              <a:lnSpc>
-                <a:spcPct val="90000"/>
-              </a:lnSpc>
-              <a:spcBef>
-                <a:spcPts val="500"/>
-              </a:spcBef>
-              <a:buFont typeface="Arial" panose="020B0604020202020204" pitchFamily="34" charset="0"/>
-              <a:buChar char="•"/>
-              <a:defRPr sz="1800" kern="1200">
-                <a:solidFill>
-                  <a:schemeClr val="tx1"/>
-                </a:solidFill>
-                <a:latin typeface="+mn-lt"/>
-                <a:ea typeface="+mn-ea"/>
-                <a:cs typeface="+mn-cs"/>
-              </a:defRPr>
-            </a:lvl8pPr>
-            <a:lvl9pPr marL="3886200" indent="-228600" algn="l" defTabSz="914400" rtl="0" eaLnBrk="1" latinLnBrk="0" hangingPunct="1">
-              <a:lnSpc>
-                <a:spcPct val="90000"/>
-              </a:lnSpc>
-              <a:spcBef>
-                <a:spcPts val="500"/>
-              </a:spcBef>
-              <a:buFont typeface="Arial" panose="020B0604020202020204" pitchFamily="34" charset="0"/>
-              <a:buChar char="•"/>
-              <a:defRPr sz="1800" kern="1200">
-                <a:solidFill>
-                  <a:schemeClr val="tx1"/>
-                </a:solidFill>
-                <a:latin typeface="+mn-lt"/>
-                <a:ea typeface="+mn-ea"/>
-                <a:cs typeface="+mn-cs"/>
-              </a:defRPr>
-            </a:lvl9pPr>
-          </a:lstStyle>
-          <a:p>
-            <a:pPr marL="0" indent="0">
-              <a:lnSpc>
-                <a:spcPct val="100000"/>
-              </a:lnSpc>
-              <a:buFont typeface="Arial" panose="020B0604020202020204" pitchFamily="34" charset="0"/>
-              <a:buNone/>
-            </a:pPr>
-            <a:r>
-              <a:rPr lang="pt-BR" sz="2600" dirty="0">
-                <a:solidFill>
-                  <a:srgbClr val="575756"/>
-                </a:solidFill>
-                <a:latin typeface="Asap" panose="00000500000000000000" pitchFamily="2" charset="0"/>
-              </a:rPr>
-              <a:t> </a:t>
-            </a:r>
-          </a:p>
-        </p:txBody>
-      </p:sp>
-      <p:sp>
-        <p:nvSpPr>
-          <p:cNvPr id="4" name="Retângulo 3">
-            <a:extLst>
-              <a:ext uri="{FF2B5EF4-FFF2-40B4-BE49-F238E27FC236}">
-                <a16:creationId xmlns:a16="http://schemas.microsoft.com/office/drawing/2014/main" id="{0A9AE514-C283-A8B9-0EA0-7498936E0F5B}"/>
-              </a:ext>
-            </a:extLst>
-          </p:cNvPr>
-          <p:cNvSpPr/>
-          <p:nvPr/>
-        </p:nvSpPr>
-        <p:spPr>
-          <a:xfrm>
-            <a:off x="4135772" y="4270075"/>
-            <a:ext cx="6871534" cy="897508"/>
-          </a:xfrm>
-          <a:prstGeom prst="rect">
-            <a:avLst/>
-          </a:prstGeom>
-          <a:noFill/>
-          <a:ln w="9525" cap="flat" cmpd="sng" algn="ctr">
-            <a:solidFill>
-              <a:schemeClr val="accent1"/>
-            </a:solidFill>
-            <a:prstDash val="solid"/>
-            <a:round/>
-            <a:headEnd type="none" w="med" len="med"/>
-            <a:tailEnd type="none" w="med" len="med"/>
-          </a:ln>
-        </p:spPr>
-        <p:style>
-          <a:lnRef idx="0">
-            <a:scrgbClr r="0" g="0" b="0"/>
-          </a:lnRef>
-          <a:fillRef idx="0">
-            <a:scrgbClr r="0" g="0" b="0"/>
-          </a:fillRef>
-          <a:effectRef idx="0">
-            <a:scrgbClr r="0" g="0" b="0"/>
-          </a:effectRef>
-          <a:fontRef idx="minor">
-            <a:schemeClr val="accent1"/>
-          </a:fontRef>
-        </p:style>
-        <p:txBody>
-          <a:bodyPr rtlCol="0" anchor="ctr"/>
-          <a:lstStyle/>
-          <a:p>
-            <a:pPr algn="ctr"/>
-            <a:endParaRPr lang="pt-BR"/>
-          </a:p>
-        </p:txBody>
-      </p:sp>
-    </p:spTree>
-    <p:extLst>
-      <p:ext uri="{BB962C8B-B14F-4D97-AF65-F5344CB8AC3E}">
-        <p14:creationId xmlns:p14="http://schemas.microsoft.com/office/powerpoint/2010/main" val="851026022"/>
-      </p:ext>
-    </p:extLst>
-  </p:cSld>
-  <p:clrMapOvr>
-    <a:masterClrMapping/>
-  </p:clrMapOvr>
-</p:sld>
-</file>
-
-<file path=ppt/slides/slide6.xml><?xml version="1.0" encoding="utf-8"?>
-<p:sld xmlns:a="http://schemas.openxmlformats.org/drawingml/2006/main" xmlns:r="http://schemas.openxmlformats.org/officeDocument/2006/relationships" xmlns:p="http://schemas.openxmlformats.org/presentationml/2006/main">
-  <p:cSld>
-    <p:spTree>
-      <p:nvGrpSpPr>
-        <p:cNvPr id="1" name=""/>
-        <p:cNvGrpSpPr/>
-        <p:nvPr/>
-      </p:nvGrpSpPr>
-      <p:grpSpPr>
-        <a:xfrm>
-          <a:off x="0" y="0"/>
-          <a:ext cx="0" cy="0"/>
-          <a:chOff x="0" y="0"/>
-          <a:chExt cx="0" cy="0"/>
-        </a:xfrm>
-      </p:grpSpPr>
-      <p:sp>
-        <p:nvSpPr>
-          <p:cNvPr id="3" name="Espaço Reservado para Conteúdo 2">
-            <a:extLst>
-              <a:ext uri="{FF2B5EF4-FFF2-40B4-BE49-F238E27FC236}">
-                <a16:creationId xmlns:a16="http://schemas.microsoft.com/office/drawing/2014/main" id="{40381986-94CF-4578-8578-5FEC2FA85378}"/>
-              </a:ext>
-            </a:extLst>
-          </p:cNvPr>
-          <p:cNvSpPr>
-            <a:spLocks noGrp="1"/>
-          </p:cNvSpPr>
-          <p:nvPr>
-            <p:ph idx="1"/>
-          </p:nvPr>
-        </p:nvSpPr>
-        <p:spPr>
-          <a:xfrm>
-            <a:off x="4135772" y="1227364"/>
-            <a:ext cx="6715489" cy="4403272"/>
-          </a:xfrm>
-        </p:spPr>
-        <p:txBody>
-          <a:bodyPr>
-            <a:normAutofit/>
-          </a:bodyPr>
-          <a:lstStyle/>
-          <a:p>
-            <a:pPr algn="just">
-              <a:lnSpc>
-                <a:spcPct val="100000"/>
-              </a:lnSpc>
-            </a:pPr>
-            <a:r>
-              <a:rPr lang="pt-BR" sz="1600" dirty="0">
-                <a:solidFill>
-                  <a:srgbClr val="575756"/>
-                </a:solidFill>
-                <a:latin typeface="Asap" panose="00000500000000000000"/>
-              </a:rPr>
               <a:t>No livro do </a:t>
             </a:r>
             <a:r>
@@ -15622,6 +15342,373 @@
     <p:extLst>
       <p:ext uri="{BB962C8B-B14F-4D97-AF65-F5344CB8AC3E}">
         <p14:creationId xmlns:p14="http://schemas.microsoft.com/office/powerpoint/2010/main" val="3533973137"/>
+      </p:ext>
+    </p:extLst>
+  </p:cSld>
+  <p:clrMapOvr>
+    <a:masterClrMapping/>
+  </p:clrMapOvr>
+</p:sld>
+</file>
+
+<file path=ppt/slides/slide6.xml><?xml version="1.0" encoding="utf-8"?>
+<p:sld xmlns:a="http://schemas.openxmlformats.org/drawingml/2006/main" xmlns:r="http://schemas.openxmlformats.org/officeDocument/2006/relationships" xmlns:p="http://schemas.openxmlformats.org/presentationml/2006/main">
+  <p:cSld>
+    <p:spTree>
+      <p:nvGrpSpPr>
+        <p:cNvPr id="1" name=""/>
+        <p:cNvGrpSpPr/>
+        <p:nvPr/>
+      </p:nvGrpSpPr>
+      <p:grpSpPr>
+        <a:xfrm>
+          <a:off x="0" y="0"/>
+          <a:ext cx="0" cy="0"/>
+          <a:chOff x="0" y="0"/>
+          <a:chExt cx="0" cy="0"/>
+        </a:xfrm>
+      </p:grpSpPr>
+      <p:sp>
+        <p:nvSpPr>
+          <p:cNvPr id="6" name="Título 1">
+            <a:extLst>
+              <a:ext uri="{FF2B5EF4-FFF2-40B4-BE49-F238E27FC236}">
+                <a16:creationId xmlns:a16="http://schemas.microsoft.com/office/drawing/2014/main" id="{29506E41-E78A-4624-9442-2C05FCDFFDD1}"/>
+              </a:ext>
+            </a:extLst>
+          </p:cNvPr>
+          <p:cNvSpPr txBox="1">
+            <a:spLocks/>
+          </p:cNvSpPr>
+          <p:nvPr/>
+        </p:nvSpPr>
+        <p:spPr>
+          <a:xfrm>
+            <a:off x="815196" y="1886574"/>
+            <a:ext cx="10256807" cy="2780051"/>
+          </a:xfrm>
+          <a:prstGeom prst="rect">
+            <a:avLst/>
+          </a:prstGeom>
+        </p:spPr>
+        <p:txBody>
+          <a:bodyPr vert="horz" lIns="91440" tIns="45720" rIns="91440" bIns="45720" rtlCol="0" anchor="ctr">
+            <a:normAutofit fontScale="97500"/>
+          </a:bodyPr>
+          <a:lstStyle>
+            <a:lvl1pPr algn="l" defTabSz="914400" rtl="0" eaLnBrk="1" latinLnBrk="0" hangingPunct="1">
+              <a:lnSpc>
+                <a:spcPct val="90000"/>
+              </a:lnSpc>
+              <a:spcBef>
+                <a:spcPct val="0"/>
+              </a:spcBef>
+              <a:buNone/>
+              <a:defRPr sz="4400" kern="1200">
+                <a:solidFill>
+                  <a:schemeClr val="tx1"/>
+                </a:solidFill>
+                <a:latin typeface="+mj-lt"/>
+                <a:ea typeface="+mj-ea"/>
+                <a:cs typeface="+mj-cs"/>
+              </a:defRPr>
+            </a:lvl1pPr>
+          </a:lstStyle>
+          <a:p>
+            <a:pPr algn="r"/>
+            <a:r>
+              <a:rPr lang="en-US" sz="4800" b="1" dirty="0">
+                <a:solidFill>
+                  <a:srgbClr val="22438A"/>
+                </a:solidFill>
+                <a:latin typeface="Asap" panose="00000500000000000000"/>
+              </a:rPr>
+              <a:t>H</a:t>
+            </a:r>
+            <a:r>
+              <a:rPr lang="pt-BR" sz="4800" b="1" dirty="0">
+                <a:solidFill>
+                  <a:srgbClr val="22438A"/>
+                </a:solidFill>
+                <a:latin typeface="Asap" panose="00000500000000000000"/>
+              </a:rPr>
+              <a:t>ORA DE POR A MÃO NA MASSA !</a:t>
+            </a:r>
+          </a:p>
+          <a:p>
+            <a:pPr algn="r"/>
+            <a:r>
+              <a:rPr lang="pt-BR" sz="4800" b="1" dirty="0">
+                <a:solidFill>
+                  <a:srgbClr val="22438A"/>
+                </a:solidFill>
+                <a:latin typeface="Asap" panose="00000500000000000000"/>
+              </a:rPr>
+              <a:t>SHOW ME THE CODE  </a:t>
+            </a:r>
+          </a:p>
+        </p:txBody>
+      </p:sp>
+      <p:sp>
+        <p:nvSpPr>
+          <p:cNvPr id="5" name="Espaço Reservado para Conteúdo 2">
+            <a:extLst>
+              <a:ext uri="{FF2B5EF4-FFF2-40B4-BE49-F238E27FC236}">
+                <a16:creationId xmlns:a16="http://schemas.microsoft.com/office/drawing/2014/main" id="{298CF56C-531D-456B-926E-E1934EBBFA79}"/>
+              </a:ext>
+            </a:extLst>
+          </p:cNvPr>
+          <p:cNvSpPr txBox="1">
+            <a:spLocks/>
+          </p:cNvSpPr>
+          <p:nvPr/>
+        </p:nvSpPr>
+        <p:spPr>
+          <a:xfrm>
+            <a:off x="3885176" y="1430000"/>
+            <a:ext cx="7350904" cy="4403272"/>
+          </a:xfrm>
+          <a:prstGeom prst="rect">
+            <a:avLst/>
+          </a:prstGeom>
+        </p:spPr>
+        <p:txBody>
+          <a:bodyPr vert="horz" lIns="91440" tIns="45720" rIns="91440" bIns="45720" rtlCol="0">
+            <a:normAutofit/>
+          </a:bodyPr>
+          <a:lstStyle>
+            <a:lvl1pPr marL="228600" indent="-228600" algn="l" defTabSz="914400" rtl="0" eaLnBrk="1" latinLnBrk="0" hangingPunct="1">
+              <a:lnSpc>
+                <a:spcPct val="90000"/>
+              </a:lnSpc>
+              <a:spcBef>
+                <a:spcPts val="1000"/>
+              </a:spcBef>
+              <a:buFont typeface="Arial" panose="020B0604020202020204" pitchFamily="34" charset="0"/>
+              <a:buChar char="•"/>
+              <a:defRPr sz="2800" kern="1200">
+                <a:solidFill>
+                  <a:schemeClr val="tx1"/>
+                </a:solidFill>
+                <a:latin typeface="+mn-lt"/>
+                <a:ea typeface="+mn-ea"/>
+                <a:cs typeface="+mn-cs"/>
+              </a:defRPr>
+            </a:lvl1pPr>
+            <a:lvl2pPr marL="685800" indent="-228600" algn="l" defTabSz="914400" rtl="0" eaLnBrk="1" latinLnBrk="0" hangingPunct="1">
+              <a:lnSpc>
+                <a:spcPct val="90000"/>
+              </a:lnSpc>
+              <a:spcBef>
+                <a:spcPts val="500"/>
+              </a:spcBef>
+              <a:buFont typeface="Arial" panose="020B0604020202020204" pitchFamily="34" charset="0"/>
+              <a:buChar char="•"/>
+              <a:defRPr sz="2400" kern="1200">
+                <a:solidFill>
+                  <a:schemeClr val="tx1"/>
+                </a:solidFill>
+                <a:latin typeface="+mn-lt"/>
+                <a:ea typeface="+mn-ea"/>
+                <a:cs typeface="+mn-cs"/>
+              </a:defRPr>
+            </a:lvl2pPr>
+            <a:lvl3pPr marL="1143000" indent="-228600" algn="l" defTabSz="914400" rtl="0" eaLnBrk="1" latinLnBrk="0" hangingPunct="1">
+              <a:lnSpc>
+                <a:spcPct val="90000"/>
+              </a:lnSpc>
+              <a:spcBef>
+                <a:spcPts val="500"/>
+              </a:spcBef>
+              <a:buFont typeface="Arial" panose="020B0604020202020204" pitchFamily="34" charset="0"/>
+              <a:buChar char="•"/>
+              <a:defRPr sz="2000" kern="1200">
+                <a:solidFill>
+                  <a:schemeClr val="tx1"/>
+                </a:solidFill>
+                <a:latin typeface="+mn-lt"/>
+                <a:ea typeface="+mn-ea"/>
+                <a:cs typeface="+mn-cs"/>
+              </a:defRPr>
+            </a:lvl3pPr>
+            <a:lvl4pPr marL="1600200" indent="-228600" algn="l" defTabSz="914400" rtl="0" eaLnBrk="1" latinLnBrk="0" hangingPunct="1">
+              <a:lnSpc>
+                <a:spcPct val="90000"/>
+              </a:lnSpc>
+              <a:spcBef>
+                <a:spcPts val="500"/>
+              </a:spcBef>
+              <a:buFont typeface="Arial" panose="020B0604020202020204" pitchFamily="34" charset="0"/>
+              <a:buChar char="•"/>
+              <a:defRPr sz="1800" kern="1200">
+                <a:solidFill>
+                  <a:schemeClr val="tx1"/>
+                </a:solidFill>
+                <a:latin typeface="+mn-lt"/>
+                <a:ea typeface="+mn-ea"/>
+                <a:cs typeface="+mn-cs"/>
+              </a:defRPr>
+            </a:lvl4pPr>
+            <a:lvl5pPr marL="2057400" indent="-228600" algn="l" defTabSz="914400" rtl="0" eaLnBrk="1" latinLnBrk="0" hangingPunct="1">
+              <a:lnSpc>
+                <a:spcPct val="90000"/>
+              </a:lnSpc>
+              <a:spcBef>
+                <a:spcPts val="500"/>
+              </a:spcBef>
+              <a:buFont typeface="Arial" panose="020B0604020202020204" pitchFamily="34" charset="0"/>
+              <a:buChar char="•"/>
+              <a:defRPr sz="1800" kern="1200">
+                <a:solidFill>
+                  <a:schemeClr val="tx1"/>
+                </a:solidFill>
+                <a:latin typeface="+mn-lt"/>
+                <a:ea typeface="+mn-ea"/>
+                <a:cs typeface="+mn-cs"/>
+              </a:defRPr>
+            </a:lvl5pPr>
+            <a:lvl6pPr marL="2514600" indent="-228600" algn="l" defTabSz="914400" rtl="0" eaLnBrk="1" latinLnBrk="0" hangingPunct="1">
+              <a:lnSpc>
+                <a:spcPct val="90000"/>
+              </a:lnSpc>
+              <a:spcBef>
+                <a:spcPts val="500"/>
+              </a:spcBef>
+              <a:buFont typeface="Arial" panose="020B0604020202020204" pitchFamily="34" charset="0"/>
+              <a:buChar char="•"/>
+              <a:defRPr sz="1800" kern="1200">
+                <a:solidFill>
+                  <a:schemeClr val="tx1"/>
+                </a:solidFill>
+                <a:latin typeface="+mn-lt"/>
+                <a:ea typeface="+mn-ea"/>
+                <a:cs typeface="+mn-cs"/>
+              </a:defRPr>
+            </a:lvl6pPr>
+            <a:lvl7pPr marL="2971800" indent="-228600" algn="l" defTabSz="914400" rtl="0" eaLnBrk="1" latinLnBrk="0" hangingPunct="1">
+              <a:lnSpc>
+                <a:spcPct val="90000"/>
+              </a:lnSpc>
+              <a:spcBef>
+                <a:spcPts val="500"/>
+              </a:spcBef>
+              <a:buFont typeface="Arial" panose="020B0604020202020204" pitchFamily="34" charset="0"/>
+              <a:buChar char="•"/>
+              <a:defRPr sz="1800" kern="1200">
+                <a:solidFill>
+                  <a:schemeClr val="tx1"/>
+                </a:solidFill>
+                <a:latin typeface="+mn-lt"/>
+                <a:ea typeface="+mn-ea"/>
+                <a:cs typeface="+mn-cs"/>
+              </a:defRPr>
+            </a:lvl7pPr>
+            <a:lvl8pPr marL="3429000" indent="-228600" algn="l" defTabSz="914400" rtl="0" eaLnBrk="1" latinLnBrk="0" hangingPunct="1">
+              <a:lnSpc>
+                <a:spcPct val="90000"/>
+              </a:lnSpc>
+              <a:spcBef>
+                <a:spcPts val="500"/>
+              </a:spcBef>
+              <a:buFont typeface="Arial" panose="020B0604020202020204" pitchFamily="34" charset="0"/>
+              <a:buChar char="•"/>
+              <a:defRPr sz="1800" kern="1200">
+                <a:solidFill>
+                  <a:schemeClr val="tx1"/>
+                </a:solidFill>
+                <a:latin typeface="+mn-lt"/>
+                <a:ea typeface="+mn-ea"/>
+                <a:cs typeface="+mn-cs"/>
+              </a:defRPr>
+            </a:lvl8pPr>
+            <a:lvl9pPr marL="3886200" indent="-228600" algn="l" defTabSz="914400" rtl="0" eaLnBrk="1" latinLnBrk="0" hangingPunct="1">
+              <a:lnSpc>
+                <a:spcPct val="90000"/>
+              </a:lnSpc>
+              <a:spcBef>
+                <a:spcPts val="500"/>
+              </a:spcBef>
+              <a:buFont typeface="Arial" panose="020B0604020202020204" pitchFamily="34" charset="0"/>
+              <a:buChar char="•"/>
+              <a:defRPr sz="1800" kern="1200">
+                <a:solidFill>
+                  <a:schemeClr val="tx1"/>
+                </a:solidFill>
+                <a:latin typeface="+mn-lt"/>
+                <a:ea typeface="+mn-ea"/>
+                <a:cs typeface="+mn-cs"/>
+              </a:defRPr>
+            </a:lvl9pPr>
+          </a:lstStyle>
+          <a:p>
+            <a:pPr marL="0" indent="0">
+              <a:lnSpc>
+                <a:spcPct val="100000"/>
+              </a:lnSpc>
+              <a:buFont typeface="Arial" panose="020B0604020202020204" pitchFamily="34" charset="0"/>
+              <a:buNone/>
+            </a:pPr>
+            <a:r>
+              <a:rPr lang="pt-BR" sz="2600" dirty="0">
+                <a:solidFill>
+                  <a:srgbClr val="575756"/>
+                </a:solidFill>
+                <a:latin typeface="Asap" panose="00000500000000000000" pitchFamily="2" charset="0"/>
+              </a:rPr>
+              <a:t> </a:t>
+            </a:r>
+          </a:p>
+        </p:txBody>
+      </p:sp>
+      <p:sp>
+        <p:nvSpPr>
+          <p:cNvPr id="2" name="AutoShape 2" descr="Diagram of bounded contexts">
+            <a:extLst>
+              <a:ext uri="{FF2B5EF4-FFF2-40B4-BE49-F238E27FC236}">
+                <a16:creationId xmlns:a16="http://schemas.microsoft.com/office/drawing/2014/main" id="{F19AE2D8-9601-3870-93B4-3B01BF93D535}"/>
+              </a:ext>
+            </a:extLst>
+          </p:cNvPr>
+          <p:cNvSpPr>
+            <a:spLocks noChangeAspect="1" noChangeArrowheads="1"/>
+          </p:cNvSpPr>
+          <p:nvPr/>
+        </p:nvSpPr>
+        <p:spPr bwMode="auto">
+          <a:xfrm>
+            <a:off x="5943600" y="3276600"/>
+            <a:ext cx="304800" cy="304800"/>
+          </a:xfrm>
+          <a:prstGeom prst="rect">
+            <a:avLst/>
+          </a:prstGeom>
+          <a:noFill/>
+          <a:extLst>
+            <a:ext uri="{909E8E84-426E-40DD-AFC4-6F175D3DCCD1}">
+              <a14:hiddenFill xmlns:a14="http://schemas.microsoft.com/office/drawing/2010/main">
+                <a:solidFill>
+                  <a:srgbClr val="FFFFFF"/>
+                </a:solidFill>
+              </a14:hiddenFill>
+            </a:ext>
+          </a:extLst>
+        </p:spPr>
+        <p:txBody>
+          <a:bodyPr vert="horz" wrap="square" lIns="91440" tIns="45720" rIns="91440" bIns="45720" numCol="1" anchor="t" anchorCtr="0" compatLnSpc="1">
+            <a:prstTxWarp prst="textNoShape">
+              <a:avLst/>
+            </a:prstTxWarp>
+          </a:bodyPr>
+          <a:lstStyle/>
+          <a:p>
+            <a:endParaRPr lang="pt-BR"/>
+          </a:p>
+        </p:txBody>
+      </p:sp>
+    </p:spTree>
+    <p:extLst>
+      <p:ext uri="{BB962C8B-B14F-4D97-AF65-F5344CB8AC3E}">
+        <p14:creationId xmlns:p14="http://schemas.microsoft.com/office/powerpoint/2010/main" val="4217117064"/>
       </p:ext>
     </p:extLst>
   </p:cSld>
